--- a/CKDSurveillance/PPT/Q756.pptx
+++ b/CKDSurveillance/PPT/Q756.pptx
@@ -7,9 +7,12 @@
   <p:sldIdLst>
     <p:sldId id="256" r:id="rId2"/>
     <p:sldId id="267" r:id="rId3"/>
-    <p:sldId id="268" r:id="rId4"/>
-    <p:sldId id="269" r:id="rId5"/>
-    <p:sldId id="270" r:id="rId6"/>
+    <p:sldId id="271" r:id="rId4"/>
+    <p:sldId id="268" r:id="rId5"/>
+    <p:sldId id="269" r:id="rId6"/>
+    <p:sldId id="272" r:id="rId7"/>
+    <p:sldId id="270" r:id="rId8"/>
+    <p:sldId id="273" r:id="rId9"/>
   </p:sldIdLst>
   <p:sldSz cx="12192000" cy="6858000"/>
   <p:notesSz cx="6858000" cy="9144000"/>
@@ -160,7 +163,7 @@
           <c:order val="0"/>
           <c:tx>
             <c:strRef>
-              <c:f>'(9) Stage 3-5 by Age &amp; FY'!$C$11</c:f>
+              <c:f>Overall!$B$1</c:f>
               <c:strCache>
                 <c:ptCount val="1"/>
                 <c:pt idx="0">
@@ -172,7 +175,7 @@
           <c:spPr>
             <a:ln w="44450" cap="rnd">
               <a:solidFill>
-                <a:srgbClr val="7030A0"/>
+                <a:srgbClr val="800080"/>
               </a:solidFill>
               <a:round/>
             </a:ln>
@@ -183,11 +186,11 @@
             <c:size val="5"/>
             <c:spPr>
               <a:solidFill>
-                <a:srgbClr val="7030A0"/>
+                <a:srgbClr val="800080"/>
               </a:solidFill>
               <a:ln w="44450">
                 <a:solidFill>
-                  <a:srgbClr val="7030A0"/>
+                  <a:srgbClr val="800080"/>
                 </a:solidFill>
               </a:ln>
               <a:effectLst/>
@@ -195,20 +198,41 @@
           </c:marker>
           <c:cat>
             <c:numRef>
-              <c:f>'(9) Stage 3-5 by Age &amp; FY'!$B$12:$B$15</c:f>
+              <c:f>Overall!$A$2:$A$12</c:f>
               <c:numCache>
                 <c:formatCode>General</c:formatCode>
-                <c:ptCount val="4"/>
+                <c:ptCount val="11"/>
                 <c:pt idx="0">
+                  <c:v>2009</c:v>
+                </c:pt>
+                <c:pt idx="1">
+                  <c:v>2010</c:v>
+                </c:pt>
+                <c:pt idx="2">
+                  <c:v>2011</c:v>
+                </c:pt>
+                <c:pt idx="3">
+                  <c:v>2012</c:v>
+                </c:pt>
+                <c:pt idx="4">
+                  <c:v>2013</c:v>
+                </c:pt>
+                <c:pt idx="5">
+                  <c:v>2014</c:v>
+                </c:pt>
+                <c:pt idx="6">
+                  <c:v>2015</c:v>
+                </c:pt>
+                <c:pt idx="7">
                   <c:v>2016</c:v>
                 </c:pt>
-                <c:pt idx="1">
+                <c:pt idx="8">
                   <c:v>2017</c:v>
                 </c:pt>
-                <c:pt idx="2">
+                <c:pt idx="9">
                   <c:v>2018</c:v>
                 </c:pt>
-                <c:pt idx="3">
+                <c:pt idx="10">
                   <c:v>2019</c:v>
                 </c:pt>
               </c:numCache>
@@ -216,21 +240,42 @@
           </c:cat>
           <c:val>
             <c:numRef>
-              <c:f>'(9) Stage 3-5 by Age &amp; FY'!$C$12:$C$15</c:f>
+              <c:f>Overall!$B$2:$B$12</c:f>
               <c:numCache>
                 <c:formatCode>0.0</c:formatCode>
-                <c:ptCount val="4"/>
+                <c:ptCount val="11"/>
                 <c:pt idx="0">
-                  <c:v>4.9400000000000004</c:v>
+                  <c:v>6.4</c:v>
                 </c:pt>
                 <c:pt idx="1">
-                  <c:v>5.29</c:v>
+                  <c:v>6</c:v>
                 </c:pt>
                 <c:pt idx="2">
-                  <c:v>5.27</c:v>
+                  <c:v>5.3</c:v>
                 </c:pt>
                 <c:pt idx="3">
-                  <c:v>5.28</c:v>
+                  <c:v>5.3</c:v>
+                </c:pt>
+                <c:pt idx="4">
+                  <c:v>5.0999999999999996</c:v>
+                </c:pt>
+                <c:pt idx="5">
+                  <c:v>5</c:v>
+                </c:pt>
+                <c:pt idx="6">
+                  <c:v>4.9000000000000004</c:v>
+                </c:pt>
+                <c:pt idx="7">
+                  <c:v>5.0999999999999996</c:v>
+                </c:pt>
+                <c:pt idx="8">
+                  <c:v>5.4</c:v>
+                </c:pt>
+                <c:pt idx="9">
+                  <c:v>5.4</c:v>
+                </c:pt>
+                <c:pt idx="10">
+                  <c:v>5.4</c:v>
                 </c:pt>
               </c:numCache>
             </c:numRef>
@@ -238,7 +283,7 @@
           <c:smooth val="0"/>
           <c:extLst>
             <c:ext xmlns:c16="http://schemas.microsoft.com/office/drawing/2014/chart" uri="{C3380CC4-5D6E-409C-BE32-E72D297353CC}">
-              <c16:uniqueId val="{00000000-8A3F-4685-A06E-989F1B3AF846}"/>
+              <c16:uniqueId val="{00000000-5CE3-461D-8F38-0482FE1A5755}"/>
             </c:ext>
           </c:extLst>
         </c:ser>
@@ -252,11 +297,11 @@
         </c:dLbls>
         <c:marker val="1"/>
         <c:smooth val="0"/>
-        <c:axId val="2088441616"/>
-        <c:axId val="2088443280"/>
+        <c:axId val="487957728"/>
+        <c:axId val="487957312"/>
       </c:lineChart>
       <c:catAx>
-        <c:axId val="2088441616"/>
+        <c:axId val="487957728"/>
         <c:scaling>
           <c:orientation val="minMax"/>
         </c:scaling>
@@ -284,9 +329,9 @@
           <a:lstStyle/>
           <a:p>
             <a:pPr>
-              <a:defRPr sz="2400" b="0" i="0" u="none" strike="noStrike" kern="1200" baseline="0">
+              <a:defRPr sz="2300" b="0" i="0" u="none" strike="noStrike" kern="1200" baseline="0">
                 <a:solidFill>
-                  <a:schemeClr val="tx1"/>
+                  <a:sysClr val="windowText" lastClr="000000"/>
                 </a:solidFill>
                 <a:latin typeface="Calibri" panose="020F0502020204030204" pitchFamily="34" charset="0"/>
                 <a:ea typeface="+mn-ea"/>
@@ -296,7 +341,7 @@
             <a:endParaRPr lang="en-US"/>
           </a:p>
         </c:txPr>
-        <c:crossAx val="2088443280"/>
+        <c:crossAx val="487957312"/>
         <c:crosses val="autoZero"/>
         <c:auto val="1"/>
         <c:lblAlgn val="ctr"/>
@@ -304,11 +349,10 @@
         <c:noMultiLvlLbl val="0"/>
       </c:catAx>
       <c:valAx>
-        <c:axId val="2088443280"/>
+        <c:axId val="487957312"/>
         <c:scaling>
           <c:orientation val="minMax"/>
-          <c:max val="6"/>
-          <c:min val="0"/>
+          <c:max val="10"/>
         </c:scaling>
         <c:delete val="0"/>
         <c:axPos val="l"/>
@@ -333,9 +377,9 @@
               <a:lstStyle/>
               <a:p>
                 <a:pPr>
-                  <a:defRPr sz="2800" b="0" i="0" u="none" strike="noStrike" kern="1200" baseline="0">
+                  <a:defRPr sz="2400" b="0" i="0" u="none" strike="noStrike" kern="1200" baseline="0">
                     <a:solidFill>
-                      <a:schemeClr val="tx1"/>
+                      <a:sysClr val="windowText" lastClr="000000"/>
                     </a:solidFill>
                     <a:latin typeface="Calibri" panose="020F0502020204030204" pitchFamily="34" charset="0"/>
                     <a:ea typeface="+mn-ea"/>
@@ -343,9 +387,9 @@
                   </a:defRPr>
                 </a:pPr>
                 <a:r>
-                  <a:rPr lang="en-US" sz="2800">
+                  <a:rPr lang="en-US" sz="2400" b="0">
                     <a:solidFill>
-                      <a:schemeClr val="tx1"/>
+                      <a:sysClr val="windowText" lastClr="000000"/>
                     </a:solidFill>
                     <a:latin typeface="Calibri" panose="020F0502020204030204" pitchFamily="34" charset="0"/>
                     <a:cs typeface="Calibri" panose="020F0502020204030204" pitchFamily="34" charset="0"/>
@@ -353,18 +397,34 @@
                   <a:t>CKD</a:t>
                 </a:r>
                 <a:r>
-                  <a:rPr lang="en-US" sz="2800" baseline="0">
+                  <a:rPr lang="en-US" sz="2400" b="0" baseline="0">
                     <a:solidFill>
-                      <a:schemeClr val="tx1"/>
+                      <a:sysClr val="windowText" lastClr="000000"/>
+                    </a:solidFill>
+                    <a:latin typeface="Calibri" panose="020F0502020204030204" pitchFamily="34" charset="0"/>
+                    <a:cs typeface="Calibri" panose="020F0502020204030204" pitchFamily="34" charset="0"/>
+                  </a:rPr>
+                  <a:t> Stages 3</a:t>
+                </a:r>
+                <a:r>
+                  <a:rPr lang="en-US" sz="2400" b="0" i="0" u="none" strike="noStrike" baseline="0">
+                    <a:effectLst/>
+                  </a:rPr>
+                  <a:t>–5</a:t>
+                </a:r>
+                <a:r>
+                  <a:rPr lang="en-US" sz="2400" b="0" baseline="0">
+                    <a:solidFill>
+                      <a:sysClr val="windowText" lastClr="000000"/>
                     </a:solidFill>
                     <a:latin typeface="Calibri" panose="020F0502020204030204" pitchFamily="34" charset="0"/>
                     <a:cs typeface="Calibri" panose="020F0502020204030204" pitchFamily="34" charset="0"/>
                   </a:rPr>
                   <a:t> (%)</a:t>
                 </a:r>
-                <a:endParaRPr lang="en-US" sz="2800">
+                <a:endParaRPr lang="en-US" sz="2400" b="0">
                   <a:solidFill>
-                    <a:schemeClr val="tx1"/>
+                    <a:sysClr val="windowText" lastClr="000000"/>
                   </a:solidFill>
                   <a:latin typeface="Calibri" panose="020F0502020204030204" pitchFamily="34" charset="0"/>
                   <a:cs typeface="Calibri" panose="020F0502020204030204" pitchFamily="34" charset="0"/>
@@ -376,8 +436,8 @@
             <c:manualLayout>
               <c:xMode val="edge"/>
               <c:yMode val="edge"/>
-              <c:x val="4.4061303845103353E-3"/>
-              <c:y val="0.2753002069374646"/>
+              <c:x val="7.2235898313311884E-4"/>
+              <c:y val="0.16163449535048"/>
             </c:manualLayout>
           </c:layout>
           <c:overlay val="0"/>
@@ -393,9 +453,9 @@
             <a:lstStyle/>
             <a:p>
               <a:pPr>
-                <a:defRPr sz="2800" b="0" i="0" u="none" strike="noStrike" kern="1200" baseline="0">
+                <a:defRPr sz="2400" b="0" i="0" u="none" strike="noStrike" kern="1200" baseline="0">
                   <a:solidFill>
-                    <a:schemeClr val="tx1"/>
+                    <a:sysClr val="windowText" lastClr="000000"/>
                   </a:solidFill>
                   <a:latin typeface="Calibri" panose="020F0502020204030204" pitchFamily="34" charset="0"/>
                   <a:ea typeface="+mn-ea"/>
@@ -422,9 +482,9 @@
           <a:lstStyle/>
           <a:p>
             <a:pPr>
-              <a:defRPr sz="2400" b="0" i="0" u="none" strike="noStrike" kern="1200" baseline="0">
+              <a:defRPr sz="2300" b="0" i="0" u="none" strike="noStrike" kern="1200" baseline="0">
                 <a:solidFill>
-                  <a:schemeClr val="tx1"/>
+                  <a:sysClr val="windowText" lastClr="000000"/>
                 </a:solidFill>
                 <a:latin typeface="Calibri" panose="020F0502020204030204" pitchFamily="34" charset="0"/>
                 <a:ea typeface="+mn-ea"/>
@@ -434,7 +494,7 @@
             <a:endParaRPr lang="en-US"/>
           </a:p>
         </c:txPr>
-        <c:crossAx val="2088441616"/>
+        <c:crossAx val="487957728"/>
         <c:crosses val="autoZero"/>
         <c:crossBetween val="between"/>
       </c:valAx>
@@ -458,9 +518,12 @@
     <c:showDLblsOverMax val="0"/>
   </c:chart>
   <c:spPr>
-    <a:noFill/>
-    <a:ln>
+    <a:solidFill>
+      <a:schemeClr val="bg1"/>
+    </a:solidFill>
+    <a:ln w="9525" cap="flat" cmpd="sng" algn="ctr">
       <a:noFill/>
+      <a:round/>
     </a:ln>
     <a:effectLst/>
   </c:spPr>
@@ -505,7 +568,7 @@
           <c:order val="0"/>
           <c:tx>
             <c:strRef>
-              <c:f>'(9) Stage 3-5 by Age &amp; FY'!$C$11</c:f>
+              <c:f>Overall!$B$19</c:f>
               <c:strCache>
                 <c:ptCount val="1"/>
                 <c:pt idx="0">
@@ -517,95 +580,7 @@
           <c:spPr>
             <a:ln w="44450" cap="rnd">
               <a:solidFill>
-                <a:schemeClr val="tx1"/>
-              </a:solidFill>
-              <a:prstDash val="sysDash"/>
-              <a:round/>
-            </a:ln>
-            <a:effectLst/>
-          </c:spPr>
-          <c:marker>
-            <c:symbol val="circle"/>
-            <c:size val="5"/>
-            <c:spPr>
-              <a:solidFill>
-                <a:schemeClr val="tx1"/>
-              </a:solidFill>
-              <a:ln w="44450">
-                <a:solidFill>
-                  <a:schemeClr val="tx1"/>
-                </a:solidFill>
-              </a:ln>
-              <a:effectLst/>
-            </c:spPr>
-          </c:marker>
-          <c:cat>
-            <c:numRef>
-              <c:f>'(9) Stage 3-5 by Age &amp; FY'!$B$12:$B$15</c:f>
-              <c:numCache>
-                <c:formatCode>General</c:formatCode>
-                <c:ptCount val="4"/>
-                <c:pt idx="0">
-                  <c:v>2016</c:v>
-                </c:pt>
-                <c:pt idx="1">
-                  <c:v>2017</c:v>
-                </c:pt>
-                <c:pt idx="2">
-                  <c:v>2018</c:v>
-                </c:pt>
-                <c:pt idx="3">
-                  <c:v>2019</c:v>
-                </c:pt>
-              </c:numCache>
-            </c:numRef>
-          </c:cat>
-          <c:val>
-            <c:numRef>
-              <c:f>'(9) Stage 3-5 by Age &amp; FY'!$C$12:$C$15</c:f>
-              <c:numCache>
-                <c:formatCode>0.0</c:formatCode>
-                <c:ptCount val="4"/>
-                <c:pt idx="0">
-                  <c:v>4.9400000000000004</c:v>
-                </c:pt>
-                <c:pt idx="1">
-                  <c:v>5.29</c:v>
-                </c:pt>
-                <c:pt idx="2">
-                  <c:v>5.27</c:v>
-                </c:pt>
-                <c:pt idx="3">
-                  <c:v>5.28</c:v>
-                </c:pt>
-              </c:numCache>
-            </c:numRef>
-          </c:val>
-          <c:smooth val="0"/>
-          <c:extLst>
-            <c:ext xmlns:c16="http://schemas.microsoft.com/office/drawing/2014/chart" uri="{C3380CC4-5D6E-409C-BE32-E72D297353CC}">
-              <c16:uniqueId val="{00000000-F096-4ECB-81D5-F55F751B43F9}"/>
-            </c:ext>
-          </c:extLst>
-        </c:ser>
-        <c:ser>
-          <c:idx val="1"/>
-          <c:order val="1"/>
-          <c:tx>
-            <c:strRef>
-              <c:f>'(9) Stage 3-5 by Age &amp; FY'!$D$11</c:f>
-              <c:strCache>
-                <c:ptCount val="1"/>
-                <c:pt idx="0">
-                  <c:v>18–29 years</c:v>
-                </c:pt>
-              </c:strCache>
-            </c:strRef>
-          </c:tx>
-          <c:spPr>
-            <a:ln w="44450" cap="rnd">
-              <a:solidFill>
-                <a:srgbClr val="7030A0"/>
+                <a:srgbClr val="800080"/>
               </a:solidFill>
               <a:round/>
             </a:ln>
@@ -616,11 +591,11 @@
             <c:size val="5"/>
             <c:spPr>
               <a:solidFill>
-                <a:srgbClr val="7030A0"/>
+                <a:srgbClr val="800080"/>
               </a:solidFill>
               <a:ln w="44450">
                 <a:solidFill>
-                  <a:srgbClr val="7030A0"/>
+                  <a:srgbClr val="800080"/>
                 </a:solidFill>
               </a:ln>
               <a:effectLst/>
@@ -628,20 +603,41 @@
           </c:marker>
           <c:cat>
             <c:numRef>
-              <c:f>'(9) Stage 3-5 by Age &amp; FY'!$B$12:$B$15</c:f>
+              <c:f>Overall!$A$20:$A$30</c:f>
               <c:numCache>
                 <c:formatCode>General</c:formatCode>
-                <c:ptCount val="4"/>
+                <c:ptCount val="11"/>
                 <c:pt idx="0">
+                  <c:v>2009</c:v>
+                </c:pt>
+                <c:pt idx="1">
+                  <c:v>2010</c:v>
+                </c:pt>
+                <c:pt idx="2">
+                  <c:v>2011</c:v>
+                </c:pt>
+                <c:pt idx="3">
+                  <c:v>2012</c:v>
+                </c:pt>
+                <c:pt idx="4">
+                  <c:v>2013</c:v>
+                </c:pt>
+                <c:pt idx="5">
+                  <c:v>2014</c:v>
+                </c:pt>
+                <c:pt idx="6">
+                  <c:v>2015</c:v>
+                </c:pt>
+                <c:pt idx="7">
                   <c:v>2016</c:v>
                 </c:pt>
-                <c:pt idx="1">
+                <c:pt idx="8">
                   <c:v>2017</c:v>
                 </c:pt>
-                <c:pt idx="2">
+                <c:pt idx="9">
                   <c:v>2018</c:v>
                 </c:pt>
-                <c:pt idx="3">
+                <c:pt idx="10">
                   <c:v>2019</c:v>
                 </c:pt>
               </c:numCache>
@@ -649,21 +645,42 @@
           </c:cat>
           <c:val>
             <c:numRef>
-              <c:f>'(9) Stage 3-5 by Age &amp; FY'!$D$12:$D$15</c:f>
+              <c:f>Overall!$B$20:$B$30</c:f>
               <c:numCache>
                 <c:formatCode>0.0</c:formatCode>
-                <c:ptCount val="4"/>
+                <c:ptCount val="11"/>
                 <c:pt idx="0">
-                  <c:v>0.21</c:v>
+                  <c:v>8</c:v>
                 </c:pt>
                 <c:pt idx="1">
-                  <c:v>0.21</c:v>
+                  <c:v>7.6</c:v>
                 </c:pt>
                 <c:pt idx="2">
-                  <c:v>0.23</c:v>
+                  <c:v>7</c:v>
                 </c:pt>
                 <c:pt idx="3">
-                  <c:v>0.25</c:v>
+                  <c:v>7</c:v>
+                </c:pt>
+                <c:pt idx="4">
+                  <c:v>6.6</c:v>
+                </c:pt>
+                <c:pt idx="5">
+                  <c:v>6.4</c:v>
+                </c:pt>
+                <c:pt idx="6">
+                  <c:v>6.1</c:v>
+                </c:pt>
+                <c:pt idx="7">
+                  <c:v>6.1</c:v>
+                </c:pt>
+                <c:pt idx="8">
+                  <c:v>6.4</c:v>
+                </c:pt>
+                <c:pt idx="9">
+                  <c:v>6.3</c:v>
+                </c:pt>
+                <c:pt idx="10">
+                  <c:v>6.4</c:v>
                 </c:pt>
               </c:numCache>
             </c:numRef>
@@ -671,457 +688,7 @@
           <c:smooth val="0"/>
           <c:extLst>
             <c:ext xmlns:c16="http://schemas.microsoft.com/office/drawing/2014/chart" uri="{C3380CC4-5D6E-409C-BE32-E72D297353CC}">
-              <c16:uniqueId val="{00000001-F096-4ECB-81D5-F55F751B43F9}"/>
-            </c:ext>
-          </c:extLst>
-        </c:ser>
-        <c:ser>
-          <c:idx val="2"/>
-          <c:order val="2"/>
-          <c:tx>
-            <c:strRef>
-              <c:f>'(9) Stage 3-5 by Age &amp; FY'!$E$11</c:f>
-              <c:strCache>
-                <c:ptCount val="1"/>
-                <c:pt idx="0">
-                  <c:v>30–39 years</c:v>
-                </c:pt>
-              </c:strCache>
-            </c:strRef>
-          </c:tx>
-          <c:spPr>
-            <a:ln w="44450" cap="rnd">
-              <a:solidFill>
-                <a:srgbClr val="008080"/>
-              </a:solidFill>
-              <a:round/>
-            </a:ln>
-            <a:effectLst/>
-          </c:spPr>
-          <c:marker>
-            <c:symbol val="circle"/>
-            <c:size val="5"/>
-            <c:spPr>
-              <a:solidFill>
-                <a:srgbClr val="008080"/>
-              </a:solidFill>
-              <a:ln w="44450">
-                <a:solidFill>
-                  <a:srgbClr val="008080"/>
-                </a:solidFill>
-              </a:ln>
-              <a:effectLst/>
-            </c:spPr>
-          </c:marker>
-          <c:cat>
-            <c:numRef>
-              <c:f>'(9) Stage 3-5 by Age &amp; FY'!$B$12:$B$15</c:f>
-              <c:numCache>
-                <c:formatCode>General</c:formatCode>
-                <c:ptCount val="4"/>
-                <c:pt idx="0">
-                  <c:v>2016</c:v>
-                </c:pt>
-                <c:pt idx="1">
-                  <c:v>2017</c:v>
-                </c:pt>
-                <c:pt idx="2">
-                  <c:v>2018</c:v>
-                </c:pt>
-                <c:pt idx="3">
-                  <c:v>2019</c:v>
-                </c:pt>
-              </c:numCache>
-            </c:numRef>
-          </c:cat>
-          <c:val>
-            <c:numRef>
-              <c:f>'(9) Stage 3-5 by Age &amp; FY'!$E$12:$E$15</c:f>
-              <c:numCache>
-                <c:formatCode>0.0</c:formatCode>
-                <c:ptCount val="4"/>
-                <c:pt idx="0">
-                  <c:v>0.52</c:v>
-                </c:pt>
-                <c:pt idx="1">
-                  <c:v>0.56000000000000005</c:v>
-                </c:pt>
-                <c:pt idx="2">
-                  <c:v>0.56999999999999995</c:v>
-                </c:pt>
-                <c:pt idx="3">
-                  <c:v>0.57999999999999996</c:v>
-                </c:pt>
-              </c:numCache>
-            </c:numRef>
-          </c:val>
-          <c:smooth val="0"/>
-          <c:extLst>
-            <c:ext xmlns:c16="http://schemas.microsoft.com/office/drawing/2014/chart" uri="{C3380CC4-5D6E-409C-BE32-E72D297353CC}">
-              <c16:uniqueId val="{00000002-F096-4ECB-81D5-F55F751B43F9}"/>
-            </c:ext>
-          </c:extLst>
-        </c:ser>
-        <c:ser>
-          <c:idx val="3"/>
-          <c:order val="3"/>
-          <c:tx>
-            <c:strRef>
-              <c:f>'(9) Stage 3-5 by Age &amp; FY'!$F$11</c:f>
-              <c:strCache>
-                <c:ptCount val="1"/>
-                <c:pt idx="0">
-                  <c:v>40–49 years</c:v>
-                </c:pt>
-              </c:strCache>
-            </c:strRef>
-          </c:tx>
-          <c:spPr>
-            <a:ln w="44450" cap="rnd">
-              <a:solidFill>
-                <a:schemeClr val="bg2">
-                  <a:lumMod val="75000"/>
-                </a:schemeClr>
-              </a:solidFill>
-              <a:round/>
-            </a:ln>
-            <a:effectLst/>
-          </c:spPr>
-          <c:marker>
-            <c:symbol val="circle"/>
-            <c:size val="5"/>
-            <c:spPr>
-              <a:solidFill>
-                <a:schemeClr val="bg2">
-                  <a:lumMod val="75000"/>
-                </a:schemeClr>
-              </a:solidFill>
-              <a:ln w="44450">
-                <a:solidFill>
-                  <a:schemeClr val="bg2">
-                    <a:lumMod val="75000"/>
-                  </a:schemeClr>
-                </a:solidFill>
-              </a:ln>
-              <a:effectLst/>
-            </c:spPr>
-          </c:marker>
-          <c:cat>
-            <c:numRef>
-              <c:f>'(9) Stage 3-5 by Age &amp; FY'!$B$12:$B$15</c:f>
-              <c:numCache>
-                <c:formatCode>General</c:formatCode>
-                <c:ptCount val="4"/>
-                <c:pt idx="0">
-                  <c:v>2016</c:v>
-                </c:pt>
-                <c:pt idx="1">
-                  <c:v>2017</c:v>
-                </c:pt>
-                <c:pt idx="2">
-                  <c:v>2018</c:v>
-                </c:pt>
-                <c:pt idx="3">
-                  <c:v>2019</c:v>
-                </c:pt>
-              </c:numCache>
-            </c:numRef>
-          </c:cat>
-          <c:val>
-            <c:numRef>
-              <c:f>'(9) Stage 3-5 by Age &amp; FY'!$F$12:$F$15</c:f>
-              <c:numCache>
-                <c:formatCode>0.0</c:formatCode>
-                <c:ptCount val="4"/>
-                <c:pt idx="0">
-                  <c:v>1.52</c:v>
-                </c:pt>
-                <c:pt idx="1">
-                  <c:v>1.58</c:v>
-                </c:pt>
-                <c:pt idx="2">
-                  <c:v>1.57</c:v>
-                </c:pt>
-                <c:pt idx="3">
-                  <c:v>1.66</c:v>
-                </c:pt>
-              </c:numCache>
-            </c:numRef>
-          </c:val>
-          <c:smooth val="0"/>
-          <c:extLst>
-            <c:ext xmlns:c16="http://schemas.microsoft.com/office/drawing/2014/chart" uri="{C3380CC4-5D6E-409C-BE32-E72D297353CC}">
-              <c16:uniqueId val="{00000003-F096-4ECB-81D5-F55F751B43F9}"/>
-            </c:ext>
-          </c:extLst>
-        </c:ser>
-        <c:ser>
-          <c:idx val="4"/>
-          <c:order val="4"/>
-          <c:tx>
-            <c:strRef>
-              <c:f>'(9) Stage 3-5 by Age &amp; FY'!$G$11</c:f>
-              <c:strCache>
-                <c:ptCount val="1"/>
-                <c:pt idx="0">
-                  <c:v>50–59 years</c:v>
-                </c:pt>
-              </c:strCache>
-            </c:strRef>
-          </c:tx>
-          <c:spPr>
-            <a:ln w="44450" cap="rnd">
-              <a:solidFill>
-                <a:schemeClr val="accent2"/>
-              </a:solidFill>
-              <a:round/>
-            </a:ln>
-            <a:effectLst/>
-          </c:spPr>
-          <c:marker>
-            <c:symbol val="circle"/>
-            <c:size val="5"/>
-            <c:spPr>
-              <a:solidFill>
-                <a:schemeClr val="accent2"/>
-              </a:solidFill>
-              <a:ln w="44450">
-                <a:solidFill>
-                  <a:schemeClr val="accent2"/>
-                </a:solidFill>
-              </a:ln>
-              <a:effectLst/>
-            </c:spPr>
-          </c:marker>
-          <c:cat>
-            <c:numRef>
-              <c:f>'(9) Stage 3-5 by Age &amp; FY'!$B$12:$B$15</c:f>
-              <c:numCache>
-                <c:formatCode>General</c:formatCode>
-                <c:ptCount val="4"/>
-                <c:pt idx="0">
-                  <c:v>2016</c:v>
-                </c:pt>
-                <c:pt idx="1">
-                  <c:v>2017</c:v>
-                </c:pt>
-                <c:pt idx="2">
-                  <c:v>2018</c:v>
-                </c:pt>
-                <c:pt idx="3">
-                  <c:v>2019</c:v>
-                </c:pt>
-              </c:numCache>
-            </c:numRef>
-          </c:cat>
-          <c:val>
-            <c:numRef>
-              <c:f>'(9) Stage 3-5 by Age &amp; FY'!$G$12:$G$15</c:f>
-              <c:numCache>
-                <c:formatCode>0.0</c:formatCode>
-                <c:ptCount val="4"/>
-                <c:pt idx="0">
-                  <c:v>3.59</c:v>
-                </c:pt>
-                <c:pt idx="1">
-                  <c:v>3.78</c:v>
-                </c:pt>
-                <c:pt idx="2">
-                  <c:v>3.83</c:v>
-                </c:pt>
-                <c:pt idx="3">
-                  <c:v>4.12</c:v>
-                </c:pt>
-              </c:numCache>
-            </c:numRef>
-          </c:val>
-          <c:smooth val="0"/>
-          <c:extLst>
-            <c:ext xmlns:c16="http://schemas.microsoft.com/office/drawing/2014/chart" uri="{C3380CC4-5D6E-409C-BE32-E72D297353CC}">
-              <c16:uniqueId val="{00000004-F096-4ECB-81D5-F55F751B43F9}"/>
-            </c:ext>
-          </c:extLst>
-        </c:ser>
-        <c:ser>
-          <c:idx val="5"/>
-          <c:order val="5"/>
-          <c:tx>
-            <c:strRef>
-              <c:f>'(9) Stage 3-5 by Age &amp; FY'!$H$11</c:f>
-              <c:strCache>
-                <c:ptCount val="1"/>
-                <c:pt idx="0">
-                  <c:v>60–69 years</c:v>
-                </c:pt>
-              </c:strCache>
-            </c:strRef>
-          </c:tx>
-          <c:spPr>
-            <a:ln w="44450" cap="rnd">
-              <a:solidFill>
-                <a:srgbClr val="996633"/>
-              </a:solidFill>
-              <a:round/>
-            </a:ln>
-            <a:effectLst/>
-          </c:spPr>
-          <c:marker>
-            <c:symbol val="circle"/>
-            <c:size val="5"/>
-            <c:spPr>
-              <a:solidFill>
-                <a:srgbClr val="996633"/>
-              </a:solidFill>
-              <a:ln w="44450">
-                <a:solidFill>
-                  <a:srgbClr val="996633"/>
-                </a:solidFill>
-              </a:ln>
-              <a:effectLst/>
-            </c:spPr>
-          </c:marker>
-          <c:cat>
-            <c:numRef>
-              <c:f>'(9) Stage 3-5 by Age &amp; FY'!$B$12:$B$15</c:f>
-              <c:numCache>
-                <c:formatCode>General</c:formatCode>
-                <c:ptCount val="4"/>
-                <c:pt idx="0">
-                  <c:v>2016</c:v>
-                </c:pt>
-                <c:pt idx="1">
-                  <c:v>2017</c:v>
-                </c:pt>
-                <c:pt idx="2">
-                  <c:v>2018</c:v>
-                </c:pt>
-                <c:pt idx="3">
-                  <c:v>2019</c:v>
-                </c:pt>
-              </c:numCache>
-            </c:numRef>
-          </c:cat>
-          <c:val>
-            <c:numRef>
-              <c:f>'(9) Stage 3-5 by Age &amp; FY'!$H$12:$H$15</c:f>
-              <c:numCache>
-                <c:formatCode>0.0</c:formatCode>
-                <c:ptCount val="4"/>
-                <c:pt idx="0">
-                  <c:v>8.99</c:v>
-                </c:pt>
-                <c:pt idx="1">
-                  <c:v>9.39</c:v>
-                </c:pt>
-                <c:pt idx="2">
-                  <c:v>9.34</c:v>
-                </c:pt>
-                <c:pt idx="3">
-                  <c:v>9.43</c:v>
-                </c:pt>
-              </c:numCache>
-            </c:numRef>
-          </c:val>
-          <c:smooth val="0"/>
-          <c:extLst>
-            <c:ext xmlns:c16="http://schemas.microsoft.com/office/drawing/2014/chart" uri="{C3380CC4-5D6E-409C-BE32-E72D297353CC}">
-              <c16:uniqueId val="{00000005-F096-4ECB-81D5-F55F751B43F9}"/>
-            </c:ext>
-          </c:extLst>
-        </c:ser>
-        <c:ser>
-          <c:idx val="6"/>
-          <c:order val="6"/>
-          <c:tx>
-            <c:strRef>
-              <c:f>'(9) Stage 3-5 by Age &amp; FY'!$I$11</c:f>
-              <c:strCache>
-                <c:ptCount val="1"/>
-                <c:pt idx="0">
-                  <c:v>70+ years</c:v>
-                </c:pt>
-              </c:strCache>
-            </c:strRef>
-          </c:tx>
-          <c:spPr>
-            <a:ln w="44450" cap="rnd">
-              <a:solidFill>
-                <a:schemeClr val="tx1">
-                  <a:lumMod val="65000"/>
-                  <a:lumOff val="35000"/>
-                </a:schemeClr>
-              </a:solidFill>
-              <a:round/>
-            </a:ln>
-            <a:effectLst/>
-          </c:spPr>
-          <c:marker>
-            <c:symbol val="circle"/>
-            <c:size val="5"/>
-            <c:spPr>
-              <a:solidFill>
-                <a:schemeClr val="tx1">
-                  <a:lumMod val="65000"/>
-                  <a:lumOff val="35000"/>
-                </a:schemeClr>
-              </a:solidFill>
-              <a:ln w="44450">
-                <a:solidFill>
-                  <a:schemeClr val="tx1">
-                    <a:lumMod val="65000"/>
-                    <a:lumOff val="35000"/>
-                  </a:schemeClr>
-                </a:solidFill>
-              </a:ln>
-              <a:effectLst/>
-            </c:spPr>
-          </c:marker>
-          <c:cat>
-            <c:numRef>
-              <c:f>'(9) Stage 3-5 by Age &amp; FY'!$B$12:$B$15</c:f>
-              <c:numCache>
-                <c:formatCode>General</c:formatCode>
-                <c:ptCount val="4"/>
-                <c:pt idx="0">
-                  <c:v>2016</c:v>
-                </c:pt>
-                <c:pt idx="1">
-                  <c:v>2017</c:v>
-                </c:pt>
-                <c:pt idx="2">
-                  <c:v>2018</c:v>
-                </c:pt>
-                <c:pt idx="3">
-                  <c:v>2019</c:v>
-                </c:pt>
-              </c:numCache>
-            </c:numRef>
-          </c:cat>
-          <c:val>
-            <c:numRef>
-              <c:f>'(9) Stage 3-5 by Age &amp; FY'!$I$12:$I$15</c:f>
-              <c:numCache>
-                <c:formatCode>0.0</c:formatCode>
-                <c:ptCount val="4"/>
-                <c:pt idx="0">
-                  <c:v>31.2</c:v>
-                </c:pt>
-                <c:pt idx="1">
-                  <c:v>32.43</c:v>
-                </c:pt>
-                <c:pt idx="2">
-                  <c:v>31.79</c:v>
-                </c:pt>
-                <c:pt idx="3">
-                  <c:v>31.78</c:v>
-                </c:pt>
-              </c:numCache>
-            </c:numRef>
-          </c:val>
-          <c:smooth val="0"/>
-          <c:extLst>
-            <c:ext xmlns:c16="http://schemas.microsoft.com/office/drawing/2014/chart" uri="{C3380CC4-5D6E-409C-BE32-E72D297353CC}">
-              <c16:uniqueId val="{00000006-F096-4ECB-81D5-F55F751B43F9}"/>
+              <c16:uniqueId val="{00000000-4572-41F7-81E9-7D2659BA26A4}"/>
             </c:ext>
           </c:extLst>
         </c:ser>
@@ -1135,11 +702,11 @@
         </c:dLbls>
         <c:marker val="1"/>
         <c:smooth val="0"/>
-        <c:axId val="135394976"/>
-        <c:axId val="135400800"/>
+        <c:axId val="294046352"/>
+        <c:axId val="294042192"/>
       </c:lineChart>
       <c:catAx>
-        <c:axId val="135394976"/>
+        <c:axId val="294046352"/>
         <c:scaling>
           <c:orientation val="minMax"/>
         </c:scaling>
@@ -1167,9 +734,9 @@
           <a:lstStyle/>
           <a:p>
             <a:pPr>
-              <a:defRPr sz="2400" b="0" i="0" u="none" strike="noStrike" kern="1200" baseline="0">
+              <a:defRPr sz="2300" b="0" i="0" u="none" strike="noStrike" kern="1200" baseline="0">
                 <a:solidFill>
-                  <a:schemeClr val="tx1"/>
+                  <a:sysClr val="windowText" lastClr="000000"/>
                 </a:solidFill>
                 <a:latin typeface="Calibri" panose="020F0502020204030204" pitchFamily="34" charset="0"/>
                 <a:ea typeface="+mn-ea"/>
@@ -1179,7 +746,7 @@
             <a:endParaRPr lang="en-US"/>
           </a:p>
         </c:txPr>
-        <c:crossAx val="135400800"/>
+        <c:crossAx val="294042192"/>
         <c:crosses val="autoZero"/>
         <c:auto val="1"/>
         <c:lblAlgn val="ctr"/>
@@ -1187,9 +754,10 @@
         <c:noMultiLvlLbl val="0"/>
       </c:catAx>
       <c:valAx>
-        <c:axId val="135400800"/>
+        <c:axId val="294042192"/>
         <c:scaling>
           <c:orientation val="minMax"/>
+          <c:max val="10"/>
         </c:scaling>
         <c:delete val="0"/>
         <c:axPos val="l"/>
@@ -1214,9 +782,9 @@
               <a:lstStyle/>
               <a:p>
                 <a:pPr>
-                  <a:defRPr sz="2800" b="0" i="0" u="none" strike="noStrike" kern="1200" baseline="0">
+                  <a:defRPr sz="2400" b="0" i="0" u="none" strike="noStrike" kern="1200" baseline="0">
                     <a:solidFill>
-                      <a:schemeClr val="tx1"/>
+                      <a:sysClr val="windowText" lastClr="000000"/>
                     </a:solidFill>
                     <a:latin typeface="Calibri" panose="020F0502020204030204" pitchFamily="34" charset="0"/>
                     <a:ea typeface="+mn-ea"/>
@@ -1224,31 +792,13 @@
                   </a:defRPr>
                 </a:pPr>
                 <a:r>
-                  <a:rPr lang="en-US" sz="2800">
-                    <a:solidFill>
-                      <a:schemeClr val="tx1"/>
-                    </a:solidFill>
-                    <a:latin typeface="Calibri" panose="020F0502020204030204" pitchFamily="34" charset="0"/>
-                    <a:cs typeface="Calibri" panose="020F0502020204030204" pitchFamily="34" charset="0"/>
+                  <a:rPr lang="en-US" sz="2400" b="0" i="0" baseline="0">
+                    <a:effectLst/>
                   </a:rPr>
-                  <a:t>CKD</a:t>
+                  <a:t>CKD Stages 3–5 (%)</a:t>
                 </a:r>
-                <a:r>
-                  <a:rPr lang="en-US" sz="2800" baseline="0">
-                    <a:solidFill>
-                      <a:schemeClr val="tx1"/>
-                    </a:solidFill>
-                    <a:latin typeface="Calibri" panose="020F0502020204030204" pitchFamily="34" charset="0"/>
-                    <a:cs typeface="Calibri" panose="020F0502020204030204" pitchFamily="34" charset="0"/>
-                  </a:rPr>
-                  <a:t> (%)</a:t>
-                </a:r>
-                <a:endParaRPr lang="en-US" sz="2800">
-                  <a:solidFill>
-                    <a:schemeClr val="tx1"/>
-                  </a:solidFill>
-                  <a:latin typeface="Calibri" panose="020F0502020204030204" pitchFamily="34" charset="0"/>
-                  <a:cs typeface="Calibri" panose="020F0502020204030204" pitchFamily="34" charset="0"/>
+                <a:endParaRPr lang="en-US" sz="2400" b="0">
+                  <a:effectLst/>
                 </a:endParaRPr>
               </a:p>
             </c:rich>
@@ -1257,8 +807,8 @@
             <c:manualLayout>
               <c:xMode val="edge"/>
               <c:yMode val="edge"/>
-              <c:x val="0"/>
-              <c:y val="0.21961213932558554"/>
+              <c:x val="5.9662073490813648E-4"/>
+              <c:y val="0.16955246130456994"/>
             </c:manualLayout>
           </c:layout>
           <c:overlay val="0"/>
@@ -1274,9 +824,9 @@
             <a:lstStyle/>
             <a:p>
               <a:pPr>
-                <a:defRPr sz="2800" b="0" i="0" u="none" strike="noStrike" kern="1200" baseline="0">
+                <a:defRPr sz="2400" b="0" i="0" u="none" strike="noStrike" kern="1200" baseline="0">
                   <a:solidFill>
-                    <a:schemeClr val="tx1"/>
+                    <a:sysClr val="windowText" lastClr="000000"/>
                   </a:solidFill>
                   <a:latin typeface="Calibri" panose="020F0502020204030204" pitchFamily="34" charset="0"/>
                   <a:ea typeface="+mn-ea"/>
@@ -1303,9 +853,9 @@
           <a:lstStyle/>
           <a:p>
             <a:pPr>
-              <a:defRPr sz="2400" b="0" i="0" u="none" strike="noStrike" kern="1200" baseline="0">
+              <a:defRPr sz="2300" b="0" i="0" u="none" strike="noStrike" kern="1200" baseline="0">
                 <a:solidFill>
-                  <a:schemeClr val="tx1"/>
+                  <a:sysClr val="windowText" lastClr="000000"/>
                 </a:solidFill>
                 <a:latin typeface="Calibri" panose="020F0502020204030204" pitchFamily="34" charset="0"/>
                 <a:ea typeface="+mn-ea"/>
@@ -1315,7 +865,7 @@
             <a:endParaRPr lang="en-US"/>
           </a:p>
         </c:txPr>
-        <c:crossAx val="135394976"/>
+        <c:crossAx val="294046352"/>
         <c:crosses val="autoZero"/>
         <c:crossBetween val="between"/>
       </c:valAx>
@@ -1327,44 +877,6 @@
         <a:effectLst/>
       </c:spPr>
     </c:plotArea>
-    <c:legend>
-      <c:legendPos val="b"/>
-      <c:layout>
-        <c:manualLayout>
-          <c:xMode val="edge"/>
-          <c:yMode val="edge"/>
-          <c:x val="1.9458016226566892E-2"/>
-          <c:y val="0.79525420061237517"/>
-          <c:w val="0.96433255509340154"/>
-          <c:h val="0.18825711101734341"/>
-        </c:manualLayout>
-      </c:layout>
-      <c:overlay val="0"/>
-      <c:spPr>
-        <a:noFill/>
-        <a:ln>
-          <a:noFill/>
-        </a:ln>
-        <a:effectLst/>
-      </c:spPr>
-      <c:txPr>
-        <a:bodyPr rot="0" spcFirstLastPara="1" vertOverflow="ellipsis" vert="horz" wrap="square" anchor="ctr" anchorCtr="1"/>
-        <a:lstStyle/>
-        <a:p>
-          <a:pPr>
-            <a:defRPr sz="2400" b="0" i="0" u="none" strike="noStrike" kern="1200" baseline="0">
-              <a:solidFill>
-                <a:schemeClr val="tx1"/>
-              </a:solidFill>
-              <a:latin typeface="Calibri" panose="020F0502020204030204" pitchFamily="34" charset="0"/>
-              <a:ea typeface="+mn-ea"/>
-              <a:cs typeface="Calibri" panose="020F0502020204030204" pitchFamily="34" charset="0"/>
-            </a:defRPr>
-          </a:pPr>
-          <a:endParaRPr lang="en-US"/>
-        </a:p>
-      </c:txPr>
-    </c:legend>
     <c:plotVisOnly val="1"/>
     <c:dispBlanksAs val="gap"/>
     <c:extLst>
@@ -1377,9 +889,12 @@
     <c:showDLblsOverMax val="0"/>
   </c:chart>
   <c:spPr>
-    <a:noFill/>
-    <a:ln>
+    <a:solidFill>
+      <a:schemeClr val="bg1"/>
+    </a:solidFill>
+    <a:ln w="9525" cap="flat" cmpd="sng" algn="ctr">
       <a:noFill/>
+      <a:round/>
     </a:ln>
     <a:effectLst/>
   </c:spPr>
@@ -1424,11 +939,11 @@
           <c:order val="0"/>
           <c:tx>
             <c:strRef>
-              <c:f>'(10) Stage 3-5 by Age, Sex &amp; FY'!$E$7</c:f>
+              <c:f>Age!$B$33</c:f>
               <c:strCache>
                 <c:ptCount val="1"/>
                 <c:pt idx="0">
-                  <c:v>Female </c:v>
+                  <c:v>18–39 years</c:v>
                 </c:pt>
               </c:strCache>
             </c:strRef>
@@ -1436,7 +951,7 @@
           <c:spPr>
             <a:ln w="44450" cap="rnd">
               <a:solidFill>
-                <a:srgbClr val="008080"/>
+                <a:schemeClr val="accent1"/>
               </a:solidFill>
               <a:round/>
             </a:ln>
@@ -1447,11 +962,11 @@
             <c:size val="5"/>
             <c:spPr>
               <a:solidFill>
-                <a:srgbClr val="008080"/>
+                <a:schemeClr val="accent1"/>
               </a:solidFill>
               <a:ln w="44450">
                 <a:solidFill>
-                  <a:srgbClr val="008080"/>
+                  <a:schemeClr val="accent1"/>
                 </a:solidFill>
               </a:ln>
               <a:effectLst/>
@@ -1459,20 +974,41 @@
           </c:marker>
           <c:cat>
             <c:numRef>
-              <c:f>'(10) Stage 3-5 by Age, Sex &amp; FY'!$D$8:$D$11</c:f>
+              <c:f>Age!$A$34:$A$44</c:f>
               <c:numCache>
                 <c:formatCode>General</c:formatCode>
-                <c:ptCount val="4"/>
+                <c:ptCount val="11"/>
                 <c:pt idx="0">
+                  <c:v>2009</c:v>
+                </c:pt>
+                <c:pt idx="1">
+                  <c:v>2010</c:v>
+                </c:pt>
+                <c:pt idx="2">
+                  <c:v>2011</c:v>
+                </c:pt>
+                <c:pt idx="3">
+                  <c:v>2012</c:v>
+                </c:pt>
+                <c:pt idx="4">
+                  <c:v>2013</c:v>
+                </c:pt>
+                <c:pt idx="5">
+                  <c:v>2014</c:v>
+                </c:pt>
+                <c:pt idx="6">
+                  <c:v>2015</c:v>
+                </c:pt>
+                <c:pt idx="7">
                   <c:v>2016</c:v>
                 </c:pt>
-                <c:pt idx="1">
+                <c:pt idx="8">
                   <c:v>2017</c:v>
                 </c:pt>
-                <c:pt idx="2">
+                <c:pt idx="9">
                   <c:v>2018</c:v>
                 </c:pt>
-                <c:pt idx="3">
+                <c:pt idx="10">
                   <c:v>2019</c:v>
                 </c:pt>
               </c:numCache>
@@ -1480,21 +1016,42 @@
           </c:cat>
           <c:val>
             <c:numRef>
-              <c:f>'(10) Stage 3-5 by Age, Sex &amp; FY'!$E$8:$E$11</c:f>
+              <c:f>Age!$B$34:$B$44</c:f>
               <c:numCache>
                 <c:formatCode>0.0</c:formatCode>
-                <c:ptCount val="4"/>
+                <c:ptCount val="11"/>
                 <c:pt idx="0">
-                  <c:v>4.5999999999999996</c:v>
+                  <c:v>1.2</c:v>
                 </c:pt>
                 <c:pt idx="1">
-                  <c:v>4.9800000000000004</c:v>
+                  <c:v>1.1000000000000001</c:v>
                 </c:pt>
                 <c:pt idx="2">
-                  <c:v>4.95</c:v>
+                  <c:v>0.89999999999999991</c:v>
                 </c:pt>
                 <c:pt idx="3">
-                  <c:v>4.97</c:v>
+                  <c:v>0.89999999999999991</c:v>
+                </c:pt>
+                <c:pt idx="4">
+                  <c:v>0.8</c:v>
+                </c:pt>
+                <c:pt idx="5">
+                  <c:v>0.8</c:v>
+                </c:pt>
+                <c:pt idx="6">
+                  <c:v>0.8</c:v>
+                </c:pt>
+                <c:pt idx="7">
+                  <c:v>0.7</c:v>
+                </c:pt>
+                <c:pt idx="8">
+                  <c:v>0.8</c:v>
+                </c:pt>
+                <c:pt idx="9">
+                  <c:v>0.8</c:v>
+                </c:pt>
+                <c:pt idx="10">
+                  <c:v>0.8</c:v>
                 </c:pt>
               </c:numCache>
             </c:numRef>
@@ -1502,7 +1059,7 @@
           <c:smooth val="0"/>
           <c:extLst>
             <c:ext xmlns:c16="http://schemas.microsoft.com/office/drawing/2014/chart" uri="{C3380CC4-5D6E-409C-BE32-E72D297353CC}">
-              <c16:uniqueId val="{00000000-1C3E-4047-A2FC-C601283CC41E}"/>
+              <c16:uniqueId val="{00000000-84A5-4735-BF7F-3B6673976F50}"/>
             </c:ext>
           </c:extLst>
         </c:ser>
@@ -1511,11 +1068,11 @@
           <c:order val="1"/>
           <c:tx>
             <c:strRef>
-              <c:f>'(10) Stage 3-5 by Age, Sex &amp; FY'!$F$7</c:f>
+              <c:f>Age!$C$33</c:f>
               <c:strCache>
                 <c:ptCount val="1"/>
                 <c:pt idx="0">
-                  <c:v>Male</c:v>
+                  <c:v>40–59 years</c:v>
                 </c:pt>
               </c:strCache>
             </c:strRef>
@@ -1523,7 +1080,7 @@
           <c:spPr>
             <a:ln w="44450" cap="rnd">
               <a:solidFill>
-                <a:srgbClr val="7030A0"/>
+                <a:schemeClr val="accent2"/>
               </a:solidFill>
               <a:round/>
             </a:ln>
@@ -1534,11 +1091,11 @@
             <c:size val="5"/>
             <c:spPr>
               <a:solidFill>
-                <a:srgbClr val="7030A0"/>
+                <a:schemeClr val="accent2"/>
               </a:solidFill>
               <a:ln w="44450">
                 <a:solidFill>
-                  <a:srgbClr val="7030A0"/>
+                  <a:schemeClr val="accent2"/>
                 </a:solidFill>
               </a:ln>
               <a:effectLst/>
@@ -1546,20 +1103,41 @@
           </c:marker>
           <c:cat>
             <c:numRef>
-              <c:f>'(10) Stage 3-5 by Age, Sex &amp; FY'!$D$8:$D$11</c:f>
+              <c:f>Age!$A$34:$A$44</c:f>
               <c:numCache>
                 <c:formatCode>General</c:formatCode>
-                <c:ptCount val="4"/>
+                <c:ptCount val="11"/>
                 <c:pt idx="0">
+                  <c:v>2009</c:v>
+                </c:pt>
+                <c:pt idx="1">
+                  <c:v>2010</c:v>
+                </c:pt>
+                <c:pt idx="2">
+                  <c:v>2011</c:v>
+                </c:pt>
+                <c:pt idx="3">
+                  <c:v>2012</c:v>
+                </c:pt>
+                <c:pt idx="4">
+                  <c:v>2013</c:v>
+                </c:pt>
+                <c:pt idx="5">
+                  <c:v>2014</c:v>
+                </c:pt>
+                <c:pt idx="6">
+                  <c:v>2015</c:v>
+                </c:pt>
+                <c:pt idx="7">
                   <c:v>2016</c:v>
                 </c:pt>
-                <c:pt idx="1">
+                <c:pt idx="8">
                   <c:v>2017</c:v>
                 </c:pt>
-                <c:pt idx="2">
+                <c:pt idx="9">
                   <c:v>2018</c:v>
                 </c:pt>
-                <c:pt idx="3">
+                <c:pt idx="10">
                   <c:v>2019</c:v>
                 </c:pt>
               </c:numCache>
@@ -1567,21 +1145,42 @@
           </c:cat>
           <c:val>
             <c:numRef>
-              <c:f>'(10) Stage 3-5 by Age, Sex &amp; FY'!$F$8:$F$11</c:f>
+              <c:f>Age!$C$34:$C$44</c:f>
               <c:numCache>
-                <c:formatCode>0.0</c:formatCode>
-                <c:ptCount val="4"/>
+                <c:formatCode>General</c:formatCode>
+                <c:ptCount val="11"/>
                 <c:pt idx="0">
-                  <c:v>5.31</c:v>
+                  <c:v>7.9</c:v>
                 </c:pt>
                 <c:pt idx="1">
-                  <c:v>5.63</c:v>
+                  <c:v>7.1</c:v>
                 </c:pt>
                 <c:pt idx="2">
-                  <c:v>5.61</c:v>
+                  <c:v>6.2</c:v>
                 </c:pt>
                 <c:pt idx="3">
-                  <c:v>5.6</c:v>
+                  <c:v>6.3</c:v>
+                </c:pt>
+                <c:pt idx="4">
+                  <c:v>5.6999999999999993</c:v>
+                </c:pt>
+                <c:pt idx="5">
+                  <c:v>5.4</c:v>
+                </c:pt>
+                <c:pt idx="6">
+                  <c:v>5.0999999999999996</c:v>
+                </c:pt>
+                <c:pt idx="7">
+                  <c:v>5.2</c:v>
+                </c:pt>
+                <c:pt idx="8">
+                  <c:v>5.4</c:v>
+                </c:pt>
+                <c:pt idx="9">
+                  <c:v>5.5</c:v>
+                </c:pt>
+                <c:pt idx="10">
+                  <c:v>5.9</c:v>
                 </c:pt>
               </c:numCache>
             </c:numRef>
@@ -1589,7 +1188,7 @@
           <c:smooth val="0"/>
           <c:extLst>
             <c:ext xmlns:c16="http://schemas.microsoft.com/office/drawing/2014/chart" uri="{C3380CC4-5D6E-409C-BE32-E72D297353CC}">
-              <c16:uniqueId val="{00000001-1C3E-4047-A2FC-C601283CC41E}"/>
+              <c16:uniqueId val="{00000001-84A5-4735-BF7F-3B6673976F50}"/>
             </c:ext>
           </c:extLst>
         </c:ser>
@@ -1598,11 +1197,11 @@
           <c:order val="2"/>
           <c:tx>
             <c:strRef>
-              <c:f>'(10) Stage 3-5 by Age, Sex &amp; FY'!$G$7</c:f>
+              <c:f>Age!$D$33</c:f>
               <c:strCache>
                 <c:ptCount val="1"/>
                 <c:pt idx="0">
-                  <c:v>Overall</c:v>
+                  <c:v>60–69 years</c:v>
                 </c:pt>
               </c:strCache>
             </c:strRef>
@@ -1610,9 +1209,8 @@
           <c:spPr>
             <a:ln w="44450" cap="rnd">
               <a:solidFill>
-                <a:schemeClr val="tx1"/>
+                <a:schemeClr val="accent3"/>
               </a:solidFill>
-              <a:prstDash val="sysDash"/>
               <a:round/>
             </a:ln>
             <a:effectLst/>
@@ -1622,13 +1220,11 @@
             <c:size val="5"/>
             <c:spPr>
               <a:solidFill>
-                <a:schemeClr val="tx1">
-                  <a:alpha val="97000"/>
-                </a:schemeClr>
+                <a:schemeClr val="accent3"/>
               </a:solidFill>
               <a:ln w="44450">
                 <a:solidFill>
-                  <a:schemeClr val="tx1"/>
+                  <a:schemeClr val="accent3"/>
                 </a:solidFill>
               </a:ln>
               <a:effectLst/>
@@ -1636,20 +1232,41 @@
           </c:marker>
           <c:cat>
             <c:numRef>
-              <c:f>'(10) Stage 3-5 by Age, Sex &amp; FY'!$D$8:$D$11</c:f>
+              <c:f>Age!$A$34:$A$44</c:f>
               <c:numCache>
                 <c:formatCode>General</c:formatCode>
-                <c:ptCount val="4"/>
+                <c:ptCount val="11"/>
                 <c:pt idx="0">
+                  <c:v>2009</c:v>
+                </c:pt>
+                <c:pt idx="1">
+                  <c:v>2010</c:v>
+                </c:pt>
+                <c:pt idx="2">
+                  <c:v>2011</c:v>
+                </c:pt>
+                <c:pt idx="3">
+                  <c:v>2012</c:v>
+                </c:pt>
+                <c:pt idx="4">
+                  <c:v>2013</c:v>
+                </c:pt>
+                <c:pt idx="5">
+                  <c:v>2014</c:v>
+                </c:pt>
+                <c:pt idx="6">
+                  <c:v>2015</c:v>
+                </c:pt>
+                <c:pt idx="7">
                   <c:v>2016</c:v>
                 </c:pt>
-                <c:pt idx="1">
+                <c:pt idx="8">
                   <c:v>2017</c:v>
                 </c:pt>
-                <c:pt idx="2">
+                <c:pt idx="9">
                   <c:v>2018</c:v>
                 </c:pt>
-                <c:pt idx="3">
+                <c:pt idx="10">
                   <c:v>2019</c:v>
                 </c:pt>
               </c:numCache>
@@ -1657,21 +1274,42 @@
           </c:cat>
           <c:val>
             <c:numRef>
-              <c:f>'(10) Stage 3-5 by Age, Sex &amp; FY'!$G$8:$G$11</c:f>
+              <c:f>Age!$D$34:$D$44</c:f>
               <c:numCache>
                 <c:formatCode>0.0</c:formatCode>
-                <c:ptCount val="4"/>
+                <c:ptCount val="11"/>
                 <c:pt idx="0">
-                  <c:v>4.9400000000000004</c:v>
+                  <c:v>13.6</c:v>
                 </c:pt>
                 <c:pt idx="1">
-                  <c:v>5.29</c:v>
+                  <c:v>12.6</c:v>
                 </c:pt>
                 <c:pt idx="2">
-                  <c:v>5.27</c:v>
+                  <c:v>11.4</c:v>
                 </c:pt>
                 <c:pt idx="3">
-                  <c:v>5.28</c:v>
+                  <c:v>11.2</c:v>
+                </c:pt>
+                <c:pt idx="4">
+                  <c:v>10.199999999999999</c:v>
+                </c:pt>
+                <c:pt idx="5">
+                  <c:v>9.6999999999999993</c:v>
+                </c:pt>
+                <c:pt idx="6">
+                  <c:v>9.1</c:v>
+                </c:pt>
+                <c:pt idx="7">
+                  <c:v>9.1</c:v>
+                </c:pt>
+                <c:pt idx="8">
+                  <c:v>9.6</c:v>
+                </c:pt>
+                <c:pt idx="9">
+                  <c:v>9.5</c:v>
+                </c:pt>
+                <c:pt idx="10">
+                  <c:v>9.6</c:v>
                 </c:pt>
               </c:numCache>
             </c:numRef>
@@ -1679,7 +1317,136 @@
           <c:smooth val="0"/>
           <c:extLst>
             <c:ext xmlns:c16="http://schemas.microsoft.com/office/drawing/2014/chart" uri="{C3380CC4-5D6E-409C-BE32-E72D297353CC}">
-              <c16:uniqueId val="{00000002-1C3E-4047-A2FC-C601283CC41E}"/>
+              <c16:uniqueId val="{00000002-84A5-4735-BF7F-3B6673976F50}"/>
+            </c:ext>
+          </c:extLst>
+        </c:ser>
+        <c:ser>
+          <c:idx val="3"/>
+          <c:order val="3"/>
+          <c:tx>
+            <c:strRef>
+              <c:f>Age!$E$33</c:f>
+              <c:strCache>
+                <c:ptCount val="1"/>
+                <c:pt idx="0">
+                  <c:v>70+ years</c:v>
+                </c:pt>
+              </c:strCache>
+            </c:strRef>
+          </c:tx>
+          <c:spPr>
+            <a:ln w="44450" cap="rnd">
+              <a:solidFill>
+                <a:schemeClr val="accent4"/>
+              </a:solidFill>
+              <a:round/>
+            </a:ln>
+            <a:effectLst/>
+          </c:spPr>
+          <c:marker>
+            <c:symbol val="circle"/>
+            <c:size val="5"/>
+            <c:spPr>
+              <a:solidFill>
+                <a:schemeClr val="accent4"/>
+              </a:solidFill>
+              <a:ln w="44450">
+                <a:solidFill>
+                  <a:schemeClr val="accent4"/>
+                </a:solidFill>
+              </a:ln>
+              <a:effectLst/>
+            </c:spPr>
+          </c:marker>
+          <c:cat>
+            <c:numRef>
+              <c:f>Age!$A$34:$A$44</c:f>
+              <c:numCache>
+                <c:formatCode>General</c:formatCode>
+                <c:ptCount val="11"/>
+                <c:pt idx="0">
+                  <c:v>2009</c:v>
+                </c:pt>
+                <c:pt idx="1">
+                  <c:v>2010</c:v>
+                </c:pt>
+                <c:pt idx="2">
+                  <c:v>2011</c:v>
+                </c:pt>
+                <c:pt idx="3">
+                  <c:v>2012</c:v>
+                </c:pt>
+                <c:pt idx="4">
+                  <c:v>2013</c:v>
+                </c:pt>
+                <c:pt idx="5">
+                  <c:v>2014</c:v>
+                </c:pt>
+                <c:pt idx="6">
+                  <c:v>2015</c:v>
+                </c:pt>
+                <c:pt idx="7">
+                  <c:v>2016</c:v>
+                </c:pt>
+                <c:pt idx="8">
+                  <c:v>2017</c:v>
+                </c:pt>
+                <c:pt idx="9">
+                  <c:v>2018</c:v>
+                </c:pt>
+                <c:pt idx="10">
+                  <c:v>2019</c:v>
+                </c:pt>
+              </c:numCache>
+            </c:numRef>
+          </c:cat>
+          <c:val>
+            <c:numRef>
+              <c:f>Age!$E$34:$E$44</c:f>
+              <c:numCache>
+                <c:formatCode>0.0</c:formatCode>
+                <c:ptCount val="11"/>
+                <c:pt idx="0">
+                  <c:v>38</c:v>
+                </c:pt>
+                <c:pt idx="1">
+                  <c:v>37.4</c:v>
+                </c:pt>
+                <c:pt idx="2">
+                  <c:v>35.4</c:v>
+                </c:pt>
+                <c:pt idx="3">
+                  <c:v>35.5</c:v>
+                </c:pt>
+                <c:pt idx="4">
+                  <c:v>33.5</c:v>
+                </c:pt>
+                <c:pt idx="5">
+                  <c:v>32.700000000000003</c:v>
+                </c:pt>
+                <c:pt idx="6">
+                  <c:v>31.7</c:v>
+                </c:pt>
+                <c:pt idx="7">
+                  <c:v>31.9</c:v>
+                </c:pt>
+                <c:pt idx="8">
+                  <c:v>33.1</c:v>
+                </c:pt>
+                <c:pt idx="9">
+                  <c:v>32.5</c:v>
+                </c:pt>
+                <c:pt idx="10">
+                  <c:v>32.4</c:v>
+                </c:pt>
+              </c:numCache>
+            </c:numRef>
+          </c:val>
+          <c:smooth val="0"/>
+          <c:extLst>
+            <c:ext xmlns:c16="http://schemas.microsoft.com/office/drawing/2014/chart" uri="{C3380CC4-5D6E-409C-BE32-E72D297353CC}">
+              <c16:uniqueId val="{00000003-84A5-4735-BF7F-3B6673976F50}"/>
             </c:ext>
           </c:extLst>
         </c:ser>
@@ -1693,11 +1460,11 @@
         </c:dLbls>
         <c:marker val="1"/>
         <c:smooth val="0"/>
-        <c:axId val="124449824"/>
-        <c:axId val="124450656"/>
+        <c:axId val="1845513199"/>
+        <c:axId val="1845511119"/>
       </c:lineChart>
       <c:catAx>
-        <c:axId val="124449824"/>
+        <c:axId val="1845513199"/>
         <c:scaling>
           <c:orientation val="minMax"/>
         </c:scaling>
@@ -1725,9 +1492,9 @@
           <a:lstStyle/>
           <a:p>
             <a:pPr>
-              <a:defRPr sz="2400" b="0" i="0" u="none" strike="noStrike" kern="1200" baseline="0">
+              <a:defRPr sz="2300" b="0" i="0" u="none" strike="noStrike" kern="1200" baseline="0">
                 <a:solidFill>
-                  <a:schemeClr val="tx1"/>
+                  <a:sysClr val="windowText" lastClr="000000"/>
                 </a:solidFill>
                 <a:latin typeface="Calibri" panose="020F0502020204030204" pitchFamily="34" charset="0"/>
                 <a:ea typeface="+mn-ea"/>
@@ -1737,7 +1504,7 @@
             <a:endParaRPr lang="en-US"/>
           </a:p>
         </c:txPr>
-        <c:crossAx val="124450656"/>
+        <c:crossAx val="1845511119"/>
         <c:crosses val="autoZero"/>
         <c:auto val="1"/>
         <c:lblAlgn val="ctr"/>
@@ -1745,10 +1512,9 @@
         <c:noMultiLvlLbl val="0"/>
       </c:catAx>
       <c:valAx>
-        <c:axId val="124450656"/>
+        <c:axId val="1845511119"/>
         <c:scaling>
           <c:orientation val="minMax"/>
-          <c:max val="7"/>
         </c:scaling>
         <c:delete val="0"/>
         <c:axPos val="l"/>
@@ -1773,9 +1539,9 @@
               <a:lstStyle/>
               <a:p>
                 <a:pPr>
-                  <a:defRPr sz="2800" b="0" i="0" u="none" strike="noStrike" kern="1200" baseline="0">
+                  <a:defRPr sz="2400" b="0" i="0" u="none" strike="noStrike" kern="1200" baseline="0">
                     <a:solidFill>
-                      <a:schemeClr val="tx1"/>
+                      <a:sysClr val="windowText" lastClr="000000"/>
                     </a:solidFill>
                     <a:latin typeface="Calibri" panose="020F0502020204030204" pitchFamily="34" charset="0"/>
                     <a:ea typeface="+mn-ea"/>
@@ -1783,32 +1549,15 @@
                   </a:defRPr>
                 </a:pPr>
                 <a:r>
-                  <a:rPr lang="en-US" sz="2800">
+                  <a:rPr lang="en-US" sz="2400">
                     <a:solidFill>
-                      <a:schemeClr val="tx1"/>
+                      <a:sysClr val="windowText" lastClr="000000"/>
                     </a:solidFill>
                     <a:latin typeface="Calibri" panose="020F0502020204030204" pitchFamily="34" charset="0"/>
                     <a:cs typeface="Calibri" panose="020F0502020204030204" pitchFamily="34" charset="0"/>
                   </a:rPr>
-                  <a:t>CKD</a:t>
+                  <a:t>CKD Stages 3–5 (%)</a:t>
                 </a:r>
-                <a:r>
-                  <a:rPr lang="en-US" sz="2800" baseline="0">
-                    <a:solidFill>
-                      <a:schemeClr val="tx1"/>
-                    </a:solidFill>
-                    <a:latin typeface="Calibri" panose="020F0502020204030204" pitchFamily="34" charset="0"/>
-                    <a:cs typeface="Calibri" panose="020F0502020204030204" pitchFamily="34" charset="0"/>
-                  </a:rPr>
-                  <a:t> (%)</a:t>
-                </a:r>
-                <a:endParaRPr lang="en-US" sz="2800">
-                  <a:solidFill>
-                    <a:schemeClr val="tx1"/>
-                  </a:solidFill>
-                  <a:latin typeface="Calibri" panose="020F0502020204030204" pitchFamily="34" charset="0"/>
-                  <a:cs typeface="Calibri" panose="020F0502020204030204" pitchFamily="34" charset="0"/>
-                </a:endParaRPr>
               </a:p>
             </c:rich>
           </c:tx>
@@ -1817,7 +1566,7 @@
               <c:xMode val="edge"/>
               <c:yMode val="edge"/>
               <c:x val="0"/>
-              <c:y val="0.26534752392317962"/>
+              <c:y val="0.11759808341754004"/>
             </c:manualLayout>
           </c:layout>
           <c:overlay val="0"/>
@@ -1833,9 +1582,9 @@
             <a:lstStyle/>
             <a:p>
               <a:pPr>
-                <a:defRPr sz="2800" b="0" i="0" u="none" strike="noStrike" kern="1200" baseline="0">
+                <a:defRPr sz="2400" b="0" i="0" u="none" strike="noStrike" kern="1200" baseline="0">
                   <a:solidFill>
-                    <a:schemeClr val="tx1"/>
+                    <a:sysClr val="windowText" lastClr="000000"/>
                   </a:solidFill>
                   <a:latin typeface="Calibri" panose="020F0502020204030204" pitchFamily="34" charset="0"/>
                   <a:ea typeface="+mn-ea"/>
@@ -1862,9 +1611,9 @@
           <a:lstStyle/>
           <a:p>
             <a:pPr>
-              <a:defRPr sz="2400" b="0" i="0" u="none" strike="noStrike" kern="1200" baseline="0">
+              <a:defRPr sz="2300" b="0" i="0" u="none" strike="noStrike" kern="1200" baseline="0">
                 <a:solidFill>
-                  <a:schemeClr val="tx1"/>
+                  <a:sysClr val="windowText" lastClr="000000"/>
                 </a:solidFill>
                 <a:latin typeface="Calibri" panose="020F0502020204030204" pitchFamily="34" charset="0"/>
                 <a:ea typeface="+mn-ea"/>
@@ -1874,7 +1623,7 @@
             <a:endParaRPr lang="en-US"/>
           </a:p>
         </c:txPr>
-        <c:crossAx val="124449824"/>
+        <c:crossAx val="1845513199"/>
         <c:crosses val="autoZero"/>
         <c:crossBetween val="between"/>
       </c:valAx>
@@ -1888,6 +1637,16 @@
     </c:plotArea>
     <c:legend>
       <c:legendPos val="b"/>
+      <c:layout>
+        <c:manualLayout>
+          <c:xMode val="edge"/>
+          <c:yMode val="edge"/>
+          <c:x val="0.2261883387621669"/>
+          <c:y val="0.91009211517537569"/>
+          <c:w val="0.63095658062307913"/>
+          <c:h val="8.7230975925103885E-2"/>
+        </c:manualLayout>
+      </c:layout>
       <c:overlay val="0"/>
       <c:spPr>
         <a:noFill/>
@@ -1901,9 +1660,9 @@
         <a:lstStyle/>
         <a:p>
           <a:pPr>
-            <a:defRPr sz="2400" b="0" i="0" u="none" strike="noStrike" kern="1200" baseline="0">
+            <a:defRPr sz="2200" b="0" i="0" u="none" strike="noStrike" kern="1200" baseline="0">
               <a:solidFill>
-                <a:schemeClr val="tx1"/>
+                <a:sysClr val="windowText" lastClr="000000"/>
               </a:solidFill>
               <a:latin typeface="Calibri" panose="020F0502020204030204" pitchFamily="34" charset="0"/>
               <a:ea typeface="+mn-ea"/>
@@ -1926,9 +1685,12 @@
     <c:showDLblsOverMax val="0"/>
   </c:chart>
   <c:spPr>
-    <a:noFill/>
-    <a:ln>
+    <a:solidFill>
+      <a:schemeClr val="bg1"/>
+    </a:solidFill>
+    <a:ln w="9525" cap="flat" cmpd="sng" algn="ctr">
       <a:noFill/>
+      <a:round/>
     </a:ln>
     <a:effectLst/>
   </c:spPr>
@@ -1973,11 +1735,11 @@
           <c:order val="0"/>
           <c:tx>
             <c:strRef>
-              <c:f>'(11) Stage 3-5 by Age, Race &amp; F'!$K$23</c:f>
+              <c:f>Sex!$B$1</c:f>
               <c:strCache>
                 <c:ptCount val="1"/>
                 <c:pt idx="0">
-                  <c:v>White</c:v>
+                  <c:v>Male</c:v>
                 </c:pt>
               </c:strCache>
             </c:strRef>
@@ -1985,7 +1747,7 @@
           <c:spPr>
             <a:ln w="44450" cap="rnd">
               <a:solidFill>
-                <a:srgbClr val="7030A0"/>
+                <a:srgbClr val="990099"/>
               </a:solidFill>
               <a:round/>
             </a:ln>
@@ -1996,11 +1758,11 @@
             <c:size val="5"/>
             <c:spPr>
               <a:solidFill>
-                <a:srgbClr val="7030A0"/>
+                <a:srgbClr val="990099"/>
               </a:solidFill>
               <a:ln w="44450">
                 <a:solidFill>
-                  <a:srgbClr val="7030A0"/>
+                  <a:srgbClr val="990099"/>
                 </a:solidFill>
               </a:ln>
               <a:effectLst/>
@@ -2008,20 +1770,41 @@
           </c:marker>
           <c:cat>
             <c:numRef>
-              <c:f>'(11) Stage 3-5 by Age, Race &amp; F'!$J$24:$J$27</c:f>
+              <c:f>Sex!$A$2:$A$12</c:f>
               <c:numCache>
                 <c:formatCode>General</c:formatCode>
-                <c:ptCount val="4"/>
+                <c:ptCount val="11"/>
                 <c:pt idx="0">
+                  <c:v>2009</c:v>
+                </c:pt>
+                <c:pt idx="1">
+                  <c:v>2010</c:v>
+                </c:pt>
+                <c:pt idx="2">
+                  <c:v>2011</c:v>
+                </c:pt>
+                <c:pt idx="3">
+                  <c:v>2012</c:v>
+                </c:pt>
+                <c:pt idx="4">
+                  <c:v>2013</c:v>
+                </c:pt>
+                <c:pt idx="5">
+                  <c:v>2014</c:v>
+                </c:pt>
+                <c:pt idx="6">
+                  <c:v>2015</c:v>
+                </c:pt>
+                <c:pt idx="7">
                   <c:v>2016</c:v>
                 </c:pt>
-                <c:pt idx="1">
+                <c:pt idx="8">
                   <c:v>2017</c:v>
                 </c:pt>
-                <c:pt idx="2">
+                <c:pt idx="9">
                   <c:v>2018</c:v>
                 </c:pt>
-                <c:pt idx="3">
+                <c:pt idx="10">
                   <c:v>2019</c:v>
                 </c:pt>
               </c:numCache>
@@ -2029,21 +1812,42 @@
           </c:cat>
           <c:val>
             <c:numRef>
-              <c:f>'(11) Stage 3-5 by Age, Race &amp; F'!$K$24:$K$27</c:f>
+              <c:f>Sex!$B$2:$B$12</c:f>
               <c:numCache>
                 <c:formatCode>0.0</c:formatCode>
-                <c:ptCount val="4"/>
+                <c:ptCount val="11"/>
                 <c:pt idx="0">
-                  <c:v>2.46</c:v>
+                  <c:v>6.5</c:v>
                 </c:pt>
                 <c:pt idx="1">
-                  <c:v>2.69</c:v>
+                  <c:v>6.1</c:v>
                 </c:pt>
                 <c:pt idx="2">
-                  <c:v>2.76</c:v>
+                  <c:v>5.2</c:v>
                 </c:pt>
                 <c:pt idx="3">
-                  <c:v>2.8</c:v>
+                  <c:v>5.3</c:v>
+                </c:pt>
+                <c:pt idx="4">
+                  <c:v>5.0999999999999996</c:v>
+                </c:pt>
+                <c:pt idx="5">
+                  <c:v>5.2</c:v>
+                </c:pt>
+                <c:pt idx="6">
+                  <c:v>5.0999999999999996</c:v>
+                </c:pt>
+                <c:pt idx="7">
+                  <c:v>5.4</c:v>
+                </c:pt>
+                <c:pt idx="8">
+                  <c:v>5.7</c:v>
+                </c:pt>
+                <c:pt idx="9">
+                  <c:v>5.7</c:v>
+                </c:pt>
+                <c:pt idx="10">
+                  <c:v>5.7</c:v>
                 </c:pt>
               </c:numCache>
             </c:numRef>
@@ -2051,7 +1855,7 @@
           <c:smooth val="0"/>
           <c:extLst>
             <c:ext xmlns:c16="http://schemas.microsoft.com/office/drawing/2014/chart" uri="{C3380CC4-5D6E-409C-BE32-E72D297353CC}">
-              <c16:uniqueId val="{00000000-4FBF-495B-B8BA-71D4E72C59BC}"/>
+              <c16:uniqueId val="{00000000-4263-4461-AF30-1AE0A183E29D}"/>
             </c:ext>
           </c:extLst>
         </c:ser>
@@ -2060,11 +1864,1355 @@
           <c:order val="1"/>
           <c:tx>
             <c:strRef>
-              <c:f>'(11) Stage 3-5 by Age, Race &amp; F'!$L$23</c:f>
+              <c:f>Sex!$C$1</c:f>
               <c:strCache>
                 <c:ptCount val="1"/>
                 <c:pt idx="0">
-                  <c:v>Asian American/Pacific Islander</c:v>
+                  <c:v>Female</c:v>
+                </c:pt>
+              </c:strCache>
+            </c:strRef>
+          </c:tx>
+          <c:spPr>
+            <a:ln w="44450" cap="rnd">
+              <a:solidFill>
+                <a:srgbClr val="008080"/>
+              </a:solidFill>
+              <a:round/>
+            </a:ln>
+            <a:effectLst/>
+          </c:spPr>
+          <c:marker>
+            <c:symbol val="circle"/>
+            <c:size val="5"/>
+            <c:spPr>
+              <a:solidFill>
+                <a:srgbClr val="008080"/>
+              </a:solidFill>
+              <a:ln w="44450">
+                <a:solidFill>
+                  <a:srgbClr val="008080"/>
+                </a:solidFill>
+              </a:ln>
+              <a:effectLst/>
+            </c:spPr>
+          </c:marker>
+          <c:cat>
+            <c:numRef>
+              <c:f>Sex!$A$2:$A$12</c:f>
+              <c:numCache>
+                <c:formatCode>General</c:formatCode>
+                <c:ptCount val="11"/>
+                <c:pt idx="0">
+                  <c:v>2009</c:v>
+                </c:pt>
+                <c:pt idx="1">
+                  <c:v>2010</c:v>
+                </c:pt>
+                <c:pt idx="2">
+                  <c:v>2011</c:v>
+                </c:pt>
+                <c:pt idx="3">
+                  <c:v>2012</c:v>
+                </c:pt>
+                <c:pt idx="4">
+                  <c:v>2013</c:v>
+                </c:pt>
+                <c:pt idx="5">
+                  <c:v>2014</c:v>
+                </c:pt>
+                <c:pt idx="6">
+                  <c:v>2015</c:v>
+                </c:pt>
+                <c:pt idx="7">
+                  <c:v>2016</c:v>
+                </c:pt>
+                <c:pt idx="8">
+                  <c:v>2017</c:v>
+                </c:pt>
+                <c:pt idx="9">
+                  <c:v>2018</c:v>
+                </c:pt>
+                <c:pt idx="10">
+                  <c:v>2019</c:v>
+                </c:pt>
+              </c:numCache>
+            </c:numRef>
+          </c:cat>
+          <c:val>
+            <c:numRef>
+              <c:f>Sex!$C$2:$C$12</c:f>
+              <c:numCache>
+                <c:formatCode>0.0</c:formatCode>
+                <c:ptCount val="11"/>
+                <c:pt idx="0">
+                  <c:v>6.2</c:v>
+                </c:pt>
+                <c:pt idx="1">
+                  <c:v>5.9</c:v>
+                </c:pt>
+                <c:pt idx="2">
+                  <c:v>5.4</c:v>
+                </c:pt>
+                <c:pt idx="3">
+                  <c:v>5.3</c:v>
+                </c:pt>
+                <c:pt idx="4">
+                  <c:v>5</c:v>
+                </c:pt>
+                <c:pt idx="5">
+                  <c:v>4.9000000000000004</c:v>
+                </c:pt>
+                <c:pt idx="6">
+                  <c:v>4.7</c:v>
+                </c:pt>
+                <c:pt idx="7">
+                  <c:v>4.7</c:v>
+                </c:pt>
+                <c:pt idx="8">
+                  <c:v>5.0999999999999996</c:v>
+                </c:pt>
+                <c:pt idx="9">
+                  <c:v>5.0999999999999996</c:v>
+                </c:pt>
+                <c:pt idx="10">
+                  <c:v>5.0999999999999996</c:v>
+                </c:pt>
+              </c:numCache>
+            </c:numRef>
+          </c:val>
+          <c:smooth val="0"/>
+          <c:extLst>
+            <c:ext xmlns:c16="http://schemas.microsoft.com/office/drawing/2014/chart" uri="{C3380CC4-5D6E-409C-BE32-E72D297353CC}">
+              <c16:uniqueId val="{00000001-4263-4461-AF30-1AE0A183E29D}"/>
+            </c:ext>
+          </c:extLst>
+        </c:ser>
+        <c:dLbls>
+          <c:showLegendKey val="0"/>
+          <c:showVal val="0"/>
+          <c:showCatName val="0"/>
+          <c:showSerName val="0"/>
+          <c:showPercent val="0"/>
+          <c:showBubbleSize val="0"/>
+        </c:dLbls>
+        <c:marker val="1"/>
+        <c:smooth val="0"/>
+        <c:axId val="498086592"/>
+        <c:axId val="498089088"/>
+      </c:lineChart>
+      <c:catAx>
+        <c:axId val="498086592"/>
+        <c:scaling>
+          <c:orientation val="minMax"/>
+        </c:scaling>
+        <c:delete val="0"/>
+        <c:axPos val="b"/>
+        <c:numFmt formatCode="General" sourceLinked="1"/>
+        <c:majorTickMark val="none"/>
+        <c:minorTickMark val="none"/>
+        <c:tickLblPos val="nextTo"/>
+        <c:spPr>
+          <a:noFill/>
+          <a:ln w="9525" cap="flat" cmpd="sng" algn="ctr">
+            <a:solidFill>
+              <a:schemeClr val="tx1">
+                <a:lumMod val="15000"/>
+                <a:lumOff val="85000"/>
+              </a:schemeClr>
+            </a:solidFill>
+            <a:round/>
+          </a:ln>
+          <a:effectLst/>
+        </c:spPr>
+        <c:txPr>
+          <a:bodyPr rot="-60000000" spcFirstLastPara="1" vertOverflow="ellipsis" vert="horz" wrap="square" anchor="ctr" anchorCtr="1"/>
+          <a:lstStyle/>
+          <a:p>
+            <a:pPr>
+              <a:defRPr sz="2300" b="0" i="0" u="none" strike="noStrike" kern="1200" baseline="0">
+                <a:solidFill>
+                  <a:sysClr val="windowText" lastClr="000000"/>
+                </a:solidFill>
+                <a:latin typeface="Calibri" panose="020F0502020204030204" pitchFamily="34" charset="0"/>
+                <a:ea typeface="+mn-ea"/>
+                <a:cs typeface="Calibri" panose="020F0502020204030204" pitchFamily="34" charset="0"/>
+              </a:defRPr>
+            </a:pPr>
+            <a:endParaRPr lang="en-US"/>
+          </a:p>
+        </c:txPr>
+        <c:crossAx val="498089088"/>
+        <c:crosses val="autoZero"/>
+        <c:auto val="1"/>
+        <c:lblAlgn val="ctr"/>
+        <c:lblOffset val="100"/>
+        <c:noMultiLvlLbl val="0"/>
+      </c:catAx>
+      <c:valAx>
+        <c:axId val="498089088"/>
+        <c:scaling>
+          <c:orientation val="minMax"/>
+          <c:max val="10"/>
+        </c:scaling>
+        <c:delete val="0"/>
+        <c:axPos val="l"/>
+        <c:majorGridlines>
+          <c:spPr>
+            <a:ln w="9525" cap="flat" cmpd="sng" algn="ctr">
+              <a:solidFill>
+                <a:schemeClr val="tx1">
+                  <a:lumMod val="15000"/>
+                  <a:lumOff val="85000"/>
+                </a:schemeClr>
+              </a:solidFill>
+              <a:round/>
+            </a:ln>
+            <a:effectLst/>
+          </c:spPr>
+        </c:majorGridlines>
+        <c:title>
+          <c:tx>
+            <c:rich>
+              <a:bodyPr rot="-5400000" spcFirstLastPara="1" vertOverflow="ellipsis" vert="horz" wrap="square" anchor="ctr" anchorCtr="1"/>
+              <a:lstStyle/>
+              <a:p>
+                <a:pPr>
+                  <a:defRPr sz="2400" b="0" i="0" u="none" strike="noStrike" kern="1200" baseline="0">
+                    <a:solidFill>
+                      <a:sysClr val="windowText" lastClr="000000"/>
+                    </a:solidFill>
+                    <a:latin typeface="Calibri" panose="020F0502020204030204" pitchFamily="34" charset="0"/>
+                    <a:ea typeface="+mn-ea"/>
+                    <a:cs typeface="Calibri" panose="020F0502020204030204" pitchFamily="34" charset="0"/>
+                  </a:defRPr>
+                </a:pPr>
+                <a:r>
+                  <a:rPr lang="en-US" sz="2400" b="0" i="0" baseline="0">
+                    <a:effectLst/>
+                  </a:rPr>
+                  <a:t>CKD Stages 3–5 (%)</a:t>
+                </a:r>
+                <a:endParaRPr lang="en-US" sz="2400">
+                  <a:effectLst/>
+                </a:endParaRPr>
+              </a:p>
+            </c:rich>
+          </c:tx>
+          <c:layout>
+            <c:manualLayout>
+              <c:xMode val="edge"/>
+              <c:yMode val="edge"/>
+              <c:x val="0"/>
+              <c:y val="0.12027499231706065"/>
+            </c:manualLayout>
+          </c:layout>
+          <c:overlay val="0"/>
+          <c:spPr>
+            <a:noFill/>
+            <a:ln>
+              <a:noFill/>
+            </a:ln>
+            <a:effectLst/>
+          </c:spPr>
+          <c:txPr>
+            <a:bodyPr rot="-5400000" spcFirstLastPara="1" vertOverflow="ellipsis" vert="horz" wrap="square" anchor="ctr" anchorCtr="1"/>
+            <a:lstStyle/>
+            <a:p>
+              <a:pPr>
+                <a:defRPr sz="2400" b="0" i="0" u="none" strike="noStrike" kern="1200" baseline="0">
+                  <a:solidFill>
+                    <a:sysClr val="windowText" lastClr="000000"/>
+                  </a:solidFill>
+                  <a:latin typeface="Calibri" panose="020F0502020204030204" pitchFamily="34" charset="0"/>
+                  <a:ea typeface="+mn-ea"/>
+                  <a:cs typeface="Calibri" panose="020F0502020204030204" pitchFamily="34" charset="0"/>
+                </a:defRPr>
+              </a:pPr>
+              <a:endParaRPr lang="en-US"/>
+            </a:p>
+          </c:txPr>
+        </c:title>
+        <c:numFmt formatCode="0" sourceLinked="0"/>
+        <c:majorTickMark val="none"/>
+        <c:minorTickMark val="none"/>
+        <c:tickLblPos val="nextTo"/>
+        <c:spPr>
+          <a:noFill/>
+          <a:ln>
+            <a:noFill/>
+          </a:ln>
+          <a:effectLst/>
+        </c:spPr>
+        <c:txPr>
+          <a:bodyPr rot="-60000000" spcFirstLastPara="1" vertOverflow="ellipsis" vert="horz" wrap="square" anchor="ctr" anchorCtr="1"/>
+          <a:lstStyle/>
+          <a:p>
+            <a:pPr>
+              <a:defRPr sz="2300" b="0" i="0" u="none" strike="noStrike" kern="1200" baseline="0">
+                <a:solidFill>
+                  <a:sysClr val="windowText" lastClr="000000"/>
+                </a:solidFill>
+                <a:latin typeface="Calibri" panose="020F0502020204030204" pitchFamily="34" charset="0"/>
+                <a:ea typeface="+mn-ea"/>
+                <a:cs typeface="Calibri" panose="020F0502020204030204" pitchFamily="34" charset="0"/>
+              </a:defRPr>
+            </a:pPr>
+            <a:endParaRPr lang="en-US"/>
+          </a:p>
+        </c:txPr>
+        <c:crossAx val="498086592"/>
+        <c:crosses val="autoZero"/>
+        <c:crossBetween val="between"/>
+      </c:valAx>
+      <c:spPr>
+        <a:noFill/>
+        <a:ln>
+          <a:noFill/>
+        </a:ln>
+        <a:effectLst/>
+      </c:spPr>
+    </c:plotArea>
+    <c:legend>
+      <c:legendPos val="b"/>
+      <c:layout>
+        <c:manualLayout>
+          <c:xMode val="edge"/>
+          <c:yMode val="edge"/>
+          <c:x val="0.41863951771653546"/>
+          <c:y val="0.90741520627585481"/>
+          <c:w val="0.19813763123359579"/>
+          <c:h val="8.7230975925103885E-2"/>
+        </c:manualLayout>
+      </c:layout>
+      <c:overlay val="0"/>
+      <c:spPr>
+        <a:noFill/>
+        <a:ln>
+          <a:noFill/>
+        </a:ln>
+        <a:effectLst/>
+      </c:spPr>
+      <c:txPr>
+        <a:bodyPr rot="0" spcFirstLastPara="1" vertOverflow="ellipsis" vert="horz" wrap="square" anchor="ctr" anchorCtr="1"/>
+        <a:lstStyle/>
+        <a:p>
+          <a:pPr>
+            <a:defRPr sz="2200" b="0" i="0" u="none" strike="noStrike" kern="1200" baseline="0">
+              <a:solidFill>
+                <a:sysClr val="windowText" lastClr="000000"/>
+              </a:solidFill>
+              <a:latin typeface="+mn-lt"/>
+              <a:ea typeface="+mn-ea"/>
+              <a:cs typeface="+mn-cs"/>
+            </a:defRPr>
+          </a:pPr>
+          <a:endParaRPr lang="en-US"/>
+        </a:p>
+      </c:txPr>
+    </c:legend>
+    <c:plotVisOnly val="1"/>
+    <c:dispBlanksAs val="gap"/>
+    <c:extLst>
+      <c:ext xmlns:c16r3="http://schemas.microsoft.com/office/drawing/2017/03/chart" uri="{56B9EC1D-385E-4148-901F-78D8002777C0}">
+        <c16r3:dataDisplayOptions16>
+          <c16r3:dispNaAsBlank val="1"/>
+        </c16r3:dataDisplayOptions16>
+      </c:ext>
+    </c:extLst>
+    <c:showDLblsOverMax val="0"/>
+  </c:chart>
+  <c:spPr>
+    <a:solidFill>
+      <a:schemeClr val="bg1"/>
+    </a:solidFill>
+    <a:ln w="9525" cap="flat" cmpd="sng" algn="ctr">
+      <a:noFill/>
+      <a:round/>
+    </a:ln>
+    <a:effectLst/>
+  </c:spPr>
+  <c:txPr>
+    <a:bodyPr/>
+    <a:lstStyle/>
+    <a:p>
+      <a:pPr>
+        <a:defRPr/>
+      </a:pPr>
+      <a:endParaRPr lang="en-US"/>
+    </a:p>
+  </c:txPr>
+  <c:externalData r:id="rId3">
+    <c:autoUpdate val="0"/>
+  </c:externalData>
+</c:chartSpace>
+</file>
+
+<file path=ppt/charts/chart5.xml><?xml version="1.0" encoding="utf-8"?>
+<c:chartSpace xmlns:c="http://schemas.openxmlformats.org/drawingml/2006/chart" xmlns:a="http://schemas.openxmlformats.org/drawingml/2006/main" xmlns:r="http://schemas.openxmlformats.org/officeDocument/2006/relationships" xmlns:c16r2="http://schemas.microsoft.com/office/drawing/2015/06/chart">
+  <c:date1904 val="0"/>
+  <c:lang val="en-US"/>
+  <c:roundedCorners val="0"/>
+  <mc:AlternateContent xmlns:mc="http://schemas.openxmlformats.org/markup-compatibility/2006">
+    <mc:Choice xmlns:c14="http://schemas.microsoft.com/office/drawing/2007/8/2/chart" Requires="c14">
+      <c14:style val="102"/>
+    </mc:Choice>
+    <mc:Fallback>
+      <c:style val="2"/>
+    </mc:Fallback>
+  </mc:AlternateContent>
+  <c:chart>
+    <c:autoTitleDeleted val="1"/>
+    <c:plotArea>
+      <c:layout/>
+      <c:lineChart>
+        <c:grouping val="standard"/>
+        <c:varyColors val="0"/>
+        <c:ser>
+          <c:idx val="0"/>
+          <c:order val="0"/>
+          <c:tx>
+            <c:strRef>
+              <c:f>Sex!$B$21</c:f>
+              <c:strCache>
+                <c:ptCount val="1"/>
+                <c:pt idx="0">
+                  <c:v>Male</c:v>
+                </c:pt>
+              </c:strCache>
+            </c:strRef>
+          </c:tx>
+          <c:spPr>
+            <a:ln w="44450" cap="rnd">
+              <a:solidFill>
+                <a:srgbClr val="990099"/>
+              </a:solidFill>
+              <a:round/>
+            </a:ln>
+            <a:effectLst/>
+          </c:spPr>
+          <c:marker>
+            <c:symbol val="circle"/>
+            <c:size val="5"/>
+            <c:spPr>
+              <a:solidFill>
+                <a:srgbClr val="990099"/>
+              </a:solidFill>
+              <a:ln w="44450">
+                <a:solidFill>
+                  <a:srgbClr val="990099"/>
+                </a:solidFill>
+              </a:ln>
+              <a:effectLst/>
+            </c:spPr>
+          </c:marker>
+          <c:cat>
+            <c:numRef>
+              <c:f>Sex!$A$22:$A$32</c:f>
+              <c:numCache>
+                <c:formatCode>General</c:formatCode>
+                <c:ptCount val="11"/>
+                <c:pt idx="0">
+                  <c:v>2009</c:v>
+                </c:pt>
+                <c:pt idx="1">
+                  <c:v>2010</c:v>
+                </c:pt>
+                <c:pt idx="2">
+                  <c:v>2011</c:v>
+                </c:pt>
+                <c:pt idx="3">
+                  <c:v>2012</c:v>
+                </c:pt>
+                <c:pt idx="4">
+                  <c:v>2013</c:v>
+                </c:pt>
+                <c:pt idx="5">
+                  <c:v>2014</c:v>
+                </c:pt>
+                <c:pt idx="6">
+                  <c:v>2015</c:v>
+                </c:pt>
+                <c:pt idx="7">
+                  <c:v>2016</c:v>
+                </c:pt>
+                <c:pt idx="8">
+                  <c:v>2017</c:v>
+                </c:pt>
+                <c:pt idx="9">
+                  <c:v>2018</c:v>
+                </c:pt>
+                <c:pt idx="10">
+                  <c:v>2019</c:v>
+                </c:pt>
+              </c:numCache>
+            </c:numRef>
+          </c:cat>
+          <c:val>
+            <c:numRef>
+              <c:f>Sex!$B$22:$B$32</c:f>
+              <c:numCache>
+                <c:formatCode>0.0</c:formatCode>
+                <c:ptCount val="11"/>
+                <c:pt idx="0">
+                  <c:v>7.7</c:v>
+                </c:pt>
+                <c:pt idx="1">
+                  <c:v>7.4</c:v>
+                </c:pt>
+                <c:pt idx="2">
+                  <c:v>6.8</c:v>
+                </c:pt>
+                <c:pt idx="3">
+                  <c:v>6.9</c:v>
+                </c:pt>
+                <c:pt idx="4">
+                  <c:v>6.5</c:v>
+                </c:pt>
+                <c:pt idx="5">
+                  <c:v>6.4</c:v>
+                </c:pt>
+                <c:pt idx="6">
+                  <c:v>6.2</c:v>
+                </c:pt>
+                <c:pt idx="7">
+                  <c:v>6.3</c:v>
+                </c:pt>
+                <c:pt idx="8">
+                  <c:v>6.5</c:v>
+                </c:pt>
+                <c:pt idx="9">
+                  <c:v>6.5</c:v>
+                </c:pt>
+                <c:pt idx="10">
+                  <c:v>6.6</c:v>
+                </c:pt>
+              </c:numCache>
+            </c:numRef>
+          </c:val>
+          <c:smooth val="0"/>
+          <c:extLst>
+            <c:ext xmlns:c16="http://schemas.microsoft.com/office/drawing/2014/chart" uri="{C3380CC4-5D6E-409C-BE32-E72D297353CC}">
+              <c16:uniqueId val="{00000000-7D98-4787-AFD1-B63D6B10FD22}"/>
+            </c:ext>
+          </c:extLst>
+        </c:ser>
+        <c:ser>
+          <c:idx val="1"/>
+          <c:order val="1"/>
+          <c:tx>
+            <c:strRef>
+              <c:f>Sex!$C$21</c:f>
+              <c:strCache>
+                <c:ptCount val="1"/>
+                <c:pt idx="0">
+                  <c:v>Female</c:v>
+                </c:pt>
+              </c:strCache>
+            </c:strRef>
+          </c:tx>
+          <c:spPr>
+            <a:ln w="44450" cap="rnd">
+              <a:solidFill>
+                <a:srgbClr val="008080"/>
+              </a:solidFill>
+              <a:round/>
+            </a:ln>
+            <a:effectLst/>
+          </c:spPr>
+          <c:marker>
+            <c:symbol val="circle"/>
+            <c:size val="5"/>
+            <c:spPr>
+              <a:solidFill>
+                <a:srgbClr val="008080"/>
+              </a:solidFill>
+              <a:ln w="44450">
+                <a:solidFill>
+                  <a:srgbClr val="008080"/>
+                </a:solidFill>
+              </a:ln>
+              <a:effectLst/>
+            </c:spPr>
+          </c:marker>
+          <c:cat>
+            <c:numRef>
+              <c:f>Sex!$A$22:$A$32</c:f>
+              <c:numCache>
+                <c:formatCode>General</c:formatCode>
+                <c:ptCount val="11"/>
+                <c:pt idx="0">
+                  <c:v>2009</c:v>
+                </c:pt>
+                <c:pt idx="1">
+                  <c:v>2010</c:v>
+                </c:pt>
+                <c:pt idx="2">
+                  <c:v>2011</c:v>
+                </c:pt>
+                <c:pt idx="3">
+                  <c:v>2012</c:v>
+                </c:pt>
+                <c:pt idx="4">
+                  <c:v>2013</c:v>
+                </c:pt>
+                <c:pt idx="5">
+                  <c:v>2014</c:v>
+                </c:pt>
+                <c:pt idx="6">
+                  <c:v>2015</c:v>
+                </c:pt>
+                <c:pt idx="7">
+                  <c:v>2016</c:v>
+                </c:pt>
+                <c:pt idx="8">
+                  <c:v>2017</c:v>
+                </c:pt>
+                <c:pt idx="9">
+                  <c:v>2018</c:v>
+                </c:pt>
+                <c:pt idx="10">
+                  <c:v>2019</c:v>
+                </c:pt>
+              </c:numCache>
+            </c:numRef>
+          </c:cat>
+          <c:val>
+            <c:numRef>
+              <c:f>Sex!$C$22:$C$32</c:f>
+              <c:numCache>
+                <c:formatCode>0.0</c:formatCode>
+                <c:ptCount val="11"/>
+                <c:pt idx="0">
+                  <c:v>8.3000000000000007</c:v>
+                </c:pt>
+                <c:pt idx="1">
+                  <c:v>7.8</c:v>
+                </c:pt>
+                <c:pt idx="2">
+                  <c:v>7.2</c:v>
+                </c:pt>
+                <c:pt idx="3">
+                  <c:v>7.2</c:v>
+                </c:pt>
+                <c:pt idx="4">
+                  <c:v>6.6</c:v>
+                </c:pt>
+                <c:pt idx="5">
+                  <c:v>6.3</c:v>
+                </c:pt>
+                <c:pt idx="6">
+                  <c:v>6</c:v>
+                </c:pt>
+                <c:pt idx="7">
+                  <c:v>6</c:v>
+                </c:pt>
+                <c:pt idx="8">
+                  <c:v>6.3</c:v>
+                </c:pt>
+                <c:pt idx="9">
+                  <c:v>6.2</c:v>
+                </c:pt>
+                <c:pt idx="10">
+                  <c:v>6.2</c:v>
+                </c:pt>
+              </c:numCache>
+            </c:numRef>
+          </c:val>
+          <c:smooth val="0"/>
+          <c:extLst>
+            <c:ext xmlns:c16="http://schemas.microsoft.com/office/drawing/2014/chart" uri="{C3380CC4-5D6E-409C-BE32-E72D297353CC}">
+              <c16:uniqueId val="{00000001-7D98-4787-AFD1-B63D6B10FD22}"/>
+            </c:ext>
+          </c:extLst>
+        </c:ser>
+        <c:dLbls>
+          <c:showLegendKey val="0"/>
+          <c:showVal val="0"/>
+          <c:showCatName val="0"/>
+          <c:showSerName val="0"/>
+          <c:showPercent val="0"/>
+          <c:showBubbleSize val="0"/>
+        </c:dLbls>
+        <c:marker val="1"/>
+        <c:smooth val="0"/>
+        <c:axId val="492715488"/>
+        <c:axId val="492717568"/>
+      </c:lineChart>
+      <c:catAx>
+        <c:axId val="492715488"/>
+        <c:scaling>
+          <c:orientation val="minMax"/>
+        </c:scaling>
+        <c:delete val="0"/>
+        <c:axPos val="b"/>
+        <c:numFmt formatCode="General" sourceLinked="1"/>
+        <c:majorTickMark val="none"/>
+        <c:minorTickMark val="none"/>
+        <c:tickLblPos val="nextTo"/>
+        <c:spPr>
+          <a:noFill/>
+          <a:ln w="9525" cap="flat" cmpd="sng" algn="ctr">
+            <a:solidFill>
+              <a:schemeClr val="tx1">
+                <a:lumMod val="15000"/>
+                <a:lumOff val="85000"/>
+              </a:schemeClr>
+            </a:solidFill>
+            <a:round/>
+          </a:ln>
+          <a:effectLst/>
+        </c:spPr>
+        <c:txPr>
+          <a:bodyPr rot="-60000000" spcFirstLastPara="1" vertOverflow="ellipsis" vert="horz" wrap="square" anchor="ctr" anchorCtr="1"/>
+          <a:lstStyle/>
+          <a:p>
+            <a:pPr>
+              <a:defRPr sz="2300" b="0" i="0" u="none" strike="noStrike" kern="1200" baseline="0">
+                <a:solidFill>
+                  <a:sysClr val="windowText" lastClr="000000"/>
+                </a:solidFill>
+                <a:latin typeface="Calibri" panose="020F0502020204030204" pitchFamily="34" charset="0"/>
+                <a:ea typeface="+mn-ea"/>
+                <a:cs typeface="Calibri" panose="020F0502020204030204" pitchFamily="34" charset="0"/>
+              </a:defRPr>
+            </a:pPr>
+            <a:endParaRPr lang="en-US"/>
+          </a:p>
+        </c:txPr>
+        <c:crossAx val="492717568"/>
+        <c:crosses val="autoZero"/>
+        <c:auto val="1"/>
+        <c:lblAlgn val="ctr"/>
+        <c:lblOffset val="100"/>
+        <c:noMultiLvlLbl val="0"/>
+      </c:catAx>
+      <c:valAx>
+        <c:axId val="492717568"/>
+        <c:scaling>
+          <c:orientation val="minMax"/>
+          <c:max val="10"/>
+        </c:scaling>
+        <c:delete val="0"/>
+        <c:axPos val="l"/>
+        <c:majorGridlines>
+          <c:spPr>
+            <a:ln w="9525" cap="flat" cmpd="sng" algn="ctr">
+              <a:solidFill>
+                <a:schemeClr val="tx1">
+                  <a:lumMod val="15000"/>
+                  <a:lumOff val="85000"/>
+                </a:schemeClr>
+              </a:solidFill>
+              <a:round/>
+            </a:ln>
+            <a:effectLst/>
+          </c:spPr>
+        </c:majorGridlines>
+        <c:title>
+          <c:tx>
+            <c:rich>
+              <a:bodyPr rot="-5400000" spcFirstLastPara="1" vertOverflow="ellipsis" vert="horz" wrap="square" anchor="ctr" anchorCtr="1"/>
+              <a:lstStyle/>
+              <a:p>
+                <a:pPr>
+                  <a:defRPr sz="2400" b="0" i="0" u="none" strike="noStrike" kern="1200" baseline="0">
+                    <a:solidFill>
+                      <a:sysClr val="windowText" lastClr="000000"/>
+                    </a:solidFill>
+                    <a:latin typeface="Calibri" panose="020F0502020204030204" pitchFamily="34" charset="0"/>
+                    <a:ea typeface="+mn-ea"/>
+                    <a:cs typeface="Calibri" panose="020F0502020204030204" pitchFamily="34" charset="0"/>
+                  </a:defRPr>
+                </a:pPr>
+                <a:r>
+                  <a:rPr lang="en-US" sz="2400" b="0" i="0" baseline="0">
+                    <a:effectLst/>
+                  </a:rPr>
+                  <a:t>CKD Stages 3–5 (%)</a:t>
+                </a:r>
+                <a:endParaRPr lang="en-US" sz="2400">
+                  <a:effectLst/>
+                </a:endParaRPr>
+              </a:p>
+            </c:rich>
+          </c:tx>
+          <c:layout>
+            <c:manualLayout>
+              <c:xMode val="edge"/>
+              <c:yMode val="edge"/>
+              <c:x val="0"/>
+              <c:y val="0.12874006983644559"/>
+            </c:manualLayout>
+          </c:layout>
+          <c:overlay val="0"/>
+          <c:spPr>
+            <a:noFill/>
+            <a:ln>
+              <a:noFill/>
+            </a:ln>
+            <a:effectLst/>
+          </c:spPr>
+          <c:txPr>
+            <a:bodyPr rot="-5400000" spcFirstLastPara="1" vertOverflow="ellipsis" vert="horz" wrap="square" anchor="ctr" anchorCtr="1"/>
+            <a:lstStyle/>
+            <a:p>
+              <a:pPr>
+                <a:defRPr sz="2400" b="0" i="0" u="none" strike="noStrike" kern="1200" baseline="0">
+                  <a:solidFill>
+                    <a:sysClr val="windowText" lastClr="000000"/>
+                  </a:solidFill>
+                  <a:latin typeface="Calibri" panose="020F0502020204030204" pitchFamily="34" charset="0"/>
+                  <a:ea typeface="+mn-ea"/>
+                  <a:cs typeface="Calibri" panose="020F0502020204030204" pitchFamily="34" charset="0"/>
+                </a:defRPr>
+              </a:pPr>
+              <a:endParaRPr lang="en-US"/>
+            </a:p>
+          </c:txPr>
+        </c:title>
+        <c:numFmt formatCode="0" sourceLinked="0"/>
+        <c:majorTickMark val="none"/>
+        <c:minorTickMark val="none"/>
+        <c:tickLblPos val="nextTo"/>
+        <c:spPr>
+          <a:noFill/>
+          <a:ln>
+            <a:noFill/>
+          </a:ln>
+          <a:effectLst/>
+        </c:spPr>
+        <c:txPr>
+          <a:bodyPr rot="-60000000" spcFirstLastPara="1" vertOverflow="ellipsis" vert="horz" wrap="square" anchor="ctr" anchorCtr="1"/>
+          <a:lstStyle/>
+          <a:p>
+            <a:pPr>
+              <a:defRPr sz="2300" b="0" i="0" u="none" strike="noStrike" kern="1200" baseline="0">
+                <a:solidFill>
+                  <a:sysClr val="windowText" lastClr="000000"/>
+                </a:solidFill>
+                <a:latin typeface="Calibri" panose="020F0502020204030204" pitchFamily="34" charset="0"/>
+                <a:ea typeface="+mn-ea"/>
+                <a:cs typeface="Calibri" panose="020F0502020204030204" pitchFamily="34" charset="0"/>
+              </a:defRPr>
+            </a:pPr>
+            <a:endParaRPr lang="en-US"/>
+          </a:p>
+        </c:txPr>
+        <c:crossAx val="492715488"/>
+        <c:crosses val="autoZero"/>
+        <c:crossBetween val="between"/>
+      </c:valAx>
+      <c:spPr>
+        <a:noFill/>
+        <a:ln>
+          <a:noFill/>
+        </a:ln>
+        <a:effectLst/>
+      </c:spPr>
+    </c:plotArea>
+    <c:legend>
+      <c:legendPos val="b"/>
+      <c:layout>
+        <c:manualLayout>
+          <c:xMode val="edge"/>
+          <c:yMode val="edge"/>
+          <c:x val="0.41863947003276503"/>
+          <c:y val="0.91083928106713241"/>
+          <c:w val="0.19813764748504326"/>
+          <c:h val="8.6506056080275326E-2"/>
+        </c:manualLayout>
+      </c:layout>
+      <c:overlay val="0"/>
+      <c:spPr>
+        <a:noFill/>
+        <a:ln>
+          <a:noFill/>
+        </a:ln>
+        <a:effectLst/>
+      </c:spPr>
+      <c:txPr>
+        <a:bodyPr rot="0" spcFirstLastPara="1" vertOverflow="ellipsis" vert="horz" wrap="square" anchor="ctr" anchorCtr="1"/>
+        <a:lstStyle/>
+        <a:p>
+          <a:pPr>
+            <a:defRPr sz="2200" b="0" i="0" u="none" strike="noStrike" kern="1200" baseline="0">
+              <a:solidFill>
+                <a:sysClr val="windowText" lastClr="000000"/>
+              </a:solidFill>
+              <a:latin typeface="+mn-lt"/>
+              <a:ea typeface="+mn-ea"/>
+              <a:cs typeface="+mn-cs"/>
+            </a:defRPr>
+          </a:pPr>
+          <a:endParaRPr lang="en-US"/>
+        </a:p>
+      </c:txPr>
+    </c:legend>
+    <c:plotVisOnly val="1"/>
+    <c:dispBlanksAs val="gap"/>
+    <c:extLst>
+      <c:ext xmlns:c16r3="http://schemas.microsoft.com/office/drawing/2017/03/chart" uri="{56B9EC1D-385E-4148-901F-78D8002777C0}">
+        <c16r3:dataDisplayOptions16>
+          <c16r3:dispNaAsBlank val="1"/>
+        </c16r3:dataDisplayOptions16>
+      </c:ext>
+    </c:extLst>
+    <c:showDLblsOverMax val="0"/>
+  </c:chart>
+  <c:spPr>
+    <a:solidFill>
+      <a:schemeClr val="bg1"/>
+    </a:solidFill>
+    <a:ln w="9525" cap="flat" cmpd="sng" algn="ctr">
+      <a:noFill/>
+      <a:round/>
+    </a:ln>
+    <a:effectLst/>
+  </c:spPr>
+  <c:txPr>
+    <a:bodyPr/>
+    <a:lstStyle/>
+    <a:p>
+      <a:pPr>
+        <a:defRPr/>
+      </a:pPr>
+      <a:endParaRPr lang="en-US"/>
+    </a:p>
+  </c:txPr>
+  <c:externalData r:id="rId3">
+    <c:autoUpdate val="0"/>
+  </c:externalData>
+</c:chartSpace>
+</file>
+
+<file path=ppt/charts/chart6.xml><?xml version="1.0" encoding="utf-8"?>
+<c:chartSpace xmlns:c="http://schemas.openxmlformats.org/drawingml/2006/chart" xmlns:a="http://schemas.openxmlformats.org/drawingml/2006/main" xmlns:r="http://schemas.openxmlformats.org/officeDocument/2006/relationships" xmlns:c16r2="http://schemas.microsoft.com/office/drawing/2015/06/chart">
+  <c:date1904 val="0"/>
+  <c:lang val="en-US"/>
+  <c:roundedCorners val="0"/>
+  <mc:AlternateContent xmlns:mc="http://schemas.openxmlformats.org/markup-compatibility/2006">
+    <mc:Choice xmlns:c14="http://schemas.microsoft.com/office/drawing/2007/8/2/chart" Requires="c14">
+      <c14:style val="102"/>
+    </mc:Choice>
+    <mc:Fallback>
+      <c:style val="2"/>
+    </mc:Fallback>
+  </mc:AlternateContent>
+  <c:chart>
+    <c:autoTitleDeleted val="1"/>
+    <c:plotArea>
+      <c:layout>
+        <c:manualLayout>
+          <c:layoutTarget val="inner"/>
+          <c:xMode val="edge"/>
+          <c:yMode val="edge"/>
+          <c:x val="8.9377542650918657E-2"/>
+          <c:y val="4.4079342817070724E-2"/>
+          <c:w val="0.88454683398950118"/>
+          <c:h val="0.73534831556622182"/>
+        </c:manualLayout>
+      </c:layout>
+      <c:lineChart>
+        <c:grouping val="standard"/>
+        <c:varyColors val="0"/>
+        <c:ser>
+          <c:idx val="0"/>
+          <c:order val="0"/>
+          <c:tx>
+            <c:strRef>
+              <c:f>Race!$B$1</c:f>
+              <c:strCache>
+                <c:ptCount val="1"/>
+                <c:pt idx="0">
+                  <c:v>White</c:v>
+                </c:pt>
+              </c:strCache>
+            </c:strRef>
+          </c:tx>
+          <c:spPr>
+            <a:ln w="44450" cap="rnd">
+              <a:solidFill>
+                <a:schemeClr val="accent1"/>
+              </a:solidFill>
+              <a:round/>
+            </a:ln>
+            <a:effectLst/>
+          </c:spPr>
+          <c:marker>
+            <c:symbol val="circle"/>
+            <c:size val="5"/>
+            <c:spPr>
+              <a:solidFill>
+                <a:schemeClr val="accent1"/>
+              </a:solidFill>
+              <a:ln w="44450">
+                <a:solidFill>
+                  <a:schemeClr val="accent1"/>
+                </a:solidFill>
+              </a:ln>
+              <a:effectLst/>
+            </c:spPr>
+          </c:marker>
+          <c:cat>
+            <c:numRef>
+              <c:f>Race!$A$2:$A$12</c:f>
+              <c:numCache>
+                <c:formatCode>General</c:formatCode>
+                <c:ptCount val="11"/>
+                <c:pt idx="0">
+                  <c:v>2009</c:v>
+                </c:pt>
+                <c:pt idx="1">
+                  <c:v>2010</c:v>
+                </c:pt>
+                <c:pt idx="2">
+                  <c:v>2011</c:v>
+                </c:pt>
+                <c:pt idx="3">
+                  <c:v>2012</c:v>
+                </c:pt>
+                <c:pt idx="4">
+                  <c:v>2013</c:v>
+                </c:pt>
+                <c:pt idx="5">
+                  <c:v>2014</c:v>
+                </c:pt>
+                <c:pt idx="6">
+                  <c:v>2015</c:v>
+                </c:pt>
+                <c:pt idx="7">
+                  <c:v>2016</c:v>
+                </c:pt>
+                <c:pt idx="8">
+                  <c:v>2017</c:v>
+                </c:pt>
+                <c:pt idx="9">
+                  <c:v>2018</c:v>
+                </c:pt>
+                <c:pt idx="10">
+                  <c:v>2019</c:v>
+                </c:pt>
+              </c:numCache>
+            </c:numRef>
+          </c:cat>
+          <c:val>
+            <c:numRef>
+              <c:f>Race!$B$2:$B$12</c:f>
+              <c:numCache>
+                <c:formatCode>0.0</c:formatCode>
+                <c:ptCount val="11"/>
+                <c:pt idx="0">
+                  <c:v>2.6</c:v>
+                </c:pt>
+                <c:pt idx="1">
+                  <c:v>2.6</c:v>
+                </c:pt>
+                <c:pt idx="2">
+                  <c:v>2.1</c:v>
+                </c:pt>
+                <c:pt idx="3">
+                  <c:v>2.2999999999999998</c:v>
+                </c:pt>
+                <c:pt idx="4">
+                  <c:v>2.2000000000000002</c:v>
+                </c:pt>
+                <c:pt idx="5">
+                  <c:v>2.2999999999999998</c:v>
+                </c:pt>
+                <c:pt idx="6">
+                  <c:v>2.2000000000000002</c:v>
+                </c:pt>
+                <c:pt idx="7">
+                  <c:v>2.5</c:v>
+                </c:pt>
+                <c:pt idx="8">
+                  <c:v>2.7</c:v>
+                </c:pt>
+                <c:pt idx="9">
+                  <c:v>2.8</c:v>
+                </c:pt>
+                <c:pt idx="10">
+                  <c:v>2.9</c:v>
+                </c:pt>
+              </c:numCache>
+            </c:numRef>
+          </c:val>
+          <c:smooth val="0"/>
+          <c:extLst>
+            <c:ext xmlns:c16="http://schemas.microsoft.com/office/drawing/2014/chart" uri="{C3380CC4-5D6E-409C-BE32-E72D297353CC}">
+              <c16:uniqueId val="{00000000-13EF-4859-8765-51089D079258}"/>
+            </c:ext>
+          </c:extLst>
+        </c:ser>
+        <c:ser>
+          <c:idx val="1"/>
+          <c:order val="1"/>
+          <c:tx>
+            <c:strRef>
+              <c:f>Race!$C$1</c:f>
+              <c:strCache>
+                <c:ptCount val="1"/>
+                <c:pt idx="0">
+                  <c:v>Black</c:v>
+                </c:pt>
+              </c:strCache>
+            </c:strRef>
+          </c:tx>
+          <c:spPr>
+            <a:ln w="44450" cap="rnd">
+              <a:solidFill>
+                <a:srgbClr val="008080"/>
+              </a:solidFill>
+              <a:round/>
+            </a:ln>
+            <a:effectLst/>
+          </c:spPr>
+          <c:marker>
+            <c:symbol val="circle"/>
+            <c:size val="5"/>
+            <c:spPr>
+              <a:solidFill>
+                <a:srgbClr val="008080"/>
+              </a:solidFill>
+              <a:ln w="44450">
+                <a:solidFill>
+                  <a:srgbClr val="008080"/>
+                </a:solidFill>
+              </a:ln>
+              <a:effectLst/>
+            </c:spPr>
+          </c:marker>
+          <c:cat>
+            <c:numRef>
+              <c:f>Race!$A$2:$A$12</c:f>
+              <c:numCache>
+                <c:formatCode>General</c:formatCode>
+                <c:ptCount val="11"/>
+                <c:pt idx="0">
+                  <c:v>2009</c:v>
+                </c:pt>
+                <c:pt idx="1">
+                  <c:v>2010</c:v>
+                </c:pt>
+                <c:pt idx="2">
+                  <c:v>2011</c:v>
+                </c:pt>
+                <c:pt idx="3">
+                  <c:v>2012</c:v>
+                </c:pt>
+                <c:pt idx="4">
+                  <c:v>2013</c:v>
+                </c:pt>
+                <c:pt idx="5">
+                  <c:v>2014</c:v>
+                </c:pt>
+                <c:pt idx="6">
+                  <c:v>2015</c:v>
+                </c:pt>
+                <c:pt idx="7">
+                  <c:v>2016</c:v>
+                </c:pt>
+                <c:pt idx="8">
+                  <c:v>2017</c:v>
+                </c:pt>
+                <c:pt idx="9">
+                  <c:v>2018</c:v>
+                </c:pt>
+                <c:pt idx="10">
+                  <c:v>2019</c:v>
+                </c:pt>
+              </c:numCache>
+            </c:numRef>
+          </c:cat>
+          <c:val>
+            <c:numRef>
+              <c:f>Race!$C$2:$C$12</c:f>
+              <c:numCache>
+                <c:formatCode>0.0</c:formatCode>
+                <c:ptCount val="11"/>
+                <c:pt idx="0">
+                  <c:v>6</c:v>
+                </c:pt>
+                <c:pt idx="1">
+                  <c:v>5.7</c:v>
+                </c:pt>
+                <c:pt idx="2">
+                  <c:v>5.0999999999999996</c:v>
+                </c:pt>
+                <c:pt idx="3">
+                  <c:v>5.2</c:v>
+                </c:pt>
+                <c:pt idx="4">
+                  <c:v>5.3</c:v>
+                </c:pt>
+                <c:pt idx="5">
+                  <c:v>5.5</c:v>
+                </c:pt>
+                <c:pt idx="6">
+                  <c:v>5.6</c:v>
+                </c:pt>
+                <c:pt idx="7">
+                  <c:v>6</c:v>
+                </c:pt>
+                <c:pt idx="8">
+                  <c:v>6.5</c:v>
+                </c:pt>
+                <c:pt idx="9">
+                  <c:v>6.8</c:v>
+                </c:pt>
+                <c:pt idx="10">
+                  <c:v>7.2</c:v>
+                </c:pt>
+              </c:numCache>
+            </c:numRef>
+          </c:val>
+          <c:smooth val="0"/>
+          <c:extLst>
+            <c:ext xmlns:c16="http://schemas.microsoft.com/office/drawing/2014/chart" uri="{C3380CC4-5D6E-409C-BE32-E72D297353CC}">
+              <c16:uniqueId val="{00000001-13EF-4859-8765-51089D079258}"/>
+            </c:ext>
+          </c:extLst>
+        </c:ser>
+        <c:ser>
+          <c:idx val="2"/>
+          <c:order val="2"/>
+          <c:tx>
+            <c:strRef>
+              <c:f>Race!$D$1</c:f>
+              <c:strCache>
+                <c:ptCount val="1"/>
+                <c:pt idx="0">
+                  <c:v>American Indian/Alaska Native</c:v>
+                </c:pt>
+              </c:strCache>
+            </c:strRef>
+          </c:tx>
+          <c:spPr>
+            <a:ln w="44450" cap="rnd">
+              <a:solidFill>
+                <a:schemeClr val="accent3"/>
+              </a:solidFill>
+              <a:round/>
+            </a:ln>
+            <a:effectLst/>
+          </c:spPr>
+          <c:marker>
+            <c:symbol val="circle"/>
+            <c:size val="5"/>
+            <c:spPr>
+              <a:solidFill>
+                <a:schemeClr val="accent3"/>
+              </a:solidFill>
+              <a:ln w="44450">
+                <a:solidFill>
+                  <a:schemeClr val="accent3"/>
+                </a:solidFill>
+              </a:ln>
+              <a:effectLst/>
+            </c:spPr>
+          </c:marker>
+          <c:cat>
+            <c:numRef>
+              <c:f>Race!$A$2:$A$12</c:f>
+              <c:numCache>
+                <c:formatCode>General</c:formatCode>
+                <c:ptCount val="11"/>
+                <c:pt idx="0">
+                  <c:v>2009</c:v>
+                </c:pt>
+                <c:pt idx="1">
+                  <c:v>2010</c:v>
+                </c:pt>
+                <c:pt idx="2">
+                  <c:v>2011</c:v>
+                </c:pt>
+                <c:pt idx="3">
+                  <c:v>2012</c:v>
+                </c:pt>
+                <c:pt idx="4">
+                  <c:v>2013</c:v>
+                </c:pt>
+                <c:pt idx="5">
+                  <c:v>2014</c:v>
+                </c:pt>
+                <c:pt idx="6">
+                  <c:v>2015</c:v>
+                </c:pt>
+                <c:pt idx="7">
+                  <c:v>2016</c:v>
+                </c:pt>
+                <c:pt idx="8">
+                  <c:v>2017</c:v>
+                </c:pt>
+                <c:pt idx="9">
+                  <c:v>2018</c:v>
+                </c:pt>
+                <c:pt idx="10">
+                  <c:v>2019</c:v>
+                </c:pt>
+              </c:numCache>
+            </c:numRef>
+          </c:cat>
+          <c:val>
+            <c:numRef>
+              <c:f>Race!$D$2:$D$12</c:f>
+              <c:numCache>
+                <c:formatCode>0.0</c:formatCode>
+                <c:ptCount val="11"/>
+                <c:pt idx="0">
+                  <c:v>2.2999999999999998</c:v>
+                </c:pt>
+                <c:pt idx="1">
+                  <c:v>2.2000000000000002</c:v>
+                </c:pt>
+                <c:pt idx="2">
+                  <c:v>1.9</c:v>
+                </c:pt>
+                <c:pt idx="3">
+                  <c:v>1.9</c:v>
+                </c:pt>
+                <c:pt idx="4">
+                  <c:v>1.6</c:v>
+                </c:pt>
+                <c:pt idx="5">
+                  <c:v>2</c:v>
+                </c:pt>
+                <c:pt idx="6">
+                  <c:v>2.1</c:v>
+                </c:pt>
+                <c:pt idx="7">
+                  <c:v>2.1</c:v>
+                </c:pt>
+                <c:pt idx="8">
+                  <c:v>2.5</c:v>
+                </c:pt>
+                <c:pt idx="9">
+                  <c:v>2.6</c:v>
+                </c:pt>
+                <c:pt idx="10">
+                  <c:v>2.6</c:v>
+                </c:pt>
+              </c:numCache>
+            </c:numRef>
+          </c:val>
+          <c:smooth val="0"/>
+          <c:extLst>
+            <c:ext xmlns:c16="http://schemas.microsoft.com/office/drawing/2014/chart" uri="{C3380CC4-5D6E-409C-BE32-E72D297353CC}">
+              <c16:uniqueId val="{00000002-13EF-4859-8765-51089D079258}"/>
+            </c:ext>
+          </c:extLst>
+        </c:ser>
+        <c:ser>
+          <c:idx val="3"/>
+          <c:order val="3"/>
+          <c:tx>
+            <c:strRef>
+              <c:f>Race!$E$1</c:f>
+              <c:strCache>
+                <c:ptCount val="1"/>
+                <c:pt idx="0">
+                  <c:v>Asian/Pacific Islander</c:v>
                 </c:pt>
               </c:strCache>
             </c:strRef>
@@ -2095,20 +3243,41 @@
           </c:marker>
           <c:cat>
             <c:numRef>
-              <c:f>'(11) Stage 3-5 by Age, Race &amp; F'!$J$24:$J$27</c:f>
+              <c:f>Race!$A$2:$A$12</c:f>
               <c:numCache>
                 <c:formatCode>General</c:formatCode>
-                <c:ptCount val="4"/>
+                <c:ptCount val="11"/>
                 <c:pt idx="0">
+                  <c:v>2009</c:v>
+                </c:pt>
+                <c:pt idx="1">
+                  <c:v>2010</c:v>
+                </c:pt>
+                <c:pt idx="2">
+                  <c:v>2011</c:v>
+                </c:pt>
+                <c:pt idx="3">
+                  <c:v>2012</c:v>
+                </c:pt>
+                <c:pt idx="4">
+                  <c:v>2013</c:v>
+                </c:pt>
+                <c:pt idx="5">
+                  <c:v>2014</c:v>
+                </c:pt>
+                <c:pt idx="6">
+                  <c:v>2015</c:v>
+                </c:pt>
+                <c:pt idx="7">
                   <c:v>2016</c:v>
                 </c:pt>
-                <c:pt idx="1">
+                <c:pt idx="8">
                   <c:v>2017</c:v>
                 </c:pt>
-                <c:pt idx="2">
+                <c:pt idx="9">
                   <c:v>2018</c:v>
                 </c:pt>
-                <c:pt idx="3">
+                <c:pt idx="10">
                   <c:v>2019</c:v>
                 </c:pt>
               </c:numCache>
@@ -2116,21 +3285,42 @@
           </c:cat>
           <c:val>
             <c:numRef>
-              <c:f>'(11) Stage 3-5 by Age, Race &amp; F'!$L$24:$L$27</c:f>
+              <c:f>Race!$E$2:$E$12</c:f>
               <c:numCache>
                 <c:formatCode>0.0</c:formatCode>
-                <c:ptCount val="4"/>
+                <c:ptCount val="11"/>
                 <c:pt idx="0">
-                  <c:v>2.87</c:v>
+                  <c:v>1.9</c:v>
                 </c:pt>
                 <c:pt idx="1">
-                  <c:v>3.24</c:v>
+                  <c:v>1.8</c:v>
                 </c:pt>
                 <c:pt idx="2">
-                  <c:v>3.27</c:v>
+                  <c:v>2.7</c:v>
                 </c:pt>
                 <c:pt idx="3">
-                  <c:v>3.39</c:v>
+                  <c:v>2.6</c:v>
+                </c:pt>
+                <c:pt idx="4">
+                  <c:v>2.6</c:v>
+                </c:pt>
+                <c:pt idx="5">
+                  <c:v>2.7</c:v>
+                </c:pt>
+                <c:pt idx="6">
+                  <c:v>2.7</c:v>
+                </c:pt>
+                <c:pt idx="7">
+                  <c:v>2.9</c:v>
+                </c:pt>
+                <c:pt idx="8">
+                  <c:v>3.3</c:v>
+                </c:pt>
+                <c:pt idx="9">
+                  <c:v>3.4</c:v>
+                </c:pt>
+                <c:pt idx="10">
+                  <c:v>3.5</c:v>
                 </c:pt>
               </c:numCache>
             </c:numRef>
@@ -2138,16 +3328,565 @@
           <c:smooth val="0"/>
           <c:extLst>
             <c:ext xmlns:c16="http://schemas.microsoft.com/office/drawing/2014/chart" uri="{C3380CC4-5D6E-409C-BE32-E72D297353CC}">
-              <c16:uniqueId val="{00000001-4FBF-495B-B8BA-71D4E72C59BC}"/>
+              <c16:uniqueId val="{00000003-13EF-4859-8765-51089D079258}"/>
             </c:ext>
           </c:extLst>
         </c:ser>
         <c:ser>
-          <c:idx val="2"/>
-          <c:order val="2"/>
+          <c:idx val="4"/>
+          <c:order val="4"/>
           <c:tx>
             <c:strRef>
-              <c:f>'(11) Stage 3-5 by Age, Race &amp; F'!$M$23</c:f>
+              <c:f>Race!$F$1</c:f>
+              <c:strCache>
+                <c:ptCount val="1"/>
+                <c:pt idx="0">
+                  <c:v>Other</c:v>
+                </c:pt>
+              </c:strCache>
+            </c:strRef>
+          </c:tx>
+          <c:spPr>
+            <a:ln w="44450" cap="rnd">
+              <a:solidFill>
+                <a:schemeClr val="accent5"/>
+              </a:solidFill>
+              <a:round/>
+            </a:ln>
+            <a:effectLst/>
+          </c:spPr>
+          <c:marker>
+            <c:symbol val="circle"/>
+            <c:size val="5"/>
+            <c:spPr>
+              <a:solidFill>
+                <a:schemeClr val="accent5"/>
+              </a:solidFill>
+              <a:ln w="44450">
+                <a:solidFill>
+                  <a:schemeClr val="accent5"/>
+                </a:solidFill>
+              </a:ln>
+              <a:effectLst/>
+            </c:spPr>
+          </c:marker>
+          <c:cat>
+            <c:numRef>
+              <c:f>Race!$A$2:$A$12</c:f>
+              <c:numCache>
+                <c:formatCode>General</c:formatCode>
+                <c:ptCount val="11"/>
+                <c:pt idx="0">
+                  <c:v>2009</c:v>
+                </c:pt>
+                <c:pt idx="1">
+                  <c:v>2010</c:v>
+                </c:pt>
+                <c:pt idx="2">
+                  <c:v>2011</c:v>
+                </c:pt>
+                <c:pt idx="3">
+                  <c:v>2012</c:v>
+                </c:pt>
+                <c:pt idx="4">
+                  <c:v>2013</c:v>
+                </c:pt>
+                <c:pt idx="5">
+                  <c:v>2014</c:v>
+                </c:pt>
+                <c:pt idx="6">
+                  <c:v>2015</c:v>
+                </c:pt>
+                <c:pt idx="7">
+                  <c:v>2016</c:v>
+                </c:pt>
+                <c:pt idx="8">
+                  <c:v>2017</c:v>
+                </c:pt>
+                <c:pt idx="9">
+                  <c:v>2018</c:v>
+                </c:pt>
+                <c:pt idx="10">
+                  <c:v>2019</c:v>
+                </c:pt>
+              </c:numCache>
+            </c:numRef>
+          </c:cat>
+          <c:val>
+            <c:numRef>
+              <c:f>Race!$F$2:$F$12</c:f>
+              <c:numCache>
+                <c:formatCode>0.0</c:formatCode>
+                <c:ptCount val="11"/>
+                <c:pt idx="0">
+                  <c:v>2</c:v>
+                </c:pt>
+                <c:pt idx="1">
+                  <c:v>1.9</c:v>
+                </c:pt>
+                <c:pt idx="2">
+                  <c:v>1.4</c:v>
+                </c:pt>
+                <c:pt idx="3">
+                  <c:v>2.1</c:v>
+                </c:pt>
+                <c:pt idx="4">
+                  <c:v>2</c:v>
+                </c:pt>
+                <c:pt idx="5">
+                  <c:v>2.1</c:v>
+                </c:pt>
+                <c:pt idx="6">
+                  <c:v>2.2999999999999998</c:v>
+                </c:pt>
+                <c:pt idx="7">
+                  <c:v>2.5</c:v>
+                </c:pt>
+                <c:pt idx="8">
+                  <c:v>2.9</c:v>
+                </c:pt>
+                <c:pt idx="9">
+                  <c:v>2.9</c:v>
+                </c:pt>
+                <c:pt idx="10">
+                  <c:v>2.8</c:v>
+                </c:pt>
+              </c:numCache>
+            </c:numRef>
+          </c:val>
+          <c:smooth val="0"/>
+          <c:extLst>
+            <c:ext xmlns:c16="http://schemas.microsoft.com/office/drawing/2014/chart" uri="{C3380CC4-5D6E-409C-BE32-E72D297353CC}">
+              <c16:uniqueId val="{00000004-13EF-4859-8765-51089D079258}"/>
+            </c:ext>
+          </c:extLst>
+        </c:ser>
+        <c:dLbls>
+          <c:showLegendKey val="0"/>
+          <c:showVal val="0"/>
+          <c:showCatName val="0"/>
+          <c:showSerName val="0"/>
+          <c:showPercent val="0"/>
+          <c:showBubbleSize val="0"/>
+        </c:dLbls>
+        <c:marker val="1"/>
+        <c:smooth val="0"/>
+        <c:axId val="624155552"/>
+        <c:axId val="624155968"/>
+      </c:lineChart>
+      <c:catAx>
+        <c:axId val="624155552"/>
+        <c:scaling>
+          <c:orientation val="minMax"/>
+        </c:scaling>
+        <c:delete val="0"/>
+        <c:axPos val="b"/>
+        <c:numFmt formatCode="General" sourceLinked="1"/>
+        <c:majorTickMark val="none"/>
+        <c:minorTickMark val="none"/>
+        <c:tickLblPos val="nextTo"/>
+        <c:spPr>
+          <a:noFill/>
+          <a:ln w="9525" cap="flat" cmpd="sng" algn="ctr">
+            <a:solidFill>
+              <a:schemeClr val="tx1">
+                <a:lumMod val="15000"/>
+                <a:lumOff val="85000"/>
+              </a:schemeClr>
+            </a:solidFill>
+            <a:round/>
+          </a:ln>
+          <a:effectLst/>
+        </c:spPr>
+        <c:txPr>
+          <a:bodyPr rot="-60000000" spcFirstLastPara="1" vertOverflow="ellipsis" vert="horz" wrap="square" anchor="ctr" anchorCtr="1"/>
+          <a:lstStyle/>
+          <a:p>
+            <a:pPr>
+              <a:defRPr sz="2300" b="0" i="0" u="none" strike="noStrike" kern="1200" baseline="0">
+                <a:solidFill>
+                  <a:sysClr val="windowText" lastClr="000000"/>
+                </a:solidFill>
+                <a:latin typeface="Calibri" panose="020F0502020204030204" pitchFamily="34" charset="0"/>
+                <a:ea typeface="+mn-ea"/>
+                <a:cs typeface="Calibri" panose="020F0502020204030204" pitchFamily="34" charset="0"/>
+              </a:defRPr>
+            </a:pPr>
+            <a:endParaRPr lang="en-US"/>
+          </a:p>
+        </c:txPr>
+        <c:crossAx val="624155968"/>
+        <c:crosses val="autoZero"/>
+        <c:auto val="1"/>
+        <c:lblAlgn val="ctr"/>
+        <c:lblOffset val="100"/>
+        <c:noMultiLvlLbl val="0"/>
+      </c:catAx>
+      <c:valAx>
+        <c:axId val="624155968"/>
+        <c:scaling>
+          <c:orientation val="minMax"/>
+          <c:max val="14"/>
+        </c:scaling>
+        <c:delete val="0"/>
+        <c:axPos val="l"/>
+        <c:majorGridlines>
+          <c:spPr>
+            <a:ln w="9525" cap="flat" cmpd="sng" algn="ctr">
+              <a:solidFill>
+                <a:schemeClr val="tx1">
+                  <a:lumMod val="15000"/>
+                  <a:lumOff val="85000"/>
+                </a:schemeClr>
+              </a:solidFill>
+              <a:round/>
+            </a:ln>
+            <a:effectLst/>
+          </c:spPr>
+        </c:majorGridlines>
+        <c:title>
+          <c:tx>
+            <c:rich>
+              <a:bodyPr rot="-5400000" spcFirstLastPara="1" vertOverflow="ellipsis" vert="horz" wrap="square" anchor="ctr" anchorCtr="1"/>
+              <a:lstStyle/>
+              <a:p>
+                <a:pPr>
+                  <a:defRPr sz="2400" b="0" i="0" u="none" strike="noStrike" kern="1200" baseline="0">
+                    <a:solidFill>
+                      <a:sysClr val="windowText" lastClr="000000"/>
+                    </a:solidFill>
+                    <a:latin typeface="Calibri" panose="020F0502020204030204" pitchFamily="34" charset="0"/>
+                    <a:ea typeface="+mn-ea"/>
+                    <a:cs typeface="Calibri" panose="020F0502020204030204" pitchFamily="34" charset="0"/>
+                  </a:defRPr>
+                </a:pPr>
+                <a:r>
+                  <a:rPr lang="en-US" sz="2400" b="0" i="0" baseline="0">
+                    <a:effectLst/>
+                  </a:rPr>
+                  <a:t>CKD Stages 3–5 (%)</a:t>
+                </a:r>
+                <a:endParaRPr lang="en-US" sz="2400">
+                  <a:effectLst/>
+                </a:endParaRPr>
+              </a:p>
+            </c:rich>
+          </c:tx>
+          <c:layout>
+            <c:manualLayout>
+              <c:xMode val="edge"/>
+              <c:yMode val="edge"/>
+              <c:x val="1.5501968503937011E-5"/>
+              <c:y val="9.6362607180767973E-2"/>
+            </c:manualLayout>
+          </c:layout>
+          <c:overlay val="0"/>
+          <c:spPr>
+            <a:noFill/>
+            <a:ln>
+              <a:noFill/>
+            </a:ln>
+            <a:effectLst/>
+          </c:spPr>
+          <c:txPr>
+            <a:bodyPr rot="-5400000" spcFirstLastPara="1" vertOverflow="ellipsis" vert="horz" wrap="square" anchor="ctr" anchorCtr="1"/>
+            <a:lstStyle/>
+            <a:p>
+              <a:pPr>
+                <a:defRPr sz="2400" b="0" i="0" u="none" strike="noStrike" kern="1200" baseline="0">
+                  <a:solidFill>
+                    <a:sysClr val="windowText" lastClr="000000"/>
+                  </a:solidFill>
+                  <a:latin typeface="Calibri" panose="020F0502020204030204" pitchFamily="34" charset="0"/>
+                  <a:ea typeface="+mn-ea"/>
+                  <a:cs typeface="Calibri" panose="020F0502020204030204" pitchFamily="34" charset="0"/>
+                </a:defRPr>
+              </a:pPr>
+              <a:endParaRPr lang="en-US"/>
+            </a:p>
+          </c:txPr>
+        </c:title>
+        <c:numFmt formatCode="0" sourceLinked="0"/>
+        <c:majorTickMark val="none"/>
+        <c:minorTickMark val="none"/>
+        <c:tickLblPos val="nextTo"/>
+        <c:spPr>
+          <a:noFill/>
+          <a:ln>
+            <a:noFill/>
+          </a:ln>
+          <a:effectLst/>
+        </c:spPr>
+        <c:txPr>
+          <a:bodyPr rot="-60000000" spcFirstLastPara="1" vertOverflow="ellipsis" vert="horz" wrap="square" anchor="ctr" anchorCtr="1"/>
+          <a:lstStyle/>
+          <a:p>
+            <a:pPr>
+              <a:defRPr sz="2300" b="0" i="0" u="none" strike="noStrike" kern="1200" baseline="0">
+                <a:solidFill>
+                  <a:sysClr val="windowText" lastClr="000000"/>
+                </a:solidFill>
+                <a:latin typeface="Calibri" panose="020F0502020204030204" pitchFamily="34" charset="0"/>
+                <a:ea typeface="+mn-ea"/>
+                <a:cs typeface="Calibri" panose="020F0502020204030204" pitchFamily="34" charset="0"/>
+              </a:defRPr>
+            </a:pPr>
+            <a:endParaRPr lang="en-US"/>
+          </a:p>
+        </c:txPr>
+        <c:crossAx val="624155552"/>
+        <c:crosses val="autoZero"/>
+        <c:crossBetween val="between"/>
+        <c:majorUnit val="2"/>
+      </c:valAx>
+      <c:spPr>
+        <a:noFill/>
+        <a:ln>
+          <a:noFill/>
+        </a:ln>
+        <a:effectLst/>
+      </c:spPr>
+    </c:plotArea>
+    <c:legend>
+      <c:legendPos val="b"/>
+      <c:layout>
+        <c:manualLayout>
+          <c:xMode val="edge"/>
+          <c:yMode val="edge"/>
+          <c:x val="8.5498851706036744E-2"/>
+          <c:y val="0.90336958621660501"/>
+          <c:w val="0.89297137467191601"/>
+          <c:h val="9.550380826484571E-2"/>
+        </c:manualLayout>
+      </c:layout>
+      <c:overlay val="0"/>
+      <c:spPr>
+        <a:noFill/>
+        <a:ln>
+          <a:noFill/>
+        </a:ln>
+        <a:effectLst/>
+      </c:spPr>
+      <c:txPr>
+        <a:bodyPr rot="0" spcFirstLastPara="1" vertOverflow="ellipsis" vert="horz" wrap="square" anchor="ctr" anchorCtr="1"/>
+        <a:lstStyle/>
+        <a:p>
+          <a:pPr>
+            <a:defRPr sz="2200" b="0" i="0" u="none" strike="noStrike" kern="1200" baseline="0">
+              <a:solidFill>
+                <a:sysClr val="windowText" lastClr="000000"/>
+              </a:solidFill>
+              <a:latin typeface="Calibri" panose="020F0502020204030204" pitchFamily="34" charset="0"/>
+              <a:ea typeface="+mn-ea"/>
+              <a:cs typeface="Calibri" panose="020F0502020204030204" pitchFamily="34" charset="0"/>
+            </a:defRPr>
+          </a:pPr>
+          <a:endParaRPr lang="en-US"/>
+        </a:p>
+      </c:txPr>
+    </c:legend>
+    <c:plotVisOnly val="1"/>
+    <c:dispBlanksAs val="gap"/>
+    <c:extLst>
+      <c:ext xmlns:c16r3="http://schemas.microsoft.com/office/drawing/2017/03/chart" uri="{56B9EC1D-385E-4148-901F-78D8002777C0}">
+        <c16r3:dataDisplayOptions16>
+          <c16r3:dispNaAsBlank val="1"/>
+        </c16r3:dataDisplayOptions16>
+      </c:ext>
+    </c:extLst>
+    <c:showDLblsOverMax val="0"/>
+  </c:chart>
+  <c:spPr>
+    <a:solidFill>
+      <a:schemeClr val="bg1"/>
+    </a:solidFill>
+    <a:ln w="9525" cap="flat" cmpd="sng" algn="ctr">
+      <a:noFill/>
+      <a:round/>
+    </a:ln>
+    <a:effectLst/>
+  </c:spPr>
+  <c:txPr>
+    <a:bodyPr/>
+    <a:lstStyle/>
+    <a:p>
+      <a:pPr>
+        <a:defRPr/>
+      </a:pPr>
+      <a:endParaRPr lang="en-US"/>
+    </a:p>
+  </c:txPr>
+  <c:externalData r:id="rId3">
+    <c:autoUpdate val="0"/>
+  </c:externalData>
+</c:chartSpace>
+</file>
+
+<file path=ppt/charts/chart7.xml><?xml version="1.0" encoding="utf-8"?>
+<c:chartSpace xmlns:c="http://schemas.openxmlformats.org/drawingml/2006/chart" xmlns:a="http://schemas.openxmlformats.org/drawingml/2006/main" xmlns:r="http://schemas.openxmlformats.org/officeDocument/2006/relationships" xmlns:c16r2="http://schemas.microsoft.com/office/drawing/2015/06/chart">
+  <c:date1904 val="0"/>
+  <c:lang val="en-US"/>
+  <c:roundedCorners val="0"/>
+  <mc:AlternateContent xmlns:mc="http://schemas.openxmlformats.org/markup-compatibility/2006">
+    <mc:Choice xmlns:c14="http://schemas.microsoft.com/office/drawing/2007/8/2/chart" Requires="c14">
+      <c14:style val="102"/>
+    </mc:Choice>
+    <mc:Fallback>
+      <c:style val="2"/>
+    </mc:Fallback>
+  </mc:AlternateContent>
+  <c:chart>
+    <c:autoTitleDeleted val="1"/>
+    <c:plotArea>
+      <c:layout>
+        <c:manualLayout>
+          <c:layoutTarget val="inner"/>
+          <c:xMode val="edge"/>
+          <c:yMode val="edge"/>
+          <c:x val="8.8194881889763779E-2"/>
+          <c:y val="4.856512141280353E-2"/>
+          <c:w val="0.88811097440944886"/>
+          <c:h val="0.72030890242232759"/>
+        </c:manualLayout>
+      </c:layout>
+      <c:lineChart>
+        <c:grouping val="standard"/>
+        <c:varyColors val="0"/>
+        <c:ser>
+          <c:idx val="0"/>
+          <c:order val="0"/>
+          <c:tx>
+            <c:strRef>
+              <c:f>Race!$B$32</c:f>
+              <c:strCache>
+                <c:ptCount val="1"/>
+                <c:pt idx="0">
+                  <c:v>White</c:v>
+                </c:pt>
+              </c:strCache>
+            </c:strRef>
+          </c:tx>
+          <c:spPr>
+            <a:ln w="44450" cap="rnd">
+              <a:solidFill>
+                <a:schemeClr val="accent1"/>
+              </a:solidFill>
+              <a:round/>
+            </a:ln>
+            <a:effectLst/>
+          </c:spPr>
+          <c:marker>
+            <c:symbol val="circle"/>
+            <c:size val="5"/>
+            <c:spPr>
+              <a:solidFill>
+                <a:schemeClr val="accent1"/>
+              </a:solidFill>
+              <a:ln w="44450">
+                <a:solidFill>
+                  <a:schemeClr val="accent1"/>
+                </a:solidFill>
+              </a:ln>
+              <a:effectLst/>
+            </c:spPr>
+          </c:marker>
+          <c:cat>
+            <c:numRef>
+              <c:f>Race!$A$33:$A$43</c:f>
+              <c:numCache>
+                <c:formatCode>General</c:formatCode>
+                <c:ptCount val="11"/>
+                <c:pt idx="0">
+                  <c:v>2009</c:v>
+                </c:pt>
+                <c:pt idx="1">
+                  <c:v>2010</c:v>
+                </c:pt>
+                <c:pt idx="2">
+                  <c:v>2011</c:v>
+                </c:pt>
+                <c:pt idx="3">
+                  <c:v>2012</c:v>
+                </c:pt>
+                <c:pt idx="4">
+                  <c:v>2013</c:v>
+                </c:pt>
+                <c:pt idx="5">
+                  <c:v>2014</c:v>
+                </c:pt>
+                <c:pt idx="6">
+                  <c:v>2015</c:v>
+                </c:pt>
+                <c:pt idx="7">
+                  <c:v>2016</c:v>
+                </c:pt>
+                <c:pt idx="8">
+                  <c:v>2017</c:v>
+                </c:pt>
+                <c:pt idx="9">
+                  <c:v>2018</c:v>
+                </c:pt>
+                <c:pt idx="10">
+                  <c:v>2019</c:v>
+                </c:pt>
+              </c:numCache>
+            </c:numRef>
+          </c:cat>
+          <c:val>
+            <c:numRef>
+              <c:f>Race!$B$33:$B$43</c:f>
+              <c:numCache>
+                <c:formatCode>0.0</c:formatCode>
+                <c:ptCount val="11"/>
+                <c:pt idx="0">
+                  <c:v>5.4</c:v>
+                </c:pt>
+                <c:pt idx="1">
+                  <c:v>5.3</c:v>
+                </c:pt>
+                <c:pt idx="2">
+                  <c:v>4.7</c:v>
+                </c:pt>
+                <c:pt idx="3">
+                  <c:v>4.8</c:v>
+                </c:pt>
+                <c:pt idx="4">
+                  <c:v>4.4000000000000004</c:v>
+                </c:pt>
+                <c:pt idx="5">
+                  <c:v>4.3</c:v>
+                </c:pt>
+                <c:pt idx="6">
+                  <c:v>4</c:v>
+                </c:pt>
+                <c:pt idx="7">
+                  <c:v>4.2</c:v>
+                </c:pt>
+                <c:pt idx="8">
+                  <c:v>4.3</c:v>
+                </c:pt>
+                <c:pt idx="9">
+                  <c:v>4.3</c:v>
+                </c:pt>
+                <c:pt idx="10">
+                  <c:v>4.3</c:v>
+                </c:pt>
+              </c:numCache>
+            </c:numRef>
+          </c:val>
+          <c:smooth val="0"/>
+          <c:extLst>
+            <c:ext xmlns:c16="http://schemas.microsoft.com/office/drawing/2014/chart" uri="{C3380CC4-5D6E-409C-BE32-E72D297353CC}">
+              <c16:uniqueId val="{00000000-5B72-4733-A2B7-1903A8E9BA91}"/>
+            </c:ext>
+          </c:extLst>
+        </c:ser>
+        <c:ser>
+          <c:idx val="1"/>
+          <c:order val="1"/>
+          <c:tx>
+            <c:strRef>
+              <c:f>Race!$C$32</c:f>
               <c:strCache>
                 <c:ptCount val="1"/>
                 <c:pt idx="0">
@@ -2182,20 +3921,41 @@
           </c:marker>
           <c:cat>
             <c:numRef>
-              <c:f>'(11) Stage 3-5 by Age, Race &amp; F'!$J$24:$J$27</c:f>
+              <c:f>Race!$A$33:$A$43</c:f>
               <c:numCache>
                 <c:formatCode>General</c:formatCode>
-                <c:ptCount val="4"/>
+                <c:ptCount val="11"/>
                 <c:pt idx="0">
+                  <c:v>2009</c:v>
+                </c:pt>
+                <c:pt idx="1">
+                  <c:v>2010</c:v>
+                </c:pt>
+                <c:pt idx="2">
+                  <c:v>2011</c:v>
+                </c:pt>
+                <c:pt idx="3">
+                  <c:v>2012</c:v>
+                </c:pt>
+                <c:pt idx="4">
+                  <c:v>2013</c:v>
+                </c:pt>
+                <c:pt idx="5">
+                  <c:v>2014</c:v>
+                </c:pt>
+                <c:pt idx="6">
+                  <c:v>2015</c:v>
+                </c:pt>
+                <c:pt idx="7">
                   <c:v>2016</c:v>
                 </c:pt>
-                <c:pt idx="1">
+                <c:pt idx="8">
                   <c:v>2017</c:v>
                 </c:pt>
-                <c:pt idx="2">
+                <c:pt idx="9">
                   <c:v>2018</c:v>
                 </c:pt>
-                <c:pt idx="3">
+                <c:pt idx="10">
                   <c:v>2019</c:v>
                 </c:pt>
               </c:numCache>
@@ -2203,21 +3963,42 @@
           </c:cat>
           <c:val>
             <c:numRef>
-              <c:f>'(11) Stage 3-5 by Age, Race &amp; F'!$M$24:$M$27</c:f>
+              <c:f>Race!$C$33:$C$43</c:f>
               <c:numCache>
                 <c:formatCode>0.0</c:formatCode>
-                <c:ptCount val="4"/>
+                <c:ptCount val="11"/>
                 <c:pt idx="0">
-                  <c:v>5.89</c:v>
+                  <c:v>11.2</c:v>
                 </c:pt>
                 <c:pt idx="1">
-                  <c:v>6.39</c:v>
+                  <c:v>10.9</c:v>
                 </c:pt>
                 <c:pt idx="2">
-                  <c:v>6.67</c:v>
+                  <c:v>10</c:v>
                 </c:pt>
                 <c:pt idx="3">
-                  <c:v>7</c:v>
+                  <c:v>9.8000000000000007</c:v>
+                </c:pt>
+                <c:pt idx="4">
+                  <c:v>9.6</c:v>
+                </c:pt>
+                <c:pt idx="5">
+                  <c:v>9.1999999999999993</c:v>
+                </c:pt>
+                <c:pt idx="6">
+                  <c:v>9</c:v>
+                </c:pt>
+                <c:pt idx="7">
+                  <c:v>9.5</c:v>
+                </c:pt>
+                <c:pt idx="8">
+                  <c:v>9.9</c:v>
+                </c:pt>
+                <c:pt idx="9">
+                  <c:v>9.8000000000000007</c:v>
+                </c:pt>
+                <c:pt idx="10">
+                  <c:v>10.1</c:v>
                 </c:pt>
               </c:numCache>
             </c:numRef>
@@ -2225,16 +4006,16 @@
           <c:smooth val="0"/>
           <c:extLst>
             <c:ext xmlns:c16="http://schemas.microsoft.com/office/drawing/2014/chart" uri="{C3380CC4-5D6E-409C-BE32-E72D297353CC}">
-              <c16:uniqueId val="{00000002-4FBF-495B-B8BA-71D4E72C59BC}"/>
+              <c16:uniqueId val="{00000001-5B72-4733-A2B7-1903A8E9BA91}"/>
             </c:ext>
           </c:extLst>
         </c:ser>
         <c:ser>
-          <c:idx val="3"/>
-          <c:order val="3"/>
+          <c:idx val="2"/>
+          <c:order val="2"/>
           <c:tx>
             <c:strRef>
-              <c:f>'(11) Stage 3-5 by Age, Race &amp; F'!$N$23</c:f>
+              <c:f>Race!$D$32</c:f>
               <c:strCache>
                 <c:ptCount val="1"/>
                 <c:pt idx="0">
@@ -2246,9 +4027,7 @@
           <c:spPr>
             <a:ln w="44450" cap="rnd">
               <a:solidFill>
-                <a:schemeClr val="bg2">
-                  <a:lumMod val="75000"/>
-                </a:schemeClr>
+                <a:schemeClr val="accent3"/>
               </a:solidFill>
               <a:round/>
             </a:ln>
@@ -2259,15 +4038,11 @@
             <c:size val="5"/>
             <c:spPr>
               <a:solidFill>
-                <a:schemeClr val="bg2">
-                  <a:lumMod val="75000"/>
-                </a:schemeClr>
+                <a:schemeClr val="accent3"/>
               </a:solidFill>
               <a:ln w="44450">
                 <a:solidFill>
-                  <a:schemeClr val="bg2">
-                    <a:lumMod val="75000"/>
-                  </a:schemeClr>
+                  <a:schemeClr val="accent3"/>
                 </a:solidFill>
               </a:ln>
               <a:effectLst/>
@@ -2275,20 +4050,41 @@
           </c:marker>
           <c:cat>
             <c:numRef>
-              <c:f>'(11) Stage 3-5 by Age, Race &amp; F'!$J$24:$J$27</c:f>
+              <c:f>Race!$A$33:$A$43</c:f>
               <c:numCache>
                 <c:formatCode>General</c:formatCode>
-                <c:ptCount val="4"/>
+                <c:ptCount val="11"/>
                 <c:pt idx="0">
+                  <c:v>2009</c:v>
+                </c:pt>
+                <c:pt idx="1">
+                  <c:v>2010</c:v>
+                </c:pt>
+                <c:pt idx="2">
+                  <c:v>2011</c:v>
+                </c:pt>
+                <c:pt idx="3">
+                  <c:v>2012</c:v>
+                </c:pt>
+                <c:pt idx="4">
+                  <c:v>2013</c:v>
+                </c:pt>
+                <c:pt idx="5">
+                  <c:v>2014</c:v>
+                </c:pt>
+                <c:pt idx="6">
+                  <c:v>2015</c:v>
+                </c:pt>
+                <c:pt idx="7">
                   <c:v>2016</c:v>
                 </c:pt>
-                <c:pt idx="1">
+                <c:pt idx="8">
                   <c:v>2017</c:v>
                 </c:pt>
-                <c:pt idx="2">
+                <c:pt idx="9">
                   <c:v>2018</c:v>
                 </c:pt>
-                <c:pt idx="3">
+                <c:pt idx="10">
                   <c:v>2019</c:v>
                 </c:pt>
               </c:numCache>
@@ -2296,21 +4092,42 @@
           </c:cat>
           <c:val>
             <c:numRef>
-              <c:f>'(11) Stage 3-5 by Age, Race &amp; F'!$N$24:$N$27</c:f>
+              <c:f>Race!$D$33:$D$43</c:f>
               <c:numCache>
                 <c:formatCode>0.0</c:formatCode>
-                <c:ptCount val="4"/>
+                <c:ptCount val="11"/>
                 <c:pt idx="0">
-                  <c:v>2.0299999999999998</c:v>
+                  <c:v>8.1999999999999993</c:v>
                 </c:pt>
                 <c:pt idx="1">
-                  <c:v>2.37</c:v>
+                  <c:v>7.4</c:v>
                 </c:pt>
                 <c:pt idx="2">
-                  <c:v>2.52</c:v>
+                  <c:v>6.5</c:v>
                 </c:pt>
                 <c:pt idx="3">
-                  <c:v>2.6</c:v>
+                  <c:v>6.3</c:v>
+                </c:pt>
+                <c:pt idx="4">
+                  <c:v>4.5999999999999996</c:v>
+                </c:pt>
+                <c:pt idx="5">
+                  <c:v>5.8</c:v>
+                </c:pt>
+                <c:pt idx="6">
+                  <c:v>5.2</c:v>
+                </c:pt>
+                <c:pt idx="7">
+                  <c:v>4.8</c:v>
+                </c:pt>
+                <c:pt idx="8">
+                  <c:v>4.9000000000000004</c:v>
+                </c:pt>
+                <c:pt idx="9">
+                  <c:v>5.2</c:v>
+                </c:pt>
+                <c:pt idx="10">
+                  <c:v>5.6</c:v>
                 </c:pt>
               </c:numCache>
             </c:numRef>
@@ -2318,20 +4135,20 @@
           <c:smooth val="0"/>
           <c:extLst>
             <c:ext xmlns:c16="http://schemas.microsoft.com/office/drawing/2014/chart" uri="{C3380CC4-5D6E-409C-BE32-E72D297353CC}">
-              <c16:uniqueId val="{00000003-4FBF-495B-B8BA-71D4E72C59BC}"/>
+              <c16:uniqueId val="{00000002-5B72-4733-A2B7-1903A8E9BA91}"/>
             </c:ext>
           </c:extLst>
         </c:ser>
         <c:ser>
-          <c:idx val="4"/>
-          <c:order val="4"/>
+          <c:idx val="3"/>
+          <c:order val="3"/>
           <c:tx>
             <c:strRef>
-              <c:f>'(11) Stage 3-5 by Age, Race &amp; F'!$O$23</c:f>
+              <c:f>Race!$E$32</c:f>
               <c:strCache>
                 <c:ptCount val="1"/>
                 <c:pt idx="0">
-                  <c:v>Other</c:v>
+                  <c:v>Asian/Pacific Islander</c:v>
                 </c:pt>
               </c:strCache>
             </c:strRef>
@@ -2339,7 +4156,7 @@
           <c:spPr>
             <a:ln w="44450" cap="rnd">
               <a:solidFill>
-                <a:srgbClr val="996633"/>
+                <a:schemeClr val="accent4"/>
               </a:solidFill>
               <a:round/>
             </a:ln>
@@ -2350,11 +4167,11 @@
             <c:size val="5"/>
             <c:spPr>
               <a:solidFill>
-                <a:srgbClr val="996633"/>
+                <a:schemeClr val="accent4"/>
               </a:solidFill>
               <a:ln w="44450">
                 <a:solidFill>
-                  <a:srgbClr val="996633"/>
+                  <a:schemeClr val="accent4"/>
                 </a:solidFill>
               </a:ln>
               <a:effectLst/>
@@ -2362,20 +4179,41 @@
           </c:marker>
           <c:cat>
             <c:numRef>
-              <c:f>'(11) Stage 3-5 by Age, Race &amp; F'!$J$24:$J$27</c:f>
+              <c:f>Race!$A$33:$A$43</c:f>
               <c:numCache>
                 <c:formatCode>General</c:formatCode>
-                <c:ptCount val="4"/>
+                <c:ptCount val="11"/>
                 <c:pt idx="0">
+                  <c:v>2009</c:v>
+                </c:pt>
+                <c:pt idx="1">
+                  <c:v>2010</c:v>
+                </c:pt>
+                <c:pt idx="2">
+                  <c:v>2011</c:v>
+                </c:pt>
+                <c:pt idx="3">
+                  <c:v>2012</c:v>
+                </c:pt>
+                <c:pt idx="4">
+                  <c:v>2013</c:v>
+                </c:pt>
+                <c:pt idx="5">
+                  <c:v>2014</c:v>
+                </c:pt>
+                <c:pt idx="6">
+                  <c:v>2015</c:v>
+                </c:pt>
+                <c:pt idx="7">
                   <c:v>2016</c:v>
                 </c:pt>
-                <c:pt idx="1">
+                <c:pt idx="8">
                   <c:v>2017</c:v>
                 </c:pt>
-                <c:pt idx="2">
+                <c:pt idx="9">
                   <c:v>2018</c:v>
                 </c:pt>
-                <c:pt idx="3">
+                <c:pt idx="10">
                   <c:v>2019</c:v>
                 </c:pt>
               </c:numCache>
@@ -2383,21 +4221,42 @@
           </c:cat>
           <c:val>
             <c:numRef>
-              <c:f>'(11) Stage 3-5 by Age, Race &amp; F'!$O$24:$O$27</c:f>
+              <c:f>Race!$E$33:$E$43</c:f>
               <c:numCache>
                 <c:formatCode>0.0</c:formatCode>
-                <c:ptCount val="4"/>
+                <c:ptCount val="11"/>
                 <c:pt idx="0">
-                  <c:v>2.39</c:v>
+                  <c:v>5.4</c:v>
                 </c:pt>
                 <c:pt idx="1">
-                  <c:v>2.78</c:v>
+                  <c:v>4.7</c:v>
                 </c:pt>
                 <c:pt idx="2">
-                  <c:v>2.8</c:v>
+                  <c:v>4.9000000000000004</c:v>
                 </c:pt>
                 <c:pt idx="3">
-                  <c:v>2.71</c:v>
+                  <c:v>4.8</c:v>
+                </c:pt>
+                <c:pt idx="4">
+                  <c:v>4.7</c:v>
+                </c:pt>
+                <c:pt idx="5">
+                  <c:v>4.5999999999999996</c:v>
+                </c:pt>
+                <c:pt idx="6">
+                  <c:v>4.3</c:v>
+                </c:pt>
+                <c:pt idx="7">
+                  <c:v>4.4000000000000004</c:v>
+                </c:pt>
+                <c:pt idx="8">
+                  <c:v>4.7</c:v>
+                </c:pt>
+                <c:pt idx="9">
+                  <c:v>4.7</c:v>
+                </c:pt>
+                <c:pt idx="10">
+                  <c:v>4.9000000000000004</c:v>
                 </c:pt>
               </c:numCache>
             </c:numRef>
@@ -2405,20 +4264,20 @@
           <c:smooth val="0"/>
           <c:extLst>
             <c:ext xmlns:c16="http://schemas.microsoft.com/office/drawing/2014/chart" uri="{C3380CC4-5D6E-409C-BE32-E72D297353CC}">
-              <c16:uniqueId val="{00000004-4FBF-495B-B8BA-71D4E72C59BC}"/>
+              <c16:uniqueId val="{00000003-5B72-4733-A2B7-1903A8E9BA91}"/>
             </c:ext>
           </c:extLst>
         </c:ser>
         <c:ser>
-          <c:idx val="5"/>
-          <c:order val="5"/>
+          <c:idx val="4"/>
+          <c:order val="4"/>
           <c:tx>
             <c:strRef>
-              <c:f>'(11) Stage 3-5 by Age, Race &amp; F'!$P$23</c:f>
+              <c:f>Race!$F$32</c:f>
               <c:strCache>
                 <c:ptCount val="1"/>
                 <c:pt idx="0">
-                  <c:v>Unknown</c:v>
+                  <c:v>Other</c:v>
                 </c:pt>
               </c:strCache>
             </c:strRef>
@@ -2426,10 +4285,7 @@
           <c:spPr>
             <a:ln w="44450" cap="rnd">
               <a:solidFill>
-                <a:schemeClr val="tx1">
-                  <a:lumMod val="65000"/>
-                  <a:lumOff val="35000"/>
-                </a:schemeClr>
+                <a:schemeClr val="accent5"/>
               </a:solidFill>
               <a:round/>
             </a:ln>
@@ -2440,17 +4296,11 @@
             <c:size val="5"/>
             <c:spPr>
               <a:solidFill>
-                <a:schemeClr val="tx1">
-                  <a:lumMod val="65000"/>
-                  <a:lumOff val="35000"/>
-                </a:schemeClr>
+                <a:schemeClr val="accent5"/>
               </a:solidFill>
               <a:ln w="44450">
                 <a:solidFill>
-                  <a:schemeClr val="tx1">
-                    <a:lumMod val="65000"/>
-                    <a:lumOff val="35000"/>
-                  </a:schemeClr>
+                  <a:schemeClr val="accent5"/>
                 </a:solidFill>
               </a:ln>
               <a:effectLst/>
@@ -2458,20 +4308,41 @@
           </c:marker>
           <c:cat>
             <c:numRef>
-              <c:f>'(11) Stage 3-5 by Age, Race &amp; F'!$J$24:$J$27</c:f>
+              <c:f>Race!$A$33:$A$43</c:f>
               <c:numCache>
                 <c:formatCode>General</c:formatCode>
-                <c:ptCount val="4"/>
+                <c:ptCount val="11"/>
                 <c:pt idx="0">
+                  <c:v>2009</c:v>
+                </c:pt>
+                <c:pt idx="1">
+                  <c:v>2010</c:v>
+                </c:pt>
+                <c:pt idx="2">
+                  <c:v>2011</c:v>
+                </c:pt>
+                <c:pt idx="3">
+                  <c:v>2012</c:v>
+                </c:pt>
+                <c:pt idx="4">
+                  <c:v>2013</c:v>
+                </c:pt>
+                <c:pt idx="5">
+                  <c:v>2014</c:v>
+                </c:pt>
+                <c:pt idx="6">
+                  <c:v>2015</c:v>
+                </c:pt>
+                <c:pt idx="7">
                   <c:v>2016</c:v>
                 </c:pt>
-                <c:pt idx="1">
+                <c:pt idx="8">
                   <c:v>2017</c:v>
                 </c:pt>
-                <c:pt idx="2">
+                <c:pt idx="9">
                   <c:v>2018</c:v>
                 </c:pt>
-                <c:pt idx="3">
+                <c:pt idx="10">
                   <c:v>2019</c:v>
                 </c:pt>
               </c:numCache>
@@ -2479,21 +4350,42 @@
           </c:cat>
           <c:val>
             <c:numRef>
-              <c:f>'(11) Stage 3-5 by Age, Race &amp; F'!$P$24:$P$27</c:f>
+              <c:f>Race!$F$33:$F$43</c:f>
               <c:numCache>
                 <c:formatCode>0.0</c:formatCode>
-                <c:ptCount val="4"/>
+                <c:ptCount val="11"/>
                 <c:pt idx="0">
-                  <c:v>13.29</c:v>
+                  <c:v>5.5</c:v>
                 </c:pt>
                 <c:pt idx="1">
-                  <c:v>12.27</c:v>
+                  <c:v>5.7</c:v>
                 </c:pt>
                 <c:pt idx="2">
-                  <c:v>10.57</c:v>
+                  <c:v>4.4000000000000004</c:v>
                 </c:pt>
                 <c:pt idx="3">
-                  <c:v>9.99</c:v>
+                  <c:v>5.2</c:v>
+                </c:pt>
+                <c:pt idx="4">
+                  <c:v>4.5</c:v>
+                </c:pt>
+                <c:pt idx="5">
+                  <c:v>4.4000000000000004</c:v>
+                </c:pt>
+                <c:pt idx="6">
+                  <c:v>4.5</c:v>
+                </c:pt>
+                <c:pt idx="7">
+                  <c:v>4.3</c:v>
+                </c:pt>
+                <c:pt idx="8">
+                  <c:v>4.8</c:v>
+                </c:pt>
+                <c:pt idx="9">
+                  <c:v>4.5</c:v>
+                </c:pt>
+                <c:pt idx="10">
+                  <c:v>4.7</c:v>
                 </c:pt>
               </c:numCache>
             </c:numRef>
@@ -2501,182 +4393,7 @@
           <c:smooth val="0"/>
           <c:extLst>
             <c:ext xmlns:c16="http://schemas.microsoft.com/office/drawing/2014/chart" uri="{C3380CC4-5D6E-409C-BE32-E72D297353CC}">
-              <c16:uniqueId val="{00000005-4FBF-495B-B8BA-71D4E72C59BC}"/>
-            </c:ext>
-          </c:extLst>
-        </c:ser>
-        <c:ser>
-          <c:idx val="6"/>
-          <c:order val="6"/>
-          <c:tx>
-            <c:strRef>
-              <c:f>'(11) Stage 3-5 by Age, Race &amp; F'!$Q$23</c:f>
-              <c:strCache>
-                <c:ptCount val="1"/>
-                <c:pt idx="0">
-                  <c:v>Missing</c:v>
-                </c:pt>
-              </c:strCache>
-            </c:strRef>
-          </c:tx>
-          <c:spPr>
-            <a:ln w="44450" cap="rnd">
-              <a:solidFill>
-                <a:schemeClr val="accent2"/>
-              </a:solidFill>
-              <a:round/>
-            </a:ln>
-            <a:effectLst/>
-          </c:spPr>
-          <c:marker>
-            <c:symbol val="circle"/>
-            <c:size val="5"/>
-            <c:spPr>
-              <a:solidFill>
-                <a:schemeClr val="accent2"/>
-              </a:solidFill>
-              <a:ln w="44450">
-                <a:solidFill>
-                  <a:schemeClr val="accent2"/>
-                </a:solidFill>
-              </a:ln>
-              <a:effectLst/>
-            </c:spPr>
-          </c:marker>
-          <c:cat>
-            <c:numRef>
-              <c:f>'(11) Stage 3-5 by Age, Race &amp; F'!$J$24:$J$27</c:f>
-              <c:numCache>
-                <c:formatCode>General</c:formatCode>
-                <c:ptCount val="4"/>
-                <c:pt idx="0">
-                  <c:v>2016</c:v>
-                </c:pt>
-                <c:pt idx="1">
-                  <c:v>2017</c:v>
-                </c:pt>
-                <c:pt idx="2">
-                  <c:v>2018</c:v>
-                </c:pt>
-                <c:pt idx="3">
-                  <c:v>2019</c:v>
-                </c:pt>
-              </c:numCache>
-            </c:numRef>
-          </c:cat>
-          <c:val>
-            <c:numRef>
-              <c:f>'(11) Stage 3-5 by Age, Race &amp; F'!$Q$24:$Q$27</c:f>
-              <c:numCache>
-                <c:formatCode>0.0</c:formatCode>
-                <c:ptCount val="4"/>
-                <c:pt idx="0">
-                  <c:v>5.9</c:v>
-                </c:pt>
-                <c:pt idx="1">
-                  <c:v>6.71</c:v>
-                </c:pt>
-                <c:pt idx="2">
-                  <c:v>6.94</c:v>
-                </c:pt>
-                <c:pt idx="3">
-                  <c:v>7.28</c:v>
-                </c:pt>
-              </c:numCache>
-            </c:numRef>
-          </c:val>
-          <c:smooth val="0"/>
-          <c:extLst>
-            <c:ext xmlns:c16="http://schemas.microsoft.com/office/drawing/2014/chart" uri="{C3380CC4-5D6E-409C-BE32-E72D297353CC}">
-              <c16:uniqueId val="{00000006-4FBF-495B-B8BA-71D4E72C59BC}"/>
-            </c:ext>
-          </c:extLst>
-        </c:ser>
-        <c:ser>
-          <c:idx val="7"/>
-          <c:order val="7"/>
-          <c:tx>
-            <c:strRef>
-              <c:f>'(11) Stage 3-5 by Age, Race &amp; F'!$R$23</c:f>
-              <c:strCache>
-                <c:ptCount val="1"/>
-                <c:pt idx="0">
-                  <c:v>Overall</c:v>
-                </c:pt>
-              </c:strCache>
-            </c:strRef>
-          </c:tx>
-          <c:spPr>
-            <a:ln w="44450" cap="rnd">
-              <a:solidFill>
-                <a:schemeClr val="tx1"/>
-              </a:solidFill>
-              <a:prstDash val="sysDash"/>
-              <a:round/>
-            </a:ln>
-            <a:effectLst/>
-          </c:spPr>
-          <c:marker>
-            <c:symbol val="circle"/>
-            <c:size val="5"/>
-            <c:spPr>
-              <a:solidFill>
-                <a:schemeClr val="tx1"/>
-              </a:solidFill>
-              <a:ln w="44450">
-                <a:solidFill>
-                  <a:schemeClr val="tx1"/>
-                </a:solidFill>
-              </a:ln>
-              <a:effectLst/>
-            </c:spPr>
-          </c:marker>
-          <c:cat>
-            <c:numRef>
-              <c:f>'(11) Stage 3-5 by Age, Race &amp; F'!$J$24:$J$27</c:f>
-              <c:numCache>
-                <c:formatCode>General</c:formatCode>
-                <c:ptCount val="4"/>
-                <c:pt idx="0">
-                  <c:v>2016</c:v>
-                </c:pt>
-                <c:pt idx="1">
-                  <c:v>2017</c:v>
-                </c:pt>
-                <c:pt idx="2">
-                  <c:v>2018</c:v>
-                </c:pt>
-                <c:pt idx="3">
-                  <c:v>2019</c:v>
-                </c:pt>
-              </c:numCache>
-            </c:numRef>
-          </c:cat>
-          <c:val>
-            <c:numRef>
-              <c:f>'(11) Stage 3-5 by Age, Race &amp; F'!$R$24:$R$27</c:f>
-              <c:numCache>
-                <c:formatCode>0.0</c:formatCode>
-                <c:ptCount val="4"/>
-                <c:pt idx="0">
-                  <c:v>4.9400000000000004</c:v>
-                </c:pt>
-                <c:pt idx="1">
-                  <c:v>5.29</c:v>
-                </c:pt>
-                <c:pt idx="2">
-                  <c:v>5.27</c:v>
-                </c:pt>
-                <c:pt idx="3">
-                  <c:v>5.28</c:v>
-                </c:pt>
-              </c:numCache>
-            </c:numRef>
-          </c:val>
-          <c:smooth val="0"/>
-          <c:extLst>
-            <c:ext xmlns:c16="http://schemas.microsoft.com/office/drawing/2014/chart" uri="{C3380CC4-5D6E-409C-BE32-E72D297353CC}">
-              <c16:uniqueId val="{00000007-4FBF-495B-B8BA-71D4E72C59BC}"/>
+              <c16:uniqueId val="{00000004-5B72-4733-A2B7-1903A8E9BA91}"/>
             </c:ext>
           </c:extLst>
         </c:ser>
@@ -2690,11 +4407,11 @@
         </c:dLbls>
         <c:marker val="1"/>
         <c:smooth val="0"/>
-        <c:axId val="2088235888"/>
-        <c:axId val="2088233808"/>
+        <c:axId val="626186720"/>
+        <c:axId val="626185056"/>
       </c:lineChart>
       <c:catAx>
-        <c:axId val="2088235888"/>
+        <c:axId val="626186720"/>
         <c:scaling>
           <c:orientation val="minMax"/>
         </c:scaling>
@@ -2722,9 +4439,9 @@
           <a:lstStyle/>
           <a:p>
             <a:pPr>
-              <a:defRPr sz="2200" b="0" i="0" u="none" strike="noStrike" kern="1200" baseline="0">
+              <a:defRPr sz="2300" b="0" i="0" u="none" strike="noStrike" kern="1200" baseline="0">
                 <a:solidFill>
-                  <a:schemeClr val="tx1"/>
+                  <a:sysClr val="windowText" lastClr="000000"/>
                 </a:solidFill>
                 <a:latin typeface="Calibri" panose="020F0502020204030204" pitchFamily="34" charset="0"/>
                 <a:ea typeface="+mn-ea"/>
@@ -2734,7 +4451,7 @@
             <a:endParaRPr lang="en-US"/>
           </a:p>
         </c:txPr>
-        <c:crossAx val="2088233808"/>
+        <c:crossAx val="626185056"/>
         <c:crosses val="autoZero"/>
         <c:auto val="1"/>
         <c:lblAlgn val="ctr"/>
@@ -2742,7 +4459,7 @@
         <c:noMultiLvlLbl val="0"/>
       </c:catAx>
       <c:valAx>
-        <c:axId val="2088233808"/>
+        <c:axId val="626185056"/>
         <c:scaling>
           <c:orientation val="minMax"/>
           <c:max val="14"/>
@@ -2772,7 +4489,7 @@
                 <a:pPr>
                   <a:defRPr sz="2400" b="0" i="0" u="none" strike="noStrike" kern="1200" baseline="0">
                     <a:solidFill>
-                      <a:schemeClr val="tx1"/>
+                      <a:sysClr val="windowText" lastClr="000000"/>
                     </a:solidFill>
                     <a:latin typeface="Calibri" panose="020F0502020204030204" pitchFamily="34" charset="0"/>
                     <a:ea typeface="+mn-ea"/>
@@ -2780,31 +4497,13 @@
                   </a:defRPr>
                 </a:pPr>
                 <a:r>
-                  <a:rPr lang="en-US" sz="2400">
-                    <a:solidFill>
-                      <a:schemeClr val="tx1"/>
-                    </a:solidFill>
-                    <a:latin typeface="Calibri" panose="020F0502020204030204" pitchFamily="34" charset="0"/>
-                    <a:cs typeface="Calibri" panose="020F0502020204030204" pitchFamily="34" charset="0"/>
+                  <a:rPr lang="en-US" sz="2400" b="0" i="0" baseline="0" dirty="0">
+                    <a:effectLst/>
                   </a:rPr>
-                  <a:t>CKD</a:t>
+                  <a:t>CKD Stages 3–5 (%)</a:t>
                 </a:r>
-                <a:r>
-                  <a:rPr lang="en-US" sz="2400" baseline="0">
-                    <a:solidFill>
-                      <a:schemeClr val="tx1"/>
-                    </a:solidFill>
-                    <a:latin typeface="Calibri" panose="020F0502020204030204" pitchFamily="34" charset="0"/>
-                    <a:cs typeface="Calibri" panose="020F0502020204030204" pitchFamily="34" charset="0"/>
-                  </a:rPr>
-                  <a:t> (%)</a:t>
-                </a:r>
-                <a:endParaRPr lang="en-US" sz="2400">
-                  <a:solidFill>
-                    <a:schemeClr val="tx1"/>
-                  </a:solidFill>
-                  <a:latin typeface="Calibri" panose="020F0502020204030204" pitchFamily="34" charset="0"/>
-                  <a:cs typeface="Calibri" panose="020F0502020204030204" pitchFamily="34" charset="0"/>
+                <a:endParaRPr lang="en-US" sz="2400" dirty="0">
+                  <a:effectLst/>
                 </a:endParaRPr>
               </a:p>
             </c:rich>
@@ -2813,8 +4512,8 @@
             <c:manualLayout>
               <c:xMode val="edge"/>
               <c:yMode val="edge"/>
-              <c:x val="0"/>
-              <c:y val="0.18517916462272382"/>
+              <c:x val="2.3384186351706036E-4"/>
+              <c:y val="0.10213240496777304"/>
             </c:manualLayout>
           </c:layout>
           <c:overlay val="0"/>
@@ -2832,7 +4531,7 @@
               <a:pPr>
                 <a:defRPr sz="2400" b="0" i="0" u="none" strike="noStrike" kern="1200" baseline="0">
                   <a:solidFill>
-                    <a:schemeClr val="tx1"/>
+                    <a:sysClr val="windowText" lastClr="000000"/>
                   </a:solidFill>
                   <a:latin typeface="Calibri" panose="020F0502020204030204" pitchFamily="34" charset="0"/>
                   <a:ea typeface="+mn-ea"/>
@@ -2859,9 +4558,9 @@
           <a:lstStyle/>
           <a:p>
             <a:pPr>
-              <a:defRPr sz="2200" b="0" i="0" u="none" strike="noStrike" kern="1200" baseline="0">
+              <a:defRPr sz="2300" b="0" i="0" u="none" strike="noStrike" kern="1200" baseline="0">
                 <a:solidFill>
-                  <a:schemeClr val="tx1"/>
+                  <a:sysClr val="windowText" lastClr="000000"/>
                 </a:solidFill>
                 <a:latin typeface="Calibri" panose="020F0502020204030204" pitchFamily="34" charset="0"/>
                 <a:ea typeface="+mn-ea"/>
@@ -2871,7 +4570,7 @@
             <a:endParaRPr lang="en-US"/>
           </a:p>
         </c:txPr>
-        <c:crossAx val="2088235888"/>
+        <c:crossAx val="626186720"/>
         <c:crosses val="autoZero"/>
         <c:crossBetween val="between"/>
       </c:valAx>
@@ -2889,10 +4588,10 @@
         <c:manualLayout>
           <c:xMode val="edge"/>
           <c:yMode val="edge"/>
-          <c:x val="0.10807054170198721"/>
-          <c:y val="0.75859155601939787"/>
-          <c:w val="0.87031376707628971"/>
-          <c:h val="0.23049584681786911"/>
+          <c:x val="8.7445538057742786E-2"/>
+          <c:y val="0.90474735239186144"/>
+          <c:w val="0.87953961614173226"/>
+          <c:h val="9.4724432409043838E-2"/>
         </c:manualLayout>
       </c:layout>
       <c:overlay val="0"/>
@@ -2908,9 +4607,9 @@
         <a:lstStyle/>
         <a:p>
           <a:pPr>
-            <a:defRPr sz="1600" b="0" i="0" u="none" strike="noStrike" kern="1200" baseline="0">
+            <a:defRPr sz="2200" b="0" i="0" u="none" strike="noStrike" kern="1200" baseline="0">
               <a:solidFill>
-                <a:schemeClr val="tx1"/>
+                <a:sysClr val="windowText" lastClr="000000"/>
               </a:solidFill>
               <a:latin typeface="Calibri" panose="020F0502020204030204" pitchFamily="34" charset="0"/>
               <a:ea typeface="+mn-ea"/>
@@ -2933,9 +4632,12 @@
     <c:showDLblsOverMax val="0"/>
   </c:chart>
   <c:spPr>
-    <a:noFill/>
-    <a:ln>
+    <a:solidFill>
+      <a:schemeClr val="bg1"/>
+    </a:solidFill>
+    <a:ln w="9525" cap="flat" cmpd="sng" algn="ctr">
       <a:noFill/>
+      <a:round/>
     </a:ln>
     <a:effectLst/>
   </c:spPr>
@@ -3115,6 +4817,126 @@
 </cs:colorStyle>
 </file>
 
+<file path=ppt/charts/colors5.xml><?xml version="1.0" encoding="utf-8"?>
+<cs:colorStyle xmlns:cs="http://schemas.microsoft.com/office/drawing/2012/chartStyle" xmlns:a="http://schemas.openxmlformats.org/drawingml/2006/main" meth="cycle" id="10">
+  <a:schemeClr val="accent1"/>
+  <a:schemeClr val="accent2"/>
+  <a:schemeClr val="accent3"/>
+  <a:schemeClr val="accent4"/>
+  <a:schemeClr val="accent5"/>
+  <a:schemeClr val="accent6"/>
+  <cs:variation/>
+  <cs:variation>
+    <a:lumMod val="60000"/>
+  </cs:variation>
+  <cs:variation>
+    <a:lumMod val="80000"/>
+    <a:lumOff val="20000"/>
+  </cs:variation>
+  <cs:variation>
+    <a:lumMod val="80000"/>
+  </cs:variation>
+  <cs:variation>
+    <a:lumMod val="60000"/>
+    <a:lumOff val="40000"/>
+  </cs:variation>
+  <cs:variation>
+    <a:lumMod val="50000"/>
+  </cs:variation>
+  <cs:variation>
+    <a:lumMod val="70000"/>
+    <a:lumOff val="30000"/>
+  </cs:variation>
+  <cs:variation>
+    <a:lumMod val="70000"/>
+  </cs:variation>
+  <cs:variation>
+    <a:lumMod val="50000"/>
+    <a:lumOff val="50000"/>
+  </cs:variation>
+</cs:colorStyle>
+</file>
+
+<file path=ppt/charts/colors6.xml><?xml version="1.0" encoding="utf-8"?>
+<cs:colorStyle xmlns:cs="http://schemas.microsoft.com/office/drawing/2012/chartStyle" xmlns:a="http://schemas.openxmlformats.org/drawingml/2006/main" meth="cycle" id="10">
+  <a:schemeClr val="accent1"/>
+  <a:schemeClr val="accent2"/>
+  <a:schemeClr val="accent3"/>
+  <a:schemeClr val="accent4"/>
+  <a:schemeClr val="accent5"/>
+  <a:schemeClr val="accent6"/>
+  <cs:variation/>
+  <cs:variation>
+    <a:lumMod val="60000"/>
+  </cs:variation>
+  <cs:variation>
+    <a:lumMod val="80000"/>
+    <a:lumOff val="20000"/>
+  </cs:variation>
+  <cs:variation>
+    <a:lumMod val="80000"/>
+  </cs:variation>
+  <cs:variation>
+    <a:lumMod val="60000"/>
+    <a:lumOff val="40000"/>
+  </cs:variation>
+  <cs:variation>
+    <a:lumMod val="50000"/>
+  </cs:variation>
+  <cs:variation>
+    <a:lumMod val="70000"/>
+    <a:lumOff val="30000"/>
+  </cs:variation>
+  <cs:variation>
+    <a:lumMod val="70000"/>
+  </cs:variation>
+  <cs:variation>
+    <a:lumMod val="50000"/>
+    <a:lumOff val="50000"/>
+  </cs:variation>
+</cs:colorStyle>
+</file>
+
+<file path=ppt/charts/colors7.xml><?xml version="1.0" encoding="utf-8"?>
+<cs:colorStyle xmlns:cs="http://schemas.microsoft.com/office/drawing/2012/chartStyle" xmlns:a="http://schemas.openxmlformats.org/drawingml/2006/main" meth="cycle" id="10">
+  <a:schemeClr val="accent1"/>
+  <a:schemeClr val="accent2"/>
+  <a:schemeClr val="accent3"/>
+  <a:schemeClr val="accent4"/>
+  <a:schemeClr val="accent5"/>
+  <a:schemeClr val="accent6"/>
+  <cs:variation/>
+  <cs:variation>
+    <a:lumMod val="60000"/>
+  </cs:variation>
+  <cs:variation>
+    <a:lumMod val="80000"/>
+    <a:lumOff val="20000"/>
+  </cs:variation>
+  <cs:variation>
+    <a:lumMod val="80000"/>
+  </cs:variation>
+  <cs:variation>
+    <a:lumMod val="60000"/>
+    <a:lumOff val="40000"/>
+  </cs:variation>
+  <cs:variation>
+    <a:lumMod val="50000"/>
+  </cs:variation>
+  <cs:variation>
+    <a:lumMod val="70000"/>
+    <a:lumOff val="30000"/>
+  </cs:variation>
+  <cs:variation>
+    <a:lumMod val="70000"/>
+  </cs:variation>
+  <cs:variation>
+    <a:lumMod val="50000"/>
+    <a:lumOff val="50000"/>
+  </cs:variation>
+</cs:colorStyle>
+</file>
+
 <file path=ppt/charts/style1.xml><?xml version="1.0" encoding="utf-8"?>
 <cs:chartStyle xmlns:cs="http://schemas.microsoft.com/office/drawing/2012/chartStyle" xmlns:a="http://schemas.openxmlformats.org/drawingml/2006/main" id="332">
   <cs:axisTitle>
@@ -4625,6 +6447,1515 @@
 </file>
 
 <file path=ppt/charts/style4.xml><?xml version="1.0" encoding="utf-8"?>
+<cs:chartStyle xmlns:cs="http://schemas.microsoft.com/office/drawing/2012/chartStyle" xmlns:a="http://schemas.openxmlformats.org/drawingml/2006/main" id="332">
+  <cs:axisTitle>
+    <cs:lnRef idx="0"/>
+    <cs:fillRef idx="0"/>
+    <cs:effectRef idx="0"/>
+    <cs:fontRef idx="minor">
+      <a:schemeClr val="tx1">
+        <a:lumMod val="65000"/>
+        <a:lumOff val="35000"/>
+      </a:schemeClr>
+    </cs:fontRef>
+    <cs:defRPr sz="1000" kern="1200"/>
+  </cs:axisTitle>
+  <cs:categoryAxis>
+    <cs:lnRef idx="0"/>
+    <cs:fillRef idx="0"/>
+    <cs:effectRef idx="0"/>
+    <cs:fontRef idx="minor">
+      <a:schemeClr val="tx1">
+        <a:lumMod val="65000"/>
+        <a:lumOff val="35000"/>
+      </a:schemeClr>
+    </cs:fontRef>
+    <cs:spPr>
+      <a:ln w="9525" cap="flat" cmpd="sng" algn="ctr">
+        <a:solidFill>
+          <a:schemeClr val="tx1">
+            <a:lumMod val="15000"/>
+            <a:lumOff val="85000"/>
+          </a:schemeClr>
+        </a:solidFill>
+        <a:round/>
+      </a:ln>
+    </cs:spPr>
+    <cs:defRPr sz="900" kern="1200"/>
+  </cs:categoryAxis>
+  <cs:chartArea mods="allowNoFillOverride allowNoLineOverride">
+    <cs:lnRef idx="0"/>
+    <cs:fillRef idx="0"/>
+    <cs:effectRef idx="0"/>
+    <cs:fontRef idx="minor">
+      <a:schemeClr val="tx1"/>
+    </cs:fontRef>
+    <cs:spPr>
+      <a:solidFill>
+        <a:schemeClr val="bg1"/>
+      </a:solidFill>
+      <a:ln w="9525" cap="flat" cmpd="sng" algn="ctr">
+        <a:solidFill>
+          <a:schemeClr val="tx1">
+            <a:lumMod val="15000"/>
+            <a:lumOff val="85000"/>
+          </a:schemeClr>
+        </a:solidFill>
+        <a:round/>
+      </a:ln>
+    </cs:spPr>
+    <cs:defRPr sz="1000" kern="1200"/>
+  </cs:chartArea>
+  <cs:dataLabel>
+    <cs:lnRef idx="0"/>
+    <cs:fillRef idx="0"/>
+    <cs:effectRef idx="0"/>
+    <cs:fontRef idx="minor">
+      <a:schemeClr val="tx1">
+        <a:lumMod val="75000"/>
+        <a:lumOff val="25000"/>
+      </a:schemeClr>
+    </cs:fontRef>
+    <cs:defRPr sz="900" kern="1200"/>
+  </cs:dataLabel>
+  <cs:dataLabelCallout>
+    <cs:lnRef idx="0"/>
+    <cs:fillRef idx="0"/>
+    <cs:effectRef idx="0"/>
+    <cs:fontRef idx="minor">
+      <a:schemeClr val="dk1">
+        <a:lumMod val="65000"/>
+        <a:lumOff val="35000"/>
+      </a:schemeClr>
+    </cs:fontRef>
+    <cs:spPr>
+      <a:solidFill>
+        <a:schemeClr val="lt1"/>
+      </a:solidFill>
+      <a:ln>
+        <a:solidFill>
+          <a:schemeClr val="dk1">
+            <a:lumMod val="25000"/>
+            <a:lumOff val="75000"/>
+          </a:schemeClr>
+        </a:solidFill>
+      </a:ln>
+    </cs:spPr>
+    <cs:defRPr sz="900" kern="1200"/>
+    <cs:bodyPr rot="0" spcFirstLastPara="1" vertOverflow="clip" horzOverflow="clip" vert="horz" wrap="square" lIns="36576" tIns="18288" rIns="36576" bIns="18288" anchor="ctr" anchorCtr="1">
+      <a:spAutoFit/>
+    </cs:bodyPr>
+  </cs:dataLabelCallout>
+  <cs:dataPoint>
+    <cs:lnRef idx="0"/>
+    <cs:fillRef idx="1">
+      <cs:styleClr val="auto"/>
+    </cs:fillRef>
+    <cs:effectRef idx="0"/>
+    <cs:fontRef idx="minor">
+      <a:schemeClr val="tx1"/>
+    </cs:fontRef>
+  </cs:dataPoint>
+  <cs:dataPoint3D>
+    <cs:lnRef idx="0"/>
+    <cs:fillRef idx="1">
+      <cs:styleClr val="auto"/>
+    </cs:fillRef>
+    <cs:effectRef idx="0"/>
+    <cs:fontRef idx="minor">
+      <a:schemeClr val="tx1"/>
+    </cs:fontRef>
+  </cs:dataPoint3D>
+  <cs:dataPointLine>
+    <cs:lnRef idx="0">
+      <cs:styleClr val="auto"/>
+    </cs:lnRef>
+    <cs:fillRef idx="1"/>
+    <cs:effectRef idx="0"/>
+    <cs:fontRef idx="minor">
+      <a:schemeClr val="tx1"/>
+    </cs:fontRef>
+    <cs:spPr>
+      <a:ln w="28575" cap="rnd">
+        <a:solidFill>
+          <a:schemeClr val="phClr"/>
+        </a:solidFill>
+        <a:round/>
+      </a:ln>
+    </cs:spPr>
+  </cs:dataPointLine>
+  <cs:dataPointMarker>
+    <cs:lnRef idx="0">
+      <cs:styleClr val="auto"/>
+    </cs:lnRef>
+    <cs:fillRef idx="1">
+      <cs:styleClr val="auto"/>
+    </cs:fillRef>
+    <cs:effectRef idx="0"/>
+    <cs:fontRef idx="minor">
+      <a:schemeClr val="tx1"/>
+    </cs:fontRef>
+    <cs:spPr>
+      <a:ln w="9525">
+        <a:solidFill>
+          <a:schemeClr val="phClr"/>
+        </a:solidFill>
+      </a:ln>
+    </cs:spPr>
+  </cs:dataPointMarker>
+  <cs:dataPointMarkerLayout symbol="circle" size="5"/>
+  <cs:dataPointWireframe>
+    <cs:lnRef idx="0">
+      <cs:styleClr val="auto"/>
+    </cs:lnRef>
+    <cs:fillRef idx="1"/>
+    <cs:effectRef idx="0"/>
+    <cs:fontRef idx="minor">
+      <a:schemeClr val="tx1"/>
+    </cs:fontRef>
+    <cs:spPr>
+      <a:ln w="9525" cap="rnd">
+        <a:solidFill>
+          <a:schemeClr val="phClr"/>
+        </a:solidFill>
+        <a:round/>
+      </a:ln>
+    </cs:spPr>
+  </cs:dataPointWireframe>
+  <cs:dataTable>
+    <cs:lnRef idx="0"/>
+    <cs:fillRef idx="0"/>
+    <cs:effectRef idx="0"/>
+    <cs:fontRef idx="minor">
+      <a:schemeClr val="tx1">
+        <a:lumMod val="65000"/>
+        <a:lumOff val="35000"/>
+      </a:schemeClr>
+    </cs:fontRef>
+    <cs:spPr>
+      <a:noFill/>
+      <a:ln w="9525" cap="flat" cmpd="sng" algn="ctr">
+        <a:solidFill>
+          <a:schemeClr val="tx1">
+            <a:lumMod val="15000"/>
+            <a:lumOff val="85000"/>
+          </a:schemeClr>
+        </a:solidFill>
+        <a:round/>
+      </a:ln>
+    </cs:spPr>
+    <cs:defRPr sz="900" kern="1200"/>
+  </cs:dataTable>
+  <cs:downBar>
+    <cs:lnRef idx="0"/>
+    <cs:fillRef idx="0"/>
+    <cs:effectRef idx="0"/>
+    <cs:fontRef idx="minor">
+      <a:schemeClr val="dk1"/>
+    </cs:fontRef>
+    <cs:spPr>
+      <a:solidFill>
+        <a:schemeClr val="dk1">
+          <a:lumMod val="65000"/>
+          <a:lumOff val="35000"/>
+        </a:schemeClr>
+      </a:solidFill>
+      <a:ln w="9525">
+        <a:solidFill>
+          <a:schemeClr val="tx1">
+            <a:lumMod val="65000"/>
+            <a:lumOff val="35000"/>
+          </a:schemeClr>
+        </a:solidFill>
+      </a:ln>
+    </cs:spPr>
+  </cs:downBar>
+  <cs:dropLine>
+    <cs:lnRef idx="0"/>
+    <cs:fillRef idx="0"/>
+    <cs:effectRef idx="0"/>
+    <cs:fontRef idx="minor">
+      <a:schemeClr val="tx1"/>
+    </cs:fontRef>
+    <cs:spPr>
+      <a:ln w="9525" cap="flat" cmpd="sng" algn="ctr">
+        <a:solidFill>
+          <a:schemeClr val="tx1">
+            <a:lumMod val="35000"/>
+            <a:lumOff val="65000"/>
+          </a:schemeClr>
+        </a:solidFill>
+        <a:round/>
+      </a:ln>
+    </cs:spPr>
+  </cs:dropLine>
+  <cs:errorBar>
+    <cs:lnRef idx="0"/>
+    <cs:fillRef idx="0"/>
+    <cs:effectRef idx="0"/>
+    <cs:fontRef idx="minor">
+      <a:schemeClr val="tx1"/>
+    </cs:fontRef>
+    <cs:spPr>
+      <a:ln w="9525" cap="flat" cmpd="sng" algn="ctr">
+        <a:solidFill>
+          <a:schemeClr val="tx1">
+            <a:lumMod val="65000"/>
+            <a:lumOff val="35000"/>
+          </a:schemeClr>
+        </a:solidFill>
+        <a:round/>
+      </a:ln>
+    </cs:spPr>
+  </cs:errorBar>
+  <cs:floor>
+    <cs:lnRef idx="0"/>
+    <cs:fillRef idx="0"/>
+    <cs:effectRef idx="0"/>
+    <cs:fontRef idx="minor">
+      <a:schemeClr val="tx1"/>
+    </cs:fontRef>
+    <cs:spPr>
+      <a:noFill/>
+      <a:ln>
+        <a:noFill/>
+      </a:ln>
+    </cs:spPr>
+  </cs:floor>
+  <cs:gridlineMajor>
+    <cs:lnRef idx="0"/>
+    <cs:fillRef idx="0"/>
+    <cs:effectRef idx="0"/>
+    <cs:fontRef idx="minor">
+      <a:schemeClr val="tx1"/>
+    </cs:fontRef>
+    <cs:spPr>
+      <a:ln w="9525" cap="flat" cmpd="sng" algn="ctr">
+        <a:solidFill>
+          <a:schemeClr val="tx1">
+            <a:lumMod val="15000"/>
+            <a:lumOff val="85000"/>
+          </a:schemeClr>
+        </a:solidFill>
+        <a:round/>
+      </a:ln>
+    </cs:spPr>
+  </cs:gridlineMajor>
+  <cs:gridlineMinor>
+    <cs:lnRef idx="0"/>
+    <cs:fillRef idx="0"/>
+    <cs:effectRef idx="0"/>
+    <cs:fontRef idx="minor">
+      <a:schemeClr val="tx1"/>
+    </cs:fontRef>
+    <cs:spPr>
+      <a:ln w="9525" cap="flat" cmpd="sng" algn="ctr">
+        <a:solidFill>
+          <a:schemeClr val="tx1">
+            <a:lumMod val="5000"/>
+            <a:lumOff val="95000"/>
+          </a:schemeClr>
+        </a:solidFill>
+        <a:round/>
+      </a:ln>
+    </cs:spPr>
+  </cs:gridlineMinor>
+  <cs:hiLoLine>
+    <cs:lnRef idx="0"/>
+    <cs:fillRef idx="0"/>
+    <cs:effectRef idx="0"/>
+    <cs:fontRef idx="minor">
+      <a:schemeClr val="tx1"/>
+    </cs:fontRef>
+    <cs:spPr>
+      <a:ln w="9525" cap="flat" cmpd="sng" algn="ctr">
+        <a:solidFill>
+          <a:schemeClr val="tx1">
+            <a:lumMod val="75000"/>
+            <a:lumOff val="25000"/>
+          </a:schemeClr>
+        </a:solidFill>
+        <a:round/>
+      </a:ln>
+    </cs:spPr>
+  </cs:hiLoLine>
+  <cs:leaderLine>
+    <cs:lnRef idx="0"/>
+    <cs:fillRef idx="0"/>
+    <cs:effectRef idx="0"/>
+    <cs:fontRef idx="minor">
+      <a:schemeClr val="tx1"/>
+    </cs:fontRef>
+    <cs:spPr>
+      <a:ln w="9525" cap="flat" cmpd="sng" algn="ctr">
+        <a:solidFill>
+          <a:schemeClr val="tx1">
+            <a:lumMod val="35000"/>
+            <a:lumOff val="65000"/>
+          </a:schemeClr>
+        </a:solidFill>
+        <a:round/>
+      </a:ln>
+    </cs:spPr>
+  </cs:leaderLine>
+  <cs:legend>
+    <cs:lnRef idx="0"/>
+    <cs:fillRef idx="0"/>
+    <cs:effectRef idx="0"/>
+    <cs:fontRef idx="minor">
+      <a:schemeClr val="tx1">
+        <a:lumMod val="65000"/>
+        <a:lumOff val="35000"/>
+      </a:schemeClr>
+    </cs:fontRef>
+    <cs:defRPr sz="900" kern="1200"/>
+  </cs:legend>
+  <cs:plotArea mods="allowNoFillOverride allowNoLineOverride">
+    <cs:lnRef idx="0"/>
+    <cs:fillRef idx="0"/>
+    <cs:effectRef idx="0"/>
+    <cs:fontRef idx="minor">
+      <a:schemeClr val="tx1"/>
+    </cs:fontRef>
+  </cs:plotArea>
+  <cs:plotArea3D mods="allowNoFillOverride allowNoLineOverride">
+    <cs:lnRef idx="0"/>
+    <cs:fillRef idx="0"/>
+    <cs:effectRef idx="0"/>
+    <cs:fontRef idx="minor">
+      <a:schemeClr val="tx1"/>
+    </cs:fontRef>
+  </cs:plotArea3D>
+  <cs:seriesAxis>
+    <cs:lnRef idx="0"/>
+    <cs:fillRef idx="0"/>
+    <cs:effectRef idx="0"/>
+    <cs:fontRef idx="minor">
+      <a:schemeClr val="tx1">
+        <a:lumMod val="65000"/>
+        <a:lumOff val="35000"/>
+      </a:schemeClr>
+    </cs:fontRef>
+    <cs:defRPr sz="900" kern="1200"/>
+  </cs:seriesAxis>
+  <cs:seriesLine>
+    <cs:lnRef idx="0"/>
+    <cs:fillRef idx="0"/>
+    <cs:effectRef idx="0"/>
+    <cs:fontRef idx="minor">
+      <a:schemeClr val="tx1"/>
+    </cs:fontRef>
+    <cs:spPr>
+      <a:ln w="9525" cap="flat" cmpd="sng" algn="ctr">
+        <a:solidFill>
+          <a:schemeClr val="tx1">
+            <a:lumMod val="35000"/>
+            <a:lumOff val="65000"/>
+          </a:schemeClr>
+        </a:solidFill>
+        <a:round/>
+      </a:ln>
+    </cs:spPr>
+  </cs:seriesLine>
+  <cs:title>
+    <cs:lnRef idx="0"/>
+    <cs:fillRef idx="0"/>
+    <cs:effectRef idx="0"/>
+    <cs:fontRef idx="minor">
+      <a:schemeClr val="tx1">
+        <a:lumMod val="65000"/>
+        <a:lumOff val="35000"/>
+      </a:schemeClr>
+    </cs:fontRef>
+    <cs:defRPr sz="1400" b="0" kern="1200" spc="0" baseline="0"/>
+  </cs:title>
+  <cs:trendline>
+    <cs:lnRef idx="0">
+      <cs:styleClr val="auto"/>
+    </cs:lnRef>
+    <cs:fillRef idx="0"/>
+    <cs:effectRef idx="0"/>
+    <cs:fontRef idx="minor">
+      <a:schemeClr val="tx1"/>
+    </cs:fontRef>
+    <cs:spPr>
+      <a:ln w="19050" cap="rnd">
+        <a:solidFill>
+          <a:schemeClr val="phClr"/>
+        </a:solidFill>
+        <a:prstDash val="sysDot"/>
+      </a:ln>
+    </cs:spPr>
+  </cs:trendline>
+  <cs:trendlineLabel>
+    <cs:lnRef idx="0"/>
+    <cs:fillRef idx="0"/>
+    <cs:effectRef idx="0"/>
+    <cs:fontRef idx="minor">
+      <a:schemeClr val="tx1">
+        <a:lumMod val="65000"/>
+        <a:lumOff val="35000"/>
+      </a:schemeClr>
+    </cs:fontRef>
+    <cs:defRPr sz="900" kern="1200"/>
+  </cs:trendlineLabel>
+  <cs:upBar>
+    <cs:lnRef idx="0"/>
+    <cs:fillRef idx="0"/>
+    <cs:effectRef idx="0"/>
+    <cs:fontRef idx="minor">
+      <a:schemeClr val="dk1"/>
+    </cs:fontRef>
+    <cs:spPr>
+      <a:solidFill>
+        <a:schemeClr val="lt1"/>
+      </a:solidFill>
+      <a:ln w="9525">
+        <a:solidFill>
+          <a:schemeClr val="tx1">
+            <a:lumMod val="15000"/>
+            <a:lumOff val="85000"/>
+          </a:schemeClr>
+        </a:solidFill>
+      </a:ln>
+    </cs:spPr>
+  </cs:upBar>
+  <cs:valueAxis>
+    <cs:lnRef idx="0"/>
+    <cs:fillRef idx="0"/>
+    <cs:effectRef idx="0"/>
+    <cs:fontRef idx="minor">
+      <a:schemeClr val="tx1">
+        <a:lumMod val="65000"/>
+        <a:lumOff val="35000"/>
+      </a:schemeClr>
+    </cs:fontRef>
+    <cs:defRPr sz="900" kern="1200"/>
+  </cs:valueAxis>
+  <cs:wall>
+    <cs:lnRef idx="0"/>
+    <cs:fillRef idx="0"/>
+    <cs:effectRef idx="0"/>
+    <cs:fontRef idx="minor">
+      <a:schemeClr val="tx1"/>
+    </cs:fontRef>
+    <cs:spPr>
+      <a:noFill/>
+      <a:ln>
+        <a:noFill/>
+      </a:ln>
+    </cs:spPr>
+  </cs:wall>
+</cs:chartStyle>
+</file>
+
+<file path=ppt/charts/style5.xml><?xml version="1.0" encoding="utf-8"?>
+<cs:chartStyle xmlns:cs="http://schemas.microsoft.com/office/drawing/2012/chartStyle" xmlns:a="http://schemas.openxmlformats.org/drawingml/2006/main" id="332">
+  <cs:axisTitle>
+    <cs:lnRef idx="0"/>
+    <cs:fillRef idx="0"/>
+    <cs:effectRef idx="0"/>
+    <cs:fontRef idx="minor">
+      <a:schemeClr val="tx1">
+        <a:lumMod val="65000"/>
+        <a:lumOff val="35000"/>
+      </a:schemeClr>
+    </cs:fontRef>
+    <cs:defRPr sz="1000" kern="1200"/>
+  </cs:axisTitle>
+  <cs:categoryAxis>
+    <cs:lnRef idx="0"/>
+    <cs:fillRef idx="0"/>
+    <cs:effectRef idx="0"/>
+    <cs:fontRef idx="minor">
+      <a:schemeClr val="tx1">
+        <a:lumMod val="65000"/>
+        <a:lumOff val="35000"/>
+      </a:schemeClr>
+    </cs:fontRef>
+    <cs:spPr>
+      <a:ln w="9525" cap="flat" cmpd="sng" algn="ctr">
+        <a:solidFill>
+          <a:schemeClr val="tx1">
+            <a:lumMod val="15000"/>
+            <a:lumOff val="85000"/>
+          </a:schemeClr>
+        </a:solidFill>
+        <a:round/>
+      </a:ln>
+    </cs:spPr>
+    <cs:defRPr sz="900" kern="1200"/>
+  </cs:categoryAxis>
+  <cs:chartArea mods="allowNoFillOverride allowNoLineOverride">
+    <cs:lnRef idx="0"/>
+    <cs:fillRef idx="0"/>
+    <cs:effectRef idx="0"/>
+    <cs:fontRef idx="minor">
+      <a:schemeClr val="tx1"/>
+    </cs:fontRef>
+    <cs:spPr>
+      <a:solidFill>
+        <a:schemeClr val="bg1"/>
+      </a:solidFill>
+      <a:ln w="9525" cap="flat" cmpd="sng" algn="ctr">
+        <a:solidFill>
+          <a:schemeClr val="tx1">
+            <a:lumMod val="15000"/>
+            <a:lumOff val="85000"/>
+          </a:schemeClr>
+        </a:solidFill>
+        <a:round/>
+      </a:ln>
+    </cs:spPr>
+    <cs:defRPr sz="1000" kern="1200"/>
+  </cs:chartArea>
+  <cs:dataLabel>
+    <cs:lnRef idx="0"/>
+    <cs:fillRef idx="0"/>
+    <cs:effectRef idx="0"/>
+    <cs:fontRef idx="minor">
+      <a:schemeClr val="tx1">
+        <a:lumMod val="75000"/>
+        <a:lumOff val="25000"/>
+      </a:schemeClr>
+    </cs:fontRef>
+    <cs:defRPr sz="900" kern="1200"/>
+  </cs:dataLabel>
+  <cs:dataLabelCallout>
+    <cs:lnRef idx="0"/>
+    <cs:fillRef idx="0"/>
+    <cs:effectRef idx="0"/>
+    <cs:fontRef idx="minor">
+      <a:schemeClr val="dk1">
+        <a:lumMod val="65000"/>
+        <a:lumOff val="35000"/>
+      </a:schemeClr>
+    </cs:fontRef>
+    <cs:spPr>
+      <a:solidFill>
+        <a:schemeClr val="lt1"/>
+      </a:solidFill>
+      <a:ln>
+        <a:solidFill>
+          <a:schemeClr val="dk1">
+            <a:lumMod val="25000"/>
+            <a:lumOff val="75000"/>
+          </a:schemeClr>
+        </a:solidFill>
+      </a:ln>
+    </cs:spPr>
+    <cs:defRPr sz="900" kern="1200"/>
+    <cs:bodyPr rot="0" spcFirstLastPara="1" vertOverflow="clip" horzOverflow="clip" vert="horz" wrap="square" lIns="36576" tIns="18288" rIns="36576" bIns="18288" anchor="ctr" anchorCtr="1">
+      <a:spAutoFit/>
+    </cs:bodyPr>
+  </cs:dataLabelCallout>
+  <cs:dataPoint>
+    <cs:lnRef idx="0"/>
+    <cs:fillRef idx="1">
+      <cs:styleClr val="auto"/>
+    </cs:fillRef>
+    <cs:effectRef idx="0"/>
+    <cs:fontRef idx="minor">
+      <a:schemeClr val="tx1"/>
+    </cs:fontRef>
+  </cs:dataPoint>
+  <cs:dataPoint3D>
+    <cs:lnRef idx="0"/>
+    <cs:fillRef idx="1">
+      <cs:styleClr val="auto"/>
+    </cs:fillRef>
+    <cs:effectRef idx="0"/>
+    <cs:fontRef idx="minor">
+      <a:schemeClr val="tx1"/>
+    </cs:fontRef>
+  </cs:dataPoint3D>
+  <cs:dataPointLine>
+    <cs:lnRef idx="0">
+      <cs:styleClr val="auto"/>
+    </cs:lnRef>
+    <cs:fillRef idx="1"/>
+    <cs:effectRef idx="0"/>
+    <cs:fontRef idx="minor">
+      <a:schemeClr val="tx1"/>
+    </cs:fontRef>
+    <cs:spPr>
+      <a:ln w="28575" cap="rnd">
+        <a:solidFill>
+          <a:schemeClr val="phClr"/>
+        </a:solidFill>
+        <a:round/>
+      </a:ln>
+    </cs:spPr>
+  </cs:dataPointLine>
+  <cs:dataPointMarker>
+    <cs:lnRef idx="0">
+      <cs:styleClr val="auto"/>
+    </cs:lnRef>
+    <cs:fillRef idx="1">
+      <cs:styleClr val="auto"/>
+    </cs:fillRef>
+    <cs:effectRef idx="0"/>
+    <cs:fontRef idx="minor">
+      <a:schemeClr val="tx1"/>
+    </cs:fontRef>
+    <cs:spPr>
+      <a:ln w="9525">
+        <a:solidFill>
+          <a:schemeClr val="phClr"/>
+        </a:solidFill>
+      </a:ln>
+    </cs:spPr>
+  </cs:dataPointMarker>
+  <cs:dataPointMarkerLayout symbol="circle" size="5"/>
+  <cs:dataPointWireframe>
+    <cs:lnRef idx="0">
+      <cs:styleClr val="auto"/>
+    </cs:lnRef>
+    <cs:fillRef idx="1"/>
+    <cs:effectRef idx="0"/>
+    <cs:fontRef idx="minor">
+      <a:schemeClr val="tx1"/>
+    </cs:fontRef>
+    <cs:spPr>
+      <a:ln w="9525" cap="rnd">
+        <a:solidFill>
+          <a:schemeClr val="phClr"/>
+        </a:solidFill>
+        <a:round/>
+      </a:ln>
+    </cs:spPr>
+  </cs:dataPointWireframe>
+  <cs:dataTable>
+    <cs:lnRef idx="0"/>
+    <cs:fillRef idx="0"/>
+    <cs:effectRef idx="0"/>
+    <cs:fontRef idx="minor">
+      <a:schemeClr val="tx1">
+        <a:lumMod val="65000"/>
+        <a:lumOff val="35000"/>
+      </a:schemeClr>
+    </cs:fontRef>
+    <cs:spPr>
+      <a:noFill/>
+      <a:ln w="9525" cap="flat" cmpd="sng" algn="ctr">
+        <a:solidFill>
+          <a:schemeClr val="tx1">
+            <a:lumMod val="15000"/>
+            <a:lumOff val="85000"/>
+          </a:schemeClr>
+        </a:solidFill>
+        <a:round/>
+      </a:ln>
+    </cs:spPr>
+    <cs:defRPr sz="900" kern="1200"/>
+  </cs:dataTable>
+  <cs:downBar>
+    <cs:lnRef idx="0"/>
+    <cs:fillRef idx="0"/>
+    <cs:effectRef idx="0"/>
+    <cs:fontRef idx="minor">
+      <a:schemeClr val="dk1"/>
+    </cs:fontRef>
+    <cs:spPr>
+      <a:solidFill>
+        <a:schemeClr val="dk1">
+          <a:lumMod val="65000"/>
+          <a:lumOff val="35000"/>
+        </a:schemeClr>
+      </a:solidFill>
+      <a:ln w="9525">
+        <a:solidFill>
+          <a:schemeClr val="tx1">
+            <a:lumMod val="65000"/>
+            <a:lumOff val="35000"/>
+          </a:schemeClr>
+        </a:solidFill>
+      </a:ln>
+    </cs:spPr>
+  </cs:downBar>
+  <cs:dropLine>
+    <cs:lnRef idx="0"/>
+    <cs:fillRef idx="0"/>
+    <cs:effectRef idx="0"/>
+    <cs:fontRef idx="minor">
+      <a:schemeClr val="tx1"/>
+    </cs:fontRef>
+    <cs:spPr>
+      <a:ln w="9525" cap="flat" cmpd="sng" algn="ctr">
+        <a:solidFill>
+          <a:schemeClr val="tx1">
+            <a:lumMod val="35000"/>
+            <a:lumOff val="65000"/>
+          </a:schemeClr>
+        </a:solidFill>
+        <a:round/>
+      </a:ln>
+    </cs:spPr>
+  </cs:dropLine>
+  <cs:errorBar>
+    <cs:lnRef idx="0"/>
+    <cs:fillRef idx="0"/>
+    <cs:effectRef idx="0"/>
+    <cs:fontRef idx="minor">
+      <a:schemeClr val="tx1"/>
+    </cs:fontRef>
+    <cs:spPr>
+      <a:ln w="9525" cap="flat" cmpd="sng" algn="ctr">
+        <a:solidFill>
+          <a:schemeClr val="tx1">
+            <a:lumMod val="65000"/>
+            <a:lumOff val="35000"/>
+          </a:schemeClr>
+        </a:solidFill>
+        <a:round/>
+      </a:ln>
+    </cs:spPr>
+  </cs:errorBar>
+  <cs:floor>
+    <cs:lnRef idx="0"/>
+    <cs:fillRef idx="0"/>
+    <cs:effectRef idx="0"/>
+    <cs:fontRef idx="minor">
+      <a:schemeClr val="tx1"/>
+    </cs:fontRef>
+    <cs:spPr>
+      <a:noFill/>
+      <a:ln>
+        <a:noFill/>
+      </a:ln>
+    </cs:spPr>
+  </cs:floor>
+  <cs:gridlineMajor>
+    <cs:lnRef idx="0"/>
+    <cs:fillRef idx="0"/>
+    <cs:effectRef idx="0"/>
+    <cs:fontRef idx="minor">
+      <a:schemeClr val="tx1"/>
+    </cs:fontRef>
+    <cs:spPr>
+      <a:ln w="9525" cap="flat" cmpd="sng" algn="ctr">
+        <a:solidFill>
+          <a:schemeClr val="tx1">
+            <a:lumMod val="15000"/>
+            <a:lumOff val="85000"/>
+          </a:schemeClr>
+        </a:solidFill>
+        <a:round/>
+      </a:ln>
+    </cs:spPr>
+  </cs:gridlineMajor>
+  <cs:gridlineMinor>
+    <cs:lnRef idx="0"/>
+    <cs:fillRef idx="0"/>
+    <cs:effectRef idx="0"/>
+    <cs:fontRef idx="minor">
+      <a:schemeClr val="tx1"/>
+    </cs:fontRef>
+    <cs:spPr>
+      <a:ln w="9525" cap="flat" cmpd="sng" algn="ctr">
+        <a:solidFill>
+          <a:schemeClr val="tx1">
+            <a:lumMod val="5000"/>
+            <a:lumOff val="95000"/>
+          </a:schemeClr>
+        </a:solidFill>
+        <a:round/>
+      </a:ln>
+    </cs:spPr>
+  </cs:gridlineMinor>
+  <cs:hiLoLine>
+    <cs:lnRef idx="0"/>
+    <cs:fillRef idx="0"/>
+    <cs:effectRef idx="0"/>
+    <cs:fontRef idx="minor">
+      <a:schemeClr val="tx1"/>
+    </cs:fontRef>
+    <cs:spPr>
+      <a:ln w="9525" cap="flat" cmpd="sng" algn="ctr">
+        <a:solidFill>
+          <a:schemeClr val="tx1">
+            <a:lumMod val="75000"/>
+            <a:lumOff val="25000"/>
+          </a:schemeClr>
+        </a:solidFill>
+        <a:round/>
+      </a:ln>
+    </cs:spPr>
+  </cs:hiLoLine>
+  <cs:leaderLine>
+    <cs:lnRef idx="0"/>
+    <cs:fillRef idx="0"/>
+    <cs:effectRef idx="0"/>
+    <cs:fontRef idx="minor">
+      <a:schemeClr val="tx1"/>
+    </cs:fontRef>
+    <cs:spPr>
+      <a:ln w="9525" cap="flat" cmpd="sng" algn="ctr">
+        <a:solidFill>
+          <a:schemeClr val="tx1">
+            <a:lumMod val="35000"/>
+            <a:lumOff val="65000"/>
+          </a:schemeClr>
+        </a:solidFill>
+        <a:round/>
+      </a:ln>
+    </cs:spPr>
+  </cs:leaderLine>
+  <cs:legend>
+    <cs:lnRef idx="0"/>
+    <cs:fillRef idx="0"/>
+    <cs:effectRef idx="0"/>
+    <cs:fontRef idx="minor">
+      <a:schemeClr val="tx1">
+        <a:lumMod val="65000"/>
+        <a:lumOff val="35000"/>
+      </a:schemeClr>
+    </cs:fontRef>
+    <cs:defRPr sz="900" kern="1200"/>
+  </cs:legend>
+  <cs:plotArea mods="allowNoFillOverride allowNoLineOverride">
+    <cs:lnRef idx="0"/>
+    <cs:fillRef idx="0"/>
+    <cs:effectRef idx="0"/>
+    <cs:fontRef idx="minor">
+      <a:schemeClr val="tx1"/>
+    </cs:fontRef>
+  </cs:plotArea>
+  <cs:plotArea3D mods="allowNoFillOverride allowNoLineOverride">
+    <cs:lnRef idx="0"/>
+    <cs:fillRef idx="0"/>
+    <cs:effectRef idx="0"/>
+    <cs:fontRef idx="minor">
+      <a:schemeClr val="tx1"/>
+    </cs:fontRef>
+  </cs:plotArea3D>
+  <cs:seriesAxis>
+    <cs:lnRef idx="0"/>
+    <cs:fillRef idx="0"/>
+    <cs:effectRef idx="0"/>
+    <cs:fontRef idx="minor">
+      <a:schemeClr val="tx1">
+        <a:lumMod val="65000"/>
+        <a:lumOff val="35000"/>
+      </a:schemeClr>
+    </cs:fontRef>
+    <cs:defRPr sz="900" kern="1200"/>
+  </cs:seriesAxis>
+  <cs:seriesLine>
+    <cs:lnRef idx="0"/>
+    <cs:fillRef idx="0"/>
+    <cs:effectRef idx="0"/>
+    <cs:fontRef idx="minor">
+      <a:schemeClr val="tx1"/>
+    </cs:fontRef>
+    <cs:spPr>
+      <a:ln w="9525" cap="flat" cmpd="sng" algn="ctr">
+        <a:solidFill>
+          <a:schemeClr val="tx1">
+            <a:lumMod val="35000"/>
+            <a:lumOff val="65000"/>
+          </a:schemeClr>
+        </a:solidFill>
+        <a:round/>
+      </a:ln>
+    </cs:spPr>
+  </cs:seriesLine>
+  <cs:title>
+    <cs:lnRef idx="0"/>
+    <cs:fillRef idx="0"/>
+    <cs:effectRef idx="0"/>
+    <cs:fontRef idx="minor">
+      <a:schemeClr val="tx1">
+        <a:lumMod val="65000"/>
+        <a:lumOff val="35000"/>
+      </a:schemeClr>
+    </cs:fontRef>
+    <cs:defRPr sz="1400" b="0" kern="1200" spc="0" baseline="0"/>
+  </cs:title>
+  <cs:trendline>
+    <cs:lnRef idx="0">
+      <cs:styleClr val="auto"/>
+    </cs:lnRef>
+    <cs:fillRef idx="0"/>
+    <cs:effectRef idx="0"/>
+    <cs:fontRef idx="minor">
+      <a:schemeClr val="tx1"/>
+    </cs:fontRef>
+    <cs:spPr>
+      <a:ln w="19050" cap="rnd">
+        <a:solidFill>
+          <a:schemeClr val="phClr"/>
+        </a:solidFill>
+        <a:prstDash val="sysDot"/>
+      </a:ln>
+    </cs:spPr>
+  </cs:trendline>
+  <cs:trendlineLabel>
+    <cs:lnRef idx="0"/>
+    <cs:fillRef idx="0"/>
+    <cs:effectRef idx="0"/>
+    <cs:fontRef idx="minor">
+      <a:schemeClr val="tx1">
+        <a:lumMod val="65000"/>
+        <a:lumOff val="35000"/>
+      </a:schemeClr>
+    </cs:fontRef>
+    <cs:defRPr sz="900" kern="1200"/>
+  </cs:trendlineLabel>
+  <cs:upBar>
+    <cs:lnRef idx="0"/>
+    <cs:fillRef idx="0"/>
+    <cs:effectRef idx="0"/>
+    <cs:fontRef idx="minor">
+      <a:schemeClr val="dk1"/>
+    </cs:fontRef>
+    <cs:spPr>
+      <a:solidFill>
+        <a:schemeClr val="lt1"/>
+      </a:solidFill>
+      <a:ln w="9525">
+        <a:solidFill>
+          <a:schemeClr val="tx1">
+            <a:lumMod val="15000"/>
+            <a:lumOff val="85000"/>
+          </a:schemeClr>
+        </a:solidFill>
+      </a:ln>
+    </cs:spPr>
+  </cs:upBar>
+  <cs:valueAxis>
+    <cs:lnRef idx="0"/>
+    <cs:fillRef idx="0"/>
+    <cs:effectRef idx="0"/>
+    <cs:fontRef idx="minor">
+      <a:schemeClr val="tx1">
+        <a:lumMod val="65000"/>
+        <a:lumOff val="35000"/>
+      </a:schemeClr>
+    </cs:fontRef>
+    <cs:defRPr sz="900" kern="1200"/>
+  </cs:valueAxis>
+  <cs:wall>
+    <cs:lnRef idx="0"/>
+    <cs:fillRef idx="0"/>
+    <cs:effectRef idx="0"/>
+    <cs:fontRef idx="minor">
+      <a:schemeClr val="tx1"/>
+    </cs:fontRef>
+    <cs:spPr>
+      <a:noFill/>
+      <a:ln>
+        <a:noFill/>
+      </a:ln>
+    </cs:spPr>
+  </cs:wall>
+</cs:chartStyle>
+</file>
+
+<file path=ppt/charts/style6.xml><?xml version="1.0" encoding="utf-8"?>
+<cs:chartStyle xmlns:cs="http://schemas.microsoft.com/office/drawing/2012/chartStyle" xmlns:a="http://schemas.openxmlformats.org/drawingml/2006/main" id="332">
+  <cs:axisTitle>
+    <cs:lnRef idx="0"/>
+    <cs:fillRef idx="0"/>
+    <cs:effectRef idx="0"/>
+    <cs:fontRef idx="minor">
+      <a:schemeClr val="tx1">
+        <a:lumMod val="65000"/>
+        <a:lumOff val="35000"/>
+      </a:schemeClr>
+    </cs:fontRef>
+    <cs:defRPr sz="1000" kern="1200"/>
+  </cs:axisTitle>
+  <cs:categoryAxis>
+    <cs:lnRef idx="0"/>
+    <cs:fillRef idx="0"/>
+    <cs:effectRef idx="0"/>
+    <cs:fontRef idx="minor">
+      <a:schemeClr val="tx1">
+        <a:lumMod val="65000"/>
+        <a:lumOff val="35000"/>
+      </a:schemeClr>
+    </cs:fontRef>
+    <cs:spPr>
+      <a:ln w="9525" cap="flat" cmpd="sng" algn="ctr">
+        <a:solidFill>
+          <a:schemeClr val="tx1">
+            <a:lumMod val="15000"/>
+            <a:lumOff val="85000"/>
+          </a:schemeClr>
+        </a:solidFill>
+        <a:round/>
+      </a:ln>
+    </cs:spPr>
+    <cs:defRPr sz="900" kern="1200"/>
+  </cs:categoryAxis>
+  <cs:chartArea mods="allowNoFillOverride allowNoLineOverride">
+    <cs:lnRef idx="0"/>
+    <cs:fillRef idx="0"/>
+    <cs:effectRef idx="0"/>
+    <cs:fontRef idx="minor">
+      <a:schemeClr val="tx1"/>
+    </cs:fontRef>
+    <cs:spPr>
+      <a:solidFill>
+        <a:schemeClr val="bg1"/>
+      </a:solidFill>
+      <a:ln w="9525" cap="flat" cmpd="sng" algn="ctr">
+        <a:solidFill>
+          <a:schemeClr val="tx1">
+            <a:lumMod val="15000"/>
+            <a:lumOff val="85000"/>
+          </a:schemeClr>
+        </a:solidFill>
+        <a:round/>
+      </a:ln>
+    </cs:spPr>
+    <cs:defRPr sz="1000" kern="1200"/>
+  </cs:chartArea>
+  <cs:dataLabel>
+    <cs:lnRef idx="0"/>
+    <cs:fillRef idx="0"/>
+    <cs:effectRef idx="0"/>
+    <cs:fontRef idx="minor">
+      <a:schemeClr val="tx1">
+        <a:lumMod val="75000"/>
+        <a:lumOff val="25000"/>
+      </a:schemeClr>
+    </cs:fontRef>
+    <cs:defRPr sz="900" kern="1200"/>
+  </cs:dataLabel>
+  <cs:dataLabelCallout>
+    <cs:lnRef idx="0"/>
+    <cs:fillRef idx="0"/>
+    <cs:effectRef idx="0"/>
+    <cs:fontRef idx="minor">
+      <a:schemeClr val="dk1">
+        <a:lumMod val="65000"/>
+        <a:lumOff val="35000"/>
+      </a:schemeClr>
+    </cs:fontRef>
+    <cs:spPr>
+      <a:solidFill>
+        <a:schemeClr val="lt1"/>
+      </a:solidFill>
+      <a:ln>
+        <a:solidFill>
+          <a:schemeClr val="dk1">
+            <a:lumMod val="25000"/>
+            <a:lumOff val="75000"/>
+          </a:schemeClr>
+        </a:solidFill>
+      </a:ln>
+    </cs:spPr>
+    <cs:defRPr sz="900" kern="1200"/>
+    <cs:bodyPr rot="0" spcFirstLastPara="1" vertOverflow="clip" horzOverflow="clip" vert="horz" wrap="square" lIns="36576" tIns="18288" rIns="36576" bIns="18288" anchor="ctr" anchorCtr="1">
+      <a:spAutoFit/>
+    </cs:bodyPr>
+  </cs:dataLabelCallout>
+  <cs:dataPoint>
+    <cs:lnRef idx="0"/>
+    <cs:fillRef idx="1">
+      <cs:styleClr val="auto"/>
+    </cs:fillRef>
+    <cs:effectRef idx="0"/>
+    <cs:fontRef idx="minor">
+      <a:schemeClr val="tx1"/>
+    </cs:fontRef>
+  </cs:dataPoint>
+  <cs:dataPoint3D>
+    <cs:lnRef idx="0"/>
+    <cs:fillRef idx="1">
+      <cs:styleClr val="auto"/>
+    </cs:fillRef>
+    <cs:effectRef idx="0"/>
+    <cs:fontRef idx="minor">
+      <a:schemeClr val="tx1"/>
+    </cs:fontRef>
+  </cs:dataPoint3D>
+  <cs:dataPointLine>
+    <cs:lnRef idx="0">
+      <cs:styleClr val="auto"/>
+    </cs:lnRef>
+    <cs:fillRef idx="1"/>
+    <cs:effectRef idx="0"/>
+    <cs:fontRef idx="minor">
+      <a:schemeClr val="tx1"/>
+    </cs:fontRef>
+    <cs:spPr>
+      <a:ln w="28575" cap="rnd">
+        <a:solidFill>
+          <a:schemeClr val="phClr"/>
+        </a:solidFill>
+        <a:round/>
+      </a:ln>
+    </cs:spPr>
+  </cs:dataPointLine>
+  <cs:dataPointMarker>
+    <cs:lnRef idx="0">
+      <cs:styleClr val="auto"/>
+    </cs:lnRef>
+    <cs:fillRef idx="1">
+      <cs:styleClr val="auto"/>
+    </cs:fillRef>
+    <cs:effectRef idx="0"/>
+    <cs:fontRef idx="minor">
+      <a:schemeClr val="tx1"/>
+    </cs:fontRef>
+    <cs:spPr>
+      <a:ln w="9525">
+        <a:solidFill>
+          <a:schemeClr val="phClr"/>
+        </a:solidFill>
+      </a:ln>
+    </cs:spPr>
+  </cs:dataPointMarker>
+  <cs:dataPointMarkerLayout symbol="circle" size="5"/>
+  <cs:dataPointWireframe>
+    <cs:lnRef idx="0">
+      <cs:styleClr val="auto"/>
+    </cs:lnRef>
+    <cs:fillRef idx="1"/>
+    <cs:effectRef idx="0"/>
+    <cs:fontRef idx="minor">
+      <a:schemeClr val="tx1"/>
+    </cs:fontRef>
+    <cs:spPr>
+      <a:ln w="9525" cap="rnd">
+        <a:solidFill>
+          <a:schemeClr val="phClr"/>
+        </a:solidFill>
+        <a:round/>
+      </a:ln>
+    </cs:spPr>
+  </cs:dataPointWireframe>
+  <cs:dataTable>
+    <cs:lnRef idx="0"/>
+    <cs:fillRef idx="0"/>
+    <cs:effectRef idx="0"/>
+    <cs:fontRef idx="minor">
+      <a:schemeClr val="tx1">
+        <a:lumMod val="65000"/>
+        <a:lumOff val="35000"/>
+      </a:schemeClr>
+    </cs:fontRef>
+    <cs:spPr>
+      <a:noFill/>
+      <a:ln w="9525" cap="flat" cmpd="sng" algn="ctr">
+        <a:solidFill>
+          <a:schemeClr val="tx1">
+            <a:lumMod val="15000"/>
+            <a:lumOff val="85000"/>
+          </a:schemeClr>
+        </a:solidFill>
+        <a:round/>
+      </a:ln>
+    </cs:spPr>
+    <cs:defRPr sz="900" kern="1200"/>
+  </cs:dataTable>
+  <cs:downBar>
+    <cs:lnRef idx="0"/>
+    <cs:fillRef idx="0"/>
+    <cs:effectRef idx="0"/>
+    <cs:fontRef idx="minor">
+      <a:schemeClr val="dk1"/>
+    </cs:fontRef>
+    <cs:spPr>
+      <a:solidFill>
+        <a:schemeClr val="dk1">
+          <a:lumMod val="65000"/>
+          <a:lumOff val="35000"/>
+        </a:schemeClr>
+      </a:solidFill>
+      <a:ln w="9525">
+        <a:solidFill>
+          <a:schemeClr val="tx1">
+            <a:lumMod val="65000"/>
+            <a:lumOff val="35000"/>
+          </a:schemeClr>
+        </a:solidFill>
+      </a:ln>
+    </cs:spPr>
+  </cs:downBar>
+  <cs:dropLine>
+    <cs:lnRef idx="0"/>
+    <cs:fillRef idx="0"/>
+    <cs:effectRef idx="0"/>
+    <cs:fontRef idx="minor">
+      <a:schemeClr val="tx1"/>
+    </cs:fontRef>
+    <cs:spPr>
+      <a:ln w="9525" cap="flat" cmpd="sng" algn="ctr">
+        <a:solidFill>
+          <a:schemeClr val="tx1">
+            <a:lumMod val="35000"/>
+            <a:lumOff val="65000"/>
+          </a:schemeClr>
+        </a:solidFill>
+        <a:round/>
+      </a:ln>
+    </cs:spPr>
+  </cs:dropLine>
+  <cs:errorBar>
+    <cs:lnRef idx="0"/>
+    <cs:fillRef idx="0"/>
+    <cs:effectRef idx="0"/>
+    <cs:fontRef idx="minor">
+      <a:schemeClr val="tx1"/>
+    </cs:fontRef>
+    <cs:spPr>
+      <a:ln w="9525" cap="flat" cmpd="sng" algn="ctr">
+        <a:solidFill>
+          <a:schemeClr val="tx1">
+            <a:lumMod val="65000"/>
+            <a:lumOff val="35000"/>
+          </a:schemeClr>
+        </a:solidFill>
+        <a:round/>
+      </a:ln>
+    </cs:spPr>
+  </cs:errorBar>
+  <cs:floor>
+    <cs:lnRef idx="0"/>
+    <cs:fillRef idx="0"/>
+    <cs:effectRef idx="0"/>
+    <cs:fontRef idx="minor">
+      <a:schemeClr val="tx1"/>
+    </cs:fontRef>
+    <cs:spPr>
+      <a:noFill/>
+      <a:ln>
+        <a:noFill/>
+      </a:ln>
+    </cs:spPr>
+  </cs:floor>
+  <cs:gridlineMajor>
+    <cs:lnRef idx="0"/>
+    <cs:fillRef idx="0"/>
+    <cs:effectRef idx="0"/>
+    <cs:fontRef idx="minor">
+      <a:schemeClr val="tx1"/>
+    </cs:fontRef>
+    <cs:spPr>
+      <a:ln w="9525" cap="flat" cmpd="sng" algn="ctr">
+        <a:solidFill>
+          <a:schemeClr val="tx1">
+            <a:lumMod val="15000"/>
+            <a:lumOff val="85000"/>
+          </a:schemeClr>
+        </a:solidFill>
+        <a:round/>
+      </a:ln>
+    </cs:spPr>
+  </cs:gridlineMajor>
+  <cs:gridlineMinor>
+    <cs:lnRef idx="0"/>
+    <cs:fillRef idx="0"/>
+    <cs:effectRef idx="0"/>
+    <cs:fontRef idx="minor">
+      <a:schemeClr val="tx1"/>
+    </cs:fontRef>
+    <cs:spPr>
+      <a:ln w="9525" cap="flat" cmpd="sng" algn="ctr">
+        <a:solidFill>
+          <a:schemeClr val="tx1">
+            <a:lumMod val="5000"/>
+            <a:lumOff val="95000"/>
+          </a:schemeClr>
+        </a:solidFill>
+        <a:round/>
+      </a:ln>
+    </cs:spPr>
+  </cs:gridlineMinor>
+  <cs:hiLoLine>
+    <cs:lnRef idx="0"/>
+    <cs:fillRef idx="0"/>
+    <cs:effectRef idx="0"/>
+    <cs:fontRef idx="minor">
+      <a:schemeClr val="tx1"/>
+    </cs:fontRef>
+    <cs:spPr>
+      <a:ln w="9525" cap="flat" cmpd="sng" algn="ctr">
+        <a:solidFill>
+          <a:schemeClr val="tx1">
+            <a:lumMod val="75000"/>
+            <a:lumOff val="25000"/>
+          </a:schemeClr>
+        </a:solidFill>
+        <a:round/>
+      </a:ln>
+    </cs:spPr>
+  </cs:hiLoLine>
+  <cs:leaderLine>
+    <cs:lnRef idx="0"/>
+    <cs:fillRef idx="0"/>
+    <cs:effectRef idx="0"/>
+    <cs:fontRef idx="minor">
+      <a:schemeClr val="tx1"/>
+    </cs:fontRef>
+    <cs:spPr>
+      <a:ln w="9525" cap="flat" cmpd="sng" algn="ctr">
+        <a:solidFill>
+          <a:schemeClr val="tx1">
+            <a:lumMod val="35000"/>
+            <a:lumOff val="65000"/>
+          </a:schemeClr>
+        </a:solidFill>
+        <a:round/>
+      </a:ln>
+    </cs:spPr>
+  </cs:leaderLine>
+  <cs:legend>
+    <cs:lnRef idx="0"/>
+    <cs:fillRef idx="0"/>
+    <cs:effectRef idx="0"/>
+    <cs:fontRef idx="minor">
+      <a:schemeClr val="tx1">
+        <a:lumMod val="65000"/>
+        <a:lumOff val="35000"/>
+      </a:schemeClr>
+    </cs:fontRef>
+    <cs:defRPr sz="900" kern="1200"/>
+  </cs:legend>
+  <cs:plotArea mods="allowNoFillOverride allowNoLineOverride">
+    <cs:lnRef idx="0"/>
+    <cs:fillRef idx="0"/>
+    <cs:effectRef idx="0"/>
+    <cs:fontRef idx="minor">
+      <a:schemeClr val="tx1"/>
+    </cs:fontRef>
+  </cs:plotArea>
+  <cs:plotArea3D mods="allowNoFillOverride allowNoLineOverride">
+    <cs:lnRef idx="0"/>
+    <cs:fillRef idx="0"/>
+    <cs:effectRef idx="0"/>
+    <cs:fontRef idx="minor">
+      <a:schemeClr val="tx1"/>
+    </cs:fontRef>
+  </cs:plotArea3D>
+  <cs:seriesAxis>
+    <cs:lnRef idx="0"/>
+    <cs:fillRef idx="0"/>
+    <cs:effectRef idx="0"/>
+    <cs:fontRef idx="minor">
+      <a:schemeClr val="tx1">
+        <a:lumMod val="65000"/>
+        <a:lumOff val="35000"/>
+      </a:schemeClr>
+    </cs:fontRef>
+    <cs:defRPr sz="900" kern="1200"/>
+  </cs:seriesAxis>
+  <cs:seriesLine>
+    <cs:lnRef idx="0"/>
+    <cs:fillRef idx="0"/>
+    <cs:effectRef idx="0"/>
+    <cs:fontRef idx="minor">
+      <a:schemeClr val="tx1"/>
+    </cs:fontRef>
+    <cs:spPr>
+      <a:ln w="9525" cap="flat" cmpd="sng" algn="ctr">
+        <a:solidFill>
+          <a:schemeClr val="tx1">
+            <a:lumMod val="35000"/>
+            <a:lumOff val="65000"/>
+          </a:schemeClr>
+        </a:solidFill>
+        <a:round/>
+      </a:ln>
+    </cs:spPr>
+  </cs:seriesLine>
+  <cs:title>
+    <cs:lnRef idx="0"/>
+    <cs:fillRef idx="0"/>
+    <cs:effectRef idx="0"/>
+    <cs:fontRef idx="minor">
+      <a:schemeClr val="tx1">
+        <a:lumMod val="65000"/>
+        <a:lumOff val="35000"/>
+      </a:schemeClr>
+    </cs:fontRef>
+    <cs:defRPr sz="1400" b="0" kern="1200" spc="0" baseline="0"/>
+  </cs:title>
+  <cs:trendline>
+    <cs:lnRef idx="0">
+      <cs:styleClr val="auto"/>
+    </cs:lnRef>
+    <cs:fillRef idx="0"/>
+    <cs:effectRef idx="0"/>
+    <cs:fontRef idx="minor">
+      <a:schemeClr val="tx1"/>
+    </cs:fontRef>
+    <cs:spPr>
+      <a:ln w="19050" cap="rnd">
+        <a:solidFill>
+          <a:schemeClr val="phClr"/>
+        </a:solidFill>
+        <a:prstDash val="sysDot"/>
+      </a:ln>
+    </cs:spPr>
+  </cs:trendline>
+  <cs:trendlineLabel>
+    <cs:lnRef idx="0"/>
+    <cs:fillRef idx="0"/>
+    <cs:effectRef idx="0"/>
+    <cs:fontRef idx="minor">
+      <a:schemeClr val="tx1">
+        <a:lumMod val="65000"/>
+        <a:lumOff val="35000"/>
+      </a:schemeClr>
+    </cs:fontRef>
+    <cs:defRPr sz="900" kern="1200"/>
+  </cs:trendlineLabel>
+  <cs:upBar>
+    <cs:lnRef idx="0"/>
+    <cs:fillRef idx="0"/>
+    <cs:effectRef idx="0"/>
+    <cs:fontRef idx="minor">
+      <a:schemeClr val="dk1"/>
+    </cs:fontRef>
+    <cs:spPr>
+      <a:solidFill>
+        <a:schemeClr val="lt1"/>
+      </a:solidFill>
+      <a:ln w="9525">
+        <a:solidFill>
+          <a:schemeClr val="tx1">
+            <a:lumMod val="15000"/>
+            <a:lumOff val="85000"/>
+          </a:schemeClr>
+        </a:solidFill>
+      </a:ln>
+    </cs:spPr>
+  </cs:upBar>
+  <cs:valueAxis>
+    <cs:lnRef idx="0"/>
+    <cs:fillRef idx="0"/>
+    <cs:effectRef idx="0"/>
+    <cs:fontRef idx="minor">
+      <a:schemeClr val="tx1">
+        <a:lumMod val="65000"/>
+        <a:lumOff val="35000"/>
+      </a:schemeClr>
+    </cs:fontRef>
+    <cs:defRPr sz="900" kern="1200"/>
+  </cs:valueAxis>
+  <cs:wall>
+    <cs:lnRef idx="0"/>
+    <cs:fillRef idx="0"/>
+    <cs:effectRef idx="0"/>
+    <cs:fontRef idx="minor">
+      <a:schemeClr val="tx1"/>
+    </cs:fontRef>
+    <cs:spPr>
+      <a:noFill/>
+      <a:ln>
+        <a:noFill/>
+      </a:ln>
+    </cs:spPr>
+  </cs:wall>
+</cs:chartStyle>
+</file>
+
+<file path=ppt/charts/style7.xml><?xml version="1.0" encoding="utf-8"?>
 <cs:chartStyle xmlns:cs="http://schemas.microsoft.com/office/drawing/2012/chartStyle" xmlns:a="http://schemas.openxmlformats.org/drawingml/2006/main" id="332">
   <cs:axisTitle>
     <cs:lnRef idx="0"/>
@@ -5256,7 +8587,7 @@
           <a:p>
             <a:fld id="{FEC8F623-83FF-45D9-9165-1796CF17F145}" type="datetimeFigureOut">
               <a:rPr lang="en-US" smtClean="0"/>
-              <a:t>10/19/2023</a:t>
+              <a:t>8/6/2024</a:t>
             </a:fld>
             <a:endParaRPr lang="en-US"/>
           </a:p>
@@ -5424,7 +8755,7 @@
           <a:p>
             <a:fld id="{FEC8F623-83FF-45D9-9165-1796CF17F145}" type="datetimeFigureOut">
               <a:rPr lang="en-US" smtClean="0"/>
-              <a:t>10/19/2023</a:t>
+              <a:t>8/6/2024</a:t>
             </a:fld>
             <a:endParaRPr lang="en-US"/>
           </a:p>
@@ -5602,7 +8933,7 @@
           <a:p>
             <a:fld id="{FEC8F623-83FF-45D9-9165-1796CF17F145}" type="datetimeFigureOut">
               <a:rPr lang="en-US" smtClean="0"/>
-              <a:t>10/19/2023</a:t>
+              <a:t>8/6/2024</a:t>
             </a:fld>
             <a:endParaRPr lang="en-US"/>
           </a:p>
@@ -5770,7 +9101,7 @@
           <a:p>
             <a:fld id="{FEC8F623-83FF-45D9-9165-1796CF17F145}" type="datetimeFigureOut">
               <a:rPr lang="en-US" smtClean="0"/>
-              <a:t>10/19/2023</a:t>
+              <a:t>8/6/2024</a:t>
             </a:fld>
             <a:endParaRPr lang="en-US"/>
           </a:p>
@@ -6050,7 +9381,7 @@
           <a:p>
             <a:fld id="{FEC8F623-83FF-45D9-9165-1796CF17F145}" type="datetimeFigureOut">
               <a:rPr lang="en-US" smtClean="0"/>
-              <a:t>10/19/2023</a:t>
+              <a:t>8/6/2024</a:t>
             </a:fld>
             <a:endParaRPr lang="en-US"/>
           </a:p>
@@ -6303,7 +9634,7 @@
           <a:p>
             <a:fld id="{FEC8F623-83FF-45D9-9165-1796CF17F145}" type="datetimeFigureOut">
               <a:rPr lang="en-US" smtClean="0"/>
-              <a:t>10/19/2023</a:t>
+              <a:t>8/6/2024</a:t>
             </a:fld>
             <a:endParaRPr lang="en-US"/>
           </a:p>
@@ -6691,7 +10022,7 @@
           <a:p>
             <a:fld id="{FEC8F623-83FF-45D9-9165-1796CF17F145}" type="datetimeFigureOut">
               <a:rPr lang="en-US" smtClean="0"/>
-              <a:t>10/19/2023</a:t>
+              <a:t>8/6/2024</a:t>
             </a:fld>
             <a:endParaRPr lang="en-US"/>
           </a:p>
@@ -6832,7 +10163,7 @@
           <a:p>
             <a:fld id="{FEC8F623-83FF-45D9-9165-1796CF17F145}" type="datetimeFigureOut">
               <a:rPr lang="en-US" smtClean="0"/>
-              <a:t>10/19/2023</a:t>
+              <a:t>8/6/2024</a:t>
             </a:fld>
             <a:endParaRPr lang="en-US"/>
           </a:p>
@@ -6927,7 +10258,7 @@
           <a:p>
             <a:fld id="{FEC8F623-83FF-45D9-9165-1796CF17F145}" type="datetimeFigureOut">
               <a:rPr lang="en-US" smtClean="0"/>
-              <a:t>10/19/2023</a:t>
+              <a:t>8/6/2024</a:t>
             </a:fld>
             <a:endParaRPr lang="en-US"/>
           </a:p>
@@ -7202,7 +10533,7 @@
           <a:p>
             <a:fld id="{FEC8F623-83FF-45D9-9165-1796CF17F145}" type="datetimeFigureOut">
               <a:rPr lang="en-US" smtClean="0"/>
-              <a:t>10/19/2023</a:t>
+              <a:t>8/6/2024</a:t>
             </a:fld>
             <a:endParaRPr lang="en-US"/>
           </a:p>
@@ -7454,7 +10785,7 @@
           <a:p>
             <a:fld id="{FEC8F623-83FF-45D9-9165-1796CF17F145}" type="datetimeFigureOut">
               <a:rPr lang="en-US" smtClean="0"/>
-              <a:t>10/19/2023</a:t>
+              <a:t>8/6/2024</a:t>
             </a:fld>
             <a:endParaRPr lang="en-US"/>
           </a:p>
@@ -7665,7 +10996,7 @@
           <a:p>
             <a:fld id="{FEC8F623-83FF-45D9-9165-1796CF17F145}" type="datetimeFigureOut">
               <a:rPr lang="en-US" smtClean="0"/>
-              <a:t>10/19/2023</a:t>
+              <a:t>8/6/2024</a:t>
             </a:fld>
             <a:endParaRPr lang="en-US"/>
           </a:p>
@@ -8155,8 +11486,8 @@
         </p:nvSpPr>
         <p:spPr>
           <a:xfrm>
-            <a:off x="995848" y="3571624"/>
-            <a:ext cx="10200289" cy="3139321"/>
+            <a:off x="106009" y="3637885"/>
+            <a:ext cx="11979965" cy="2308324"/>
           </a:xfrm>
           <a:prstGeom prst="rect">
             <a:avLst/>
@@ -8171,46 +11502,19 @@
           <a:p>
             <a:pPr algn="l"/>
             <a:r>
-              <a:rPr lang="en-US" b="0" i="0" dirty="0">
+              <a:rPr lang="en-US" dirty="0">
                 <a:solidFill>
                   <a:srgbClr val="000000"/>
                 </a:solidFill>
                 <a:effectLst/>
                 <a:latin typeface="Open Sans" panose="020B0606030504020204" pitchFamily="34" charset="0"/>
               </a:rPr>
-              <a:t>The crude prevalence of chronic kidney disease (CKD) stages 3–5 within the Military Health System (MHS) has remained &lt; 6% of service members and their dependents having eGFR below 60 ml/min/1.73 m</a:t>
+              <a:t>The crude prevalence of Military Health System (MHS) beneficiaries with CKD stages 3–5 (eGFR &lt;60 ml/min/1.732) ranged from 4.9 to 6.4% during 2009–2019. From 2017 on, the crude prevalence was stable around 5.4%, while the age-standardized prevalence was 6.3–6.4%. The crude prevalence of CKD stages 3–5 was highest in adults aged ≥70 years and Black adults. The age-standardized prevalence was highest in Black adults compared with their counterparts. </a:t>
             </a:r>
-            <a:r>
-              <a:rPr lang="en-US" b="0" i="0" u="none" strike="noStrike" baseline="30000" dirty="0">
-                <a:solidFill>
-                  <a:srgbClr val="000000"/>
-                </a:solidFill>
-                <a:effectLst/>
-                <a:latin typeface="Open Sans" panose="020B0606030504020204" pitchFamily="34" charset="0"/>
-              </a:rPr>
-              <a:t>2</a:t>
-            </a:r>
-            <a:r>
-              <a:rPr lang="en-US" b="0" i="0" dirty="0">
-                <a:solidFill>
-                  <a:srgbClr val="000000"/>
-                </a:solidFill>
-                <a:effectLst/>
-                <a:latin typeface="Open Sans" panose="020B0606030504020204" pitchFamily="34" charset="0"/>
-              </a:rPr>
-              <a:t> from 2016–2019. The trend in prevalence has been consistent from 2016 to 2019. Crude prevalence of CKD stages 3–5 tended to be much higher among service members and dependents aged ≥70 years than their younger counterparts. Prevalence tended to be higher among men than women (5.6% vs. 5.0% in 2019). The prevalence of CKD stages 3–5 tended to be highest among Black service members and their dependents compared to other known racial groups.</a:t>
-            </a:r>
-            <a:endParaRPr lang="en-US" b="1" dirty="0">
-              <a:solidFill>
-                <a:srgbClr val="000000"/>
-              </a:solidFill>
-              <a:effectLst/>
-              <a:latin typeface="Open Sans" panose="020B0606030504020204" pitchFamily="34" charset="0"/>
-            </a:endParaRPr>
           </a:p>
           <a:p>
             <a:pPr algn="l"/>
-            <a:endParaRPr lang="en-US" b="1" dirty="0">
+            <a:endParaRPr lang="en-US" dirty="0">
               <a:solidFill>
                 <a:srgbClr val="000000"/>
               </a:solidFill>
@@ -8267,7 +11571,7 @@
         </p:nvSpPr>
         <p:spPr>
           <a:xfrm>
-            <a:off x="3584704" y="6488668"/>
+            <a:off x="3584705" y="6249280"/>
             <a:ext cx="5022575" cy="369332"/>
           </a:xfrm>
           <a:prstGeom prst="rect">
@@ -8290,8 +11594,20 @@
                     <a:lumOff val="35000"/>
                   </a:schemeClr>
                 </a:solidFill>
+                <a:hlinkClick r:id="rId3"/>
               </a:rPr>
               <a:t>https://nccd.cdc.gov/CKD/detail.aspx?Qnum=Q756</a:t>
+            </a:r>
+            <a:r>
+              <a:rPr lang="en-US" dirty="0">
+                <a:solidFill>
+                  <a:schemeClr val="tx1">
+                    <a:lumMod val="65000"/>
+                    <a:lumOff val="35000"/>
+                  </a:schemeClr>
+                </a:solidFill>
+              </a:rPr>
+              <a:t> </a:t>
             </a:r>
           </a:p>
         </p:txBody>
@@ -8349,7 +11665,7 @@
             <a:pPr algn="ctr"/>
             <a:r>
               <a:rPr lang="en-US" sz="4400" b="1" dirty="0"/>
-              <a:t>Trends in Prevalence of CKD Stages 3–5 in the Military Health System, Overall</a:t>
+              <a:t>Crude Trends in Prevalence of CKD Stages 3–5 in the Military Health System, Overall</a:t>
             </a:r>
             <a:endParaRPr lang="en-US" b="1" dirty="0"/>
           </a:p>
@@ -8357,27 +11673,25 @@
       </p:sp>
       <p:graphicFrame>
         <p:nvGraphicFramePr>
-          <p:cNvPr id="4" name="Chart 3">
+          <p:cNvPr id="5" name="Chart 4">
             <a:extLst>
               <a:ext uri="{FF2B5EF4-FFF2-40B4-BE49-F238E27FC236}">
-                <a16:creationId xmlns:a16="http://schemas.microsoft.com/office/drawing/2014/main" id="{1B2F271F-1852-4F33-9B1B-B5BE91C08057}"/>
+                <a16:creationId xmlns:a16="http://schemas.microsoft.com/office/drawing/2014/main" id="{4FC3E75F-0767-423E-840B-295016064A45}"/>
               </a:ext>
             </a:extLst>
           </p:cNvPr>
-          <p:cNvGraphicFramePr>
-            <a:graphicFrameLocks/>
-          </p:cNvGraphicFramePr>
+          <p:cNvGraphicFramePr/>
           <p:nvPr>
             <p:extLst>
               <p:ext uri="{D42A27DB-BD31-4B8C-83A1-F6EECF244321}">
-                <p14:modId xmlns:p14="http://schemas.microsoft.com/office/powerpoint/2010/main" val="4008487728"/>
+                <p14:modId xmlns:p14="http://schemas.microsoft.com/office/powerpoint/2010/main" val="2811565035"/>
               </p:ext>
             </p:extLst>
           </p:nvPr>
         </p:nvGraphicFramePr>
         <p:xfrm>
-          <a:off x="261187" y="1540911"/>
-          <a:ext cx="11669626" cy="4674359"/>
+          <a:off x="0" y="1444487"/>
+          <a:ext cx="12191999" cy="4731026"/>
         </p:xfrm>
         <a:graphic>
           <a:graphicData uri="http://schemas.openxmlformats.org/drawingml/2006/chart">
@@ -8399,6 +11713,95 @@
 </file>
 
 <file path=ppt/slides/slide3.xml><?xml version="1.0" encoding="utf-8"?>
+<p:sld xmlns:a="http://schemas.openxmlformats.org/drawingml/2006/main" xmlns:r="http://schemas.openxmlformats.org/officeDocument/2006/relationships" xmlns:p="http://schemas.openxmlformats.org/presentationml/2006/main">
+  <p:cSld>
+    <p:spTree>
+      <p:nvGrpSpPr>
+        <p:cNvPr id="1" name=""/>
+        <p:cNvGrpSpPr/>
+        <p:nvPr/>
+      </p:nvGrpSpPr>
+      <p:grpSpPr>
+        <a:xfrm>
+          <a:off x="0" y="0"/>
+          <a:ext cx="0" cy="0"/>
+          <a:chOff x="0" y="0"/>
+          <a:chExt cx="0" cy="0"/>
+        </a:xfrm>
+      </p:grpSpPr>
+      <p:sp>
+        <p:nvSpPr>
+          <p:cNvPr id="2" name="Title 1"/>
+          <p:cNvSpPr>
+            <a:spLocks noGrp="1"/>
+          </p:cNvSpPr>
+          <p:nvPr>
+            <p:ph type="title"/>
+          </p:nvPr>
+        </p:nvSpPr>
+        <p:spPr>
+          <a:xfrm>
+            <a:off x="838200" y="215348"/>
+            <a:ext cx="10515600" cy="1325563"/>
+          </a:xfrm>
+        </p:spPr>
+        <p:txBody>
+          <a:bodyPr>
+            <a:normAutofit fontScale="90000"/>
+          </a:bodyPr>
+          <a:lstStyle/>
+          <a:p>
+            <a:pPr algn="ctr"/>
+            <a:r>
+              <a:rPr lang="en-US" sz="4400" b="1" dirty="0"/>
+              <a:t>Age-Standardized Trends in Prevalence of CKD Stages 3–5 in the Military Health System, Overall</a:t>
+            </a:r>
+            <a:endParaRPr lang="en-US" b="1" dirty="0"/>
+          </a:p>
+        </p:txBody>
+      </p:sp>
+      <p:graphicFrame>
+        <p:nvGraphicFramePr>
+          <p:cNvPr id="4" name="Chart 3">
+            <a:extLst>
+              <a:ext uri="{FF2B5EF4-FFF2-40B4-BE49-F238E27FC236}">
+                <a16:creationId xmlns:a16="http://schemas.microsoft.com/office/drawing/2014/main" id="{38F00509-39FA-4CC4-8AFB-00F057F94135}"/>
+              </a:ext>
+            </a:extLst>
+          </p:cNvPr>
+          <p:cNvGraphicFramePr/>
+          <p:nvPr>
+            <p:extLst>
+              <p:ext uri="{D42A27DB-BD31-4B8C-83A1-F6EECF244321}">
+                <p14:modId xmlns:p14="http://schemas.microsoft.com/office/powerpoint/2010/main" val="2345058437"/>
+              </p:ext>
+            </p:extLst>
+          </p:nvPr>
+        </p:nvGraphicFramePr>
+        <p:xfrm>
+          <a:off x="0" y="1404729"/>
+          <a:ext cx="12192000" cy="4770783"/>
+        </p:xfrm>
+        <a:graphic>
+          <a:graphicData uri="http://schemas.openxmlformats.org/drawingml/2006/chart">
+            <c:chart xmlns:c="http://schemas.openxmlformats.org/drawingml/2006/chart" xmlns:r="http://schemas.openxmlformats.org/officeDocument/2006/relationships" r:id="rId2"/>
+          </a:graphicData>
+        </a:graphic>
+      </p:graphicFrame>
+    </p:spTree>
+    <p:extLst>
+      <p:ext uri="{BB962C8B-B14F-4D97-AF65-F5344CB8AC3E}">
+        <p14:creationId xmlns:p14="http://schemas.microsoft.com/office/powerpoint/2010/main" val="3650365166"/>
+      </p:ext>
+    </p:extLst>
+  </p:cSld>
+  <p:clrMapOvr>
+    <a:masterClrMapping/>
+  </p:clrMapOvr>
+</p:sld>
+</file>
+
+<file path=ppt/slides/slide4.xml><?xml version="1.0" encoding="utf-8"?>
 <p:sld xmlns:a="http://schemas.openxmlformats.org/drawingml/2006/main" xmlns:r="http://schemas.openxmlformats.org/officeDocument/2006/relationships" xmlns:p="http://schemas.openxmlformats.org/presentationml/2006/main">
   <p:cSld>
     <p:spTree>
@@ -8444,7 +11847,7 @@
             <a:pPr algn="ctr"/>
             <a:r>
               <a:rPr lang="en-US" sz="4400" b="1" dirty="0"/>
-              <a:t>Trends in Prevalence of CKD Stages 3–5 in the Military Health System, by Age</a:t>
+              <a:t>Crude Trends in Prevalence of CKD Stages 3–5 in the Military Health System, by Age</a:t>
             </a:r>
             <a:endParaRPr lang="en-US" b="1" dirty="0"/>
           </a:p>
@@ -8452,27 +11855,25 @@
       </p:sp>
       <p:graphicFrame>
         <p:nvGraphicFramePr>
-          <p:cNvPr id="5" name="Chart 4">
+          <p:cNvPr id="6" name="Chart 5">
             <a:extLst>
               <a:ext uri="{FF2B5EF4-FFF2-40B4-BE49-F238E27FC236}">
-                <a16:creationId xmlns:a16="http://schemas.microsoft.com/office/drawing/2014/main" id="{B5E7A581-1A3B-4B6F-A1AB-271D57C41086}"/>
+                <a16:creationId xmlns:a16="http://schemas.microsoft.com/office/drawing/2014/main" id="{4142A91B-EA8D-40DA-9B09-E879F3703698}"/>
               </a:ext>
             </a:extLst>
           </p:cNvPr>
-          <p:cNvGraphicFramePr>
-            <a:graphicFrameLocks/>
-          </p:cNvGraphicFramePr>
+          <p:cNvGraphicFramePr/>
           <p:nvPr>
             <p:extLst>
               <p:ext uri="{D42A27DB-BD31-4B8C-83A1-F6EECF244321}">
-                <p14:modId xmlns:p14="http://schemas.microsoft.com/office/powerpoint/2010/main" val="3873571290"/>
+                <p14:modId xmlns:p14="http://schemas.microsoft.com/office/powerpoint/2010/main" val="3047594944"/>
               </p:ext>
             </p:extLst>
           </p:nvPr>
         </p:nvGraphicFramePr>
         <p:xfrm>
-          <a:off x="231913" y="1540911"/>
-          <a:ext cx="11728174" cy="4753872"/>
+          <a:off x="0" y="1444487"/>
+          <a:ext cx="12191999" cy="4744278"/>
         </p:xfrm>
         <a:graphic>
           <a:graphicData uri="http://schemas.openxmlformats.org/drawingml/2006/chart">
@@ -8493,7 +11894,7 @@
 </p:sld>
 </file>
 
-<file path=ppt/slides/slide4.xml><?xml version="1.0" encoding="utf-8"?>
+<file path=ppt/slides/slide5.xml><?xml version="1.0" encoding="utf-8"?>
 <p:sld xmlns:a="http://schemas.openxmlformats.org/drawingml/2006/main" xmlns:r="http://schemas.openxmlformats.org/officeDocument/2006/relationships" xmlns:p="http://schemas.openxmlformats.org/presentationml/2006/main">
   <p:cSld>
     <p:spTree>
@@ -8539,7 +11940,7 @@
             <a:pPr algn="ctr"/>
             <a:r>
               <a:rPr lang="en-US" sz="4400" b="1" dirty="0"/>
-              <a:t>Trends in Prevalence of CKD Stages 3–5 in the Military Health System, by Sex</a:t>
+              <a:t>Crude Trends in Prevalence of CKD Stages 3–5 in the Military Health System, by Sex</a:t>
             </a:r>
             <a:endParaRPr lang="en-US" b="1" dirty="0"/>
           </a:p>
@@ -8547,27 +11948,25 @@
       </p:sp>
       <p:graphicFrame>
         <p:nvGraphicFramePr>
-          <p:cNvPr id="5" name="Chart 4">
+          <p:cNvPr id="6" name="Chart 5">
             <a:extLst>
               <a:ext uri="{FF2B5EF4-FFF2-40B4-BE49-F238E27FC236}">
-                <a16:creationId xmlns:a16="http://schemas.microsoft.com/office/drawing/2014/main" id="{AF724A27-19BD-4489-AD05-68FAE24338E5}"/>
+                <a16:creationId xmlns:a16="http://schemas.microsoft.com/office/drawing/2014/main" id="{11B6EB87-F0C1-4004-8F25-CD4C56EB3CCE}"/>
               </a:ext>
             </a:extLst>
           </p:cNvPr>
-          <p:cNvGraphicFramePr>
-            <a:graphicFrameLocks/>
-          </p:cNvGraphicFramePr>
+          <p:cNvGraphicFramePr/>
           <p:nvPr>
             <p:extLst>
               <p:ext uri="{D42A27DB-BD31-4B8C-83A1-F6EECF244321}">
-                <p14:modId xmlns:p14="http://schemas.microsoft.com/office/powerpoint/2010/main" val="3683053692"/>
+                <p14:modId xmlns:p14="http://schemas.microsoft.com/office/powerpoint/2010/main" val="729915913"/>
               </p:ext>
             </p:extLst>
           </p:nvPr>
         </p:nvGraphicFramePr>
         <p:xfrm>
-          <a:off x="227462" y="1540911"/>
-          <a:ext cx="11737075" cy="4778002"/>
+          <a:off x="0" y="1431235"/>
+          <a:ext cx="12192000" cy="4744278"/>
         </p:xfrm>
         <a:graphic>
           <a:graphicData uri="http://schemas.openxmlformats.org/drawingml/2006/chart">
@@ -8588,7 +11987,102 @@
 </p:sld>
 </file>
 
-<file path=ppt/slides/slide5.xml><?xml version="1.0" encoding="utf-8"?>
+<file path=ppt/slides/slide6.xml><?xml version="1.0" encoding="utf-8"?>
+<p:sld xmlns:a="http://schemas.openxmlformats.org/drawingml/2006/main" xmlns:r="http://schemas.openxmlformats.org/officeDocument/2006/relationships" xmlns:p="http://schemas.openxmlformats.org/presentationml/2006/main">
+  <p:cSld>
+    <p:spTree>
+      <p:nvGrpSpPr>
+        <p:cNvPr id="1" name=""/>
+        <p:cNvGrpSpPr/>
+        <p:nvPr/>
+      </p:nvGrpSpPr>
+      <p:grpSpPr>
+        <a:xfrm>
+          <a:off x="0" y="0"/>
+          <a:ext cx="0" cy="0"/>
+          <a:chOff x="0" y="0"/>
+          <a:chExt cx="0" cy="0"/>
+        </a:xfrm>
+      </p:grpSpPr>
+      <p:sp>
+        <p:nvSpPr>
+          <p:cNvPr id="4" name="Title 1">
+            <a:extLst>
+              <a:ext uri="{FF2B5EF4-FFF2-40B4-BE49-F238E27FC236}">
+                <a16:creationId xmlns:a16="http://schemas.microsoft.com/office/drawing/2014/main" id="{C752E918-43F7-4C1D-AF9E-3C43FFBC7451}"/>
+              </a:ext>
+            </a:extLst>
+          </p:cNvPr>
+          <p:cNvSpPr>
+            <a:spLocks noGrp="1"/>
+          </p:cNvSpPr>
+          <p:nvPr>
+            <p:ph type="title"/>
+          </p:nvPr>
+        </p:nvSpPr>
+        <p:spPr>
+          <a:xfrm>
+            <a:off x="838200" y="215348"/>
+            <a:ext cx="10515600" cy="1325563"/>
+          </a:xfrm>
+        </p:spPr>
+        <p:txBody>
+          <a:bodyPr>
+            <a:normAutofit fontScale="90000"/>
+          </a:bodyPr>
+          <a:lstStyle/>
+          <a:p>
+            <a:pPr algn="ctr"/>
+            <a:r>
+              <a:rPr lang="en-US" sz="4400" b="1" dirty="0"/>
+              <a:t>Age-Standardized Trends in Prevalence of CKD Stages 3–5 in the Military Health System, by Sex</a:t>
+            </a:r>
+            <a:endParaRPr lang="en-US" b="1" dirty="0"/>
+          </a:p>
+        </p:txBody>
+      </p:sp>
+      <p:graphicFrame>
+        <p:nvGraphicFramePr>
+          <p:cNvPr id="5" name="Chart 4">
+            <a:extLst>
+              <a:ext uri="{FF2B5EF4-FFF2-40B4-BE49-F238E27FC236}">
+                <a16:creationId xmlns:a16="http://schemas.microsoft.com/office/drawing/2014/main" id="{BB79CF89-E759-4922-9ECC-ACF5C7CAE9C8}"/>
+              </a:ext>
+            </a:extLst>
+          </p:cNvPr>
+          <p:cNvGraphicFramePr/>
+          <p:nvPr>
+            <p:extLst>
+              <p:ext uri="{D42A27DB-BD31-4B8C-83A1-F6EECF244321}">
+                <p14:modId xmlns:p14="http://schemas.microsoft.com/office/powerpoint/2010/main" val="3519440158"/>
+              </p:ext>
+            </p:extLst>
+          </p:nvPr>
+        </p:nvGraphicFramePr>
+        <p:xfrm>
+          <a:off x="0" y="1391477"/>
+          <a:ext cx="12191999" cy="4784035"/>
+        </p:xfrm>
+        <a:graphic>
+          <a:graphicData uri="http://schemas.openxmlformats.org/drawingml/2006/chart">
+            <c:chart xmlns:c="http://schemas.openxmlformats.org/drawingml/2006/chart" xmlns:r="http://schemas.openxmlformats.org/officeDocument/2006/relationships" r:id="rId2"/>
+          </a:graphicData>
+        </a:graphic>
+      </p:graphicFrame>
+    </p:spTree>
+    <p:extLst>
+      <p:ext uri="{BB962C8B-B14F-4D97-AF65-F5344CB8AC3E}">
+        <p14:creationId xmlns:p14="http://schemas.microsoft.com/office/powerpoint/2010/main" val="3393298957"/>
+      </p:ext>
+    </p:extLst>
+  </p:cSld>
+  <p:clrMapOvr>
+    <a:masterClrMapping/>
+  </p:clrMapOvr>
+</p:sld>
+</file>
+
+<file path=ppt/slides/slide7.xml><?xml version="1.0" encoding="utf-8"?>
 <p:sld xmlns:a="http://schemas.openxmlformats.org/drawingml/2006/main" xmlns:r="http://schemas.openxmlformats.org/officeDocument/2006/relationships" xmlns:p="http://schemas.openxmlformats.org/presentationml/2006/main">
   <p:cSld>
     <p:spTree>
@@ -8634,7 +12128,7 @@
             <a:pPr algn="ctr"/>
             <a:r>
               <a:rPr lang="en-US" sz="4400" b="1" dirty="0"/>
-              <a:t>Trends in Prevalence of CKD Stages 3–5 in the Military Health System, by Race</a:t>
+              <a:t>Crude Trends in Prevalence of CKD Stages 3–5 in the Military Health System, by Race</a:t>
             </a:r>
             <a:endParaRPr lang="en-US" b="1" dirty="0"/>
           </a:p>
@@ -8642,27 +12136,25 @@
       </p:sp>
       <p:graphicFrame>
         <p:nvGraphicFramePr>
-          <p:cNvPr id="5" name="Chart 4">
+          <p:cNvPr id="6" name="Chart 5">
             <a:extLst>
               <a:ext uri="{FF2B5EF4-FFF2-40B4-BE49-F238E27FC236}">
-                <a16:creationId xmlns:a16="http://schemas.microsoft.com/office/drawing/2014/main" id="{A2AB985C-ABB8-4FAC-B681-A49A348AA5A6}"/>
+                <a16:creationId xmlns:a16="http://schemas.microsoft.com/office/drawing/2014/main" id="{B1D8F915-D845-43B8-A9ED-994BED830F15}"/>
               </a:ext>
             </a:extLst>
           </p:cNvPr>
-          <p:cNvGraphicFramePr>
-            <a:graphicFrameLocks/>
-          </p:cNvGraphicFramePr>
+          <p:cNvGraphicFramePr/>
           <p:nvPr>
             <p:extLst>
               <p:ext uri="{D42A27DB-BD31-4B8C-83A1-F6EECF244321}">
-                <p14:modId xmlns:p14="http://schemas.microsoft.com/office/powerpoint/2010/main" val="1748361541"/>
+                <p14:modId xmlns:p14="http://schemas.microsoft.com/office/powerpoint/2010/main" val="414440455"/>
               </p:ext>
             </p:extLst>
           </p:nvPr>
         </p:nvGraphicFramePr>
         <p:xfrm>
-          <a:off x="259306" y="1540912"/>
-          <a:ext cx="11750723" cy="4859888"/>
+          <a:off x="0" y="1444487"/>
+          <a:ext cx="12192000" cy="4731026"/>
         </p:xfrm>
         <a:graphic>
           <a:graphicData uri="http://schemas.openxmlformats.org/drawingml/2006/chart">
@@ -8674,6 +12166,101 @@
     <p:extLst>
       <p:ext uri="{BB962C8B-B14F-4D97-AF65-F5344CB8AC3E}">
         <p14:creationId xmlns:p14="http://schemas.microsoft.com/office/powerpoint/2010/main" val="2420976889"/>
+      </p:ext>
+    </p:extLst>
+  </p:cSld>
+  <p:clrMapOvr>
+    <a:masterClrMapping/>
+  </p:clrMapOvr>
+</p:sld>
+</file>
+
+<file path=ppt/slides/slide8.xml><?xml version="1.0" encoding="utf-8"?>
+<p:sld xmlns:a="http://schemas.openxmlformats.org/drawingml/2006/main" xmlns:r="http://schemas.openxmlformats.org/officeDocument/2006/relationships" xmlns:p="http://schemas.openxmlformats.org/presentationml/2006/main">
+  <p:cSld>
+    <p:spTree>
+      <p:nvGrpSpPr>
+        <p:cNvPr id="1" name=""/>
+        <p:cNvGrpSpPr/>
+        <p:nvPr/>
+      </p:nvGrpSpPr>
+      <p:grpSpPr>
+        <a:xfrm>
+          <a:off x="0" y="0"/>
+          <a:ext cx="0" cy="0"/>
+          <a:chOff x="0" y="0"/>
+          <a:chExt cx="0" cy="0"/>
+        </a:xfrm>
+      </p:grpSpPr>
+      <p:sp>
+        <p:nvSpPr>
+          <p:cNvPr id="4" name="Title 1">
+            <a:extLst>
+              <a:ext uri="{FF2B5EF4-FFF2-40B4-BE49-F238E27FC236}">
+                <a16:creationId xmlns:a16="http://schemas.microsoft.com/office/drawing/2014/main" id="{7355DACC-24CE-49BA-9FAD-BBEC98A69CB4}"/>
+              </a:ext>
+            </a:extLst>
+          </p:cNvPr>
+          <p:cNvSpPr>
+            <a:spLocks noGrp="1"/>
+          </p:cNvSpPr>
+          <p:nvPr>
+            <p:ph type="title"/>
+          </p:nvPr>
+        </p:nvSpPr>
+        <p:spPr>
+          <a:xfrm>
+            <a:off x="838200" y="215348"/>
+            <a:ext cx="10515600" cy="1325563"/>
+          </a:xfrm>
+        </p:spPr>
+        <p:txBody>
+          <a:bodyPr>
+            <a:normAutofit fontScale="90000"/>
+          </a:bodyPr>
+          <a:lstStyle/>
+          <a:p>
+            <a:pPr algn="ctr"/>
+            <a:r>
+              <a:rPr lang="en-US" sz="4400" b="1" dirty="0"/>
+              <a:t>Age-Standardized Trends in Prevalence of CKD Stages 3–5 in the Military Health System, by Race</a:t>
+            </a:r>
+            <a:endParaRPr lang="en-US" b="1" dirty="0"/>
+          </a:p>
+        </p:txBody>
+      </p:sp>
+      <p:graphicFrame>
+        <p:nvGraphicFramePr>
+          <p:cNvPr id="5" name="Chart 4">
+            <a:extLst>
+              <a:ext uri="{FF2B5EF4-FFF2-40B4-BE49-F238E27FC236}">
+                <a16:creationId xmlns:a16="http://schemas.microsoft.com/office/drawing/2014/main" id="{943E5C6D-0846-4D38-BE5A-7285D8D93552}"/>
+              </a:ext>
+            </a:extLst>
+          </p:cNvPr>
+          <p:cNvGraphicFramePr/>
+          <p:nvPr>
+            <p:extLst>
+              <p:ext uri="{D42A27DB-BD31-4B8C-83A1-F6EECF244321}">
+                <p14:modId xmlns:p14="http://schemas.microsoft.com/office/powerpoint/2010/main" val="1372282966"/>
+              </p:ext>
+            </p:extLst>
+          </p:nvPr>
+        </p:nvGraphicFramePr>
+        <p:xfrm>
+          <a:off x="0" y="1391478"/>
+          <a:ext cx="12192000" cy="4784035"/>
+        </p:xfrm>
+        <a:graphic>
+          <a:graphicData uri="http://schemas.openxmlformats.org/drawingml/2006/chart">
+            <c:chart xmlns:c="http://schemas.openxmlformats.org/drawingml/2006/chart" xmlns:r="http://schemas.openxmlformats.org/officeDocument/2006/relationships" r:id="rId2"/>
+          </a:graphicData>
+        </a:graphic>
+      </p:graphicFrame>
+    </p:spTree>
+    <p:extLst>
+      <p:ext uri="{BB962C8B-B14F-4D97-AF65-F5344CB8AC3E}">
+        <p14:creationId xmlns:p14="http://schemas.microsoft.com/office/powerpoint/2010/main" val="1269724792"/>
       </p:ext>
     </p:extLst>
   </p:cSld>

--- a/CKDSurveillance/PPT/Q756.pptx
+++ b/CKDSurveillance/PPT/Q756.pptx
@@ -2,17 +2,17 @@
 <file path=ppt/presentation.xml><?xml version="1.0" encoding="utf-8"?>
 <p:presentation xmlns:a="http://schemas.openxmlformats.org/drawingml/2006/main" xmlns:r="http://schemas.openxmlformats.org/officeDocument/2006/relationships" xmlns:p="http://schemas.openxmlformats.org/presentationml/2006/main" saveSubsetFonts="1">
   <p:sldMasterIdLst>
-    <p:sldMasterId id="2147483648" r:id="rId1"/>
+    <p:sldMasterId id="2147483660" r:id="rId1"/>
   </p:sldMasterIdLst>
   <p:sldIdLst>
-    <p:sldId id="256" r:id="rId2"/>
-    <p:sldId id="267" r:id="rId3"/>
-    <p:sldId id="271" r:id="rId4"/>
-    <p:sldId id="268" r:id="rId5"/>
-    <p:sldId id="269" r:id="rId6"/>
-    <p:sldId id="272" r:id="rId7"/>
-    <p:sldId id="270" r:id="rId8"/>
-    <p:sldId id="273" r:id="rId9"/>
+    <p:sldId id="298" r:id="rId2"/>
+    <p:sldId id="299" r:id="rId3"/>
+    <p:sldId id="305" r:id="rId4"/>
+    <p:sldId id="306" r:id="rId5"/>
+    <p:sldId id="307" r:id="rId6"/>
+    <p:sldId id="308" r:id="rId7"/>
+    <p:sldId id="309" r:id="rId8"/>
+    <p:sldId id="310" r:id="rId9"/>
   </p:sldIdLst>
   <p:sldSz cx="12192000" cy="6858000"/>
   <p:notesSz cx="6858000" cy="9144000"/>
@@ -119,25 +119,6 @@
 </p:presentation>
 </file>
 
-<file path=ppt/commentAuthors.xml><?xml version="1.0" encoding="utf-8"?>
-<p:cmAuthorLst xmlns:a="http://schemas.openxmlformats.org/drawingml/2006/main" xmlns:r="http://schemas.openxmlformats.org/officeDocument/2006/relationships" xmlns:p="http://schemas.openxmlformats.org/presentationml/2006/main">
-  <p:cmAuthor id="1" name="Bragg-Gresham, Jennifer" initials="BGJ" lastIdx="1" clrIdx="0">
-    <p:extLst>
-      <p:ext uri="{19B8F6BF-5375-455C-9EA6-DF929625EA0E}">
-        <p15:presenceInfo xmlns:p15="http://schemas.microsoft.com/office/powerpoint/2012/main" userId="S::jennb@umich.edu::8cbcf482-729b-43e2-be11-1cd996f4c03d" providerId="AD"/>
-      </p:ext>
-    </p:extLst>
-  </p:cmAuthor>
-  <p:cmAuthor id="2" name="Kiryakos, Jenna" initials="KJ" lastIdx="1" clrIdx="1">
-    <p:extLst>
-      <p:ext uri="{19B8F6BF-5375-455C-9EA6-DF929625EA0E}">
-        <p15:presenceInfo xmlns:p15="http://schemas.microsoft.com/office/powerpoint/2012/main" userId="Kiryakos, Jenna" providerId="None"/>
-      </p:ext>
-    </p:extLst>
-  </p:cmAuthor>
-</p:cmAuthorLst>
-</file>
-
 <file path=ppt/charts/chart1.xml><?xml version="1.0" encoding="utf-8"?>
 <c:chartSpace xmlns:c="http://schemas.openxmlformats.org/drawingml/2006/chart" xmlns:a="http://schemas.openxmlformats.org/drawingml/2006/main" xmlns:r="http://schemas.openxmlformats.org/officeDocument/2006/relationships" xmlns:c16r2="http://schemas.microsoft.com/office/drawing/2015/06/chart">
   <c:date1904 val="0"/>
@@ -175,7 +156,7 @@
           <c:spPr>
             <a:ln w="44450" cap="rnd">
               <a:solidFill>
-                <a:srgbClr val="800080"/>
+                <a:schemeClr val="tx1"/>
               </a:solidFill>
               <a:round/>
             </a:ln>
@@ -186,11 +167,11 @@
             <c:size val="5"/>
             <c:spPr>
               <a:solidFill>
-                <a:srgbClr val="800080"/>
+                <a:schemeClr val="tx1"/>
               </a:solidFill>
-              <a:ln w="44450">
+              <a:ln w="9525">
                 <a:solidFill>
-                  <a:srgbClr val="800080"/>
+                  <a:schemeClr val="tx1"/>
                 </a:solidFill>
               </a:ln>
               <a:effectLst/>
@@ -198,10 +179,10 @@
           </c:marker>
           <c:cat>
             <c:numRef>
-              <c:f>Overall!$A$2:$A$12</c:f>
+              <c:f>Overall!$A$2:$A$16</c:f>
               <c:numCache>
                 <c:formatCode>General</c:formatCode>
-                <c:ptCount val="11"/>
+                <c:ptCount val="15"/>
                 <c:pt idx="0">
                   <c:v>2009</c:v>
                 </c:pt>
@@ -234,48 +215,72 @@
                 </c:pt>
                 <c:pt idx="10">
                   <c:v>2019</c:v>
+                </c:pt>
+                <c:pt idx="11">
+                  <c:v>2020</c:v>
+                </c:pt>
+                <c:pt idx="12">
+                  <c:v>2021</c:v>
+                </c:pt>
+                <c:pt idx="13">
+                  <c:v>2022</c:v>
+                </c:pt>
+                <c:pt idx="14">
+                  <c:v>2023</c:v>
                 </c:pt>
               </c:numCache>
             </c:numRef>
           </c:cat>
           <c:val>
             <c:numRef>
-              <c:f>Overall!$B$2:$B$12</c:f>
+              <c:f>Overall!$B$2:$B$16</c:f>
               <c:numCache>
                 <c:formatCode>0.0</c:formatCode>
-                <c:ptCount val="11"/>
+                <c:ptCount val="15"/>
                 <c:pt idx="0">
-                  <c:v>6.4</c:v>
+                  <c:v>31.92</c:v>
                 </c:pt>
                 <c:pt idx="1">
-                  <c:v>6</c:v>
+                  <c:v>33.619999999999997</c:v>
                 </c:pt>
                 <c:pt idx="2">
-                  <c:v>5.3</c:v>
+                  <c:v>36.68</c:v>
                 </c:pt>
                 <c:pt idx="3">
-                  <c:v>5.3</c:v>
+                  <c:v>37.28</c:v>
                 </c:pt>
                 <c:pt idx="4">
-                  <c:v>5.0999999999999996</c:v>
+                  <c:v>38.19</c:v>
                 </c:pt>
                 <c:pt idx="5">
-                  <c:v>5</c:v>
+                  <c:v>38.57</c:v>
                 </c:pt>
                 <c:pt idx="6">
-                  <c:v>4.9000000000000004</c:v>
+                  <c:v>39.729999999999997</c:v>
                 </c:pt>
                 <c:pt idx="7">
-                  <c:v>5.0999999999999996</c:v>
+                  <c:v>31.7</c:v>
                 </c:pt>
                 <c:pt idx="8">
-                  <c:v>5.4</c:v>
+                  <c:v>31.95</c:v>
                 </c:pt>
                 <c:pt idx="9">
-                  <c:v>5.4</c:v>
+                  <c:v>32.22</c:v>
                 </c:pt>
                 <c:pt idx="10">
-                  <c:v>5.4</c:v>
+                  <c:v>32.020000000000003</c:v>
+                </c:pt>
+                <c:pt idx="11">
+                  <c:v>30.05</c:v>
+                </c:pt>
+                <c:pt idx="12">
+                  <c:v>36.04</c:v>
+                </c:pt>
+                <c:pt idx="13">
+                  <c:v>35.340000000000003</c:v>
+                </c:pt>
+                <c:pt idx="14">
+                  <c:v>35.15</c:v>
                 </c:pt>
               </c:numCache>
             </c:numRef>
@@ -283,7 +288,7 @@
           <c:smooth val="0"/>
           <c:extLst>
             <c:ext xmlns:c16="http://schemas.microsoft.com/office/drawing/2014/chart" uri="{C3380CC4-5D6E-409C-BE32-E72D297353CC}">
-              <c16:uniqueId val="{00000000-5CE3-461D-8F38-0482FE1A5755}"/>
+              <c16:uniqueId val="{00000000-E92C-4430-B8B0-718B30A4F447}"/>
             </c:ext>
           </c:extLst>
         </c:ser>
@@ -297,11 +302,11 @@
         </c:dLbls>
         <c:marker val="1"/>
         <c:smooth val="0"/>
-        <c:axId val="487957728"/>
-        <c:axId val="487957312"/>
+        <c:axId val="471918015"/>
+        <c:axId val="471918431"/>
       </c:lineChart>
       <c:catAx>
-        <c:axId val="487957728"/>
+        <c:axId val="471918015"/>
         <c:scaling>
           <c:orientation val="minMax"/>
         </c:scaling>
@@ -329,30 +334,30 @@
           <a:lstStyle/>
           <a:p>
             <a:pPr>
-              <a:defRPr sz="2300" b="0" i="0" u="none" strike="noStrike" kern="1200" baseline="0">
+              <a:defRPr sz="2400" b="0" i="0" u="none" strike="noStrike" kern="1200" baseline="0">
                 <a:solidFill>
-                  <a:sysClr val="windowText" lastClr="000000"/>
+                  <a:schemeClr val="tx1"/>
                 </a:solidFill>
-                <a:latin typeface="Calibri" panose="020F0502020204030204" pitchFamily="34" charset="0"/>
+                <a:latin typeface="+mn-lt"/>
                 <a:ea typeface="+mn-ea"/>
-                <a:cs typeface="Calibri" panose="020F0502020204030204" pitchFamily="34" charset="0"/>
+                <a:cs typeface="+mn-cs"/>
               </a:defRPr>
             </a:pPr>
             <a:endParaRPr lang="en-US"/>
           </a:p>
         </c:txPr>
-        <c:crossAx val="487957312"/>
+        <c:crossAx val="471918431"/>
         <c:crosses val="autoZero"/>
         <c:auto val="1"/>
         <c:lblAlgn val="ctr"/>
         <c:lblOffset val="100"/>
+        <c:tickLblSkip val="2"/>
         <c:noMultiLvlLbl val="0"/>
       </c:catAx>
       <c:valAx>
-        <c:axId val="487957312"/>
+        <c:axId val="471918431"/>
         <c:scaling>
           <c:orientation val="minMax"/>
-          <c:max val="10"/>
         </c:scaling>
         <c:delete val="0"/>
         <c:axPos val="l"/>
@@ -379,67 +384,20 @@
                 <a:pPr>
                   <a:defRPr sz="2400" b="0" i="0" u="none" strike="noStrike" kern="1200" baseline="0">
                     <a:solidFill>
-                      <a:sysClr val="windowText" lastClr="000000"/>
+                      <a:schemeClr val="tx1"/>
                     </a:solidFill>
-                    <a:latin typeface="Calibri" panose="020F0502020204030204" pitchFamily="34" charset="0"/>
+                    <a:latin typeface="+mn-lt"/>
                     <a:ea typeface="+mn-ea"/>
-                    <a:cs typeface="Calibri" panose="020F0502020204030204" pitchFamily="34" charset="0"/>
+                    <a:cs typeface="+mn-cs"/>
                   </a:defRPr>
                 </a:pPr>
                 <a:r>
-                  <a:rPr lang="en-US" sz="2400" b="0">
-                    <a:solidFill>
-                      <a:sysClr val="windowText" lastClr="000000"/>
-                    </a:solidFill>
-                    <a:latin typeface="Calibri" panose="020F0502020204030204" pitchFamily="34" charset="0"/>
-                    <a:cs typeface="Calibri" panose="020F0502020204030204" pitchFamily="34" charset="0"/>
-                  </a:rPr>
-                  <a:t>CKD</a:t>
+                  <a:rPr lang="en-US"/>
+                  <a:t>Adults with CKD Stages 3-5 and ICD-9 or 10 code (%)</a:t>
                 </a:r>
-                <a:r>
-                  <a:rPr lang="en-US" sz="2400" b="0" baseline="0">
-                    <a:solidFill>
-                      <a:sysClr val="windowText" lastClr="000000"/>
-                    </a:solidFill>
-                    <a:latin typeface="Calibri" panose="020F0502020204030204" pitchFamily="34" charset="0"/>
-                    <a:cs typeface="Calibri" panose="020F0502020204030204" pitchFamily="34" charset="0"/>
-                  </a:rPr>
-                  <a:t> Stages 3</a:t>
-                </a:r>
-                <a:r>
-                  <a:rPr lang="en-US" sz="2400" b="0" i="0" u="none" strike="noStrike" baseline="0">
-                    <a:effectLst/>
-                  </a:rPr>
-                  <a:t>–5</a:t>
-                </a:r>
-                <a:r>
-                  <a:rPr lang="en-US" sz="2400" b="0" baseline="0">
-                    <a:solidFill>
-                      <a:sysClr val="windowText" lastClr="000000"/>
-                    </a:solidFill>
-                    <a:latin typeface="Calibri" panose="020F0502020204030204" pitchFamily="34" charset="0"/>
-                    <a:cs typeface="Calibri" panose="020F0502020204030204" pitchFamily="34" charset="0"/>
-                  </a:rPr>
-                  <a:t> (%)</a:t>
-                </a:r>
-                <a:endParaRPr lang="en-US" sz="2400" b="0">
-                  <a:solidFill>
-                    <a:sysClr val="windowText" lastClr="000000"/>
-                  </a:solidFill>
-                  <a:latin typeface="Calibri" panose="020F0502020204030204" pitchFamily="34" charset="0"/>
-                  <a:cs typeface="Calibri" panose="020F0502020204030204" pitchFamily="34" charset="0"/>
-                </a:endParaRPr>
               </a:p>
             </c:rich>
           </c:tx>
-          <c:layout>
-            <c:manualLayout>
-              <c:xMode val="edge"/>
-              <c:yMode val="edge"/>
-              <c:x val="7.2235898313311884E-4"/>
-              <c:y val="0.16163449535048"/>
-            </c:manualLayout>
-          </c:layout>
           <c:overlay val="0"/>
           <c:spPr>
             <a:noFill/>
@@ -455,11 +413,11 @@
               <a:pPr>
                 <a:defRPr sz="2400" b="0" i="0" u="none" strike="noStrike" kern="1200" baseline="0">
                   <a:solidFill>
-                    <a:sysClr val="windowText" lastClr="000000"/>
+                    <a:schemeClr val="tx1"/>
                   </a:solidFill>
-                  <a:latin typeface="Calibri" panose="020F0502020204030204" pitchFamily="34" charset="0"/>
+                  <a:latin typeface="+mn-lt"/>
                   <a:ea typeface="+mn-ea"/>
-                  <a:cs typeface="Calibri" panose="020F0502020204030204" pitchFamily="34" charset="0"/>
+                  <a:cs typeface="+mn-cs"/>
                 </a:defRPr>
               </a:pPr>
               <a:endParaRPr lang="en-US"/>
@@ -482,19 +440,19 @@
           <a:lstStyle/>
           <a:p>
             <a:pPr>
-              <a:defRPr sz="2300" b="0" i="0" u="none" strike="noStrike" kern="1200" baseline="0">
+              <a:defRPr sz="2400" b="0" i="0" u="none" strike="noStrike" kern="1200" baseline="0">
                 <a:solidFill>
-                  <a:sysClr val="windowText" lastClr="000000"/>
+                  <a:schemeClr val="tx1"/>
                 </a:solidFill>
-                <a:latin typeface="Calibri" panose="020F0502020204030204" pitchFamily="34" charset="0"/>
+                <a:latin typeface="+mn-lt"/>
                 <a:ea typeface="+mn-ea"/>
-                <a:cs typeface="Calibri" panose="020F0502020204030204" pitchFamily="34" charset="0"/>
+                <a:cs typeface="+mn-cs"/>
               </a:defRPr>
             </a:pPr>
             <a:endParaRPr lang="en-US"/>
           </a:p>
         </c:txPr>
-        <c:crossAx val="487957728"/>
+        <c:crossAx val="471918015"/>
         <c:crosses val="autoZero"/>
         <c:crossBetween val="between"/>
       </c:valAx>
@@ -518,12 +476,9 @@
     <c:showDLblsOverMax val="0"/>
   </c:chart>
   <c:spPr>
-    <a:solidFill>
-      <a:schemeClr val="bg1"/>
-    </a:solidFill>
-    <a:ln w="9525" cap="flat" cmpd="sng" algn="ctr">
+    <a:noFill/>
+    <a:ln>
       <a:noFill/>
-      <a:round/>
     </a:ln>
     <a:effectLst/>
   </c:spPr>
@@ -532,7 +487,11 @@
     <a:lstStyle/>
     <a:p>
       <a:pPr>
-        <a:defRPr/>
+        <a:defRPr sz="2400">
+          <a:solidFill>
+            <a:schemeClr val="tx1"/>
+          </a:solidFill>
+        </a:defRPr>
       </a:pPr>
       <a:endParaRPr lang="en-US"/>
     </a:p>
@@ -568,7 +527,7 @@
           <c:order val="0"/>
           <c:tx>
             <c:strRef>
-              <c:f>Overall!$B$19</c:f>
+              <c:f>Overall!$B$20</c:f>
               <c:strCache>
                 <c:ptCount val="1"/>
                 <c:pt idx="0">
@@ -580,7 +539,7 @@
           <c:spPr>
             <a:ln w="44450" cap="rnd">
               <a:solidFill>
-                <a:srgbClr val="800080"/>
+                <a:schemeClr val="tx1"/>
               </a:solidFill>
               <a:round/>
             </a:ln>
@@ -591,11 +550,11 @@
             <c:size val="5"/>
             <c:spPr>
               <a:solidFill>
-                <a:srgbClr val="800080"/>
+                <a:schemeClr val="tx1"/>
               </a:solidFill>
-              <a:ln w="44450">
+              <a:ln w="9525">
                 <a:solidFill>
-                  <a:srgbClr val="800080"/>
+                  <a:schemeClr val="tx1"/>
                 </a:solidFill>
               </a:ln>
               <a:effectLst/>
@@ -603,10 +562,10 @@
           </c:marker>
           <c:cat>
             <c:numRef>
-              <c:f>Overall!$A$20:$A$30</c:f>
+              <c:f>Overall!$A$21:$A$35</c:f>
               <c:numCache>
                 <c:formatCode>General</c:formatCode>
-                <c:ptCount val="11"/>
+                <c:ptCount val="15"/>
                 <c:pt idx="0">
                   <c:v>2009</c:v>
                 </c:pt>
@@ -639,48 +598,72 @@
                 </c:pt>
                 <c:pt idx="10">
                   <c:v>2019</c:v>
+                </c:pt>
+                <c:pt idx="11">
+                  <c:v>2020</c:v>
+                </c:pt>
+                <c:pt idx="12">
+                  <c:v>2021</c:v>
+                </c:pt>
+                <c:pt idx="13">
+                  <c:v>2022</c:v>
+                </c:pt>
+                <c:pt idx="14">
+                  <c:v>2023</c:v>
                 </c:pt>
               </c:numCache>
             </c:numRef>
           </c:cat>
           <c:val>
             <c:numRef>
-              <c:f>Overall!$B$20:$B$30</c:f>
+              <c:f>Overall!$B$21:$B$35</c:f>
               <c:numCache>
                 <c:formatCode>0.0</c:formatCode>
-                <c:ptCount val="11"/>
+                <c:ptCount val="15"/>
                 <c:pt idx="0">
-                  <c:v>8</c:v>
+                  <c:v>29.73</c:v>
                 </c:pt>
                 <c:pt idx="1">
-                  <c:v>7.6</c:v>
+                  <c:v>31.65</c:v>
                 </c:pt>
                 <c:pt idx="2">
-                  <c:v>7</c:v>
+                  <c:v>34.69</c:v>
                 </c:pt>
                 <c:pt idx="3">
-                  <c:v>7</c:v>
+                  <c:v>35.270000000000003</c:v>
                 </c:pt>
                 <c:pt idx="4">
-                  <c:v>6.6</c:v>
+                  <c:v>36.46</c:v>
                 </c:pt>
                 <c:pt idx="5">
-                  <c:v>6.4</c:v>
+                  <c:v>36.6</c:v>
                 </c:pt>
                 <c:pt idx="6">
-                  <c:v>6.1</c:v>
+                  <c:v>37.76</c:v>
                 </c:pt>
                 <c:pt idx="7">
-                  <c:v>6.1</c:v>
+                  <c:v>30.07</c:v>
                 </c:pt>
                 <c:pt idx="8">
-                  <c:v>6.4</c:v>
+                  <c:v>30.18</c:v>
                 </c:pt>
                 <c:pt idx="9">
-                  <c:v>6.3</c:v>
+                  <c:v>29.59</c:v>
                 </c:pt>
                 <c:pt idx="10">
-                  <c:v>6.4</c:v>
+                  <c:v>28.53</c:v>
+                </c:pt>
+                <c:pt idx="11">
+                  <c:v>28.51</c:v>
+                </c:pt>
+                <c:pt idx="12">
+                  <c:v>32.14</c:v>
+                </c:pt>
+                <c:pt idx="13">
+                  <c:v>31.62</c:v>
+                </c:pt>
+                <c:pt idx="14">
+                  <c:v>30.73</c:v>
                 </c:pt>
               </c:numCache>
             </c:numRef>
@@ -688,7 +671,7 @@
           <c:smooth val="0"/>
           <c:extLst>
             <c:ext xmlns:c16="http://schemas.microsoft.com/office/drawing/2014/chart" uri="{C3380CC4-5D6E-409C-BE32-E72D297353CC}">
-              <c16:uniqueId val="{00000000-4572-41F7-81E9-7D2659BA26A4}"/>
+              <c16:uniqueId val="{00000000-0E45-4FDD-99C6-399E182EA760}"/>
             </c:ext>
           </c:extLst>
         </c:ser>
@@ -702,11 +685,11 @@
         </c:dLbls>
         <c:marker val="1"/>
         <c:smooth val="0"/>
-        <c:axId val="294046352"/>
-        <c:axId val="294042192"/>
+        <c:axId val="540826159"/>
+        <c:axId val="540831151"/>
       </c:lineChart>
       <c:catAx>
-        <c:axId val="294046352"/>
+        <c:axId val="540826159"/>
         <c:scaling>
           <c:orientation val="minMax"/>
         </c:scaling>
@@ -734,30 +717,31 @@
           <a:lstStyle/>
           <a:p>
             <a:pPr>
-              <a:defRPr sz="2300" b="0" i="0" u="none" strike="noStrike" kern="1200" baseline="0">
+              <a:defRPr sz="2400" b="0" i="0" u="none" strike="noStrike" kern="1200" baseline="0">
                 <a:solidFill>
-                  <a:sysClr val="windowText" lastClr="000000"/>
+                  <a:schemeClr val="tx1"/>
                 </a:solidFill>
-                <a:latin typeface="Calibri" panose="020F0502020204030204" pitchFamily="34" charset="0"/>
+                <a:latin typeface="+mn-lt"/>
                 <a:ea typeface="+mn-ea"/>
-                <a:cs typeface="Calibri" panose="020F0502020204030204" pitchFamily="34" charset="0"/>
+                <a:cs typeface="+mn-cs"/>
               </a:defRPr>
             </a:pPr>
             <a:endParaRPr lang="en-US"/>
           </a:p>
         </c:txPr>
-        <c:crossAx val="294042192"/>
+        <c:crossAx val="540831151"/>
         <c:crosses val="autoZero"/>
         <c:auto val="1"/>
         <c:lblAlgn val="ctr"/>
         <c:lblOffset val="100"/>
+        <c:tickLblSkip val="2"/>
         <c:noMultiLvlLbl val="0"/>
       </c:catAx>
       <c:valAx>
-        <c:axId val="294042192"/>
+        <c:axId val="540831151"/>
         <c:scaling>
           <c:orientation val="minMax"/>
-          <c:max val="10"/>
+          <c:max val="45"/>
         </c:scaling>
         <c:delete val="0"/>
         <c:axPos val="l"/>
@@ -784,33 +768,20 @@
                 <a:pPr>
                   <a:defRPr sz="2400" b="0" i="0" u="none" strike="noStrike" kern="1200" baseline="0">
                     <a:solidFill>
-                      <a:sysClr val="windowText" lastClr="000000"/>
+                      <a:schemeClr val="tx1"/>
                     </a:solidFill>
-                    <a:latin typeface="Calibri" panose="020F0502020204030204" pitchFamily="34" charset="0"/>
+                    <a:latin typeface="+mn-lt"/>
                     <a:ea typeface="+mn-ea"/>
-                    <a:cs typeface="Calibri" panose="020F0502020204030204" pitchFamily="34" charset="0"/>
+                    <a:cs typeface="+mn-cs"/>
                   </a:defRPr>
                 </a:pPr>
                 <a:r>
-                  <a:rPr lang="en-US" sz="2400" b="0" i="0" baseline="0">
-                    <a:effectLst/>
-                  </a:rPr>
-                  <a:t>CKD Stages 3–5 (%)</a:t>
+                  <a:rPr lang="en-US"/>
+                  <a:t>Adults with CKD Stages 3-5 and ICD-9 or 10 code (%)</a:t>
                 </a:r>
-                <a:endParaRPr lang="en-US" sz="2400" b="0">
-                  <a:effectLst/>
-                </a:endParaRPr>
               </a:p>
             </c:rich>
           </c:tx>
-          <c:layout>
-            <c:manualLayout>
-              <c:xMode val="edge"/>
-              <c:yMode val="edge"/>
-              <c:x val="5.9662073490813648E-4"/>
-              <c:y val="0.16955246130456994"/>
-            </c:manualLayout>
-          </c:layout>
           <c:overlay val="0"/>
           <c:spPr>
             <a:noFill/>
@@ -826,11 +797,11 @@
               <a:pPr>
                 <a:defRPr sz="2400" b="0" i="0" u="none" strike="noStrike" kern="1200" baseline="0">
                   <a:solidFill>
-                    <a:sysClr val="windowText" lastClr="000000"/>
+                    <a:schemeClr val="tx1"/>
                   </a:solidFill>
-                  <a:latin typeface="Calibri" panose="020F0502020204030204" pitchFamily="34" charset="0"/>
+                  <a:latin typeface="+mn-lt"/>
                   <a:ea typeface="+mn-ea"/>
-                  <a:cs typeface="Calibri" panose="020F0502020204030204" pitchFamily="34" charset="0"/>
+                  <a:cs typeface="+mn-cs"/>
                 </a:defRPr>
               </a:pPr>
               <a:endParaRPr lang="en-US"/>
@@ -853,19 +824,19 @@
           <a:lstStyle/>
           <a:p>
             <a:pPr>
-              <a:defRPr sz="2300" b="0" i="0" u="none" strike="noStrike" kern="1200" baseline="0">
+              <a:defRPr sz="2400" b="0" i="0" u="none" strike="noStrike" kern="1200" baseline="0">
                 <a:solidFill>
-                  <a:sysClr val="windowText" lastClr="000000"/>
+                  <a:schemeClr val="tx1"/>
                 </a:solidFill>
-                <a:latin typeface="Calibri" panose="020F0502020204030204" pitchFamily="34" charset="0"/>
+                <a:latin typeface="+mn-lt"/>
                 <a:ea typeface="+mn-ea"/>
-                <a:cs typeface="Calibri" panose="020F0502020204030204" pitchFamily="34" charset="0"/>
+                <a:cs typeface="+mn-cs"/>
               </a:defRPr>
             </a:pPr>
             <a:endParaRPr lang="en-US"/>
           </a:p>
         </c:txPr>
-        <c:crossAx val="294046352"/>
+        <c:crossAx val="540826159"/>
         <c:crosses val="autoZero"/>
         <c:crossBetween val="between"/>
       </c:valAx>
@@ -889,12 +860,9 @@
     <c:showDLblsOverMax val="0"/>
   </c:chart>
   <c:spPr>
-    <a:solidFill>
-      <a:schemeClr val="bg1"/>
-    </a:solidFill>
-    <a:ln w="9525" cap="flat" cmpd="sng" algn="ctr">
+    <a:noFill/>
+    <a:ln>
       <a:noFill/>
-      <a:round/>
     </a:ln>
     <a:effectLst/>
   </c:spPr>
@@ -903,7 +871,11 @@
     <a:lstStyle/>
     <a:p>
       <a:pPr>
-        <a:defRPr/>
+        <a:defRPr sz="2400">
+          <a:solidFill>
+            <a:schemeClr val="tx1"/>
+          </a:solidFill>
+        </a:defRPr>
       </a:pPr>
       <a:endParaRPr lang="en-US"/>
     </a:p>
@@ -939,11 +911,11 @@
           <c:order val="0"/>
           <c:tx>
             <c:strRef>
-              <c:f>Age!$B$33</c:f>
+              <c:f>Age!$B$1</c:f>
               <c:strCache>
                 <c:ptCount val="1"/>
                 <c:pt idx="0">
-                  <c:v>18–39 years</c:v>
+                  <c:v>Overall</c:v>
                 </c:pt>
               </c:strCache>
             </c:strRef>
@@ -951,8 +923,9 @@
           <c:spPr>
             <a:ln w="44450" cap="rnd">
               <a:solidFill>
-                <a:schemeClr val="accent1"/>
+                <a:schemeClr val="tx1"/>
               </a:solidFill>
+              <a:prstDash val="sysDash"/>
               <a:round/>
             </a:ln>
             <a:effectLst/>
@@ -962,11 +935,11 @@
             <c:size val="5"/>
             <c:spPr>
               <a:solidFill>
-                <a:schemeClr val="accent1"/>
+                <a:schemeClr val="tx1"/>
               </a:solidFill>
-              <a:ln w="44450">
+              <a:ln w="9525">
                 <a:solidFill>
-                  <a:schemeClr val="accent1"/>
+                  <a:schemeClr val="tx1"/>
                 </a:solidFill>
               </a:ln>
               <a:effectLst/>
@@ -974,10 +947,10 @@
           </c:marker>
           <c:cat>
             <c:numRef>
-              <c:f>Age!$A$34:$A$44</c:f>
+              <c:f>Age!$A$2:$A$16</c:f>
               <c:numCache>
                 <c:formatCode>General</c:formatCode>
-                <c:ptCount val="11"/>
+                <c:ptCount val="15"/>
                 <c:pt idx="0">
                   <c:v>2009</c:v>
                 </c:pt>
@@ -1010,48 +983,72 @@
                 </c:pt>
                 <c:pt idx="10">
                   <c:v>2019</c:v>
+                </c:pt>
+                <c:pt idx="11">
+                  <c:v>2020</c:v>
+                </c:pt>
+                <c:pt idx="12">
+                  <c:v>2021</c:v>
+                </c:pt>
+                <c:pt idx="13">
+                  <c:v>2022</c:v>
+                </c:pt>
+                <c:pt idx="14">
+                  <c:v>2023</c:v>
                 </c:pt>
               </c:numCache>
             </c:numRef>
           </c:cat>
           <c:val>
             <c:numRef>
-              <c:f>Age!$B$34:$B$44</c:f>
+              <c:f>Age!$B$2:$B$16</c:f>
               <c:numCache>
                 <c:formatCode>0.0</c:formatCode>
-                <c:ptCount val="11"/>
+                <c:ptCount val="15"/>
                 <c:pt idx="0">
-                  <c:v>1.2</c:v>
+                  <c:v>31.92</c:v>
                 </c:pt>
                 <c:pt idx="1">
-                  <c:v>1.1000000000000001</c:v>
+                  <c:v>33.619999999999997</c:v>
                 </c:pt>
                 <c:pt idx="2">
-                  <c:v>0.89999999999999991</c:v>
+                  <c:v>36.68</c:v>
                 </c:pt>
                 <c:pt idx="3">
-                  <c:v>0.89999999999999991</c:v>
+                  <c:v>37.28</c:v>
                 </c:pt>
                 <c:pt idx="4">
-                  <c:v>0.8</c:v>
+                  <c:v>38.19</c:v>
                 </c:pt>
                 <c:pt idx="5">
-                  <c:v>0.8</c:v>
+                  <c:v>38.57</c:v>
                 </c:pt>
                 <c:pt idx="6">
-                  <c:v>0.8</c:v>
+                  <c:v>39.729999999999997</c:v>
                 </c:pt>
                 <c:pt idx="7">
-                  <c:v>0.7</c:v>
+                  <c:v>31.7</c:v>
                 </c:pt>
                 <c:pt idx="8">
-                  <c:v>0.8</c:v>
+                  <c:v>31.95</c:v>
                 </c:pt>
                 <c:pt idx="9">
-                  <c:v>0.8</c:v>
+                  <c:v>32.22</c:v>
                 </c:pt>
                 <c:pt idx="10">
-                  <c:v>0.8</c:v>
+                  <c:v>32.020000000000003</c:v>
+                </c:pt>
+                <c:pt idx="11">
+                  <c:v>30.05</c:v>
+                </c:pt>
+                <c:pt idx="12">
+                  <c:v>36.04</c:v>
+                </c:pt>
+                <c:pt idx="13">
+                  <c:v>35.340000000000003</c:v>
+                </c:pt>
+                <c:pt idx="14">
+                  <c:v>35.15</c:v>
                 </c:pt>
               </c:numCache>
             </c:numRef>
@@ -1059,7 +1056,7 @@
           <c:smooth val="0"/>
           <c:extLst>
             <c:ext xmlns:c16="http://schemas.microsoft.com/office/drawing/2014/chart" uri="{C3380CC4-5D6E-409C-BE32-E72D297353CC}">
-              <c16:uniqueId val="{00000000-84A5-4735-BF7F-3B6673976F50}"/>
+              <c16:uniqueId val="{00000000-3B26-47D3-9798-51301F692385}"/>
             </c:ext>
           </c:extLst>
         </c:ser>
@@ -1068,11 +1065,11 @@
           <c:order val="1"/>
           <c:tx>
             <c:strRef>
-              <c:f>Age!$C$33</c:f>
+              <c:f>Age!$C$1</c:f>
               <c:strCache>
                 <c:ptCount val="1"/>
                 <c:pt idx="0">
-                  <c:v>40–59 years</c:v>
+                  <c:v>18–29 years</c:v>
                 </c:pt>
               </c:strCache>
             </c:strRef>
@@ -1093,7 +1090,7 @@
               <a:solidFill>
                 <a:schemeClr val="accent2"/>
               </a:solidFill>
-              <a:ln w="44450">
+              <a:ln w="9525">
                 <a:solidFill>
                   <a:schemeClr val="accent2"/>
                 </a:solidFill>
@@ -1103,10 +1100,10 @@
           </c:marker>
           <c:cat>
             <c:numRef>
-              <c:f>Age!$A$34:$A$44</c:f>
+              <c:f>Age!$A$2:$A$16</c:f>
               <c:numCache>
                 <c:formatCode>General</c:formatCode>
-                <c:ptCount val="11"/>
+                <c:ptCount val="15"/>
                 <c:pt idx="0">
                   <c:v>2009</c:v>
                 </c:pt>
@@ -1139,48 +1136,72 @@
                 </c:pt>
                 <c:pt idx="10">
                   <c:v>2019</c:v>
+                </c:pt>
+                <c:pt idx="11">
+                  <c:v>2020</c:v>
+                </c:pt>
+                <c:pt idx="12">
+                  <c:v>2021</c:v>
+                </c:pt>
+                <c:pt idx="13">
+                  <c:v>2022</c:v>
+                </c:pt>
+                <c:pt idx="14">
+                  <c:v>2023</c:v>
                 </c:pt>
               </c:numCache>
             </c:numRef>
           </c:cat>
           <c:val>
             <c:numRef>
-              <c:f>Age!$C$34:$C$44</c:f>
+              <c:f>Age!$C$2:$C$16</c:f>
               <c:numCache>
                 <c:formatCode>General</c:formatCode>
-                <c:ptCount val="11"/>
+                <c:ptCount val="15"/>
                 <c:pt idx="0">
-                  <c:v>7.9</c:v>
+                  <c:v>26.95</c:v>
                 </c:pt>
                 <c:pt idx="1">
-                  <c:v>7.1</c:v>
+                  <c:v>28.9</c:v>
                 </c:pt>
                 <c:pt idx="2">
-                  <c:v>6.2</c:v>
+                  <c:v>27.93</c:v>
                 </c:pt>
                 <c:pt idx="3">
-                  <c:v>6.3</c:v>
+                  <c:v>29.18</c:v>
                 </c:pt>
                 <c:pt idx="4">
-                  <c:v>5.6999999999999993</c:v>
+                  <c:v>27.71</c:v>
                 </c:pt>
                 <c:pt idx="5">
-                  <c:v>5.4</c:v>
+                  <c:v>33.130000000000003</c:v>
                 </c:pt>
                 <c:pt idx="6">
-                  <c:v>5.0999999999999996</c:v>
+                  <c:v>30.45</c:v>
                 </c:pt>
                 <c:pt idx="7">
-                  <c:v>5.2</c:v>
+                  <c:v>24.17</c:v>
                 </c:pt>
                 <c:pt idx="8">
-                  <c:v>5.4</c:v>
+                  <c:v>25.22</c:v>
                 </c:pt>
                 <c:pt idx="9">
-                  <c:v>5.5</c:v>
+                  <c:v>23.35</c:v>
                 </c:pt>
                 <c:pt idx="10">
-                  <c:v>5.9</c:v>
+                  <c:v>21.21</c:v>
+                </c:pt>
+                <c:pt idx="11">
+                  <c:v>24.55</c:v>
+                </c:pt>
+                <c:pt idx="12">
+                  <c:v>21.9</c:v>
+                </c:pt>
+                <c:pt idx="13">
+                  <c:v>21.95</c:v>
+                </c:pt>
+                <c:pt idx="14">
+                  <c:v>19.559999999999999</c:v>
                 </c:pt>
               </c:numCache>
             </c:numRef>
@@ -1188,7 +1209,7 @@
           <c:smooth val="0"/>
           <c:extLst>
             <c:ext xmlns:c16="http://schemas.microsoft.com/office/drawing/2014/chart" uri="{C3380CC4-5D6E-409C-BE32-E72D297353CC}">
-              <c16:uniqueId val="{00000001-84A5-4735-BF7F-3B6673976F50}"/>
+              <c16:uniqueId val="{00000001-3B26-47D3-9798-51301F692385}"/>
             </c:ext>
           </c:extLst>
         </c:ser>
@@ -1197,11 +1218,11 @@
           <c:order val="2"/>
           <c:tx>
             <c:strRef>
-              <c:f>Age!$D$33</c:f>
+              <c:f>Age!$D$1</c:f>
               <c:strCache>
                 <c:ptCount val="1"/>
                 <c:pt idx="0">
-                  <c:v>60–69 years</c:v>
+                  <c:v>30–39 years</c:v>
                 </c:pt>
               </c:strCache>
             </c:strRef>
@@ -1222,7 +1243,7 @@
               <a:solidFill>
                 <a:schemeClr val="accent3"/>
               </a:solidFill>
-              <a:ln w="44450">
+              <a:ln w="9525">
                 <a:solidFill>
                   <a:schemeClr val="accent3"/>
                 </a:solidFill>
@@ -1232,10 +1253,10 @@
           </c:marker>
           <c:cat>
             <c:numRef>
-              <c:f>Age!$A$34:$A$44</c:f>
+              <c:f>Age!$A$2:$A$16</c:f>
               <c:numCache>
                 <c:formatCode>General</c:formatCode>
-                <c:ptCount val="11"/>
+                <c:ptCount val="15"/>
                 <c:pt idx="0">
                   <c:v>2009</c:v>
                 </c:pt>
@@ -1268,48 +1289,72 @@
                 </c:pt>
                 <c:pt idx="10">
                   <c:v>2019</c:v>
+                </c:pt>
+                <c:pt idx="11">
+                  <c:v>2020</c:v>
+                </c:pt>
+                <c:pt idx="12">
+                  <c:v>2021</c:v>
+                </c:pt>
+                <c:pt idx="13">
+                  <c:v>2022</c:v>
+                </c:pt>
+                <c:pt idx="14">
+                  <c:v>2023</c:v>
                 </c:pt>
               </c:numCache>
             </c:numRef>
           </c:cat>
           <c:val>
             <c:numRef>
-              <c:f>Age!$D$34:$D$44</c:f>
+              <c:f>Age!$D$2:$D$16</c:f>
               <c:numCache>
-                <c:formatCode>0.0</c:formatCode>
-                <c:ptCount val="11"/>
+                <c:formatCode>General</c:formatCode>
+                <c:ptCount val="15"/>
                 <c:pt idx="0">
-                  <c:v>13.6</c:v>
+                  <c:v>29.42</c:v>
                 </c:pt>
                 <c:pt idx="1">
-                  <c:v>12.6</c:v>
+                  <c:v>31.96</c:v>
                 </c:pt>
                 <c:pt idx="2">
-                  <c:v>11.4</c:v>
+                  <c:v>36.58</c:v>
                 </c:pt>
                 <c:pt idx="3">
-                  <c:v>11.2</c:v>
+                  <c:v>36.99</c:v>
                 </c:pt>
                 <c:pt idx="4">
-                  <c:v>10.199999999999999</c:v>
+                  <c:v>39.200000000000003</c:v>
                 </c:pt>
                 <c:pt idx="5">
-                  <c:v>9.6999999999999993</c:v>
+                  <c:v>36.130000000000003</c:v>
                 </c:pt>
                 <c:pt idx="6">
-                  <c:v>9.1</c:v>
+                  <c:v>39.92</c:v>
                 </c:pt>
                 <c:pt idx="7">
-                  <c:v>9.1</c:v>
+                  <c:v>30.14</c:v>
                 </c:pt>
                 <c:pt idx="8">
-                  <c:v>9.6</c:v>
+                  <c:v>29.58</c:v>
                 </c:pt>
                 <c:pt idx="9">
-                  <c:v>9.5</c:v>
+                  <c:v>27.95</c:v>
                 </c:pt>
                 <c:pt idx="10">
-                  <c:v>9.6</c:v>
+                  <c:v>26.38</c:v>
+                </c:pt>
+                <c:pt idx="11">
+                  <c:v>28.24</c:v>
+                </c:pt>
+                <c:pt idx="12">
+                  <c:v>29.63</c:v>
+                </c:pt>
+                <c:pt idx="13">
+                  <c:v>29.33</c:v>
+                </c:pt>
+                <c:pt idx="14">
+                  <c:v>26.26</c:v>
                 </c:pt>
               </c:numCache>
             </c:numRef>
@@ -1317,7 +1362,7 @@
           <c:smooth val="0"/>
           <c:extLst>
             <c:ext xmlns:c16="http://schemas.microsoft.com/office/drawing/2014/chart" uri="{C3380CC4-5D6E-409C-BE32-E72D297353CC}">
-              <c16:uniqueId val="{00000002-84A5-4735-BF7F-3B6673976F50}"/>
+              <c16:uniqueId val="{00000002-3B26-47D3-9798-51301F692385}"/>
             </c:ext>
           </c:extLst>
         </c:ser>
@@ -1326,11 +1371,11 @@
           <c:order val="3"/>
           <c:tx>
             <c:strRef>
-              <c:f>Age!$E$33</c:f>
+              <c:f>Age!$E$1</c:f>
               <c:strCache>
                 <c:ptCount val="1"/>
                 <c:pt idx="0">
-                  <c:v>70+ years</c:v>
+                  <c:v>40–49 years</c:v>
                 </c:pt>
               </c:strCache>
             </c:strRef>
@@ -1351,7 +1396,7 @@
               <a:solidFill>
                 <a:schemeClr val="accent4"/>
               </a:solidFill>
-              <a:ln w="44450">
+              <a:ln w="9525">
                 <a:solidFill>
                   <a:schemeClr val="accent4"/>
                 </a:solidFill>
@@ -1361,10 +1406,10 @@
           </c:marker>
           <c:cat>
             <c:numRef>
-              <c:f>Age!$A$34:$A$44</c:f>
+              <c:f>Age!$A$2:$A$16</c:f>
               <c:numCache>
                 <c:formatCode>General</c:formatCode>
-                <c:ptCount val="11"/>
+                <c:ptCount val="15"/>
                 <c:pt idx="0">
                   <c:v>2009</c:v>
                 </c:pt>
@@ -1397,48 +1442,72 @@
                 </c:pt>
                 <c:pt idx="10">
                   <c:v>2019</c:v>
+                </c:pt>
+                <c:pt idx="11">
+                  <c:v>2020</c:v>
+                </c:pt>
+                <c:pt idx="12">
+                  <c:v>2021</c:v>
+                </c:pt>
+                <c:pt idx="13">
+                  <c:v>2022</c:v>
+                </c:pt>
+                <c:pt idx="14">
+                  <c:v>2023</c:v>
                 </c:pt>
               </c:numCache>
             </c:numRef>
           </c:cat>
           <c:val>
             <c:numRef>
-              <c:f>Age!$E$34:$E$44</c:f>
+              <c:f>Age!$E$2:$E$16</c:f>
               <c:numCache>
-                <c:formatCode>0.0</c:formatCode>
-                <c:ptCount val="11"/>
+                <c:formatCode>General</c:formatCode>
+                <c:ptCount val="15"/>
                 <c:pt idx="0">
-                  <c:v>38</c:v>
+                  <c:v>25.87</c:v>
                 </c:pt>
                 <c:pt idx="1">
-                  <c:v>37.4</c:v>
+                  <c:v>27.95</c:v>
                 </c:pt>
                 <c:pt idx="2">
+                  <c:v>32.65</c:v>
+                </c:pt>
+                <c:pt idx="3">
+                  <c:v>33.11</c:v>
+                </c:pt>
+                <c:pt idx="4">
                   <c:v>35.4</c:v>
                 </c:pt>
-                <c:pt idx="3">
+                <c:pt idx="5">
+                  <c:v>34.700000000000003</c:v>
+                </c:pt>
+                <c:pt idx="6">
                   <c:v>35.5</c:v>
                 </c:pt>
-                <c:pt idx="4">
-                  <c:v>33.5</c:v>
-                </c:pt>
-                <c:pt idx="5">
-                  <c:v>32.700000000000003</c:v>
-                </c:pt>
-                <c:pt idx="6">
-                  <c:v>31.7</c:v>
-                </c:pt>
                 <c:pt idx="7">
-                  <c:v>31.9</c:v>
+                  <c:v>29.76</c:v>
                 </c:pt>
                 <c:pt idx="8">
-                  <c:v>33.1</c:v>
+                  <c:v>30.48</c:v>
                 </c:pt>
                 <c:pt idx="9">
-                  <c:v>32.5</c:v>
+                  <c:v>28.81</c:v>
                 </c:pt>
                 <c:pt idx="10">
-                  <c:v>32.4</c:v>
+                  <c:v>27</c:v>
+                </c:pt>
+                <c:pt idx="11">
+                  <c:v>26.61</c:v>
+                </c:pt>
+                <c:pt idx="12">
+                  <c:v>31.11</c:v>
+                </c:pt>
+                <c:pt idx="13">
+                  <c:v>29.74</c:v>
+                </c:pt>
+                <c:pt idx="14">
+                  <c:v>28.85</c:v>
                 </c:pt>
               </c:numCache>
             </c:numRef>
@@ -1446,7 +1515,472 @@
           <c:smooth val="0"/>
           <c:extLst>
             <c:ext xmlns:c16="http://schemas.microsoft.com/office/drawing/2014/chart" uri="{C3380CC4-5D6E-409C-BE32-E72D297353CC}">
-              <c16:uniqueId val="{00000003-84A5-4735-BF7F-3B6673976F50}"/>
+              <c16:uniqueId val="{00000003-3B26-47D3-9798-51301F692385}"/>
+            </c:ext>
+          </c:extLst>
+        </c:ser>
+        <c:ser>
+          <c:idx val="4"/>
+          <c:order val="4"/>
+          <c:tx>
+            <c:strRef>
+              <c:f>Age!$F$1</c:f>
+              <c:strCache>
+                <c:ptCount val="1"/>
+                <c:pt idx="0">
+                  <c:v>50–59 years</c:v>
+                </c:pt>
+              </c:strCache>
+            </c:strRef>
+          </c:tx>
+          <c:spPr>
+            <a:ln w="44450" cap="rnd">
+              <a:solidFill>
+                <a:schemeClr val="accent5"/>
+              </a:solidFill>
+              <a:round/>
+            </a:ln>
+            <a:effectLst/>
+          </c:spPr>
+          <c:marker>
+            <c:symbol val="circle"/>
+            <c:size val="5"/>
+            <c:spPr>
+              <a:solidFill>
+                <a:schemeClr val="accent5"/>
+              </a:solidFill>
+              <a:ln w="9525">
+                <a:solidFill>
+                  <a:schemeClr val="accent5"/>
+                </a:solidFill>
+              </a:ln>
+              <a:effectLst/>
+            </c:spPr>
+          </c:marker>
+          <c:cat>
+            <c:numRef>
+              <c:f>Age!$A$2:$A$16</c:f>
+              <c:numCache>
+                <c:formatCode>General</c:formatCode>
+                <c:ptCount val="15"/>
+                <c:pt idx="0">
+                  <c:v>2009</c:v>
+                </c:pt>
+                <c:pt idx="1">
+                  <c:v>2010</c:v>
+                </c:pt>
+                <c:pt idx="2">
+                  <c:v>2011</c:v>
+                </c:pt>
+                <c:pt idx="3">
+                  <c:v>2012</c:v>
+                </c:pt>
+                <c:pt idx="4">
+                  <c:v>2013</c:v>
+                </c:pt>
+                <c:pt idx="5">
+                  <c:v>2014</c:v>
+                </c:pt>
+                <c:pt idx="6">
+                  <c:v>2015</c:v>
+                </c:pt>
+                <c:pt idx="7">
+                  <c:v>2016</c:v>
+                </c:pt>
+                <c:pt idx="8">
+                  <c:v>2017</c:v>
+                </c:pt>
+                <c:pt idx="9">
+                  <c:v>2018</c:v>
+                </c:pt>
+                <c:pt idx="10">
+                  <c:v>2019</c:v>
+                </c:pt>
+                <c:pt idx="11">
+                  <c:v>2020</c:v>
+                </c:pt>
+                <c:pt idx="12">
+                  <c:v>2021</c:v>
+                </c:pt>
+                <c:pt idx="13">
+                  <c:v>2022</c:v>
+                </c:pt>
+                <c:pt idx="14">
+                  <c:v>2023</c:v>
+                </c:pt>
+              </c:numCache>
+            </c:numRef>
+          </c:cat>
+          <c:val>
+            <c:numRef>
+              <c:f>Age!$F$2:$F$16</c:f>
+              <c:numCache>
+                <c:formatCode>General</c:formatCode>
+                <c:ptCount val="15"/>
+                <c:pt idx="0">
+                  <c:v>29.75</c:v>
+                </c:pt>
+                <c:pt idx="1">
+                  <c:v>31.33</c:v>
+                </c:pt>
+                <c:pt idx="2">
+                  <c:v>34.36</c:v>
+                </c:pt>
+                <c:pt idx="3">
+                  <c:v>34.979999999999997</c:v>
+                </c:pt>
+                <c:pt idx="4">
+                  <c:v>36.26</c:v>
+                </c:pt>
+                <c:pt idx="5">
+                  <c:v>36.67</c:v>
+                </c:pt>
+                <c:pt idx="6">
+                  <c:v>37.31</c:v>
+                </c:pt>
+                <c:pt idx="7">
+                  <c:v>30.63</c:v>
+                </c:pt>
+                <c:pt idx="8">
+                  <c:v>30.61</c:v>
+                </c:pt>
+                <c:pt idx="9">
+                  <c:v>30.98</c:v>
+                </c:pt>
+                <c:pt idx="10">
+                  <c:v>30.08</c:v>
+                </c:pt>
+                <c:pt idx="11">
+                  <c:v>29.38</c:v>
+                </c:pt>
+                <c:pt idx="12">
+                  <c:v>34.46</c:v>
+                </c:pt>
+                <c:pt idx="13">
+                  <c:v>34.11</c:v>
+                </c:pt>
+                <c:pt idx="14">
+                  <c:v>35.46</c:v>
+                </c:pt>
+              </c:numCache>
+            </c:numRef>
+          </c:val>
+          <c:smooth val="0"/>
+          <c:extLst>
+            <c:ext xmlns:c16="http://schemas.microsoft.com/office/drawing/2014/chart" uri="{C3380CC4-5D6E-409C-BE32-E72D297353CC}">
+              <c16:uniqueId val="{00000004-3B26-47D3-9798-51301F692385}"/>
+            </c:ext>
+          </c:extLst>
+        </c:ser>
+        <c:ser>
+          <c:idx val="5"/>
+          <c:order val="5"/>
+          <c:tx>
+            <c:strRef>
+              <c:f>Age!$G$1</c:f>
+              <c:strCache>
+                <c:ptCount val="1"/>
+                <c:pt idx="0">
+                  <c:v>60–69 years</c:v>
+                </c:pt>
+              </c:strCache>
+            </c:strRef>
+          </c:tx>
+          <c:spPr>
+            <a:ln w="44450" cap="rnd">
+              <a:solidFill>
+                <a:schemeClr val="accent6"/>
+              </a:solidFill>
+              <a:round/>
+            </a:ln>
+            <a:effectLst/>
+          </c:spPr>
+          <c:marker>
+            <c:symbol val="circle"/>
+            <c:size val="5"/>
+            <c:spPr>
+              <a:solidFill>
+                <a:schemeClr val="accent6"/>
+              </a:solidFill>
+              <a:ln w="9525">
+                <a:solidFill>
+                  <a:schemeClr val="accent6"/>
+                </a:solidFill>
+              </a:ln>
+              <a:effectLst/>
+            </c:spPr>
+          </c:marker>
+          <c:cat>
+            <c:numRef>
+              <c:f>Age!$A$2:$A$16</c:f>
+              <c:numCache>
+                <c:formatCode>General</c:formatCode>
+                <c:ptCount val="15"/>
+                <c:pt idx="0">
+                  <c:v>2009</c:v>
+                </c:pt>
+                <c:pt idx="1">
+                  <c:v>2010</c:v>
+                </c:pt>
+                <c:pt idx="2">
+                  <c:v>2011</c:v>
+                </c:pt>
+                <c:pt idx="3">
+                  <c:v>2012</c:v>
+                </c:pt>
+                <c:pt idx="4">
+                  <c:v>2013</c:v>
+                </c:pt>
+                <c:pt idx="5">
+                  <c:v>2014</c:v>
+                </c:pt>
+                <c:pt idx="6">
+                  <c:v>2015</c:v>
+                </c:pt>
+                <c:pt idx="7">
+                  <c:v>2016</c:v>
+                </c:pt>
+                <c:pt idx="8">
+                  <c:v>2017</c:v>
+                </c:pt>
+                <c:pt idx="9">
+                  <c:v>2018</c:v>
+                </c:pt>
+                <c:pt idx="10">
+                  <c:v>2019</c:v>
+                </c:pt>
+                <c:pt idx="11">
+                  <c:v>2020</c:v>
+                </c:pt>
+                <c:pt idx="12">
+                  <c:v>2021</c:v>
+                </c:pt>
+                <c:pt idx="13">
+                  <c:v>2022</c:v>
+                </c:pt>
+                <c:pt idx="14">
+                  <c:v>2023</c:v>
+                </c:pt>
+              </c:numCache>
+            </c:numRef>
+          </c:cat>
+          <c:val>
+            <c:numRef>
+              <c:f>Age!$G$2:$G$16</c:f>
+              <c:numCache>
+                <c:formatCode>General</c:formatCode>
+                <c:ptCount val="15"/>
+                <c:pt idx="0">
+                  <c:v>32.72</c:v>
+                </c:pt>
+                <c:pt idx="1">
+                  <c:v>34.67</c:v>
+                </c:pt>
+                <c:pt idx="2">
+                  <c:v>38.81</c:v>
+                </c:pt>
+                <c:pt idx="3">
+                  <c:v>38.22</c:v>
+                </c:pt>
+                <c:pt idx="4">
+                  <c:v>39.159999999999997</c:v>
+                </c:pt>
+                <c:pt idx="5">
+                  <c:v>39.909999999999997</c:v>
+                </c:pt>
+                <c:pt idx="6">
+                  <c:v>41.26</c:v>
+                </c:pt>
+                <c:pt idx="7">
+                  <c:v>32.82</c:v>
+                </c:pt>
+                <c:pt idx="8">
+                  <c:v>32.68</c:v>
+                </c:pt>
+                <c:pt idx="9">
+                  <c:v>33.5</c:v>
+                </c:pt>
+                <c:pt idx="10">
+                  <c:v>33.72</c:v>
+                </c:pt>
+                <c:pt idx="11">
+                  <c:v>30.73</c:v>
+                </c:pt>
+                <c:pt idx="12">
+                  <c:v>38.54</c:v>
+                </c:pt>
+                <c:pt idx="13">
+                  <c:v>37.159999999999997</c:v>
+                </c:pt>
+                <c:pt idx="14">
+                  <c:v>36.75</c:v>
+                </c:pt>
+              </c:numCache>
+            </c:numRef>
+          </c:val>
+          <c:smooth val="0"/>
+          <c:extLst>
+            <c:ext xmlns:c16="http://schemas.microsoft.com/office/drawing/2014/chart" uri="{C3380CC4-5D6E-409C-BE32-E72D297353CC}">
+              <c16:uniqueId val="{00000005-3B26-47D3-9798-51301F692385}"/>
+            </c:ext>
+          </c:extLst>
+        </c:ser>
+        <c:ser>
+          <c:idx val="6"/>
+          <c:order val="6"/>
+          <c:tx>
+            <c:strRef>
+              <c:f>Age!$H$1</c:f>
+              <c:strCache>
+                <c:ptCount val="1"/>
+                <c:pt idx="0">
+                  <c:v>70+ years</c:v>
+                </c:pt>
+              </c:strCache>
+            </c:strRef>
+          </c:tx>
+          <c:spPr>
+            <a:ln w="44450" cap="rnd">
+              <a:solidFill>
+                <a:schemeClr val="accent1">
+                  <a:lumMod val="60000"/>
+                </a:schemeClr>
+              </a:solidFill>
+              <a:round/>
+            </a:ln>
+            <a:effectLst/>
+          </c:spPr>
+          <c:marker>
+            <c:symbol val="circle"/>
+            <c:size val="5"/>
+            <c:spPr>
+              <a:solidFill>
+                <a:schemeClr val="accent1">
+                  <a:lumMod val="60000"/>
+                </a:schemeClr>
+              </a:solidFill>
+              <a:ln w="9525">
+                <a:solidFill>
+                  <a:schemeClr val="accent1">
+                    <a:lumMod val="60000"/>
+                  </a:schemeClr>
+                </a:solidFill>
+              </a:ln>
+              <a:effectLst/>
+            </c:spPr>
+          </c:marker>
+          <c:cat>
+            <c:numRef>
+              <c:f>Age!$A$2:$A$16</c:f>
+              <c:numCache>
+                <c:formatCode>General</c:formatCode>
+                <c:ptCount val="15"/>
+                <c:pt idx="0">
+                  <c:v>2009</c:v>
+                </c:pt>
+                <c:pt idx="1">
+                  <c:v>2010</c:v>
+                </c:pt>
+                <c:pt idx="2">
+                  <c:v>2011</c:v>
+                </c:pt>
+                <c:pt idx="3">
+                  <c:v>2012</c:v>
+                </c:pt>
+                <c:pt idx="4">
+                  <c:v>2013</c:v>
+                </c:pt>
+                <c:pt idx="5">
+                  <c:v>2014</c:v>
+                </c:pt>
+                <c:pt idx="6">
+                  <c:v>2015</c:v>
+                </c:pt>
+                <c:pt idx="7">
+                  <c:v>2016</c:v>
+                </c:pt>
+                <c:pt idx="8">
+                  <c:v>2017</c:v>
+                </c:pt>
+                <c:pt idx="9">
+                  <c:v>2018</c:v>
+                </c:pt>
+                <c:pt idx="10">
+                  <c:v>2019</c:v>
+                </c:pt>
+                <c:pt idx="11">
+                  <c:v>2020</c:v>
+                </c:pt>
+                <c:pt idx="12">
+                  <c:v>2021</c:v>
+                </c:pt>
+                <c:pt idx="13">
+                  <c:v>2022</c:v>
+                </c:pt>
+                <c:pt idx="14">
+                  <c:v>2023</c:v>
+                </c:pt>
+              </c:numCache>
+            </c:numRef>
+          </c:cat>
+          <c:val>
+            <c:numRef>
+              <c:f>Age!$H$2:$H$16</c:f>
+              <c:numCache>
+                <c:formatCode>General</c:formatCode>
+                <c:ptCount val="15"/>
+                <c:pt idx="0">
+                  <c:v>33.46</c:v>
+                </c:pt>
+                <c:pt idx="1">
+                  <c:v>34.85</c:v>
+                </c:pt>
+                <c:pt idx="2">
+                  <c:v>37.04</c:v>
+                </c:pt>
+                <c:pt idx="3">
+                  <c:v>38.299999999999997</c:v>
+                </c:pt>
+                <c:pt idx="4">
+                  <c:v>38.81</c:v>
+                </c:pt>
+                <c:pt idx="5">
+                  <c:v>39.1</c:v>
+                </c:pt>
+                <c:pt idx="6">
+                  <c:v>40.299999999999997</c:v>
+                </c:pt>
+                <c:pt idx="7">
+                  <c:v>31.84</c:v>
+                </c:pt>
+                <c:pt idx="8">
+                  <c:v>32.299999999999997</c:v>
+                </c:pt>
+                <c:pt idx="9">
+                  <c:v>32.58</c:v>
+                </c:pt>
+                <c:pt idx="10">
+                  <c:v>32.69</c:v>
+                </c:pt>
+                <c:pt idx="11">
+                  <c:v>30.41</c:v>
+                </c:pt>
+                <c:pt idx="12">
+                  <c:v>36.22</c:v>
+                </c:pt>
+                <c:pt idx="13">
+                  <c:v>35.770000000000003</c:v>
+                </c:pt>
+                <c:pt idx="14">
+                  <c:v>35.6</c:v>
+                </c:pt>
+              </c:numCache>
+            </c:numRef>
+          </c:val>
+          <c:smooth val="0"/>
+          <c:extLst>
+            <c:ext xmlns:c16="http://schemas.microsoft.com/office/drawing/2014/chart" uri="{C3380CC4-5D6E-409C-BE32-E72D297353CC}">
+              <c16:uniqueId val="{00000006-3B26-47D3-9798-51301F692385}"/>
             </c:ext>
           </c:extLst>
         </c:ser>
@@ -1460,11 +1994,11 @@
         </c:dLbls>
         <c:marker val="1"/>
         <c:smooth val="0"/>
-        <c:axId val="1845513199"/>
-        <c:axId val="1845511119"/>
+        <c:axId val="551978015"/>
+        <c:axId val="551978847"/>
       </c:lineChart>
       <c:catAx>
-        <c:axId val="1845513199"/>
+        <c:axId val="551978015"/>
         <c:scaling>
           <c:orientation val="minMax"/>
         </c:scaling>
@@ -1492,27 +2026,28 @@
           <a:lstStyle/>
           <a:p>
             <a:pPr>
-              <a:defRPr sz="2300" b="0" i="0" u="none" strike="noStrike" kern="1200" baseline="0">
+              <a:defRPr sz="2400" b="0" i="0" u="none" strike="noStrike" kern="1200" baseline="0">
                 <a:solidFill>
-                  <a:sysClr val="windowText" lastClr="000000"/>
+                  <a:schemeClr val="tx1"/>
                 </a:solidFill>
-                <a:latin typeface="Calibri" panose="020F0502020204030204" pitchFamily="34" charset="0"/>
+                <a:latin typeface="+mn-lt"/>
                 <a:ea typeface="+mn-ea"/>
-                <a:cs typeface="Calibri" panose="020F0502020204030204" pitchFamily="34" charset="0"/>
+                <a:cs typeface="+mn-cs"/>
               </a:defRPr>
             </a:pPr>
             <a:endParaRPr lang="en-US"/>
           </a:p>
         </c:txPr>
-        <c:crossAx val="1845511119"/>
+        <c:crossAx val="551978847"/>
         <c:crosses val="autoZero"/>
         <c:auto val="1"/>
         <c:lblAlgn val="ctr"/>
         <c:lblOffset val="100"/>
+        <c:tickLblSkip val="2"/>
         <c:noMultiLvlLbl val="0"/>
       </c:catAx>
       <c:valAx>
-        <c:axId val="1845511119"/>
+        <c:axId val="551978847"/>
         <c:scaling>
           <c:orientation val="minMax"/>
         </c:scaling>
@@ -1541,34 +2076,20 @@
                 <a:pPr>
                   <a:defRPr sz="2400" b="0" i="0" u="none" strike="noStrike" kern="1200" baseline="0">
                     <a:solidFill>
-                      <a:sysClr val="windowText" lastClr="000000"/>
+                      <a:schemeClr val="tx1"/>
                     </a:solidFill>
-                    <a:latin typeface="Calibri" panose="020F0502020204030204" pitchFamily="34" charset="0"/>
+                    <a:latin typeface="+mn-lt"/>
                     <a:ea typeface="+mn-ea"/>
-                    <a:cs typeface="Calibri" panose="020F0502020204030204" pitchFamily="34" charset="0"/>
+                    <a:cs typeface="+mn-cs"/>
                   </a:defRPr>
                 </a:pPr>
                 <a:r>
-                  <a:rPr lang="en-US" sz="2400">
-                    <a:solidFill>
-                      <a:sysClr val="windowText" lastClr="000000"/>
-                    </a:solidFill>
-                    <a:latin typeface="Calibri" panose="020F0502020204030204" pitchFamily="34" charset="0"/>
-                    <a:cs typeface="Calibri" panose="020F0502020204030204" pitchFamily="34" charset="0"/>
-                  </a:rPr>
-                  <a:t>CKD Stages 3–5 (%)</a:t>
+                  <a:rPr lang="en-US"/>
+                  <a:t>Adults with CKD Stages 3-5 and ICD-9 or 10 code (%)</a:t>
                 </a:r>
               </a:p>
             </c:rich>
           </c:tx>
-          <c:layout>
-            <c:manualLayout>
-              <c:xMode val="edge"/>
-              <c:yMode val="edge"/>
-              <c:x val="0"/>
-              <c:y val="0.11759808341754004"/>
-            </c:manualLayout>
-          </c:layout>
           <c:overlay val="0"/>
           <c:spPr>
             <a:noFill/>
@@ -1584,11 +2105,11 @@
               <a:pPr>
                 <a:defRPr sz="2400" b="0" i="0" u="none" strike="noStrike" kern="1200" baseline="0">
                   <a:solidFill>
-                    <a:sysClr val="windowText" lastClr="000000"/>
+                    <a:schemeClr val="tx1"/>
                   </a:solidFill>
-                  <a:latin typeface="Calibri" panose="020F0502020204030204" pitchFamily="34" charset="0"/>
+                  <a:latin typeface="+mn-lt"/>
                   <a:ea typeface="+mn-ea"/>
-                  <a:cs typeface="Calibri" panose="020F0502020204030204" pitchFamily="34" charset="0"/>
+                  <a:cs typeface="+mn-cs"/>
                 </a:defRPr>
               </a:pPr>
               <a:endParaRPr lang="en-US"/>
@@ -1611,19 +2132,19 @@
           <a:lstStyle/>
           <a:p>
             <a:pPr>
-              <a:defRPr sz="2300" b="0" i="0" u="none" strike="noStrike" kern="1200" baseline="0">
+              <a:defRPr sz="2400" b="0" i="0" u="none" strike="noStrike" kern="1200" baseline="0">
                 <a:solidFill>
-                  <a:sysClr val="windowText" lastClr="000000"/>
+                  <a:schemeClr val="tx1"/>
                 </a:solidFill>
-                <a:latin typeface="Calibri" panose="020F0502020204030204" pitchFamily="34" charset="0"/>
+                <a:latin typeface="+mn-lt"/>
                 <a:ea typeface="+mn-ea"/>
-                <a:cs typeface="Calibri" panose="020F0502020204030204" pitchFamily="34" charset="0"/>
+                <a:cs typeface="+mn-cs"/>
               </a:defRPr>
             </a:pPr>
             <a:endParaRPr lang="en-US"/>
           </a:p>
         </c:txPr>
-        <c:crossAx val="1845513199"/>
+        <c:crossAx val="551978015"/>
         <c:crosses val="autoZero"/>
         <c:crossBetween val="between"/>
       </c:valAx>
@@ -1637,16 +2158,6 @@
     </c:plotArea>
     <c:legend>
       <c:legendPos val="b"/>
-      <c:layout>
-        <c:manualLayout>
-          <c:xMode val="edge"/>
-          <c:yMode val="edge"/>
-          <c:x val="0.2261883387621669"/>
-          <c:y val="0.91009211517537569"/>
-          <c:w val="0.63095658062307913"/>
-          <c:h val="8.7230975925103885E-2"/>
-        </c:manualLayout>
-      </c:layout>
       <c:overlay val="0"/>
       <c:spPr>
         <a:noFill/>
@@ -1660,13 +2171,13 @@
         <a:lstStyle/>
         <a:p>
           <a:pPr>
-            <a:defRPr sz="2200" b="0" i="0" u="none" strike="noStrike" kern="1200" baseline="0">
+            <a:defRPr sz="2400" b="0" i="0" u="none" strike="noStrike" kern="1200" baseline="0">
               <a:solidFill>
-                <a:sysClr val="windowText" lastClr="000000"/>
+                <a:schemeClr val="tx1"/>
               </a:solidFill>
-              <a:latin typeface="Calibri" panose="020F0502020204030204" pitchFamily="34" charset="0"/>
+              <a:latin typeface="+mn-lt"/>
               <a:ea typeface="+mn-ea"/>
-              <a:cs typeface="Calibri" panose="020F0502020204030204" pitchFamily="34" charset="0"/>
+              <a:cs typeface="+mn-cs"/>
             </a:defRPr>
           </a:pPr>
           <a:endParaRPr lang="en-US"/>
@@ -1685,12 +2196,9 @@
     <c:showDLblsOverMax val="0"/>
   </c:chart>
   <c:spPr>
-    <a:solidFill>
-      <a:schemeClr val="bg1"/>
-    </a:solidFill>
-    <a:ln w="9525" cap="flat" cmpd="sng" algn="ctr">
+    <a:noFill/>
+    <a:ln>
       <a:noFill/>
-      <a:round/>
     </a:ln>
     <a:effectLst/>
   </c:spPr>
@@ -1699,7 +2207,11 @@
     <a:lstStyle/>
     <a:p>
       <a:pPr>
-        <a:defRPr/>
+        <a:defRPr sz="2400">
+          <a:solidFill>
+            <a:schemeClr val="tx1"/>
+          </a:solidFill>
+        </a:defRPr>
       </a:pPr>
       <a:endParaRPr lang="en-US"/>
     </a:p>
@@ -1739,7 +2251,7 @@
               <c:strCache>
                 <c:ptCount val="1"/>
                 <c:pt idx="0">
-                  <c:v>Male</c:v>
+                  <c:v>Overall</c:v>
                 </c:pt>
               </c:strCache>
             </c:strRef>
@@ -1747,8 +2259,11 @@
           <c:spPr>
             <a:ln w="44450" cap="rnd">
               <a:solidFill>
-                <a:srgbClr val="990099"/>
+                <a:schemeClr val="tx1">
+                  <a:alpha val="95000"/>
+                </a:schemeClr>
               </a:solidFill>
+              <a:prstDash val="sysDash"/>
               <a:round/>
             </a:ln>
             <a:effectLst/>
@@ -1758,11 +2273,11 @@
             <c:size val="5"/>
             <c:spPr>
               <a:solidFill>
-                <a:srgbClr val="990099"/>
+                <a:schemeClr val="tx1"/>
               </a:solidFill>
-              <a:ln w="44450">
+              <a:ln w="9525">
                 <a:solidFill>
-                  <a:srgbClr val="990099"/>
+                  <a:schemeClr val="tx1"/>
                 </a:solidFill>
               </a:ln>
               <a:effectLst/>
@@ -1770,10 +2285,10 @@
           </c:marker>
           <c:cat>
             <c:numRef>
-              <c:f>Sex!$A$2:$A$12</c:f>
+              <c:f>Sex!$A$2:$A$16</c:f>
               <c:numCache>
                 <c:formatCode>General</c:formatCode>
-                <c:ptCount val="11"/>
+                <c:ptCount val="15"/>
                 <c:pt idx="0">
                   <c:v>2009</c:v>
                 </c:pt>
@@ -1806,48 +2321,72 @@
                 </c:pt>
                 <c:pt idx="10">
                   <c:v>2019</c:v>
+                </c:pt>
+                <c:pt idx="11">
+                  <c:v>2020</c:v>
+                </c:pt>
+                <c:pt idx="12">
+                  <c:v>2021</c:v>
+                </c:pt>
+                <c:pt idx="13">
+                  <c:v>2022</c:v>
+                </c:pt>
+                <c:pt idx="14">
+                  <c:v>2023</c:v>
                 </c:pt>
               </c:numCache>
             </c:numRef>
           </c:cat>
           <c:val>
             <c:numRef>
-              <c:f>Sex!$B$2:$B$12</c:f>
+              <c:f>Sex!$B$2:$B$16</c:f>
               <c:numCache>
                 <c:formatCode>0.0</c:formatCode>
-                <c:ptCount val="11"/>
+                <c:ptCount val="15"/>
                 <c:pt idx="0">
-                  <c:v>6.5</c:v>
+                  <c:v>31.92</c:v>
                 </c:pt>
                 <c:pt idx="1">
-                  <c:v>6.1</c:v>
+                  <c:v>33.619999999999997</c:v>
                 </c:pt>
                 <c:pt idx="2">
-                  <c:v>5.2</c:v>
+                  <c:v>36.68</c:v>
                 </c:pt>
                 <c:pt idx="3">
-                  <c:v>5.3</c:v>
+                  <c:v>37.28</c:v>
                 </c:pt>
                 <c:pt idx="4">
-                  <c:v>5.0999999999999996</c:v>
+                  <c:v>38.19</c:v>
                 </c:pt>
                 <c:pt idx="5">
-                  <c:v>5.2</c:v>
+                  <c:v>38.57</c:v>
                 </c:pt>
                 <c:pt idx="6">
-                  <c:v>5.0999999999999996</c:v>
+                  <c:v>39.729999999999997</c:v>
                 </c:pt>
                 <c:pt idx="7">
-                  <c:v>5.4</c:v>
+                  <c:v>31.7</c:v>
                 </c:pt>
                 <c:pt idx="8">
-                  <c:v>5.7</c:v>
+                  <c:v>31.95</c:v>
                 </c:pt>
                 <c:pt idx="9">
-                  <c:v>5.7</c:v>
+                  <c:v>32.22</c:v>
                 </c:pt>
                 <c:pt idx="10">
-                  <c:v>5.7</c:v>
+                  <c:v>32.020000000000003</c:v>
+                </c:pt>
+                <c:pt idx="11">
+                  <c:v>30.05</c:v>
+                </c:pt>
+                <c:pt idx="12">
+                  <c:v>36.04</c:v>
+                </c:pt>
+                <c:pt idx="13">
+                  <c:v>35.340000000000003</c:v>
+                </c:pt>
+                <c:pt idx="14">
+                  <c:v>35.15</c:v>
                 </c:pt>
               </c:numCache>
             </c:numRef>
@@ -1855,7 +2394,7 @@
           <c:smooth val="0"/>
           <c:extLst>
             <c:ext xmlns:c16="http://schemas.microsoft.com/office/drawing/2014/chart" uri="{C3380CC4-5D6E-409C-BE32-E72D297353CC}">
-              <c16:uniqueId val="{00000000-4263-4461-AF30-1AE0A183E29D}"/>
+              <c16:uniqueId val="{00000000-3E9C-45DA-BB1A-9CB2F7D97A11}"/>
             </c:ext>
           </c:extLst>
         </c:ser>
@@ -1868,7 +2407,7 @@
               <c:strCache>
                 <c:ptCount val="1"/>
                 <c:pt idx="0">
-                  <c:v>Female</c:v>
+                  <c:v>Male</c:v>
                 </c:pt>
               </c:strCache>
             </c:strRef>
@@ -1876,7 +2415,7 @@
           <c:spPr>
             <a:ln w="44450" cap="rnd">
               <a:solidFill>
-                <a:srgbClr val="008080"/>
+                <a:schemeClr val="accent2"/>
               </a:solidFill>
               <a:round/>
             </a:ln>
@@ -1887,11 +2426,11 @@
             <c:size val="5"/>
             <c:spPr>
               <a:solidFill>
-                <a:srgbClr val="008080"/>
+                <a:schemeClr val="accent2"/>
               </a:solidFill>
-              <a:ln w="44450">
+              <a:ln w="9525">
                 <a:solidFill>
-                  <a:srgbClr val="008080"/>
+                  <a:schemeClr val="accent2"/>
                 </a:solidFill>
               </a:ln>
               <a:effectLst/>
@@ -1899,10 +2438,10 @@
           </c:marker>
           <c:cat>
             <c:numRef>
-              <c:f>Sex!$A$2:$A$12</c:f>
+              <c:f>Sex!$A$2:$A$16</c:f>
               <c:numCache>
                 <c:formatCode>General</c:formatCode>
-                <c:ptCount val="11"/>
+                <c:ptCount val="15"/>
                 <c:pt idx="0">
                   <c:v>2009</c:v>
                 </c:pt>
@@ -1935,48 +2474,72 @@
                 </c:pt>
                 <c:pt idx="10">
                   <c:v>2019</c:v>
+                </c:pt>
+                <c:pt idx="11">
+                  <c:v>2020</c:v>
+                </c:pt>
+                <c:pt idx="12">
+                  <c:v>2021</c:v>
+                </c:pt>
+                <c:pt idx="13">
+                  <c:v>2022</c:v>
+                </c:pt>
+                <c:pt idx="14">
+                  <c:v>2023</c:v>
                 </c:pt>
               </c:numCache>
             </c:numRef>
           </c:cat>
           <c:val>
             <c:numRef>
-              <c:f>Sex!$C$2:$C$12</c:f>
+              <c:f>Sex!$C$2:$C$16</c:f>
               <c:numCache>
                 <c:formatCode>0.0</c:formatCode>
-                <c:ptCount val="11"/>
+                <c:ptCount val="15"/>
                 <c:pt idx="0">
-                  <c:v>6.2</c:v>
+                  <c:v>37.270000000000003</c:v>
                 </c:pt>
                 <c:pt idx="1">
-                  <c:v>5.9</c:v>
+                  <c:v>38.700000000000003</c:v>
                 </c:pt>
                 <c:pt idx="2">
-                  <c:v>5.4</c:v>
+                  <c:v>42.03</c:v>
                 </c:pt>
                 <c:pt idx="3">
-                  <c:v>5.3</c:v>
+                  <c:v>42.31</c:v>
                 </c:pt>
                 <c:pt idx="4">
-                  <c:v>5</c:v>
+                  <c:v>42.86</c:v>
                 </c:pt>
                 <c:pt idx="5">
-                  <c:v>4.9000000000000004</c:v>
+                  <c:v>43.2</c:v>
                 </c:pt>
                 <c:pt idx="6">
-                  <c:v>4.7</c:v>
+                  <c:v>44.51</c:v>
                 </c:pt>
                 <c:pt idx="7">
-                  <c:v>4.7</c:v>
+                  <c:v>36.049999999999997</c:v>
                 </c:pt>
                 <c:pt idx="8">
-                  <c:v>5.0999999999999996</c:v>
+                  <c:v>36.47</c:v>
                 </c:pt>
                 <c:pt idx="9">
-                  <c:v>5.0999999999999996</c:v>
+                  <c:v>36.19</c:v>
                 </c:pt>
                 <c:pt idx="10">
-                  <c:v>5.0999999999999996</c:v>
+                  <c:v>35.56</c:v>
+                </c:pt>
+                <c:pt idx="11">
+                  <c:v>33.9</c:v>
+                </c:pt>
+                <c:pt idx="12">
+                  <c:v>40.090000000000003</c:v>
+                </c:pt>
+                <c:pt idx="13">
+                  <c:v>38.590000000000003</c:v>
+                </c:pt>
+                <c:pt idx="14">
+                  <c:v>37.71</c:v>
                 </c:pt>
               </c:numCache>
             </c:numRef>
@@ -1984,7 +2547,160 @@
           <c:smooth val="0"/>
           <c:extLst>
             <c:ext xmlns:c16="http://schemas.microsoft.com/office/drawing/2014/chart" uri="{C3380CC4-5D6E-409C-BE32-E72D297353CC}">
-              <c16:uniqueId val="{00000001-4263-4461-AF30-1AE0A183E29D}"/>
+              <c16:uniqueId val="{00000001-3E9C-45DA-BB1A-9CB2F7D97A11}"/>
+            </c:ext>
+          </c:extLst>
+        </c:ser>
+        <c:ser>
+          <c:idx val="2"/>
+          <c:order val="2"/>
+          <c:tx>
+            <c:strRef>
+              <c:f>Sex!$D$1</c:f>
+              <c:strCache>
+                <c:ptCount val="1"/>
+                <c:pt idx="0">
+                  <c:v>Female</c:v>
+                </c:pt>
+              </c:strCache>
+            </c:strRef>
+          </c:tx>
+          <c:spPr>
+            <a:ln w="44450" cap="rnd">
+              <a:solidFill>
+                <a:schemeClr val="accent3"/>
+              </a:solidFill>
+              <a:round/>
+            </a:ln>
+            <a:effectLst/>
+          </c:spPr>
+          <c:marker>
+            <c:symbol val="circle"/>
+            <c:size val="5"/>
+            <c:spPr>
+              <a:solidFill>
+                <a:schemeClr val="accent3"/>
+              </a:solidFill>
+              <a:ln w="9525">
+                <a:solidFill>
+                  <a:schemeClr val="accent3"/>
+                </a:solidFill>
+              </a:ln>
+              <a:effectLst/>
+            </c:spPr>
+          </c:marker>
+          <c:cat>
+            <c:numRef>
+              <c:f>Sex!$A$2:$A$16</c:f>
+              <c:numCache>
+                <c:formatCode>General</c:formatCode>
+                <c:ptCount val="15"/>
+                <c:pt idx="0">
+                  <c:v>2009</c:v>
+                </c:pt>
+                <c:pt idx="1">
+                  <c:v>2010</c:v>
+                </c:pt>
+                <c:pt idx="2">
+                  <c:v>2011</c:v>
+                </c:pt>
+                <c:pt idx="3">
+                  <c:v>2012</c:v>
+                </c:pt>
+                <c:pt idx="4">
+                  <c:v>2013</c:v>
+                </c:pt>
+                <c:pt idx="5">
+                  <c:v>2014</c:v>
+                </c:pt>
+                <c:pt idx="6">
+                  <c:v>2015</c:v>
+                </c:pt>
+                <c:pt idx="7">
+                  <c:v>2016</c:v>
+                </c:pt>
+                <c:pt idx="8">
+                  <c:v>2017</c:v>
+                </c:pt>
+                <c:pt idx="9">
+                  <c:v>2018</c:v>
+                </c:pt>
+                <c:pt idx="10">
+                  <c:v>2019</c:v>
+                </c:pt>
+                <c:pt idx="11">
+                  <c:v>2020</c:v>
+                </c:pt>
+                <c:pt idx="12">
+                  <c:v>2021</c:v>
+                </c:pt>
+                <c:pt idx="13">
+                  <c:v>2022</c:v>
+                </c:pt>
+                <c:pt idx="14">
+                  <c:v>2023</c:v>
+                </c:pt>
+              </c:numCache>
+            </c:numRef>
+          </c:cat>
+          <c:val>
+            <c:numRef>
+              <c:f>Sex!$D$2:$D$16</c:f>
+              <c:numCache>
+                <c:formatCode>0.0</c:formatCode>
+                <c:ptCount val="15"/>
+                <c:pt idx="0">
+                  <c:v>26.97</c:v>
+                </c:pt>
+                <c:pt idx="1">
+                  <c:v>28.77</c:v>
+                </c:pt>
+                <c:pt idx="2">
+                  <c:v>31.56</c:v>
+                </c:pt>
+                <c:pt idx="3">
+                  <c:v>32.39</c:v>
+                </c:pt>
+                <c:pt idx="4">
+                  <c:v>33.5</c:v>
+                </c:pt>
+                <c:pt idx="5">
+                  <c:v>33.79</c:v>
+                </c:pt>
+                <c:pt idx="6">
+                  <c:v>34.75</c:v>
+                </c:pt>
+                <c:pt idx="7">
+                  <c:v>27.05</c:v>
+                </c:pt>
+                <c:pt idx="8">
+                  <c:v>27.14</c:v>
+                </c:pt>
+                <c:pt idx="9">
+                  <c:v>27.98</c:v>
+                </c:pt>
+                <c:pt idx="10">
+                  <c:v>28.1</c:v>
+                </c:pt>
+                <c:pt idx="11">
+                  <c:v>25.86</c:v>
+                </c:pt>
+                <c:pt idx="12">
+                  <c:v>31.67</c:v>
+                </c:pt>
+                <c:pt idx="13">
+                  <c:v>31.85</c:v>
+                </c:pt>
+                <c:pt idx="14">
+                  <c:v>32.39</c:v>
+                </c:pt>
+              </c:numCache>
+            </c:numRef>
+          </c:val>
+          <c:smooth val="0"/>
+          <c:extLst>
+            <c:ext xmlns:c16="http://schemas.microsoft.com/office/drawing/2014/chart" uri="{C3380CC4-5D6E-409C-BE32-E72D297353CC}">
+              <c16:uniqueId val="{00000002-3E9C-45DA-BB1A-9CB2F7D97A11}"/>
             </c:ext>
           </c:extLst>
         </c:ser>
@@ -1998,11 +2714,11 @@
         </c:dLbls>
         <c:marker val="1"/>
         <c:smooth val="0"/>
-        <c:axId val="498086592"/>
-        <c:axId val="498089088"/>
+        <c:axId val="541925695"/>
+        <c:axId val="541928191"/>
       </c:lineChart>
       <c:catAx>
-        <c:axId val="498086592"/>
+        <c:axId val="541925695"/>
         <c:scaling>
           <c:orientation val="minMax"/>
         </c:scaling>
@@ -2030,30 +2746,30 @@
           <a:lstStyle/>
           <a:p>
             <a:pPr>
-              <a:defRPr sz="2300" b="0" i="0" u="none" strike="noStrike" kern="1200" baseline="0">
+              <a:defRPr sz="2400" b="0" i="0" u="none" strike="noStrike" kern="1200" baseline="0">
                 <a:solidFill>
-                  <a:sysClr val="windowText" lastClr="000000"/>
+                  <a:schemeClr val="tx1"/>
                 </a:solidFill>
-                <a:latin typeface="Calibri" panose="020F0502020204030204" pitchFamily="34" charset="0"/>
+                <a:latin typeface="+mn-lt"/>
                 <a:ea typeface="+mn-ea"/>
-                <a:cs typeface="Calibri" panose="020F0502020204030204" pitchFamily="34" charset="0"/>
+                <a:cs typeface="+mn-cs"/>
               </a:defRPr>
             </a:pPr>
             <a:endParaRPr lang="en-US"/>
           </a:p>
         </c:txPr>
-        <c:crossAx val="498089088"/>
+        <c:crossAx val="541928191"/>
         <c:crosses val="autoZero"/>
         <c:auto val="1"/>
         <c:lblAlgn val="ctr"/>
         <c:lblOffset val="100"/>
+        <c:tickLblSkip val="2"/>
         <c:noMultiLvlLbl val="0"/>
       </c:catAx>
       <c:valAx>
-        <c:axId val="498089088"/>
+        <c:axId val="541928191"/>
         <c:scaling>
           <c:orientation val="minMax"/>
-          <c:max val="10"/>
         </c:scaling>
         <c:delete val="0"/>
         <c:axPos val="l"/>
@@ -2080,33 +2796,20 @@
                 <a:pPr>
                   <a:defRPr sz="2400" b="0" i="0" u="none" strike="noStrike" kern="1200" baseline="0">
                     <a:solidFill>
-                      <a:sysClr val="windowText" lastClr="000000"/>
+                      <a:schemeClr val="tx1"/>
                     </a:solidFill>
-                    <a:latin typeface="Calibri" panose="020F0502020204030204" pitchFamily="34" charset="0"/>
+                    <a:latin typeface="+mn-lt"/>
                     <a:ea typeface="+mn-ea"/>
-                    <a:cs typeface="Calibri" panose="020F0502020204030204" pitchFamily="34" charset="0"/>
+                    <a:cs typeface="+mn-cs"/>
                   </a:defRPr>
                 </a:pPr>
                 <a:r>
-                  <a:rPr lang="en-US" sz="2400" b="0" i="0" baseline="0">
-                    <a:effectLst/>
-                  </a:rPr>
-                  <a:t>CKD Stages 3–5 (%)</a:t>
+                  <a:rPr lang="en-US"/>
+                  <a:t>Adults with CKD Stages 3-5 and ICD-9 or 10 code (%)</a:t>
                 </a:r>
-                <a:endParaRPr lang="en-US" sz="2400">
-                  <a:effectLst/>
-                </a:endParaRPr>
               </a:p>
             </c:rich>
           </c:tx>
-          <c:layout>
-            <c:manualLayout>
-              <c:xMode val="edge"/>
-              <c:yMode val="edge"/>
-              <c:x val="0"/>
-              <c:y val="0.12027499231706065"/>
-            </c:manualLayout>
-          </c:layout>
           <c:overlay val="0"/>
           <c:spPr>
             <a:noFill/>
@@ -2122,11 +2825,11 @@
               <a:pPr>
                 <a:defRPr sz="2400" b="0" i="0" u="none" strike="noStrike" kern="1200" baseline="0">
                   <a:solidFill>
-                    <a:sysClr val="windowText" lastClr="000000"/>
+                    <a:schemeClr val="tx1"/>
                   </a:solidFill>
-                  <a:latin typeface="Calibri" panose="020F0502020204030204" pitchFamily="34" charset="0"/>
+                  <a:latin typeface="+mn-lt"/>
                   <a:ea typeface="+mn-ea"/>
-                  <a:cs typeface="Calibri" panose="020F0502020204030204" pitchFamily="34" charset="0"/>
+                  <a:cs typeface="+mn-cs"/>
                 </a:defRPr>
               </a:pPr>
               <a:endParaRPr lang="en-US"/>
@@ -2149,19 +2852,19 @@
           <a:lstStyle/>
           <a:p>
             <a:pPr>
-              <a:defRPr sz="2300" b="0" i="0" u="none" strike="noStrike" kern="1200" baseline="0">
+              <a:defRPr sz="2400" b="0" i="0" u="none" strike="noStrike" kern="1200" baseline="0">
                 <a:solidFill>
-                  <a:sysClr val="windowText" lastClr="000000"/>
+                  <a:schemeClr val="tx1"/>
                 </a:solidFill>
-                <a:latin typeface="Calibri" panose="020F0502020204030204" pitchFamily="34" charset="0"/>
+                <a:latin typeface="+mn-lt"/>
                 <a:ea typeface="+mn-ea"/>
-                <a:cs typeface="Calibri" panose="020F0502020204030204" pitchFamily="34" charset="0"/>
+                <a:cs typeface="+mn-cs"/>
               </a:defRPr>
             </a:pPr>
             <a:endParaRPr lang="en-US"/>
           </a:p>
         </c:txPr>
-        <c:crossAx val="498086592"/>
+        <c:crossAx val="541925695"/>
         <c:crosses val="autoZero"/>
         <c:crossBetween val="between"/>
       </c:valAx>
@@ -2175,16 +2878,6 @@
     </c:plotArea>
     <c:legend>
       <c:legendPos val="b"/>
-      <c:layout>
-        <c:manualLayout>
-          <c:xMode val="edge"/>
-          <c:yMode val="edge"/>
-          <c:x val="0.41863951771653546"/>
-          <c:y val="0.90741520627585481"/>
-          <c:w val="0.19813763123359579"/>
-          <c:h val="8.7230975925103885E-2"/>
-        </c:manualLayout>
-      </c:layout>
       <c:overlay val="0"/>
       <c:spPr>
         <a:noFill/>
@@ -2198,9 +2891,9 @@
         <a:lstStyle/>
         <a:p>
           <a:pPr>
-            <a:defRPr sz="2200" b="0" i="0" u="none" strike="noStrike" kern="1200" baseline="0">
+            <a:defRPr sz="2400" b="0" i="0" u="none" strike="noStrike" kern="1200" baseline="0">
               <a:solidFill>
-                <a:sysClr val="windowText" lastClr="000000"/>
+                <a:schemeClr val="tx1"/>
               </a:solidFill>
               <a:latin typeface="+mn-lt"/>
               <a:ea typeface="+mn-ea"/>
@@ -2223,12 +2916,9 @@
     <c:showDLblsOverMax val="0"/>
   </c:chart>
   <c:spPr>
-    <a:solidFill>
-      <a:schemeClr val="bg1"/>
-    </a:solidFill>
-    <a:ln w="9525" cap="flat" cmpd="sng" algn="ctr">
+    <a:noFill/>
+    <a:ln>
       <a:noFill/>
-      <a:round/>
     </a:ln>
     <a:effectLst/>
   </c:spPr>
@@ -2237,7 +2927,11 @@
     <a:lstStyle/>
     <a:p>
       <a:pPr>
-        <a:defRPr/>
+        <a:defRPr sz="2400">
+          <a:solidFill>
+            <a:schemeClr val="tx1"/>
+          </a:solidFill>
+        </a:defRPr>
       </a:pPr>
       <a:endParaRPr lang="en-US"/>
     </a:p>
@@ -2273,11 +2967,11 @@
           <c:order val="0"/>
           <c:tx>
             <c:strRef>
-              <c:f>Sex!$B$21</c:f>
+              <c:f>Sex!$B$22</c:f>
               <c:strCache>
                 <c:ptCount val="1"/>
                 <c:pt idx="0">
-                  <c:v>Male</c:v>
+                  <c:v>Overall</c:v>
                 </c:pt>
               </c:strCache>
             </c:strRef>
@@ -2285,7 +2979,161 @@
           <c:spPr>
             <a:ln w="44450" cap="rnd">
               <a:solidFill>
-                <a:srgbClr val="990099"/>
+                <a:schemeClr val="tx1"/>
+              </a:solidFill>
+              <a:prstDash val="sysDash"/>
+              <a:round/>
+            </a:ln>
+            <a:effectLst/>
+          </c:spPr>
+          <c:marker>
+            <c:symbol val="circle"/>
+            <c:size val="5"/>
+            <c:spPr>
+              <a:solidFill>
+                <a:schemeClr val="tx1"/>
+              </a:solidFill>
+              <a:ln w="9525">
+                <a:solidFill>
+                  <a:schemeClr val="tx1"/>
+                </a:solidFill>
+              </a:ln>
+              <a:effectLst/>
+            </c:spPr>
+          </c:marker>
+          <c:cat>
+            <c:numRef>
+              <c:f>Sex!$A$23:$A$37</c:f>
+              <c:numCache>
+                <c:formatCode>General</c:formatCode>
+                <c:ptCount val="15"/>
+                <c:pt idx="0">
+                  <c:v>2009</c:v>
+                </c:pt>
+                <c:pt idx="1">
+                  <c:v>2010</c:v>
+                </c:pt>
+                <c:pt idx="2">
+                  <c:v>2011</c:v>
+                </c:pt>
+                <c:pt idx="3">
+                  <c:v>2012</c:v>
+                </c:pt>
+                <c:pt idx="4">
+                  <c:v>2013</c:v>
+                </c:pt>
+                <c:pt idx="5">
+                  <c:v>2014</c:v>
+                </c:pt>
+                <c:pt idx="6">
+                  <c:v>2015</c:v>
+                </c:pt>
+                <c:pt idx="7">
+                  <c:v>2016</c:v>
+                </c:pt>
+                <c:pt idx="8">
+                  <c:v>2017</c:v>
+                </c:pt>
+                <c:pt idx="9">
+                  <c:v>2018</c:v>
+                </c:pt>
+                <c:pt idx="10">
+                  <c:v>2019</c:v>
+                </c:pt>
+                <c:pt idx="11">
+                  <c:v>2020</c:v>
+                </c:pt>
+                <c:pt idx="12">
+                  <c:v>2021</c:v>
+                </c:pt>
+                <c:pt idx="13">
+                  <c:v>2022</c:v>
+                </c:pt>
+                <c:pt idx="14">
+                  <c:v>2023</c:v>
+                </c:pt>
+              </c:numCache>
+            </c:numRef>
+          </c:cat>
+          <c:val>
+            <c:numRef>
+              <c:f>Sex!$B$23:$B$37</c:f>
+              <c:numCache>
+                <c:formatCode>0.0</c:formatCode>
+                <c:ptCount val="15"/>
+                <c:pt idx="0">
+                  <c:v>29.73</c:v>
+                </c:pt>
+                <c:pt idx="1">
+                  <c:v>31.65</c:v>
+                </c:pt>
+                <c:pt idx="2">
+                  <c:v>34.69</c:v>
+                </c:pt>
+                <c:pt idx="3">
+                  <c:v>35.270000000000003</c:v>
+                </c:pt>
+                <c:pt idx="4">
+                  <c:v>36.46</c:v>
+                </c:pt>
+                <c:pt idx="5">
+                  <c:v>36.6</c:v>
+                </c:pt>
+                <c:pt idx="6">
+                  <c:v>37.76</c:v>
+                </c:pt>
+                <c:pt idx="7">
+                  <c:v>30.07</c:v>
+                </c:pt>
+                <c:pt idx="8">
+                  <c:v>30.18</c:v>
+                </c:pt>
+                <c:pt idx="9">
+                  <c:v>29.59</c:v>
+                </c:pt>
+                <c:pt idx="10">
+                  <c:v>28.53</c:v>
+                </c:pt>
+                <c:pt idx="11">
+                  <c:v>28.51</c:v>
+                </c:pt>
+                <c:pt idx="12">
+                  <c:v>32.14</c:v>
+                </c:pt>
+                <c:pt idx="13">
+                  <c:v>31.62</c:v>
+                </c:pt>
+                <c:pt idx="14">
+                  <c:v>30.73</c:v>
+                </c:pt>
+              </c:numCache>
+            </c:numRef>
+          </c:val>
+          <c:smooth val="0"/>
+          <c:extLst>
+            <c:ext xmlns:c16="http://schemas.microsoft.com/office/drawing/2014/chart" uri="{C3380CC4-5D6E-409C-BE32-E72D297353CC}">
+              <c16:uniqueId val="{00000000-5C14-474F-B8B4-930C0C32DCB3}"/>
+            </c:ext>
+          </c:extLst>
+        </c:ser>
+        <c:ser>
+          <c:idx val="1"/>
+          <c:order val="1"/>
+          <c:tx>
+            <c:strRef>
+              <c:f>Sex!$C$22</c:f>
+              <c:strCache>
+                <c:ptCount val="1"/>
+                <c:pt idx="0">
+                  <c:v>Male</c:v>
+                </c:pt>
+              </c:strCache>
+            </c:strRef>
+          </c:tx>
+          <c:spPr>
+            <a:ln w="44450" cap="rnd">
+              <a:solidFill>
+                <a:schemeClr val="accent2"/>
               </a:solidFill>
               <a:round/>
             </a:ln>
@@ -2296,11 +3144,11 @@
             <c:size val="5"/>
             <c:spPr>
               <a:solidFill>
-                <a:srgbClr val="990099"/>
+                <a:schemeClr val="accent2"/>
               </a:solidFill>
-              <a:ln w="44450">
+              <a:ln w="9525">
                 <a:solidFill>
-                  <a:srgbClr val="990099"/>
+                  <a:schemeClr val="accent2"/>
                 </a:solidFill>
               </a:ln>
               <a:effectLst/>
@@ -2308,10 +3156,10 @@
           </c:marker>
           <c:cat>
             <c:numRef>
-              <c:f>Sex!$A$22:$A$32</c:f>
+              <c:f>Sex!$A$23:$A$37</c:f>
               <c:numCache>
                 <c:formatCode>General</c:formatCode>
-                <c:ptCount val="11"/>
+                <c:ptCount val="15"/>
                 <c:pt idx="0">
                   <c:v>2009</c:v>
                 </c:pt>
@@ -2344,48 +3192,72 @@
                 </c:pt>
                 <c:pt idx="10">
                   <c:v>2019</c:v>
+                </c:pt>
+                <c:pt idx="11">
+                  <c:v>2020</c:v>
+                </c:pt>
+                <c:pt idx="12">
+                  <c:v>2021</c:v>
+                </c:pt>
+                <c:pt idx="13">
+                  <c:v>2022</c:v>
+                </c:pt>
+                <c:pt idx="14">
+                  <c:v>2023</c:v>
                 </c:pt>
               </c:numCache>
             </c:numRef>
           </c:cat>
           <c:val>
             <c:numRef>
-              <c:f>Sex!$B$22:$B$32</c:f>
+              <c:f>Sex!$C$23:$C$37</c:f>
               <c:numCache>
                 <c:formatCode>0.0</c:formatCode>
-                <c:ptCount val="11"/>
+                <c:ptCount val="15"/>
                 <c:pt idx="0">
-                  <c:v>7.7</c:v>
+                  <c:v>32.201799999999999</c:v>
                 </c:pt>
                 <c:pt idx="1">
-                  <c:v>7.4</c:v>
+                  <c:v>33.734299999999998</c:v>
                 </c:pt>
                 <c:pt idx="2">
-                  <c:v>6.8</c:v>
+                  <c:v>36.997399999999999</c:v>
                 </c:pt>
                 <c:pt idx="3">
-                  <c:v>6.9</c:v>
+                  <c:v>37.340800000000002</c:v>
                 </c:pt>
                 <c:pt idx="4">
-                  <c:v>6.5</c:v>
+                  <c:v>37.836300000000001</c:v>
                 </c:pt>
                 <c:pt idx="5">
-                  <c:v>6.4</c:v>
+                  <c:v>37.292499999999997</c:v>
                 </c:pt>
                 <c:pt idx="6">
-                  <c:v>6.2</c:v>
+                  <c:v>38.416600000000003</c:v>
                 </c:pt>
                 <c:pt idx="7">
-                  <c:v>6.3</c:v>
+                  <c:v>31.25</c:v>
                 </c:pt>
                 <c:pt idx="8">
-                  <c:v>6.5</c:v>
+                  <c:v>30.77</c:v>
                 </c:pt>
                 <c:pt idx="9">
-                  <c:v>6.5</c:v>
+                  <c:v>29.66</c:v>
                 </c:pt>
                 <c:pt idx="10">
-                  <c:v>6.6</c:v>
+                  <c:v>28.51</c:v>
+                </c:pt>
+                <c:pt idx="11">
+                  <c:v>28.3</c:v>
+                </c:pt>
+                <c:pt idx="12">
+                  <c:v>32.17</c:v>
+                </c:pt>
+                <c:pt idx="13">
+                  <c:v>31.05</c:v>
+                </c:pt>
+                <c:pt idx="14">
+                  <c:v>30.25</c:v>
                 </c:pt>
               </c:numCache>
             </c:numRef>
@@ -2393,16 +3265,16 @@
           <c:smooth val="0"/>
           <c:extLst>
             <c:ext xmlns:c16="http://schemas.microsoft.com/office/drawing/2014/chart" uri="{C3380CC4-5D6E-409C-BE32-E72D297353CC}">
-              <c16:uniqueId val="{00000000-7D98-4787-AFD1-B63D6B10FD22}"/>
+              <c16:uniqueId val="{00000001-5C14-474F-B8B4-930C0C32DCB3}"/>
             </c:ext>
           </c:extLst>
         </c:ser>
         <c:ser>
-          <c:idx val="1"/>
-          <c:order val="1"/>
+          <c:idx val="2"/>
+          <c:order val="2"/>
           <c:tx>
             <c:strRef>
-              <c:f>Sex!$C$21</c:f>
+              <c:f>Sex!$D$22</c:f>
               <c:strCache>
                 <c:ptCount val="1"/>
                 <c:pt idx="0">
@@ -2414,7 +3286,7 @@
           <c:spPr>
             <a:ln w="44450" cap="rnd">
               <a:solidFill>
-                <a:srgbClr val="008080"/>
+                <a:schemeClr val="accent3"/>
               </a:solidFill>
               <a:round/>
             </a:ln>
@@ -2425,11 +3297,11 @@
             <c:size val="5"/>
             <c:spPr>
               <a:solidFill>
-                <a:srgbClr val="008080"/>
+                <a:schemeClr val="accent3"/>
               </a:solidFill>
-              <a:ln w="44450">
+              <a:ln w="9525">
                 <a:solidFill>
-                  <a:srgbClr val="008080"/>
+                  <a:schemeClr val="accent3"/>
                 </a:solidFill>
               </a:ln>
               <a:effectLst/>
@@ -2437,10 +3309,10 @@
           </c:marker>
           <c:cat>
             <c:numRef>
-              <c:f>Sex!$A$22:$A$32</c:f>
+              <c:f>Sex!$A$23:$A$37</c:f>
               <c:numCache>
                 <c:formatCode>General</c:formatCode>
-                <c:ptCount val="11"/>
+                <c:ptCount val="15"/>
                 <c:pt idx="0">
                   <c:v>2009</c:v>
                 </c:pt>
@@ -2473,48 +3345,72 @@
                 </c:pt>
                 <c:pt idx="10">
                   <c:v>2019</c:v>
+                </c:pt>
+                <c:pt idx="11">
+                  <c:v>2020</c:v>
+                </c:pt>
+                <c:pt idx="12">
+                  <c:v>2021</c:v>
+                </c:pt>
+                <c:pt idx="13">
+                  <c:v>2022</c:v>
+                </c:pt>
+                <c:pt idx="14">
+                  <c:v>2023</c:v>
                 </c:pt>
               </c:numCache>
             </c:numRef>
           </c:cat>
           <c:val>
             <c:numRef>
-              <c:f>Sex!$C$22:$C$32</c:f>
+              <c:f>Sex!$D$23:$D$37</c:f>
               <c:numCache>
                 <c:formatCode>0.0</c:formatCode>
-                <c:ptCount val="11"/>
+                <c:ptCount val="15"/>
                 <c:pt idx="0">
-                  <c:v>8.3000000000000007</c:v>
+                  <c:v>27.5535</c:v>
                 </c:pt>
                 <c:pt idx="1">
-                  <c:v>7.8</c:v>
+                  <c:v>29.956099999999999</c:v>
                 </c:pt>
                 <c:pt idx="2">
-                  <c:v>7.2</c:v>
+                  <c:v>32.755299999999998</c:v>
                 </c:pt>
                 <c:pt idx="3">
-                  <c:v>7.2</c:v>
+                  <c:v>33.5563</c:v>
                 </c:pt>
                 <c:pt idx="4">
-                  <c:v>6.6</c:v>
+                  <c:v>35.301200000000001</c:v>
                 </c:pt>
                 <c:pt idx="5">
-                  <c:v>6.3</c:v>
+                  <c:v>36.331600000000002</c:v>
                 </c:pt>
                 <c:pt idx="6">
-                  <c:v>6</c:v>
+                  <c:v>37.752699999999997</c:v>
                 </c:pt>
                 <c:pt idx="7">
-                  <c:v>6</c:v>
+                  <c:v>29.32</c:v>
                 </c:pt>
                 <c:pt idx="8">
-                  <c:v>6.3</c:v>
+                  <c:v>30.53</c:v>
                 </c:pt>
                 <c:pt idx="9">
-                  <c:v>6.2</c:v>
+                  <c:v>30.17</c:v>
                 </c:pt>
                 <c:pt idx="10">
-                  <c:v>6.2</c:v>
+                  <c:v>29.75</c:v>
+                </c:pt>
+                <c:pt idx="11">
+                  <c:v>29.92</c:v>
+                </c:pt>
+                <c:pt idx="12">
+                  <c:v>33.4</c:v>
+                </c:pt>
+                <c:pt idx="13">
+                  <c:v>33.5</c:v>
+                </c:pt>
+                <c:pt idx="14">
+                  <c:v>32.590000000000003</c:v>
                 </c:pt>
               </c:numCache>
             </c:numRef>
@@ -2522,7 +3418,7 @@
           <c:smooth val="0"/>
           <c:extLst>
             <c:ext xmlns:c16="http://schemas.microsoft.com/office/drawing/2014/chart" uri="{C3380CC4-5D6E-409C-BE32-E72D297353CC}">
-              <c16:uniqueId val="{00000001-7D98-4787-AFD1-B63D6B10FD22}"/>
+              <c16:uniqueId val="{00000002-5C14-474F-B8B4-930C0C32DCB3}"/>
             </c:ext>
           </c:extLst>
         </c:ser>
@@ -2536,11 +3432,11 @@
         </c:dLbls>
         <c:marker val="1"/>
         <c:smooth val="0"/>
-        <c:axId val="492715488"/>
-        <c:axId val="492717568"/>
+        <c:axId val="590515887"/>
+        <c:axId val="590516719"/>
       </c:lineChart>
       <c:catAx>
-        <c:axId val="492715488"/>
+        <c:axId val="590515887"/>
         <c:scaling>
           <c:orientation val="minMax"/>
         </c:scaling>
@@ -2568,30 +3464,31 @@
           <a:lstStyle/>
           <a:p>
             <a:pPr>
-              <a:defRPr sz="2300" b="0" i="0" u="none" strike="noStrike" kern="1200" baseline="0">
+              <a:defRPr sz="2400" b="0" i="0" u="none" strike="noStrike" kern="1200" baseline="0">
                 <a:solidFill>
-                  <a:sysClr val="windowText" lastClr="000000"/>
+                  <a:schemeClr val="tx1"/>
                 </a:solidFill>
-                <a:latin typeface="Calibri" panose="020F0502020204030204" pitchFamily="34" charset="0"/>
+                <a:latin typeface="+mn-lt"/>
                 <a:ea typeface="+mn-ea"/>
-                <a:cs typeface="Calibri" panose="020F0502020204030204" pitchFamily="34" charset="0"/>
+                <a:cs typeface="+mn-cs"/>
               </a:defRPr>
             </a:pPr>
             <a:endParaRPr lang="en-US"/>
           </a:p>
         </c:txPr>
-        <c:crossAx val="492717568"/>
+        <c:crossAx val="590516719"/>
         <c:crosses val="autoZero"/>
         <c:auto val="1"/>
         <c:lblAlgn val="ctr"/>
         <c:lblOffset val="100"/>
+        <c:tickLblSkip val="2"/>
         <c:noMultiLvlLbl val="0"/>
       </c:catAx>
       <c:valAx>
-        <c:axId val="492717568"/>
+        <c:axId val="590516719"/>
         <c:scaling>
           <c:orientation val="minMax"/>
-          <c:max val="10"/>
+          <c:max val="50"/>
         </c:scaling>
         <c:delete val="0"/>
         <c:axPos val="l"/>
@@ -2618,33 +3515,20 @@
                 <a:pPr>
                   <a:defRPr sz="2400" b="0" i="0" u="none" strike="noStrike" kern="1200" baseline="0">
                     <a:solidFill>
-                      <a:sysClr val="windowText" lastClr="000000"/>
+                      <a:schemeClr val="tx1"/>
                     </a:solidFill>
-                    <a:latin typeface="Calibri" panose="020F0502020204030204" pitchFamily="34" charset="0"/>
+                    <a:latin typeface="+mn-lt"/>
                     <a:ea typeface="+mn-ea"/>
-                    <a:cs typeface="Calibri" panose="020F0502020204030204" pitchFamily="34" charset="0"/>
+                    <a:cs typeface="+mn-cs"/>
                   </a:defRPr>
                 </a:pPr>
                 <a:r>
-                  <a:rPr lang="en-US" sz="2400" b="0" i="0" baseline="0">
-                    <a:effectLst/>
-                  </a:rPr>
-                  <a:t>CKD Stages 3–5 (%)</a:t>
+                  <a:rPr lang="en-US"/>
+                  <a:t>Adults with CKD Stages 3-5 and ICD-9 or 10 code (%)</a:t>
                 </a:r>
-                <a:endParaRPr lang="en-US" sz="2400">
-                  <a:effectLst/>
-                </a:endParaRPr>
               </a:p>
             </c:rich>
           </c:tx>
-          <c:layout>
-            <c:manualLayout>
-              <c:xMode val="edge"/>
-              <c:yMode val="edge"/>
-              <c:x val="0"/>
-              <c:y val="0.12874006983644559"/>
-            </c:manualLayout>
-          </c:layout>
           <c:overlay val="0"/>
           <c:spPr>
             <a:noFill/>
@@ -2660,11 +3544,11 @@
               <a:pPr>
                 <a:defRPr sz="2400" b="0" i="0" u="none" strike="noStrike" kern="1200" baseline="0">
                   <a:solidFill>
-                    <a:sysClr val="windowText" lastClr="000000"/>
+                    <a:schemeClr val="tx1"/>
                   </a:solidFill>
-                  <a:latin typeface="Calibri" panose="020F0502020204030204" pitchFamily="34" charset="0"/>
+                  <a:latin typeface="+mn-lt"/>
                   <a:ea typeface="+mn-ea"/>
-                  <a:cs typeface="Calibri" panose="020F0502020204030204" pitchFamily="34" charset="0"/>
+                  <a:cs typeface="+mn-cs"/>
                 </a:defRPr>
               </a:pPr>
               <a:endParaRPr lang="en-US"/>
@@ -2687,19 +3571,19 @@
           <a:lstStyle/>
           <a:p>
             <a:pPr>
-              <a:defRPr sz="2300" b="0" i="0" u="none" strike="noStrike" kern="1200" baseline="0">
+              <a:defRPr sz="2400" b="0" i="0" u="none" strike="noStrike" kern="1200" baseline="0">
                 <a:solidFill>
-                  <a:sysClr val="windowText" lastClr="000000"/>
+                  <a:schemeClr val="tx1"/>
                 </a:solidFill>
-                <a:latin typeface="Calibri" panose="020F0502020204030204" pitchFamily="34" charset="0"/>
+                <a:latin typeface="+mn-lt"/>
                 <a:ea typeface="+mn-ea"/>
-                <a:cs typeface="Calibri" panose="020F0502020204030204" pitchFamily="34" charset="0"/>
+                <a:cs typeface="+mn-cs"/>
               </a:defRPr>
             </a:pPr>
             <a:endParaRPr lang="en-US"/>
           </a:p>
         </c:txPr>
-        <c:crossAx val="492715488"/>
+        <c:crossAx val="590515887"/>
         <c:crosses val="autoZero"/>
         <c:crossBetween val="between"/>
       </c:valAx>
@@ -2713,16 +3597,6 @@
     </c:plotArea>
     <c:legend>
       <c:legendPos val="b"/>
-      <c:layout>
-        <c:manualLayout>
-          <c:xMode val="edge"/>
-          <c:yMode val="edge"/>
-          <c:x val="0.41863947003276503"/>
-          <c:y val="0.91083928106713241"/>
-          <c:w val="0.19813764748504326"/>
-          <c:h val="8.6506056080275326E-2"/>
-        </c:manualLayout>
-      </c:layout>
       <c:overlay val="0"/>
       <c:spPr>
         <a:noFill/>
@@ -2736,9 +3610,9 @@
         <a:lstStyle/>
         <a:p>
           <a:pPr>
-            <a:defRPr sz="2200" b="0" i="0" u="none" strike="noStrike" kern="1200" baseline="0">
+            <a:defRPr sz="2400" b="0" i="0" u="none" strike="noStrike" kern="1200" baseline="0">
               <a:solidFill>
-                <a:sysClr val="windowText" lastClr="000000"/>
+                <a:schemeClr val="tx1"/>
               </a:solidFill>
               <a:latin typeface="+mn-lt"/>
               <a:ea typeface="+mn-ea"/>
@@ -2761,12 +3635,9 @@
     <c:showDLblsOverMax val="0"/>
   </c:chart>
   <c:spPr>
-    <a:solidFill>
-      <a:schemeClr val="bg1"/>
-    </a:solidFill>
-    <a:ln w="9525" cap="flat" cmpd="sng" algn="ctr">
+    <a:noFill/>
+    <a:ln>
       <a:noFill/>
-      <a:round/>
     </a:ln>
     <a:effectLst/>
   </c:spPr>
@@ -2775,7 +3646,11 @@
     <a:lstStyle/>
     <a:p>
       <a:pPr>
-        <a:defRPr/>
+        <a:defRPr sz="2400">
+          <a:solidFill>
+            <a:schemeClr val="tx1"/>
+          </a:solidFill>
+        </a:defRPr>
       </a:pPr>
       <a:endParaRPr lang="en-US"/>
     </a:p>
@@ -2807,10 +3682,10 @@
           <c:layoutTarget val="inner"/>
           <c:xMode val="edge"/>
           <c:yMode val="edge"/>
-          <c:x val="8.9377542650918657E-2"/>
-          <c:y val="4.4079342817070724E-2"/>
-          <c:w val="0.88454683398950118"/>
-          <c:h val="0.73534831556622182"/>
+          <c:x val="0.11691224846894137"/>
+          <c:y val="7.7972709551656916E-2"/>
+          <c:w val="0.88308775153105856"/>
+          <c:h val="0.47675984251968506"/>
         </c:manualLayout>
       </c:layout>
       <c:lineChart>
@@ -2825,16 +3700,17 @@
               <c:strCache>
                 <c:ptCount val="1"/>
                 <c:pt idx="0">
-                  <c:v>White</c:v>
+                  <c:v>Overall</c:v>
                 </c:pt>
               </c:strCache>
             </c:strRef>
           </c:tx>
           <c:spPr>
-            <a:ln w="44450" cap="rnd">
+            <a:ln w="28575" cap="rnd">
               <a:solidFill>
-                <a:schemeClr val="accent1"/>
+                <a:schemeClr val="tx1"/>
               </a:solidFill>
+              <a:prstDash val="sysDash"/>
               <a:round/>
             </a:ln>
             <a:effectLst/>
@@ -2844,11 +3720,11 @@
             <c:size val="5"/>
             <c:spPr>
               <a:solidFill>
-                <a:schemeClr val="accent1"/>
+                <a:schemeClr val="tx1"/>
               </a:solidFill>
-              <a:ln w="44450">
+              <a:ln w="9525">
                 <a:solidFill>
-                  <a:schemeClr val="accent1"/>
+                  <a:schemeClr val="tx1"/>
                 </a:solidFill>
               </a:ln>
               <a:effectLst/>
@@ -2856,10 +3732,10 @@
           </c:marker>
           <c:cat>
             <c:numRef>
-              <c:f>Race!$A$2:$A$12</c:f>
+              <c:f>Race!$A$2:$A$16</c:f>
               <c:numCache>
                 <c:formatCode>General</c:formatCode>
-                <c:ptCount val="11"/>
+                <c:ptCount val="15"/>
                 <c:pt idx="0">
                   <c:v>2009</c:v>
                 </c:pt>
@@ -2892,48 +3768,72 @@
                 </c:pt>
                 <c:pt idx="10">
                   <c:v>2019</c:v>
+                </c:pt>
+                <c:pt idx="11">
+                  <c:v>2020</c:v>
+                </c:pt>
+                <c:pt idx="12">
+                  <c:v>2021</c:v>
+                </c:pt>
+                <c:pt idx="13">
+                  <c:v>2022</c:v>
+                </c:pt>
+                <c:pt idx="14">
+                  <c:v>2023</c:v>
                 </c:pt>
               </c:numCache>
             </c:numRef>
           </c:cat>
           <c:val>
             <c:numRef>
-              <c:f>Race!$B$2:$B$12</c:f>
+              <c:f>Race!$B$2:$B$16</c:f>
               <c:numCache>
                 <c:formatCode>0.0</c:formatCode>
-                <c:ptCount val="11"/>
+                <c:ptCount val="15"/>
                 <c:pt idx="0">
-                  <c:v>2.6</c:v>
+                  <c:v>31.92</c:v>
                 </c:pt>
                 <c:pt idx="1">
-                  <c:v>2.6</c:v>
+                  <c:v>33.619999999999997</c:v>
                 </c:pt>
                 <c:pt idx="2">
-                  <c:v>2.1</c:v>
+                  <c:v>36.68</c:v>
                 </c:pt>
                 <c:pt idx="3">
-                  <c:v>2.2999999999999998</c:v>
+                  <c:v>37.28</c:v>
                 </c:pt>
                 <c:pt idx="4">
-                  <c:v>2.2000000000000002</c:v>
+                  <c:v>38.19</c:v>
                 </c:pt>
                 <c:pt idx="5">
-                  <c:v>2.2999999999999998</c:v>
+                  <c:v>38.57</c:v>
                 </c:pt>
                 <c:pt idx="6">
-                  <c:v>2.2000000000000002</c:v>
+                  <c:v>39.729999999999997</c:v>
                 </c:pt>
                 <c:pt idx="7">
-                  <c:v>2.5</c:v>
+                  <c:v>31.7</c:v>
                 </c:pt>
                 <c:pt idx="8">
-                  <c:v>2.7</c:v>
+                  <c:v>31.95</c:v>
                 </c:pt>
                 <c:pt idx="9">
-                  <c:v>2.8</c:v>
+                  <c:v>32.22</c:v>
                 </c:pt>
                 <c:pt idx="10">
-                  <c:v>2.9</c:v>
+                  <c:v>32.020000000000003</c:v>
+                </c:pt>
+                <c:pt idx="11">
+                  <c:v>30.05</c:v>
+                </c:pt>
+                <c:pt idx="12">
+                  <c:v>36.04</c:v>
+                </c:pt>
+                <c:pt idx="13">
+                  <c:v>35.340000000000003</c:v>
+                </c:pt>
+                <c:pt idx="14">
+                  <c:v>35.15</c:v>
                 </c:pt>
               </c:numCache>
             </c:numRef>
@@ -2941,7 +3841,7 @@
           <c:smooth val="0"/>
           <c:extLst>
             <c:ext xmlns:c16="http://schemas.microsoft.com/office/drawing/2014/chart" uri="{C3380CC4-5D6E-409C-BE32-E72D297353CC}">
-              <c16:uniqueId val="{00000000-13EF-4859-8765-51089D079258}"/>
+              <c16:uniqueId val="{00000000-9889-49E1-BF65-3D5027098245}"/>
             </c:ext>
           </c:extLst>
         </c:ser>
@@ -2954,15 +3854,15 @@
               <c:strCache>
                 <c:ptCount val="1"/>
                 <c:pt idx="0">
-                  <c:v>Black</c:v>
+                  <c:v>White</c:v>
                 </c:pt>
               </c:strCache>
             </c:strRef>
           </c:tx>
           <c:spPr>
-            <a:ln w="44450" cap="rnd">
+            <a:ln w="28575" cap="rnd">
               <a:solidFill>
-                <a:srgbClr val="008080"/>
+                <a:schemeClr val="accent2"/>
               </a:solidFill>
               <a:round/>
             </a:ln>
@@ -2973,11 +3873,11 @@
             <c:size val="5"/>
             <c:spPr>
               <a:solidFill>
-                <a:srgbClr val="008080"/>
+                <a:schemeClr val="accent2"/>
               </a:solidFill>
-              <a:ln w="44450">
+              <a:ln w="9525">
                 <a:solidFill>
-                  <a:srgbClr val="008080"/>
+                  <a:schemeClr val="accent2"/>
                 </a:solidFill>
               </a:ln>
               <a:effectLst/>
@@ -2985,10 +3885,10 @@
           </c:marker>
           <c:cat>
             <c:numRef>
-              <c:f>Race!$A$2:$A$12</c:f>
+              <c:f>Race!$A$2:$A$16</c:f>
               <c:numCache>
                 <c:formatCode>General</c:formatCode>
-                <c:ptCount val="11"/>
+                <c:ptCount val="15"/>
                 <c:pt idx="0">
                   <c:v>2009</c:v>
                 </c:pt>
@@ -3021,48 +3921,72 @@
                 </c:pt>
                 <c:pt idx="10">
                   <c:v>2019</c:v>
+                </c:pt>
+                <c:pt idx="11">
+                  <c:v>2020</c:v>
+                </c:pt>
+                <c:pt idx="12">
+                  <c:v>2021</c:v>
+                </c:pt>
+                <c:pt idx="13">
+                  <c:v>2022</c:v>
+                </c:pt>
+                <c:pt idx="14">
+                  <c:v>2023</c:v>
                 </c:pt>
               </c:numCache>
             </c:numRef>
           </c:cat>
           <c:val>
             <c:numRef>
-              <c:f>Race!$C$2:$C$12</c:f>
+              <c:f>Race!$C$2:$C$16</c:f>
               <c:numCache>
-                <c:formatCode>0.0</c:formatCode>
-                <c:ptCount val="11"/>
+                <c:formatCode>General</c:formatCode>
+                <c:ptCount val="15"/>
                 <c:pt idx="0">
-                  <c:v>6</c:v>
+                  <c:v>31.2</c:v>
                 </c:pt>
                 <c:pt idx="1">
-                  <c:v>5.7</c:v>
+                  <c:v>32.36</c:v>
                 </c:pt>
                 <c:pt idx="2">
-                  <c:v>5.0999999999999996</c:v>
+                  <c:v>36.18</c:v>
                 </c:pt>
                 <c:pt idx="3">
-                  <c:v>5.2</c:v>
+                  <c:v>35.96</c:v>
                 </c:pt>
                 <c:pt idx="4">
-                  <c:v>5.3</c:v>
+                  <c:v>37.659999999999997</c:v>
                 </c:pt>
                 <c:pt idx="5">
-                  <c:v>5.5</c:v>
+                  <c:v>37.630000000000003</c:v>
                 </c:pt>
                 <c:pt idx="6">
-                  <c:v>5.6</c:v>
+                  <c:v>39.19</c:v>
                 </c:pt>
                 <c:pt idx="7">
-                  <c:v>6</c:v>
+                  <c:v>30.31</c:v>
                 </c:pt>
                 <c:pt idx="8">
-                  <c:v>6.5</c:v>
+                  <c:v>31.11</c:v>
                 </c:pt>
                 <c:pt idx="9">
-                  <c:v>6.8</c:v>
+                  <c:v>31.32</c:v>
                 </c:pt>
                 <c:pt idx="10">
-                  <c:v>7.2</c:v>
+                  <c:v>31.32</c:v>
+                </c:pt>
+                <c:pt idx="11">
+                  <c:v>29.71</c:v>
+                </c:pt>
+                <c:pt idx="12">
+                  <c:v>35.409999999999997</c:v>
+                </c:pt>
+                <c:pt idx="13">
+                  <c:v>34.92</c:v>
+                </c:pt>
+                <c:pt idx="14">
+                  <c:v>34.44</c:v>
                 </c:pt>
               </c:numCache>
             </c:numRef>
@@ -3070,7 +3994,7 @@
           <c:smooth val="0"/>
           <c:extLst>
             <c:ext xmlns:c16="http://schemas.microsoft.com/office/drawing/2014/chart" uri="{C3380CC4-5D6E-409C-BE32-E72D297353CC}">
-              <c16:uniqueId val="{00000001-13EF-4859-8765-51089D079258}"/>
+              <c16:uniqueId val="{00000001-9889-49E1-BF65-3D5027098245}"/>
             </c:ext>
           </c:extLst>
         </c:ser>
@@ -3083,13 +4007,13 @@
               <c:strCache>
                 <c:ptCount val="1"/>
                 <c:pt idx="0">
-                  <c:v>American Indian/Alaska Native</c:v>
+                  <c:v>Black</c:v>
                 </c:pt>
               </c:strCache>
             </c:strRef>
           </c:tx>
           <c:spPr>
-            <a:ln w="44450" cap="rnd">
+            <a:ln w="28575" cap="rnd">
               <a:solidFill>
                 <a:schemeClr val="accent3"/>
               </a:solidFill>
@@ -3104,7 +4028,7 @@
               <a:solidFill>
                 <a:schemeClr val="accent3"/>
               </a:solidFill>
-              <a:ln w="44450">
+              <a:ln w="9525">
                 <a:solidFill>
                   <a:schemeClr val="accent3"/>
                 </a:solidFill>
@@ -3114,10 +4038,10 @@
           </c:marker>
           <c:cat>
             <c:numRef>
-              <c:f>Race!$A$2:$A$12</c:f>
+              <c:f>Race!$A$2:$A$16</c:f>
               <c:numCache>
                 <c:formatCode>General</c:formatCode>
-                <c:ptCount val="11"/>
+                <c:ptCount val="15"/>
                 <c:pt idx="0">
                   <c:v>2009</c:v>
                 </c:pt>
@@ -3150,48 +4074,72 @@
                 </c:pt>
                 <c:pt idx="10">
                   <c:v>2019</c:v>
+                </c:pt>
+                <c:pt idx="11">
+                  <c:v>2020</c:v>
+                </c:pt>
+                <c:pt idx="12">
+                  <c:v>2021</c:v>
+                </c:pt>
+                <c:pt idx="13">
+                  <c:v>2022</c:v>
+                </c:pt>
+                <c:pt idx="14">
+                  <c:v>2023</c:v>
                 </c:pt>
               </c:numCache>
             </c:numRef>
           </c:cat>
           <c:val>
             <c:numRef>
-              <c:f>Race!$D$2:$D$12</c:f>
+              <c:f>Race!$D$2:$D$16</c:f>
               <c:numCache>
-                <c:formatCode>0.0</c:formatCode>
-                <c:ptCount val="11"/>
+                <c:formatCode>General</c:formatCode>
+                <c:ptCount val="15"/>
                 <c:pt idx="0">
-                  <c:v>2.2999999999999998</c:v>
+                  <c:v>30.27</c:v>
                 </c:pt>
                 <c:pt idx="1">
-                  <c:v>2.2000000000000002</c:v>
+                  <c:v>32.58</c:v>
                 </c:pt>
                 <c:pt idx="2">
-                  <c:v>1.9</c:v>
+                  <c:v>36.69</c:v>
                 </c:pt>
                 <c:pt idx="3">
-                  <c:v>1.9</c:v>
+                  <c:v>37.770000000000003</c:v>
                 </c:pt>
                 <c:pt idx="4">
-                  <c:v>1.6</c:v>
+                  <c:v>37.270000000000003</c:v>
                 </c:pt>
                 <c:pt idx="5">
-                  <c:v>2</c:v>
+                  <c:v>36.909999999999997</c:v>
                 </c:pt>
                 <c:pt idx="6">
-                  <c:v>2.1</c:v>
+                  <c:v>38.200000000000003</c:v>
                 </c:pt>
                 <c:pt idx="7">
-                  <c:v>2.1</c:v>
+                  <c:v>31.62</c:v>
                 </c:pt>
                 <c:pt idx="8">
-                  <c:v>2.5</c:v>
+                  <c:v>31.2</c:v>
                 </c:pt>
                 <c:pt idx="9">
-                  <c:v>2.6</c:v>
+                  <c:v>31.43</c:v>
                 </c:pt>
                 <c:pt idx="10">
-                  <c:v>2.6</c:v>
+                  <c:v>31.2</c:v>
+                </c:pt>
+                <c:pt idx="11">
+                  <c:v>29.66</c:v>
+                </c:pt>
+                <c:pt idx="12">
+                  <c:v>35.96</c:v>
+                </c:pt>
+                <c:pt idx="13">
+                  <c:v>34.68</c:v>
+                </c:pt>
+                <c:pt idx="14">
+                  <c:v>35</c:v>
                 </c:pt>
               </c:numCache>
             </c:numRef>
@@ -3199,7 +4147,7 @@
           <c:smooth val="0"/>
           <c:extLst>
             <c:ext xmlns:c16="http://schemas.microsoft.com/office/drawing/2014/chart" uri="{C3380CC4-5D6E-409C-BE32-E72D297353CC}">
-              <c16:uniqueId val="{00000002-13EF-4859-8765-51089D079258}"/>
+              <c16:uniqueId val="{00000002-9889-49E1-BF65-3D5027098245}"/>
             </c:ext>
           </c:extLst>
         </c:ser>
@@ -3212,13 +4160,13 @@
               <c:strCache>
                 <c:ptCount val="1"/>
                 <c:pt idx="0">
-                  <c:v>Asian/Pacific Islander</c:v>
+                  <c:v>Unknown</c:v>
                 </c:pt>
               </c:strCache>
             </c:strRef>
           </c:tx>
           <c:spPr>
-            <a:ln w="44450" cap="rnd">
+            <a:ln w="28575" cap="rnd">
               <a:solidFill>
                 <a:schemeClr val="accent4"/>
               </a:solidFill>
@@ -3233,7 +4181,7 @@
               <a:solidFill>
                 <a:schemeClr val="accent4"/>
               </a:solidFill>
-              <a:ln w="44450">
+              <a:ln w="9525">
                 <a:solidFill>
                   <a:schemeClr val="accent4"/>
                 </a:solidFill>
@@ -3243,10 +4191,10 @@
           </c:marker>
           <c:cat>
             <c:numRef>
-              <c:f>Race!$A$2:$A$12</c:f>
+              <c:f>Race!$A$2:$A$16</c:f>
               <c:numCache>
                 <c:formatCode>General</c:formatCode>
-                <c:ptCount val="11"/>
+                <c:ptCount val="15"/>
                 <c:pt idx="0">
                   <c:v>2009</c:v>
                 </c:pt>
@@ -3279,48 +4227,72 @@
                 </c:pt>
                 <c:pt idx="10">
                   <c:v>2019</c:v>
+                </c:pt>
+                <c:pt idx="11">
+                  <c:v>2020</c:v>
+                </c:pt>
+                <c:pt idx="12">
+                  <c:v>2021</c:v>
+                </c:pt>
+                <c:pt idx="13">
+                  <c:v>2022</c:v>
+                </c:pt>
+                <c:pt idx="14">
+                  <c:v>2023</c:v>
                 </c:pt>
               </c:numCache>
             </c:numRef>
           </c:cat>
           <c:val>
             <c:numRef>
-              <c:f>Race!$E$2:$E$12</c:f>
+              <c:f>Race!$E$2:$E$16</c:f>
               <c:numCache>
-                <c:formatCode>0.0</c:formatCode>
-                <c:ptCount val="11"/>
+                <c:formatCode>General</c:formatCode>
+                <c:ptCount val="15"/>
                 <c:pt idx="0">
-                  <c:v>1.9</c:v>
+                  <c:v>37.979999999999997</c:v>
                 </c:pt>
                 <c:pt idx="1">
-                  <c:v>1.8</c:v>
+                  <c:v>39.5</c:v>
                 </c:pt>
                 <c:pt idx="2">
-                  <c:v>2.7</c:v>
+                  <c:v>42.19</c:v>
                 </c:pt>
                 <c:pt idx="3">
-                  <c:v>2.6</c:v>
+                  <c:v>42.85</c:v>
                 </c:pt>
                 <c:pt idx="4">
-                  <c:v>2.6</c:v>
+                  <c:v>43.34</c:v>
                 </c:pt>
                 <c:pt idx="5">
-                  <c:v>2.7</c:v>
+                  <c:v>44.58</c:v>
                 </c:pt>
                 <c:pt idx="6">
-                  <c:v>2.7</c:v>
+                  <c:v>45.63</c:v>
                 </c:pt>
                 <c:pt idx="7">
-                  <c:v>2.9</c:v>
+                  <c:v>37.86</c:v>
                 </c:pt>
                 <c:pt idx="8">
-                  <c:v>3.3</c:v>
+                  <c:v>38.11</c:v>
                 </c:pt>
                 <c:pt idx="9">
-                  <c:v>3.4</c:v>
+                  <c:v>38.04</c:v>
                 </c:pt>
                 <c:pt idx="10">
-                  <c:v>3.5</c:v>
+                  <c:v>38.17</c:v>
+                </c:pt>
+                <c:pt idx="11">
+                  <c:v>35.21</c:v>
+                </c:pt>
+                <c:pt idx="12">
+                  <c:v>40.72</c:v>
+                </c:pt>
+                <c:pt idx="13">
+                  <c:v>39.479999999999997</c:v>
+                </c:pt>
+                <c:pt idx="14">
+                  <c:v>36.74</c:v>
                 </c:pt>
               </c:numCache>
             </c:numRef>
@@ -3328,7 +4300,7 @@
           <c:smooth val="0"/>
           <c:extLst>
             <c:ext xmlns:c16="http://schemas.microsoft.com/office/drawing/2014/chart" uri="{C3380CC4-5D6E-409C-BE32-E72D297353CC}">
-              <c16:uniqueId val="{00000003-13EF-4859-8765-51089D079258}"/>
+              <c16:uniqueId val="{00000003-9889-49E1-BF65-3D5027098245}"/>
             </c:ext>
           </c:extLst>
         </c:ser>
@@ -3341,13 +4313,13 @@
               <c:strCache>
                 <c:ptCount val="1"/>
                 <c:pt idx="0">
-                  <c:v>Other</c:v>
+                  <c:v>Missing</c:v>
                 </c:pt>
               </c:strCache>
             </c:strRef>
           </c:tx>
           <c:spPr>
-            <a:ln w="44450" cap="rnd">
+            <a:ln w="28575" cap="rnd">
               <a:solidFill>
                 <a:schemeClr val="accent5"/>
               </a:solidFill>
@@ -3362,7 +4334,7 @@
               <a:solidFill>
                 <a:schemeClr val="accent5"/>
               </a:solidFill>
-              <a:ln w="44450">
+              <a:ln w="9525">
                 <a:solidFill>
                   <a:schemeClr val="accent5"/>
                 </a:solidFill>
@@ -3372,10 +4344,10 @@
           </c:marker>
           <c:cat>
             <c:numRef>
-              <c:f>Race!$A$2:$A$12</c:f>
+              <c:f>Race!$A$2:$A$16</c:f>
               <c:numCache>
                 <c:formatCode>General</c:formatCode>
-                <c:ptCount val="11"/>
+                <c:ptCount val="15"/>
                 <c:pt idx="0">
                   <c:v>2009</c:v>
                 </c:pt>
@@ -3408,48 +4380,72 @@
                 </c:pt>
                 <c:pt idx="10">
                   <c:v>2019</c:v>
+                </c:pt>
+                <c:pt idx="11">
+                  <c:v>2020</c:v>
+                </c:pt>
+                <c:pt idx="12">
+                  <c:v>2021</c:v>
+                </c:pt>
+                <c:pt idx="13">
+                  <c:v>2022</c:v>
+                </c:pt>
+                <c:pt idx="14">
+                  <c:v>2023</c:v>
                 </c:pt>
               </c:numCache>
             </c:numRef>
           </c:cat>
           <c:val>
             <c:numRef>
-              <c:f>Race!$F$2:$F$12</c:f>
+              <c:f>Race!$F$2:$F$16</c:f>
               <c:numCache>
-                <c:formatCode>0.0</c:formatCode>
-                <c:ptCount val="11"/>
+                <c:formatCode>General</c:formatCode>
+                <c:ptCount val="15"/>
                 <c:pt idx="0">
-                  <c:v>2</c:v>
+                  <c:v>27.81</c:v>
                 </c:pt>
                 <c:pt idx="1">
-                  <c:v>1.9</c:v>
+                  <c:v>29.57</c:v>
                 </c:pt>
                 <c:pt idx="2">
-                  <c:v>1.4</c:v>
+                  <c:v>32.31</c:v>
                 </c:pt>
                 <c:pt idx="3">
-                  <c:v>2.1</c:v>
+                  <c:v>33.18</c:v>
                 </c:pt>
                 <c:pt idx="4">
-                  <c:v>2</c:v>
+                  <c:v>34.32</c:v>
                 </c:pt>
                 <c:pt idx="5">
-                  <c:v>2.1</c:v>
+                  <c:v>34.44</c:v>
                 </c:pt>
                 <c:pt idx="6">
-                  <c:v>2.2999999999999998</c:v>
+                  <c:v>35.71</c:v>
                 </c:pt>
                 <c:pt idx="7">
-                  <c:v>2.5</c:v>
+                  <c:v>28.57</c:v>
                 </c:pt>
                 <c:pt idx="8">
-                  <c:v>2.9</c:v>
+                  <c:v>29.51</c:v>
                 </c:pt>
                 <c:pt idx="9">
-                  <c:v>2.9</c:v>
+                  <c:v>30.02</c:v>
                 </c:pt>
                 <c:pt idx="10">
-                  <c:v>2.8</c:v>
+                  <c:v>29.9</c:v>
+                </c:pt>
+                <c:pt idx="11">
+                  <c:v>27.26</c:v>
+                </c:pt>
+                <c:pt idx="12">
+                  <c:v>32.47</c:v>
+                </c:pt>
+                <c:pt idx="13">
+                  <c:v>32.770000000000003</c:v>
+                </c:pt>
+                <c:pt idx="14">
+                  <c:v>32.83</c:v>
                 </c:pt>
               </c:numCache>
             </c:numRef>
@@ -3457,7 +4453,478 @@
           <c:smooth val="0"/>
           <c:extLst>
             <c:ext xmlns:c16="http://schemas.microsoft.com/office/drawing/2014/chart" uri="{C3380CC4-5D6E-409C-BE32-E72D297353CC}">
-              <c16:uniqueId val="{00000004-13EF-4859-8765-51089D079258}"/>
+              <c16:uniqueId val="{00000004-9889-49E1-BF65-3D5027098245}"/>
+            </c:ext>
+          </c:extLst>
+        </c:ser>
+        <c:ser>
+          <c:idx val="5"/>
+          <c:order val="5"/>
+          <c:tx>
+            <c:strRef>
+              <c:f>Race!$G$1</c:f>
+              <c:strCache>
+                <c:ptCount val="1"/>
+                <c:pt idx="0">
+                  <c:v>Asian/Pacific Islander</c:v>
+                </c:pt>
+              </c:strCache>
+            </c:strRef>
+          </c:tx>
+          <c:spPr>
+            <a:ln w="28575" cap="rnd">
+              <a:solidFill>
+                <a:schemeClr val="accent6"/>
+              </a:solidFill>
+              <a:round/>
+            </a:ln>
+            <a:effectLst/>
+          </c:spPr>
+          <c:marker>
+            <c:symbol val="circle"/>
+            <c:size val="5"/>
+            <c:spPr>
+              <a:solidFill>
+                <a:schemeClr val="accent6"/>
+              </a:solidFill>
+              <a:ln w="9525">
+                <a:solidFill>
+                  <a:schemeClr val="accent6"/>
+                </a:solidFill>
+              </a:ln>
+              <a:effectLst/>
+            </c:spPr>
+          </c:marker>
+          <c:cat>
+            <c:numRef>
+              <c:f>Race!$A$2:$A$16</c:f>
+              <c:numCache>
+                <c:formatCode>General</c:formatCode>
+                <c:ptCount val="15"/>
+                <c:pt idx="0">
+                  <c:v>2009</c:v>
+                </c:pt>
+                <c:pt idx="1">
+                  <c:v>2010</c:v>
+                </c:pt>
+                <c:pt idx="2">
+                  <c:v>2011</c:v>
+                </c:pt>
+                <c:pt idx="3">
+                  <c:v>2012</c:v>
+                </c:pt>
+                <c:pt idx="4">
+                  <c:v>2013</c:v>
+                </c:pt>
+                <c:pt idx="5">
+                  <c:v>2014</c:v>
+                </c:pt>
+                <c:pt idx="6">
+                  <c:v>2015</c:v>
+                </c:pt>
+                <c:pt idx="7">
+                  <c:v>2016</c:v>
+                </c:pt>
+                <c:pt idx="8">
+                  <c:v>2017</c:v>
+                </c:pt>
+                <c:pt idx="9">
+                  <c:v>2018</c:v>
+                </c:pt>
+                <c:pt idx="10">
+                  <c:v>2019</c:v>
+                </c:pt>
+                <c:pt idx="11">
+                  <c:v>2020</c:v>
+                </c:pt>
+                <c:pt idx="12">
+                  <c:v>2021</c:v>
+                </c:pt>
+                <c:pt idx="13">
+                  <c:v>2022</c:v>
+                </c:pt>
+                <c:pt idx="14">
+                  <c:v>2023</c:v>
+                </c:pt>
+              </c:numCache>
+            </c:numRef>
+          </c:cat>
+          <c:val>
+            <c:numRef>
+              <c:f>Race!$G$2:$G$16</c:f>
+              <c:numCache>
+                <c:formatCode>General</c:formatCode>
+                <c:ptCount val="15"/>
+                <c:pt idx="0">
+                  <c:v>36.5</c:v>
+                </c:pt>
+                <c:pt idx="1">
+                  <c:v>38.15</c:v>
+                </c:pt>
+                <c:pt idx="2">
+                  <c:v>44.13</c:v>
+                </c:pt>
+                <c:pt idx="3">
+                  <c:v>41.59</c:v>
+                </c:pt>
+                <c:pt idx="4">
+                  <c:v>43.97</c:v>
+                </c:pt>
+                <c:pt idx="5">
+                  <c:v>47.46</c:v>
+                </c:pt>
+                <c:pt idx="6">
+                  <c:v>46.51</c:v>
+                </c:pt>
+                <c:pt idx="7">
+                  <c:v>34.94</c:v>
+                </c:pt>
+                <c:pt idx="8">
+                  <c:v>32.950000000000003</c:v>
+                </c:pt>
+                <c:pt idx="9">
+                  <c:v>36.159999999999997</c:v>
+                </c:pt>
+                <c:pt idx="10">
+                  <c:v>35.26</c:v>
+                </c:pt>
+                <c:pt idx="11">
+                  <c:v>32.15</c:v>
+                </c:pt>
+                <c:pt idx="12">
+                  <c:v>40.229999999999997</c:v>
+                </c:pt>
+                <c:pt idx="13">
+                  <c:v>39.799999999999997</c:v>
+                </c:pt>
+                <c:pt idx="14">
+                  <c:v>41.34</c:v>
+                </c:pt>
+              </c:numCache>
+            </c:numRef>
+          </c:val>
+          <c:smooth val="0"/>
+          <c:extLst>
+            <c:ext xmlns:c16="http://schemas.microsoft.com/office/drawing/2014/chart" uri="{C3380CC4-5D6E-409C-BE32-E72D297353CC}">
+              <c16:uniqueId val="{00000005-9889-49E1-BF65-3D5027098245}"/>
+            </c:ext>
+          </c:extLst>
+        </c:ser>
+        <c:ser>
+          <c:idx val="6"/>
+          <c:order val="6"/>
+          <c:tx>
+            <c:strRef>
+              <c:f>Race!$H$1</c:f>
+              <c:strCache>
+                <c:ptCount val="1"/>
+                <c:pt idx="0">
+                  <c:v>American Indian/Alaska Native</c:v>
+                </c:pt>
+              </c:strCache>
+            </c:strRef>
+          </c:tx>
+          <c:spPr>
+            <a:ln w="28575" cap="rnd">
+              <a:solidFill>
+                <a:schemeClr val="accent1">
+                  <a:lumMod val="60000"/>
+                </a:schemeClr>
+              </a:solidFill>
+              <a:round/>
+            </a:ln>
+            <a:effectLst/>
+          </c:spPr>
+          <c:marker>
+            <c:symbol val="circle"/>
+            <c:size val="5"/>
+            <c:spPr>
+              <a:solidFill>
+                <a:schemeClr val="accent1">
+                  <a:lumMod val="60000"/>
+                </a:schemeClr>
+              </a:solidFill>
+              <a:ln w="9525">
+                <a:solidFill>
+                  <a:schemeClr val="accent1">
+                    <a:lumMod val="60000"/>
+                  </a:schemeClr>
+                </a:solidFill>
+              </a:ln>
+              <a:effectLst/>
+            </c:spPr>
+          </c:marker>
+          <c:cat>
+            <c:numRef>
+              <c:f>Race!$A$2:$A$16</c:f>
+              <c:numCache>
+                <c:formatCode>General</c:formatCode>
+                <c:ptCount val="15"/>
+                <c:pt idx="0">
+                  <c:v>2009</c:v>
+                </c:pt>
+                <c:pt idx="1">
+                  <c:v>2010</c:v>
+                </c:pt>
+                <c:pt idx="2">
+                  <c:v>2011</c:v>
+                </c:pt>
+                <c:pt idx="3">
+                  <c:v>2012</c:v>
+                </c:pt>
+                <c:pt idx="4">
+                  <c:v>2013</c:v>
+                </c:pt>
+                <c:pt idx="5">
+                  <c:v>2014</c:v>
+                </c:pt>
+                <c:pt idx="6">
+                  <c:v>2015</c:v>
+                </c:pt>
+                <c:pt idx="7">
+                  <c:v>2016</c:v>
+                </c:pt>
+                <c:pt idx="8">
+                  <c:v>2017</c:v>
+                </c:pt>
+                <c:pt idx="9">
+                  <c:v>2018</c:v>
+                </c:pt>
+                <c:pt idx="10">
+                  <c:v>2019</c:v>
+                </c:pt>
+                <c:pt idx="11">
+                  <c:v>2020</c:v>
+                </c:pt>
+                <c:pt idx="12">
+                  <c:v>2021</c:v>
+                </c:pt>
+                <c:pt idx="13">
+                  <c:v>2022</c:v>
+                </c:pt>
+                <c:pt idx="14">
+                  <c:v>2023</c:v>
+                </c:pt>
+              </c:numCache>
+            </c:numRef>
+          </c:cat>
+          <c:val>
+            <c:numRef>
+              <c:f>Race!$H$2:$H$16</c:f>
+              <c:numCache>
+                <c:formatCode>General</c:formatCode>
+                <c:ptCount val="15"/>
+                <c:pt idx="0">
+                  <c:v>28.79</c:v>
+                </c:pt>
+                <c:pt idx="1">
+                  <c:v>35.61</c:v>
+                </c:pt>
+                <c:pt idx="2">
+                  <c:v>33.869999999999997</c:v>
+                </c:pt>
+                <c:pt idx="3">
+                  <c:v>36.43</c:v>
+                </c:pt>
+                <c:pt idx="4">
+                  <c:v>43.36</c:v>
+                </c:pt>
+                <c:pt idx="5">
+                  <c:v>41.54</c:v>
+                </c:pt>
+                <c:pt idx="6">
+                  <c:v>43.61</c:v>
+                </c:pt>
+                <c:pt idx="7">
+                  <c:v>30.59</c:v>
+                </c:pt>
+                <c:pt idx="8">
+                  <c:v>29.47</c:v>
+                </c:pt>
+                <c:pt idx="9">
+                  <c:v>33.33</c:v>
+                </c:pt>
+                <c:pt idx="10">
+                  <c:v>32.86</c:v>
+                </c:pt>
+                <c:pt idx="11">
+                  <c:v>33.909999999999997</c:v>
+                </c:pt>
+                <c:pt idx="12">
+                  <c:v>31.43</c:v>
+                </c:pt>
+                <c:pt idx="13">
+                  <c:v>34.869999999999997</c:v>
+                </c:pt>
+                <c:pt idx="14">
+                  <c:v>30.58</c:v>
+                </c:pt>
+              </c:numCache>
+            </c:numRef>
+          </c:val>
+          <c:smooth val="0"/>
+          <c:extLst>
+            <c:ext xmlns:c16="http://schemas.microsoft.com/office/drawing/2014/chart" uri="{C3380CC4-5D6E-409C-BE32-E72D297353CC}">
+              <c16:uniqueId val="{00000006-9889-49E1-BF65-3D5027098245}"/>
+            </c:ext>
+          </c:extLst>
+        </c:ser>
+        <c:ser>
+          <c:idx val="7"/>
+          <c:order val="7"/>
+          <c:tx>
+            <c:strRef>
+              <c:f>Race!$I$1</c:f>
+              <c:strCache>
+                <c:ptCount val="1"/>
+                <c:pt idx="0">
+                  <c:v>Other</c:v>
+                </c:pt>
+              </c:strCache>
+            </c:strRef>
+          </c:tx>
+          <c:spPr>
+            <a:ln w="28575" cap="rnd">
+              <a:solidFill>
+                <a:schemeClr val="accent2">
+                  <a:lumMod val="60000"/>
+                </a:schemeClr>
+              </a:solidFill>
+              <a:round/>
+            </a:ln>
+            <a:effectLst/>
+          </c:spPr>
+          <c:marker>
+            <c:symbol val="circle"/>
+            <c:size val="5"/>
+            <c:spPr>
+              <a:solidFill>
+                <a:schemeClr val="accent2">
+                  <a:lumMod val="60000"/>
+                </a:schemeClr>
+              </a:solidFill>
+              <a:ln w="9525">
+                <a:solidFill>
+                  <a:schemeClr val="accent2">
+                    <a:lumMod val="60000"/>
+                  </a:schemeClr>
+                </a:solidFill>
+              </a:ln>
+              <a:effectLst/>
+            </c:spPr>
+          </c:marker>
+          <c:cat>
+            <c:numRef>
+              <c:f>Race!$A$2:$A$16</c:f>
+              <c:numCache>
+                <c:formatCode>General</c:formatCode>
+                <c:ptCount val="15"/>
+                <c:pt idx="0">
+                  <c:v>2009</c:v>
+                </c:pt>
+                <c:pt idx="1">
+                  <c:v>2010</c:v>
+                </c:pt>
+                <c:pt idx="2">
+                  <c:v>2011</c:v>
+                </c:pt>
+                <c:pt idx="3">
+                  <c:v>2012</c:v>
+                </c:pt>
+                <c:pt idx="4">
+                  <c:v>2013</c:v>
+                </c:pt>
+                <c:pt idx="5">
+                  <c:v>2014</c:v>
+                </c:pt>
+                <c:pt idx="6">
+                  <c:v>2015</c:v>
+                </c:pt>
+                <c:pt idx="7">
+                  <c:v>2016</c:v>
+                </c:pt>
+                <c:pt idx="8">
+                  <c:v>2017</c:v>
+                </c:pt>
+                <c:pt idx="9">
+                  <c:v>2018</c:v>
+                </c:pt>
+                <c:pt idx="10">
+                  <c:v>2019</c:v>
+                </c:pt>
+                <c:pt idx="11">
+                  <c:v>2020</c:v>
+                </c:pt>
+                <c:pt idx="12">
+                  <c:v>2021</c:v>
+                </c:pt>
+                <c:pt idx="13">
+                  <c:v>2022</c:v>
+                </c:pt>
+                <c:pt idx="14">
+                  <c:v>2023</c:v>
+                </c:pt>
+              </c:numCache>
+            </c:numRef>
+          </c:cat>
+          <c:val>
+            <c:numRef>
+              <c:f>Race!$I$2:$I$16</c:f>
+              <c:numCache>
+                <c:formatCode>General</c:formatCode>
+                <c:ptCount val="15"/>
+                <c:pt idx="0">
+                  <c:v>31.43</c:v>
+                </c:pt>
+                <c:pt idx="1">
+                  <c:v>35.450000000000003</c:v>
+                </c:pt>
+                <c:pt idx="2">
+                  <c:v>35.020000000000003</c:v>
+                </c:pt>
+                <c:pt idx="3">
+                  <c:v>39.840000000000003</c:v>
+                </c:pt>
+                <c:pt idx="4">
+                  <c:v>45.76</c:v>
+                </c:pt>
+                <c:pt idx="5">
+                  <c:v>44.32</c:v>
+                </c:pt>
+                <c:pt idx="6">
+                  <c:v>44.08</c:v>
+                </c:pt>
+                <c:pt idx="7">
+                  <c:v>35.93</c:v>
+                </c:pt>
+                <c:pt idx="8">
+                  <c:v>36.700000000000003</c:v>
+                </c:pt>
+                <c:pt idx="9">
+                  <c:v>37.58</c:v>
+                </c:pt>
+                <c:pt idx="10">
+                  <c:v>36.1</c:v>
+                </c:pt>
+                <c:pt idx="11">
+                  <c:v>30.83</c:v>
+                </c:pt>
+                <c:pt idx="12">
+                  <c:v>42.72</c:v>
+                </c:pt>
+                <c:pt idx="13">
+                  <c:v>40.200000000000003</c:v>
+                </c:pt>
+                <c:pt idx="14">
+                  <c:v>36.270000000000003</c:v>
+                </c:pt>
+              </c:numCache>
+            </c:numRef>
+          </c:val>
+          <c:smooth val="0"/>
+          <c:extLst>
+            <c:ext xmlns:c16="http://schemas.microsoft.com/office/drawing/2014/chart" uri="{C3380CC4-5D6E-409C-BE32-E72D297353CC}">
+              <c16:uniqueId val="{00000007-9889-49E1-BF65-3D5027098245}"/>
             </c:ext>
           </c:extLst>
         </c:ser>
@@ -3471,11 +4938,11 @@
         </c:dLbls>
         <c:marker val="1"/>
         <c:smooth val="0"/>
-        <c:axId val="624155552"/>
-        <c:axId val="624155968"/>
+        <c:axId val="551974271"/>
+        <c:axId val="551980511"/>
       </c:lineChart>
       <c:catAx>
-        <c:axId val="624155552"/>
+        <c:axId val="551974271"/>
         <c:scaling>
           <c:orientation val="minMax"/>
         </c:scaling>
@@ -3503,30 +4970,31 @@
           <a:lstStyle/>
           <a:p>
             <a:pPr>
-              <a:defRPr sz="2300" b="0" i="0" u="none" strike="noStrike" kern="1200" baseline="0">
+              <a:defRPr sz="2000" b="0" i="0" u="none" strike="noStrike" kern="1200" baseline="0">
                 <a:solidFill>
-                  <a:sysClr val="windowText" lastClr="000000"/>
+                  <a:schemeClr val="tx1"/>
                 </a:solidFill>
-                <a:latin typeface="Calibri" panose="020F0502020204030204" pitchFamily="34" charset="0"/>
+                <a:latin typeface="+mn-lt"/>
                 <a:ea typeface="+mn-ea"/>
-                <a:cs typeface="Calibri" panose="020F0502020204030204" pitchFamily="34" charset="0"/>
+                <a:cs typeface="+mn-cs"/>
               </a:defRPr>
             </a:pPr>
             <a:endParaRPr lang="en-US"/>
           </a:p>
         </c:txPr>
-        <c:crossAx val="624155968"/>
+        <c:crossAx val="551980511"/>
         <c:crosses val="autoZero"/>
         <c:auto val="1"/>
         <c:lblAlgn val="ctr"/>
         <c:lblOffset val="100"/>
+        <c:tickLblSkip val="2"/>
         <c:noMultiLvlLbl val="0"/>
       </c:catAx>
       <c:valAx>
-        <c:axId val="624155968"/>
+        <c:axId val="551980511"/>
         <c:scaling>
           <c:orientation val="minMax"/>
-          <c:max val="14"/>
+          <c:max val="60"/>
         </c:scaling>
         <c:delete val="0"/>
         <c:axPos val="l"/>
@@ -3551,35 +5019,22 @@
               <a:lstStyle/>
               <a:p>
                 <a:pPr>
-                  <a:defRPr sz="2400" b="0" i="0" u="none" strike="noStrike" kern="1200" baseline="0">
+                  <a:defRPr sz="2000" b="0" i="0" u="none" strike="noStrike" kern="1200" baseline="0">
                     <a:solidFill>
-                      <a:sysClr val="windowText" lastClr="000000"/>
+                      <a:schemeClr val="tx1"/>
                     </a:solidFill>
-                    <a:latin typeface="Calibri" panose="020F0502020204030204" pitchFamily="34" charset="0"/>
+                    <a:latin typeface="+mn-lt"/>
                     <a:ea typeface="+mn-ea"/>
-                    <a:cs typeface="Calibri" panose="020F0502020204030204" pitchFamily="34" charset="0"/>
+                    <a:cs typeface="+mn-cs"/>
                   </a:defRPr>
                 </a:pPr>
                 <a:r>
-                  <a:rPr lang="en-US" sz="2400" b="0" i="0" baseline="0">
-                    <a:effectLst/>
-                  </a:rPr>
-                  <a:t>CKD Stages 3–5 (%)</a:t>
+                  <a:rPr lang="en-US"/>
+                  <a:t>Adults with CKD Stages 3-5 and ICD-9 or 10 code (%)</a:t>
                 </a:r>
-                <a:endParaRPr lang="en-US" sz="2400">
-                  <a:effectLst/>
-                </a:endParaRPr>
               </a:p>
             </c:rich>
           </c:tx>
-          <c:layout>
-            <c:manualLayout>
-              <c:xMode val="edge"/>
-              <c:yMode val="edge"/>
-              <c:x val="1.5501968503937011E-5"/>
-              <c:y val="9.6362607180767973E-2"/>
-            </c:manualLayout>
-          </c:layout>
           <c:overlay val="0"/>
           <c:spPr>
             <a:noFill/>
@@ -3593,13 +5048,13 @@
             <a:lstStyle/>
             <a:p>
               <a:pPr>
-                <a:defRPr sz="2400" b="0" i="0" u="none" strike="noStrike" kern="1200" baseline="0">
+                <a:defRPr sz="2000" b="0" i="0" u="none" strike="noStrike" kern="1200" baseline="0">
                   <a:solidFill>
-                    <a:sysClr val="windowText" lastClr="000000"/>
+                    <a:schemeClr val="tx1"/>
                   </a:solidFill>
-                  <a:latin typeface="Calibri" panose="020F0502020204030204" pitchFamily="34" charset="0"/>
+                  <a:latin typeface="+mn-lt"/>
                   <a:ea typeface="+mn-ea"/>
-                  <a:cs typeface="Calibri" panose="020F0502020204030204" pitchFamily="34" charset="0"/>
+                  <a:cs typeface="+mn-cs"/>
                 </a:defRPr>
               </a:pPr>
               <a:endParaRPr lang="en-US"/>
@@ -3622,22 +5077,21 @@
           <a:lstStyle/>
           <a:p>
             <a:pPr>
-              <a:defRPr sz="2300" b="0" i="0" u="none" strike="noStrike" kern="1200" baseline="0">
+              <a:defRPr sz="2000" b="0" i="0" u="none" strike="noStrike" kern="1200" baseline="0">
                 <a:solidFill>
-                  <a:sysClr val="windowText" lastClr="000000"/>
+                  <a:schemeClr val="tx1"/>
                 </a:solidFill>
-                <a:latin typeface="Calibri" panose="020F0502020204030204" pitchFamily="34" charset="0"/>
+                <a:latin typeface="+mn-lt"/>
                 <a:ea typeface="+mn-ea"/>
-                <a:cs typeface="Calibri" panose="020F0502020204030204" pitchFamily="34" charset="0"/>
+                <a:cs typeface="+mn-cs"/>
               </a:defRPr>
             </a:pPr>
             <a:endParaRPr lang="en-US"/>
           </a:p>
         </c:txPr>
-        <c:crossAx val="624155552"/>
+        <c:crossAx val="551974271"/>
         <c:crosses val="autoZero"/>
         <c:crossBetween val="between"/>
-        <c:majorUnit val="2"/>
       </c:valAx>
       <c:spPr>
         <a:noFill/>
@@ -3653,10 +5107,10 @@
         <c:manualLayout>
           <c:xMode val="edge"/>
           <c:yMode val="edge"/>
-          <c:x val="8.5498851706036744E-2"/>
-          <c:y val="0.90336958621660501"/>
-          <c:w val="0.89297137467191601"/>
-          <c:h val="9.550380826484571E-2"/>
+          <c:x val="0.10532178477690286"/>
+          <c:y val="0.71060226495904244"/>
+          <c:w val="0.78690043744531935"/>
+          <c:h val="0.2514742283323575"/>
         </c:manualLayout>
       </c:layout>
       <c:overlay val="0"/>
@@ -3671,14 +5125,14 @@
         <a:bodyPr rot="0" spcFirstLastPara="1" vertOverflow="ellipsis" vert="horz" wrap="square" anchor="ctr" anchorCtr="1"/>
         <a:lstStyle/>
         <a:p>
-          <a:pPr>
-            <a:defRPr sz="2200" b="0" i="0" u="none" strike="noStrike" kern="1200" baseline="0">
+          <a:pPr algn="just">
+            <a:defRPr sz="2000" b="0" i="0" u="none" strike="noStrike" kern="1200" baseline="0">
               <a:solidFill>
-                <a:sysClr val="windowText" lastClr="000000"/>
+                <a:schemeClr val="tx1"/>
               </a:solidFill>
-              <a:latin typeface="Calibri" panose="020F0502020204030204" pitchFamily="34" charset="0"/>
+              <a:latin typeface="+mn-lt"/>
               <a:ea typeface="+mn-ea"/>
-              <a:cs typeface="Calibri" panose="020F0502020204030204" pitchFamily="34" charset="0"/>
+              <a:cs typeface="+mn-cs"/>
             </a:defRPr>
           </a:pPr>
           <a:endParaRPr lang="en-US"/>
@@ -3697,12 +5151,9 @@
     <c:showDLblsOverMax val="0"/>
   </c:chart>
   <c:spPr>
-    <a:solidFill>
-      <a:schemeClr val="bg1"/>
-    </a:solidFill>
-    <a:ln w="9525" cap="flat" cmpd="sng" algn="ctr">
+    <a:noFill/>
+    <a:ln>
       <a:noFill/>
-      <a:round/>
     </a:ln>
     <a:effectLst/>
   </c:spPr>
@@ -3711,7 +5162,11 @@
     <a:lstStyle/>
     <a:p>
       <a:pPr>
-        <a:defRPr/>
+        <a:defRPr sz="2000">
+          <a:solidFill>
+            <a:schemeClr val="tx1"/>
+          </a:solidFill>
+        </a:defRPr>
       </a:pPr>
       <a:endParaRPr lang="en-US"/>
     </a:p>
@@ -3738,17 +5193,7 @@
   <c:chart>
     <c:autoTitleDeleted val="1"/>
     <c:plotArea>
-      <c:layout>
-        <c:manualLayout>
-          <c:layoutTarget val="inner"/>
-          <c:xMode val="edge"/>
-          <c:yMode val="edge"/>
-          <c:x val="8.8194881889763779E-2"/>
-          <c:y val="4.856512141280353E-2"/>
-          <c:w val="0.88811097440944886"/>
-          <c:h val="0.72030890242232759"/>
-        </c:manualLayout>
-      </c:layout>
+      <c:layout/>
       <c:lineChart>
         <c:grouping val="standard"/>
         <c:varyColors val="0"/>
@@ -3757,7 +5202,161 @@
           <c:order val="0"/>
           <c:tx>
             <c:strRef>
-              <c:f>Race!$B$32</c:f>
+              <c:f>Race!$B$35</c:f>
+              <c:strCache>
+                <c:ptCount val="1"/>
+                <c:pt idx="0">
+                  <c:v>Overall</c:v>
+                </c:pt>
+              </c:strCache>
+            </c:strRef>
+          </c:tx>
+          <c:spPr>
+            <a:ln w="28575" cap="rnd">
+              <a:solidFill>
+                <a:schemeClr val="tx1"/>
+              </a:solidFill>
+              <a:prstDash val="sysDash"/>
+              <a:round/>
+            </a:ln>
+            <a:effectLst/>
+          </c:spPr>
+          <c:marker>
+            <c:symbol val="circle"/>
+            <c:size val="5"/>
+            <c:spPr>
+              <a:solidFill>
+                <a:schemeClr val="tx1"/>
+              </a:solidFill>
+              <a:ln w="9525">
+                <a:solidFill>
+                  <a:schemeClr val="tx1"/>
+                </a:solidFill>
+              </a:ln>
+              <a:effectLst/>
+            </c:spPr>
+          </c:marker>
+          <c:cat>
+            <c:numRef>
+              <c:f>Race!$A$36:$A$50</c:f>
+              <c:numCache>
+                <c:formatCode>General</c:formatCode>
+                <c:ptCount val="15"/>
+                <c:pt idx="0">
+                  <c:v>2009</c:v>
+                </c:pt>
+                <c:pt idx="1">
+                  <c:v>2010</c:v>
+                </c:pt>
+                <c:pt idx="2">
+                  <c:v>2011</c:v>
+                </c:pt>
+                <c:pt idx="3">
+                  <c:v>2012</c:v>
+                </c:pt>
+                <c:pt idx="4">
+                  <c:v>2013</c:v>
+                </c:pt>
+                <c:pt idx="5">
+                  <c:v>2014</c:v>
+                </c:pt>
+                <c:pt idx="6">
+                  <c:v>2015</c:v>
+                </c:pt>
+                <c:pt idx="7">
+                  <c:v>2016</c:v>
+                </c:pt>
+                <c:pt idx="8">
+                  <c:v>2017</c:v>
+                </c:pt>
+                <c:pt idx="9">
+                  <c:v>2018</c:v>
+                </c:pt>
+                <c:pt idx="10">
+                  <c:v>2019</c:v>
+                </c:pt>
+                <c:pt idx="11">
+                  <c:v>2020</c:v>
+                </c:pt>
+                <c:pt idx="12">
+                  <c:v>2021</c:v>
+                </c:pt>
+                <c:pt idx="13">
+                  <c:v>2022</c:v>
+                </c:pt>
+                <c:pt idx="14">
+                  <c:v>2023</c:v>
+                </c:pt>
+              </c:numCache>
+            </c:numRef>
+          </c:cat>
+          <c:val>
+            <c:numRef>
+              <c:f>Race!$B$36:$B$50</c:f>
+              <c:numCache>
+                <c:formatCode>0.0</c:formatCode>
+                <c:ptCount val="15"/>
+                <c:pt idx="0">
+                  <c:v>29.73</c:v>
+                </c:pt>
+                <c:pt idx="1">
+                  <c:v>31.65</c:v>
+                </c:pt>
+                <c:pt idx="2">
+                  <c:v>34.69</c:v>
+                </c:pt>
+                <c:pt idx="3">
+                  <c:v>35.270000000000003</c:v>
+                </c:pt>
+                <c:pt idx="4">
+                  <c:v>36.46</c:v>
+                </c:pt>
+                <c:pt idx="5">
+                  <c:v>36.6</c:v>
+                </c:pt>
+                <c:pt idx="6">
+                  <c:v>37.76</c:v>
+                </c:pt>
+                <c:pt idx="7">
+                  <c:v>30.07</c:v>
+                </c:pt>
+                <c:pt idx="8">
+                  <c:v>30.18</c:v>
+                </c:pt>
+                <c:pt idx="9">
+                  <c:v>29.59</c:v>
+                </c:pt>
+                <c:pt idx="10">
+                  <c:v>28.53</c:v>
+                </c:pt>
+                <c:pt idx="11">
+                  <c:v>28.51</c:v>
+                </c:pt>
+                <c:pt idx="12">
+                  <c:v>32.14</c:v>
+                </c:pt>
+                <c:pt idx="13">
+                  <c:v>31.62</c:v>
+                </c:pt>
+                <c:pt idx="14">
+                  <c:v>30.73</c:v>
+                </c:pt>
+              </c:numCache>
+            </c:numRef>
+          </c:val>
+          <c:smooth val="0"/>
+          <c:extLst>
+            <c:ext xmlns:c16="http://schemas.microsoft.com/office/drawing/2014/chart" uri="{C3380CC4-5D6E-409C-BE32-E72D297353CC}">
+              <c16:uniqueId val="{00000000-DEBC-4B67-8C28-CFDBB98A1C05}"/>
+            </c:ext>
+          </c:extLst>
+        </c:ser>
+        <c:ser>
+          <c:idx val="1"/>
+          <c:order val="1"/>
+          <c:tx>
+            <c:strRef>
+              <c:f>Race!$C$35</c:f>
               <c:strCache>
                 <c:ptCount val="1"/>
                 <c:pt idx="0">
@@ -3767,9 +5366,9 @@
             </c:strRef>
           </c:tx>
           <c:spPr>
-            <a:ln w="44450" cap="rnd">
+            <a:ln w="28575" cap="rnd">
               <a:solidFill>
-                <a:schemeClr val="accent1"/>
+                <a:schemeClr val="accent2"/>
               </a:solidFill>
               <a:round/>
             </a:ln>
@@ -3780,11 +5379,11 @@
             <c:size val="5"/>
             <c:spPr>
               <a:solidFill>
-                <a:schemeClr val="accent1"/>
+                <a:schemeClr val="accent2"/>
               </a:solidFill>
-              <a:ln w="44450">
+              <a:ln w="9525">
                 <a:solidFill>
-                  <a:schemeClr val="accent1"/>
+                  <a:schemeClr val="accent2"/>
                 </a:solidFill>
               </a:ln>
               <a:effectLst/>
@@ -3792,10 +5391,10 @@
           </c:marker>
           <c:cat>
             <c:numRef>
-              <c:f>Race!$A$33:$A$43</c:f>
+              <c:f>Race!$A$36:$A$50</c:f>
               <c:numCache>
                 <c:formatCode>General</c:formatCode>
-                <c:ptCount val="11"/>
+                <c:ptCount val="15"/>
                 <c:pt idx="0">
                   <c:v>2009</c:v>
                 </c:pt>
@@ -3828,48 +5427,72 @@
                 </c:pt>
                 <c:pt idx="10">
                   <c:v>2019</c:v>
+                </c:pt>
+                <c:pt idx="11">
+                  <c:v>2020</c:v>
+                </c:pt>
+                <c:pt idx="12">
+                  <c:v>2021</c:v>
+                </c:pt>
+                <c:pt idx="13">
+                  <c:v>2022</c:v>
+                </c:pt>
+                <c:pt idx="14">
+                  <c:v>2023</c:v>
                 </c:pt>
               </c:numCache>
             </c:numRef>
           </c:cat>
           <c:val>
             <c:numRef>
-              <c:f>Race!$B$33:$B$43</c:f>
+              <c:f>Race!$C$36:$C$50</c:f>
               <c:numCache>
-                <c:formatCode>0.0</c:formatCode>
-                <c:ptCount val="11"/>
+                <c:formatCode>0.00</c:formatCode>
+                <c:ptCount val="15"/>
                 <c:pt idx="0">
-                  <c:v>5.4</c:v>
+                  <c:v>28.295000000000002</c:v>
                 </c:pt>
                 <c:pt idx="1">
-                  <c:v>5.3</c:v>
+                  <c:v>29.624500000000001</c:v>
                 </c:pt>
                 <c:pt idx="2">
-                  <c:v>4.7</c:v>
+                  <c:v>31.3796</c:v>
                 </c:pt>
                 <c:pt idx="3">
-                  <c:v>4.8</c:v>
+                  <c:v>31.995000000000001</c:v>
                 </c:pt>
                 <c:pt idx="4">
-                  <c:v>4.4000000000000004</c:v>
+                  <c:v>33.291499999999999</c:v>
                 </c:pt>
                 <c:pt idx="5">
-                  <c:v>4.3</c:v>
+                  <c:v>33.879899999999999</c:v>
                 </c:pt>
                 <c:pt idx="6">
-                  <c:v>4</c:v>
+                  <c:v>34.2273</c:v>
                 </c:pt>
                 <c:pt idx="7">
-                  <c:v>4.2</c:v>
+                  <c:v>28.69</c:v>
                 </c:pt>
                 <c:pt idx="8">
-                  <c:v>4.3</c:v>
+                  <c:v>29.3</c:v>
                 </c:pt>
                 <c:pt idx="9">
-                  <c:v>4.3</c:v>
+                  <c:v>29.08</c:v>
                 </c:pt>
                 <c:pt idx="10">
-                  <c:v>4.3</c:v>
+                  <c:v>28.26</c:v>
+                </c:pt>
+                <c:pt idx="11">
+                  <c:v>28.92</c:v>
+                </c:pt>
+                <c:pt idx="12">
+                  <c:v>32.1</c:v>
+                </c:pt>
+                <c:pt idx="13">
+                  <c:v>31.76</c:v>
+                </c:pt>
+                <c:pt idx="14">
+                  <c:v>30.92</c:v>
                 </c:pt>
               </c:numCache>
             </c:numRef>
@@ -3877,136 +5500,7 @@
           <c:smooth val="0"/>
           <c:extLst>
             <c:ext xmlns:c16="http://schemas.microsoft.com/office/drawing/2014/chart" uri="{C3380CC4-5D6E-409C-BE32-E72D297353CC}">
-              <c16:uniqueId val="{00000000-5B72-4733-A2B7-1903A8E9BA91}"/>
-            </c:ext>
-          </c:extLst>
-        </c:ser>
-        <c:ser>
-          <c:idx val="1"/>
-          <c:order val="1"/>
-          <c:tx>
-            <c:strRef>
-              <c:f>Race!$C$32</c:f>
-              <c:strCache>
-                <c:ptCount val="1"/>
-                <c:pt idx="0">
-                  <c:v>Black</c:v>
-                </c:pt>
-              </c:strCache>
-            </c:strRef>
-          </c:tx>
-          <c:spPr>
-            <a:ln w="44450" cap="rnd">
-              <a:solidFill>
-                <a:srgbClr val="008080"/>
-              </a:solidFill>
-              <a:round/>
-            </a:ln>
-            <a:effectLst/>
-          </c:spPr>
-          <c:marker>
-            <c:symbol val="circle"/>
-            <c:size val="5"/>
-            <c:spPr>
-              <a:solidFill>
-                <a:srgbClr val="008080"/>
-              </a:solidFill>
-              <a:ln w="44450">
-                <a:solidFill>
-                  <a:srgbClr val="008080"/>
-                </a:solidFill>
-              </a:ln>
-              <a:effectLst/>
-            </c:spPr>
-          </c:marker>
-          <c:cat>
-            <c:numRef>
-              <c:f>Race!$A$33:$A$43</c:f>
-              <c:numCache>
-                <c:formatCode>General</c:formatCode>
-                <c:ptCount val="11"/>
-                <c:pt idx="0">
-                  <c:v>2009</c:v>
-                </c:pt>
-                <c:pt idx="1">
-                  <c:v>2010</c:v>
-                </c:pt>
-                <c:pt idx="2">
-                  <c:v>2011</c:v>
-                </c:pt>
-                <c:pt idx="3">
-                  <c:v>2012</c:v>
-                </c:pt>
-                <c:pt idx="4">
-                  <c:v>2013</c:v>
-                </c:pt>
-                <c:pt idx="5">
-                  <c:v>2014</c:v>
-                </c:pt>
-                <c:pt idx="6">
-                  <c:v>2015</c:v>
-                </c:pt>
-                <c:pt idx="7">
-                  <c:v>2016</c:v>
-                </c:pt>
-                <c:pt idx="8">
-                  <c:v>2017</c:v>
-                </c:pt>
-                <c:pt idx="9">
-                  <c:v>2018</c:v>
-                </c:pt>
-                <c:pt idx="10">
-                  <c:v>2019</c:v>
-                </c:pt>
-              </c:numCache>
-            </c:numRef>
-          </c:cat>
-          <c:val>
-            <c:numRef>
-              <c:f>Race!$C$33:$C$43</c:f>
-              <c:numCache>
-                <c:formatCode>0.0</c:formatCode>
-                <c:ptCount val="11"/>
-                <c:pt idx="0">
-                  <c:v>11.2</c:v>
-                </c:pt>
-                <c:pt idx="1">
-                  <c:v>10.9</c:v>
-                </c:pt>
-                <c:pt idx="2">
-                  <c:v>10</c:v>
-                </c:pt>
-                <c:pt idx="3">
-                  <c:v>9.8000000000000007</c:v>
-                </c:pt>
-                <c:pt idx="4">
-                  <c:v>9.6</c:v>
-                </c:pt>
-                <c:pt idx="5">
-                  <c:v>9.1999999999999993</c:v>
-                </c:pt>
-                <c:pt idx="6">
-                  <c:v>9</c:v>
-                </c:pt>
-                <c:pt idx="7">
-                  <c:v>9.5</c:v>
-                </c:pt>
-                <c:pt idx="8">
-                  <c:v>9.9</c:v>
-                </c:pt>
-                <c:pt idx="9">
-                  <c:v>9.8000000000000007</c:v>
-                </c:pt>
-                <c:pt idx="10">
-                  <c:v>10.1</c:v>
-                </c:pt>
-              </c:numCache>
-            </c:numRef>
-          </c:val>
-          <c:smooth val="0"/>
-          <c:extLst>
-            <c:ext xmlns:c16="http://schemas.microsoft.com/office/drawing/2014/chart" uri="{C3380CC4-5D6E-409C-BE32-E72D297353CC}">
-              <c16:uniqueId val="{00000001-5B72-4733-A2B7-1903A8E9BA91}"/>
+              <c16:uniqueId val="{00000001-DEBC-4B67-8C28-CFDBB98A1C05}"/>
             </c:ext>
           </c:extLst>
         </c:ser>
@@ -4015,17 +5509,17 @@
           <c:order val="2"/>
           <c:tx>
             <c:strRef>
-              <c:f>Race!$D$32</c:f>
+              <c:f>Race!$D$35</c:f>
               <c:strCache>
                 <c:ptCount val="1"/>
                 <c:pt idx="0">
-                  <c:v>American Indian/Alaska Native</c:v>
+                  <c:v>Black</c:v>
                 </c:pt>
               </c:strCache>
             </c:strRef>
           </c:tx>
           <c:spPr>
-            <a:ln w="44450" cap="rnd">
+            <a:ln w="28575" cap="rnd">
               <a:solidFill>
                 <a:schemeClr val="accent3"/>
               </a:solidFill>
@@ -4040,7 +5534,7 @@
               <a:solidFill>
                 <a:schemeClr val="accent3"/>
               </a:solidFill>
-              <a:ln w="44450">
+              <a:ln w="9525">
                 <a:solidFill>
                   <a:schemeClr val="accent3"/>
                 </a:solidFill>
@@ -4050,10 +5544,10 @@
           </c:marker>
           <c:cat>
             <c:numRef>
-              <c:f>Race!$A$33:$A$43</c:f>
+              <c:f>Race!$A$36:$A$50</c:f>
               <c:numCache>
                 <c:formatCode>General</c:formatCode>
-                <c:ptCount val="11"/>
+                <c:ptCount val="15"/>
                 <c:pt idx="0">
                   <c:v>2009</c:v>
                 </c:pt>
@@ -4086,48 +5580,72 @@
                 </c:pt>
                 <c:pt idx="10">
                   <c:v>2019</c:v>
+                </c:pt>
+                <c:pt idx="11">
+                  <c:v>2020</c:v>
+                </c:pt>
+                <c:pt idx="12">
+                  <c:v>2021</c:v>
+                </c:pt>
+                <c:pt idx="13">
+                  <c:v>2022</c:v>
+                </c:pt>
+                <c:pt idx="14">
+                  <c:v>2023</c:v>
                 </c:pt>
               </c:numCache>
             </c:numRef>
           </c:cat>
           <c:val>
             <c:numRef>
-              <c:f>Race!$D$33:$D$43</c:f>
+              <c:f>Race!$D$36:$D$50</c:f>
               <c:numCache>
-                <c:formatCode>0.0</c:formatCode>
-                <c:ptCount val="11"/>
+                <c:formatCode>0.00</c:formatCode>
+                <c:ptCount val="15"/>
                 <c:pt idx="0">
-                  <c:v>8.1999999999999993</c:v>
+                  <c:v>28.7836</c:v>
                 </c:pt>
                 <c:pt idx="1">
-                  <c:v>7.4</c:v>
+                  <c:v>31.227499999999999</c:v>
                 </c:pt>
                 <c:pt idx="2">
-                  <c:v>6.5</c:v>
+                  <c:v>34.126800000000003</c:v>
                 </c:pt>
                 <c:pt idx="3">
-                  <c:v>6.3</c:v>
+                  <c:v>35.5931</c:v>
                 </c:pt>
                 <c:pt idx="4">
-                  <c:v>4.5999999999999996</c:v>
+                  <c:v>35.390599999999999</c:v>
                 </c:pt>
                 <c:pt idx="5">
-                  <c:v>5.8</c:v>
+                  <c:v>33.418900000000001</c:v>
                 </c:pt>
                 <c:pt idx="6">
-                  <c:v>5.2</c:v>
+                  <c:v>35.394100000000002</c:v>
                 </c:pt>
                 <c:pt idx="7">
-                  <c:v>4.8</c:v>
+                  <c:v>28.27</c:v>
                 </c:pt>
                 <c:pt idx="8">
-                  <c:v>4.9000000000000004</c:v>
+                  <c:v>27.98</c:v>
                 </c:pt>
                 <c:pt idx="9">
-                  <c:v>5.2</c:v>
+                  <c:v>26.8</c:v>
                 </c:pt>
                 <c:pt idx="10">
-                  <c:v>5.6</c:v>
+                  <c:v>26.47</c:v>
+                </c:pt>
+                <c:pt idx="11">
+                  <c:v>25.79</c:v>
+                </c:pt>
+                <c:pt idx="12">
+                  <c:v>30.15</c:v>
+                </c:pt>
+                <c:pt idx="13">
+                  <c:v>29.04</c:v>
+                </c:pt>
+                <c:pt idx="14">
+                  <c:v>28.78</c:v>
                 </c:pt>
               </c:numCache>
             </c:numRef>
@@ -4135,7 +5653,7 @@
           <c:smooth val="0"/>
           <c:extLst>
             <c:ext xmlns:c16="http://schemas.microsoft.com/office/drawing/2014/chart" uri="{C3380CC4-5D6E-409C-BE32-E72D297353CC}">
-              <c16:uniqueId val="{00000002-5B72-4733-A2B7-1903A8E9BA91}"/>
+              <c16:uniqueId val="{00000002-DEBC-4B67-8C28-CFDBB98A1C05}"/>
             </c:ext>
           </c:extLst>
         </c:ser>
@@ -4144,17 +5662,17 @@
           <c:order val="3"/>
           <c:tx>
             <c:strRef>
-              <c:f>Race!$E$32</c:f>
+              <c:f>Race!$E$35</c:f>
               <c:strCache>
                 <c:ptCount val="1"/>
                 <c:pt idx="0">
-                  <c:v>Asian/Pacific Islander</c:v>
+                  <c:v>Unknown</c:v>
                 </c:pt>
               </c:strCache>
             </c:strRef>
           </c:tx>
           <c:spPr>
-            <a:ln w="44450" cap="rnd">
+            <a:ln w="28575" cap="rnd">
               <a:solidFill>
                 <a:schemeClr val="accent4"/>
               </a:solidFill>
@@ -4169,7 +5687,7 @@
               <a:solidFill>
                 <a:schemeClr val="accent4"/>
               </a:solidFill>
-              <a:ln w="44450">
+              <a:ln w="9525">
                 <a:solidFill>
                   <a:schemeClr val="accent4"/>
                 </a:solidFill>
@@ -4179,10 +5697,10 @@
           </c:marker>
           <c:cat>
             <c:numRef>
-              <c:f>Race!$A$33:$A$43</c:f>
+              <c:f>Race!$A$36:$A$50</c:f>
               <c:numCache>
                 <c:formatCode>General</c:formatCode>
-                <c:ptCount val="11"/>
+                <c:ptCount val="15"/>
                 <c:pt idx="0">
                   <c:v>2009</c:v>
                 </c:pt>
@@ -4215,48 +5733,72 @@
                 </c:pt>
                 <c:pt idx="10">
                   <c:v>2019</c:v>
+                </c:pt>
+                <c:pt idx="11">
+                  <c:v>2020</c:v>
+                </c:pt>
+                <c:pt idx="12">
+                  <c:v>2021</c:v>
+                </c:pt>
+                <c:pt idx="13">
+                  <c:v>2022</c:v>
+                </c:pt>
+                <c:pt idx="14">
+                  <c:v>2023</c:v>
                 </c:pt>
               </c:numCache>
             </c:numRef>
           </c:cat>
           <c:val>
             <c:numRef>
-              <c:f>Race!$E$33:$E$43</c:f>
+              <c:f>Race!$E$36:$E$50</c:f>
               <c:numCache>
-                <c:formatCode>0.0</c:formatCode>
-                <c:ptCount val="11"/>
+                <c:formatCode>0.00</c:formatCode>
+                <c:ptCount val="15"/>
                 <c:pt idx="0">
-                  <c:v>5.4</c:v>
+                  <c:v>40.252200000000002</c:v>
                 </c:pt>
                 <c:pt idx="1">
-                  <c:v>4.7</c:v>
+                  <c:v>37.7044</c:v>
                 </c:pt>
                 <c:pt idx="2">
-                  <c:v>4.9000000000000004</c:v>
+                  <c:v>42.6937</c:v>
                 </c:pt>
                 <c:pt idx="3">
-                  <c:v>4.8</c:v>
+                  <c:v>45.701500000000003</c:v>
                 </c:pt>
                 <c:pt idx="4">
-                  <c:v>4.7</c:v>
+                  <c:v>44.668799999999997</c:v>
                 </c:pt>
                 <c:pt idx="5">
-                  <c:v>4.5999999999999996</c:v>
+                  <c:v>50.289299999999997</c:v>
                 </c:pt>
                 <c:pt idx="6">
-                  <c:v>4.3</c:v>
+                  <c:v>44.497999999999998</c:v>
                 </c:pt>
                 <c:pt idx="7">
-                  <c:v>4.4000000000000004</c:v>
+                  <c:v>36.46</c:v>
                 </c:pt>
                 <c:pt idx="8">
-                  <c:v>4.7</c:v>
+                  <c:v>41.03</c:v>
                 </c:pt>
                 <c:pt idx="9">
-                  <c:v>4.7</c:v>
+                  <c:v>35.950000000000003</c:v>
                 </c:pt>
                 <c:pt idx="10">
-                  <c:v>4.9000000000000004</c:v>
+                  <c:v>34.619999999999997</c:v>
+                </c:pt>
+                <c:pt idx="11">
+                  <c:v>37.83</c:v>
+                </c:pt>
+                <c:pt idx="12">
+                  <c:v>40.299999999999997</c:v>
+                </c:pt>
+                <c:pt idx="13">
+                  <c:v>39.909999999999997</c:v>
+                </c:pt>
+                <c:pt idx="14">
+                  <c:v>32.67</c:v>
                 </c:pt>
               </c:numCache>
             </c:numRef>
@@ -4264,7 +5806,7 @@
           <c:smooth val="0"/>
           <c:extLst>
             <c:ext xmlns:c16="http://schemas.microsoft.com/office/drawing/2014/chart" uri="{C3380CC4-5D6E-409C-BE32-E72D297353CC}">
-              <c16:uniqueId val="{00000003-5B72-4733-A2B7-1903A8E9BA91}"/>
+              <c16:uniqueId val="{00000003-DEBC-4B67-8C28-CFDBB98A1C05}"/>
             </c:ext>
           </c:extLst>
         </c:ser>
@@ -4273,17 +5815,17 @@
           <c:order val="4"/>
           <c:tx>
             <c:strRef>
-              <c:f>Race!$F$32</c:f>
+              <c:f>Race!$F$35</c:f>
               <c:strCache>
                 <c:ptCount val="1"/>
                 <c:pt idx="0">
-                  <c:v>Other</c:v>
+                  <c:v>Missing</c:v>
                 </c:pt>
               </c:strCache>
             </c:strRef>
           </c:tx>
           <c:spPr>
-            <a:ln w="44450" cap="rnd">
+            <a:ln w="28575" cap="rnd">
               <a:solidFill>
                 <a:schemeClr val="accent5"/>
               </a:solidFill>
@@ -4298,7 +5840,7 @@
               <a:solidFill>
                 <a:schemeClr val="accent5"/>
               </a:solidFill>
-              <a:ln w="44450">
+              <a:ln w="9525">
                 <a:solidFill>
                   <a:schemeClr val="accent5"/>
                 </a:solidFill>
@@ -4308,10 +5850,10 @@
           </c:marker>
           <c:cat>
             <c:numRef>
-              <c:f>Race!$A$33:$A$43</c:f>
+              <c:f>Race!$A$36:$A$50</c:f>
               <c:numCache>
                 <c:formatCode>General</c:formatCode>
-                <c:ptCount val="11"/>
+                <c:ptCount val="15"/>
                 <c:pt idx="0">
                   <c:v>2009</c:v>
                 </c:pt>
@@ -4344,48 +5886,72 @@
                 </c:pt>
                 <c:pt idx="10">
                   <c:v>2019</c:v>
+                </c:pt>
+                <c:pt idx="11">
+                  <c:v>2020</c:v>
+                </c:pt>
+                <c:pt idx="12">
+                  <c:v>2021</c:v>
+                </c:pt>
+                <c:pt idx="13">
+                  <c:v>2022</c:v>
+                </c:pt>
+                <c:pt idx="14">
+                  <c:v>2023</c:v>
                 </c:pt>
               </c:numCache>
             </c:numRef>
           </c:cat>
           <c:val>
             <c:numRef>
-              <c:f>Race!$F$33:$F$43</c:f>
+              <c:f>Race!$F$36:$F$50</c:f>
               <c:numCache>
-                <c:formatCode>0.0</c:formatCode>
-                <c:ptCount val="11"/>
+                <c:formatCode>0.00</c:formatCode>
+                <c:ptCount val="15"/>
                 <c:pt idx="0">
-                  <c:v>5.5</c:v>
+                  <c:v>32.101199999999999</c:v>
                 </c:pt>
                 <c:pt idx="1">
-                  <c:v>5.7</c:v>
+                  <c:v>35.1907</c:v>
                 </c:pt>
                 <c:pt idx="2">
-                  <c:v>4.4000000000000004</c:v>
+                  <c:v>39.800400000000003</c:v>
                 </c:pt>
                 <c:pt idx="3">
-                  <c:v>5.2</c:v>
+                  <c:v>39.022399999999998</c:v>
                 </c:pt>
                 <c:pt idx="4">
-                  <c:v>4.5</c:v>
+                  <c:v>40.868499999999997</c:v>
                 </c:pt>
                 <c:pt idx="5">
-                  <c:v>4.4000000000000004</c:v>
+                  <c:v>40.994799999999998</c:v>
                 </c:pt>
                 <c:pt idx="6">
-                  <c:v>4.5</c:v>
+                  <c:v>44.59</c:v>
                 </c:pt>
                 <c:pt idx="7">
-                  <c:v>4.3</c:v>
+                  <c:v>37.729999999999997</c:v>
                 </c:pt>
                 <c:pt idx="8">
-                  <c:v>4.8</c:v>
+                  <c:v>38.6</c:v>
                 </c:pt>
                 <c:pt idx="9">
-                  <c:v>4.5</c:v>
+                  <c:v>38.1</c:v>
                 </c:pt>
                 <c:pt idx="10">
-                  <c:v>4.7</c:v>
+                  <c:v>36.200000000000003</c:v>
+                </c:pt>
+                <c:pt idx="11">
+                  <c:v>37.840000000000003</c:v>
+                </c:pt>
+                <c:pt idx="12">
+                  <c:v>38.659999999999997</c:v>
+                </c:pt>
+                <c:pt idx="13">
+                  <c:v>42.77</c:v>
+                </c:pt>
+                <c:pt idx="14">
+                  <c:v>36.590000000000003</c:v>
                 </c:pt>
               </c:numCache>
             </c:numRef>
@@ -4393,7 +5959,478 @@
           <c:smooth val="0"/>
           <c:extLst>
             <c:ext xmlns:c16="http://schemas.microsoft.com/office/drawing/2014/chart" uri="{C3380CC4-5D6E-409C-BE32-E72D297353CC}">
-              <c16:uniqueId val="{00000004-5B72-4733-A2B7-1903A8E9BA91}"/>
+              <c16:uniqueId val="{00000004-DEBC-4B67-8C28-CFDBB98A1C05}"/>
+            </c:ext>
+          </c:extLst>
+        </c:ser>
+        <c:ser>
+          <c:idx val="5"/>
+          <c:order val="5"/>
+          <c:tx>
+            <c:strRef>
+              <c:f>Race!$G$35</c:f>
+              <c:strCache>
+                <c:ptCount val="1"/>
+                <c:pt idx="0">
+                  <c:v>Asian/Pacific Islander</c:v>
+                </c:pt>
+              </c:strCache>
+            </c:strRef>
+          </c:tx>
+          <c:spPr>
+            <a:ln w="28575" cap="rnd">
+              <a:solidFill>
+                <a:schemeClr val="accent6"/>
+              </a:solidFill>
+              <a:round/>
+            </a:ln>
+            <a:effectLst/>
+          </c:spPr>
+          <c:marker>
+            <c:symbol val="circle"/>
+            <c:size val="5"/>
+            <c:spPr>
+              <a:solidFill>
+                <a:schemeClr val="accent6"/>
+              </a:solidFill>
+              <a:ln w="9525">
+                <a:solidFill>
+                  <a:schemeClr val="accent6"/>
+                </a:solidFill>
+              </a:ln>
+              <a:effectLst/>
+            </c:spPr>
+          </c:marker>
+          <c:cat>
+            <c:numRef>
+              <c:f>Race!$A$36:$A$50</c:f>
+              <c:numCache>
+                <c:formatCode>General</c:formatCode>
+                <c:ptCount val="15"/>
+                <c:pt idx="0">
+                  <c:v>2009</c:v>
+                </c:pt>
+                <c:pt idx="1">
+                  <c:v>2010</c:v>
+                </c:pt>
+                <c:pt idx="2">
+                  <c:v>2011</c:v>
+                </c:pt>
+                <c:pt idx="3">
+                  <c:v>2012</c:v>
+                </c:pt>
+                <c:pt idx="4">
+                  <c:v>2013</c:v>
+                </c:pt>
+                <c:pt idx="5">
+                  <c:v>2014</c:v>
+                </c:pt>
+                <c:pt idx="6">
+                  <c:v>2015</c:v>
+                </c:pt>
+                <c:pt idx="7">
+                  <c:v>2016</c:v>
+                </c:pt>
+                <c:pt idx="8">
+                  <c:v>2017</c:v>
+                </c:pt>
+                <c:pt idx="9">
+                  <c:v>2018</c:v>
+                </c:pt>
+                <c:pt idx="10">
+                  <c:v>2019</c:v>
+                </c:pt>
+                <c:pt idx="11">
+                  <c:v>2020</c:v>
+                </c:pt>
+                <c:pt idx="12">
+                  <c:v>2021</c:v>
+                </c:pt>
+                <c:pt idx="13">
+                  <c:v>2022</c:v>
+                </c:pt>
+                <c:pt idx="14">
+                  <c:v>2023</c:v>
+                </c:pt>
+              </c:numCache>
+            </c:numRef>
+          </c:cat>
+          <c:val>
+            <c:numRef>
+              <c:f>Race!$G$36:$G$50</c:f>
+              <c:numCache>
+                <c:formatCode>0.00</c:formatCode>
+                <c:ptCount val="15"/>
+                <c:pt idx="0">
+                  <c:v>31.6844</c:v>
+                </c:pt>
+                <c:pt idx="1">
+                  <c:v>33.386200000000002</c:v>
+                </c:pt>
+                <c:pt idx="2">
+                  <c:v>41.981999999999999</c:v>
+                </c:pt>
+                <c:pt idx="3">
+                  <c:v>35.828800000000001</c:v>
+                </c:pt>
+                <c:pt idx="4">
+                  <c:v>39.151000000000003</c:v>
+                </c:pt>
+                <c:pt idx="5">
+                  <c:v>43.916899999999998</c:v>
+                </c:pt>
+                <c:pt idx="6">
+                  <c:v>49.810099999999998</c:v>
+                </c:pt>
+                <c:pt idx="7">
+                  <c:v>35.69</c:v>
+                </c:pt>
+                <c:pt idx="8">
+                  <c:v>32.06</c:v>
+                </c:pt>
+                <c:pt idx="9">
+                  <c:v>34.1</c:v>
+                </c:pt>
+                <c:pt idx="10">
+                  <c:v>32.520000000000003</c:v>
+                </c:pt>
+                <c:pt idx="11">
+                  <c:v>34.04</c:v>
+                </c:pt>
+                <c:pt idx="12">
+                  <c:v>38.909999999999997</c:v>
+                </c:pt>
+                <c:pt idx="13">
+                  <c:v>37.659999999999997</c:v>
+                </c:pt>
+                <c:pt idx="14">
+                  <c:v>39.82</c:v>
+                </c:pt>
+              </c:numCache>
+            </c:numRef>
+          </c:val>
+          <c:smooth val="0"/>
+          <c:extLst>
+            <c:ext xmlns:c16="http://schemas.microsoft.com/office/drawing/2014/chart" uri="{C3380CC4-5D6E-409C-BE32-E72D297353CC}">
+              <c16:uniqueId val="{00000005-DEBC-4B67-8C28-CFDBB98A1C05}"/>
+            </c:ext>
+          </c:extLst>
+        </c:ser>
+        <c:ser>
+          <c:idx val="6"/>
+          <c:order val="6"/>
+          <c:tx>
+            <c:strRef>
+              <c:f>Race!$H$35</c:f>
+              <c:strCache>
+                <c:ptCount val="1"/>
+                <c:pt idx="0">
+                  <c:v>American Indian/Alaska Native</c:v>
+                </c:pt>
+              </c:strCache>
+            </c:strRef>
+          </c:tx>
+          <c:spPr>
+            <a:ln w="28575" cap="rnd">
+              <a:solidFill>
+                <a:schemeClr val="accent1">
+                  <a:lumMod val="60000"/>
+                </a:schemeClr>
+              </a:solidFill>
+              <a:round/>
+            </a:ln>
+            <a:effectLst/>
+          </c:spPr>
+          <c:marker>
+            <c:symbol val="circle"/>
+            <c:size val="5"/>
+            <c:spPr>
+              <a:solidFill>
+                <a:schemeClr val="accent1">
+                  <a:lumMod val="60000"/>
+                </a:schemeClr>
+              </a:solidFill>
+              <a:ln w="9525">
+                <a:solidFill>
+                  <a:schemeClr val="accent1">
+                    <a:lumMod val="60000"/>
+                  </a:schemeClr>
+                </a:solidFill>
+              </a:ln>
+              <a:effectLst/>
+            </c:spPr>
+          </c:marker>
+          <c:cat>
+            <c:numRef>
+              <c:f>Race!$A$36:$A$50</c:f>
+              <c:numCache>
+                <c:formatCode>General</c:formatCode>
+                <c:ptCount val="15"/>
+                <c:pt idx="0">
+                  <c:v>2009</c:v>
+                </c:pt>
+                <c:pt idx="1">
+                  <c:v>2010</c:v>
+                </c:pt>
+                <c:pt idx="2">
+                  <c:v>2011</c:v>
+                </c:pt>
+                <c:pt idx="3">
+                  <c:v>2012</c:v>
+                </c:pt>
+                <c:pt idx="4">
+                  <c:v>2013</c:v>
+                </c:pt>
+                <c:pt idx="5">
+                  <c:v>2014</c:v>
+                </c:pt>
+                <c:pt idx="6">
+                  <c:v>2015</c:v>
+                </c:pt>
+                <c:pt idx="7">
+                  <c:v>2016</c:v>
+                </c:pt>
+                <c:pt idx="8">
+                  <c:v>2017</c:v>
+                </c:pt>
+                <c:pt idx="9">
+                  <c:v>2018</c:v>
+                </c:pt>
+                <c:pt idx="10">
+                  <c:v>2019</c:v>
+                </c:pt>
+                <c:pt idx="11">
+                  <c:v>2020</c:v>
+                </c:pt>
+                <c:pt idx="12">
+                  <c:v>2021</c:v>
+                </c:pt>
+                <c:pt idx="13">
+                  <c:v>2022</c:v>
+                </c:pt>
+                <c:pt idx="14">
+                  <c:v>2023</c:v>
+                </c:pt>
+              </c:numCache>
+            </c:numRef>
+          </c:cat>
+          <c:val>
+            <c:numRef>
+              <c:f>Race!$H$36:$H$50</c:f>
+              <c:numCache>
+                <c:formatCode>0.00</c:formatCode>
+                <c:ptCount val="15"/>
+                <c:pt idx="0">
+                  <c:v>25.759799999999998</c:v>
+                </c:pt>
+                <c:pt idx="1">
+                  <c:v>33.8202</c:v>
+                </c:pt>
+                <c:pt idx="2">
+                  <c:v>33.373800000000003</c:v>
+                </c:pt>
+                <c:pt idx="3">
+                  <c:v>38.287799999999997</c:v>
+                </c:pt>
+                <c:pt idx="4">
+                  <c:v>40.346200000000003</c:v>
+                </c:pt>
+                <c:pt idx="5">
+                  <c:v>48.598599999999998</c:v>
+                </c:pt>
+                <c:pt idx="6">
+                  <c:v>41.542400000000001</c:v>
+                </c:pt>
+                <c:pt idx="7">
+                  <c:v>23.25</c:v>
+                </c:pt>
+                <c:pt idx="8">
+                  <c:v>36.68</c:v>
+                </c:pt>
+                <c:pt idx="9">
+                  <c:v>30.59</c:v>
+                </c:pt>
+                <c:pt idx="10">
+                  <c:v>34.619999999999997</c:v>
+                </c:pt>
+                <c:pt idx="11">
+                  <c:v>27.5</c:v>
+                </c:pt>
+                <c:pt idx="12">
+                  <c:v>25.92</c:v>
+                </c:pt>
+                <c:pt idx="13">
+                  <c:v>32.71</c:v>
+                </c:pt>
+                <c:pt idx="14">
+                  <c:v>23.83</c:v>
+                </c:pt>
+              </c:numCache>
+            </c:numRef>
+          </c:val>
+          <c:smooth val="0"/>
+          <c:extLst>
+            <c:ext xmlns:c16="http://schemas.microsoft.com/office/drawing/2014/chart" uri="{C3380CC4-5D6E-409C-BE32-E72D297353CC}">
+              <c16:uniqueId val="{00000006-DEBC-4B67-8C28-CFDBB98A1C05}"/>
+            </c:ext>
+          </c:extLst>
+        </c:ser>
+        <c:ser>
+          <c:idx val="7"/>
+          <c:order val="7"/>
+          <c:tx>
+            <c:strRef>
+              <c:f>Race!$I$35</c:f>
+              <c:strCache>
+                <c:ptCount val="1"/>
+                <c:pt idx="0">
+                  <c:v>Other</c:v>
+                </c:pt>
+              </c:strCache>
+            </c:strRef>
+          </c:tx>
+          <c:spPr>
+            <a:ln w="28575" cap="rnd">
+              <a:solidFill>
+                <a:schemeClr val="accent2">
+                  <a:lumMod val="60000"/>
+                </a:schemeClr>
+              </a:solidFill>
+              <a:round/>
+            </a:ln>
+            <a:effectLst/>
+          </c:spPr>
+          <c:marker>
+            <c:symbol val="circle"/>
+            <c:size val="5"/>
+            <c:spPr>
+              <a:solidFill>
+                <a:schemeClr val="accent2">
+                  <a:lumMod val="60000"/>
+                </a:schemeClr>
+              </a:solidFill>
+              <a:ln w="9525">
+                <a:solidFill>
+                  <a:schemeClr val="accent2">
+                    <a:lumMod val="60000"/>
+                  </a:schemeClr>
+                </a:solidFill>
+              </a:ln>
+              <a:effectLst/>
+            </c:spPr>
+          </c:marker>
+          <c:cat>
+            <c:numRef>
+              <c:f>Race!$A$36:$A$50</c:f>
+              <c:numCache>
+                <c:formatCode>General</c:formatCode>
+                <c:ptCount val="15"/>
+                <c:pt idx="0">
+                  <c:v>2009</c:v>
+                </c:pt>
+                <c:pt idx="1">
+                  <c:v>2010</c:v>
+                </c:pt>
+                <c:pt idx="2">
+                  <c:v>2011</c:v>
+                </c:pt>
+                <c:pt idx="3">
+                  <c:v>2012</c:v>
+                </c:pt>
+                <c:pt idx="4">
+                  <c:v>2013</c:v>
+                </c:pt>
+                <c:pt idx="5">
+                  <c:v>2014</c:v>
+                </c:pt>
+                <c:pt idx="6">
+                  <c:v>2015</c:v>
+                </c:pt>
+                <c:pt idx="7">
+                  <c:v>2016</c:v>
+                </c:pt>
+                <c:pt idx="8">
+                  <c:v>2017</c:v>
+                </c:pt>
+                <c:pt idx="9">
+                  <c:v>2018</c:v>
+                </c:pt>
+                <c:pt idx="10">
+                  <c:v>2019</c:v>
+                </c:pt>
+                <c:pt idx="11">
+                  <c:v>2020</c:v>
+                </c:pt>
+                <c:pt idx="12">
+                  <c:v>2021</c:v>
+                </c:pt>
+                <c:pt idx="13">
+                  <c:v>2022</c:v>
+                </c:pt>
+                <c:pt idx="14">
+                  <c:v>2023</c:v>
+                </c:pt>
+              </c:numCache>
+            </c:numRef>
+          </c:cat>
+          <c:val>
+            <c:numRef>
+              <c:f>Race!$I$36:$I$50</c:f>
+              <c:numCache>
+                <c:formatCode>0.00</c:formatCode>
+                <c:ptCount val="15"/>
+                <c:pt idx="0">
+                  <c:v>28.9878</c:v>
+                </c:pt>
+                <c:pt idx="1">
+                  <c:v>31.5717</c:v>
+                </c:pt>
+                <c:pt idx="2">
+                  <c:v>30.532599999999999</c:v>
+                </c:pt>
+                <c:pt idx="3">
+                  <c:v>34.578699999999998</c:v>
+                </c:pt>
+                <c:pt idx="4">
+                  <c:v>41.2209</c:v>
+                </c:pt>
+                <c:pt idx="5">
+                  <c:v>40.494300000000003</c:v>
+                </c:pt>
+                <c:pt idx="6">
+                  <c:v>39.721299999999999</c:v>
+                </c:pt>
+                <c:pt idx="7">
+                  <c:v>31.88</c:v>
+                </c:pt>
+                <c:pt idx="8">
+                  <c:v>28</c:v>
+                </c:pt>
+                <c:pt idx="9">
+                  <c:v>31.69</c:v>
+                </c:pt>
+                <c:pt idx="10">
+                  <c:v>31.75</c:v>
+                </c:pt>
+                <c:pt idx="11">
+                  <c:v>23.85</c:v>
+                </c:pt>
+                <c:pt idx="12">
+                  <c:v>34.840000000000003</c:v>
+                </c:pt>
+                <c:pt idx="13">
+                  <c:v>33.11</c:v>
+                </c:pt>
+                <c:pt idx="14">
+                  <c:v>32</c:v>
+                </c:pt>
+              </c:numCache>
+            </c:numRef>
+          </c:val>
+          <c:smooth val="0"/>
+          <c:extLst>
+            <c:ext xmlns:c16="http://schemas.microsoft.com/office/drawing/2014/chart" uri="{C3380CC4-5D6E-409C-BE32-E72D297353CC}">
+              <c16:uniqueId val="{00000007-DEBC-4B67-8C28-CFDBB98A1C05}"/>
             </c:ext>
           </c:extLst>
         </c:ser>
@@ -4407,11 +6444,11 @@
         </c:dLbls>
         <c:marker val="1"/>
         <c:smooth val="0"/>
-        <c:axId val="626186720"/>
-        <c:axId val="626185056"/>
+        <c:axId val="287927855"/>
+        <c:axId val="287928271"/>
       </c:lineChart>
       <c:catAx>
-        <c:axId val="626186720"/>
+        <c:axId val="287927855"/>
         <c:scaling>
           <c:orientation val="minMax"/>
         </c:scaling>
@@ -4439,19 +6476,19 @@
           <a:lstStyle/>
           <a:p>
             <a:pPr>
-              <a:defRPr sz="2300" b="0" i="0" u="none" strike="noStrike" kern="1200" baseline="0">
+              <a:defRPr sz="2000" b="0" i="0" u="none" strike="noStrike" kern="1200" baseline="0">
                 <a:solidFill>
-                  <a:sysClr val="windowText" lastClr="000000"/>
+                  <a:schemeClr val="tx1"/>
                 </a:solidFill>
-                <a:latin typeface="Calibri" panose="020F0502020204030204" pitchFamily="34" charset="0"/>
+                <a:latin typeface="+mn-lt"/>
                 <a:ea typeface="+mn-ea"/>
-                <a:cs typeface="Calibri" panose="020F0502020204030204" pitchFamily="34" charset="0"/>
+                <a:cs typeface="+mn-cs"/>
               </a:defRPr>
             </a:pPr>
             <a:endParaRPr lang="en-US"/>
           </a:p>
         </c:txPr>
-        <c:crossAx val="626185056"/>
+        <c:crossAx val="287928271"/>
         <c:crosses val="autoZero"/>
         <c:auto val="1"/>
         <c:lblAlgn val="ctr"/>
@@ -4459,10 +6496,9 @@
         <c:noMultiLvlLbl val="0"/>
       </c:catAx>
       <c:valAx>
-        <c:axId val="626185056"/>
+        <c:axId val="287928271"/>
         <c:scaling>
           <c:orientation val="minMax"/>
-          <c:max val="14"/>
         </c:scaling>
         <c:delete val="0"/>
         <c:axPos val="l"/>
@@ -4487,35 +6523,22 @@
               <a:lstStyle/>
               <a:p>
                 <a:pPr>
-                  <a:defRPr sz="2400" b="0" i="0" u="none" strike="noStrike" kern="1200" baseline="0">
+                  <a:defRPr sz="2000" b="0" i="0" u="none" strike="noStrike" kern="1200" baseline="0">
                     <a:solidFill>
-                      <a:sysClr val="windowText" lastClr="000000"/>
+                      <a:schemeClr val="tx1"/>
                     </a:solidFill>
-                    <a:latin typeface="Calibri" panose="020F0502020204030204" pitchFamily="34" charset="0"/>
+                    <a:latin typeface="+mn-lt"/>
                     <a:ea typeface="+mn-ea"/>
-                    <a:cs typeface="Calibri" panose="020F0502020204030204" pitchFamily="34" charset="0"/>
+                    <a:cs typeface="+mn-cs"/>
                   </a:defRPr>
                 </a:pPr>
                 <a:r>
-                  <a:rPr lang="en-US" sz="2400" b="0" i="0" baseline="0" dirty="0">
-                    <a:effectLst/>
-                  </a:rPr>
-                  <a:t>CKD Stages 3–5 (%)</a:t>
+                  <a:rPr lang="en-US"/>
+                  <a:t>Adults with CKD Stages 3-5 and ICD-9 or 10 code (%)</a:t>
                 </a:r>
-                <a:endParaRPr lang="en-US" sz="2400" dirty="0">
-                  <a:effectLst/>
-                </a:endParaRPr>
               </a:p>
             </c:rich>
           </c:tx>
-          <c:layout>
-            <c:manualLayout>
-              <c:xMode val="edge"/>
-              <c:yMode val="edge"/>
-              <c:x val="2.3384186351706036E-4"/>
-              <c:y val="0.10213240496777304"/>
-            </c:manualLayout>
-          </c:layout>
           <c:overlay val="0"/>
           <c:spPr>
             <a:noFill/>
@@ -4529,13 +6552,13 @@
             <a:lstStyle/>
             <a:p>
               <a:pPr>
-                <a:defRPr sz="2400" b="0" i="0" u="none" strike="noStrike" kern="1200" baseline="0">
+                <a:defRPr sz="2000" b="0" i="0" u="none" strike="noStrike" kern="1200" baseline="0">
                   <a:solidFill>
-                    <a:sysClr val="windowText" lastClr="000000"/>
+                    <a:schemeClr val="tx1"/>
                   </a:solidFill>
-                  <a:latin typeface="Calibri" panose="020F0502020204030204" pitchFamily="34" charset="0"/>
+                  <a:latin typeface="+mn-lt"/>
                   <a:ea typeface="+mn-ea"/>
-                  <a:cs typeface="Calibri" panose="020F0502020204030204" pitchFamily="34" charset="0"/>
+                  <a:cs typeface="+mn-cs"/>
                 </a:defRPr>
               </a:pPr>
               <a:endParaRPr lang="en-US"/>
@@ -4558,19 +6581,19 @@
           <a:lstStyle/>
           <a:p>
             <a:pPr>
-              <a:defRPr sz="2300" b="0" i="0" u="none" strike="noStrike" kern="1200" baseline="0">
+              <a:defRPr sz="2000" b="0" i="0" u="none" strike="noStrike" kern="1200" baseline="0">
                 <a:solidFill>
-                  <a:sysClr val="windowText" lastClr="000000"/>
+                  <a:schemeClr val="tx1"/>
                 </a:solidFill>
-                <a:latin typeface="Calibri" panose="020F0502020204030204" pitchFamily="34" charset="0"/>
+                <a:latin typeface="+mn-lt"/>
                 <a:ea typeface="+mn-ea"/>
-                <a:cs typeface="Calibri" panose="020F0502020204030204" pitchFamily="34" charset="0"/>
+                <a:cs typeface="+mn-cs"/>
               </a:defRPr>
             </a:pPr>
             <a:endParaRPr lang="en-US"/>
           </a:p>
         </c:txPr>
-        <c:crossAx val="626186720"/>
+        <c:crossAx val="287927855"/>
         <c:crosses val="autoZero"/>
         <c:crossBetween val="between"/>
       </c:valAx>
@@ -4584,16 +6607,6 @@
     </c:plotArea>
     <c:legend>
       <c:legendPos val="b"/>
-      <c:layout>
-        <c:manualLayout>
-          <c:xMode val="edge"/>
-          <c:yMode val="edge"/>
-          <c:x val="8.7445538057742786E-2"/>
-          <c:y val="0.90474735239186144"/>
-          <c:w val="0.87953961614173226"/>
-          <c:h val="9.4724432409043838E-2"/>
-        </c:manualLayout>
-      </c:layout>
       <c:overlay val="0"/>
       <c:spPr>
         <a:noFill/>
@@ -4607,13 +6620,13 @@
         <a:lstStyle/>
         <a:p>
           <a:pPr>
-            <a:defRPr sz="2200" b="0" i="0" u="none" strike="noStrike" kern="1200" baseline="0">
+            <a:defRPr sz="2000" b="0" i="0" u="none" strike="noStrike" kern="1200" baseline="0">
               <a:solidFill>
-                <a:sysClr val="windowText" lastClr="000000"/>
+                <a:schemeClr val="tx1"/>
               </a:solidFill>
-              <a:latin typeface="Calibri" panose="020F0502020204030204" pitchFamily="34" charset="0"/>
+              <a:latin typeface="+mn-lt"/>
               <a:ea typeface="+mn-ea"/>
-              <a:cs typeface="Calibri" panose="020F0502020204030204" pitchFamily="34" charset="0"/>
+              <a:cs typeface="+mn-cs"/>
             </a:defRPr>
           </a:pPr>
           <a:endParaRPr lang="en-US"/>
@@ -4632,12 +6645,9 @@
     <c:showDLblsOverMax val="0"/>
   </c:chart>
   <c:spPr>
-    <a:solidFill>
-      <a:schemeClr val="bg1"/>
-    </a:solidFill>
-    <a:ln w="9525" cap="flat" cmpd="sng" algn="ctr">
+    <a:noFill/>
+    <a:ln>
       <a:noFill/>
-      <a:round/>
     </a:ln>
     <a:effectLst/>
   </c:spPr>
@@ -4646,7 +6656,11 @@
     <a:lstStyle/>
     <a:p>
       <a:pPr>
-        <a:defRPr/>
+        <a:defRPr sz="2000">
+          <a:solidFill>
+            <a:schemeClr val="tx1"/>
+          </a:solidFill>
+        </a:defRPr>
       </a:pPr>
       <a:endParaRPr lang="en-US"/>
     </a:p>
@@ -8477,7 +10491,13 @@
       </p:grpSpPr>
       <p:sp>
         <p:nvSpPr>
-          <p:cNvPr id="2" name="Title 1"/>
+          <p:cNvPr id="2" name="Title 1">
+            <a:extLst>
+              <a:ext uri="{FF2B5EF4-FFF2-40B4-BE49-F238E27FC236}">
+                <a16:creationId xmlns:a16="http://schemas.microsoft.com/office/drawing/2014/main" id="{F81B8449-2E43-4B34-AFB5-42CA0AD23BC4}"/>
+              </a:ext>
+            </a:extLst>
+          </p:cNvPr>
           <p:cNvSpPr>
             <a:spLocks noGrp="1"/>
           </p:cNvSpPr>
@@ -8487,15 +10507,15 @@
         </p:nvSpPr>
         <p:spPr>
           <a:xfrm>
-            <a:off x="1524000" y="1122363"/>
-            <a:ext cx="9144000" cy="2387600"/>
+            <a:off x="426720" y="2178844"/>
+            <a:ext cx="11338560" cy="1594369"/>
           </a:xfrm>
         </p:spPr>
         <p:txBody>
           <a:bodyPr anchor="b"/>
           <a:lstStyle>
             <a:lvl1pPr algn="ctr">
-              <a:defRPr sz="6000"/>
+              <a:defRPr sz="4400" b="1"/>
             </a:lvl1pPr>
           </a:lstStyle>
           <a:p>
@@ -8503,12 +10523,19 @@
               <a:rPr lang="en-US"/>
               <a:t>Click to edit Master title style</a:t>
             </a:r>
+            <a:endParaRPr lang="en-US" dirty="0"/>
           </a:p>
         </p:txBody>
       </p:sp>
       <p:sp>
         <p:nvSpPr>
-          <p:cNvPr id="3" name="Subtitle 2"/>
+          <p:cNvPr id="3" name="Subtitle 2">
+            <a:extLst>
+              <a:ext uri="{FF2B5EF4-FFF2-40B4-BE49-F238E27FC236}">
+                <a16:creationId xmlns:a16="http://schemas.microsoft.com/office/drawing/2014/main" id="{F866D807-1E0F-4F52-92E5-9827BB931C7D}"/>
+              </a:ext>
+            </a:extLst>
+          </p:cNvPr>
           <p:cNvSpPr>
             <a:spLocks noGrp="1"/>
           </p:cNvSpPr>
@@ -8518,8 +10545,8 @@
         </p:nvSpPr>
         <p:spPr>
           <a:xfrm>
-            <a:off x="1524000" y="3602038"/>
-            <a:ext cx="9144000" cy="1655762"/>
+            <a:off x="335280" y="3888828"/>
+            <a:ext cx="11521440" cy="1881352"/>
           </a:xfrm>
         </p:spPr>
         <p:txBody>
@@ -8527,7 +10554,11 @@
           <a:lstStyle>
             <a:lvl1pPr marL="0" indent="0" algn="ctr">
               <a:buNone/>
-              <a:defRPr sz="2400"/>
+              <a:defRPr sz="1800">
+                <a:latin typeface="Open Sans" panose="020B0606030504020204" pitchFamily="34" charset="0"/>
+                <a:ea typeface="Open Sans" panose="020B0606030504020204" pitchFamily="34" charset="0"/>
+                <a:cs typeface="Open Sans" panose="020B0606030504020204" pitchFamily="34" charset="0"/>
+              </a:defRPr>
             </a:lvl1pPr>
             <a:lvl2pPr marL="457200" indent="0" algn="ctr">
               <a:buNone/>
@@ -8567,35 +10598,19 @@
               <a:rPr lang="en-US"/>
               <a:t>Click to edit Master subtitle style</a:t>
             </a:r>
+            <a:endParaRPr lang="en-US" dirty="0"/>
           </a:p>
         </p:txBody>
       </p:sp>
       <p:sp>
         <p:nvSpPr>
-          <p:cNvPr id="4" name="Date Placeholder 3"/>
-          <p:cNvSpPr>
-            <a:spLocks noGrp="1"/>
-          </p:cNvSpPr>
-          <p:nvPr>
-            <p:ph type="dt" sz="half" idx="10"/>
-          </p:nvPr>
-        </p:nvSpPr>
-        <p:spPr/>
-        <p:txBody>
-          <a:bodyPr/>
-          <a:lstStyle/>
-          <a:p>
-            <a:fld id="{FEC8F623-83FF-45D9-9165-1796CF17F145}" type="datetimeFigureOut">
-              <a:rPr lang="en-US" smtClean="0"/>
-              <a:t>8/6/2024</a:t>
-            </a:fld>
-            <a:endParaRPr lang="en-US"/>
-          </a:p>
-        </p:txBody>
-      </p:sp>
-      <p:sp>
-        <p:nvSpPr>
-          <p:cNvPr id="5" name="Footer Placeholder 4"/>
+          <p:cNvPr id="5" name="Footer Placeholder 4">
+            <a:extLst>
+              <a:ext uri="{FF2B5EF4-FFF2-40B4-BE49-F238E27FC236}">
+                <a16:creationId xmlns:a16="http://schemas.microsoft.com/office/drawing/2014/main" id="{6770F046-36EC-4A13-89A5-0CC29AB4D81B}"/>
+              </a:ext>
+            </a:extLst>
+          </p:cNvPr>
           <p:cNvSpPr>
             <a:spLocks noGrp="1"/>
           </p:cNvSpPr>
@@ -8614,7 +10629,13 @@
       </p:sp>
       <p:sp>
         <p:nvSpPr>
-          <p:cNvPr id="6" name="Slide Number Placeholder 5"/>
+          <p:cNvPr id="6" name="Slide Number Placeholder 5">
+            <a:extLst>
+              <a:ext uri="{FF2B5EF4-FFF2-40B4-BE49-F238E27FC236}">
+                <a16:creationId xmlns:a16="http://schemas.microsoft.com/office/drawing/2014/main" id="{A1C4A129-0606-4903-A165-D0B38864ED64}"/>
+              </a:ext>
+            </a:extLst>
+          </p:cNvPr>
           <p:cNvSpPr>
             <a:spLocks noGrp="1"/>
           </p:cNvSpPr>
@@ -8627,7 +10648,7 @@
           <a:bodyPr/>
           <a:lstStyle/>
           <a:p>
-            <a:fld id="{976BBADC-9FF0-4CB1-9E90-DB516545AC81}" type="slidenum">
+            <a:fld id="{79C30FE0-8EFC-4094-A756-3613B74EBB15}" type="slidenum">
               <a:rPr lang="en-US" smtClean="0"/>
               <a:t>‹#›</a:t>
             </a:fld>
@@ -8635,10 +10656,46 @@
           </a:p>
         </p:txBody>
       </p:sp>
+      <p:pic>
+        <p:nvPicPr>
+          <p:cNvPr id="8" name="Picture 7" descr="A blue and white sign&#10;&#10;Description automatically generated">
+            <a:extLst>
+              <a:ext uri="{FF2B5EF4-FFF2-40B4-BE49-F238E27FC236}">
+                <a16:creationId xmlns:a16="http://schemas.microsoft.com/office/drawing/2014/main" id="{EF8D5BE6-2B49-4430-B3CC-EC848085B2FA}"/>
+              </a:ext>
+            </a:extLst>
+          </p:cNvPr>
+          <p:cNvPicPr>
+            <a:picLocks noChangeAspect="1"/>
+          </p:cNvPicPr>
+          <p:nvPr/>
+        </p:nvPicPr>
+        <p:blipFill>
+          <a:blip r:embed="rId2">
+            <a:extLst>
+              <a:ext uri="{28A0092B-C50C-407E-A947-70E740481C1C}">
+                <a14:useLocalDpi xmlns:a14="http://schemas.microsoft.com/office/drawing/2010/main" val="0"/>
+              </a:ext>
+            </a:extLst>
+          </a:blip>
+          <a:stretch>
+            <a:fillRect/>
+          </a:stretch>
+        </p:blipFill>
+        <p:spPr>
+          <a:xfrm>
+            <a:off x="2325232" y="329025"/>
+            <a:ext cx="7541536" cy="1828800"/>
+          </a:xfrm>
+          <a:prstGeom prst="rect">
+            <a:avLst/>
+          </a:prstGeom>
+        </p:spPr>
+      </p:pic>
     </p:spTree>
     <p:extLst>
       <p:ext uri="{BB962C8B-B14F-4D97-AF65-F5344CB8AC3E}">
-        <p14:creationId xmlns:p14="http://schemas.microsoft.com/office/powerpoint/2010/main" val="2902051680"/>
+        <p14:creationId xmlns:p14="http://schemas.microsoft.com/office/powerpoint/2010/main" val="4259893834"/>
       </p:ext>
     </p:extLst>
   </p:cSld>
@@ -8667,7 +10724,13 @@
       </p:grpSpPr>
       <p:sp>
         <p:nvSpPr>
-          <p:cNvPr id="2" name="Title 1"/>
+          <p:cNvPr id="2" name="Title 1">
+            <a:extLst>
+              <a:ext uri="{FF2B5EF4-FFF2-40B4-BE49-F238E27FC236}">
+                <a16:creationId xmlns:a16="http://schemas.microsoft.com/office/drawing/2014/main" id="{83EFE83A-2FF1-4212-A7D8-F2547F72354B}"/>
+              </a:ext>
+            </a:extLst>
+          </p:cNvPr>
           <p:cNvSpPr>
             <a:spLocks noGrp="1"/>
           </p:cNvSpPr>
@@ -8689,7 +10752,13 @@
       </p:sp>
       <p:sp>
         <p:nvSpPr>
-          <p:cNvPr id="3" name="Vertical Text Placeholder 2"/>
+          <p:cNvPr id="3" name="Vertical Text Placeholder 2">
+            <a:extLst>
+              <a:ext uri="{FF2B5EF4-FFF2-40B4-BE49-F238E27FC236}">
+                <a16:creationId xmlns:a16="http://schemas.microsoft.com/office/drawing/2014/main" id="{63DF2CD3-4A3B-4BB5-A8C6-93515C840FF3}"/>
+              </a:ext>
+            </a:extLst>
+          </p:cNvPr>
           <p:cNvSpPr>
             <a:spLocks noGrp="1"/>
           </p:cNvSpPr>
@@ -8705,7 +10774,7 @@
             <a:pPr lvl="0"/>
             <a:r>
               <a:rPr lang="en-US"/>
-              <a:t>Edit Master text styles</a:t>
+              <a:t>Click to edit Master text styles</a:t>
             </a:r>
           </a:p>
           <a:p>
@@ -8740,7 +10809,13 @@
       </p:sp>
       <p:sp>
         <p:nvSpPr>
-          <p:cNvPr id="4" name="Date Placeholder 3"/>
+          <p:cNvPr id="4" name="Date Placeholder 3">
+            <a:extLst>
+              <a:ext uri="{FF2B5EF4-FFF2-40B4-BE49-F238E27FC236}">
+                <a16:creationId xmlns:a16="http://schemas.microsoft.com/office/drawing/2014/main" id="{0B8E1338-8E14-4E12-8514-B8F7581CAC2B}"/>
+              </a:ext>
+            </a:extLst>
+          </p:cNvPr>
           <p:cNvSpPr>
             <a:spLocks noGrp="1"/>
           </p:cNvSpPr>
@@ -8753,9 +10828,9 @@
           <a:bodyPr/>
           <a:lstStyle/>
           <a:p>
-            <a:fld id="{FEC8F623-83FF-45D9-9165-1796CF17F145}" type="datetimeFigureOut">
+            <a:fld id="{81638023-F60A-4B21-BA4E-BD9AA67C04CD}" type="datetimeFigureOut">
               <a:rPr lang="en-US" smtClean="0"/>
-              <a:t>8/6/2024</a:t>
+              <a:t>10/6/2025</a:t>
             </a:fld>
             <a:endParaRPr lang="en-US"/>
           </a:p>
@@ -8763,7 +10838,13 @@
       </p:sp>
       <p:sp>
         <p:nvSpPr>
-          <p:cNvPr id="5" name="Footer Placeholder 4"/>
+          <p:cNvPr id="5" name="Footer Placeholder 4">
+            <a:extLst>
+              <a:ext uri="{FF2B5EF4-FFF2-40B4-BE49-F238E27FC236}">
+                <a16:creationId xmlns:a16="http://schemas.microsoft.com/office/drawing/2014/main" id="{F5344247-AED8-4BE5-97FF-55E5D2900298}"/>
+              </a:ext>
+            </a:extLst>
+          </p:cNvPr>
           <p:cNvSpPr>
             <a:spLocks noGrp="1"/>
           </p:cNvSpPr>
@@ -8782,7 +10863,13 @@
       </p:sp>
       <p:sp>
         <p:nvSpPr>
-          <p:cNvPr id="6" name="Slide Number Placeholder 5"/>
+          <p:cNvPr id="6" name="Slide Number Placeholder 5">
+            <a:extLst>
+              <a:ext uri="{FF2B5EF4-FFF2-40B4-BE49-F238E27FC236}">
+                <a16:creationId xmlns:a16="http://schemas.microsoft.com/office/drawing/2014/main" id="{0163D25E-9B75-4BDF-BE71-685AF58A3FFA}"/>
+              </a:ext>
+            </a:extLst>
+          </p:cNvPr>
           <p:cNvSpPr>
             <a:spLocks noGrp="1"/>
           </p:cNvSpPr>
@@ -8795,7 +10882,7 @@
           <a:bodyPr/>
           <a:lstStyle/>
           <a:p>
-            <a:fld id="{976BBADC-9FF0-4CB1-9E90-DB516545AC81}" type="slidenum">
+            <a:fld id="{79C30FE0-8EFC-4094-A756-3613B74EBB15}" type="slidenum">
               <a:rPr lang="en-US" smtClean="0"/>
               <a:t>‹#›</a:t>
             </a:fld>
@@ -8806,7 +10893,7 @@
     </p:spTree>
     <p:extLst>
       <p:ext uri="{BB962C8B-B14F-4D97-AF65-F5344CB8AC3E}">
-        <p14:creationId xmlns:p14="http://schemas.microsoft.com/office/powerpoint/2010/main" val="1504186501"/>
+        <p14:creationId xmlns:p14="http://schemas.microsoft.com/office/powerpoint/2010/main" val="3149607699"/>
       </p:ext>
     </p:extLst>
   </p:cSld>
@@ -8835,7 +10922,13 @@
       </p:grpSpPr>
       <p:sp>
         <p:nvSpPr>
-          <p:cNvPr id="2" name="Vertical Title 1"/>
+          <p:cNvPr id="2" name="Vertical Title 1">
+            <a:extLst>
+              <a:ext uri="{FF2B5EF4-FFF2-40B4-BE49-F238E27FC236}">
+                <a16:creationId xmlns:a16="http://schemas.microsoft.com/office/drawing/2014/main" id="{5A555AC4-0A12-4AF2-BD32-F89BA4E329F7}"/>
+              </a:ext>
+            </a:extLst>
+          </p:cNvPr>
           <p:cNvSpPr>
             <a:spLocks noGrp="1"/>
           </p:cNvSpPr>
@@ -8862,7 +10955,13 @@
       </p:sp>
       <p:sp>
         <p:nvSpPr>
-          <p:cNvPr id="3" name="Vertical Text Placeholder 2"/>
+          <p:cNvPr id="3" name="Vertical Text Placeholder 2">
+            <a:extLst>
+              <a:ext uri="{FF2B5EF4-FFF2-40B4-BE49-F238E27FC236}">
+                <a16:creationId xmlns:a16="http://schemas.microsoft.com/office/drawing/2014/main" id="{538311FD-96A5-4F2E-9CC1-A1537DF2F7B6}"/>
+              </a:ext>
+            </a:extLst>
+          </p:cNvPr>
           <p:cNvSpPr>
             <a:spLocks noGrp="1"/>
           </p:cNvSpPr>
@@ -8883,7 +10982,7 @@
             <a:pPr lvl="0"/>
             <a:r>
               <a:rPr lang="en-US"/>
-              <a:t>Edit Master text styles</a:t>
+              <a:t>Click to edit Master text styles</a:t>
             </a:r>
           </a:p>
           <a:p>
@@ -8918,7 +11017,13 @@
       </p:sp>
       <p:sp>
         <p:nvSpPr>
-          <p:cNvPr id="4" name="Date Placeholder 3"/>
+          <p:cNvPr id="4" name="Date Placeholder 3">
+            <a:extLst>
+              <a:ext uri="{FF2B5EF4-FFF2-40B4-BE49-F238E27FC236}">
+                <a16:creationId xmlns:a16="http://schemas.microsoft.com/office/drawing/2014/main" id="{35343FE6-D7D9-42A7-A93F-97596BFC81E6}"/>
+              </a:ext>
+            </a:extLst>
+          </p:cNvPr>
           <p:cNvSpPr>
             <a:spLocks noGrp="1"/>
           </p:cNvSpPr>
@@ -8931,9 +11036,9 @@
           <a:bodyPr/>
           <a:lstStyle/>
           <a:p>
-            <a:fld id="{FEC8F623-83FF-45D9-9165-1796CF17F145}" type="datetimeFigureOut">
+            <a:fld id="{81638023-F60A-4B21-BA4E-BD9AA67C04CD}" type="datetimeFigureOut">
               <a:rPr lang="en-US" smtClean="0"/>
-              <a:t>8/6/2024</a:t>
+              <a:t>10/6/2025</a:t>
             </a:fld>
             <a:endParaRPr lang="en-US"/>
           </a:p>
@@ -8941,7 +11046,13 @@
       </p:sp>
       <p:sp>
         <p:nvSpPr>
-          <p:cNvPr id="5" name="Footer Placeholder 4"/>
+          <p:cNvPr id="5" name="Footer Placeholder 4">
+            <a:extLst>
+              <a:ext uri="{FF2B5EF4-FFF2-40B4-BE49-F238E27FC236}">
+                <a16:creationId xmlns:a16="http://schemas.microsoft.com/office/drawing/2014/main" id="{1F5A1973-370D-4668-BF90-3DBF1A43DC84}"/>
+              </a:ext>
+            </a:extLst>
+          </p:cNvPr>
           <p:cNvSpPr>
             <a:spLocks noGrp="1"/>
           </p:cNvSpPr>
@@ -8960,7 +11071,13 @@
       </p:sp>
       <p:sp>
         <p:nvSpPr>
-          <p:cNvPr id="6" name="Slide Number Placeholder 5"/>
+          <p:cNvPr id="6" name="Slide Number Placeholder 5">
+            <a:extLst>
+              <a:ext uri="{FF2B5EF4-FFF2-40B4-BE49-F238E27FC236}">
+                <a16:creationId xmlns:a16="http://schemas.microsoft.com/office/drawing/2014/main" id="{B465534F-0704-4F83-B361-02989C4F3A05}"/>
+              </a:ext>
+            </a:extLst>
+          </p:cNvPr>
           <p:cNvSpPr>
             <a:spLocks noGrp="1"/>
           </p:cNvSpPr>
@@ -8973,7 +11090,7 @@
           <a:bodyPr/>
           <a:lstStyle/>
           <a:p>
-            <a:fld id="{976BBADC-9FF0-4CB1-9E90-DB516545AC81}" type="slidenum">
+            <a:fld id="{79C30FE0-8EFC-4094-A756-3613B74EBB15}" type="slidenum">
               <a:rPr lang="en-US" smtClean="0"/>
               <a:t>‹#›</a:t>
             </a:fld>
@@ -8984,7 +11101,7 @@
     </p:spTree>
     <p:extLst>
       <p:ext uri="{BB962C8B-B14F-4D97-AF65-F5344CB8AC3E}">
-        <p14:creationId xmlns:p14="http://schemas.microsoft.com/office/powerpoint/2010/main" val="347113750"/>
+        <p14:creationId xmlns:p14="http://schemas.microsoft.com/office/powerpoint/2010/main" val="591726175"/>
       </p:ext>
     </p:extLst>
   </p:cSld>
@@ -9013,7 +11130,13 @@
       </p:grpSpPr>
       <p:sp>
         <p:nvSpPr>
-          <p:cNvPr id="2" name="Title 1"/>
+          <p:cNvPr id="2" name="Title 1">
+            <a:extLst>
+              <a:ext uri="{FF2B5EF4-FFF2-40B4-BE49-F238E27FC236}">
+                <a16:creationId xmlns:a16="http://schemas.microsoft.com/office/drawing/2014/main" id="{74D7F23F-F86B-41BA-A6AA-1A3F17EB387A}"/>
+              </a:ext>
+            </a:extLst>
+          </p:cNvPr>
           <p:cNvSpPr>
             <a:spLocks noGrp="1"/>
           </p:cNvSpPr>
@@ -9024,18 +11147,29 @@
         <p:spPr/>
         <p:txBody>
           <a:bodyPr/>
-          <a:lstStyle/>
+          <a:lstStyle>
+            <a:lvl1pPr>
+              <a:defRPr b="1"/>
+            </a:lvl1pPr>
+          </a:lstStyle>
           <a:p>
             <a:r>
               <a:rPr lang="en-US"/>
               <a:t>Click to edit Master title style</a:t>
             </a:r>
+            <a:endParaRPr lang="en-US" dirty="0"/>
           </a:p>
         </p:txBody>
       </p:sp>
       <p:sp>
         <p:nvSpPr>
-          <p:cNvPr id="3" name="Content Placeholder 2"/>
+          <p:cNvPr id="3" name="Content Placeholder 2">
+            <a:extLst>
+              <a:ext uri="{FF2B5EF4-FFF2-40B4-BE49-F238E27FC236}">
+                <a16:creationId xmlns:a16="http://schemas.microsoft.com/office/drawing/2014/main" id="{81B79402-AB80-4C31-A14F-82C076FDEBC1}"/>
+              </a:ext>
+            </a:extLst>
+          </p:cNvPr>
           <p:cNvSpPr>
             <a:spLocks noGrp="1"/>
           </p:cNvSpPr>
@@ -9043,7 +11177,12 @@
             <p:ph idx="1"/>
           </p:nvPr>
         </p:nvSpPr>
-        <p:spPr/>
+        <p:spPr>
+          <a:xfrm>
+            <a:off x="381000" y="1692937"/>
+            <a:ext cx="11430000" cy="4572000"/>
+          </a:xfrm>
+        </p:spPr>
         <p:txBody>
           <a:bodyPr/>
           <a:lstStyle/>
@@ -9051,7 +11190,7 @@
             <a:pPr lvl="0"/>
             <a:r>
               <a:rPr lang="en-US"/>
-              <a:t>Edit Master text styles</a:t>
+              <a:t>Click to edit Master text styles</a:t>
             </a:r>
           </a:p>
           <a:p>
@@ -9081,12 +11220,19 @@
               <a:rPr lang="en-US"/>
               <a:t>Fifth level</a:t>
             </a:r>
+            <a:endParaRPr lang="en-US" dirty="0"/>
           </a:p>
         </p:txBody>
       </p:sp>
       <p:sp>
         <p:nvSpPr>
-          <p:cNvPr id="4" name="Date Placeholder 3"/>
+          <p:cNvPr id="4" name="Date Placeholder 3">
+            <a:extLst>
+              <a:ext uri="{FF2B5EF4-FFF2-40B4-BE49-F238E27FC236}">
+                <a16:creationId xmlns:a16="http://schemas.microsoft.com/office/drawing/2014/main" id="{6C6D2CB6-1D80-4081-86FB-B15DD03DA6FE}"/>
+              </a:ext>
+            </a:extLst>
+          </p:cNvPr>
           <p:cNvSpPr>
             <a:spLocks noGrp="1"/>
           </p:cNvSpPr>
@@ -9099,9 +11245,9 @@
           <a:bodyPr/>
           <a:lstStyle/>
           <a:p>
-            <a:fld id="{FEC8F623-83FF-45D9-9165-1796CF17F145}" type="datetimeFigureOut">
+            <a:fld id="{81638023-F60A-4B21-BA4E-BD9AA67C04CD}" type="datetimeFigureOut">
               <a:rPr lang="en-US" smtClean="0"/>
-              <a:t>8/6/2024</a:t>
+              <a:t>10/6/2025</a:t>
             </a:fld>
             <a:endParaRPr lang="en-US"/>
           </a:p>
@@ -9109,7 +11255,13 @@
       </p:sp>
       <p:sp>
         <p:nvSpPr>
-          <p:cNvPr id="5" name="Footer Placeholder 4"/>
+          <p:cNvPr id="5" name="Footer Placeholder 4">
+            <a:extLst>
+              <a:ext uri="{FF2B5EF4-FFF2-40B4-BE49-F238E27FC236}">
+                <a16:creationId xmlns:a16="http://schemas.microsoft.com/office/drawing/2014/main" id="{13CCB740-D754-48D4-9589-4E1B5CCB6BE5}"/>
+              </a:ext>
+            </a:extLst>
+          </p:cNvPr>
           <p:cNvSpPr>
             <a:spLocks noGrp="1"/>
           </p:cNvSpPr>
@@ -9128,7 +11280,13 @@
       </p:sp>
       <p:sp>
         <p:nvSpPr>
-          <p:cNvPr id="6" name="Slide Number Placeholder 5"/>
+          <p:cNvPr id="6" name="Slide Number Placeholder 5">
+            <a:extLst>
+              <a:ext uri="{FF2B5EF4-FFF2-40B4-BE49-F238E27FC236}">
+                <a16:creationId xmlns:a16="http://schemas.microsoft.com/office/drawing/2014/main" id="{F58A1B60-B2EB-45FC-99A5-2CEE060FA1F5}"/>
+              </a:ext>
+            </a:extLst>
+          </p:cNvPr>
           <p:cNvSpPr>
             <a:spLocks noGrp="1"/>
           </p:cNvSpPr>
@@ -9141,7 +11299,7 @@
           <a:bodyPr/>
           <a:lstStyle/>
           <a:p>
-            <a:fld id="{976BBADC-9FF0-4CB1-9E90-DB516545AC81}" type="slidenum">
+            <a:fld id="{79C30FE0-8EFC-4094-A756-3613B74EBB15}" type="slidenum">
               <a:rPr lang="en-US" smtClean="0"/>
               <a:t>‹#›</a:t>
             </a:fld>
@@ -9151,33 +11309,34 @@
       </p:sp>
       <p:pic>
         <p:nvPicPr>
-          <p:cNvPr id="8" name="Picture 7" descr="A close-up of a logo&#10;&#10;Description automatically generated with medium confidence">
+          <p:cNvPr id="7" name="Picture 6" descr="A blue and white sign&#10;&#10;Description automatically generated">
             <a:extLst>
               <a:ext uri="{FF2B5EF4-FFF2-40B4-BE49-F238E27FC236}">
-                <a16:creationId xmlns:a16="http://schemas.microsoft.com/office/drawing/2014/main" id="{4CA492EE-AD10-45CB-BAA4-9638B51C62B6}"/>
+                <a16:creationId xmlns:a16="http://schemas.microsoft.com/office/drawing/2014/main" id="{CE5B4ECC-CA9A-4DD6-BBC4-5B5CA7B41997}"/>
               </a:ext>
             </a:extLst>
           </p:cNvPr>
           <p:cNvPicPr>
             <a:picLocks noChangeAspect="1"/>
           </p:cNvPicPr>
-          <p:nvPr userDrawn="1"/>
+          <p:nvPr/>
         </p:nvPicPr>
-        <p:blipFill rotWithShape="1">
-          <a:blip r:embed="rId2" cstate="print">
+        <p:blipFill>
+          <a:blip r:embed="rId2">
             <a:extLst>
               <a:ext uri="{28A0092B-C50C-407E-A947-70E740481C1C}">
                 <a14:useLocalDpi xmlns:a14="http://schemas.microsoft.com/office/drawing/2010/main" val="0"/>
               </a:ext>
             </a:extLst>
           </a:blip>
-          <a:srcRect l="4108" t="9409" b="13332"/>
-          <a:stretch/>
+          <a:stretch>
+            <a:fillRect/>
+          </a:stretch>
         </p:blipFill>
         <p:spPr>
           <a:xfrm>
-            <a:off x="139788" y="6176963"/>
-            <a:ext cx="3316224" cy="679258"/>
+            <a:off x="198646" y="6082166"/>
+            <a:ext cx="2639537" cy="640080"/>
           </a:xfrm>
           <a:prstGeom prst="rect">
             <a:avLst/>
@@ -9187,7 +11346,7 @@
     </p:spTree>
     <p:extLst>
       <p:ext uri="{BB962C8B-B14F-4D97-AF65-F5344CB8AC3E}">
-        <p14:creationId xmlns:p14="http://schemas.microsoft.com/office/powerpoint/2010/main" val="752899964"/>
+        <p14:creationId xmlns:p14="http://schemas.microsoft.com/office/powerpoint/2010/main" val="3878810970"/>
       </p:ext>
     </p:extLst>
   </p:cSld>
@@ -9216,7 +11375,13 @@
       </p:grpSpPr>
       <p:sp>
         <p:nvSpPr>
-          <p:cNvPr id="2" name="Title 1"/>
+          <p:cNvPr id="2" name="Title 1">
+            <a:extLst>
+              <a:ext uri="{FF2B5EF4-FFF2-40B4-BE49-F238E27FC236}">
+                <a16:creationId xmlns:a16="http://schemas.microsoft.com/office/drawing/2014/main" id="{6BE294DA-8682-47BA-801B-4A312533F171}"/>
+              </a:ext>
+            </a:extLst>
+          </p:cNvPr>
           <p:cNvSpPr>
             <a:spLocks noGrp="1"/>
           </p:cNvSpPr>
@@ -9234,7 +11399,7 @@
           <a:bodyPr anchor="b"/>
           <a:lstStyle>
             <a:lvl1pPr>
-              <a:defRPr sz="6000"/>
+              <a:defRPr sz="4400" b="1"/>
             </a:lvl1pPr>
           </a:lstStyle>
           <a:p>
@@ -9242,12 +11407,19 @@
               <a:rPr lang="en-US"/>
               <a:t>Click to edit Master title style</a:t>
             </a:r>
+            <a:endParaRPr lang="en-US" dirty="0"/>
           </a:p>
         </p:txBody>
       </p:sp>
       <p:sp>
         <p:nvSpPr>
-          <p:cNvPr id="3" name="Text Placeholder 2"/>
+          <p:cNvPr id="3" name="Text Placeholder 2">
+            <a:extLst>
+              <a:ext uri="{FF2B5EF4-FFF2-40B4-BE49-F238E27FC236}">
+                <a16:creationId xmlns:a16="http://schemas.microsoft.com/office/drawing/2014/main" id="{1C786CDE-F4D9-4130-9F65-C19EC77EE475}"/>
+              </a:ext>
+            </a:extLst>
+          </p:cNvPr>
           <p:cNvSpPr>
             <a:spLocks noGrp="1"/>
           </p:cNvSpPr>
@@ -9272,6 +11444,9 @@
                     <a:tint val="75000"/>
                   </a:schemeClr>
                 </a:solidFill>
+                <a:latin typeface="Open Sans" panose="020B0606030504020204" pitchFamily="34" charset="0"/>
+                <a:ea typeface="Open Sans" panose="020B0606030504020204" pitchFamily="34" charset="0"/>
+                <a:cs typeface="Open Sans" panose="020B0606030504020204" pitchFamily="34" charset="0"/>
               </a:defRPr>
             </a:lvl1pPr>
             <a:lvl2pPr marL="457200" indent="0">
@@ -9359,14 +11534,20 @@
             <a:pPr lvl="0"/>
             <a:r>
               <a:rPr lang="en-US"/>
-              <a:t>Edit Master text styles</a:t>
+              <a:t>Click to edit Master text styles</a:t>
             </a:r>
           </a:p>
         </p:txBody>
       </p:sp>
       <p:sp>
         <p:nvSpPr>
-          <p:cNvPr id="4" name="Date Placeholder 3"/>
+          <p:cNvPr id="4" name="Date Placeholder 3">
+            <a:extLst>
+              <a:ext uri="{FF2B5EF4-FFF2-40B4-BE49-F238E27FC236}">
+                <a16:creationId xmlns:a16="http://schemas.microsoft.com/office/drawing/2014/main" id="{837EDE1F-53E5-4C5C-B1DC-D69BEDE4F8EB}"/>
+              </a:ext>
+            </a:extLst>
+          </p:cNvPr>
           <p:cNvSpPr>
             <a:spLocks noGrp="1"/>
           </p:cNvSpPr>
@@ -9379,9 +11560,9 @@
           <a:bodyPr/>
           <a:lstStyle/>
           <a:p>
-            <a:fld id="{FEC8F623-83FF-45D9-9165-1796CF17F145}" type="datetimeFigureOut">
+            <a:fld id="{81638023-F60A-4B21-BA4E-BD9AA67C04CD}" type="datetimeFigureOut">
               <a:rPr lang="en-US" smtClean="0"/>
-              <a:t>8/6/2024</a:t>
+              <a:t>10/6/2025</a:t>
             </a:fld>
             <a:endParaRPr lang="en-US"/>
           </a:p>
@@ -9389,7 +11570,13 @@
       </p:sp>
       <p:sp>
         <p:nvSpPr>
-          <p:cNvPr id="5" name="Footer Placeholder 4"/>
+          <p:cNvPr id="5" name="Footer Placeholder 4">
+            <a:extLst>
+              <a:ext uri="{FF2B5EF4-FFF2-40B4-BE49-F238E27FC236}">
+                <a16:creationId xmlns:a16="http://schemas.microsoft.com/office/drawing/2014/main" id="{71F7E355-DA7E-4665-99AA-D633110898C3}"/>
+              </a:ext>
+            </a:extLst>
+          </p:cNvPr>
           <p:cNvSpPr>
             <a:spLocks noGrp="1"/>
           </p:cNvSpPr>
@@ -9408,7 +11595,13 @@
       </p:sp>
       <p:sp>
         <p:nvSpPr>
-          <p:cNvPr id="6" name="Slide Number Placeholder 5"/>
+          <p:cNvPr id="6" name="Slide Number Placeholder 5">
+            <a:extLst>
+              <a:ext uri="{FF2B5EF4-FFF2-40B4-BE49-F238E27FC236}">
+                <a16:creationId xmlns:a16="http://schemas.microsoft.com/office/drawing/2014/main" id="{1DBF42E0-1332-4ADF-BB40-D707772FEF90}"/>
+              </a:ext>
+            </a:extLst>
+          </p:cNvPr>
           <p:cNvSpPr>
             <a:spLocks noGrp="1"/>
           </p:cNvSpPr>
@@ -9421,7 +11614,7 @@
           <a:bodyPr/>
           <a:lstStyle/>
           <a:p>
-            <a:fld id="{976BBADC-9FF0-4CB1-9E90-DB516545AC81}" type="slidenum">
+            <a:fld id="{79C30FE0-8EFC-4094-A756-3613B74EBB15}" type="slidenum">
               <a:rPr lang="en-US" smtClean="0"/>
               <a:t>‹#›</a:t>
             </a:fld>
@@ -9431,22 +11624,34 @@
       </p:sp>
       <p:pic>
         <p:nvPicPr>
-          <p:cNvPr id="7" name="Picture 6"/>
+          <p:cNvPr id="7" name="Picture 6" descr="A blue and white sign&#10;&#10;Description automatically generated">
+            <a:extLst>
+              <a:ext uri="{FF2B5EF4-FFF2-40B4-BE49-F238E27FC236}">
+                <a16:creationId xmlns:a16="http://schemas.microsoft.com/office/drawing/2014/main" id="{021B1473-E230-4424-88C9-096E878C3A64}"/>
+              </a:ext>
+            </a:extLst>
+          </p:cNvPr>
           <p:cNvPicPr>
             <a:picLocks noChangeAspect="1"/>
           </p:cNvPicPr>
-          <p:nvPr userDrawn="1"/>
+          <p:nvPr/>
         </p:nvPicPr>
         <p:blipFill>
-          <a:blip r:embed="rId2"/>
+          <a:blip r:embed="rId2">
+            <a:extLst>
+              <a:ext uri="{28A0092B-C50C-407E-A947-70E740481C1C}">
+                <a14:useLocalDpi xmlns:a14="http://schemas.microsoft.com/office/drawing/2010/main" val="0"/>
+              </a:ext>
+            </a:extLst>
+          </a:blip>
           <a:stretch>
             <a:fillRect/>
           </a:stretch>
         </p:blipFill>
         <p:spPr>
           <a:xfrm>
-            <a:off x="95246" y="5884796"/>
-            <a:ext cx="3124636" cy="943107"/>
+            <a:off x="2325232" y="329025"/>
+            <a:ext cx="7541536" cy="1828800"/>
           </a:xfrm>
           <a:prstGeom prst="rect">
             <a:avLst/>
@@ -9456,7 +11661,7 @@
     </p:spTree>
     <p:extLst>
       <p:ext uri="{BB962C8B-B14F-4D97-AF65-F5344CB8AC3E}">
-        <p14:creationId xmlns:p14="http://schemas.microsoft.com/office/powerpoint/2010/main" val="74221627"/>
+        <p14:creationId xmlns:p14="http://schemas.microsoft.com/office/powerpoint/2010/main" val="1212809838"/>
       </p:ext>
     </p:extLst>
   </p:cSld>
@@ -9485,7 +11690,13 @@
       </p:grpSpPr>
       <p:sp>
         <p:nvSpPr>
-          <p:cNvPr id="2" name="Title 1"/>
+          <p:cNvPr id="2" name="Title 1">
+            <a:extLst>
+              <a:ext uri="{FF2B5EF4-FFF2-40B4-BE49-F238E27FC236}">
+                <a16:creationId xmlns:a16="http://schemas.microsoft.com/office/drawing/2014/main" id="{DD6B8B7E-E383-41B8-83DC-BCBAEFF2AF0F}"/>
+              </a:ext>
+            </a:extLst>
+          </p:cNvPr>
           <p:cNvSpPr>
             <a:spLocks noGrp="1"/>
           </p:cNvSpPr>
@@ -9496,18 +11707,29 @@
         <p:spPr/>
         <p:txBody>
           <a:bodyPr/>
-          <a:lstStyle/>
+          <a:lstStyle>
+            <a:lvl1pPr>
+              <a:defRPr b="1"/>
+            </a:lvl1pPr>
+          </a:lstStyle>
           <a:p>
             <a:r>
               <a:rPr lang="en-US"/>
               <a:t>Click to edit Master title style</a:t>
             </a:r>
+            <a:endParaRPr lang="en-US" dirty="0"/>
           </a:p>
         </p:txBody>
       </p:sp>
       <p:sp>
         <p:nvSpPr>
-          <p:cNvPr id="3" name="Content Placeholder 2"/>
+          <p:cNvPr id="3" name="Content Placeholder 2">
+            <a:extLst>
+              <a:ext uri="{FF2B5EF4-FFF2-40B4-BE49-F238E27FC236}">
+                <a16:creationId xmlns:a16="http://schemas.microsoft.com/office/drawing/2014/main" id="{4334E0F6-218D-4666-93AB-CC5CB0352AA9}"/>
+              </a:ext>
+            </a:extLst>
+          </p:cNvPr>
           <p:cNvSpPr>
             <a:spLocks noGrp="1"/>
           </p:cNvSpPr>
@@ -9528,7 +11750,7 @@
             <a:pPr lvl="0"/>
             <a:r>
               <a:rPr lang="en-US"/>
-              <a:t>Edit Master text styles</a:t>
+              <a:t>Click to edit Master text styles</a:t>
             </a:r>
           </a:p>
           <a:p>
@@ -9563,7 +11785,13 @@
       </p:sp>
       <p:sp>
         <p:nvSpPr>
-          <p:cNvPr id="4" name="Content Placeholder 3"/>
+          <p:cNvPr id="4" name="Content Placeholder 3">
+            <a:extLst>
+              <a:ext uri="{FF2B5EF4-FFF2-40B4-BE49-F238E27FC236}">
+                <a16:creationId xmlns:a16="http://schemas.microsoft.com/office/drawing/2014/main" id="{21BB6129-B622-4C6C-9627-E2D34A72A10B}"/>
+              </a:ext>
+            </a:extLst>
+          </p:cNvPr>
           <p:cNvSpPr>
             <a:spLocks noGrp="1"/>
           </p:cNvSpPr>
@@ -9584,7 +11812,7 @@
             <a:pPr lvl="0"/>
             <a:r>
               <a:rPr lang="en-US"/>
-              <a:t>Edit Master text styles</a:t>
+              <a:t>Click to edit Master text styles</a:t>
             </a:r>
           </a:p>
           <a:p>
@@ -9619,7 +11847,13 @@
       </p:sp>
       <p:sp>
         <p:nvSpPr>
-          <p:cNvPr id="5" name="Date Placeholder 4"/>
+          <p:cNvPr id="5" name="Date Placeholder 4">
+            <a:extLst>
+              <a:ext uri="{FF2B5EF4-FFF2-40B4-BE49-F238E27FC236}">
+                <a16:creationId xmlns:a16="http://schemas.microsoft.com/office/drawing/2014/main" id="{5E2E2F8A-DDB4-40D8-BC9A-9F8C601A10D7}"/>
+              </a:ext>
+            </a:extLst>
+          </p:cNvPr>
           <p:cNvSpPr>
             <a:spLocks noGrp="1"/>
           </p:cNvSpPr>
@@ -9632,9 +11866,9 @@
           <a:bodyPr/>
           <a:lstStyle/>
           <a:p>
-            <a:fld id="{FEC8F623-83FF-45D9-9165-1796CF17F145}" type="datetimeFigureOut">
+            <a:fld id="{81638023-F60A-4B21-BA4E-BD9AA67C04CD}" type="datetimeFigureOut">
               <a:rPr lang="en-US" smtClean="0"/>
-              <a:t>8/6/2024</a:t>
+              <a:t>10/6/2025</a:t>
             </a:fld>
             <a:endParaRPr lang="en-US"/>
           </a:p>
@@ -9642,7 +11876,13 @@
       </p:sp>
       <p:sp>
         <p:nvSpPr>
-          <p:cNvPr id="6" name="Footer Placeholder 5"/>
+          <p:cNvPr id="6" name="Footer Placeholder 5">
+            <a:extLst>
+              <a:ext uri="{FF2B5EF4-FFF2-40B4-BE49-F238E27FC236}">
+                <a16:creationId xmlns:a16="http://schemas.microsoft.com/office/drawing/2014/main" id="{96ED8514-39E9-463F-9D6D-BA2F1E4B8781}"/>
+              </a:ext>
+            </a:extLst>
+          </p:cNvPr>
           <p:cNvSpPr>
             <a:spLocks noGrp="1"/>
           </p:cNvSpPr>
@@ -9661,7 +11901,13 @@
       </p:sp>
       <p:sp>
         <p:nvSpPr>
-          <p:cNvPr id="7" name="Slide Number Placeholder 6"/>
+          <p:cNvPr id="7" name="Slide Number Placeholder 6">
+            <a:extLst>
+              <a:ext uri="{FF2B5EF4-FFF2-40B4-BE49-F238E27FC236}">
+                <a16:creationId xmlns:a16="http://schemas.microsoft.com/office/drawing/2014/main" id="{BD5628B1-4B31-46D1-9943-288C2CFAA2D4}"/>
+              </a:ext>
+            </a:extLst>
+          </p:cNvPr>
           <p:cNvSpPr>
             <a:spLocks noGrp="1"/>
           </p:cNvSpPr>
@@ -9674,7 +11920,7 @@
           <a:bodyPr/>
           <a:lstStyle/>
           <a:p>
-            <a:fld id="{976BBADC-9FF0-4CB1-9E90-DB516545AC81}" type="slidenum">
+            <a:fld id="{79C30FE0-8EFC-4094-A756-3613B74EBB15}" type="slidenum">
               <a:rPr lang="en-US" smtClean="0"/>
               <a:t>‹#›</a:t>
             </a:fld>
@@ -9684,22 +11930,34 @@
       </p:sp>
       <p:pic>
         <p:nvPicPr>
-          <p:cNvPr id="8" name="Picture 7"/>
+          <p:cNvPr id="8" name="Picture 7" descr="A blue and white sign&#10;&#10;Description automatically generated">
+            <a:extLst>
+              <a:ext uri="{FF2B5EF4-FFF2-40B4-BE49-F238E27FC236}">
+                <a16:creationId xmlns:a16="http://schemas.microsoft.com/office/drawing/2014/main" id="{8EDFA2D4-658B-4CFA-90B4-6D3C81B1951B}"/>
+              </a:ext>
+            </a:extLst>
+          </p:cNvPr>
           <p:cNvPicPr>
             <a:picLocks noChangeAspect="1"/>
           </p:cNvPicPr>
-          <p:nvPr userDrawn="1"/>
+          <p:nvPr/>
         </p:nvPicPr>
         <p:blipFill>
-          <a:blip r:embed="rId2"/>
+          <a:blip r:embed="rId2">
+            <a:extLst>
+              <a:ext uri="{28A0092B-C50C-407E-A947-70E740481C1C}">
+                <a14:useLocalDpi xmlns:a14="http://schemas.microsoft.com/office/drawing/2010/main" val="0"/>
+              </a:ext>
+            </a:extLst>
+          </a:blip>
           <a:stretch>
             <a:fillRect/>
           </a:stretch>
         </p:blipFill>
         <p:spPr>
           <a:xfrm>
-            <a:off x="79835" y="5884796"/>
-            <a:ext cx="3124636" cy="943107"/>
+            <a:off x="198646" y="6082166"/>
+            <a:ext cx="2639537" cy="640080"/>
           </a:xfrm>
           <a:prstGeom prst="rect">
             <a:avLst/>
@@ -9709,7 +11967,7 @@
     </p:spTree>
     <p:extLst>
       <p:ext uri="{BB962C8B-B14F-4D97-AF65-F5344CB8AC3E}">
-        <p14:creationId xmlns:p14="http://schemas.microsoft.com/office/powerpoint/2010/main" val="2000934818"/>
+        <p14:creationId xmlns:p14="http://schemas.microsoft.com/office/powerpoint/2010/main" val="432268204"/>
       </p:ext>
     </p:extLst>
   </p:cSld>
@@ -9738,7 +11996,13 @@
       </p:grpSpPr>
       <p:sp>
         <p:nvSpPr>
-          <p:cNvPr id="2" name="Title 1"/>
+          <p:cNvPr id="2" name="Title 1">
+            <a:extLst>
+              <a:ext uri="{FF2B5EF4-FFF2-40B4-BE49-F238E27FC236}">
+                <a16:creationId xmlns:a16="http://schemas.microsoft.com/office/drawing/2014/main" id="{AF55F42C-D912-40D5-B069-2EBDDB21FDBB}"/>
+              </a:ext>
+            </a:extLst>
+          </p:cNvPr>
           <p:cNvSpPr>
             <a:spLocks noGrp="1"/>
           </p:cNvSpPr>
@@ -9765,7 +12029,13 @@
       </p:sp>
       <p:sp>
         <p:nvSpPr>
-          <p:cNvPr id="3" name="Text Placeholder 2"/>
+          <p:cNvPr id="3" name="Text Placeholder 2">
+            <a:extLst>
+              <a:ext uri="{FF2B5EF4-FFF2-40B4-BE49-F238E27FC236}">
+                <a16:creationId xmlns:a16="http://schemas.microsoft.com/office/drawing/2014/main" id="{1D4FE388-458A-4BFC-8B5B-E2338FA75A08}"/>
+              </a:ext>
+            </a:extLst>
+          </p:cNvPr>
           <p:cNvSpPr>
             <a:spLocks noGrp="1"/>
           </p:cNvSpPr>
@@ -9823,14 +12093,20 @@
             <a:pPr lvl="0"/>
             <a:r>
               <a:rPr lang="en-US"/>
-              <a:t>Edit Master text styles</a:t>
+              <a:t>Click to edit Master text styles</a:t>
             </a:r>
           </a:p>
         </p:txBody>
       </p:sp>
       <p:sp>
         <p:nvSpPr>
-          <p:cNvPr id="4" name="Content Placeholder 3"/>
+          <p:cNvPr id="4" name="Content Placeholder 3">
+            <a:extLst>
+              <a:ext uri="{FF2B5EF4-FFF2-40B4-BE49-F238E27FC236}">
+                <a16:creationId xmlns:a16="http://schemas.microsoft.com/office/drawing/2014/main" id="{84E71131-2939-4333-BE32-6B971E6D9128}"/>
+              </a:ext>
+            </a:extLst>
+          </p:cNvPr>
           <p:cNvSpPr>
             <a:spLocks noGrp="1"/>
           </p:cNvSpPr>
@@ -9851,7 +12127,7 @@
             <a:pPr lvl="0"/>
             <a:r>
               <a:rPr lang="en-US"/>
-              <a:t>Edit Master text styles</a:t>
+              <a:t>Click to edit Master text styles</a:t>
             </a:r>
           </a:p>
           <a:p>
@@ -9886,7 +12162,13 @@
       </p:sp>
       <p:sp>
         <p:nvSpPr>
-          <p:cNvPr id="5" name="Text Placeholder 4"/>
+          <p:cNvPr id="5" name="Text Placeholder 4">
+            <a:extLst>
+              <a:ext uri="{FF2B5EF4-FFF2-40B4-BE49-F238E27FC236}">
+                <a16:creationId xmlns:a16="http://schemas.microsoft.com/office/drawing/2014/main" id="{B7D687D6-AE10-483D-8497-199549CC359E}"/>
+              </a:ext>
+            </a:extLst>
+          </p:cNvPr>
           <p:cNvSpPr>
             <a:spLocks noGrp="1"/>
           </p:cNvSpPr>
@@ -9944,14 +12226,20 @@
             <a:pPr lvl="0"/>
             <a:r>
               <a:rPr lang="en-US"/>
-              <a:t>Edit Master text styles</a:t>
+              <a:t>Click to edit Master text styles</a:t>
             </a:r>
           </a:p>
         </p:txBody>
       </p:sp>
       <p:sp>
         <p:nvSpPr>
-          <p:cNvPr id="6" name="Content Placeholder 5"/>
+          <p:cNvPr id="6" name="Content Placeholder 5">
+            <a:extLst>
+              <a:ext uri="{FF2B5EF4-FFF2-40B4-BE49-F238E27FC236}">
+                <a16:creationId xmlns:a16="http://schemas.microsoft.com/office/drawing/2014/main" id="{DEB0C9B6-845A-427D-8890-7FF14752BDD9}"/>
+              </a:ext>
+            </a:extLst>
+          </p:cNvPr>
           <p:cNvSpPr>
             <a:spLocks noGrp="1"/>
           </p:cNvSpPr>
@@ -9972,7 +12260,7 @@
             <a:pPr lvl="0"/>
             <a:r>
               <a:rPr lang="en-US"/>
-              <a:t>Edit Master text styles</a:t>
+              <a:t>Click to edit Master text styles</a:t>
             </a:r>
           </a:p>
           <a:p>
@@ -10007,7 +12295,13 @@
       </p:sp>
       <p:sp>
         <p:nvSpPr>
-          <p:cNvPr id="7" name="Date Placeholder 6"/>
+          <p:cNvPr id="7" name="Date Placeholder 6">
+            <a:extLst>
+              <a:ext uri="{FF2B5EF4-FFF2-40B4-BE49-F238E27FC236}">
+                <a16:creationId xmlns:a16="http://schemas.microsoft.com/office/drawing/2014/main" id="{EE56D4DF-7BF9-4656-9E74-1978BF3C3BF5}"/>
+              </a:ext>
+            </a:extLst>
+          </p:cNvPr>
           <p:cNvSpPr>
             <a:spLocks noGrp="1"/>
           </p:cNvSpPr>
@@ -10020,9 +12314,9 @@
           <a:bodyPr/>
           <a:lstStyle/>
           <a:p>
-            <a:fld id="{FEC8F623-83FF-45D9-9165-1796CF17F145}" type="datetimeFigureOut">
+            <a:fld id="{81638023-F60A-4B21-BA4E-BD9AA67C04CD}" type="datetimeFigureOut">
               <a:rPr lang="en-US" smtClean="0"/>
-              <a:t>8/6/2024</a:t>
+              <a:t>10/6/2025</a:t>
             </a:fld>
             <a:endParaRPr lang="en-US"/>
           </a:p>
@@ -10030,7 +12324,13 @@
       </p:sp>
       <p:sp>
         <p:nvSpPr>
-          <p:cNvPr id="8" name="Footer Placeholder 7"/>
+          <p:cNvPr id="8" name="Footer Placeholder 7">
+            <a:extLst>
+              <a:ext uri="{FF2B5EF4-FFF2-40B4-BE49-F238E27FC236}">
+                <a16:creationId xmlns:a16="http://schemas.microsoft.com/office/drawing/2014/main" id="{AF118974-B101-4E89-B490-F9C18CF5737B}"/>
+              </a:ext>
+            </a:extLst>
+          </p:cNvPr>
           <p:cNvSpPr>
             <a:spLocks noGrp="1"/>
           </p:cNvSpPr>
@@ -10049,7 +12349,13 @@
       </p:sp>
       <p:sp>
         <p:nvSpPr>
-          <p:cNvPr id="9" name="Slide Number Placeholder 8"/>
+          <p:cNvPr id="9" name="Slide Number Placeholder 8">
+            <a:extLst>
+              <a:ext uri="{FF2B5EF4-FFF2-40B4-BE49-F238E27FC236}">
+                <a16:creationId xmlns:a16="http://schemas.microsoft.com/office/drawing/2014/main" id="{EC7DF8C8-6B1A-46AB-B0B9-0B1486618107}"/>
+              </a:ext>
+            </a:extLst>
+          </p:cNvPr>
           <p:cNvSpPr>
             <a:spLocks noGrp="1"/>
           </p:cNvSpPr>
@@ -10062,7 +12368,7 @@
           <a:bodyPr/>
           <a:lstStyle/>
           <a:p>
-            <a:fld id="{976BBADC-9FF0-4CB1-9E90-DB516545AC81}" type="slidenum">
+            <a:fld id="{79C30FE0-8EFC-4094-A756-3613B74EBB15}" type="slidenum">
               <a:rPr lang="en-US" smtClean="0"/>
               <a:t>‹#›</a:t>
             </a:fld>
@@ -10072,22 +12378,34 @@
       </p:sp>
       <p:pic>
         <p:nvPicPr>
-          <p:cNvPr id="10" name="Picture 9"/>
+          <p:cNvPr id="10" name="Picture 9" descr="A blue and white sign&#10;&#10;Description automatically generated">
+            <a:extLst>
+              <a:ext uri="{FF2B5EF4-FFF2-40B4-BE49-F238E27FC236}">
+                <a16:creationId xmlns:a16="http://schemas.microsoft.com/office/drawing/2014/main" id="{288D87A5-8AAA-4E59-8F47-23DB04B752B6}"/>
+              </a:ext>
+            </a:extLst>
+          </p:cNvPr>
           <p:cNvPicPr>
             <a:picLocks noChangeAspect="1"/>
           </p:cNvPicPr>
-          <p:nvPr userDrawn="1"/>
+          <p:nvPr/>
         </p:nvPicPr>
         <p:blipFill>
-          <a:blip r:embed="rId2"/>
+          <a:blip r:embed="rId2">
+            <a:extLst>
+              <a:ext uri="{28A0092B-C50C-407E-A947-70E740481C1C}">
+                <a14:useLocalDpi xmlns:a14="http://schemas.microsoft.com/office/drawing/2010/main" val="0"/>
+              </a:ext>
+            </a:extLst>
+          </a:blip>
           <a:stretch>
             <a:fillRect/>
           </a:stretch>
         </p:blipFill>
         <p:spPr>
           <a:xfrm>
-            <a:off x="172302" y="5801453"/>
-            <a:ext cx="3124636" cy="943107"/>
+            <a:off x="198646" y="6082166"/>
+            <a:ext cx="2639537" cy="640080"/>
           </a:xfrm>
           <a:prstGeom prst="rect">
             <a:avLst/>
@@ -10097,7 +12415,7 @@
     </p:spTree>
     <p:extLst>
       <p:ext uri="{BB962C8B-B14F-4D97-AF65-F5344CB8AC3E}">
-        <p14:creationId xmlns:p14="http://schemas.microsoft.com/office/powerpoint/2010/main" val="1781166912"/>
+        <p14:creationId xmlns:p14="http://schemas.microsoft.com/office/powerpoint/2010/main" val="1973795107"/>
       </p:ext>
     </p:extLst>
   </p:cSld>
@@ -10126,7 +12444,13 @@
       </p:grpSpPr>
       <p:sp>
         <p:nvSpPr>
-          <p:cNvPr id="2" name="Title 1"/>
+          <p:cNvPr id="2" name="Title 1">
+            <a:extLst>
+              <a:ext uri="{FF2B5EF4-FFF2-40B4-BE49-F238E27FC236}">
+                <a16:creationId xmlns:a16="http://schemas.microsoft.com/office/drawing/2014/main" id="{C13592C9-40CD-4BC2-AA2D-942CC7600572}"/>
+              </a:ext>
+            </a:extLst>
+          </p:cNvPr>
           <p:cNvSpPr>
             <a:spLocks noGrp="1"/>
           </p:cNvSpPr>
@@ -10137,18 +12461,29 @@
         <p:spPr/>
         <p:txBody>
           <a:bodyPr/>
-          <a:lstStyle/>
+          <a:lstStyle>
+            <a:lvl1pPr>
+              <a:defRPr b="1"/>
+            </a:lvl1pPr>
+          </a:lstStyle>
           <a:p>
             <a:r>
               <a:rPr lang="en-US"/>
               <a:t>Click to edit Master title style</a:t>
             </a:r>
+            <a:endParaRPr lang="en-US" dirty="0"/>
           </a:p>
         </p:txBody>
       </p:sp>
       <p:sp>
         <p:nvSpPr>
-          <p:cNvPr id="3" name="Date Placeholder 2"/>
+          <p:cNvPr id="3" name="Date Placeholder 2">
+            <a:extLst>
+              <a:ext uri="{FF2B5EF4-FFF2-40B4-BE49-F238E27FC236}">
+                <a16:creationId xmlns:a16="http://schemas.microsoft.com/office/drawing/2014/main" id="{7DC8478D-ABC5-4F57-99D5-D5C201F52D50}"/>
+              </a:ext>
+            </a:extLst>
+          </p:cNvPr>
           <p:cNvSpPr>
             <a:spLocks noGrp="1"/>
           </p:cNvSpPr>
@@ -10161,9 +12496,9 @@
           <a:bodyPr/>
           <a:lstStyle/>
           <a:p>
-            <a:fld id="{FEC8F623-83FF-45D9-9165-1796CF17F145}" type="datetimeFigureOut">
+            <a:fld id="{81638023-F60A-4B21-BA4E-BD9AA67C04CD}" type="datetimeFigureOut">
               <a:rPr lang="en-US" smtClean="0"/>
-              <a:t>8/6/2024</a:t>
+              <a:t>10/6/2025</a:t>
             </a:fld>
             <a:endParaRPr lang="en-US"/>
           </a:p>
@@ -10171,7 +12506,13 @@
       </p:sp>
       <p:sp>
         <p:nvSpPr>
-          <p:cNvPr id="4" name="Footer Placeholder 3"/>
+          <p:cNvPr id="4" name="Footer Placeholder 3">
+            <a:extLst>
+              <a:ext uri="{FF2B5EF4-FFF2-40B4-BE49-F238E27FC236}">
+                <a16:creationId xmlns:a16="http://schemas.microsoft.com/office/drawing/2014/main" id="{1D8C8747-5D3F-46B5-985C-DAC1E17CE0C5}"/>
+              </a:ext>
+            </a:extLst>
+          </p:cNvPr>
           <p:cNvSpPr>
             <a:spLocks noGrp="1"/>
           </p:cNvSpPr>
@@ -10190,7 +12531,13 @@
       </p:sp>
       <p:sp>
         <p:nvSpPr>
-          <p:cNvPr id="5" name="Slide Number Placeholder 4"/>
+          <p:cNvPr id="5" name="Slide Number Placeholder 4">
+            <a:extLst>
+              <a:ext uri="{FF2B5EF4-FFF2-40B4-BE49-F238E27FC236}">
+                <a16:creationId xmlns:a16="http://schemas.microsoft.com/office/drawing/2014/main" id="{350AA2AB-2FF6-44C7-A235-F093DF30CDB6}"/>
+              </a:ext>
+            </a:extLst>
+          </p:cNvPr>
           <p:cNvSpPr>
             <a:spLocks noGrp="1"/>
           </p:cNvSpPr>
@@ -10203,7 +12550,7 @@
           <a:bodyPr/>
           <a:lstStyle/>
           <a:p>
-            <a:fld id="{976BBADC-9FF0-4CB1-9E90-DB516545AC81}" type="slidenum">
+            <a:fld id="{79C30FE0-8EFC-4094-A756-3613B74EBB15}" type="slidenum">
               <a:rPr lang="en-US" smtClean="0"/>
               <a:t>‹#›</a:t>
             </a:fld>
@@ -10211,10 +12558,46 @@
           </a:p>
         </p:txBody>
       </p:sp>
+      <p:pic>
+        <p:nvPicPr>
+          <p:cNvPr id="6" name="Picture 5" descr="A blue and white sign&#10;&#10;Description automatically generated">
+            <a:extLst>
+              <a:ext uri="{FF2B5EF4-FFF2-40B4-BE49-F238E27FC236}">
+                <a16:creationId xmlns:a16="http://schemas.microsoft.com/office/drawing/2014/main" id="{F220FB18-732D-4555-9511-BE496C6298E9}"/>
+              </a:ext>
+            </a:extLst>
+          </p:cNvPr>
+          <p:cNvPicPr>
+            <a:picLocks noChangeAspect="1"/>
+          </p:cNvPicPr>
+          <p:nvPr/>
+        </p:nvPicPr>
+        <p:blipFill>
+          <a:blip r:embed="rId2">
+            <a:extLst>
+              <a:ext uri="{28A0092B-C50C-407E-A947-70E740481C1C}">
+                <a14:useLocalDpi xmlns:a14="http://schemas.microsoft.com/office/drawing/2010/main" val="0"/>
+              </a:ext>
+            </a:extLst>
+          </a:blip>
+          <a:stretch>
+            <a:fillRect/>
+          </a:stretch>
+        </p:blipFill>
+        <p:spPr>
+          <a:xfrm>
+            <a:off x="198646" y="6082166"/>
+            <a:ext cx="2639537" cy="640080"/>
+          </a:xfrm>
+          <a:prstGeom prst="rect">
+            <a:avLst/>
+          </a:prstGeom>
+        </p:spPr>
+      </p:pic>
     </p:spTree>
     <p:extLst>
       <p:ext uri="{BB962C8B-B14F-4D97-AF65-F5344CB8AC3E}">
-        <p14:creationId xmlns:p14="http://schemas.microsoft.com/office/powerpoint/2010/main" val="1491249396"/>
+        <p14:creationId xmlns:p14="http://schemas.microsoft.com/office/powerpoint/2010/main" val="1269986399"/>
       </p:ext>
     </p:extLst>
   </p:cSld>
@@ -10243,7 +12626,13 @@
       </p:grpSpPr>
       <p:sp>
         <p:nvSpPr>
-          <p:cNvPr id="2" name="Date Placeholder 1"/>
+          <p:cNvPr id="2" name="Date Placeholder 1">
+            <a:extLst>
+              <a:ext uri="{FF2B5EF4-FFF2-40B4-BE49-F238E27FC236}">
+                <a16:creationId xmlns:a16="http://schemas.microsoft.com/office/drawing/2014/main" id="{DA6F6823-A8E4-41B5-AABF-7E50AB944B96}"/>
+              </a:ext>
+            </a:extLst>
+          </p:cNvPr>
           <p:cNvSpPr>
             <a:spLocks noGrp="1"/>
           </p:cNvSpPr>
@@ -10256,9 +12645,9 @@
           <a:bodyPr/>
           <a:lstStyle/>
           <a:p>
-            <a:fld id="{FEC8F623-83FF-45D9-9165-1796CF17F145}" type="datetimeFigureOut">
+            <a:fld id="{81638023-F60A-4B21-BA4E-BD9AA67C04CD}" type="datetimeFigureOut">
               <a:rPr lang="en-US" smtClean="0"/>
-              <a:t>8/6/2024</a:t>
+              <a:t>10/6/2025</a:t>
             </a:fld>
             <a:endParaRPr lang="en-US"/>
           </a:p>
@@ -10266,7 +12655,13 @@
       </p:sp>
       <p:sp>
         <p:nvSpPr>
-          <p:cNvPr id="3" name="Footer Placeholder 2"/>
+          <p:cNvPr id="3" name="Footer Placeholder 2">
+            <a:extLst>
+              <a:ext uri="{FF2B5EF4-FFF2-40B4-BE49-F238E27FC236}">
+                <a16:creationId xmlns:a16="http://schemas.microsoft.com/office/drawing/2014/main" id="{F2E33D15-14C9-4533-A0B2-E17FCF5BA5D8}"/>
+              </a:ext>
+            </a:extLst>
+          </p:cNvPr>
           <p:cNvSpPr>
             <a:spLocks noGrp="1"/>
           </p:cNvSpPr>
@@ -10285,7 +12680,13 @@
       </p:sp>
       <p:sp>
         <p:nvSpPr>
-          <p:cNvPr id="4" name="Slide Number Placeholder 3"/>
+          <p:cNvPr id="4" name="Slide Number Placeholder 3">
+            <a:extLst>
+              <a:ext uri="{FF2B5EF4-FFF2-40B4-BE49-F238E27FC236}">
+                <a16:creationId xmlns:a16="http://schemas.microsoft.com/office/drawing/2014/main" id="{99E63C01-7C52-4C05-B87A-E55AEC070E05}"/>
+              </a:ext>
+            </a:extLst>
+          </p:cNvPr>
           <p:cNvSpPr>
             <a:spLocks noGrp="1"/>
           </p:cNvSpPr>
@@ -10298,7 +12699,7 @@
           <a:bodyPr/>
           <a:lstStyle/>
           <a:p>
-            <a:fld id="{976BBADC-9FF0-4CB1-9E90-DB516545AC81}" type="slidenum">
+            <a:fld id="{79C30FE0-8EFC-4094-A756-3613B74EBB15}" type="slidenum">
               <a:rPr lang="en-US" smtClean="0"/>
               <a:t>‹#›</a:t>
             </a:fld>
@@ -10306,10 +12707,46 @@
           </a:p>
         </p:txBody>
       </p:sp>
+      <p:pic>
+        <p:nvPicPr>
+          <p:cNvPr id="5" name="Picture 4" descr="A blue and white sign&#10;&#10;Description automatically generated">
+            <a:extLst>
+              <a:ext uri="{FF2B5EF4-FFF2-40B4-BE49-F238E27FC236}">
+                <a16:creationId xmlns:a16="http://schemas.microsoft.com/office/drawing/2014/main" id="{1800F7B6-564D-454C-8D78-AAFB76F65D99}"/>
+              </a:ext>
+            </a:extLst>
+          </p:cNvPr>
+          <p:cNvPicPr>
+            <a:picLocks noChangeAspect="1"/>
+          </p:cNvPicPr>
+          <p:nvPr/>
+        </p:nvPicPr>
+        <p:blipFill>
+          <a:blip r:embed="rId2">
+            <a:extLst>
+              <a:ext uri="{28A0092B-C50C-407E-A947-70E740481C1C}">
+                <a14:useLocalDpi xmlns:a14="http://schemas.microsoft.com/office/drawing/2010/main" val="0"/>
+              </a:ext>
+            </a:extLst>
+          </a:blip>
+          <a:stretch>
+            <a:fillRect/>
+          </a:stretch>
+        </p:blipFill>
+        <p:spPr>
+          <a:xfrm>
+            <a:off x="198646" y="6082166"/>
+            <a:ext cx="2639537" cy="640080"/>
+          </a:xfrm>
+          <a:prstGeom prst="rect">
+            <a:avLst/>
+          </a:prstGeom>
+        </p:spPr>
+      </p:pic>
     </p:spTree>
     <p:extLst>
       <p:ext uri="{BB962C8B-B14F-4D97-AF65-F5344CB8AC3E}">
-        <p14:creationId xmlns:p14="http://schemas.microsoft.com/office/powerpoint/2010/main" val="123695343"/>
+        <p14:creationId xmlns:p14="http://schemas.microsoft.com/office/powerpoint/2010/main" val="3570495877"/>
       </p:ext>
     </p:extLst>
   </p:cSld>
@@ -10338,7 +12775,13 @@
       </p:grpSpPr>
       <p:sp>
         <p:nvSpPr>
-          <p:cNvPr id="2" name="Title 1"/>
+          <p:cNvPr id="2" name="Title 1">
+            <a:extLst>
+              <a:ext uri="{FF2B5EF4-FFF2-40B4-BE49-F238E27FC236}">
+                <a16:creationId xmlns:a16="http://schemas.microsoft.com/office/drawing/2014/main" id="{859A31D2-9A00-45DB-A47F-9F571777F24B}"/>
+              </a:ext>
+            </a:extLst>
+          </p:cNvPr>
           <p:cNvSpPr>
             <a:spLocks noGrp="1"/>
           </p:cNvSpPr>
@@ -10356,7 +12799,7 @@
           <a:bodyPr anchor="b"/>
           <a:lstStyle>
             <a:lvl1pPr>
-              <a:defRPr sz="3200"/>
+              <a:defRPr sz="3200" b="1"/>
             </a:lvl1pPr>
           </a:lstStyle>
           <a:p>
@@ -10364,12 +12807,19 @@
               <a:rPr lang="en-US"/>
               <a:t>Click to edit Master title style</a:t>
             </a:r>
+            <a:endParaRPr lang="en-US" dirty="0"/>
           </a:p>
         </p:txBody>
       </p:sp>
       <p:sp>
         <p:nvSpPr>
-          <p:cNvPr id="3" name="Content Placeholder 2"/>
+          <p:cNvPr id="3" name="Content Placeholder 2">
+            <a:extLst>
+              <a:ext uri="{FF2B5EF4-FFF2-40B4-BE49-F238E27FC236}">
+                <a16:creationId xmlns:a16="http://schemas.microsoft.com/office/drawing/2014/main" id="{8FBAAFDC-A042-4571-8E47-321A4016EE4F}"/>
+              </a:ext>
+            </a:extLst>
+          </p:cNvPr>
           <p:cNvSpPr>
             <a:spLocks noGrp="1"/>
           </p:cNvSpPr>
@@ -10418,7 +12868,7 @@
             <a:pPr lvl="0"/>
             <a:r>
               <a:rPr lang="en-US"/>
-              <a:t>Edit Master text styles</a:t>
+              <a:t>Click to edit Master text styles</a:t>
             </a:r>
           </a:p>
           <a:p>
@@ -10453,7 +12903,13 @@
       </p:sp>
       <p:sp>
         <p:nvSpPr>
-          <p:cNvPr id="4" name="Text Placeholder 3"/>
+          <p:cNvPr id="4" name="Text Placeholder 3">
+            <a:extLst>
+              <a:ext uri="{FF2B5EF4-FFF2-40B4-BE49-F238E27FC236}">
+                <a16:creationId xmlns:a16="http://schemas.microsoft.com/office/drawing/2014/main" id="{EDDD1982-1467-44BE-898D-FDE749B74290}"/>
+              </a:ext>
+            </a:extLst>
+          </p:cNvPr>
           <p:cNvSpPr>
             <a:spLocks noGrp="1"/>
           </p:cNvSpPr>
@@ -10511,14 +12967,20 @@
             <a:pPr lvl="0"/>
             <a:r>
               <a:rPr lang="en-US"/>
-              <a:t>Edit Master text styles</a:t>
+              <a:t>Click to edit Master text styles</a:t>
             </a:r>
           </a:p>
         </p:txBody>
       </p:sp>
       <p:sp>
         <p:nvSpPr>
-          <p:cNvPr id="5" name="Date Placeholder 4"/>
+          <p:cNvPr id="5" name="Date Placeholder 4">
+            <a:extLst>
+              <a:ext uri="{FF2B5EF4-FFF2-40B4-BE49-F238E27FC236}">
+                <a16:creationId xmlns:a16="http://schemas.microsoft.com/office/drawing/2014/main" id="{B6D64EBC-62D2-4411-B172-EB0CAA250DF6}"/>
+              </a:ext>
+            </a:extLst>
+          </p:cNvPr>
           <p:cNvSpPr>
             <a:spLocks noGrp="1"/>
           </p:cNvSpPr>
@@ -10531,9 +12993,9 @@
           <a:bodyPr/>
           <a:lstStyle/>
           <a:p>
-            <a:fld id="{FEC8F623-83FF-45D9-9165-1796CF17F145}" type="datetimeFigureOut">
+            <a:fld id="{81638023-F60A-4B21-BA4E-BD9AA67C04CD}" type="datetimeFigureOut">
               <a:rPr lang="en-US" smtClean="0"/>
-              <a:t>8/6/2024</a:t>
+              <a:t>10/6/2025</a:t>
             </a:fld>
             <a:endParaRPr lang="en-US"/>
           </a:p>
@@ -10541,7 +13003,13 @@
       </p:sp>
       <p:sp>
         <p:nvSpPr>
-          <p:cNvPr id="6" name="Footer Placeholder 5"/>
+          <p:cNvPr id="6" name="Footer Placeholder 5">
+            <a:extLst>
+              <a:ext uri="{FF2B5EF4-FFF2-40B4-BE49-F238E27FC236}">
+                <a16:creationId xmlns:a16="http://schemas.microsoft.com/office/drawing/2014/main" id="{BBD270BC-E6DC-49B9-94D8-2DFC8079D709}"/>
+              </a:ext>
+            </a:extLst>
+          </p:cNvPr>
           <p:cNvSpPr>
             <a:spLocks noGrp="1"/>
           </p:cNvSpPr>
@@ -10560,7 +13028,13 @@
       </p:sp>
       <p:sp>
         <p:nvSpPr>
-          <p:cNvPr id="7" name="Slide Number Placeholder 6"/>
+          <p:cNvPr id="7" name="Slide Number Placeholder 6">
+            <a:extLst>
+              <a:ext uri="{FF2B5EF4-FFF2-40B4-BE49-F238E27FC236}">
+                <a16:creationId xmlns:a16="http://schemas.microsoft.com/office/drawing/2014/main" id="{9B201F3D-733C-4F46-80D5-9CEB970541BA}"/>
+              </a:ext>
+            </a:extLst>
+          </p:cNvPr>
           <p:cNvSpPr>
             <a:spLocks noGrp="1"/>
           </p:cNvSpPr>
@@ -10573,7 +13047,7 @@
           <a:bodyPr/>
           <a:lstStyle/>
           <a:p>
-            <a:fld id="{976BBADC-9FF0-4CB1-9E90-DB516545AC81}" type="slidenum">
+            <a:fld id="{79C30FE0-8EFC-4094-A756-3613B74EBB15}" type="slidenum">
               <a:rPr lang="en-US" smtClean="0"/>
               <a:t>‹#›</a:t>
             </a:fld>
@@ -10581,10 +13055,46 @@
           </a:p>
         </p:txBody>
       </p:sp>
+      <p:pic>
+        <p:nvPicPr>
+          <p:cNvPr id="8" name="Picture 7" descr="A blue and white sign&#10;&#10;Description automatically generated">
+            <a:extLst>
+              <a:ext uri="{FF2B5EF4-FFF2-40B4-BE49-F238E27FC236}">
+                <a16:creationId xmlns:a16="http://schemas.microsoft.com/office/drawing/2014/main" id="{8AAFF090-4748-4CEB-82FE-B8DC75C44B1E}"/>
+              </a:ext>
+            </a:extLst>
+          </p:cNvPr>
+          <p:cNvPicPr>
+            <a:picLocks noChangeAspect="1"/>
+          </p:cNvPicPr>
+          <p:nvPr/>
+        </p:nvPicPr>
+        <p:blipFill>
+          <a:blip r:embed="rId2">
+            <a:extLst>
+              <a:ext uri="{28A0092B-C50C-407E-A947-70E740481C1C}">
+                <a14:useLocalDpi xmlns:a14="http://schemas.microsoft.com/office/drawing/2010/main" val="0"/>
+              </a:ext>
+            </a:extLst>
+          </a:blip>
+          <a:stretch>
+            <a:fillRect/>
+          </a:stretch>
+        </p:blipFill>
+        <p:spPr>
+          <a:xfrm>
+            <a:off x="198646" y="6082166"/>
+            <a:ext cx="2639537" cy="640080"/>
+          </a:xfrm>
+          <a:prstGeom prst="rect">
+            <a:avLst/>
+          </a:prstGeom>
+        </p:spPr>
+      </p:pic>
     </p:spTree>
     <p:extLst>
       <p:ext uri="{BB962C8B-B14F-4D97-AF65-F5344CB8AC3E}">
-        <p14:creationId xmlns:p14="http://schemas.microsoft.com/office/powerpoint/2010/main" val="3373635418"/>
+        <p14:creationId xmlns:p14="http://schemas.microsoft.com/office/powerpoint/2010/main" val="531299040"/>
       </p:ext>
     </p:extLst>
   </p:cSld>
@@ -10613,7 +13123,13 @@
       </p:grpSpPr>
       <p:sp>
         <p:nvSpPr>
-          <p:cNvPr id="2" name="Title 1"/>
+          <p:cNvPr id="2" name="Title 1">
+            <a:extLst>
+              <a:ext uri="{FF2B5EF4-FFF2-40B4-BE49-F238E27FC236}">
+                <a16:creationId xmlns:a16="http://schemas.microsoft.com/office/drawing/2014/main" id="{FACE1E9C-B474-4962-83D4-0F95B2D059E2}"/>
+              </a:ext>
+            </a:extLst>
+          </p:cNvPr>
           <p:cNvSpPr>
             <a:spLocks noGrp="1"/>
           </p:cNvSpPr>
@@ -10631,7 +13147,7 @@
           <a:bodyPr anchor="b"/>
           <a:lstStyle>
             <a:lvl1pPr>
-              <a:defRPr sz="3200"/>
+              <a:defRPr sz="3200" b="1"/>
             </a:lvl1pPr>
           </a:lstStyle>
           <a:p>
@@ -10639,12 +13155,19 @@
               <a:rPr lang="en-US"/>
               <a:t>Click to edit Master title style</a:t>
             </a:r>
+            <a:endParaRPr lang="en-US" dirty="0"/>
           </a:p>
         </p:txBody>
       </p:sp>
       <p:sp>
         <p:nvSpPr>
-          <p:cNvPr id="3" name="Picture Placeholder 2"/>
+          <p:cNvPr id="3" name="Picture Placeholder 2">
+            <a:extLst>
+              <a:ext uri="{FF2B5EF4-FFF2-40B4-BE49-F238E27FC236}">
+                <a16:creationId xmlns:a16="http://schemas.microsoft.com/office/drawing/2014/main" id="{64891AEC-7DE2-4B8B-BF1B-C9E9B2488DC3}"/>
+              </a:ext>
+            </a:extLst>
+          </p:cNvPr>
           <p:cNvSpPr>
             <a:spLocks noGrp="1"/>
           </p:cNvSpPr>
@@ -10699,13 +13222,22 @@
             </a:lvl9pPr>
           </a:lstStyle>
           <a:p>
-            <a:endParaRPr lang="en-US"/>
+            <a:r>
+              <a:rPr lang="en-US"/>
+              <a:t>Click icon to add picture</a:t>
+            </a:r>
           </a:p>
         </p:txBody>
       </p:sp>
       <p:sp>
         <p:nvSpPr>
-          <p:cNvPr id="4" name="Text Placeholder 3"/>
+          <p:cNvPr id="4" name="Text Placeholder 3">
+            <a:extLst>
+              <a:ext uri="{FF2B5EF4-FFF2-40B4-BE49-F238E27FC236}">
+                <a16:creationId xmlns:a16="http://schemas.microsoft.com/office/drawing/2014/main" id="{FD628899-8ED1-47C9-90C3-9AB19FF89C6C}"/>
+              </a:ext>
+            </a:extLst>
+          </p:cNvPr>
           <p:cNvSpPr>
             <a:spLocks noGrp="1"/>
           </p:cNvSpPr>
@@ -10763,14 +13295,20 @@
             <a:pPr lvl="0"/>
             <a:r>
               <a:rPr lang="en-US"/>
-              <a:t>Edit Master text styles</a:t>
+              <a:t>Click to edit Master text styles</a:t>
             </a:r>
           </a:p>
         </p:txBody>
       </p:sp>
       <p:sp>
         <p:nvSpPr>
-          <p:cNvPr id="5" name="Date Placeholder 4"/>
+          <p:cNvPr id="5" name="Date Placeholder 4">
+            <a:extLst>
+              <a:ext uri="{FF2B5EF4-FFF2-40B4-BE49-F238E27FC236}">
+                <a16:creationId xmlns:a16="http://schemas.microsoft.com/office/drawing/2014/main" id="{7AF948AA-B4CB-40C1-989C-1976A66839CC}"/>
+              </a:ext>
+            </a:extLst>
+          </p:cNvPr>
           <p:cNvSpPr>
             <a:spLocks noGrp="1"/>
           </p:cNvSpPr>
@@ -10783,9 +13321,9 @@
           <a:bodyPr/>
           <a:lstStyle/>
           <a:p>
-            <a:fld id="{FEC8F623-83FF-45D9-9165-1796CF17F145}" type="datetimeFigureOut">
+            <a:fld id="{81638023-F60A-4B21-BA4E-BD9AA67C04CD}" type="datetimeFigureOut">
               <a:rPr lang="en-US" smtClean="0"/>
-              <a:t>8/6/2024</a:t>
+              <a:t>10/6/2025</a:t>
             </a:fld>
             <a:endParaRPr lang="en-US"/>
           </a:p>
@@ -10793,7 +13331,13 @@
       </p:sp>
       <p:sp>
         <p:nvSpPr>
-          <p:cNvPr id="6" name="Footer Placeholder 5"/>
+          <p:cNvPr id="6" name="Footer Placeholder 5">
+            <a:extLst>
+              <a:ext uri="{FF2B5EF4-FFF2-40B4-BE49-F238E27FC236}">
+                <a16:creationId xmlns:a16="http://schemas.microsoft.com/office/drawing/2014/main" id="{38FE994E-4C08-4134-AA8F-7F0FB57B4DB6}"/>
+              </a:ext>
+            </a:extLst>
+          </p:cNvPr>
           <p:cNvSpPr>
             <a:spLocks noGrp="1"/>
           </p:cNvSpPr>
@@ -10812,7 +13356,13 @@
       </p:sp>
       <p:sp>
         <p:nvSpPr>
-          <p:cNvPr id="7" name="Slide Number Placeholder 6"/>
+          <p:cNvPr id="7" name="Slide Number Placeholder 6">
+            <a:extLst>
+              <a:ext uri="{FF2B5EF4-FFF2-40B4-BE49-F238E27FC236}">
+                <a16:creationId xmlns:a16="http://schemas.microsoft.com/office/drawing/2014/main" id="{25B27BB6-3A58-4F48-9C34-230B6476BC5B}"/>
+              </a:ext>
+            </a:extLst>
+          </p:cNvPr>
           <p:cNvSpPr>
             <a:spLocks noGrp="1"/>
           </p:cNvSpPr>
@@ -10825,7 +13375,7 @@
           <a:bodyPr/>
           <a:lstStyle/>
           <a:p>
-            <a:fld id="{976BBADC-9FF0-4CB1-9E90-DB516545AC81}" type="slidenum">
+            <a:fld id="{79C30FE0-8EFC-4094-A756-3613B74EBB15}" type="slidenum">
               <a:rPr lang="en-US" smtClean="0"/>
               <a:t>‹#›</a:t>
             </a:fld>
@@ -10833,10 +13383,46 @@
           </a:p>
         </p:txBody>
       </p:sp>
+      <p:pic>
+        <p:nvPicPr>
+          <p:cNvPr id="8" name="Picture 7" descr="A blue and white sign&#10;&#10;Description automatically generated">
+            <a:extLst>
+              <a:ext uri="{FF2B5EF4-FFF2-40B4-BE49-F238E27FC236}">
+                <a16:creationId xmlns:a16="http://schemas.microsoft.com/office/drawing/2014/main" id="{6551F537-C48C-4D91-AF2C-B85939448626}"/>
+              </a:ext>
+            </a:extLst>
+          </p:cNvPr>
+          <p:cNvPicPr>
+            <a:picLocks noChangeAspect="1"/>
+          </p:cNvPicPr>
+          <p:nvPr/>
+        </p:nvPicPr>
+        <p:blipFill>
+          <a:blip r:embed="rId2">
+            <a:extLst>
+              <a:ext uri="{28A0092B-C50C-407E-A947-70E740481C1C}">
+                <a14:useLocalDpi xmlns:a14="http://schemas.microsoft.com/office/drawing/2010/main" val="0"/>
+              </a:ext>
+            </a:extLst>
+          </a:blip>
+          <a:stretch>
+            <a:fillRect/>
+          </a:stretch>
+        </p:blipFill>
+        <p:spPr>
+          <a:xfrm>
+            <a:off x="198646" y="6082166"/>
+            <a:ext cx="2639537" cy="640080"/>
+          </a:xfrm>
+          <a:prstGeom prst="rect">
+            <a:avLst/>
+          </a:prstGeom>
+        </p:spPr>
+      </p:pic>
     </p:spTree>
     <p:extLst>
       <p:ext uri="{BB962C8B-B14F-4D97-AF65-F5344CB8AC3E}">
-        <p14:creationId xmlns:p14="http://schemas.microsoft.com/office/powerpoint/2010/main" val="321541151"/>
+        <p14:creationId xmlns:p14="http://schemas.microsoft.com/office/powerpoint/2010/main" val="3207927331"/>
       </p:ext>
     </p:extLst>
   </p:cSld>
@@ -10870,7 +13456,13 @@
       </p:grpSpPr>
       <p:sp>
         <p:nvSpPr>
-          <p:cNvPr id="2" name="Title Placeholder 1"/>
+          <p:cNvPr id="2" name="Title Placeholder 1">
+            <a:extLst>
+              <a:ext uri="{FF2B5EF4-FFF2-40B4-BE49-F238E27FC236}">
+                <a16:creationId xmlns:a16="http://schemas.microsoft.com/office/drawing/2014/main" id="{0E6A2EFD-5BC8-486D-AC05-C88192EE0735}"/>
+              </a:ext>
+            </a:extLst>
+          </p:cNvPr>
           <p:cNvSpPr>
             <a:spLocks noGrp="1"/>
           </p:cNvSpPr>
@@ -10897,12 +13489,19 @@
               <a:rPr lang="en-US"/>
               <a:t>Click to edit Master title style</a:t>
             </a:r>
+            <a:endParaRPr lang="en-US" dirty="0"/>
           </a:p>
         </p:txBody>
       </p:sp>
       <p:sp>
         <p:nvSpPr>
-          <p:cNvPr id="3" name="Text Placeholder 2"/>
+          <p:cNvPr id="3" name="Text Placeholder 2">
+            <a:extLst>
+              <a:ext uri="{FF2B5EF4-FFF2-40B4-BE49-F238E27FC236}">
+                <a16:creationId xmlns:a16="http://schemas.microsoft.com/office/drawing/2014/main" id="{D28D6EF7-BE2E-44A6-A579-2EB131557AA8}"/>
+              </a:ext>
+            </a:extLst>
+          </p:cNvPr>
           <p:cNvSpPr>
             <a:spLocks noGrp="1"/>
           </p:cNvSpPr>
@@ -10928,7 +13527,7 @@
             <a:pPr lvl="0"/>
             <a:r>
               <a:rPr lang="en-US"/>
-              <a:t>Edit Master text styles</a:t>
+              <a:t>Click to edit Master text styles</a:t>
             </a:r>
           </a:p>
           <a:p>
@@ -10963,7 +13562,13 @@
       </p:sp>
       <p:sp>
         <p:nvSpPr>
-          <p:cNvPr id="4" name="Date Placeholder 3"/>
+          <p:cNvPr id="4" name="Date Placeholder 3">
+            <a:extLst>
+              <a:ext uri="{FF2B5EF4-FFF2-40B4-BE49-F238E27FC236}">
+                <a16:creationId xmlns:a16="http://schemas.microsoft.com/office/drawing/2014/main" id="{B43E8898-A5C2-4AD9-9375-B6EEEF874613}"/>
+              </a:ext>
+            </a:extLst>
+          </p:cNvPr>
           <p:cNvSpPr>
             <a:spLocks noGrp="1"/>
           </p:cNvSpPr>
@@ -10994,9 +13599,9 @@
             </a:lvl1pPr>
           </a:lstStyle>
           <a:p>
-            <a:fld id="{FEC8F623-83FF-45D9-9165-1796CF17F145}" type="datetimeFigureOut">
+            <a:fld id="{81638023-F60A-4B21-BA4E-BD9AA67C04CD}" type="datetimeFigureOut">
               <a:rPr lang="en-US" smtClean="0"/>
-              <a:t>8/6/2024</a:t>
+              <a:t>10/6/2025</a:t>
             </a:fld>
             <a:endParaRPr lang="en-US"/>
           </a:p>
@@ -11004,7 +13609,13 @@
       </p:sp>
       <p:sp>
         <p:nvSpPr>
-          <p:cNvPr id="5" name="Footer Placeholder 4"/>
+          <p:cNvPr id="5" name="Footer Placeholder 4">
+            <a:extLst>
+              <a:ext uri="{FF2B5EF4-FFF2-40B4-BE49-F238E27FC236}">
+                <a16:creationId xmlns:a16="http://schemas.microsoft.com/office/drawing/2014/main" id="{7FAFB22A-4D3A-4BD5-9047-B2647995E7F7}"/>
+              </a:ext>
+            </a:extLst>
+          </p:cNvPr>
           <p:cNvSpPr>
             <a:spLocks noGrp="1"/>
           </p:cNvSpPr>
@@ -11041,7 +13652,13 @@
       </p:sp>
       <p:sp>
         <p:nvSpPr>
-          <p:cNvPr id="6" name="Slide Number Placeholder 5"/>
+          <p:cNvPr id="6" name="Slide Number Placeholder 5">
+            <a:extLst>
+              <a:ext uri="{FF2B5EF4-FFF2-40B4-BE49-F238E27FC236}">
+                <a16:creationId xmlns:a16="http://schemas.microsoft.com/office/drawing/2014/main" id="{1786F5A4-D87B-4D75-B420-FEC8927543FA}"/>
+              </a:ext>
+            </a:extLst>
+          </p:cNvPr>
           <p:cNvSpPr>
             <a:spLocks noGrp="1"/>
           </p:cNvSpPr>
@@ -11072,7 +13689,7 @@
             </a:lvl1pPr>
           </a:lstStyle>
           <a:p>
-            <a:fld id="{976BBADC-9FF0-4CB1-9E90-DB516545AC81}" type="slidenum">
+            <a:fld id="{79C30FE0-8EFC-4094-A756-3613B74EBB15}" type="slidenum">
               <a:rPr lang="en-US" smtClean="0"/>
               <a:t>‹#›</a:t>
             </a:fld>
@@ -11083,23 +13700,23 @@
     </p:spTree>
     <p:extLst>
       <p:ext uri="{BB962C8B-B14F-4D97-AF65-F5344CB8AC3E}">
-        <p14:creationId xmlns:p14="http://schemas.microsoft.com/office/powerpoint/2010/main" val="1523115670"/>
+        <p14:creationId xmlns:p14="http://schemas.microsoft.com/office/powerpoint/2010/main" val="871263937"/>
       </p:ext>
     </p:extLst>
   </p:cSld>
   <p:clrMap bg1="lt1" tx1="dk1" bg2="lt2" tx2="dk2" accent1="accent1" accent2="accent2" accent3="accent3" accent4="accent4" accent5="accent5" accent6="accent6" hlink="hlink" folHlink="folHlink"/>
   <p:sldLayoutIdLst>
-    <p:sldLayoutId id="2147483649" r:id="rId1"/>
-    <p:sldLayoutId id="2147483650" r:id="rId2"/>
-    <p:sldLayoutId id="2147483651" r:id="rId3"/>
-    <p:sldLayoutId id="2147483652" r:id="rId4"/>
-    <p:sldLayoutId id="2147483653" r:id="rId5"/>
-    <p:sldLayoutId id="2147483654" r:id="rId6"/>
-    <p:sldLayoutId id="2147483655" r:id="rId7"/>
-    <p:sldLayoutId id="2147483656" r:id="rId8"/>
-    <p:sldLayoutId id="2147483657" r:id="rId9"/>
-    <p:sldLayoutId id="2147483658" r:id="rId10"/>
-    <p:sldLayoutId id="2147483659" r:id="rId11"/>
+    <p:sldLayoutId id="2147483661" r:id="rId1"/>
+    <p:sldLayoutId id="2147483662" r:id="rId2"/>
+    <p:sldLayoutId id="2147483663" r:id="rId3"/>
+    <p:sldLayoutId id="2147483664" r:id="rId4"/>
+    <p:sldLayoutId id="2147483665" r:id="rId5"/>
+    <p:sldLayoutId id="2147483666" r:id="rId6"/>
+    <p:sldLayoutId id="2147483667" r:id="rId7"/>
+    <p:sldLayoutId id="2147483668" r:id="rId8"/>
+    <p:sldLayoutId id="2147483669" r:id="rId9"/>
+    <p:sldLayoutId id="2147483670" r:id="rId10"/>
+    <p:sldLayoutId id="2147483671" r:id="rId11"/>
   </p:sldLayoutIdLst>
   <p:txStyles>
     <p:titleStyle>
@@ -11111,7 +13728,7 @@
           <a:spcPct val="0"/>
         </a:spcBef>
         <a:buNone/>
-        <a:defRPr sz="4400" kern="1200">
+        <a:defRPr sz="4400" b="1" kern="1200">
           <a:solidFill>
             <a:schemeClr val="tx1"/>
           </a:solidFill>
@@ -11413,65 +14030,23 @@
         </p:nvSpPr>
         <p:spPr>
           <a:xfrm>
-            <a:off x="901141" y="2286642"/>
-            <a:ext cx="10389705" cy="2284716"/>
+            <a:off x="324666" y="2158700"/>
+            <a:ext cx="11542644" cy="1640266"/>
           </a:xfrm>
         </p:spPr>
         <p:txBody>
-          <a:bodyPr>
+          <a:bodyPr anchor="ctr">
             <a:noAutofit/>
           </a:bodyPr>
           <a:lstStyle/>
           <a:p>
-            <a:br>
-              <a:rPr lang="en-US" sz="2400" b="1" dirty="0"/>
-            </a:br>
-            <a:br>
-              <a:rPr lang="en-US" sz="2400" b="1" dirty="0"/>
-            </a:br>
             <a:r>
-              <a:rPr lang="en-US" sz="4400" b="1" dirty="0"/>
-              <a:t>Trends in Prevalence of CKD Stages 3–5 in the Military Health System</a:t>
+              <a:rPr lang="en-US" sz="4000" b="1" dirty="0"/>
+              <a:t>Service Members and Their Dependents With eGFR-based CKD Stages 3–5 Who Also have a Diagnosis Code for CKD in the Military Health System </a:t>
             </a:r>
-            <a:br>
-              <a:rPr lang="en-US" sz="4400" b="1" dirty="0"/>
-            </a:br>
-            <a:br>
-              <a:rPr lang="en-US" sz="4400" b="1" dirty="0"/>
-            </a:br>
-            <a:endParaRPr lang="en-US" sz="2400" b="1" dirty="0"/>
           </a:p>
         </p:txBody>
       </p:sp>
-      <p:pic>
-        <p:nvPicPr>
-          <p:cNvPr id="4" name="Picture 3"/>
-          <p:cNvPicPr>
-            <a:picLocks noChangeAspect="1"/>
-          </p:cNvPicPr>
-          <p:nvPr/>
-        </p:nvPicPr>
-        <p:blipFill>
-          <a:blip r:embed="rId2">
-            <a:extLst>
-              <a:ext uri="{28A0092B-C50C-407E-A947-70E740481C1C}">
-                <a14:useLocalDpi xmlns:a14="http://schemas.microsoft.com/office/drawing/2010/main" val="0"/>
-              </a:ext>
-            </a:extLst>
-          </a:blip>
-          <a:srcRect/>
-          <a:stretch/>
-        </p:blipFill>
-        <p:spPr>
-          <a:xfrm>
-            <a:off x="2798505" y="368586"/>
-            <a:ext cx="6594987" cy="2032104"/>
-          </a:xfrm>
-          <a:prstGeom prst="rect">
-            <a:avLst/>
-          </a:prstGeom>
-        </p:spPr>
-      </p:pic>
       <p:sp>
         <p:nvSpPr>
           <p:cNvPr id="5" name="TextBox 4">
@@ -11486,8 +14061,8 @@
         </p:nvSpPr>
         <p:spPr>
           <a:xfrm>
-            <a:off x="106009" y="3637885"/>
-            <a:ext cx="11979965" cy="2308324"/>
+            <a:off x="324666" y="3879167"/>
+            <a:ext cx="11542644" cy="2308324"/>
           </a:xfrm>
           <a:prstGeom prst="rect">
             <a:avLst/>
@@ -11502,19 +14077,97 @@
           <a:p>
             <a:pPr algn="l"/>
             <a:r>
-              <a:rPr lang="en-US" dirty="0">
-                <a:solidFill>
-                  <a:srgbClr val="000000"/>
-                </a:solidFill>
+              <a:rPr lang="en-US" sz="1800" dirty="0">
                 <a:effectLst/>
-                <a:latin typeface="Open Sans" panose="020B0606030504020204" pitchFamily="34" charset="0"/>
+                <a:latin typeface="Calibri" panose="020F0502020204030204" pitchFamily="34" charset="0"/>
+                <a:ea typeface="Times New Roman" panose="02020603050405020304" pitchFamily="18" charset="0"/>
               </a:rPr>
-              <a:t>The crude prevalence of Military Health System (MHS) beneficiaries with CKD stages 3–5 (eGFR &lt;60 ml/min/1.732) ranged from 4.9 to 6.4% during 2009–2019. From 2017 on, the crude prevalence was stable around 5.4%, while the age-standardized prevalence was 6.3–6.4%. The crude prevalence of CKD stages 3–5 was highest in adults aged ≥70 years and Black adults. The age-standardized prevalence was highest in Black adults compared with their counterparts. </a:t>
+              <a:t>For MHS beneficiaries with CKD stages 3–5 based on eGFR, the </a:t>
+            </a:r>
+            <a:r>
+              <a:rPr lang="en-US" sz="1800" dirty="0">
+                <a:effectLst/>
+                <a:latin typeface="Calibri" panose="020F0502020204030204" pitchFamily="34" charset="0"/>
+                <a:ea typeface="Malgun Gothic" panose="020B0503020000020004" pitchFamily="34" charset="-127"/>
+              </a:rPr>
+              <a:t>crude </a:t>
+            </a:r>
+            <a:r>
+              <a:rPr lang="en-US" sz="1800" dirty="0">
+                <a:effectLst/>
+                <a:latin typeface="Calibri" panose="020F0502020204030204" pitchFamily="34" charset="0"/>
+                <a:ea typeface="Times New Roman" panose="02020603050405020304" pitchFamily="18" charset="0"/>
+              </a:rPr>
+              <a:t>prevalence of those who also had an ICD-9 diagnosis code for CKD was 25.0%–36.5% in 2009–2015. After conversion to ICD-10 in 2016, the prevalence was around 30.0%–36.0% in 2016–2023. The crude percentage of adults with a diagnosis code was higher in adults aged ≥50 years, those with CKD stages 4−5</a:t>
+            </a:r>
+            <a:r>
+              <a:rPr lang="en-US" sz="1800" dirty="0">
+                <a:effectLst/>
+                <a:latin typeface="Calibri" panose="020F0502020204030204" pitchFamily="34" charset="0"/>
+                <a:ea typeface="Malgun Gothic" panose="020B0503020000020004" pitchFamily="34" charset="-127"/>
+              </a:rPr>
+              <a:t>, and men</a:t>
+            </a:r>
+            <a:r>
+              <a:rPr lang="en-US" sz="1800" dirty="0">
+                <a:effectLst/>
+                <a:latin typeface="Calibri" panose="020F0502020204030204" pitchFamily="34" charset="0"/>
+                <a:ea typeface="Times New Roman" panose="02020603050405020304" pitchFamily="18" charset="0"/>
+              </a:rPr>
+              <a:t> compared with the corresponding counterparts. </a:t>
+            </a:r>
+            <a:r>
+              <a:rPr lang="en-US" sz="1800" dirty="0">
+                <a:effectLst/>
+                <a:latin typeface="Calibri" panose="020F0502020204030204" pitchFamily="34" charset="0"/>
+                <a:ea typeface="Malgun Gothic" panose="020B0503020000020004" pitchFamily="34" charset="-127"/>
+              </a:rPr>
+              <a:t>During 2009</a:t>
+            </a:r>
+            <a:r>
+              <a:rPr lang="en-US" sz="1800" dirty="0">
+                <a:effectLst/>
+                <a:latin typeface="Calibri" panose="020F0502020204030204" pitchFamily="34" charset="0"/>
+                <a:ea typeface="Times New Roman" panose="02020603050405020304" pitchFamily="18" charset="0"/>
+              </a:rPr>
+              <a:t>–</a:t>
+            </a:r>
+            <a:r>
+              <a:rPr lang="en-US" sz="1800" dirty="0">
+                <a:effectLst/>
+                <a:latin typeface="Calibri" panose="020F0502020204030204" pitchFamily="34" charset="0"/>
+                <a:ea typeface="Malgun Gothic" panose="020B0503020000020004" pitchFamily="34" charset="-127"/>
+              </a:rPr>
+              <a:t>2023, no distinct patterns </a:t>
+            </a:r>
+            <a:r>
+              <a:rPr lang="en-US" sz="1800" dirty="0">
+                <a:effectLst/>
+                <a:latin typeface="Calibri" panose="020F0502020204030204" pitchFamily="34" charset="0"/>
+                <a:ea typeface="Times New Roman" panose="02020603050405020304" pitchFamily="18" charset="0"/>
+              </a:rPr>
+              <a:t>were observed </a:t>
+            </a:r>
+            <a:r>
+              <a:rPr lang="en-US" sz="1800" dirty="0">
+                <a:effectLst/>
+                <a:latin typeface="Calibri" panose="020F0502020204030204" pitchFamily="34" charset="0"/>
+                <a:ea typeface="Malgun Gothic" panose="020B0503020000020004" pitchFamily="34" charset="-127"/>
+              </a:rPr>
+              <a:t>within</a:t>
+            </a:r>
+            <a:r>
+              <a:rPr lang="en-US" sz="1800" dirty="0">
+                <a:effectLst/>
+                <a:latin typeface="Calibri" panose="020F0502020204030204" pitchFamily="34" charset="0"/>
+                <a:ea typeface="Times New Roman" panose="02020603050405020304" pitchFamily="18" charset="0"/>
+              </a:rPr>
+              <a:t> specific race and ethnicity groups.</a:t>
             </a:r>
           </a:p>
           <a:p>
             <a:pPr algn="l"/>
-            <a:endParaRPr lang="en-US" dirty="0">
+            <a:endParaRPr lang="en-US" b="1" dirty="0">
               <a:solidFill>
                 <a:srgbClr val="000000"/>
               </a:solidFill>
@@ -11535,15 +14188,21 @@
               <a:t>Data Source: </a:t>
             </a:r>
             <a:r>
-              <a:rPr lang="en-US" b="0" dirty="0">
+              <a:rPr lang="en-US" dirty="0">
                 <a:solidFill>
                   <a:srgbClr val="000000"/>
                 </a:solidFill>
-                <a:effectLst/>
                 <a:latin typeface="Open Sans" panose="020B0606030504020204" pitchFamily="34" charset="0"/>
               </a:rPr>
               <a:t>DoD-MHS</a:t>
             </a:r>
+            <a:endParaRPr lang="en-US" b="0" dirty="0">
+              <a:solidFill>
+                <a:srgbClr val="000000"/>
+              </a:solidFill>
+              <a:effectLst/>
+              <a:latin typeface="Open Sans" panose="020B0606030504020204" pitchFamily="34" charset="0"/>
+            </a:endParaRPr>
           </a:p>
           <a:p>
             <a:pPr algn="l"/>
@@ -11571,7 +14230,7 @@
         </p:nvSpPr>
         <p:spPr>
           <a:xfrm>
-            <a:off x="3584705" y="6249280"/>
+            <a:off x="3584701" y="6211555"/>
             <a:ext cx="5022575" cy="369332"/>
           </a:xfrm>
           <a:prstGeom prst="rect">
@@ -11594,20 +14253,8 @@
                     <a:lumOff val="35000"/>
                   </a:schemeClr>
                 </a:solidFill>
-                <a:hlinkClick r:id="rId3"/>
               </a:rPr>
-              <a:t>https://nccd.cdc.gov/CKD/detail.aspx?Qnum=Q756</a:t>
-            </a:r>
-            <a:r>
-              <a:rPr lang="en-US" dirty="0">
-                <a:solidFill>
-                  <a:schemeClr val="tx1">
-                    <a:lumMod val="65000"/>
-                    <a:lumOff val="35000"/>
-                  </a:schemeClr>
-                </a:solidFill>
-              </a:rPr>
-              <a:t> </a:t>
+              <a:t>Add Link to indicator</a:t>
             </a:r>
           </a:p>
         </p:txBody>
@@ -11615,7 +14262,7 @@
     </p:spTree>
     <p:extLst>
       <p:ext uri="{BB962C8B-B14F-4D97-AF65-F5344CB8AC3E}">
-        <p14:creationId xmlns:p14="http://schemas.microsoft.com/office/powerpoint/2010/main" val="1932835469"/>
+        <p14:creationId xmlns:p14="http://schemas.microsoft.com/office/powerpoint/2010/main" val="1019068132"/>
       </p:ext>
     </p:extLst>
   </p:cSld>
@@ -11644,7 +14291,13 @@
       </p:grpSpPr>
       <p:sp>
         <p:nvSpPr>
-          <p:cNvPr id="2" name="Title 1"/>
+          <p:cNvPr id="4" name="Title 1">
+            <a:extLst>
+              <a:ext uri="{FF2B5EF4-FFF2-40B4-BE49-F238E27FC236}">
+                <a16:creationId xmlns:a16="http://schemas.microsoft.com/office/drawing/2014/main" id="{805C12A9-AF8E-4EE1-ADBE-9EA501E3C35F}"/>
+              </a:ext>
+            </a:extLst>
+          </p:cNvPr>
           <p:cNvSpPr>
             <a:spLocks noGrp="1"/>
           </p:cNvSpPr>
@@ -11654,44 +14307,46 @@
         </p:nvSpPr>
         <p:spPr>
           <a:xfrm>
-            <a:off x="838200" y="215348"/>
+            <a:off x="838200" y="365125"/>
             <a:ext cx="10515600" cy="1325563"/>
           </a:xfrm>
         </p:spPr>
         <p:txBody>
-          <a:bodyPr/>
+          <a:bodyPr anchor="ctr">
+            <a:noAutofit/>
+          </a:bodyPr>
           <a:lstStyle/>
           <a:p>
-            <a:pPr algn="ctr"/>
             <a:r>
-              <a:rPr lang="en-US" sz="4400" b="1" dirty="0"/>
-              <a:t>Crude Trends in Prevalence of CKD Stages 3–5 in the Military Health System, Overall</a:t>
+              <a:rPr lang="en-US" sz="3600" b="1" dirty="0"/>
+              <a:t>Service Members and Their Dependents With eGFR-based CKD Stages 3–5 Who Also have a Diagnosis Code for CKD in the Military Health System, Crude</a:t>
             </a:r>
-            <a:endParaRPr lang="en-US" b="1" dirty="0"/>
           </a:p>
         </p:txBody>
       </p:sp>
       <p:graphicFrame>
         <p:nvGraphicFramePr>
-          <p:cNvPr id="5" name="Chart 4">
+          <p:cNvPr id="6" name="Chart 5">
             <a:extLst>
               <a:ext uri="{FF2B5EF4-FFF2-40B4-BE49-F238E27FC236}">
-                <a16:creationId xmlns:a16="http://schemas.microsoft.com/office/drawing/2014/main" id="{4FC3E75F-0767-423E-840B-295016064A45}"/>
+                <a16:creationId xmlns:a16="http://schemas.microsoft.com/office/drawing/2014/main" id="{A3740842-1BDB-47AB-BA52-9F3AB1190A42}"/>
               </a:ext>
             </a:extLst>
           </p:cNvPr>
-          <p:cNvGraphicFramePr/>
+          <p:cNvGraphicFramePr>
+            <a:graphicFrameLocks/>
+          </p:cNvGraphicFramePr>
           <p:nvPr>
             <p:extLst>
               <p:ext uri="{D42A27DB-BD31-4B8C-83A1-F6EECF244321}">
-                <p14:modId xmlns:p14="http://schemas.microsoft.com/office/powerpoint/2010/main" val="2811565035"/>
+                <p14:modId xmlns:p14="http://schemas.microsoft.com/office/powerpoint/2010/main" val="1853850403"/>
               </p:ext>
             </p:extLst>
           </p:nvPr>
         </p:nvGraphicFramePr>
         <p:xfrm>
-          <a:off x="0" y="1444487"/>
-          <a:ext cx="12191999" cy="4731026"/>
+          <a:off x="381000" y="1692937"/>
+          <a:ext cx="11430000" cy="4572000"/>
         </p:xfrm>
         <a:graphic>
           <a:graphicData uri="http://schemas.openxmlformats.org/drawingml/2006/chart">
@@ -11702,7 +14357,7 @@
     </p:spTree>
     <p:extLst>
       <p:ext uri="{BB962C8B-B14F-4D97-AF65-F5344CB8AC3E}">
-        <p14:creationId xmlns:p14="http://schemas.microsoft.com/office/powerpoint/2010/main" val="3236636429"/>
+        <p14:creationId xmlns:p14="http://schemas.microsoft.com/office/powerpoint/2010/main" val="547595342"/>
       </p:ext>
     </p:extLst>
   </p:cSld>
@@ -11731,7 +14386,13 @@
       </p:grpSpPr>
       <p:sp>
         <p:nvSpPr>
-          <p:cNvPr id="2" name="Title 1"/>
+          <p:cNvPr id="4" name="Title 1">
+            <a:extLst>
+              <a:ext uri="{FF2B5EF4-FFF2-40B4-BE49-F238E27FC236}">
+                <a16:creationId xmlns:a16="http://schemas.microsoft.com/office/drawing/2014/main" id="{805C12A9-AF8E-4EE1-ADBE-9EA501E3C35F}"/>
+              </a:ext>
+            </a:extLst>
+          </p:cNvPr>
           <p:cNvSpPr>
             <a:spLocks noGrp="1"/>
           </p:cNvSpPr>
@@ -11741,46 +14402,46 @@
         </p:nvSpPr>
         <p:spPr>
           <a:xfrm>
-            <a:off x="838200" y="215348"/>
+            <a:off x="838200" y="365125"/>
             <a:ext cx="10515600" cy="1325563"/>
           </a:xfrm>
         </p:spPr>
         <p:txBody>
-          <a:bodyPr>
-            <a:normAutofit fontScale="90000"/>
+          <a:bodyPr anchor="ctr">
+            <a:noAutofit/>
           </a:bodyPr>
           <a:lstStyle/>
           <a:p>
-            <a:pPr algn="ctr"/>
             <a:r>
-              <a:rPr lang="en-US" sz="4400" b="1" dirty="0"/>
-              <a:t>Age-Standardized Trends in Prevalence of CKD Stages 3–5 in the Military Health System, Overall</a:t>
+              <a:rPr lang="en-US" sz="3200" b="1" dirty="0"/>
+              <a:t>Service Members and Their Dependents With eGFR-based CKD Stages 3–5 Who Also have a Diagnosis Code for CKD in the Military Health System, Age Standardized</a:t>
             </a:r>
-            <a:endParaRPr lang="en-US" b="1" dirty="0"/>
           </a:p>
         </p:txBody>
       </p:sp>
       <p:graphicFrame>
         <p:nvGraphicFramePr>
-          <p:cNvPr id="4" name="Chart 3">
+          <p:cNvPr id="5" name="Chart 4">
             <a:extLst>
               <a:ext uri="{FF2B5EF4-FFF2-40B4-BE49-F238E27FC236}">
-                <a16:creationId xmlns:a16="http://schemas.microsoft.com/office/drawing/2014/main" id="{38F00509-39FA-4CC4-8AFB-00F057F94135}"/>
+                <a16:creationId xmlns:a16="http://schemas.microsoft.com/office/drawing/2014/main" id="{40EB531B-4D55-4BDF-A760-4556B18D4905}"/>
               </a:ext>
             </a:extLst>
           </p:cNvPr>
-          <p:cNvGraphicFramePr/>
+          <p:cNvGraphicFramePr>
+            <a:graphicFrameLocks/>
+          </p:cNvGraphicFramePr>
           <p:nvPr>
             <p:extLst>
               <p:ext uri="{D42A27DB-BD31-4B8C-83A1-F6EECF244321}">
-                <p14:modId xmlns:p14="http://schemas.microsoft.com/office/powerpoint/2010/main" val="2345058437"/>
+                <p14:modId xmlns:p14="http://schemas.microsoft.com/office/powerpoint/2010/main" val="1801902550"/>
               </p:ext>
             </p:extLst>
           </p:nvPr>
         </p:nvGraphicFramePr>
         <p:xfrm>
-          <a:off x="0" y="1404729"/>
-          <a:ext cx="12192000" cy="4770783"/>
+          <a:off x="381000" y="1692937"/>
+          <a:ext cx="11430000" cy="4572000"/>
         </p:xfrm>
         <a:graphic>
           <a:graphicData uri="http://schemas.openxmlformats.org/drawingml/2006/chart">
@@ -11791,7 +14452,7 @@
     </p:spTree>
     <p:extLst>
       <p:ext uri="{BB962C8B-B14F-4D97-AF65-F5344CB8AC3E}">
-        <p14:creationId xmlns:p14="http://schemas.microsoft.com/office/powerpoint/2010/main" val="3650365166"/>
+        <p14:creationId xmlns:p14="http://schemas.microsoft.com/office/powerpoint/2010/main" val="3846168844"/>
       </p:ext>
     </p:extLst>
   </p:cSld>
@@ -11823,7 +14484,7 @@
           <p:cNvPr id="4" name="Title 1">
             <a:extLst>
               <a:ext uri="{FF2B5EF4-FFF2-40B4-BE49-F238E27FC236}">
-                <a16:creationId xmlns:a16="http://schemas.microsoft.com/office/drawing/2014/main" id="{7A9BD949-F28F-4027-A4D9-E4A405401068}"/>
+                <a16:creationId xmlns:a16="http://schemas.microsoft.com/office/drawing/2014/main" id="{805C12A9-AF8E-4EE1-ADBE-9EA501E3C35F}"/>
               </a:ext>
             </a:extLst>
           </p:cNvPr>
@@ -11836,44 +14497,46 @@
         </p:nvSpPr>
         <p:spPr>
           <a:xfrm>
-            <a:off x="838200" y="215348"/>
+            <a:off x="838200" y="365125"/>
             <a:ext cx="10515600" cy="1325563"/>
           </a:xfrm>
         </p:spPr>
         <p:txBody>
-          <a:bodyPr/>
+          <a:bodyPr anchor="ctr">
+            <a:noAutofit/>
+          </a:bodyPr>
           <a:lstStyle/>
           <a:p>
-            <a:pPr algn="ctr"/>
             <a:r>
-              <a:rPr lang="en-US" sz="4400" b="1" dirty="0"/>
-              <a:t>Crude Trends in Prevalence of CKD Stages 3–5 in the Military Health System, by Age</a:t>
+              <a:rPr lang="en-US" sz="3600" b="1" dirty="0"/>
+              <a:t>Service Members and Their Dependents With eGFR-based CKD Stages 3–5 Who Also have a Diagnosis Code for CKD in the Military Health System, by Age</a:t>
             </a:r>
-            <a:endParaRPr lang="en-US" b="1" dirty="0"/>
           </a:p>
         </p:txBody>
       </p:sp>
       <p:graphicFrame>
         <p:nvGraphicFramePr>
-          <p:cNvPr id="6" name="Chart 5">
+          <p:cNvPr id="5" name="Chart 4">
             <a:extLst>
               <a:ext uri="{FF2B5EF4-FFF2-40B4-BE49-F238E27FC236}">
-                <a16:creationId xmlns:a16="http://schemas.microsoft.com/office/drawing/2014/main" id="{4142A91B-EA8D-40DA-9B09-E879F3703698}"/>
+                <a16:creationId xmlns:a16="http://schemas.microsoft.com/office/drawing/2014/main" id="{D3421481-F9BB-4224-A2EA-C72FE0FE656B}"/>
               </a:ext>
             </a:extLst>
           </p:cNvPr>
-          <p:cNvGraphicFramePr/>
+          <p:cNvGraphicFramePr>
+            <a:graphicFrameLocks/>
+          </p:cNvGraphicFramePr>
           <p:nvPr>
             <p:extLst>
               <p:ext uri="{D42A27DB-BD31-4B8C-83A1-F6EECF244321}">
-                <p14:modId xmlns:p14="http://schemas.microsoft.com/office/powerpoint/2010/main" val="3047594944"/>
+                <p14:modId xmlns:p14="http://schemas.microsoft.com/office/powerpoint/2010/main" val="2012200017"/>
               </p:ext>
             </p:extLst>
           </p:nvPr>
         </p:nvGraphicFramePr>
         <p:xfrm>
-          <a:off x="0" y="1444487"/>
-          <a:ext cx="12191999" cy="4744278"/>
+          <a:off x="381000" y="1692937"/>
+          <a:ext cx="11430000" cy="4572000"/>
         </p:xfrm>
         <a:graphic>
           <a:graphicData uri="http://schemas.openxmlformats.org/drawingml/2006/chart">
@@ -11884,7 +14547,7 @@
     </p:spTree>
     <p:extLst>
       <p:ext uri="{BB962C8B-B14F-4D97-AF65-F5344CB8AC3E}">
-        <p14:creationId xmlns:p14="http://schemas.microsoft.com/office/powerpoint/2010/main" val="1529093"/>
+        <p14:creationId xmlns:p14="http://schemas.microsoft.com/office/powerpoint/2010/main" val="747202167"/>
       </p:ext>
     </p:extLst>
   </p:cSld>
@@ -11916,7 +14579,7 @@
           <p:cNvPr id="4" name="Title 1">
             <a:extLst>
               <a:ext uri="{FF2B5EF4-FFF2-40B4-BE49-F238E27FC236}">
-                <a16:creationId xmlns:a16="http://schemas.microsoft.com/office/drawing/2014/main" id="{C752E918-43F7-4C1D-AF9E-3C43FFBC7451}"/>
+                <a16:creationId xmlns:a16="http://schemas.microsoft.com/office/drawing/2014/main" id="{805C12A9-AF8E-4EE1-ADBE-9EA501E3C35F}"/>
               </a:ext>
             </a:extLst>
           </p:cNvPr>
@@ -11929,20 +14592,20 @@
         </p:nvSpPr>
         <p:spPr>
           <a:xfrm>
-            <a:off x="838200" y="215348"/>
+            <a:off x="838200" y="365125"/>
             <a:ext cx="10515600" cy="1325563"/>
           </a:xfrm>
         </p:spPr>
         <p:txBody>
-          <a:bodyPr/>
+          <a:bodyPr anchor="ctr">
+            <a:noAutofit/>
+          </a:bodyPr>
           <a:lstStyle/>
           <a:p>
-            <a:pPr algn="ctr"/>
             <a:r>
-              <a:rPr lang="en-US" sz="4400" b="1" dirty="0"/>
-              <a:t>Crude Trends in Prevalence of CKD Stages 3–5 in the Military Health System, by Sex</a:t>
+              <a:rPr lang="en-US" sz="3600" b="1" dirty="0"/>
+              <a:t>Service Members and Their Dependents With eGFR-based CKD Stages 3–5 Who Also have a Diagnosis Code for CKD in the Military Health System by Sex, Crude</a:t>
             </a:r>
-            <a:endParaRPr lang="en-US" b="1" dirty="0"/>
           </a:p>
         </p:txBody>
       </p:sp>
@@ -11951,22 +14614,24 @@
           <p:cNvPr id="6" name="Chart 5">
             <a:extLst>
               <a:ext uri="{FF2B5EF4-FFF2-40B4-BE49-F238E27FC236}">
-                <a16:creationId xmlns:a16="http://schemas.microsoft.com/office/drawing/2014/main" id="{11B6EB87-F0C1-4004-8F25-CD4C56EB3CCE}"/>
+                <a16:creationId xmlns:a16="http://schemas.microsoft.com/office/drawing/2014/main" id="{1B07D7E7-391A-47EB-828A-9B22DF93A248}"/>
               </a:ext>
             </a:extLst>
           </p:cNvPr>
-          <p:cNvGraphicFramePr/>
+          <p:cNvGraphicFramePr>
+            <a:graphicFrameLocks/>
+          </p:cNvGraphicFramePr>
           <p:nvPr>
             <p:extLst>
               <p:ext uri="{D42A27DB-BD31-4B8C-83A1-F6EECF244321}">
-                <p14:modId xmlns:p14="http://schemas.microsoft.com/office/powerpoint/2010/main" val="729915913"/>
+                <p14:modId xmlns:p14="http://schemas.microsoft.com/office/powerpoint/2010/main" val="1264557441"/>
               </p:ext>
             </p:extLst>
           </p:nvPr>
         </p:nvGraphicFramePr>
         <p:xfrm>
-          <a:off x="0" y="1431235"/>
-          <a:ext cx="12192000" cy="4744278"/>
+          <a:off x="381000" y="1692937"/>
+          <a:ext cx="11430000" cy="4572000"/>
         </p:xfrm>
         <a:graphic>
           <a:graphicData uri="http://schemas.openxmlformats.org/drawingml/2006/chart">
@@ -11977,7 +14642,7 @@
     </p:spTree>
     <p:extLst>
       <p:ext uri="{BB962C8B-B14F-4D97-AF65-F5344CB8AC3E}">
-        <p14:creationId xmlns:p14="http://schemas.microsoft.com/office/powerpoint/2010/main" val="600146371"/>
+        <p14:creationId xmlns:p14="http://schemas.microsoft.com/office/powerpoint/2010/main" val="3700748127"/>
       </p:ext>
     </p:extLst>
   </p:cSld>
@@ -12009,7 +14674,7 @@
           <p:cNvPr id="4" name="Title 1">
             <a:extLst>
               <a:ext uri="{FF2B5EF4-FFF2-40B4-BE49-F238E27FC236}">
-                <a16:creationId xmlns:a16="http://schemas.microsoft.com/office/drawing/2014/main" id="{C752E918-43F7-4C1D-AF9E-3C43FFBC7451}"/>
+                <a16:creationId xmlns:a16="http://schemas.microsoft.com/office/drawing/2014/main" id="{805C12A9-AF8E-4EE1-ADBE-9EA501E3C35F}"/>
               </a:ext>
             </a:extLst>
           </p:cNvPr>
@@ -12022,46 +14687,46 @@
         </p:nvSpPr>
         <p:spPr>
           <a:xfrm>
-            <a:off x="838200" y="215348"/>
-            <a:ext cx="10515600" cy="1325563"/>
+            <a:off x="838200" y="365125"/>
+            <a:ext cx="11182564" cy="1325563"/>
           </a:xfrm>
         </p:spPr>
         <p:txBody>
-          <a:bodyPr>
-            <a:normAutofit fontScale="90000"/>
+          <a:bodyPr anchor="ctr">
+            <a:noAutofit/>
           </a:bodyPr>
           <a:lstStyle/>
           <a:p>
-            <a:pPr algn="ctr"/>
             <a:r>
-              <a:rPr lang="en-US" sz="4400" b="1" dirty="0"/>
-              <a:t>Age-Standardized Trends in Prevalence of CKD Stages 3–5 in the Military Health System, by Sex</a:t>
+              <a:rPr lang="en-US" sz="3600" b="1" dirty="0"/>
+              <a:t>Service Members and Their Dependents With eGFR-based CKD Stages 3–5 Who Also have a Diagnosis Code for CKD in the Military Health System by Sex, Age Standardized</a:t>
             </a:r>
-            <a:endParaRPr lang="en-US" b="1" dirty="0"/>
           </a:p>
         </p:txBody>
       </p:sp>
       <p:graphicFrame>
         <p:nvGraphicFramePr>
-          <p:cNvPr id="5" name="Chart 4">
+          <p:cNvPr id="7" name="Chart 6">
             <a:extLst>
               <a:ext uri="{FF2B5EF4-FFF2-40B4-BE49-F238E27FC236}">
-                <a16:creationId xmlns:a16="http://schemas.microsoft.com/office/drawing/2014/main" id="{BB79CF89-E759-4922-9ECC-ACF5C7CAE9C8}"/>
+                <a16:creationId xmlns:a16="http://schemas.microsoft.com/office/drawing/2014/main" id="{34955569-2562-498E-8B1B-52B5B354BF79}"/>
               </a:ext>
             </a:extLst>
           </p:cNvPr>
-          <p:cNvGraphicFramePr/>
+          <p:cNvGraphicFramePr>
+            <a:graphicFrameLocks/>
+          </p:cNvGraphicFramePr>
           <p:nvPr>
             <p:extLst>
               <p:ext uri="{D42A27DB-BD31-4B8C-83A1-F6EECF244321}">
-                <p14:modId xmlns:p14="http://schemas.microsoft.com/office/powerpoint/2010/main" val="3519440158"/>
+                <p14:modId xmlns:p14="http://schemas.microsoft.com/office/powerpoint/2010/main" val="149251939"/>
               </p:ext>
             </p:extLst>
           </p:nvPr>
         </p:nvGraphicFramePr>
         <p:xfrm>
-          <a:off x="0" y="1391477"/>
-          <a:ext cx="12191999" cy="4784035"/>
+          <a:off x="381000" y="1692937"/>
+          <a:ext cx="11430000" cy="4572000"/>
         </p:xfrm>
         <a:graphic>
           <a:graphicData uri="http://schemas.openxmlformats.org/drawingml/2006/chart">
@@ -12072,7 +14737,7 @@
     </p:spTree>
     <p:extLst>
       <p:ext uri="{BB962C8B-B14F-4D97-AF65-F5344CB8AC3E}">
-        <p14:creationId xmlns:p14="http://schemas.microsoft.com/office/powerpoint/2010/main" val="3393298957"/>
+        <p14:creationId xmlns:p14="http://schemas.microsoft.com/office/powerpoint/2010/main" val="2394827317"/>
       </p:ext>
     </p:extLst>
   </p:cSld>
@@ -12104,7 +14769,7 @@
           <p:cNvPr id="4" name="Title 1">
             <a:extLst>
               <a:ext uri="{FF2B5EF4-FFF2-40B4-BE49-F238E27FC236}">
-                <a16:creationId xmlns:a16="http://schemas.microsoft.com/office/drawing/2014/main" id="{7355DACC-24CE-49BA-9FAD-BBEC98A69CB4}"/>
+                <a16:creationId xmlns:a16="http://schemas.microsoft.com/office/drawing/2014/main" id="{805C12A9-AF8E-4EE1-ADBE-9EA501E3C35F}"/>
               </a:ext>
             </a:extLst>
           </p:cNvPr>
@@ -12117,44 +14782,46 @@
         </p:nvSpPr>
         <p:spPr>
           <a:xfrm>
-            <a:off x="838200" y="215348"/>
-            <a:ext cx="10515600" cy="1325563"/>
+            <a:off x="838200" y="365125"/>
+            <a:ext cx="11192838" cy="1325563"/>
           </a:xfrm>
         </p:spPr>
         <p:txBody>
-          <a:bodyPr/>
+          <a:bodyPr anchor="ctr">
+            <a:noAutofit/>
+          </a:bodyPr>
           <a:lstStyle/>
           <a:p>
-            <a:pPr algn="ctr"/>
             <a:r>
-              <a:rPr lang="en-US" sz="4400" b="1" dirty="0"/>
-              <a:t>Crude Trends in Prevalence of CKD Stages 3–5 in the Military Health System, by Race</a:t>
+              <a:rPr lang="en-US" sz="3600" b="1" dirty="0"/>
+              <a:t>Service Members and Their Dependents With eGFR-based CKD Stages 3–5 Who Also have a Diagnosis Code for CKD in the Military Health System by Race/Ethnicity, Crude</a:t>
             </a:r>
-            <a:endParaRPr lang="en-US" b="1" dirty="0"/>
           </a:p>
         </p:txBody>
       </p:sp>
       <p:graphicFrame>
         <p:nvGraphicFramePr>
-          <p:cNvPr id="6" name="Chart 5">
+          <p:cNvPr id="8" name="Chart 7">
             <a:extLst>
               <a:ext uri="{FF2B5EF4-FFF2-40B4-BE49-F238E27FC236}">
-                <a16:creationId xmlns:a16="http://schemas.microsoft.com/office/drawing/2014/main" id="{B1D8F915-D845-43B8-A9ED-994BED830F15}"/>
+                <a16:creationId xmlns:a16="http://schemas.microsoft.com/office/drawing/2014/main" id="{BE2762C2-B849-40CC-80E8-B7F7A07025FC}"/>
               </a:ext>
             </a:extLst>
           </p:cNvPr>
-          <p:cNvGraphicFramePr/>
+          <p:cNvGraphicFramePr>
+            <a:graphicFrameLocks/>
+          </p:cNvGraphicFramePr>
           <p:nvPr>
             <p:extLst>
               <p:ext uri="{D42A27DB-BD31-4B8C-83A1-F6EECF244321}">
-                <p14:modId xmlns:p14="http://schemas.microsoft.com/office/powerpoint/2010/main" val="414440455"/>
+                <p14:modId xmlns:p14="http://schemas.microsoft.com/office/powerpoint/2010/main" val="3408052043"/>
               </p:ext>
             </p:extLst>
           </p:nvPr>
         </p:nvGraphicFramePr>
         <p:xfrm>
-          <a:off x="0" y="1444487"/>
-          <a:ext cx="12192000" cy="4731026"/>
+          <a:off x="381000" y="1576553"/>
+          <a:ext cx="11430000" cy="4572000"/>
         </p:xfrm>
         <a:graphic>
           <a:graphicData uri="http://schemas.openxmlformats.org/drawingml/2006/chart">
@@ -12165,7 +14832,7 @@
     </p:spTree>
     <p:extLst>
       <p:ext uri="{BB962C8B-B14F-4D97-AF65-F5344CB8AC3E}">
-        <p14:creationId xmlns:p14="http://schemas.microsoft.com/office/powerpoint/2010/main" val="2420976889"/>
+        <p14:creationId xmlns:p14="http://schemas.microsoft.com/office/powerpoint/2010/main" val="2796677766"/>
       </p:ext>
     </p:extLst>
   </p:cSld>
@@ -12197,7 +14864,7 @@
           <p:cNvPr id="4" name="Title 1">
             <a:extLst>
               <a:ext uri="{FF2B5EF4-FFF2-40B4-BE49-F238E27FC236}">
-                <a16:creationId xmlns:a16="http://schemas.microsoft.com/office/drawing/2014/main" id="{7355DACC-24CE-49BA-9FAD-BBEC98A69CB4}"/>
+                <a16:creationId xmlns:a16="http://schemas.microsoft.com/office/drawing/2014/main" id="{805C12A9-AF8E-4EE1-ADBE-9EA501E3C35F}"/>
               </a:ext>
             </a:extLst>
           </p:cNvPr>
@@ -12210,46 +14877,51 @@
         </p:nvSpPr>
         <p:spPr>
           <a:xfrm>
-            <a:off x="838200" y="215348"/>
-            <a:ext cx="10515600" cy="1325563"/>
+            <a:off x="381000" y="367374"/>
+            <a:ext cx="11811000" cy="1325563"/>
           </a:xfrm>
         </p:spPr>
         <p:txBody>
-          <a:bodyPr>
-            <a:normAutofit fontScale="90000"/>
+          <a:bodyPr anchor="ctr">
+            <a:noAutofit/>
           </a:bodyPr>
           <a:lstStyle/>
           <a:p>
-            <a:pPr algn="ctr"/>
+            <a:pPr>
+              <a:tabLst>
+                <a:tab pos="3544888" algn="l"/>
+              </a:tabLst>
+            </a:pPr>
             <a:r>
-              <a:rPr lang="en-US" sz="4400" b="1" dirty="0"/>
-              <a:t>Age-Standardized Trends in Prevalence of CKD Stages 3–5 in the Military Health System, by Race</a:t>
+              <a:rPr lang="en-US" sz="3600" b="1" dirty="0"/>
+              <a:t>Service Members and Their Dependents With eGFR-based CKD Stages 3–5 Who Also have a Diagnosis Code for CKD in the Military Health System by Race/Ethnicity, Age Standardized</a:t>
             </a:r>
-            <a:endParaRPr lang="en-US" b="1" dirty="0"/>
           </a:p>
         </p:txBody>
       </p:sp>
       <p:graphicFrame>
         <p:nvGraphicFramePr>
-          <p:cNvPr id="5" name="Chart 4">
+          <p:cNvPr id="6" name="Chart 5">
             <a:extLst>
               <a:ext uri="{FF2B5EF4-FFF2-40B4-BE49-F238E27FC236}">
-                <a16:creationId xmlns:a16="http://schemas.microsoft.com/office/drawing/2014/main" id="{943E5C6D-0846-4D38-BE5A-7285D8D93552}"/>
+                <a16:creationId xmlns:a16="http://schemas.microsoft.com/office/drawing/2014/main" id="{153093BE-C8C3-4CC7-B813-32C6A101014D}"/>
               </a:ext>
             </a:extLst>
           </p:cNvPr>
-          <p:cNvGraphicFramePr/>
+          <p:cNvGraphicFramePr>
+            <a:graphicFrameLocks/>
+          </p:cNvGraphicFramePr>
           <p:nvPr>
             <p:extLst>
               <p:ext uri="{D42A27DB-BD31-4B8C-83A1-F6EECF244321}">
-                <p14:modId xmlns:p14="http://schemas.microsoft.com/office/powerpoint/2010/main" val="1372282966"/>
+                <p14:modId xmlns:p14="http://schemas.microsoft.com/office/powerpoint/2010/main" val="2458755005"/>
               </p:ext>
             </p:extLst>
           </p:nvPr>
         </p:nvGraphicFramePr>
         <p:xfrm>
-          <a:off x="0" y="1391478"/>
-          <a:ext cx="12192000" cy="4784035"/>
+          <a:off x="381000" y="1692937"/>
+          <a:ext cx="11430000" cy="4572000"/>
         </p:xfrm>
         <a:graphic>
           <a:graphicData uri="http://schemas.openxmlformats.org/drawingml/2006/chart">
@@ -12260,7 +14932,7 @@
     </p:spTree>
     <p:extLst>
       <p:ext uri="{BB962C8B-B14F-4D97-AF65-F5344CB8AC3E}">
-        <p14:creationId xmlns:p14="http://schemas.microsoft.com/office/powerpoint/2010/main" val="1269724792"/>
+        <p14:creationId xmlns:p14="http://schemas.microsoft.com/office/powerpoint/2010/main" val="3650895920"/>
       </p:ext>
     </p:extLst>
   </p:cSld>
@@ -12271,7 +14943,7 @@
 </file>
 
 <file path=ppt/theme/theme1.xml><?xml version="1.0" encoding="utf-8"?>
-<a:theme xmlns:a="http://schemas.openxmlformats.org/drawingml/2006/main" name="Office Theme">
+<a:theme xmlns:a="http://schemas.openxmlformats.org/drawingml/2006/main" name="KDSS indicator downloads template">
   <a:themeElements>
     <a:clrScheme name="Office">
       <a:dk1>
@@ -12287,7 +14959,7 @@
         <a:srgbClr val="E7E6E6"/>
       </a:lt2>
       <a:accent1>
-        <a:srgbClr val="5B9BD5"/>
+        <a:srgbClr val="4472C4"/>
       </a:accent1>
       <a:accent2>
         <a:srgbClr val="ED7D31"/>
@@ -12299,7 +14971,7 @@
         <a:srgbClr val="FFC000"/>
       </a:accent4>
       <a:accent5>
-        <a:srgbClr val="4472C4"/>
+        <a:srgbClr val="5B9BD5"/>
       </a:accent5>
       <a:accent6>
         <a:srgbClr val="70AD47"/>
@@ -12346,6 +15018,23 @@
         <a:font script="Viet" typeface="Times New Roman"/>
         <a:font script="Uigh" typeface="Microsoft Uighur"/>
         <a:font script="Geor" typeface="Sylfaen"/>
+        <a:font script="Armn" typeface="Arial"/>
+        <a:font script="Bugi" typeface="Leelawadee UI"/>
+        <a:font script="Bopo" typeface="Microsoft JhengHei"/>
+        <a:font script="Java" typeface="Javanese Text"/>
+        <a:font script="Lisu" typeface="Segoe UI"/>
+        <a:font script="Mymr" typeface="Myanmar Text"/>
+        <a:font script="Nkoo" typeface="Ebrima"/>
+        <a:font script="Olck" typeface="Nirmala UI"/>
+        <a:font script="Osma" typeface="Ebrima"/>
+        <a:font script="Phag" typeface="Phagspa"/>
+        <a:font script="Syrn" typeface="Estrangelo Edessa"/>
+        <a:font script="Syrj" typeface="Estrangelo Edessa"/>
+        <a:font script="Syre" typeface="Estrangelo Edessa"/>
+        <a:font script="Sora" typeface="Nirmala UI"/>
+        <a:font script="Tale" typeface="Microsoft Tai Le"/>
+        <a:font script="Talu" typeface="Microsoft New Tai Lue"/>
+        <a:font script="Tfng" typeface="Ebrima"/>
       </a:majorFont>
       <a:minorFont>
         <a:latin typeface="Calibri" panose="020F0502020204030204"/>
@@ -12381,6 +15070,23 @@
         <a:font script="Viet" typeface="Arial"/>
         <a:font script="Uigh" typeface="Microsoft Uighur"/>
         <a:font script="Geor" typeface="Sylfaen"/>
+        <a:font script="Armn" typeface="Arial"/>
+        <a:font script="Bugi" typeface="Leelawadee UI"/>
+        <a:font script="Bopo" typeface="Microsoft JhengHei"/>
+        <a:font script="Java" typeface="Javanese Text"/>
+        <a:font script="Lisu" typeface="Segoe UI"/>
+        <a:font script="Mymr" typeface="Myanmar Text"/>
+        <a:font script="Nkoo" typeface="Ebrima"/>
+        <a:font script="Olck" typeface="Nirmala UI"/>
+        <a:font script="Osma" typeface="Ebrima"/>
+        <a:font script="Phag" typeface="Phagspa"/>
+        <a:font script="Syrn" typeface="Estrangelo Edessa"/>
+        <a:font script="Syrj" typeface="Estrangelo Edessa"/>
+        <a:font script="Syre" typeface="Estrangelo Edessa"/>
+        <a:font script="Sora" typeface="Nirmala UI"/>
+        <a:font script="Tale" typeface="Microsoft Tai Le"/>
+        <a:font script="Talu" typeface="Microsoft New Tai Lue"/>
+        <a:font script="Tfng" typeface="Ebrima"/>
       </a:minorFont>
     </a:fontScheme>
     <a:fmtScheme name="Office">
@@ -12525,7 +15231,7 @@
   <a:extraClrSchemeLst/>
   <a:extLst>
     <a:ext uri="{05A4C25C-085E-4340-85A3-A5531E510DB2}">
-      <thm15:themeFamily xmlns:thm15="http://schemas.microsoft.com/office/thememl/2012/main" name="Office Theme" id="{62F939B6-93AF-4DB8-9C6B-D6C7DFDC589F}" vid="{4A3C46E8-61CC-4603-A589-7422A47A8E4A}"/>
+      <thm15:themeFamily xmlns:thm15="http://schemas.microsoft.com/office/thememl/2012/main" name="PPT template for KDSS indicator downloads" id="{5C6D22D6-B8C2-4CC9-8270-3716F03D486C}" vid="{6854CA39-71F8-4600-8AEC-7156B3C3DB8D}"/>
     </a:ext>
   </a:extLst>
 </a:theme>

--- a/CKDSurveillance/PPT/Q756.pptx
+++ b/CKDSurveillance/PPT/Q756.pptx
@@ -5,14 +5,14 @@
     <p:sldMasterId id="2147483660" r:id="rId1"/>
   </p:sldMasterIdLst>
   <p:sldIdLst>
-    <p:sldId id="298" r:id="rId2"/>
-    <p:sldId id="299" r:id="rId3"/>
-    <p:sldId id="305" r:id="rId4"/>
-    <p:sldId id="306" r:id="rId5"/>
-    <p:sldId id="307" r:id="rId6"/>
-    <p:sldId id="308" r:id="rId7"/>
-    <p:sldId id="309" r:id="rId8"/>
-    <p:sldId id="310" r:id="rId9"/>
+    <p:sldId id="256" r:id="rId2"/>
+    <p:sldId id="257" r:id="rId3"/>
+    <p:sldId id="258" r:id="rId4"/>
+    <p:sldId id="259" r:id="rId5"/>
+    <p:sldId id="260" r:id="rId6"/>
+    <p:sldId id="261" r:id="rId7"/>
+    <p:sldId id="262" r:id="rId8"/>
+    <p:sldId id="263" r:id="rId9"/>
   </p:sldIdLst>
   <p:sldSz cx="12192000" cy="6858000"/>
   <p:notesSz cx="6858000" cy="9144000"/>
@@ -111,11 +111,6 @@
       </a:defRPr>
     </a:lvl9pPr>
   </p:defaultTextStyle>
-  <p:extLst>
-    <p:ext uri="{EFAFB233-063F-42B5-8137-9DF3F51BA10A}">
-      <p15:sldGuideLst xmlns:p15="http://schemas.microsoft.com/office/powerpoint/2012/main"/>
-    </p:ext>
-  </p:extLst>
 </p:presentation>
 </file>
 
@@ -235,52 +230,52 @@
             <c:numRef>
               <c:f>Overall!$B$2:$B$16</c:f>
               <c:numCache>
-                <c:formatCode>0.0</c:formatCode>
+                <c:formatCode>General</c:formatCode>
                 <c:ptCount val="15"/>
                 <c:pt idx="0">
-                  <c:v>31.92</c:v>
+                  <c:v>6.35</c:v>
                 </c:pt>
                 <c:pt idx="1">
-                  <c:v>33.619999999999997</c:v>
+                  <c:v>5.99</c:v>
                 </c:pt>
                 <c:pt idx="2">
-                  <c:v>36.68</c:v>
+                  <c:v>5.29</c:v>
                 </c:pt>
                 <c:pt idx="3">
-                  <c:v>37.28</c:v>
+                  <c:v>5.31</c:v>
                 </c:pt>
                 <c:pt idx="4">
-                  <c:v>38.19</c:v>
+                  <c:v>5.0599999999999996</c:v>
                 </c:pt>
                 <c:pt idx="5">
-                  <c:v>38.57</c:v>
+                  <c:v>5.03</c:v>
                 </c:pt>
                 <c:pt idx="6">
-                  <c:v>39.729999999999997</c:v>
+                  <c:v>4.91</c:v>
                 </c:pt>
                 <c:pt idx="7">
-                  <c:v>31.7</c:v>
+                  <c:v>5.09</c:v>
                 </c:pt>
                 <c:pt idx="8">
-                  <c:v>31.95</c:v>
+                  <c:v>5.46</c:v>
                 </c:pt>
                 <c:pt idx="9">
-                  <c:v>32.22</c:v>
+                  <c:v>5.45</c:v>
                 </c:pt>
                 <c:pt idx="10">
-                  <c:v>32.020000000000003</c:v>
+                  <c:v>5.45</c:v>
                 </c:pt>
                 <c:pt idx="11">
-                  <c:v>30.05</c:v>
+                  <c:v>5.89</c:v>
                 </c:pt>
                 <c:pt idx="12">
-                  <c:v>36.04</c:v>
+                  <c:v>5.37</c:v>
                 </c:pt>
                 <c:pt idx="13">
-                  <c:v>35.340000000000003</c:v>
+                  <c:v>5.14</c:v>
                 </c:pt>
                 <c:pt idx="14">
-                  <c:v>35.15</c:v>
+                  <c:v>4.84</c:v>
                 </c:pt>
               </c:numCache>
             </c:numRef>
@@ -288,7 +283,7 @@
           <c:smooth val="0"/>
           <c:extLst>
             <c:ext xmlns:c16="http://schemas.microsoft.com/office/drawing/2014/chart" uri="{C3380CC4-5D6E-409C-BE32-E72D297353CC}">
-              <c16:uniqueId val="{00000000-E92C-4430-B8B0-718B30A4F447}"/>
+              <c16:uniqueId val="{00000000-E179-4040-956B-E7DBCB6189E5}"/>
             </c:ext>
           </c:extLst>
         </c:ser>
@@ -302,11 +297,11 @@
         </c:dLbls>
         <c:marker val="1"/>
         <c:smooth val="0"/>
-        <c:axId val="471918015"/>
-        <c:axId val="471918431"/>
+        <c:axId val="487957728"/>
+        <c:axId val="487957312"/>
       </c:lineChart>
       <c:catAx>
-        <c:axId val="471918015"/>
+        <c:axId val="487957728"/>
         <c:scaling>
           <c:orientation val="minMax"/>
         </c:scaling>
@@ -346,18 +341,20 @@
             <a:endParaRPr lang="en-US"/>
           </a:p>
         </c:txPr>
-        <c:crossAx val="471918431"/>
+        <c:crossAx val="487957312"/>
         <c:crosses val="autoZero"/>
         <c:auto val="1"/>
         <c:lblAlgn val="ctr"/>
         <c:lblOffset val="100"/>
         <c:tickLblSkip val="2"/>
+        <c:tickMarkSkip val="1"/>
         <c:noMultiLvlLbl val="0"/>
       </c:catAx>
       <c:valAx>
-        <c:axId val="471918431"/>
+        <c:axId val="487957312"/>
         <c:scaling>
           <c:orientation val="minMax"/>
+          <c:max val="10"/>
         </c:scaling>
         <c:delete val="0"/>
         <c:axPos val="l"/>
@@ -393,7 +390,7 @@
                 </a:pPr>
                 <a:r>
                   <a:rPr lang="en-US"/>
-                  <a:t>Adults with CKD Stages 3-5 and ICD-9 or 10 code (%)</a:t>
+                  <a:t>CKD (%)</a:t>
                 </a:r>
               </a:p>
             </c:rich>
@@ -452,7 +449,7 @@
             <a:endParaRPr lang="en-US"/>
           </a:p>
         </c:txPr>
-        <c:crossAx val="471918015"/>
+        <c:crossAx val="487957728"/>
         <c:crosses val="autoZero"/>
         <c:crossBetween val="between"/>
       </c:valAx>
@@ -527,7 +524,7 @@
           <c:order val="0"/>
           <c:tx>
             <c:strRef>
-              <c:f>Overall!$B$20</c:f>
+              <c:f>Overall!$B$19</c:f>
               <c:strCache>
                 <c:ptCount val="1"/>
                 <c:pt idx="0">
@@ -562,7 +559,7 @@
           </c:marker>
           <c:cat>
             <c:numRef>
-              <c:f>Overall!$A$21:$A$35</c:f>
+              <c:f>Overall!$A$20:$A$34</c:f>
               <c:numCache>
                 <c:formatCode>General</c:formatCode>
                 <c:ptCount val="15"/>
@@ -616,54 +613,54 @@
           </c:cat>
           <c:val>
             <c:numRef>
-              <c:f>Overall!$B$21:$B$35</c:f>
+              <c:f>Overall!$B$20:$B$34</c:f>
               <c:numCache>
-                <c:formatCode>0.0</c:formatCode>
+                <c:formatCode>0.00</c:formatCode>
                 <c:ptCount val="15"/>
                 <c:pt idx="0">
-                  <c:v>29.73</c:v>
+                  <c:v>7.97</c:v>
                 </c:pt>
                 <c:pt idx="1">
-                  <c:v>31.65</c:v>
+                  <c:v>7.62</c:v>
                 </c:pt>
                 <c:pt idx="2">
-                  <c:v>34.69</c:v>
+                  <c:v>7</c:v>
                 </c:pt>
                 <c:pt idx="3">
-                  <c:v>35.270000000000003</c:v>
+                  <c:v>7.02</c:v>
                 </c:pt>
                 <c:pt idx="4">
-                  <c:v>36.46</c:v>
+                  <c:v>6.56</c:v>
                 </c:pt>
                 <c:pt idx="5">
-                  <c:v>36.6</c:v>
+                  <c:v>6.36</c:v>
                 </c:pt>
                 <c:pt idx="6">
-                  <c:v>37.76</c:v>
+                  <c:v>6.09</c:v>
                 </c:pt>
                 <c:pt idx="7">
-                  <c:v>30.07</c:v>
+                  <c:v>6.19</c:v>
                 </c:pt>
                 <c:pt idx="8">
-                  <c:v>30.18</c:v>
+                  <c:v>6.45</c:v>
                 </c:pt>
                 <c:pt idx="9">
-                  <c:v>29.59</c:v>
+                  <c:v>6.39</c:v>
                 </c:pt>
                 <c:pt idx="10">
-                  <c:v>28.53</c:v>
+                  <c:v>6.46</c:v>
                 </c:pt>
                 <c:pt idx="11">
-                  <c:v>28.51</c:v>
+                  <c:v>6.63</c:v>
                 </c:pt>
                 <c:pt idx="12">
-                  <c:v>32.14</c:v>
+                  <c:v>6.16</c:v>
                 </c:pt>
                 <c:pt idx="13">
-                  <c:v>31.62</c:v>
+                  <c:v>5.91</c:v>
                 </c:pt>
                 <c:pt idx="14">
-                  <c:v>30.73</c:v>
+                  <c:v>5.58</c:v>
                 </c:pt>
               </c:numCache>
             </c:numRef>
@@ -671,7 +668,7 @@
           <c:smooth val="0"/>
           <c:extLst>
             <c:ext xmlns:c16="http://schemas.microsoft.com/office/drawing/2014/chart" uri="{C3380CC4-5D6E-409C-BE32-E72D297353CC}">
-              <c16:uniqueId val="{00000000-0E45-4FDD-99C6-399E182EA760}"/>
+              <c16:uniqueId val="{00000000-2224-4894-A5B0-AE439D0F9803}"/>
             </c:ext>
           </c:extLst>
         </c:ser>
@@ -685,11 +682,11 @@
         </c:dLbls>
         <c:marker val="1"/>
         <c:smooth val="0"/>
-        <c:axId val="540826159"/>
-        <c:axId val="540831151"/>
+        <c:axId val="294046352"/>
+        <c:axId val="294042192"/>
       </c:lineChart>
       <c:catAx>
-        <c:axId val="540826159"/>
+        <c:axId val="294046352"/>
         <c:scaling>
           <c:orientation val="minMax"/>
         </c:scaling>
@@ -729,7 +726,7 @@
             <a:endParaRPr lang="en-US"/>
           </a:p>
         </c:txPr>
-        <c:crossAx val="540831151"/>
+        <c:crossAx val="294042192"/>
         <c:crosses val="autoZero"/>
         <c:auto val="1"/>
         <c:lblAlgn val="ctr"/>
@@ -738,10 +735,10 @@
         <c:noMultiLvlLbl val="0"/>
       </c:catAx>
       <c:valAx>
-        <c:axId val="540831151"/>
+        <c:axId val="294042192"/>
         <c:scaling>
           <c:orientation val="minMax"/>
-          <c:max val="45"/>
+          <c:max val="10"/>
         </c:scaling>
         <c:delete val="0"/>
         <c:axPos val="l"/>
@@ -777,7 +774,7 @@
                 </a:pPr>
                 <a:r>
                   <a:rPr lang="en-US"/>
-                  <a:t>Adults with CKD Stages 3-5 and ICD-9 or 10 code (%)</a:t>
+                  <a:t>CKD (%)</a:t>
                 </a:r>
               </a:p>
             </c:rich>
@@ -836,7 +833,7 @@
             <a:endParaRPr lang="en-US"/>
           </a:p>
         </c:txPr>
-        <c:crossAx val="540826159"/>
+        <c:crossAx val="294046352"/>
         <c:crosses val="autoZero"/>
         <c:crossBetween val="between"/>
       </c:valAx>
@@ -915,6 +912,924 @@
               <c:strCache>
                 <c:ptCount val="1"/>
                 <c:pt idx="0">
+                  <c:v>18–29 years</c:v>
+                </c:pt>
+              </c:strCache>
+            </c:strRef>
+          </c:tx>
+          <c:spPr>
+            <a:ln w="44450" cap="rnd">
+              <a:solidFill>
+                <a:schemeClr val="accent1"/>
+              </a:solidFill>
+              <a:round/>
+            </a:ln>
+            <a:effectLst/>
+          </c:spPr>
+          <c:marker>
+            <c:symbol val="circle"/>
+            <c:size val="5"/>
+            <c:spPr>
+              <a:solidFill>
+                <a:schemeClr val="accent1"/>
+              </a:solidFill>
+              <a:ln w="9525">
+                <a:solidFill>
+                  <a:schemeClr val="accent1"/>
+                </a:solidFill>
+              </a:ln>
+              <a:effectLst/>
+            </c:spPr>
+          </c:marker>
+          <c:cat>
+            <c:numRef>
+              <c:f>Age!$A$2:$A$16</c:f>
+              <c:numCache>
+                <c:formatCode>General</c:formatCode>
+                <c:ptCount val="15"/>
+                <c:pt idx="0">
+                  <c:v>2009</c:v>
+                </c:pt>
+                <c:pt idx="1">
+                  <c:v>2010</c:v>
+                </c:pt>
+                <c:pt idx="2">
+                  <c:v>2011</c:v>
+                </c:pt>
+                <c:pt idx="3">
+                  <c:v>2012</c:v>
+                </c:pt>
+                <c:pt idx="4">
+                  <c:v>2013</c:v>
+                </c:pt>
+                <c:pt idx="5">
+                  <c:v>2014</c:v>
+                </c:pt>
+                <c:pt idx="6">
+                  <c:v>2015</c:v>
+                </c:pt>
+                <c:pt idx="7">
+                  <c:v>2016</c:v>
+                </c:pt>
+                <c:pt idx="8">
+                  <c:v>2017</c:v>
+                </c:pt>
+                <c:pt idx="9">
+                  <c:v>2018</c:v>
+                </c:pt>
+                <c:pt idx="10">
+                  <c:v>2019</c:v>
+                </c:pt>
+                <c:pt idx="11">
+                  <c:v>2020</c:v>
+                </c:pt>
+                <c:pt idx="12">
+                  <c:v>2021</c:v>
+                </c:pt>
+                <c:pt idx="13">
+                  <c:v>2022</c:v>
+                </c:pt>
+                <c:pt idx="14">
+                  <c:v>2023</c:v>
+                </c:pt>
+              </c:numCache>
+            </c:numRef>
+          </c:cat>
+          <c:val>
+            <c:numRef>
+              <c:f>Age!$B$2:$B$16</c:f>
+              <c:numCache>
+                <c:formatCode>General</c:formatCode>
+                <c:ptCount val="15"/>
+                <c:pt idx="0">
+                  <c:v>0.31</c:v>
+                </c:pt>
+                <c:pt idx="1">
+                  <c:v>0.31</c:v>
+                </c:pt>
+                <c:pt idx="2">
+                  <c:v>0.25</c:v>
+                </c:pt>
+                <c:pt idx="3">
+                  <c:v>0.25</c:v>
+                </c:pt>
+                <c:pt idx="4">
+                  <c:v>0.22</c:v>
+                </c:pt>
+                <c:pt idx="5">
+                  <c:v>0.22</c:v>
+                </c:pt>
+                <c:pt idx="6">
+                  <c:v>0.22</c:v>
+                </c:pt>
+                <c:pt idx="7">
+                  <c:v>0.22</c:v>
+                </c:pt>
+                <c:pt idx="8">
+                  <c:v>0.23</c:v>
+                </c:pt>
+                <c:pt idx="9">
+                  <c:v>0.25</c:v>
+                </c:pt>
+                <c:pt idx="10">
+                  <c:v>0.26</c:v>
+                </c:pt>
+                <c:pt idx="11">
+                  <c:v>0.28000000000000003</c:v>
+                </c:pt>
+                <c:pt idx="12">
+                  <c:v>0.25</c:v>
+                </c:pt>
+                <c:pt idx="13">
+                  <c:v>0.22</c:v>
+                </c:pt>
+                <c:pt idx="14">
+                  <c:v>0.23</c:v>
+                </c:pt>
+              </c:numCache>
+            </c:numRef>
+          </c:val>
+          <c:smooth val="0"/>
+          <c:extLst>
+            <c:ext xmlns:c16="http://schemas.microsoft.com/office/drawing/2014/chart" uri="{C3380CC4-5D6E-409C-BE32-E72D297353CC}">
+              <c16:uniqueId val="{00000000-8132-4354-9358-DC6BD368C121}"/>
+            </c:ext>
+          </c:extLst>
+        </c:ser>
+        <c:ser>
+          <c:idx val="1"/>
+          <c:order val="1"/>
+          <c:tx>
+            <c:strRef>
+              <c:f>Age!$C$1</c:f>
+              <c:strCache>
+                <c:ptCount val="1"/>
+                <c:pt idx="0">
+                  <c:v>30–39 years</c:v>
+                </c:pt>
+              </c:strCache>
+            </c:strRef>
+          </c:tx>
+          <c:spPr>
+            <a:ln w="44450" cap="rnd">
+              <a:solidFill>
+                <a:schemeClr val="accent2"/>
+              </a:solidFill>
+              <a:round/>
+            </a:ln>
+            <a:effectLst/>
+          </c:spPr>
+          <c:marker>
+            <c:symbol val="circle"/>
+            <c:size val="5"/>
+            <c:spPr>
+              <a:solidFill>
+                <a:schemeClr val="accent2"/>
+              </a:solidFill>
+              <a:ln w="9525">
+                <a:solidFill>
+                  <a:schemeClr val="accent2"/>
+                </a:solidFill>
+              </a:ln>
+              <a:effectLst/>
+            </c:spPr>
+          </c:marker>
+          <c:cat>
+            <c:numRef>
+              <c:f>Age!$A$2:$A$16</c:f>
+              <c:numCache>
+                <c:formatCode>General</c:formatCode>
+                <c:ptCount val="15"/>
+                <c:pt idx="0">
+                  <c:v>2009</c:v>
+                </c:pt>
+                <c:pt idx="1">
+                  <c:v>2010</c:v>
+                </c:pt>
+                <c:pt idx="2">
+                  <c:v>2011</c:v>
+                </c:pt>
+                <c:pt idx="3">
+                  <c:v>2012</c:v>
+                </c:pt>
+                <c:pt idx="4">
+                  <c:v>2013</c:v>
+                </c:pt>
+                <c:pt idx="5">
+                  <c:v>2014</c:v>
+                </c:pt>
+                <c:pt idx="6">
+                  <c:v>2015</c:v>
+                </c:pt>
+                <c:pt idx="7">
+                  <c:v>2016</c:v>
+                </c:pt>
+                <c:pt idx="8">
+                  <c:v>2017</c:v>
+                </c:pt>
+                <c:pt idx="9">
+                  <c:v>2018</c:v>
+                </c:pt>
+                <c:pt idx="10">
+                  <c:v>2019</c:v>
+                </c:pt>
+                <c:pt idx="11">
+                  <c:v>2020</c:v>
+                </c:pt>
+                <c:pt idx="12">
+                  <c:v>2021</c:v>
+                </c:pt>
+                <c:pt idx="13">
+                  <c:v>2022</c:v>
+                </c:pt>
+                <c:pt idx="14">
+                  <c:v>2023</c:v>
+                </c:pt>
+              </c:numCache>
+            </c:numRef>
+          </c:cat>
+          <c:val>
+            <c:numRef>
+              <c:f>Age!$C$2:$C$16</c:f>
+              <c:numCache>
+                <c:formatCode>General</c:formatCode>
+                <c:ptCount val="15"/>
+                <c:pt idx="0">
+                  <c:v>0.9</c:v>
+                </c:pt>
+                <c:pt idx="1">
+                  <c:v>0.77</c:v>
+                </c:pt>
+                <c:pt idx="2">
+                  <c:v>0.63</c:v>
+                </c:pt>
+                <c:pt idx="3">
+                  <c:v>0.6</c:v>
+                </c:pt>
+                <c:pt idx="4">
+                  <c:v>0.56999999999999995</c:v>
+                </c:pt>
+                <c:pt idx="5">
+                  <c:v>0.56000000000000005</c:v>
+                </c:pt>
+                <c:pt idx="6">
+                  <c:v>0.56999999999999995</c:v>
+                </c:pt>
+                <c:pt idx="7">
+                  <c:v>0.55000000000000004</c:v>
+                </c:pt>
+                <c:pt idx="8">
+                  <c:v>0.57999999999999996</c:v>
+                </c:pt>
+                <c:pt idx="9">
+                  <c:v>0.6</c:v>
+                </c:pt>
+                <c:pt idx="10">
+                  <c:v>0.62</c:v>
+                </c:pt>
+                <c:pt idx="11">
+                  <c:v>0.64</c:v>
+                </c:pt>
+                <c:pt idx="12">
+                  <c:v>0.59</c:v>
+                </c:pt>
+                <c:pt idx="13">
+                  <c:v>0.54</c:v>
+                </c:pt>
+                <c:pt idx="14">
+                  <c:v>0.53</c:v>
+                </c:pt>
+              </c:numCache>
+            </c:numRef>
+          </c:val>
+          <c:smooth val="0"/>
+          <c:extLst>
+            <c:ext xmlns:c16="http://schemas.microsoft.com/office/drawing/2014/chart" uri="{C3380CC4-5D6E-409C-BE32-E72D297353CC}">
+              <c16:uniqueId val="{00000001-8132-4354-9358-DC6BD368C121}"/>
+            </c:ext>
+          </c:extLst>
+        </c:ser>
+        <c:ser>
+          <c:idx val="2"/>
+          <c:order val="2"/>
+          <c:tx>
+            <c:strRef>
+              <c:f>Age!$D$1</c:f>
+              <c:strCache>
+                <c:ptCount val="1"/>
+                <c:pt idx="0">
+                  <c:v>40–49 years</c:v>
+                </c:pt>
+              </c:strCache>
+            </c:strRef>
+          </c:tx>
+          <c:spPr>
+            <a:ln w="44450" cap="rnd">
+              <a:solidFill>
+                <a:schemeClr val="accent3"/>
+              </a:solidFill>
+              <a:round/>
+            </a:ln>
+            <a:effectLst/>
+          </c:spPr>
+          <c:marker>
+            <c:symbol val="circle"/>
+            <c:size val="5"/>
+            <c:spPr>
+              <a:solidFill>
+                <a:schemeClr val="accent3"/>
+              </a:solidFill>
+              <a:ln w="9525">
+                <a:solidFill>
+                  <a:schemeClr val="accent3"/>
+                </a:solidFill>
+              </a:ln>
+              <a:effectLst/>
+            </c:spPr>
+          </c:marker>
+          <c:cat>
+            <c:numRef>
+              <c:f>Age!$A$2:$A$16</c:f>
+              <c:numCache>
+                <c:formatCode>General</c:formatCode>
+                <c:ptCount val="15"/>
+                <c:pt idx="0">
+                  <c:v>2009</c:v>
+                </c:pt>
+                <c:pt idx="1">
+                  <c:v>2010</c:v>
+                </c:pt>
+                <c:pt idx="2">
+                  <c:v>2011</c:v>
+                </c:pt>
+                <c:pt idx="3">
+                  <c:v>2012</c:v>
+                </c:pt>
+                <c:pt idx="4">
+                  <c:v>2013</c:v>
+                </c:pt>
+                <c:pt idx="5">
+                  <c:v>2014</c:v>
+                </c:pt>
+                <c:pt idx="6">
+                  <c:v>2015</c:v>
+                </c:pt>
+                <c:pt idx="7">
+                  <c:v>2016</c:v>
+                </c:pt>
+                <c:pt idx="8">
+                  <c:v>2017</c:v>
+                </c:pt>
+                <c:pt idx="9">
+                  <c:v>2018</c:v>
+                </c:pt>
+                <c:pt idx="10">
+                  <c:v>2019</c:v>
+                </c:pt>
+                <c:pt idx="11">
+                  <c:v>2020</c:v>
+                </c:pt>
+                <c:pt idx="12">
+                  <c:v>2021</c:v>
+                </c:pt>
+                <c:pt idx="13">
+                  <c:v>2022</c:v>
+                </c:pt>
+                <c:pt idx="14">
+                  <c:v>2023</c:v>
+                </c:pt>
+              </c:numCache>
+            </c:numRef>
+          </c:cat>
+          <c:val>
+            <c:numRef>
+              <c:f>Age!$D$2:$D$16</c:f>
+              <c:numCache>
+                <c:formatCode>General</c:formatCode>
+                <c:ptCount val="15"/>
+                <c:pt idx="0">
+                  <c:v>2.2000000000000002</c:v>
+                </c:pt>
+                <c:pt idx="1">
+                  <c:v>2</c:v>
+                </c:pt>
+                <c:pt idx="2">
+                  <c:v>1.66</c:v>
+                </c:pt>
+                <c:pt idx="3">
+                  <c:v>1.75</c:v>
+                </c:pt>
+                <c:pt idx="4">
+                  <c:v>1.63</c:v>
+                </c:pt>
+                <c:pt idx="5">
+                  <c:v>1.59</c:v>
+                </c:pt>
+                <c:pt idx="6">
+                  <c:v>1.51</c:v>
+                </c:pt>
+                <c:pt idx="7">
+                  <c:v>1.57</c:v>
+                </c:pt>
+                <c:pt idx="8">
+                  <c:v>1.61</c:v>
+                </c:pt>
+                <c:pt idx="9">
+                  <c:v>1.63</c:v>
+                </c:pt>
+                <c:pt idx="10">
+                  <c:v>1.7</c:v>
+                </c:pt>
+                <c:pt idx="11">
+                  <c:v>1.82</c:v>
+                </c:pt>
+                <c:pt idx="12">
+                  <c:v>1.56</c:v>
+                </c:pt>
+                <c:pt idx="13">
+                  <c:v>1.43</c:v>
+                </c:pt>
+                <c:pt idx="14">
+                  <c:v>1.4</c:v>
+                </c:pt>
+              </c:numCache>
+            </c:numRef>
+          </c:val>
+          <c:smooth val="0"/>
+          <c:extLst>
+            <c:ext xmlns:c16="http://schemas.microsoft.com/office/drawing/2014/chart" uri="{C3380CC4-5D6E-409C-BE32-E72D297353CC}">
+              <c16:uniqueId val="{00000002-8132-4354-9358-DC6BD368C121}"/>
+            </c:ext>
+          </c:extLst>
+        </c:ser>
+        <c:ser>
+          <c:idx val="3"/>
+          <c:order val="3"/>
+          <c:tx>
+            <c:strRef>
+              <c:f>Age!$E$1</c:f>
+              <c:strCache>
+                <c:ptCount val="1"/>
+                <c:pt idx="0">
+                  <c:v>50–59 years</c:v>
+                </c:pt>
+              </c:strCache>
+            </c:strRef>
+          </c:tx>
+          <c:spPr>
+            <a:ln w="44450" cap="rnd">
+              <a:solidFill>
+                <a:schemeClr val="accent4"/>
+              </a:solidFill>
+              <a:round/>
+            </a:ln>
+            <a:effectLst/>
+          </c:spPr>
+          <c:marker>
+            <c:symbol val="circle"/>
+            <c:size val="5"/>
+            <c:spPr>
+              <a:solidFill>
+                <a:schemeClr val="accent4"/>
+              </a:solidFill>
+              <a:ln w="9525">
+                <a:solidFill>
+                  <a:schemeClr val="accent4"/>
+                </a:solidFill>
+              </a:ln>
+              <a:effectLst/>
+            </c:spPr>
+          </c:marker>
+          <c:cat>
+            <c:numRef>
+              <c:f>Age!$A$2:$A$16</c:f>
+              <c:numCache>
+                <c:formatCode>General</c:formatCode>
+                <c:ptCount val="15"/>
+                <c:pt idx="0">
+                  <c:v>2009</c:v>
+                </c:pt>
+                <c:pt idx="1">
+                  <c:v>2010</c:v>
+                </c:pt>
+                <c:pt idx="2">
+                  <c:v>2011</c:v>
+                </c:pt>
+                <c:pt idx="3">
+                  <c:v>2012</c:v>
+                </c:pt>
+                <c:pt idx="4">
+                  <c:v>2013</c:v>
+                </c:pt>
+                <c:pt idx="5">
+                  <c:v>2014</c:v>
+                </c:pt>
+                <c:pt idx="6">
+                  <c:v>2015</c:v>
+                </c:pt>
+                <c:pt idx="7">
+                  <c:v>2016</c:v>
+                </c:pt>
+                <c:pt idx="8">
+                  <c:v>2017</c:v>
+                </c:pt>
+                <c:pt idx="9">
+                  <c:v>2018</c:v>
+                </c:pt>
+                <c:pt idx="10">
+                  <c:v>2019</c:v>
+                </c:pt>
+                <c:pt idx="11">
+                  <c:v>2020</c:v>
+                </c:pt>
+                <c:pt idx="12">
+                  <c:v>2021</c:v>
+                </c:pt>
+                <c:pt idx="13">
+                  <c:v>2022</c:v>
+                </c:pt>
+                <c:pt idx="14">
+                  <c:v>2023</c:v>
+                </c:pt>
+              </c:numCache>
+            </c:numRef>
+          </c:cat>
+          <c:val>
+            <c:numRef>
+              <c:f>Age!$E$2:$E$16</c:f>
+              <c:numCache>
+                <c:formatCode>General</c:formatCode>
+                <c:ptCount val="15"/>
+                <c:pt idx="0">
+                  <c:v>5.66</c:v>
+                </c:pt>
+                <c:pt idx="1">
+                  <c:v>5.13</c:v>
+                </c:pt>
+                <c:pt idx="2">
+                  <c:v>4.47</c:v>
+                </c:pt>
+                <c:pt idx="3">
+                  <c:v>4.5199999999999996</c:v>
+                </c:pt>
+                <c:pt idx="4">
+                  <c:v>4.09</c:v>
+                </c:pt>
+                <c:pt idx="5">
+                  <c:v>3.84</c:v>
+                </c:pt>
+                <c:pt idx="6">
+                  <c:v>3.55</c:v>
+                </c:pt>
+                <c:pt idx="7">
+                  <c:v>3.68</c:v>
+                </c:pt>
+                <c:pt idx="8">
+                  <c:v>3.89</c:v>
+                </c:pt>
+                <c:pt idx="9">
+                  <c:v>3.91</c:v>
+                </c:pt>
+                <c:pt idx="10">
+                  <c:v>4.21</c:v>
+                </c:pt>
+                <c:pt idx="11">
+                  <c:v>4.5</c:v>
+                </c:pt>
+                <c:pt idx="12">
+                  <c:v>4.12</c:v>
+                </c:pt>
+                <c:pt idx="13">
+                  <c:v>4.0599999999999996</c:v>
+                </c:pt>
+                <c:pt idx="14">
+                  <c:v>3.91</c:v>
+                </c:pt>
+              </c:numCache>
+            </c:numRef>
+          </c:val>
+          <c:smooth val="0"/>
+          <c:extLst>
+            <c:ext xmlns:c16="http://schemas.microsoft.com/office/drawing/2014/chart" uri="{C3380CC4-5D6E-409C-BE32-E72D297353CC}">
+              <c16:uniqueId val="{00000003-8132-4354-9358-DC6BD368C121}"/>
+            </c:ext>
+          </c:extLst>
+        </c:ser>
+        <c:ser>
+          <c:idx val="4"/>
+          <c:order val="4"/>
+          <c:tx>
+            <c:strRef>
+              <c:f>Age!$F$1</c:f>
+              <c:strCache>
+                <c:ptCount val="1"/>
+                <c:pt idx="0">
+                  <c:v>60–69 years</c:v>
+                </c:pt>
+              </c:strCache>
+            </c:strRef>
+          </c:tx>
+          <c:spPr>
+            <a:ln w="44450" cap="rnd">
+              <a:solidFill>
+                <a:schemeClr val="accent5"/>
+              </a:solidFill>
+              <a:round/>
+            </a:ln>
+            <a:effectLst/>
+          </c:spPr>
+          <c:marker>
+            <c:symbol val="circle"/>
+            <c:size val="5"/>
+            <c:spPr>
+              <a:solidFill>
+                <a:schemeClr val="accent5"/>
+              </a:solidFill>
+              <a:ln w="9525">
+                <a:solidFill>
+                  <a:schemeClr val="accent5"/>
+                </a:solidFill>
+              </a:ln>
+              <a:effectLst/>
+            </c:spPr>
+          </c:marker>
+          <c:cat>
+            <c:numRef>
+              <c:f>Age!$A$2:$A$16</c:f>
+              <c:numCache>
+                <c:formatCode>General</c:formatCode>
+                <c:ptCount val="15"/>
+                <c:pt idx="0">
+                  <c:v>2009</c:v>
+                </c:pt>
+                <c:pt idx="1">
+                  <c:v>2010</c:v>
+                </c:pt>
+                <c:pt idx="2">
+                  <c:v>2011</c:v>
+                </c:pt>
+                <c:pt idx="3">
+                  <c:v>2012</c:v>
+                </c:pt>
+                <c:pt idx="4">
+                  <c:v>2013</c:v>
+                </c:pt>
+                <c:pt idx="5">
+                  <c:v>2014</c:v>
+                </c:pt>
+                <c:pt idx="6">
+                  <c:v>2015</c:v>
+                </c:pt>
+                <c:pt idx="7">
+                  <c:v>2016</c:v>
+                </c:pt>
+                <c:pt idx="8">
+                  <c:v>2017</c:v>
+                </c:pt>
+                <c:pt idx="9">
+                  <c:v>2018</c:v>
+                </c:pt>
+                <c:pt idx="10">
+                  <c:v>2019</c:v>
+                </c:pt>
+                <c:pt idx="11">
+                  <c:v>2020</c:v>
+                </c:pt>
+                <c:pt idx="12">
+                  <c:v>2021</c:v>
+                </c:pt>
+                <c:pt idx="13">
+                  <c:v>2022</c:v>
+                </c:pt>
+                <c:pt idx="14">
+                  <c:v>2023</c:v>
+                </c:pt>
+              </c:numCache>
+            </c:numRef>
+          </c:cat>
+          <c:val>
+            <c:numRef>
+              <c:f>Age!$F$2:$F$16</c:f>
+              <c:numCache>
+                <c:formatCode>General</c:formatCode>
+                <c:ptCount val="15"/>
+                <c:pt idx="0">
+                  <c:v>13.58</c:v>
+                </c:pt>
+                <c:pt idx="1">
+                  <c:v>12.56</c:v>
+                </c:pt>
+                <c:pt idx="2">
+                  <c:v>11.35</c:v>
+                </c:pt>
+                <c:pt idx="3">
+                  <c:v>11.2</c:v>
+                </c:pt>
+                <c:pt idx="4">
+                  <c:v>10.199999999999999</c:v>
+                </c:pt>
+                <c:pt idx="5">
+                  <c:v>9.69</c:v>
+                </c:pt>
+                <c:pt idx="6">
+                  <c:v>9.06</c:v>
+                </c:pt>
+                <c:pt idx="7">
+                  <c:v>9.18</c:v>
+                </c:pt>
+                <c:pt idx="8">
+                  <c:v>9.61</c:v>
+                </c:pt>
+                <c:pt idx="9">
+                  <c:v>9.59</c:v>
+                </c:pt>
+                <c:pt idx="10">
+                  <c:v>9.66</c:v>
+                </c:pt>
+                <c:pt idx="11">
+                  <c:v>10.15</c:v>
+                </c:pt>
+                <c:pt idx="12">
+                  <c:v>9.2899999999999991</c:v>
+                </c:pt>
+                <c:pt idx="13">
+                  <c:v>8.89</c:v>
+                </c:pt>
+                <c:pt idx="14">
+                  <c:v>8.26</c:v>
+                </c:pt>
+              </c:numCache>
+            </c:numRef>
+          </c:val>
+          <c:smooth val="0"/>
+          <c:extLst>
+            <c:ext xmlns:c16="http://schemas.microsoft.com/office/drawing/2014/chart" uri="{C3380CC4-5D6E-409C-BE32-E72D297353CC}">
+              <c16:uniqueId val="{00000004-8132-4354-9358-DC6BD368C121}"/>
+            </c:ext>
+          </c:extLst>
+        </c:ser>
+        <c:ser>
+          <c:idx val="5"/>
+          <c:order val="5"/>
+          <c:tx>
+            <c:strRef>
+              <c:f>Age!$G$1</c:f>
+              <c:strCache>
+                <c:ptCount val="1"/>
+                <c:pt idx="0">
+                  <c:v>70+ years</c:v>
+                </c:pt>
+              </c:strCache>
+            </c:strRef>
+          </c:tx>
+          <c:spPr>
+            <a:ln w="44450" cap="rnd">
+              <a:solidFill>
+                <a:schemeClr val="accent6"/>
+              </a:solidFill>
+              <a:round/>
+            </a:ln>
+            <a:effectLst/>
+          </c:spPr>
+          <c:marker>
+            <c:symbol val="circle"/>
+            <c:size val="5"/>
+            <c:spPr>
+              <a:solidFill>
+                <a:schemeClr val="accent6"/>
+              </a:solidFill>
+              <a:ln w="9525">
+                <a:solidFill>
+                  <a:schemeClr val="accent6"/>
+                </a:solidFill>
+              </a:ln>
+              <a:effectLst/>
+            </c:spPr>
+          </c:marker>
+          <c:cat>
+            <c:numRef>
+              <c:f>Age!$A$2:$A$16</c:f>
+              <c:numCache>
+                <c:formatCode>General</c:formatCode>
+                <c:ptCount val="15"/>
+                <c:pt idx="0">
+                  <c:v>2009</c:v>
+                </c:pt>
+                <c:pt idx="1">
+                  <c:v>2010</c:v>
+                </c:pt>
+                <c:pt idx="2">
+                  <c:v>2011</c:v>
+                </c:pt>
+                <c:pt idx="3">
+                  <c:v>2012</c:v>
+                </c:pt>
+                <c:pt idx="4">
+                  <c:v>2013</c:v>
+                </c:pt>
+                <c:pt idx="5">
+                  <c:v>2014</c:v>
+                </c:pt>
+                <c:pt idx="6">
+                  <c:v>2015</c:v>
+                </c:pt>
+                <c:pt idx="7">
+                  <c:v>2016</c:v>
+                </c:pt>
+                <c:pt idx="8">
+                  <c:v>2017</c:v>
+                </c:pt>
+                <c:pt idx="9">
+                  <c:v>2018</c:v>
+                </c:pt>
+                <c:pt idx="10">
+                  <c:v>2019</c:v>
+                </c:pt>
+                <c:pt idx="11">
+                  <c:v>2020</c:v>
+                </c:pt>
+                <c:pt idx="12">
+                  <c:v>2021</c:v>
+                </c:pt>
+                <c:pt idx="13">
+                  <c:v>2022</c:v>
+                </c:pt>
+                <c:pt idx="14">
+                  <c:v>2023</c:v>
+                </c:pt>
+              </c:numCache>
+            </c:numRef>
+          </c:cat>
+          <c:val>
+            <c:numRef>
+              <c:f>Age!$G$2:$G$16</c:f>
+              <c:numCache>
+                <c:formatCode>General</c:formatCode>
+                <c:ptCount val="15"/>
+                <c:pt idx="0">
+                  <c:v>37.950000000000003</c:v>
+                </c:pt>
+                <c:pt idx="1">
+                  <c:v>37.43</c:v>
+                </c:pt>
+                <c:pt idx="2">
+                  <c:v>35.35</c:v>
+                </c:pt>
+                <c:pt idx="3">
+                  <c:v>35.51</c:v>
+                </c:pt>
+                <c:pt idx="4">
+                  <c:v>33.53</c:v>
+                </c:pt>
+                <c:pt idx="5">
+                  <c:v>32.659999999999997</c:v>
+                </c:pt>
+                <c:pt idx="6">
+                  <c:v>31.67</c:v>
+                </c:pt>
+                <c:pt idx="7">
+                  <c:v>32</c:v>
+                </c:pt>
+                <c:pt idx="8">
+                  <c:v>33.299999999999997</c:v>
+                </c:pt>
+                <c:pt idx="9">
+                  <c:v>32.630000000000003</c:v>
+                </c:pt>
+                <c:pt idx="10">
+                  <c:v>32.53</c:v>
+                </c:pt>
+                <c:pt idx="11">
+                  <c:v>32.75</c:v>
+                </c:pt>
+                <c:pt idx="12">
+                  <c:v>30.89</c:v>
+                </c:pt>
+                <c:pt idx="13">
+                  <c:v>29.78</c:v>
+                </c:pt>
+                <c:pt idx="14">
+                  <c:v>28.09</c:v>
+                </c:pt>
+              </c:numCache>
+            </c:numRef>
+          </c:val>
+          <c:smooth val="0"/>
+          <c:extLst>
+            <c:ext xmlns:c16="http://schemas.microsoft.com/office/drawing/2014/chart" uri="{C3380CC4-5D6E-409C-BE32-E72D297353CC}">
+              <c16:uniqueId val="{00000005-8132-4354-9358-DC6BD368C121}"/>
+            </c:ext>
+          </c:extLst>
+        </c:ser>
+        <c:ser>
+          <c:idx val="6"/>
+          <c:order val="6"/>
+          <c:tx>
+            <c:strRef>
+              <c:f>Age!$H$1</c:f>
+              <c:strCache>
+                <c:ptCount val="1"/>
+                <c:pt idx="0">
                   <c:v>Overall</c:v>
                 </c:pt>
               </c:strCache>
@@ -1001,54 +1916,54 @@
           </c:cat>
           <c:val>
             <c:numRef>
-              <c:f>Age!$B$2:$B$16</c:f>
+              <c:f>Age!$H$2:$H$16</c:f>
               <c:numCache>
-                <c:formatCode>0.0</c:formatCode>
+                <c:formatCode>General</c:formatCode>
                 <c:ptCount val="15"/>
                 <c:pt idx="0">
-                  <c:v>31.92</c:v>
+                  <c:v>6.35</c:v>
                 </c:pt>
                 <c:pt idx="1">
-                  <c:v>33.619999999999997</c:v>
+                  <c:v>5.99</c:v>
                 </c:pt>
                 <c:pt idx="2">
-                  <c:v>36.68</c:v>
+                  <c:v>5.29</c:v>
                 </c:pt>
                 <c:pt idx="3">
-                  <c:v>37.28</c:v>
+                  <c:v>5.31</c:v>
                 </c:pt>
                 <c:pt idx="4">
-                  <c:v>38.19</c:v>
+                  <c:v>5.0599999999999996</c:v>
                 </c:pt>
                 <c:pt idx="5">
-                  <c:v>38.57</c:v>
+                  <c:v>5.03</c:v>
                 </c:pt>
                 <c:pt idx="6">
-                  <c:v>39.729999999999997</c:v>
+                  <c:v>4.91</c:v>
                 </c:pt>
                 <c:pt idx="7">
-                  <c:v>31.7</c:v>
+                  <c:v>5.09</c:v>
                 </c:pt>
                 <c:pt idx="8">
-                  <c:v>31.95</c:v>
+                  <c:v>5.46</c:v>
                 </c:pt>
                 <c:pt idx="9">
-                  <c:v>32.22</c:v>
+                  <c:v>5.45</c:v>
                 </c:pt>
                 <c:pt idx="10">
-                  <c:v>32.020000000000003</c:v>
+                  <c:v>5.45</c:v>
                 </c:pt>
                 <c:pt idx="11">
-                  <c:v>30.05</c:v>
+                  <c:v>5.89</c:v>
                 </c:pt>
                 <c:pt idx="12">
-                  <c:v>36.04</c:v>
+                  <c:v>5.37</c:v>
                 </c:pt>
                 <c:pt idx="13">
-                  <c:v>35.340000000000003</c:v>
+                  <c:v>5.14</c:v>
                 </c:pt>
                 <c:pt idx="14">
-                  <c:v>35.15</c:v>
+                  <c:v>4.84</c:v>
                 </c:pt>
               </c:numCache>
             </c:numRef>
@@ -1056,931 +1971,7 @@
           <c:smooth val="0"/>
           <c:extLst>
             <c:ext xmlns:c16="http://schemas.microsoft.com/office/drawing/2014/chart" uri="{C3380CC4-5D6E-409C-BE32-E72D297353CC}">
-              <c16:uniqueId val="{00000000-3B26-47D3-9798-51301F692385}"/>
-            </c:ext>
-          </c:extLst>
-        </c:ser>
-        <c:ser>
-          <c:idx val="1"/>
-          <c:order val="1"/>
-          <c:tx>
-            <c:strRef>
-              <c:f>Age!$C$1</c:f>
-              <c:strCache>
-                <c:ptCount val="1"/>
-                <c:pt idx="0">
-                  <c:v>18–29 years</c:v>
-                </c:pt>
-              </c:strCache>
-            </c:strRef>
-          </c:tx>
-          <c:spPr>
-            <a:ln w="44450" cap="rnd">
-              <a:solidFill>
-                <a:schemeClr val="accent2"/>
-              </a:solidFill>
-              <a:round/>
-            </a:ln>
-            <a:effectLst/>
-          </c:spPr>
-          <c:marker>
-            <c:symbol val="circle"/>
-            <c:size val="5"/>
-            <c:spPr>
-              <a:solidFill>
-                <a:schemeClr val="accent2"/>
-              </a:solidFill>
-              <a:ln w="9525">
-                <a:solidFill>
-                  <a:schemeClr val="accent2"/>
-                </a:solidFill>
-              </a:ln>
-              <a:effectLst/>
-            </c:spPr>
-          </c:marker>
-          <c:cat>
-            <c:numRef>
-              <c:f>Age!$A$2:$A$16</c:f>
-              <c:numCache>
-                <c:formatCode>General</c:formatCode>
-                <c:ptCount val="15"/>
-                <c:pt idx="0">
-                  <c:v>2009</c:v>
-                </c:pt>
-                <c:pt idx="1">
-                  <c:v>2010</c:v>
-                </c:pt>
-                <c:pt idx="2">
-                  <c:v>2011</c:v>
-                </c:pt>
-                <c:pt idx="3">
-                  <c:v>2012</c:v>
-                </c:pt>
-                <c:pt idx="4">
-                  <c:v>2013</c:v>
-                </c:pt>
-                <c:pt idx="5">
-                  <c:v>2014</c:v>
-                </c:pt>
-                <c:pt idx="6">
-                  <c:v>2015</c:v>
-                </c:pt>
-                <c:pt idx="7">
-                  <c:v>2016</c:v>
-                </c:pt>
-                <c:pt idx="8">
-                  <c:v>2017</c:v>
-                </c:pt>
-                <c:pt idx="9">
-                  <c:v>2018</c:v>
-                </c:pt>
-                <c:pt idx="10">
-                  <c:v>2019</c:v>
-                </c:pt>
-                <c:pt idx="11">
-                  <c:v>2020</c:v>
-                </c:pt>
-                <c:pt idx="12">
-                  <c:v>2021</c:v>
-                </c:pt>
-                <c:pt idx="13">
-                  <c:v>2022</c:v>
-                </c:pt>
-                <c:pt idx="14">
-                  <c:v>2023</c:v>
-                </c:pt>
-              </c:numCache>
-            </c:numRef>
-          </c:cat>
-          <c:val>
-            <c:numRef>
-              <c:f>Age!$C$2:$C$16</c:f>
-              <c:numCache>
-                <c:formatCode>General</c:formatCode>
-                <c:ptCount val="15"/>
-                <c:pt idx="0">
-                  <c:v>26.95</c:v>
-                </c:pt>
-                <c:pt idx="1">
-                  <c:v>28.9</c:v>
-                </c:pt>
-                <c:pt idx="2">
-                  <c:v>27.93</c:v>
-                </c:pt>
-                <c:pt idx="3">
-                  <c:v>29.18</c:v>
-                </c:pt>
-                <c:pt idx="4">
-                  <c:v>27.71</c:v>
-                </c:pt>
-                <c:pt idx="5">
-                  <c:v>33.130000000000003</c:v>
-                </c:pt>
-                <c:pt idx="6">
-                  <c:v>30.45</c:v>
-                </c:pt>
-                <c:pt idx="7">
-                  <c:v>24.17</c:v>
-                </c:pt>
-                <c:pt idx="8">
-                  <c:v>25.22</c:v>
-                </c:pt>
-                <c:pt idx="9">
-                  <c:v>23.35</c:v>
-                </c:pt>
-                <c:pt idx="10">
-                  <c:v>21.21</c:v>
-                </c:pt>
-                <c:pt idx="11">
-                  <c:v>24.55</c:v>
-                </c:pt>
-                <c:pt idx="12">
-                  <c:v>21.9</c:v>
-                </c:pt>
-                <c:pt idx="13">
-                  <c:v>21.95</c:v>
-                </c:pt>
-                <c:pt idx="14">
-                  <c:v>19.559999999999999</c:v>
-                </c:pt>
-              </c:numCache>
-            </c:numRef>
-          </c:val>
-          <c:smooth val="0"/>
-          <c:extLst>
-            <c:ext xmlns:c16="http://schemas.microsoft.com/office/drawing/2014/chart" uri="{C3380CC4-5D6E-409C-BE32-E72D297353CC}">
-              <c16:uniqueId val="{00000001-3B26-47D3-9798-51301F692385}"/>
-            </c:ext>
-          </c:extLst>
-        </c:ser>
-        <c:ser>
-          <c:idx val="2"/>
-          <c:order val="2"/>
-          <c:tx>
-            <c:strRef>
-              <c:f>Age!$D$1</c:f>
-              <c:strCache>
-                <c:ptCount val="1"/>
-                <c:pt idx="0">
-                  <c:v>30–39 years</c:v>
-                </c:pt>
-              </c:strCache>
-            </c:strRef>
-          </c:tx>
-          <c:spPr>
-            <a:ln w="44450" cap="rnd">
-              <a:solidFill>
-                <a:schemeClr val="accent3"/>
-              </a:solidFill>
-              <a:round/>
-            </a:ln>
-            <a:effectLst/>
-          </c:spPr>
-          <c:marker>
-            <c:symbol val="circle"/>
-            <c:size val="5"/>
-            <c:spPr>
-              <a:solidFill>
-                <a:schemeClr val="accent3"/>
-              </a:solidFill>
-              <a:ln w="9525">
-                <a:solidFill>
-                  <a:schemeClr val="accent3"/>
-                </a:solidFill>
-              </a:ln>
-              <a:effectLst/>
-            </c:spPr>
-          </c:marker>
-          <c:cat>
-            <c:numRef>
-              <c:f>Age!$A$2:$A$16</c:f>
-              <c:numCache>
-                <c:formatCode>General</c:formatCode>
-                <c:ptCount val="15"/>
-                <c:pt idx="0">
-                  <c:v>2009</c:v>
-                </c:pt>
-                <c:pt idx="1">
-                  <c:v>2010</c:v>
-                </c:pt>
-                <c:pt idx="2">
-                  <c:v>2011</c:v>
-                </c:pt>
-                <c:pt idx="3">
-                  <c:v>2012</c:v>
-                </c:pt>
-                <c:pt idx="4">
-                  <c:v>2013</c:v>
-                </c:pt>
-                <c:pt idx="5">
-                  <c:v>2014</c:v>
-                </c:pt>
-                <c:pt idx="6">
-                  <c:v>2015</c:v>
-                </c:pt>
-                <c:pt idx="7">
-                  <c:v>2016</c:v>
-                </c:pt>
-                <c:pt idx="8">
-                  <c:v>2017</c:v>
-                </c:pt>
-                <c:pt idx="9">
-                  <c:v>2018</c:v>
-                </c:pt>
-                <c:pt idx="10">
-                  <c:v>2019</c:v>
-                </c:pt>
-                <c:pt idx="11">
-                  <c:v>2020</c:v>
-                </c:pt>
-                <c:pt idx="12">
-                  <c:v>2021</c:v>
-                </c:pt>
-                <c:pt idx="13">
-                  <c:v>2022</c:v>
-                </c:pt>
-                <c:pt idx="14">
-                  <c:v>2023</c:v>
-                </c:pt>
-              </c:numCache>
-            </c:numRef>
-          </c:cat>
-          <c:val>
-            <c:numRef>
-              <c:f>Age!$D$2:$D$16</c:f>
-              <c:numCache>
-                <c:formatCode>General</c:formatCode>
-                <c:ptCount val="15"/>
-                <c:pt idx="0">
-                  <c:v>29.42</c:v>
-                </c:pt>
-                <c:pt idx="1">
-                  <c:v>31.96</c:v>
-                </c:pt>
-                <c:pt idx="2">
-                  <c:v>36.58</c:v>
-                </c:pt>
-                <c:pt idx="3">
-                  <c:v>36.99</c:v>
-                </c:pt>
-                <c:pt idx="4">
-                  <c:v>39.200000000000003</c:v>
-                </c:pt>
-                <c:pt idx="5">
-                  <c:v>36.130000000000003</c:v>
-                </c:pt>
-                <c:pt idx="6">
-                  <c:v>39.92</c:v>
-                </c:pt>
-                <c:pt idx="7">
-                  <c:v>30.14</c:v>
-                </c:pt>
-                <c:pt idx="8">
-                  <c:v>29.58</c:v>
-                </c:pt>
-                <c:pt idx="9">
-                  <c:v>27.95</c:v>
-                </c:pt>
-                <c:pt idx="10">
-                  <c:v>26.38</c:v>
-                </c:pt>
-                <c:pt idx="11">
-                  <c:v>28.24</c:v>
-                </c:pt>
-                <c:pt idx="12">
-                  <c:v>29.63</c:v>
-                </c:pt>
-                <c:pt idx="13">
-                  <c:v>29.33</c:v>
-                </c:pt>
-                <c:pt idx="14">
-                  <c:v>26.26</c:v>
-                </c:pt>
-              </c:numCache>
-            </c:numRef>
-          </c:val>
-          <c:smooth val="0"/>
-          <c:extLst>
-            <c:ext xmlns:c16="http://schemas.microsoft.com/office/drawing/2014/chart" uri="{C3380CC4-5D6E-409C-BE32-E72D297353CC}">
-              <c16:uniqueId val="{00000002-3B26-47D3-9798-51301F692385}"/>
-            </c:ext>
-          </c:extLst>
-        </c:ser>
-        <c:ser>
-          <c:idx val="3"/>
-          <c:order val="3"/>
-          <c:tx>
-            <c:strRef>
-              <c:f>Age!$E$1</c:f>
-              <c:strCache>
-                <c:ptCount val="1"/>
-                <c:pt idx="0">
-                  <c:v>40–49 years</c:v>
-                </c:pt>
-              </c:strCache>
-            </c:strRef>
-          </c:tx>
-          <c:spPr>
-            <a:ln w="44450" cap="rnd">
-              <a:solidFill>
-                <a:schemeClr val="accent4"/>
-              </a:solidFill>
-              <a:round/>
-            </a:ln>
-            <a:effectLst/>
-          </c:spPr>
-          <c:marker>
-            <c:symbol val="circle"/>
-            <c:size val="5"/>
-            <c:spPr>
-              <a:solidFill>
-                <a:schemeClr val="accent4"/>
-              </a:solidFill>
-              <a:ln w="9525">
-                <a:solidFill>
-                  <a:schemeClr val="accent4"/>
-                </a:solidFill>
-              </a:ln>
-              <a:effectLst/>
-            </c:spPr>
-          </c:marker>
-          <c:cat>
-            <c:numRef>
-              <c:f>Age!$A$2:$A$16</c:f>
-              <c:numCache>
-                <c:formatCode>General</c:formatCode>
-                <c:ptCount val="15"/>
-                <c:pt idx="0">
-                  <c:v>2009</c:v>
-                </c:pt>
-                <c:pt idx="1">
-                  <c:v>2010</c:v>
-                </c:pt>
-                <c:pt idx="2">
-                  <c:v>2011</c:v>
-                </c:pt>
-                <c:pt idx="3">
-                  <c:v>2012</c:v>
-                </c:pt>
-                <c:pt idx="4">
-                  <c:v>2013</c:v>
-                </c:pt>
-                <c:pt idx="5">
-                  <c:v>2014</c:v>
-                </c:pt>
-                <c:pt idx="6">
-                  <c:v>2015</c:v>
-                </c:pt>
-                <c:pt idx="7">
-                  <c:v>2016</c:v>
-                </c:pt>
-                <c:pt idx="8">
-                  <c:v>2017</c:v>
-                </c:pt>
-                <c:pt idx="9">
-                  <c:v>2018</c:v>
-                </c:pt>
-                <c:pt idx="10">
-                  <c:v>2019</c:v>
-                </c:pt>
-                <c:pt idx="11">
-                  <c:v>2020</c:v>
-                </c:pt>
-                <c:pt idx="12">
-                  <c:v>2021</c:v>
-                </c:pt>
-                <c:pt idx="13">
-                  <c:v>2022</c:v>
-                </c:pt>
-                <c:pt idx="14">
-                  <c:v>2023</c:v>
-                </c:pt>
-              </c:numCache>
-            </c:numRef>
-          </c:cat>
-          <c:val>
-            <c:numRef>
-              <c:f>Age!$E$2:$E$16</c:f>
-              <c:numCache>
-                <c:formatCode>General</c:formatCode>
-                <c:ptCount val="15"/>
-                <c:pt idx="0">
-                  <c:v>25.87</c:v>
-                </c:pt>
-                <c:pt idx="1">
-                  <c:v>27.95</c:v>
-                </c:pt>
-                <c:pt idx="2">
-                  <c:v>32.65</c:v>
-                </c:pt>
-                <c:pt idx="3">
-                  <c:v>33.11</c:v>
-                </c:pt>
-                <c:pt idx="4">
-                  <c:v>35.4</c:v>
-                </c:pt>
-                <c:pt idx="5">
-                  <c:v>34.700000000000003</c:v>
-                </c:pt>
-                <c:pt idx="6">
-                  <c:v>35.5</c:v>
-                </c:pt>
-                <c:pt idx="7">
-                  <c:v>29.76</c:v>
-                </c:pt>
-                <c:pt idx="8">
-                  <c:v>30.48</c:v>
-                </c:pt>
-                <c:pt idx="9">
-                  <c:v>28.81</c:v>
-                </c:pt>
-                <c:pt idx="10">
-                  <c:v>27</c:v>
-                </c:pt>
-                <c:pt idx="11">
-                  <c:v>26.61</c:v>
-                </c:pt>
-                <c:pt idx="12">
-                  <c:v>31.11</c:v>
-                </c:pt>
-                <c:pt idx="13">
-                  <c:v>29.74</c:v>
-                </c:pt>
-                <c:pt idx="14">
-                  <c:v>28.85</c:v>
-                </c:pt>
-              </c:numCache>
-            </c:numRef>
-          </c:val>
-          <c:smooth val="0"/>
-          <c:extLst>
-            <c:ext xmlns:c16="http://schemas.microsoft.com/office/drawing/2014/chart" uri="{C3380CC4-5D6E-409C-BE32-E72D297353CC}">
-              <c16:uniqueId val="{00000003-3B26-47D3-9798-51301F692385}"/>
-            </c:ext>
-          </c:extLst>
-        </c:ser>
-        <c:ser>
-          <c:idx val="4"/>
-          <c:order val="4"/>
-          <c:tx>
-            <c:strRef>
-              <c:f>Age!$F$1</c:f>
-              <c:strCache>
-                <c:ptCount val="1"/>
-                <c:pt idx="0">
-                  <c:v>50–59 years</c:v>
-                </c:pt>
-              </c:strCache>
-            </c:strRef>
-          </c:tx>
-          <c:spPr>
-            <a:ln w="44450" cap="rnd">
-              <a:solidFill>
-                <a:schemeClr val="accent5"/>
-              </a:solidFill>
-              <a:round/>
-            </a:ln>
-            <a:effectLst/>
-          </c:spPr>
-          <c:marker>
-            <c:symbol val="circle"/>
-            <c:size val="5"/>
-            <c:spPr>
-              <a:solidFill>
-                <a:schemeClr val="accent5"/>
-              </a:solidFill>
-              <a:ln w="9525">
-                <a:solidFill>
-                  <a:schemeClr val="accent5"/>
-                </a:solidFill>
-              </a:ln>
-              <a:effectLst/>
-            </c:spPr>
-          </c:marker>
-          <c:cat>
-            <c:numRef>
-              <c:f>Age!$A$2:$A$16</c:f>
-              <c:numCache>
-                <c:formatCode>General</c:formatCode>
-                <c:ptCount val="15"/>
-                <c:pt idx="0">
-                  <c:v>2009</c:v>
-                </c:pt>
-                <c:pt idx="1">
-                  <c:v>2010</c:v>
-                </c:pt>
-                <c:pt idx="2">
-                  <c:v>2011</c:v>
-                </c:pt>
-                <c:pt idx="3">
-                  <c:v>2012</c:v>
-                </c:pt>
-                <c:pt idx="4">
-                  <c:v>2013</c:v>
-                </c:pt>
-                <c:pt idx="5">
-                  <c:v>2014</c:v>
-                </c:pt>
-                <c:pt idx="6">
-                  <c:v>2015</c:v>
-                </c:pt>
-                <c:pt idx="7">
-                  <c:v>2016</c:v>
-                </c:pt>
-                <c:pt idx="8">
-                  <c:v>2017</c:v>
-                </c:pt>
-                <c:pt idx="9">
-                  <c:v>2018</c:v>
-                </c:pt>
-                <c:pt idx="10">
-                  <c:v>2019</c:v>
-                </c:pt>
-                <c:pt idx="11">
-                  <c:v>2020</c:v>
-                </c:pt>
-                <c:pt idx="12">
-                  <c:v>2021</c:v>
-                </c:pt>
-                <c:pt idx="13">
-                  <c:v>2022</c:v>
-                </c:pt>
-                <c:pt idx="14">
-                  <c:v>2023</c:v>
-                </c:pt>
-              </c:numCache>
-            </c:numRef>
-          </c:cat>
-          <c:val>
-            <c:numRef>
-              <c:f>Age!$F$2:$F$16</c:f>
-              <c:numCache>
-                <c:formatCode>General</c:formatCode>
-                <c:ptCount val="15"/>
-                <c:pt idx="0">
-                  <c:v>29.75</c:v>
-                </c:pt>
-                <c:pt idx="1">
-                  <c:v>31.33</c:v>
-                </c:pt>
-                <c:pt idx="2">
-                  <c:v>34.36</c:v>
-                </c:pt>
-                <c:pt idx="3">
-                  <c:v>34.979999999999997</c:v>
-                </c:pt>
-                <c:pt idx="4">
-                  <c:v>36.26</c:v>
-                </c:pt>
-                <c:pt idx="5">
-                  <c:v>36.67</c:v>
-                </c:pt>
-                <c:pt idx="6">
-                  <c:v>37.31</c:v>
-                </c:pt>
-                <c:pt idx="7">
-                  <c:v>30.63</c:v>
-                </c:pt>
-                <c:pt idx="8">
-                  <c:v>30.61</c:v>
-                </c:pt>
-                <c:pt idx="9">
-                  <c:v>30.98</c:v>
-                </c:pt>
-                <c:pt idx="10">
-                  <c:v>30.08</c:v>
-                </c:pt>
-                <c:pt idx="11">
-                  <c:v>29.38</c:v>
-                </c:pt>
-                <c:pt idx="12">
-                  <c:v>34.46</c:v>
-                </c:pt>
-                <c:pt idx="13">
-                  <c:v>34.11</c:v>
-                </c:pt>
-                <c:pt idx="14">
-                  <c:v>35.46</c:v>
-                </c:pt>
-              </c:numCache>
-            </c:numRef>
-          </c:val>
-          <c:smooth val="0"/>
-          <c:extLst>
-            <c:ext xmlns:c16="http://schemas.microsoft.com/office/drawing/2014/chart" uri="{C3380CC4-5D6E-409C-BE32-E72D297353CC}">
-              <c16:uniqueId val="{00000004-3B26-47D3-9798-51301F692385}"/>
-            </c:ext>
-          </c:extLst>
-        </c:ser>
-        <c:ser>
-          <c:idx val="5"/>
-          <c:order val="5"/>
-          <c:tx>
-            <c:strRef>
-              <c:f>Age!$G$1</c:f>
-              <c:strCache>
-                <c:ptCount val="1"/>
-                <c:pt idx="0">
-                  <c:v>60–69 years</c:v>
-                </c:pt>
-              </c:strCache>
-            </c:strRef>
-          </c:tx>
-          <c:spPr>
-            <a:ln w="44450" cap="rnd">
-              <a:solidFill>
-                <a:schemeClr val="accent6"/>
-              </a:solidFill>
-              <a:round/>
-            </a:ln>
-            <a:effectLst/>
-          </c:spPr>
-          <c:marker>
-            <c:symbol val="circle"/>
-            <c:size val="5"/>
-            <c:spPr>
-              <a:solidFill>
-                <a:schemeClr val="accent6"/>
-              </a:solidFill>
-              <a:ln w="9525">
-                <a:solidFill>
-                  <a:schemeClr val="accent6"/>
-                </a:solidFill>
-              </a:ln>
-              <a:effectLst/>
-            </c:spPr>
-          </c:marker>
-          <c:cat>
-            <c:numRef>
-              <c:f>Age!$A$2:$A$16</c:f>
-              <c:numCache>
-                <c:formatCode>General</c:formatCode>
-                <c:ptCount val="15"/>
-                <c:pt idx="0">
-                  <c:v>2009</c:v>
-                </c:pt>
-                <c:pt idx="1">
-                  <c:v>2010</c:v>
-                </c:pt>
-                <c:pt idx="2">
-                  <c:v>2011</c:v>
-                </c:pt>
-                <c:pt idx="3">
-                  <c:v>2012</c:v>
-                </c:pt>
-                <c:pt idx="4">
-                  <c:v>2013</c:v>
-                </c:pt>
-                <c:pt idx="5">
-                  <c:v>2014</c:v>
-                </c:pt>
-                <c:pt idx="6">
-                  <c:v>2015</c:v>
-                </c:pt>
-                <c:pt idx="7">
-                  <c:v>2016</c:v>
-                </c:pt>
-                <c:pt idx="8">
-                  <c:v>2017</c:v>
-                </c:pt>
-                <c:pt idx="9">
-                  <c:v>2018</c:v>
-                </c:pt>
-                <c:pt idx="10">
-                  <c:v>2019</c:v>
-                </c:pt>
-                <c:pt idx="11">
-                  <c:v>2020</c:v>
-                </c:pt>
-                <c:pt idx="12">
-                  <c:v>2021</c:v>
-                </c:pt>
-                <c:pt idx="13">
-                  <c:v>2022</c:v>
-                </c:pt>
-                <c:pt idx="14">
-                  <c:v>2023</c:v>
-                </c:pt>
-              </c:numCache>
-            </c:numRef>
-          </c:cat>
-          <c:val>
-            <c:numRef>
-              <c:f>Age!$G$2:$G$16</c:f>
-              <c:numCache>
-                <c:formatCode>General</c:formatCode>
-                <c:ptCount val="15"/>
-                <c:pt idx="0">
-                  <c:v>32.72</c:v>
-                </c:pt>
-                <c:pt idx="1">
-                  <c:v>34.67</c:v>
-                </c:pt>
-                <c:pt idx="2">
-                  <c:v>38.81</c:v>
-                </c:pt>
-                <c:pt idx="3">
-                  <c:v>38.22</c:v>
-                </c:pt>
-                <c:pt idx="4">
-                  <c:v>39.159999999999997</c:v>
-                </c:pt>
-                <c:pt idx="5">
-                  <c:v>39.909999999999997</c:v>
-                </c:pt>
-                <c:pt idx="6">
-                  <c:v>41.26</c:v>
-                </c:pt>
-                <c:pt idx="7">
-                  <c:v>32.82</c:v>
-                </c:pt>
-                <c:pt idx="8">
-                  <c:v>32.68</c:v>
-                </c:pt>
-                <c:pt idx="9">
-                  <c:v>33.5</c:v>
-                </c:pt>
-                <c:pt idx="10">
-                  <c:v>33.72</c:v>
-                </c:pt>
-                <c:pt idx="11">
-                  <c:v>30.73</c:v>
-                </c:pt>
-                <c:pt idx="12">
-                  <c:v>38.54</c:v>
-                </c:pt>
-                <c:pt idx="13">
-                  <c:v>37.159999999999997</c:v>
-                </c:pt>
-                <c:pt idx="14">
-                  <c:v>36.75</c:v>
-                </c:pt>
-              </c:numCache>
-            </c:numRef>
-          </c:val>
-          <c:smooth val="0"/>
-          <c:extLst>
-            <c:ext xmlns:c16="http://schemas.microsoft.com/office/drawing/2014/chart" uri="{C3380CC4-5D6E-409C-BE32-E72D297353CC}">
-              <c16:uniqueId val="{00000005-3B26-47D3-9798-51301F692385}"/>
-            </c:ext>
-          </c:extLst>
-        </c:ser>
-        <c:ser>
-          <c:idx val="6"/>
-          <c:order val="6"/>
-          <c:tx>
-            <c:strRef>
-              <c:f>Age!$H$1</c:f>
-              <c:strCache>
-                <c:ptCount val="1"/>
-                <c:pt idx="0">
-                  <c:v>70+ years</c:v>
-                </c:pt>
-              </c:strCache>
-            </c:strRef>
-          </c:tx>
-          <c:spPr>
-            <a:ln w="44450" cap="rnd">
-              <a:solidFill>
-                <a:schemeClr val="accent1">
-                  <a:lumMod val="60000"/>
-                </a:schemeClr>
-              </a:solidFill>
-              <a:round/>
-            </a:ln>
-            <a:effectLst/>
-          </c:spPr>
-          <c:marker>
-            <c:symbol val="circle"/>
-            <c:size val="5"/>
-            <c:spPr>
-              <a:solidFill>
-                <a:schemeClr val="accent1">
-                  <a:lumMod val="60000"/>
-                </a:schemeClr>
-              </a:solidFill>
-              <a:ln w="9525">
-                <a:solidFill>
-                  <a:schemeClr val="accent1">
-                    <a:lumMod val="60000"/>
-                  </a:schemeClr>
-                </a:solidFill>
-              </a:ln>
-              <a:effectLst/>
-            </c:spPr>
-          </c:marker>
-          <c:cat>
-            <c:numRef>
-              <c:f>Age!$A$2:$A$16</c:f>
-              <c:numCache>
-                <c:formatCode>General</c:formatCode>
-                <c:ptCount val="15"/>
-                <c:pt idx="0">
-                  <c:v>2009</c:v>
-                </c:pt>
-                <c:pt idx="1">
-                  <c:v>2010</c:v>
-                </c:pt>
-                <c:pt idx="2">
-                  <c:v>2011</c:v>
-                </c:pt>
-                <c:pt idx="3">
-                  <c:v>2012</c:v>
-                </c:pt>
-                <c:pt idx="4">
-                  <c:v>2013</c:v>
-                </c:pt>
-                <c:pt idx="5">
-                  <c:v>2014</c:v>
-                </c:pt>
-                <c:pt idx="6">
-                  <c:v>2015</c:v>
-                </c:pt>
-                <c:pt idx="7">
-                  <c:v>2016</c:v>
-                </c:pt>
-                <c:pt idx="8">
-                  <c:v>2017</c:v>
-                </c:pt>
-                <c:pt idx="9">
-                  <c:v>2018</c:v>
-                </c:pt>
-                <c:pt idx="10">
-                  <c:v>2019</c:v>
-                </c:pt>
-                <c:pt idx="11">
-                  <c:v>2020</c:v>
-                </c:pt>
-                <c:pt idx="12">
-                  <c:v>2021</c:v>
-                </c:pt>
-                <c:pt idx="13">
-                  <c:v>2022</c:v>
-                </c:pt>
-                <c:pt idx="14">
-                  <c:v>2023</c:v>
-                </c:pt>
-              </c:numCache>
-            </c:numRef>
-          </c:cat>
-          <c:val>
-            <c:numRef>
-              <c:f>Age!$H$2:$H$16</c:f>
-              <c:numCache>
-                <c:formatCode>General</c:formatCode>
-                <c:ptCount val="15"/>
-                <c:pt idx="0">
-                  <c:v>33.46</c:v>
-                </c:pt>
-                <c:pt idx="1">
-                  <c:v>34.85</c:v>
-                </c:pt>
-                <c:pt idx="2">
-                  <c:v>37.04</c:v>
-                </c:pt>
-                <c:pt idx="3">
-                  <c:v>38.299999999999997</c:v>
-                </c:pt>
-                <c:pt idx="4">
-                  <c:v>38.81</c:v>
-                </c:pt>
-                <c:pt idx="5">
-                  <c:v>39.1</c:v>
-                </c:pt>
-                <c:pt idx="6">
-                  <c:v>40.299999999999997</c:v>
-                </c:pt>
-                <c:pt idx="7">
-                  <c:v>31.84</c:v>
-                </c:pt>
-                <c:pt idx="8">
-                  <c:v>32.299999999999997</c:v>
-                </c:pt>
-                <c:pt idx="9">
-                  <c:v>32.58</c:v>
-                </c:pt>
-                <c:pt idx="10">
-                  <c:v>32.69</c:v>
-                </c:pt>
-                <c:pt idx="11">
-                  <c:v>30.41</c:v>
-                </c:pt>
-                <c:pt idx="12">
-                  <c:v>36.22</c:v>
-                </c:pt>
-                <c:pt idx="13">
-                  <c:v>35.770000000000003</c:v>
-                </c:pt>
-                <c:pt idx="14">
-                  <c:v>35.6</c:v>
-                </c:pt>
-              </c:numCache>
-            </c:numRef>
-          </c:val>
-          <c:smooth val="0"/>
-          <c:extLst>
-            <c:ext xmlns:c16="http://schemas.microsoft.com/office/drawing/2014/chart" uri="{C3380CC4-5D6E-409C-BE32-E72D297353CC}">
-              <c16:uniqueId val="{00000006-3B26-47D3-9798-51301F692385}"/>
+              <c16:uniqueId val="{00000006-8132-4354-9358-DC6BD368C121}"/>
             </c:ext>
           </c:extLst>
         </c:ser>
@@ -1994,11 +1985,11 @@
         </c:dLbls>
         <c:marker val="1"/>
         <c:smooth val="0"/>
-        <c:axId val="551978015"/>
-        <c:axId val="551978847"/>
+        <c:axId val="1630435104"/>
+        <c:axId val="1630438848"/>
       </c:lineChart>
       <c:catAx>
-        <c:axId val="551978015"/>
+        <c:axId val="1630435104"/>
         <c:scaling>
           <c:orientation val="minMax"/>
         </c:scaling>
@@ -2038,7 +2029,7 @@
             <a:endParaRPr lang="en-US"/>
           </a:p>
         </c:txPr>
-        <c:crossAx val="551978847"/>
+        <c:crossAx val="1630438848"/>
         <c:crosses val="autoZero"/>
         <c:auto val="1"/>
         <c:lblAlgn val="ctr"/>
@@ -2047,7 +2038,7 @@
         <c:noMultiLvlLbl val="0"/>
       </c:catAx>
       <c:valAx>
-        <c:axId val="551978847"/>
+        <c:axId val="1630438848"/>
         <c:scaling>
           <c:orientation val="minMax"/>
         </c:scaling>
@@ -2085,7 +2076,7 @@
                 </a:pPr>
                 <a:r>
                   <a:rPr lang="en-US"/>
-                  <a:t>Adults with CKD Stages 3-5 and ICD-9 or 10 code (%)</a:t>
+                  <a:t>CKD (%)</a:t>
                 </a:r>
               </a:p>
             </c:rich>
@@ -2116,7 +2107,7 @@
             </a:p>
           </c:txPr>
         </c:title>
-        <c:numFmt formatCode="0" sourceLinked="0"/>
+        <c:numFmt formatCode="General" sourceLinked="1"/>
         <c:majorTickMark val="none"/>
         <c:minorTickMark val="none"/>
         <c:tickLblPos val="nextTo"/>
@@ -2144,9 +2135,9 @@
             <a:endParaRPr lang="en-US"/>
           </a:p>
         </c:txPr>
-        <c:crossAx val="551978015"/>
-        <c:crosses val="autoZero"/>
-        <c:crossBetween val="between"/>
+        <c:crossAx val="1630435104"/>
+        <c:crossesAt val="1"/>
+        <c:crossBetween val="midCat"/>
       </c:valAx>
       <c:spPr>
         <a:noFill/>
@@ -2238,7 +2229,17 @@
   <c:chart>
     <c:autoTitleDeleted val="1"/>
     <c:plotArea>
-      <c:layout/>
+      <c:layout>
+        <c:manualLayout>
+          <c:layoutTarget val="inner"/>
+          <c:xMode val="edge"/>
+          <c:yMode val="edge"/>
+          <c:x val="9.247130358705162E-2"/>
+          <c:y val="0.10735411198600175"/>
+          <c:w val="0.87641758530183722"/>
+          <c:h val="0.68978390201224848"/>
+        </c:manualLayout>
+      </c:layout>
       <c:lineChart>
         <c:grouping val="standard"/>
         <c:varyColors val="0"/>
@@ -2251,7 +2252,7 @@
               <c:strCache>
                 <c:ptCount val="1"/>
                 <c:pt idx="0">
-                  <c:v>Overall</c:v>
+                  <c:v>Male</c:v>
                 </c:pt>
               </c:strCache>
             </c:strRef>
@@ -2259,11 +2260,8 @@
           <c:spPr>
             <a:ln w="44450" cap="rnd">
               <a:solidFill>
-                <a:schemeClr val="tx1">
-                  <a:alpha val="95000"/>
-                </a:schemeClr>
+                <a:schemeClr val="accent1"/>
               </a:solidFill>
-              <a:prstDash val="sysDash"/>
               <a:round/>
             </a:ln>
             <a:effectLst/>
@@ -2273,11 +2271,11 @@
             <c:size val="5"/>
             <c:spPr>
               <a:solidFill>
-                <a:schemeClr val="tx1"/>
+                <a:schemeClr val="accent1"/>
               </a:solidFill>
               <a:ln w="9525">
                 <a:solidFill>
-                  <a:schemeClr val="tx1"/>
+                  <a:schemeClr val="accent1"/>
                 </a:solidFill>
               </a:ln>
               <a:effectLst/>
@@ -2341,52 +2339,52 @@
             <c:numRef>
               <c:f>Sex!$B$2:$B$16</c:f>
               <c:numCache>
-                <c:formatCode>0.0</c:formatCode>
+                <c:formatCode>General</c:formatCode>
                 <c:ptCount val="15"/>
                 <c:pt idx="0">
-                  <c:v>31.92</c:v>
+                  <c:v>6.46</c:v>
                 </c:pt>
                 <c:pt idx="1">
-                  <c:v>33.619999999999997</c:v>
+                  <c:v>6.12</c:v>
                 </c:pt>
                 <c:pt idx="2">
-                  <c:v>36.68</c:v>
+                  <c:v>5.19</c:v>
                 </c:pt>
                 <c:pt idx="3">
-                  <c:v>37.28</c:v>
+                  <c:v>5.29</c:v>
                 </c:pt>
                 <c:pt idx="4">
-                  <c:v>38.19</c:v>
+                  <c:v>5.14</c:v>
                 </c:pt>
                 <c:pt idx="5">
-                  <c:v>38.57</c:v>
+                  <c:v>5.19</c:v>
                 </c:pt>
                 <c:pt idx="6">
-                  <c:v>39.729999999999997</c:v>
+                  <c:v>5.0999999999999996</c:v>
                 </c:pt>
                 <c:pt idx="7">
-                  <c:v>31.7</c:v>
+                  <c:v>5.43</c:v>
                 </c:pt>
                 <c:pt idx="8">
-                  <c:v>31.95</c:v>
+                  <c:v>5.79</c:v>
                 </c:pt>
                 <c:pt idx="9">
-                  <c:v>32.22</c:v>
+                  <c:v>5.77</c:v>
                 </c:pt>
                 <c:pt idx="10">
-                  <c:v>32.020000000000003</c:v>
+                  <c:v>5.76</c:v>
                 </c:pt>
                 <c:pt idx="11">
-                  <c:v>30.05</c:v>
+                  <c:v>6.13</c:v>
                 </c:pt>
                 <c:pt idx="12">
-                  <c:v>36.04</c:v>
+                  <c:v>5.58</c:v>
                 </c:pt>
                 <c:pt idx="13">
-                  <c:v>35.340000000000003</c:v>
+                  <c:v>5.24</c:v>
                 </c:pt>
                 <c:pt idx="14">
-                  <c:v>35.15</c:v>
+                  <c:v>4.9400000000000004</c:v>
                 </c:pt>
               </c:numCache>
             </c:numRef>
@@ -2394,7 +2392,7 @@
           <c:smooth val="0"/>
           <c:extLst>
             <c:ext xmlns:c16="http://schemas.microsoft.com/office/drawing/2014/chart" uri="{C3380CC4-5D6E-409C-BE32-E72D297353CC}">
-              <c16:uniqueId val="{00000000-3E9C-45DA-BB1A-9CB2F7D97A11}"/>
+              <c16:uniqueId val="{00000000-7D6E-4508-8C18-8F0EFA0772A5}"/>
             </c:ext>
           </c:extLst>
         </c:ser>
@@ -2407,7 +2405,7 @@
               <c:strCache>
                 <c:ptCount val="1"/>
                 <c:pt idx="0">
-                  <c:v>Male</c:v>
+                  <c:v>Female</c:v>
                 </c:pt>
               </c:strCache>
             </c:strRef>
@@ -2494,52 +2492,52 @@
             <c:numRef>
               <c:f>Sex!$C$2:$C$16</c:f>
               <c:numCache>
-                <c:formatCode>0.0</c:formatCode>
+                <c:formatCode>General</c:formatCode>
                 <c:ptCount val="15"/>
                 <c:pt idx="0">
-                  <c:v>37.270000000000003</c:v>
+                  <c:v>6.24</c:v>
                 </c:pt>
                 <c:pt idx="1">
-                  <c:v>38.700000000000003</c:v>
+                  <c:v>5.87</c:v>
                 </c:pt>
                 <c:pt idx="2">
-                  <c:v>42.03</c:v>
+                  <c:v>5.38</c:v>
                 </c:pt>
                 <c:pt idx="3">
-                  <c:v>42.31</c:v>
+                  <c:v>5.32</c:v>
                 </c:pt>
                 <c:pt idx="4">
-                  <c:v>42.86</c:v>
+                  <c:v>4.99</c:v>
                 </c:pt>
                 <c:pt idx="5">
-                  <c:v>43.2</c:v>
+                  <c:v>4.87</c:v>
                 </c:pt>
                 <c:pt idx="6">
-                  <c:v>44.51</c:v>
+                  <c:v>4.72</c:v>
                 </c:pt>
                 <c:pt idx="7">
-                  <c:v>36.049999999999997</c:v>
+                  <c:v>4.76</c:v>
                 </c:pt>
                 <c:pt idx="8">
-                  <c:v>36.47</c:v>
+                  <c:v>5.14</c:v>
                 </c:pt>
                 <c:pt idx="9">
-                  <c:v>36.19</c:v>
+                  <c:v>5.14</c:v>
                 </c:pt>
                 <c:pt idx="10">
-                  <c:v>35.56</c:v>
+                  <c:v>5.15</c:v>
                 </c:pt>
                 <c:pt idx="11">
-                  <c:v>33.9</c:v>
+                  <c:v>5.64</c:v>
                 </c:pt>
                 <c:pt idx="12">
-                  <c:v>40.090000000000003</c:v>
+                  <c:v>5.16</c:v>
                 </c:pt>
                 <c:pt idx="13">
-                  <c:v>38.590000000000003</c:v>
+                  <c:v>5.03</c:v>
                 </c:pt>
                 <c:pt idx="14">
-                  <c:v>37.71</c:v>
+                  <c:v>4.75</c:v>
                 </c:pt>
               </c:numCache>
             </c:numRef>
@@ -2547,7 +2545,7 @@
           <c:smooth val="0"/>
           <c:extLst>
             <c:ext xmlns:c16="http://schemas.microsoft.com/office/drawing/2014/chart" uri="{C3380CC4-5D6E-409C-BE32-E72D297353CC}">
-              <c16:uniqueId val="{00000001-3E9C-45DA-BB1A-9CB2F7D97A11}"/>
+              <c16:uniqueId val="{00000001-7D6E-4508-8C18-8F0EFA0772A5}"/>
             </c:ext>
           </c:extLst>
         </c:ser>
@@ -2560,7 +2558,7 @@
               <c:strCache>
                 <c:ptCount val="1"/>
                 <c:pt idx="0">
-                  <c:v>Female</c:v>
+                  <c:v>Overall</c:v>
                 </c:pt>
               </c:strCache>
             </c:strRef>
@@ -2568,8 +2566,9 @@
           <c:spPr>
             <a:ln w="44450" cap="rnd">
               <a:solidFill>
-                <a:schemeClr val="accent3"/>
+                <a:schemeClr val="tx1"/>
               </a:solidFill>
+              <a:prstDash val="sysDash"/>
               <a:round/>
             </a:ln>
             <a:effectLst/>
@@ -2579,11 +2578,11 @@
             <c:size val="5"/>
             <c:spPr>
               <a:solidFill>
-                <a:schemeClr val="accent3"/>
+                <a:schemeClr val="tx1"/>
               </a:solidFill>
               <a:ln w="9525">
                 <a:solidFill>
-                  <a:schemeClr val="accent3"/>
+                  <a:schemeClr val="tx1"/>
                 </a:solidFill>
               </a:ln>
               <a:effectLst/>
@@ -2647,52 +2646,52 @@
             <c:numRef>
               <c:f>Sex!$D$2:$D$16</c:f>
               <c:numCache>
-                <c:formatCode>0.0</c:formatCode>
+                <c:formatCode>General</c:formatCode>
                 <c:ptCount val="15"/>
                 <c:pt idx="0">
-                  <c:v>26.97</c:v>
+                  <c:v>6.35</c:v>
                 </c:pt>
                 <c:pt idx="1">
-                  <c:v>28.77</c:v>
+                  <c:v>5.99</c:v>
                 </c:pt>
                 <c:pt idx="2">
-                  <c:v>31.56</c:v>
+                  <c:v>5.29</c:v>
                 </c:pt>
                 <c:pt idx="3">
-                  <c:v>32.39</c:v>
+                  <c:v>5.31</c:v>
                 </c:pt>
                 <c:pt idx="4">
-                  <c:v>33.5</c:v>
+                  <c:v>5.0599999999999996</c:v>
                 </c:pt>
                 <c:pt idx="5">
-                  <c:v>33.79</c:v>
+                  <c:v>5.03</c:v>
                 </c:pt>
                 <c:pt idx="6">
-                  <c:v>34.75</c:v>
+                  <c:v>4.91</c:v>
                 </c:pt>
                 <c:pt idx="7">
-                  <c:v>27.05</c:v>
+                  <c:v>5.09</c:v>
                 </c:pt>
                 <c:pt idx="8">
-                  <c:v>27.14</c:v>
+                  <c:v>5.46</c:v>
                 </c:pt>
                 <c:pt idx="9">
-                  <c:v>27.98</c:v>
+                  <c:v>5.45</c:v>
                 </c:pt>
                 <c:pt idx="10">
-                  <c:v>28.1</c:v>
+                  <c:v>5.45</c:v>
                 </c:pt>
                 <c:pt idx="11">
-                  <c:v>25.86</c:v>
+                  <c:v>5.89</c:v>
                 </c:pt>
                 <c:pt idx="12">
-                  <c:v>31.67</c:v>
+                  <c:v>5.37</c:v>
                 </c:pt>
                 <c:pt idx="13">
-                  <c:v>31.85</c:v>
+                  <c:v>5.14</c:v>
                 </c:pt>
                 <c:pt idx="14">
-                  <c:v>32.39</c:v>
+                  <c:v>4.84</c:v>
                 </c:pt>
               </c:numCache>
             </c:numRef>
@@ -2700,7 +2699,7 @@
           <c:smooth val="0"/>
           <c:extLst>
             <c:ext xmlns:c16="http://schemas.microsoft.com/office/drawing/2014/chart" uri="{C3380CC4-5D6E-409C-BE32-E72D297353CC}">
-              <c16:uniqueId val="{00000002-3E9C-45DA-BB1A-9CB2F7D97A11}"/>
+              <c16:uniqueId val="{00000002-7D6E-4508-8C18-8F0EFA0772A5}"/>
             </c:ext>
           </c:extLst>
         </c:ser>
@@ -2714,11 +2713,11 @@
         </c:dLbls>
         <c:marker val="1"/>
         <c:smooth val="0"/>
-        <c:axId val="541925695"/>
-        <c:axId val="541928191"/>
+        <c:axId val="498086592"/>
+        <c:axId val="498089088"/>
       </c:lineChart>
       <c:catAx>
-        <c:axId val="541925695"/>
+        <c:axId val="498086592"/>
         <c:scaling>
           <c:orientation val="minMax"/>
         </c:scaling>
@@ -2758,7 +2757,7 @@
             <a:endParaRPr lang="en-US"/>
           </a:p>
         </c:txPr>
-        <c:crossAx val="541928191"/>
+        <c:crossAx val="498089088"/>
         <c:crosses val="autoZero"/>
         <c:auto val="1"/>
         <c:lblAlgn val="ctr"/>
@@ -2767,9 +2766,10 @@
         <c:noMultiLvlLbl val="0"/>
       </c:catAx>
       <c:valAx>
-        <c:axId val="541928191"/>
+        <c:axId val="498089088"/>
         <c:scaling>
           <c:orientation val="minMax"/>
+          <c:max val="10"/>
         </c:scaling>
         <c:delete val="0"/>
         <c:axPos val="l"/>
@@ -2805,7 +2805,7 @@
                 </a:pPr>
                 <a:r>
                   <a:rPr lang="en-US"/>
-                  <a:t>Adults with CKD Stages 3-5 and ICD-9 or 10 code (%)</a:t>
+                  <a:t>CKD (%)</a:t>
                 </a:r>
               </a:p>
             </c:rich>
@@ -2864,7 +2864,7 @@
             <a:endParaRPr lang="en-US"/>
           </a:p>
         </c:txPr>
-        <c:crossAx val="541925695"/>
+        <c:crossAx val="498086592"/>
         <c:crosses val="autoZero"/>
         <c:crossBetween val="between"/>
       </c:valAx>
@@ -2967,7 +2967,313 @@
           <c:order val="0"/>
           <c:tx>
             <c:strRef>
-              <c:f>Sex!$B$22</c:f>
+              <c:f>Sex!$B$21</c:f>
+              <c:strCache>
+                <c:ptCount val="1"/>
+                <c:pt idx="0">
+                  <c:v>Male</c:v>
+                </c:pt>
+              </c:strCache>
+            </c:strRef>
+          </c:tx>
+          <c:spPr>
+            <a:ln w="44450" cap="rnd">
+              <a:solidFill>
+                <a:schemeClr val="accent1"/>
+              </a:solidFill>
+              <a:round/>
+            </a:ln>
+            <a:effectLst/>
+          </c:spPr>
+          <c:marker>
+            <c:symbol val="circle"/>
+            <c:size val="5"/>
+            <c:spPr>
+              <a:solidFill>
+                <a:schemeClr val="accent1"/>
+              </a:solidFill>
+              <a:ln w="9525">
+                <a:solidFill>
+                  <a:schemeClr val="accent1"/>
+                </a:solidFill>
+              </a:ln>
+              <a:effectLst/>
+            </c:spPr>
+          </c:marker>
+          <c:cat>
+            <c:numRef>
+              <c:f>Sex!$A$22:$A$36</c:f>
+              <c:numCache>
+                <c:formatCode>General</c:formatCode>
+                <c:ptCount val="15"/>
+                <c:pt idx="0">
+                  <c:v>2009</c:v>
+                </c:pt>
+                <c:pt idx="1">
+                  <c:v>2010</c:v>
+                </c:pt>
+                <c:pt idx="2">
+                  <c:v>2011</c:v>
+                </c:pt>
+                <c:pt idx="3">
+                  <c:v>2012</c:v>
+                </c:pt>
+                <c:pt idx="4">
+                  <c:v>2013</c:v>
+                </c:pt>
+                <c:pt idx="5">
+                  <c:v>2014</c:v>
+                </c:pt>
+                <c:pt idx="6">
+                  <c:v>2015</c:v>
+                </c:pt>
+                <c:pt idx="7">
+                  <c:v>2016</c:v>
+                </c:pt>
+                <c:pt idx="8">
+                  <c:v>2017</c:v>
+                </c:pt>
+                <c:pt idx="9">
+                  <c:v>2018</c:v>
+                </c:pt>
+                <c:pt idx="10">
+                  <c:v>2019</c:v>
+                </c:pt>
+                <c:pt idx="11">
+                  <c:v>2020</c:v>
+                </c:pt>
+                <c:pt idx="12">
+                  <c:v>2021</c:v>
+                </c:pt>
+                <c:pt idx="13">
+                  <c:v>2022</c:v>
+                </c:pt>
+                <c:pt idx="14">
+                  <c:v>2023</c:v>
+                </c:pt>
+              </c:numCache>
+            </c:numRef>
+          </c:cat>
+          <c:val>
+            <c:numRef>
+              <c:f>Sex!$B$22:$B$36</c:f>
+              <c:numCache>
+                <c:formatCode>0.00</c:formatCode>
+                <c:ptCount val="15"/>
+                <c:pt idx="0">
+                  <c:v>7.6828500000000002</c:v>
+                </c:pt>
+                <c:pt idx="1">
+                  <c:v>7.4261699999999999</c:v>
+                </c:pt>
+                <c:pt idx="2">
+                  <c:v>6.7838000000000003</c:v>
+                </c:pt>
+                <c:pt idx="3">
+                  <c:v>6.8992300000000002</c:v>
+                </c:pt>
+                <c:pt idx="4">
+                  <c:v>6.5240200000000002</c:v>
+                </c:pt>
+                <c:pt idx="5">
+                  <c:v>6.4065500000000002</c:v>
+                </c:pt>
+                <c:pt idx="6">
+                  <c:v>6.1879200000000001</c:v>
+                </c:pt>
+                <c:pt idx="7">
+                  <c:v>6.35</c:v>
+                </c:pt>
+                <c:pt idx="8">
+                  <c:v>6.61</c:v>
+                </c:pt>
+                <c:pt idx="9">
+                  <c:v>6.55</c:v>
+                </c:pt>
+                <c:pt idx="10">
+                  <c:v>6.69</c:v>
+                </c:pt>
+                <c:pt idx="11">
+                  <c:v>6.82</c:v>
+                </c:pt>
+                <c:pt idx="12">
+                  <c:v>6.35</c:v>
+                </c:pt>
+                <c:pt idx="13">
+                  <c:v>6.11</c:v>
+                </c:pt>
+                <c:pt idx="14">
+                  <c:v>5.8</c:v>
+                </c:pt>
+              </c:numCache>
+            </c:numRef>
+          </c:val>
+          <c:smooth val="0"/>
+          <c:extLst>
+            <c:ext xmlns:c16="http://schemas.microsoft.com/office/drawing/2014/chart" uri="{C3380CC4-5D6E-409C-BE32-E72D297353CC}">
+              <c16:uniqueId val="{00000000-FDC7-43A3-90B8-A93C02693B54}"/>
+            </c:ext>
+          </c:extLst>
+        </c:ser>
+        <c:ser>
+          <c:idx val="1"/>
+          <c:order val="1"/>
+          <c:tx>
+            <c:strRef>
+              <c:f>Sex!$C$21</c:f>
+              <c:strCache>
+                <c:ptCount val="1"/>
+                <c:pt idx="0">
+                  <c:v>Female</c:v>
+                </c:pt>
+              </c:strCache>
+            </c:strRef>
+          </c:tx>
+          <c:spPr>
+            <a:ln w="44450" cap="rnd">
+              <a:solidFill>
+                <a:schemeClr val="accent2"/>
+              </a:solidFill>
+              <a:round/>
+            </a:ln>
+            <a:effectLst/>
+          </c:spPr>
+          <c:marker>
+            <c:symbol val="circle"/>
+            <c:size val="5"/>
+            <c:spPr>
+              <a:solidFill>
+                <a:schemeClr val="accent2"/>
+              </a:solidFill>
+              <a:ln w="9525">
+                <a:solidFill>
+                  <a:schemeClr val="accent2"/>
+                </a:solidFill>
+              </a:ln>
+              <a:effectLst/>
+            </c:spPr>
+          </c:marker>
+          <c:cat>
+            <c:numRef>
+              <c:f>Sex!$A$22:$A$36</c:f>
+              <c:numCache>
+                <c:formatCode>General</c:formatCode>
+                <c:ptCount val="15"/>
+                <c:pt idx="0">
+                  <c:v>2009</c:v>
+                </c:pt>
+                <c:pt idx="1">
+                  <c:v>2010</c:v>
+                </c:pt>
+                <c:pt idx="2">
+                  <c:v>2011</c:v>
+                </c:pt>
+                <c:pt idx="3">
+                  <c:v>2012</c:v>
+                </c:pt>
+                <c:pt idx="4">
+                  <c:v>2013</c:v>
+                </c:pt>
+                <c:pt idx="5">
+                  <c:v>2014</c:v>
+                </c:pt>
+                <c:pt idx="6">
+                  <c:v>2015</c:v>
+                </c:pt>
+                <c:pt idx="7">
+                  <c:v>2016</c:v>
+                </c:pt>
+                <c:pt idx="8">
+                  <c:v>2017</c:v>
+                </c:pt>
+                <c:pt idx="9">
+                  <c:v>2018</c:v>
+                </c:pt>
+                <c:pt idx="10">
+                  <c:v>2019</c:v>
+                </c:pt>
+                <c:pt idx="11">
+                  <c:v>2020</c:v>
+                </c:pt>
+                <c:pt idx="12">
+                  <c:v>2021</c:v>
+                </c:pt>
+                <c:pt idx="13">
+                  <c:v>2022</c:v>
+                </c:pt>
+                <c:pt idx="14">
+                  <c:v>2023</c:v>
+                </c:pt>
+              </c:numCache>
+            </c:numRef>
+          </c:cat>
+          <c:val>
+            <c:numRef>
+              <c:f>Sex!$C$22:$C$36</c:f>
+              <c:numCache>
+                <c:formatCode>0.00</c:formatCode>
+                <c:ptCount val="15"/>
+                <c:pt idx="0">
+                  <c:v>8.2664500000000007</c:v>
+                </c:pt>
+                <c:pt idx="1">
+                  <c:v>7.83413</c:v>
+                </c:pt>
+                <c:pt idx="2">
+                  <c:v>7.2176600000000004</c:v>
+                </c:pt>
+                <c:pt idx="3">
+                  <c:v>7.1690800000000001</c:v>
+                </c:pt>
+                <c:pt idx="4">
+                  <c:v>6.60121</c:v>
+                </c:pt>
+                <c:pt idx="5">
+                  <c:v>6.2947100000000002</c:v>
+                </c:pt>
+                <c:pt idx="6">
+                  <c:v>5.9933399999999999</c:v>
+                </c:pt>
+                <c:pt idx="7">
+                  <c:v>6.02</c:v>
+                </c:pt>
+                <c:pt idx="8">
+                  <c:v>6.3</c:v>
+                </c:pt>
+                <c:pt idx="9">
+                  <c:v>6.23</c:v>
+                </c:pt>
+                <c:pt idx="10">
+                  <c:v>6.22</c:v>
+                </c:pt>
+                <c:pt idx="11">
+                  <c:v>6.44</c:v>
+                </c:pt>
+                <c:pt idx="12">
+                  <c:v>5.95</c:v>
+                </c:pt>
+                <c:pt idx="13">
+                  <c:v>5.7</c:v>
+                </c:pt>
+                <c:pt idx="14">
+                  <c:v>5.35</c:v>
+                </c:pt>
+              </c:numCache>
+            </c:numRef>
+          </c:val>
+          <c:smooth val="0"/>
+          <c:extLst>
+            <c:ext xmlns:c16="http://schemas.microsoft.com/office/drawing/2014/chart" uri="{C3380CC4-5D6E-409C-BE32-E72D297353CC}">
+              <c16:uniqueId val="{00000001-FDC7-43A3-90B8-A93C02693B54}"/>
+            </c:ext>
+          </c:extLst>
+        </c:ser>
+        <c:ser>
+          <c:idx val="2"/>
+          <c:order val="2"/>
+          <c:tx>
+            <c:strRef>
+              <c:f>Sex!$D$21</c:f>
               <c:strCache>
                 <c:ptCount val="1"/>
                 <c:pt idx="0">
@@ -3003,7 +3309,7 @@
           </c:marker>
           <c:cat>
             <c:numRef>
-              <c:f>Sex!$A$23:$A$37</c:f>
+              <c:f>Sex!$A$22:$A$36</c:f>
               <c:numCache>
                 <c:formatCode>General</c:formatCode>
                 <c:ptCount val="15"/>
@@ -3057,54 +3363,54 @@
           </c:cat>
           <c:val>
             <c:numRef>
-              <c:f>Sex!$B$23:$B$37</c:f>
+              <c:f>Sex!$D$22:$D$36</c:f>
               <c:numCache>
-                <c:formatCode>0.0</c:formatCode>
+                <c:formatCode>0.00</c:formatCode>
                 <c:ptCount val="15"/>
                 <c:pt idx="0">
-                  <c:v>29.73</c:v>
+                  <c:v>7.97</c:v>
                 </c:pt>
                 <c:pt idx="1">
-                  <c:v>31.65</c:v>
+                  <c:v>7.62</c:v>
                 </c:pt>
                 <c:pt idx="2">
-                  <c:v>34.69</c:v>
+                  <c:v>7</c:v>
                 </c:pt>
                 <c:pt idx="3">
-                  <c:v>35.270000000000003</c:v>
+                  <c:v>7.02</c:v>
                 </c:pt>
                 <c:pt idx="4">
-                  <c:v>36.46</c:v>
+                  <c:v>6.56</c:v>
                 </c:pt>
                 <c:pt idx="5">
-                  <c:v>36.6</c:v>
+                  <c:v>6.36</c:v>
                 </c:pt>
                 <c:pt idx="6">
-                  <c:v>37.76</c:v>
+                  <c:v>6.09</c:v>
                 </c:pt>
                 <c:pt idx="7">
-                  <c:v>30.07</c:v>
+                  <c:v>6.19</c:v>
                 </c:pt>
                 <c:pt idx="8">
-                  <c:v>30.18</c:v>
+                  <c:v>6.45</c:v>
                 </c:pt>
                 <c:pt idx="9">
-                  <c:v>29.59</c:v>
+                  <c:v>6.39</c:v>
                 </c:pt>
                 <c:pt idx="10">
-                  <c:v>28.53</c:v>
+                  <c:v>6.46</c:v>
                 </c:pt>
                 <c:pt idx="11">
-                  <c:v>28.51</c:v>
+                  <c:v>6.63</c:v>
                 </c:pt>
                 <c:pt idx="12">
-                  <c:v>32.14</c:v>
+                  <c:v>6.16</c:v>
                 </c:pt>
                 <c:pt idx="13">
-                  <c:v>31.62</c:v>
+                  <c:v>5.91</c:v>
                 </c:pt>
                 <c:pt idx="14">
-                  <c:v>30.73</c:v>
+                  <c:v>5.58</c:v>
                 </c:pt>
               </c:numCache>
             </c:numRef>
@@ -3112,313 +3418,7 @@
           <c:smooth val="0"/>
           <c:extLst>
             <c:ext xmlns:c16="http://schemas.microsoft.com/office/drawing/2014/chart" uri="{C3380CC4-5D6E-409C-BE32-E72D297353CC}">
-              <c16:uniqueId val="{00000000-5C14-474F-B8B4-930C0C32DCB3}"/>
-            </c:ext>
-          </c:extLst>
-        </c:ser>
-        <c:ser>
-          <c:idx val="1"/>
-          <c:order val="1"/>
-          <c:tx>
-            <c:strRef>
-              <c:f>Sex!$C$22</c:f>
-              <c:strCache>
-                <c:ptCount val="1"/>
-                <c:pt idx="0">
-                  <c:v>Male</c:v>
-                </c:pt>
-              </c:strCache>
-            </c:strRef>
-          </c:tx>
-          <c:spPr>
-            <a:ln w="44450" cap="rnd">
-              <a:solidFill>
-                <a:schemeClr val="accent2"/>
-              </a:solidFill>
-              <a:round/>
-            </a:ln>
-            <a:effectLst/>
-          </c:spPr>
-          <c:marker>
-            <c:symbol val="circle"/>
-            <c:size val="5"/>
-            <c:spPr>
-              <a:solidFill>
-                <a:schemeClr val="accent2"/>
-              </a:solidFill>
-              <a:ln w="9525">
-                <a:solidFill>
-                  <a:schemeClr val="accent2"/>
-                </a:solidFill>
-              </a:ln>
-              <a:effectLst/>
-            </c:spPr>
-          </c:marker>
-          <c:cat>
-            <c:numRef>
-              <c:f>Sex!$A$23:$A$37</c:f>
-              <c:numCache>
-                <c:formatCode>General</c:formatCode>
-                <c:ptCount val="15"/>
-                <c:pt idx="0">
-                  <c:v>2009</c:v>
-                </c:pt>
-                <c:pt idx="1">
-                  <c:v>2010</c:v>
-                </c:pt>
-                <c:pt idx="2">
-                  <c:v>2011</c:v>
-                </c:pt>
-                <c:pt idx="3">
-                  <c:v>2012</c:v>
-                </c:pt>
-                <c:pt idx="4">
-                  <c:v>2013</c:v>
-                </c:pt>
-                <c:pt idx="5">
-                  <c:v>2014</c:v>
-                </c:pt>
-                <c:pt idx="6">
-                  <c:v>2015</c:v>
-                </c:pt>
-                <c:pt idx="7">
-                  <c:v>2016</c:v>
-                </c:pt>
-                <c:pt idx="8">
-                  <c:v>2017</c:v>
-                </c:pt>
-                <c:pt idx="9">
-                  <c:v>2018</c:v>
-                </c:pt>
-                <c:pt idx="10">
-                  <c:v>2019</c:v>
-                </c:pt>
-                <c:pt idx="11">
-                  <c:v>2020</c:v>
-                </c:pt>
-                <c:pt idx="12">
-                  <c:v>2021</c:v>
-                </c:pt>
-                <c:pt idx="13">
-                  <c:v>2022</c:v>
-                </c:pt>
-                <c:pt idx="14">
-                  <c:v>2023</c:v>
-                </c:pt>
-              </c:numCache>
-            </c:numRef>
-          </c:cat>
-          <c:val>
-            <c:numRef>
-              <c:f>Sex!$C$23:$C$37</c:f>
-              <c:numCache>
-                <c:formatCode>0.0</c:formatCode>
-                <c:ptCount val="15"/>
-                <c:pt idx="0">
-                  <c:v>32.201799999999999</c:v>
-                </c:pt>
-                <c:pt idx="1">
-                  <c:v>33.734299999999998</c:v>
-                </c:pt>
-                <c:pt idx="2">
-                  <c:v>36.997399999999999</c:v>
-                </c:pt>
-                <c:pt idx="3">
-                  <c:v>37.340800000000002</c:v>
-                </c:pt>
-                <c:pt idx="4">
-                  <c:v>37.836300000000001</c:v>
-                </c:pt>
-                <c:pt idx="5">
-                  <c:v>37.292499999999997</c:v>
-                </c:pt>
-                <c:pt idx="6">
-                  <c:v>38.416600000000003</c:v>
-                </c:pt>
-                <c:pt idx="7">
-                  <c:v>31.25</c:v>
-                </c:pt>
-                <c:pt idx="8">
-                  <c:v>30.77</c:v>
-                </c:pt>
-                <c:pt idx="9">
-                  <c:v>29.66</c:v>
-                </c:pt>
-                <c:pt idx="10">
-                  <c:v>28.51</c:v>
-                </c:pt>
-                <c:pt idx="11">
-                  <c:v>28.3</c:v>
-                </c:pt>
-                <c:pt idx="12">
-                  <c:v>32.17</c:v>
-                </c:pt>
-                <c:pt idx="13">
-                  <c:v>31.05</c:v>
-                </c:pt>
-                <c:pt idx="14">
-                  <c:v>30.25</c:v>
-                </c:pt>
-              </c:numCache>
-            </c:numRef>
-          </c:val>
-          <c:smooth val="0"/>
-          <c:extLst>
-            <c:ext xmlns:c16="http://schemas.microsoft.com/office/drawing/2014/chart" uri="{C3380CC4-5D6E-409C-BE32-E72D297353CC}">
-              <c16:uniqueId val="{00000001-5C14-474F-B8B4-930C0C32DCB3}"/>
-            </c:ext>
-          </c:extLst>
-        </c:ser>
-        <c:ser>
-          <c:idx val="2"/>
-          <c:order val="2"/>
-          <c:tx>
-            <c:strRef>
-              <c:f>Sex!$D$22</c:f>
-              <c:strCache>
-                <c:ptCount val="1"/>
-                <c:pt idx="0">
-                  <c:v>Female</c:v>
-                </c:pt>
-              </c:strCache>
-            </c:strRef>
-          </c:tx>
-          <c:spPr>
-            <a:ln w="44450" cap="rnd">
-              <a:solidFill>
-                <a:schemeClr val="accent3"/>
-              </a:solidFill>
-              <a:round/>
-            </a:ln>
-            <a:effectLst/>
-          </c:spPr>
-          <c:marker>
-            <c:symbol val="circle"/>
-            <c:size val="5"/>
-            <c:spPr>
-              <a:solidFill>
-                <a:schemeClr val="accent3"/>
-              </a:solidFill>
-              <a:ln w="9525">
-                <a:solidFill>
-                  <a:schemeClr val="accent3"/>
-                </a:solidFill>
-              </a:ln>
-              <a:effectLst/>
-            </c:spPr>
-          </c:marker>
-          <c:cat>
-            <c:numRef>
-              <c:f>Sex!$A$23:$A$37</c:f>
-              <c:numCache>
-                <c:formatCode>General</c:formatCode>
-                <c:ptCount val="15"/>
-                <c:pt idx="0">
-                  <c:v>2009</c:v>
-                </c:pt>
-                <c:pt idx="1">
-                  <c:v>2010</c:v>
-                </c:pt>
-                <c:pt idx="2">
-                  <c:v>2011</c:v>
-                </c:pt>
-                <c:pt idx="3">
-                  <c:v>2012</c:v>
-                </c:pt>
-                <c:pt idx="4">
-                  <c:v>2013</c:v>
-                </c:pt>
-                <c:pt idx="5">
-                  <c:v>2014</c:v>
-                </c:pt>
-                <c:pt idx="6">
-                  <c:v>2015</c:v>
-                </c:pt>
-                <c:pt idx="7">
-                  <c:v>2016</c:v>
-                </c:pt>
-                <c:pt idx="8">
-                  <c:v>2017</c:v>
-                </c:pt>
-                <c:pt idx="9">
-                  <c:v>2018</c:v>
-                </c:pt>
-                <c:pt idx="10">
-                  <c:v>2019</c:v>
-                </c:pt>
-                <c:pt idx="11">
-                  <c:v>2020</c:v>
-                </c:pt>
-                <c:pt idx="12">
-                  <c:v>2021</c:v>
-                </c:pt>
-                <c:pt idx="13">
-                  <c:v>2022</c:v>
-                </c:pt>
-                <c:pt idx="14">
-                  <c:v>2023</c:v>
-                </c:pt>
-              </c:numCache>
-            </c:numRef>
-          </c:cat>
-          <c:val>
-            <c:numRef>
-              <c:f>Sex!$D$23:$D$37</c:f>
-              <c:numCache>
-                <c:formatCode>0.0</c:formatCode>
-                <c:ptCount val="15"/>
-                <c:pt idx="0">
-                  <c:v>27.5535</c:v>
-                </c:pt>
-                <c:pt idx="1">
-                  <c:v>29.956099999999999</c:v>
-                </c:pt>
-                <c:pt idx="2">
-                  <c:v>32.755299999999998</c:v>
-                </c:pt>
-                <c:pt idx="3">
-                  <c:v>33.5563</c:v>
-                </c:pt>
-                <c:pt idx="4">
-                  <c:v>35.301200000000001</c:v>
-                </c:pt>
-                <c:pt idx="5">
-                  <c:v>36.331600000000002</c:v>
-                </c:pt>
-                <c:pt idx="6">
-                  <c:v>37.752699999999997</c:v>
-                </c:pt>
-                <c:pt idx="7">
-                  <c:v>29.32</c:v>
-                </c:pt>
-                <c:pt idx="8">
-                  <c:v>30.53</c:v>
-                </c:pt>
-                <c:pt idx="9">
-                  <c:v>30.17</c:v>
-                </c:pt>
-                <c:pt idx="10">
-                  <c:v>29.75</c:v>
-                </c:pt>
-                <c:pt idx="11">
-                  <c:v>29.92</c:v>
-                </c:pt>
-                <c:pt idx="12">
-                  <c:v>33.4</c:v>
-                </c:pt>
-                <c:pt idx="13">
-                  <c:v>33.5</c:v>
-                </c:pt>
-                <c:pt idx="14">
-                  <c:v>32.590000000000003</c:v>
-                </c:pt>
-              </c:numCache>
-            </c:numRef>
-          </c:val>
-          <c:smooth val="0"/>
-          <c:extLst>
-            <c:ext xmlns:c16="http://schemas.microsoft.com/office/drawing/2014/chart" uri="{C3380CC4-5D6E-409C-BE32-E72D297353CC}">
-              <c16:uniqueId val="{00000002-5C14-474F-B8B4-930C0C32DCB3}"/>
+              <c16:uniqueId val="{00000002-FDC7-43A3-90B8-A93C02693B54}"/>
             </c:ext>
           </c:extLst>
         </c:ser>
@@ -3432,11 +3432,11 @@
         </c:dLbls>
         <c:marker val="1"/>
         <c:smooth val="0"/>
-        <c:axId val="590515887"/>
-        <c:axId val="590516719"/>
+        <c:axId val="492715488"/>
+        <c:axId val="492717568"/>
       </c:lineChart>
       <c:catAx>
-        <c:axId val="590515887"/>
+        <c:axId val="492715488"/>
         <c:scaling>
           <c:orientation val="minMax"/>
         </c:scaling>
@@ -3476,19 +3476,20 @@
             <a:endParaRPr lang="en-US"/>
           </a:p>
         </c:txPr>
-        <c:crossAx val="590516719"/>
+        <c:crossAx val="492717568"/>
         <c:crosses val="autoZero"/>
         <c:auto val="1"/>
         <c:lblAlgn val="ctr"/>
         <c:lblOffset val="100"/>
         <c:tickLblSkip val="2"/>
+        <c:tickMarkSkip val="1"/>
         <c:noMultiLvlLbl val="0"/>
       </c:catAx>
       <c:valAx>
-        <c:axId val="590516719"/>
+        <c:axId val="492717568"/>
         <c:scaling>
           <c:orientation val="minMax"/>
-          <c:max val="50"/>
+          <c:max val="10"/>
         </c:scaling>
         <c:delete val="0"/>
         <c:axPos val="l"/>
@@ -3524,7 +3525,7 @@
                 </a:pPr>
                 <a:r>
                   <a:rPr lang="en-US"/>
-                  <a:t>Adults with CKD Stages 3-5 and ICD-9 or 10 code (%)</a:t>
+                  <a:t>CKD (%)</a:t>
                 </a:r>
               </a:p>
             </c:rich>
@@ -3583,8 +3584,8 @@
             <a:endParaRPr lang="en-US"/>
           </a:p>
         </c:txPr>
-        <c:crossAx val="590515887"/>
-        <c:crosses val="autoZero"/>
+        <c:crossAx val="492715488"/>
+        <c:crossesAt val="1"/>
         <c:crossBetween val="between"/>
       </c:valAx>
       <c:spPr>
@@ -3682,10 +3683,10 @@
           <c:layoutTarget val="inner"/>
           <c:xMode val="edge"/>
           <c:yMode val="edge"/>
-          <c:x val="0.11691224846894137"/>
-          <c:y val="7.7972709551656916E-2"/>
-          <c:w val="0.88308775153105856"/>
-          <c:h val="0.47675984251968506"/>
+          <c:x val="0.10154356955380578"/>
+          <c:y val="6.0131889763779527E-2"/>
+          <c:w val="0.88623420822397203"/>
+          <c:h val="0.53282239720034996"/>
         </c:manualLayout>
       </c:layout>
       <c:lineChart>
@@ -3700,17 +3701,16 @@
               <c:strCache>
                 <c:ptCount val="1"/>
                 <c:pt idx="0">
-                  <c:v>Overall</c:v>
+                  <c:v>White</c:v>
                 </c:pt>
               </c:strCache>
             </c:strRef>
           </c:tx>
           <c:spPr>
-            <a:ln w="28575" cap="rnd">
+            <a:ln w="44450" cap="rnd">
               <a:solidFill>
-                <a:schemeClr val="tx1"/>
+                <a:schemeClr val="accent1"/>
               </a:solidFill>
-              <a:prstDash val="sysDash"/>
               <a:round/>
             </a:ln>
             <a:effectLst/>
@@ -3720,11 +3720,11 @@
             <c:size val="5"/>
             <c:spPr>
               <a:solidFill>
-                <a:schemeClr val="tx1"/>
+                <a:schemeClr val="accent1"/>
               </a:solidFill>
               <a:ln w="9525">
                 <a:solidFill>
-                  <a:schemeClr val="tx1"/>
+                  <a:schemeClr val="accent1"/>
                 </a:solidFill>
               </a:ln>
               <a:effectLst/>
@@ -3788,52 +3788,52 @@
             <c:numRef>
               <c:f>Race!$B$2:$B$16</c:f>
               <c:numCache>
-                <c:formatCode>0.0</c:formatCode>
+                <c:formatCode>General</c:formatCode>
                 <c:ptCount val="15"/>
                 <c:pt idx="0">
-                  <c:v>31.92</c:v>
+                  <c:v>2.63</c:v>
                 </c:pt>
                 <c:pt idx="1">
-                  <c:v>33.619999999999997</c:v>
+                  <c:v>2.5499999999999998</c:v>
                 </c:pt>
                 <c:pt idx="2">
-                  <c:v>36.68</c:v>
+                  <c:v>2.14</c:v>
                 </c:pt>
                 <c:pt idx="3">
-                  <c:v>37.28</c:v>
+                  <c:v>2.2799999999999998</c:v>
                 </c:pt>
                 <c:pt idx="4">
-                  <c:v>38.19</c:v>
+                  <c:v>2.19</c:v>
                 </c:pt>
                 <c:pt idx="5">
-                  <c:v>38.57</c:v>
+                  <c:v>2.2599999999999998</c:v>
                 </c:pt>
                 <c:pt idx="6">
-                  <c:v>39.729999999999997</c:v>
+                  <c:v>2.23</c:v>
                 </c:pt>
                 <c:pt idx="7">
-                  <c:v>31.7</c:v>
+                  <c:v>3.58</c:v>
                 </c:pt>
                 <c:pt idx="8">
-                  <c:v>31.95</c:v>
+                  <c:v>3.98</c:v>
                 </c:pt>
                 <c:pt idx="9">
-                  <c:v>32.22</c:v>
+                  <c:v>4.08</c:v>
                 </c:pt>
                 <c:pt idx="10">
-                  <c:v>32.020000000000003</c:v>
+                  <c:v>4.1399999999999997</c:v>
                 </c:pt>
                 <c:pt idx="11">
-                  <c:v>30.05</c:v>
+                  <c:v>4.63</c:v>
                 </c:pt>
                 <c:pt idx="12">
-                  <c:v>36.04</c:v>
+                  <c:v>4.28</c:v>
                 </c:pt>
                 <c:pt idx="13">
-                  <c:v>35.340000000000003</c:v>
+                  <c:v>4.0599999999999996</c:v>
                 </c:pt>
                 <c:pt idx="14">
-                  <c:v>35.15</c:v>
+                  <c:v>3.85</c:v>
                 </c:pt>
               </c:numCache>
             </c:numRef>
@@ -3841,7 +3841,7 @@
           <c:smooth val="0"/>
           <c:extLst>
             <c:ext xmlns:c16="http://schemas.microsoft.com/office/drawing/2014/chart" uri="{C3380CC4-5D6E-409C-BE32-E72D297353CC}">
-              <c16:uniqueId val="{00000000-9889-49E1-BF65-3D5027098245}"/>
+              <c16:uniqueId val="{00000000-AFBC-4C9A-904A-724DDE23E402}"/>
             </c:ext>
           </c:extLst>
         </c:ser>
@@ -3854,13 +3854,13 @@
               <c:strCache>
                 <c:ptCount val="1"/>
                 <c:pt idx="0">
-                  <c:v>White</c:v>
+                  <c:v>Black</c:v>
                 </c:pt>
               </c:strCache>
             </c:strRef>
           </c:tx>
           <c:spPr>
-            <a:ln w="28575" cap="rnd">
+            <a:ln w="44450" cap="rnd">
               <a:solidFill>
                 <a:schemeClr val="accent2"/>
               </a:solidFill>
@@ -3944,49 +3944,49 @@
                 <c:formatCode>General</c:formatCode>
                 <c:ptCount val="15"/>
                 <c:pt idx="0">
-                  <c:v>31.2</c:v>
+                  <c:v>6.02</c:v>
                 </c:pt>
                 <c:pt idx="1">
-                  <c:v>32.36</c:v>
+                  <c:v>5.74</c:v>
                 </c:pt>
                 <c:pt idx="2">
-                  <c:v>36.18</c:v>
+                  <c:v>5.0599999999999996</c:v>
                 </c:pt>
                 <c:pt idx="3">
-                  <c:v>35.96</c:v>
+                  <c:v>5.2</c:v>
                 </c:pt>
                 <c:pt idx="4">
-                  <c:v>37.659999999999997</c:v>
+                  <c:v>5.29</c:v>
                 </c:pt>
                 <c:pt idx="5">
-                  <c:v>37.630000000000003</c:v>
+                  <c:v>5.47</c:v>
                 </c:pt>
                 <c:pt idx="6">
-                  <c:v>39.19</c:v>
+                  <c:v>5.6</c:v>
                 </c:pt>
                 <c:pt idx="7">
-                  <c:v>30.31</c:v>
+                  <c:v>7.04</c:v>
                 </c:pt>
                 <c:pt idx="8">
-                  <c:v>31.11</c:v>
+                  <c:v>7.66</c:v>
                 </c:pt>
                 <c:pt idx="9">
-                  <c:v>31.32</c:v>
+                  <c:v>8.01</c:v>
                 </c:pt>
                 <c:pt idx="10">
-                  <c:v>31.32</c:v>
+                  <c:v>8.33</c:v>
                 </c:pt>
                 <c:pt idx="11">
-                  <c:v>29.71</c:v>
+                  <c:v>8.98</c:v>
                 </c:pt>
                 <c:pt idx="12">
-                  <c:v>35.409999999999997</c:v>
+                  <c:v>8.4499999999999993</c:v>
                 </c:pt>
                 <c:pt idx="13">
-                  <c:v>34.92</c:v>
+                  <c:v>8.39</c:v>
                 </c:pt>
                 <c:pt idx="14">
-                  <c:v>34.44</c:v>
+                  <c:v>8.1300000000000008</c:v>
                 </c:pt>
               </c:numCache>
             </c:numRef>
@@ -3994,7 +3994,7 @@
           <c:smooth val="0"/>
           <c:extLst>
             <c:ext xmlns:c16="http://schemas.microsoft.com/office/drawing/2014/chart" uri="{C3380CC4-5D6E-409C-BE32-E72D297353CC}">
-              <c16:uniqueId val="{00000001-9889-49E1-BF65-3D5027098245}"/>
+              <c16:uniqueId val="{00000001-AFBC-4C9A-904A-724DDE23E402}"/>
             </c:ext>
           </c:extLst>
         </c:ser>
@@ -4007,13 +4007,13 @@
               <c:strCache>
                 <c:ptCount val="1"/>
                 <c:pt idx="0">
-                  <c:v>Black</c:v>
+                  <c:v>American Indian/Alaska Native</c:v>
                 </c:pt>
               </c:strCache>
             </c:strRef>
           </c:tx>
           <c:spPr>
-            <a:ln w="28575" cap="rnd">
+            <a:ln w="44450" cap="rnd">
               <a:solidFill>
                 <a:schemeClr val="accent3"/>
               </a:solidFill>
@@ -4097,49 +4097,49 @@
                 <c:formatCode>General</c:formatCode>
                 <c:ptCount val="15"/>
                 <c:pt idx="0">
-                  <c:v>30.27</c:v>
+                  <c:v>2.33</c:v>
                 </c:pt>
                 <c:pt idx="1">
-                  <c:v>32.58</c:v>
+                  <c:v>2.1800000000000002</c:v>
                 </c:pt>
                 <c:pt idx="2">
-                  <c:v>36.69</c:v>
+                  <c:v>1.89</c:v>
                 </c:pt>
                 <c:pt idx="3">
-                  <c:v>37.770000000000003</c:v>
+                  <c:v>1.9</c:v>
                 </c:pt>
                 <c:pt idx="4">
-                  <c:v>37.270000000000003</c:v>
+                  <c:v>1.62</c:v>
                 </c:pt>
                 <c:pt idx="5">
-                  <c:v>36.909999999999997</c:v>
+                  <c:v>1.95</c:v>
                 </c:pt>
                 <c:pt idx="6">
-                  <c:v>38.200000000000003</c:v>
+                  <c:v>2.11</c:v>
                 </c:pt>
                 <c:pt idx="7">
-                  <c:v>31.62</c:v>
+                  <c:v>2.27</c:v>
                 </c:pt>
                 <c:pt idx="8">
-                  <c:v>31.2</c:v>
+                  <c:v>2.78</c:v>
                 </c:pt>
                 <c:pt idx="9">
-                  <c:v>31.43</c:v>
+                  <c:v>2.76</c:v>
                 </c:pt>
                 <c:pt idx="10">
-                  <c:v>31.2</c:v>
+                  <c:v>2.86</c:v>
                 </c:pt>
                 <c:pt idx="11">
-                  <c:v>29.66</c:v>
+                  <c:v>3.23</c:v>
                 </c:pt>
                 <c:pt idx="12">
-                  <c:v>35.96</c:v>
+                  <c:v>2.79</c:v>
                 </c:pt>
                 <c:pt idx="13">
-                  <c:v>34.68</c:v>
+                  <c:v>2.48</c:v>
                 </c:pt>
                 <c:pt idx="14">
-                  <c:v>35</c:v>
+                  <c:v>2.64</c:v>
                 </c:pt>
               </c:numCache>
             </c:numRef>
@@ -4147,7 +4147,7 @@
           <c:smooth val="0"/>
           <c:extLst>
             <c:ext xmlns:c16="http://schemas.microsoft.com/office/drawing/2014/chart" uri="{C3380CC4-5D6E-409C-BE32-E72D297353CC}">
-              <c16:uniqueId val="{00000002-9889-49E1-BF65-3D5027098245}"/>
+              <c16:uniqueId val="{00000002-AFBC-4C9A-904A-724DDE23E402}"/>
             </c:ext>
           </c:extLst>
         </c:ser>
@@ -4160,13 +4160,13 @@
               <c:strCache>
                 <c:ptCount val="1"/>
                 <c:pt idx="0">
-                  <c:v>Unknown</c:v>
+                  <c:v>Asian/Pacific Islander</c:v>
                 </c:pt>
               </c:strCache>
             </c:strRef>
           </c:tx>
           <c:spPr>
-            <a:ln w="28575" cap="rnd">
+            <a:ln w="44450" cap="rnd">
               <a:solidFill>
                 <a:schemeClr val="accent4"/>
               </a:solidFill>
@@ -4250,49 +4250,49 @@
                 <c:formatCode>General</c:formatCode>
                 <c:ptCount val="15"/>
                 <c:pt idx="0">
-                  <c:v>37.979999999999997</c:v>
+                  <c:v>1.94</c:v>
                 </c:pt>
                 <c:pt idx="1">
-                  <c:v>39.5</c:v>
+                  <c:v>1.82</c:v>
                 </c:pt>
                 <c:pt idx="2">
-                  <c:v>42.19</c:v>
+                  <c:v>2.66</c:v>
                 </c:pt>
                 <c:pt idx="3">
-                  <c:v>42.85</c:v>
+                  <c:v>2.5499999999999998</c:v>
                 </c:pt>
                 <c:pt idx="4">
-                  <c:v>43.34</c:v>
+                  <c:v>2.59</c:v>
                 </c:pt>
                 <c:pt idx="5">
-                  <c:v>44.58</c:v>
+                  <c:v>2.74</c:v>
                 </c:pt>
                 <c:pt idx="6">
-                  <c:v>45.63</c:v>
+                  <c:v>2.71</c:v>
                 </c:pt>
                 <c:pt idx="7">
-                  <c:v>37.86</c:v>
+                  <c:v>3.55</c:v>
                 </c:pt>
                 <c:pt idx="8">
-                  <c:v>38.11</c:v>
+                  <c:v>4.0999999999999996</c:v>
                 </c:pt>
                 <c:pt idx="9">
-                  <c:v>38.04</c:v>
+                  <c:v>4.13</c:v>
                 </c:pt>
                 <c:pt idx="10">
-                  <c:v>38.17</c:v>
+                  <c:v>4.29</c:v>
                 </c:pt>
                 <c:pt idx="11">
-                  <c:v>35.21</c:v>
+                  <c:v>5.09</c:v>
                 </c:pt>
                 <c:pt idx="12">
-                  <c:v>40.72</c:v>
+                  <c:v>4.5999999999999996</c:v>
                 </c:pt>
                 <c:pt idx="13">
-                  <c:v>39.479999999999997</c:v>
+                  <c:v>4.7</c:v>
                 </c:pt>
                 <c:pt idx="14">
-                  <c:v>36.74</c:v>
+                  <c:v>4.3600000000000003</c:v>
                 </c:pt>
               </c:numCache>
             </c:numRef>
@@ -4300,7 +4300,7 @@
           <c:smooth val="0"/>
           <c:extLst>
             <c:ext xmlns:c16="http://schemas.microsoft.com/office/drawing/2014/chart" uri="{C3380CC4-5D6E-409C-BE32-E72D297353CC}">
-              <c16:uniqueId val="{00000003-9889-49E1-BF65-3D5027098245}"/>
+              <c16:uniqueId val="{00000003-AFBC-4C9A-904A-724DDE23E402}"/>
             </c:ext>
           </c:extLst>
         </c:ser>
@@ -4313,13 +4313,13 @@
               <c:strCache>
                 <c:ptCount val="1"/>
                 <c:pt idx="0">
-                  <c:v>Missing</c:v>
+                  <c:v>Other</c:v>
                 </c:pt>
               </c:strCache>
             </c:strRef>
           </c:tx>
           <c:spPr>
-            <a:ln w="28575" cap="rnd">
+            <a:ln w="44450" cap="rnd">
               <a:solidFill>
                 <a:schemeClr val="accent5"/>
               </a:solidFill>
@@ -4403,49 +4403,49 @@
                 <c:formatCode>General</c:formatCode>
                 <c:ptCount val="15"/>
                 <c:pt idx="0">
-                  <c:v>27.81</c:v>
+                  <c:v>1.96</c:v>
                 </c:pt>
                 <c:pt idx="1">
-                  <c:v>29.57</c:v>
+                  <c:v>1.87</c:v>
                 </c:pt>
                 <c:pt idx="2">
-                  <c:v>32.31</c:v>
+                  <c:v>1.4</c:v>
                 </c:pt>
                 <c:pt idx="3">
-                  <c:v>33.18</c:v>
+                  <c:v>2.09</c:v>
                 </c:pt>
                 <c:pt idx="4">
-                  <c:v>34.32</c:v>
+                  <c:v>2.02</c:v>
                 </c:pt>
                 <c:pt idx="5">
-                  <c:v>34.44</c:v>
+                  <c:v>2.12</c:v>
                 </c:pt>
                 <c:pt idx="6">
-                  <c:v>35.71</c:v>
+                  <c:v>2.31</c:v>
                 </c:pt>
                 <c:pt idx="7">
-                  <c:v>28.57</c:v>
+                  <c:v>2.34</c:v>
                 </c:pt>
                 <c:pt idx="8">
-                  <c:v>29.51</c:v>
+                  <c:v>2.81</c:v>
                 </c:pt>
                 <c:pt idx="9">
-                  <c:v>30.02</c:v>
+                  <c:v>2.77</c:v>
                 </c:pt>
                 <c:pt idx="10">
-                  <c:v>29.9</c:v>
+                  <c:v>2.83</c:v>
                 </c:pt>
                 <c:pt idx="11">
-                  <c:v>27.26</c:v>
+                  <c:v>3.11</c:v>
                 </c:pt>
                 <c:pt idx="12">
-                  <c:v>32.47</c:v>
+                  <c:v>2.99</c:v>
                 </c:pt>
                 <c:pt idx="13">
-                  <c:v>32.770000000000003</c:v>
+                  <c:v>3.05</c:v>
                 </c:pt>
                 <c:pt idx="14">
-                  <c:v>32.83</c:v>
+                  <c:v>3.12</c:v>
                 </c:pt>
               </c:numCache>
             </c:numRef>
@@ -4453,7 +4453,7 @@
           <c:smooth val="0"/>
           <c:extLst>
             <c:ext xmlns:c16="http://schemas.microsoft.com/office/drawing/2014/chart" uri="{C3380CC4-5D6E-409C-BE32-E72D297353CC}">
-              <c16:uniqueId val="{00000004-9889-49E1-BF65-3D5027098245}"/>
+              <c16:uniqueId val="{00000004-AFBC-4C9A-904A-724DDE23E402}"/>
             </c:ext>
           </c:extLst>
         </c:ser>
@@ -4466,13 +4466,13 @@
               <c:strCache>
                 <c:ptCount val="1"/>
                 <c:pt idx="0">
-                  <c:v>Asian/Pacific Islander</c:v>
+                  <c:v>Unknown</c:v>
                 </c:pt>
               </c:strCache>
             </c:strRef>
           </c:tx>
           <c:spPr>
-            <a:ln w="28575" cap="rnd">
+            <a:ln w="44450" cap="rnd">
               <a:solidFill>
                 <a:schemeClr val="accent6"/>
               </a:solidFill>
@@ -4556,49 +4556,49 @@
                 <c:formatCode>General</c:formatCode>
                 <c:ptCount val="15"/>
                 <c:pt idx="0">
-                  <c:v>36.5</c:v>
+                  <c:v>18.32</c:v>
                 </c:pt>
                 <c:pt idx="1">
-                  <c:v>38.15</c:v>
+                  <c:v>18.149999999999999</c:v>
                 </c:pt>
                 <c:pt idx="2">
-                  <c:v>44.13</c:v>
+                  <c:v>17.34</c:v>
                 </c:pt>
                 <c:pt idx="3">
-                  <c:v>41.59</c:v>
+                  <c:v>17.559999999999999</c:v>
                 </c:pt>
                 <c:pt idx="4">
-                  <c:v>43.97</c:v>
+                  <c:v>16.739999999999998</c:v>
                 </c:pt>
                 <c:pt idx="5">
-                  <c:v>47.46</c:v>
+                  <c:v>16.54</c:v>
                 </c:pt>
                 <c:pt idx="6">
-                  <c:v>46.51</c:v>
+                  <c:v>15.72</c:v>
                 </c:pt>
                 <c:pt idx="7">
-                  <c:v>34.94</c:v>
+                  <c:v>14.35</c:v>
                 </c:pt>
                 <c:pt idx="8">
-                  <c:v>32.950000000000003</c:v>
+                  <c:v>12.97</c:v>
                 </c:pt>
                 <c:pt idx="9">
-                  <c:v>36.159999999999997</c:v>
+                  <c:v>10.69</c:v>
                 </c:pt>
                 <c:pt idx="10">
-                  <c:v>35.26</c:v>
+                  <c:v>9.59</c:v>
                 </c:pt>
                 <c:pt idx="11">
-                  <c:v>32.15</c:v>
+                  <c:v>9.34</c:v>
                 </c:pt>
                 <c:pt idx="12">
-                  <c:v>40.229999999999997</c:v>
+                  <c:v>7.56</c:v>
                 </c:pt>
                 <c:pt idx="13">
-                  <c:v>39.799999999999997</c:v>
+                  <c:v>6.62</c:v>
                 </c:pt>
                 <c:pt idx="14">
-                  <c:v>41.34</c:v>
+                  <c:v>5.69</c:v>
                 </c:pt>
               </c:numCache>
             </c:numRef>
@@ -4606,7 +4606,7 @@
           <c:smooth val="0"/>
           <c:extLst>
             <c:ext xmlns:c16="http://schemas.microsoft.com/office/drawing/2014/chart" uri="{C3380CC4-5D6E-409C-BE32-E72D297353CC}">
-              <c16:uniqueId val="{00000005-9889-49E1-BF65-3D5027098245}"/>
+              <c16:uniqueId val="{00000005-AFBC-4C9A-904A-724DDE23E402}"/>
             </c:ext>
           </c:extLst>
         </c:ser>
@@ -4619,13 +4619,13 @@
               <c:strCache>
                 <c:ptCount val="1"/>
                 <c:pt idx="0">
-                  <c:v>American Indian/Alaska Native</c:v>
+                  <c:v>Missing</c:v>
                 </c:pt>
               </c:strCache>
             </c:strRef>
           </c:tx>
           <c:spPr>
-            <a:ln w="28575" cap="rnd">
+            <a:ln w="44450" cap="rnd">
               <a:solidFill>
                 <a:schemeClr val="accent1">
                   <a:lumMod val="60000"/>
@@ -4715,49 +4715,49 @@
                 <c:formatCode>General</c:formatCode>
                 <c:ptCount val="15"/>
                 <c:pt idx="0">
-                  <c:v>28.79</c:v>
+                  <c:v>8.06</c:v>
                 </c:pt>
                 <c:pt idx="1">
-                  <c:v>35.61</c:v>
+                  <c:v>7.53</c:v>
                 </c:pt>
                 <c:pt idx="2">
-                  <c:v>33.869999999999997</c:v>
+                  <c:v>6.95</c:v>
                 </c:pt>
                 <c:pt idx="3">
-                  <c:v>36.43</c:v>
+                  <c:v>6.77</c:v>
                 </c:pt>
                 <c:pt idx="4">
-                  <c:v>43.36</c:v>
+                  <c:v>6.34</c:v>
                 </c:pt>
                 <c:pt idx="5">
-                  <c:v>41.54</c:v>
+                  <c:v>6.1</c:v>
                 </c:pt>
                 <c:pt idx="6">
-                  <c:v>43.61</c:v>
+                  <c:v>5.89</c:v>
                 </c:pt>
                 <c:pt idx="7">
-                  <c:v>30.59</c:v>
+                  <c:v>6.01</c:v>
                 </c:pt>
                 <c:pt idx="8">
-                  <c:v>29.47</c:v>
+                  <c:v>6.61</c:v>
                 </c:pt>
                 <c:pt idx="9">
-                  <c:v>33.33</c:v>
+                  <c:v>6.67</c:v>
                 </c:pt>
                 <c:pt idx="10">
-                  <c:v>32.86</c:v>
+                  <c:v>6.85</c:v>
                 </c:pt>
                 <c:pt idx="11">
-                  <c:v>33.909999999999997</c:v>
+                  <c:v>7.34</c:v>
                 </c:pt>
                 <c:pt idx="12">
-                  <c:v>31.43</c:v>
+                  <c:v>6.48</c:v>
                 </c:pt>
                 <c:pt idx="13">
-                  <c:v>34.869999999999997</c:v>
+                  <c:v>6.4</c:v>
                 </c:pt>
                 <c:pt idx="14">
-                  <c:v>30.58</c:v>
+                  <c:v>5.87</c:v>
                 </c:pt>
               </c:numCache>
             </c:numRef>
@@ -4765,7 +4765,7 @@
           <c:smooth val="0"/>
           <c:extLst>
             <c:ext xmlns:c16="http://schemas.microsoft.com/office/drawing/2014/chart" uri="{C3380CC4-5D6E-409C-BE32-E72D297353CC}">
-              <c16:uniqueId val="{00000006-9889-49E1-BF65-3D5027098245}"/>
+              <c16:uniqueId val="{00000006-AFBC-4C9A-904A-724DDE23E402}"/>
             </c:ext>
           </c:extLst>
         </c:ser>
@@ -4778,18 +4778,17 @@
               <c:strCache>
                 <c:ptCount val="1"/>
                 <c:pt idx="0">
-                  <c:v>Other</c:v>
+                  <c:v>Overall</c:v>
                 </c:pt>
               </c:strCache>
             </c:strRef>
           </c:tx>
           <c:spPr>
-            <a:ln w="28575" cap="rnd">
+            <a:ln w="44450" cap="rnd">
               <a:solidFill>
-                <a:schemeClr val="accent2">
-                  <a:lumMod val="60000"/>
-                </a:schemeClr>
+                <a:schemeClr val="tx1"/>
               </a:solidFill>
+              <a:prstDash val="sysDash"/>
               <a:round/>
             </a:ln>
             <a:effectLst/>
@@ -4799,15 +4798,11 @@
             <c:size val="5"/>
             <c:spPr>
               <a:solidFill>
-                <a:schemeClr val="accent2">
-                  <a:lumMod val="60000"/>
-                </a:schemeClr>
+                <a:schemeClr val="tx1"/>
               </a:solidFill>
               <a:ln w="9525">
                 <a:solidFill>
-                  <a:schemeClr val="accent2">
-                    <a:lumMod val="60000"/>
-                  </a:schemeClr>
+                  <a:schemeClr val="tx1"/>
                 </a:solidFill>
               </a:ln>
               <a:effectLst/>
@@ -4874,49 +4869,49 @@
                 <c:formatCode>General</c:formatCode>
                 <c:ptCount val="15"/>
                 <c:pt idx="0">
-                  <c:v>31.43</c:v>
+                  <c:v>6.35</c:v>
                 </c:pt>
                 <c:pt idx="1">
-                  <c:v>35.450000000000003</c:v>
+                  <c:v>5.99</c:v>
                 </c:pt>
                 <c:pt idx="2">
-                  <c:v>35.020000000000003</c:v>
+                  <c:v>5.29</c:v>
                 </c:pt>
                 <c:pt idx="3">
-                  <c:v>39.840000000000003</c:v>
+                  <c:v>5.31</c:v>
                 </c:pt>
                 <c:pt idx="4">
-                  <c:v>45.76</c:v>
+                  <c:v>5.0599999999999996</c:v>
                 </c:pt>
                 <c:pt idx="5">
-                  <c:v>44.32</c:v>
+                  <c:v>5.03</c:v>
                 </c:pt>
                 <c:pt idx="6">
-                  <c:v>44.08</c:v>
+                  <c:v>4.91</c:v>
                 </c:pt>
                 <c:pt idx="7">
-                  <c:v>35.93</c:v>
+                  <c:v>5.09</c:v>
                 </c:pt>
                 <c:pt idx="8">
-                  <c:v>36.700000000000003</c:v>
+                  <c:v>5.46</c:v>
                 </c:pt>
                 <c:pt idx="9">
-                  <c:v>37.58</c:v>
+                  <c:v>5.45</c:v>
                 </c:pt>
                 <c:pt idx="10">
-                  <c:v>36.1</c:v>
+                  <c:v>5.45</c:v>
                 </c:pt>
                 <c:pt idx="11">
-                  <c:v>30.83</c:v>
+                  <c:v>5.89</c:v>
                 </c:pt>
                 <c:pt idx="12">
-                  <c:v>42.72</c:v>
+                  <c:v>5.37</c:v>
                 </c:pt>
                 <c:pt idx="13">
-                  <c:v>40.200000000000003</c:v>
+                  <c:v>5.14</c:v>
                 </c:pt>
                 <c:pt idx="14">
-                  <c:v>36.270000000000003</c:v>
+                  <c:v>4.84</c:v>
                 </c:pt>
               </c:numCache>
             </c:numRef>
@@ -4924,7 +4919,7 @@
           <c:smooth val="0"/>
           <c:extLst>
             <c:ext xmlns:c16="http://schemas.microsoft.com/office/drawing/2014/chart" uri="{C3380CC4-5D6E-409C-BE32-E72D297353CC}">
-              <c16:uniqueId val="{00000007-9889-49E1-BF65-3D5027098245}"/>
+              <c16:uniqueId val="{00000007-AFBC-4C9A-904A-724DDE23E402}"/>
             </c:ext>
           </c:extLst>
         </c:ser>
@@ -4938,11 +4933,11 @@
         </c:dLbls>
         <c:marker val="1"/>
         <c:smooth val="0"/>
-        <c:axId val="551974271"/>
-        <c:axId val="551980511"/>
+        <c:axId val="624155552"/>
+        <c:axId val="624155968"/>
       </c:lineChart>
       <c:catAx>
-        <c:axId val="551974271"/>
+        <c:axId val="624155552"/>
         <c:scaling>
           <c:orientation val="minMax"/>
         </c:scaling>
@@ -4982,7 +4977,7 @@
             <a:endParaRPr lang="en-US"/>
           </a:p>
         </c:txPr>
-        <c:crossAx val="551980511"/>
+        <c:crossAx val="624155968"/>
         <c:crosses val="autoZero"/>
         <c:auto val="1"/>
         <c:lblAlgn val="ctr"/>
@@ -4991,10 +4986,9 @@
         <c:noMultiLvlLbl val="0"/>
       </c:catAx>
       <c:valAx>
-        <c:axId val="551980511"/>
+        <c:axId val="624155968"/>
         <c:scaling>
           <c:orientation val="minMax"/>
-          <c:max val="60"/>
         </c:scaling>
         <c:delete val="0"/>
         <c:axPos val="l"/>
@@ -5030,7 +5024,7 @@
                 </a:pPr>
                 <a:r>
                   <a:rPr lang="en-US"/>
-                  <a:t>Adults with CKD Stages 3-5 and ICD-9 or 10 code (%)</a:t>
+                  <a:t>CKD (%)</a:t>
                 </a:r>
               </a:p>
             </c:rich>
@@ -5089,7 +5083,7 @@
             <a:endParaRPr lang="en-US"/>
           </a:p>
         </c:txPr>
-        <c:crossAx val="551974271"/>
+        <c:crossAx val="624155552"/>
         <c:crosses val="autoZero"/>
         <c:crossBetween val="between"/>
       </c:valAx>
@@ -5107,10 +5101,10 @@
         <c:manualLayout>
           <c:xMode val="edge"/>
           <c:yMode val="edge"/>
-          <c:x val="0.10532178477690286"/>
-          <c:y val="0.71060226495904244"/>
-          <c:w val="0.78690043744531935"/>
-          <c:h val="0.2514742283323575"/>
+          <c:x val="2.4279243661596419E-2"/>
+          <c:y val="0.7278122308500613"/>
+          <c:w val="0.97213807200811231"/>
+          <c:h val="0.23240858649024876"/>
         </c:manualLayout>
       </c:layout>
       <c:overlay val="0"/>
@@ -5125,7 +5119,7 @@
         <a:bodyPr rot="0" spcFirstLastPara="1" vertOverflow="ellipsis" vert="horz" wrap="square" anchor="ctr" anchorCtr="1"/>
         <a:lstStyle/>
         <a:p>
-          <a:pPr algn="just">
+          <a:pPr>
             <a:defRPr sz="2000" b="0" i="0" u="none" strike="noStrike" kern="1200" baseline="0">
               <a:solidFill>
                 <a:schemeClr val="tx1"/>
@@ -5193,7 +5187,17 @@
   <c:chart>
     <c:autoTitleDeleted val="1"/>
     <c:plotArea>
-      <c:layout/>
+      <c:layout>
+        <c:manualLayout>
+          <c:layoutTarget val="inner"/>
+          <c:xMode val="edge"/>
+          <c:yMode val="edge"/>
+          <c:x val="7.4156605424321953E-2"/>
+          <c:y val="4.7798556430446192E-2"/>
+          <c:w val="0.91362117235345586"/>
+          <c:h val="0.58054899387576553"/>
+        </c:manualLayout>
+      </c:layout>
       <c:lineChart>
         <c:grouping val="standard"/>
         <c:varyColors val="0"/>
@@ -5202,21 +5206,20 @@
           <c:order val="0"/>
           <c:tx>
             <c:strRef>
-              <c:f>Race!$B$35</c:f>
+              <c:f>Race!$B$34</c:f>
               <c:strCache>
                 <c:ptCount val="1"/>
                 <c:pt idx="0">
-                  <c:v>Overall</c:v>
+                  <c:v>White</c:v>
                 </c:pt>
               </c:strCache>
             </c:strRef>
           </c:tx>
           <c:spPr>
-            <a:ln w="28575" cap="rnd">
+            <a:ln w="44450" cap="rnd">
               <a:solidFill>
-                <a:schemeClr val="tx1"/>
+                <a:schemeClr val="accent1"/>
               </a:solidFill>
-              <a:prstDash val="sysDash"/>
               <a:round/>
             </a:ln>
             <a:effectLst/>
@@ -5226,11 +5229,11 @@
             <c:size val="5"/>
             <c:spPr>
               <a:solidFill>
-                <a:schemeClr val="tx1"/>
+                <a:schemeClr val="accent1"/>
               </a:solidFill>
               <a:ln w="9525">
                 <a:solidFill>
-                  <a:schemeClr val="tx1"/>
+                  <a:schemeClr val="accent1"/>
                 </a:solidFill>
               </a:ln>
               <a:effectLst/>
@@ -5238,7 +5241,7 @@
           </c:marker>
           <c:cat>
             <c:numRef>
-              <c:f>Race!$A$36:$A$50</c:f>
+              <c:f>Race!$A$35:$A$49</c:f>
               <c:numCache>
                 <c:formatCode>General</c:formatCode>
                 <c:ptCount val="15"/>
@@ -5292,54 +5295,54 @@
           </c:cat>
           <c:val>
             <c:numRef>
-              <c:f>Race!$B$36:$B$50</c:f>
+              <c:f>Race!$B$35:$B$49</c:f>
               <c:numCache>
-                <c:formatCode>0.0</c:formatCode>
+                <c:formatCode>0.00</c:formatCode>
                 <c:ptCount val="15"/>
                 <c:pt idx="0">
-                  <c:v>29.73</c:v>
+                  <c:v>5.3789999999999996</c:v>
                 </c:pt>
                 <c:pt idx="1">
-                  <c:v>31.65</c:v>
+                  <c:v>5.2914000000000003</c:v>
                 </c:pt>
                 <c:pt idx="2">
-                  <c:v>34.69</c:v>
+                  <c:v>4.7263000000000002</c:v>
                 </c:pt>
                 <c:pt idx="3">
-                  <c:v>35.270000000000003</c:v>
+                  <c:v>4.8186</c:v>
                 </c:pt>
                 <c:pt idx="4">
-                  <c:v>36.46</c:v>
+                  <c:v>4.3982999999999999</c:v>
                 </c:pt>
                 <c:pt idx="5">
-                  <c:v>36.6</c:v>
+                  <c:v>4.2804000000000002</c:v>
                 </c:pt>
                 <c:pt idx="6">
-                  <c:v>37.76</c:v>
+                  <c:v>4.0106000000000002</c:v>
                 </c:pt>
                 <c:pt idx="7">
-                  <c:v>30.07</c:v>
+                  <c:v>4.9126099999999999</c:v>
                 </c:pt>
                 <c:pt idx="8">
-                  <c:v>30.18</c:v>
+                  <c:v>5.1886000000000001</c:v>
                 </c:pt>
                 <c:pt idx="9">
-                  <c:v>29.59</c:v>
+                  <c:v>5.1706000000000003</c:v>
                 </c:pt>
                 <c:pt idx="10">
-                  <c:v>28.53</c:v>
+                  <c:v>5.2178000000000004</c:v>
                 </c:pt>
                 <c:pt idx="11">
-                  <c:v>28.51</c:v>
+                  <c:v>5.4554999999999998</c:v>
                 </c:pt>
                 <c:pt idx="12">
-                  <c:v>32.14</c:v>
+                  <c:v>5.1063999999999998</c:v>
                 </c:pt>
                 <c:pt idx="13">
-                  <c:v>31.62</c:v>
+                  <c:v>4.8822000000000001</c:v>
                 </c:pt>
                 <c:pt idx="14">
-                  <c:v>30.73</c:v>
+                  <c:v>4.6311499999999999</c:v>
                 </c:pt>
               </c:numCache>
             </c:numRef>
@@ -5347,7 +5350,7 @@
           <c:smooth val="0"/>
           <c:extLst>
             <c:ext xmlns:c16="http://schemas.microsoft.com/office/drawing/2014/chart" uri="{C3380CC4-5D6E-409C-BE32-E72D297353CC}">
-              <c16:uniqueId val="{00000000-DEBC-4B67-8C28-CFDBB98A1C05}"/>
+              <c16:uniqueId val="{00000000-FB3C-49B2-B659-F358465DF407}"/>
             </c:ext>
           </c:extLst>
         </c:ser>
@@ -5356,17 +5359,17 @@
           <c:order val="1"/>
           <c:tx>
             <c:strRef>
-              <c:f>Race!$C$35</c:f>
+              <c:f>Race!$C$34</c:f>
               <c:strCache>
                 <c:ptCount val="1"/>
                 <c:pt idx="0">
-                  <c:v>White</c:v>
+                  <c:v>Black</c:v>
                 </c:pt>
               </c:strCache>
             </c:strRef>
           </c:tx>
           <c:spPr>
-            <a:ln w="28575" cap="rnd">
+            <a:ln w="44450" cap="rnd">
               <a:solidFill>
                 <a:schemeClr val="accent2"/>
               </a:solidFill>
@@ -5391,7 +5394,7 @@
           </c:marker>
           <c:cat>
             <c:numRef>
-              <c:f>Race!$A$36:$A$50</c:f>
+              <c:f>Race!$A$35:$A$49</c:f>
               <c:numCache>
                 <c:formatCode>General</c:formatCode>
                 <c:ptCount val="15"/>
@@ -5445,54 +5448,54 @@
           </c:cat>
           <c:val>
             <c:numRef>
-              <c:f>Race!$C$36:$C$50</c:f>
+              <c:f>Race!$C$35:$C$49</c:f>
               <c:numCache>
                 <c:formatCode>0.00</c:formatCode>
                 <c:ptCount val="15"/>
                 <c:pt idx="0">
-                  <c:v>28.295000000000002</c:v>
+                  <c:v>11.224299999999999</c:v>
                 </c:pt>
                 <c:pt idx="1">
-                  <c:v>29.624500000000001</c:v>
+                  <c:v>10.861800000000001</c:v>
                 </c:pt>
                 <c:pt idx="2">
-                  <c:v>31.3796</c:v>
+                  <c:v>9.9619</c:v>
                 </c:pt>
                 <c:pt idx="3">
-                  <c:v>31.995000000000001</c:v>
+                  <c:v>9.7691999999999997</c:v>
                 </c:pt>
                 <c:pt idx="4">
-                  <c:v>33.291499999999999</c:v>
+                  <c:v>9.5635999999999992</c:v>
                 </c:pt>
                 <c:pt idx="5">
-                  <c:v>33.879899999999999</c:v>
+                  <c:v>9.1774000000000004</c:v>
                 </c:pt>
                 <c:pt idx="6">
-                  <c:v>34.2273</c:v>
+                  <c:v>9.0079999999999991</c:v>
                 </c:pt>
                 <c:pt idx="7">
-                  <c:v>28.69</c:v>
+                  <c:v>9.8073599999999992</c:v>
                 </c:pt>
                 <c:pt idx="8">
-                  <c:v>29.3</c:v>
+                  <c:v>10.3193</c:v>
                 </c:pt>
                 <c:pt idx="9">
-                  <c:v>29.08</c:v>
+                  <c:v>10.2988</c:v>
                 </c:pt>
                 <c:pt idx="10">
-                  <c:v>28.26</c:v>
+                  <c:v>10.511699999999999</c:v>
                 </c:pt>
                 <c:pt idx="11">
-                  <c:v>28.92</c:v>
+                  <c:v>10.8665</c:v>
                 </c:pt>
                 <c:pt idx="12">
-                  <c:v>32.1</c:v>
+                  <c:v>10.257099999999999</c:v>
                 </c:pt>
                 <c:pt idx="13">
-                  <c:v>31.76</c:v>
+                  <c:v>10.0213</c:v>
                 </c:pt>
                 <c:pt idx="14">
-                  <c:v>30.92</c:v>
+                  <c:v>9.6009700000000002</c:v>
                 </c:pt>
               </c:numCache>
             </c:numRef>
@@ -5500,7 +5503,7 @@
           <c:smooth val="0"/>
           <c:extLst>
             <c:ext xmlns:c16="http://schemas.microsoft.com/office/drawing/2014/chart" uri="{C3380CC4-5D6E-409C-BE32-E72D297353CC}">
-              <c16:uniqueId val="{00000001-DEBC-4B67-8C28-CFDBB98A1C05}"/>
+              <c16:uniqueId val="{00000001-FB3C-49B2-B659-F358465DF407}"/>
             </c:ext>
           </c:extLst>
         </c:ser>
@@ -5509,17 +5512,17 @@
           <c:order val="2"/>
           <c:tx>
             <c:strRef>
-              <c:f>Race!$D$35</c:f>
+              <c:f>Race!$D$34</c:f>
               <c:strCache>
                 <c:ptCount val="1"/>
                 <c:pt idx="0">
-                  <c:v>Black</c:v>
+                  <c:v>American Indian/Alaska Native</c:v>
                 </c:pt>
               </c:strCache>
             </c:strRef>
           </c:tx>
           <c:spPr>
-            <a:ln w="28575" cap="rnd">
+            <a:ln w="44450" cap="rnd">
               <a:solidFill>
                 <a:schemeClr val="accent3"/>
               </a:solidFill>
@@ -5544,7 +5547,7 @@
           </c:marker>
           <c:cat>
             <c:numRef>
-              <c:f>Race!$A$36:$A$50</c:f>
+              <c:f>Race!$A$35:$A$49</c:f>
               <c:numCache>
                 <c:formatCode>General</c:formatCode>
                 <c:ptCount val="15"/>
@@ -5598,54 +5601,54 @@
           </c:cat>
           <c:val>
             <c:numRef>
-              <c:f>Race!$D$36:$D$50</c:f>
+              <c:f>Race!$D$35:$D$49</c:f>
               <c:numCache>
                 <c:formatCode>0.00</c:formatCode>
                 <c:ptCount val="15"/>
                 <c:pt idx="0">
-                  <c:v>28.7836</c:v>
+                  <c:v>8.2446000000000002</c:v>
                 </c:pt>
                 <c:pt idx="1">
-                  <c:v>31.227499999999999</c:v>
+                  <c:v>7.3756000000000004</c:v>
                 </c:pt>
                 <c:pt idx="2">
-                  <c:v>34.126800000000003</c:v>
+                  <c:v>6.5332999999999997</c:v>
                 </c:pt>
                 <c:pt idx="3">
-                  <c:v>35.5931</c:v>
+                  <c:v>6.3152999999999997</c:v>
                 </c:pt>
                 <c:pt idx="4">
-                  <c:v>35.390599999999999</c:v>
+                  <c:v>4.5522</c:v>
                 </c:pt>
                 <c:pt idx="5">
-                  <c:v>33.418900000000001</c:v>
+                  <c:v>5.8334999999999999</c:v>
                 </c:pt>
                 <c:pt idx="6">
-                  <c:v>35.394100000000002</c:v>
+                  <c:v>5.2461000000000002</c:v>
                 </c:pt>
                 <c:pt idx="7">
-                  <c:v>28.27</c:v>
+                  <c:v>4.6267100000000001</c:v>
                 </c:pt>
                 <c:pt idx="8">
-                  <c:v>27.98</c:v>
+                  <c:v>4.9843999999999999</c:v>
                 </c:pt>
                 <c:pt idx="9">
-                  <c:v>26.8</c:v>
+                  <c:v>5.0637999999999996</c:v>
                 </c:pt>
                 <c:pt idx="10">
-                  <c:v>26.47</c:v>
+                  <c:v>5.2355999999999998</c:v>
                 </c:pt>
                 <c:pt idx="11">
-                  <c:v>25.79</c:v>
+                  <c:v>5.6412000000000004</c:v>
                 </c:pt>
                 <c:pt idx="12">
-                  <c:v>30.15</c:v>
+                  <c:v>5.1456</c:v>
                 </c:pt>
                 <c:pt idx="13">
-                  <c:v>29.04</c:v>
+                  <c:v>4.6851000000000003</c:v>
                 </c:pt>
                 <c:pt idx="14">
-                  <c:v>28.78</c:v>
+                  <c:v>4.7377200000000004</c:v>
                 </c:pt>
               </c:numCache>
             </c:numRef>
@@ -5653,7 +5656,7 @@
           <c:smooth val="0"/>
           <c:extLst>
             <c:ext xmlns:c16="http://schemas.microsoft.com/office/drawing/2014/chart" uri="{C3380CC4-5D6E-409C-BE32-E72D297353CC}">
-              <c16:uniqueId val="{00000002-DEBC-4B67-8C28-CFDBB98A1C05}"/>
+              <c16:uniqueId val="{00000002-FB3C-49B2-B659-F358465DF407}"/>
             </c:ext>
           </c:extLst>
         </c:ser>
@@ -5662,17 +5665,17 @@
           <c:order val="3"/>
           <c:tx>
             <c:strRef>
-              <c:f>Race!$E$35</c:f>
+              <c:f>Race!$E$34</c:f>
               <c:strCache>
                 <c:ptCount val="1"/>
                 <c:pt idx="0">
-                  <c:v>Unknown</c:v>
+                  <c:v>Asian/Pacific Islander</c:v>
                 </c:pt>
               </c:strCache>
             </c:strRef>
           </c:tx>
           <c:spPr>
-            <a:ln w="28575" cap="rnd">
+            <a:ln w="44450" cap="rnd">
               <a:solidFill>
                 <a:schemeClr val="accent4"/>
               </a:solidFill>
@@ -5697,7 +5700,7 @@
           </c:marker>
           <c:cat>
             <c:numRef>
-              <c:f>Race!$A$36:$A$50</c:f>
+              <c:f>Race!$A$35:$A$49</c:f>
               <c:numCache>
                 <c:formatCode>General</c:formatCode>
                 <c:ptCount val="15"/>
@@ -5751,54 +5754,54 @@
           </c:cat>
           <c:val>
             <c:numRef>
-              <c:f>Race!$E$36:$E$50</c:f>
+              <c:f>Race!$E$35:$E$49</c:f>
               <c:numCache>
                 <c:formatCode>0.00</c:formatCode>
                 <c:ptCount val="15"/>
                 <c:pt idx="0">
-                  <c:v>40.252200000000002</c:v>
+                  <c:v>5.3920000000000003</c:v>
                 </c:pt>
                 <c:pt idx="1">
-                  <c:v>37.7044</c:v>
+                  <c:v>4.7298999999999998</c:v>
                 </c:pt>
                 <c:pt idx="2">
-                  <c:v>42.6937</c:v>
+                  <c:v>4.8811</c:v>
                 </c:pt>
                 <c:pt idx="3">
-                  <c:v>45.701500000000003</c:v>
+                  <c:v>4.8291000000000004</c:v>
                 </c:pt>
                 <c:pt idx="4">
-                  <c:v>44.668799999999997</c:v>
+                  <c:v>4.6619999999999999</c:v>
                 </c:pt>
                 <c:pt idx="5">
-                  <c:v>50.289299999999997</c:v>
+                  <c:v>4.5696000000000003</c:v>
                 </c:pt>
                 <c:pt idx="6">
-                  <c:v>44.497999999999998</c:v>
+                  <c:v>4.3022999999999998</c:v>
                 </c:pt>
                 <c:pt idx="7">
-                  <c:v>36.46</c:v>
+                  <c:v>4.1359000000000004</c:v>
                 </c:pt>
                 <c:pt idx="8">
-                  <c:v>41.03</c:v>
+                  <c:v>4.5370999999999997</c:v>
                 </c:pt>
                 <c:pt idx="9">
-                  <c:v>35.950000000000003</c:v>
+                  <c:v>4.4714999999999998</c:v>
                 </c:pt>
                 <c:pt idx="10">
-                  <c:v>34.619999999999997</c:v>
+                  <c:v>4.6349999999999998</c:v>
                 </c:pt>
                 <c:pt idx="11">
-                  <c:v>37.83</c:v>
+                  <c:v>5.0343</c:v>
                 </c:pt>
                 <c:pt idx="12">
-                  <c:v>40.299999999999997</c:v>
+                  <c:v>4.5232000000000001</c:v>
                 </c:pt>
                 <c:pt idx="13">
-                  <c:v>39.909999999999997</c:v>
+                  <c:v>4.5663999999999998</c:v>
                 </c:pt>
                 <c:pt idx="14">
-                  <c:v>32.67</c:v>
+                  <c:v>4.2195999999999998</c:v>
                 </c:pt>
               </c:numCache>
             </c:numRef>
@@ -5806,7 +5809,7 @@
           <c:smooth val="0"/>
           <c:extLst>
             <c:ext xmlns:c16="http://schemas.microsoft.com/office/drawing/2014/chart" uri="{C3380CC4-5D6E-409C-BE32-E72D297353CC}">
-              <c16:uniqueId val="{00000003-DEBC-4B67-8C28-CFDBB98A1C05}"/>
+              <c16:uniqueId val="{00000003-FB3C-49B2-B659-F358465DF407}"/>
             </c:ext>
           </c:extLst>
         </c:ser>
@@ -5815,17 +5818,17 @@
           <c:order val="4"/>
           <c:tx>
             <c:strRef>
-              <c:f>Race!$F$35</c:f>
+              <c:f>Race!$F$34</c:f>
               <c:strCache>
                 <c:ptCount val="1"/>
                 <c:pt idx="0">
-                  <c:v>Missing</c:v>
+                  <c:v>Other</c:v>
                 </c:pt>
               </c:strCache>
             </c:strRef>
           </c:tx>
           <c:spPr>
-            <a:ln w="28575" cap="rnd">
+            <a:ln w="44450" cap="rnd">
               <a:solidFill>
                 <a:schemeClr val="accent5"/>
               </a:solidFill>
@@ -5850,7 +5853,7 @@
           </c:marker>
           <c:cat>
             <c:numRef>
-              <c:f>Race!$A$36:$A$50</c:f>
+              <c:f>Race!$A$35:$A$49</c:f>
               <c:numCache>
                 <c:formatCode>General</c:formatCode>
                 <c:ptCount val="15"/>
@@ -5904,54 +5907,54 @@
           </c:cat>
           <c:val>
             <c:numRef>
-              <c:f>Race!$F$36:$F$50</c:f>
+              <c:f>Race!$F$35:$F$49</c:f>
               <c:numCache>
                 <c:formatCode>0.00</c:formatCode>
                 <c:ptCount val="15"/>
                 <c:pt idx="0">
-                  <c:v>32.101199999999999</c:v>
+                  <c:v>5.5498000000000003</c:v>
                 </c:pt>
                 <c:pt idx="1">
-                  <c:v>35.1907</c:v>
+                  <c:v>5.6863999999999999</c:v>
                 </c:pt>
                 <c:pt idx="2">
-                  <c:v>39.800400000000003</c:v>
+                  <c:v>4.4279000000000002</c:v>
                 </c:pt>
                 <c:pt idx="3">
-                  <c:v>39.022399999999998</c:v>
+                  <c:v>5.2304000000000004</c:v>
                 </c:pt>
                 <c:pt idx="4">
-                  <c:v>40.868499999999997</c:v>
+                  <c:v>4.5232999999999999</c:v>
                 </c:pt>
                 <c:pt idx="5">
-                  <c:v>40.994799999999998</c:v>
+                  <c:v>4.4039000000000001</c:v>
                 </c:pt>
                 <c:pt idx="6">
-                  <c:v>44.59</c:v>
+                  <c:v>4.5072999999999999</c:v>
                 </c:pt>
                 <c:pt idx="7">
-                  <c:v>37.729999999999997</c:v>
+                  <c:v>4.7231300000000003</c:v>
                 </c:pt>
                 <c:pt idx="8">
-                  <c:v>38.6</c:v>
+                  <c:v>5.4154</c:v>
                 </c:pt>
                 <c:pt idx="9">
-                  <c:v>38.1</c:v>
+                  <c:v>4.8250000000000002</c:v>
                 </c:pt>
                 <c:pt idx="10">
-                  <c:v>36.200000000000003</c:v>
+                  <c:v>4.9592000000000001</c:v>
                 </c:pt>
                 <c:pt idx="11">
-                  <c:v>37.840000000000003</c:v>
+                  <c:v>4.9008000000000003</c:v>
                 </c:pt>
                 <c:pt idx="12">
-                  <c:v>38.659999999999997</c:v>
+                  <c:v>4.2469000000000001</c:v>
                 </c:pt>
                 <c:pt idx="13">
-                  <c:v>42.77</c:v>
+                  <c:v>4.2591999999999999</c:v>
                 </c:pt>
                 <c:pt idx="14">
-                  <c:v>36.590000000000003</c:v>
+                  <c:v>4.0045999999999999</c:v>
                 </c:pt>
               </c:numCache>
             </c:numRef>
@@ -5959,7 +5962,7 @@
           <c:smooth val="0"/>
           <c:extLst>
             <c:ext xmlns:c16="http://schemas.microsoft.com/office/drawing/2014/chart" uri="{C3380CC4-5D6E-409C-BE32-E72D297353CC}">
-              <c16:uniqueId val="{00000004-DEBC-4B67-8C28-CFDBB98A1C05}"/>
+              <c16:uniqueId val="{00000004-FB3C-49B2-B659-F358465DF407}"/>
             </c:ext>
           </c:extLst>
         </c:ser>
@@ -5968,17 +5971,17 @@
           <c:order val="5"/>
           <c:tx>
             <c:strRef>
-              <c:f>Race!$G$35</c:f>
+              <c:f>Race!$G$34</c:f>
               <c:strCache>
                 <c:ptCount val="1"/>
                 <c:pt idx="0">
-                  <c:v>Asian/Pacific Islander</c:v>
+                  <c:v>Unknown</c:v>
                 </c:pt>
               </c:strCache>
             </c:strRef>
           </c:tx>
           <c:spPr>
-            <a:ln w="28575" cap="rnd">
+            <a:ln w="44450" cap="rnd">
               <a:solidFill>
                 <a:schemeClr val="accent6"/>
               </a:solidFill>
@@ -6003,7 +6006,7 @@
           </c:marker>
           <c:cat>
             <c:numRef>
-              <c:f>Race!$A$36:$A$50</c:f>
+              <c:f>Race!$A$35:$A$49</c:f>
               <c:numCache>
                 <c:formatCode>General</c:formatCode>
                 <c:ptCount val="15"/>
@@ -6057,54 +6060,54 @@
           </c:cat>
           <c:val>
             <c:numRef>
-              <c:f>Race!$G$36:$G$50</c:f>
+              <c:f>Race!$G$35:$G$49</c:f>
               <c:numCache>
                 <c:formatCode>0.00</c:formatCode>
                 <c:ptCount val="15"/>
                 <c:pt idx="0">
-                  <c:v>31.6844</c:v>
+                  <c:v>8.0868000000000002</c:v>
                 </c:pt>
                 <c:pt idx="1">
-                  <c:v>33.386200000000002</c:v>
+                  <c:v>7.9604999999999997</c:v>
                 </c:pt>
                 <c:pt idx="2">
-                  <c:v>41.981999999999999</c:v>
+                  <c:v>7.3796999999999997</c:v>
                 </c:pt>
                 <c:pt idx="3">
-                  <c:v>35.828800000000001</c:v>
+                  <c:v>7.5159000000000002</c:v>
                 </c:pt>
                 <c:pt idx="4">
-                  <c:v>39.151000000000003</c:v>
+                  <c:v>7.0904999999999996</c:v>
                 </c:pt>
                 <c:pt idx="5">
-                  <c:v>43.916899999999998</c:v>
+                  <c:v>6.8556999999999997</c:v>
                 </c:pt>
                 <c:pt idx="6">
-                  <c:v>49.810099999999998</c:v>
+                  <c:v>6.7378999999999998</c:v>
                 </c:pt>
                 <c:pt idx="7">
-                  <c:v>35.69</c:v>
+                  <c:v>6.93506</c:v>
                 </c:pt>
                 <c:pt idx="8">
-                  <c:v>32.06</c:v>
+                  <c:v>7.1970000000000001</c:v>
                 </c:pt>
                 <c:pt idx="9">
-                  <c:v>34.1</c:v>
+                  <c:v>6.992</c:v>
                 </c:pt>
                 <c:pt idx="10">
-                  <c:v>32.520000000000003</c:v>
+                  <c:v>7.2601000000000004</c:v>
                 </c:pt>
                 <c:pt idx="11">
-                  <c:v>34.04</c:v>
+                  <c:v>7.2850999999999999</c:v>
                 </c:pt>
                 <c:pt idx="12">
-                  <c:v>38.909999999999997</c:v>
+                  <c:v>6.8247999999999998</c:v>
                 </c:pt>
                 <c:pt idx="13">
-                  <c:v>37.659999999999997</c:v>
+                  <c:v>6.4903000000000004</c:v>
                 </c:pt>
                 <c:pt idx="14">
-                  <c:v>39.82</c:v>
+                  <c:v>6.0958300000000003</c:v>
                 </c:pt>
               </c:numCache>
             </c:numRef>
@@ -6112,7 +6115,7 @@
           <c:smooth val="0"/>
           <c:extLst>
             <c:ext xmlns:c16="http://schemas.microsoft.com/office/drawing/2014/chart" uri="{C3380CC4-5D6E-409C-BE32-E72D297353CC}">
-              <c16:uniqueId val="{00000005-DEBC-4B67-8C28-CFDBB98A1C05}"/>
+              <c16:uniqueId val="{00000005-FB3C-49B2-B659-F358465DF407}"/>
             </c:ext>
           </c:extLst>
         </c:ser>
@@ -6121,17 +6124,17 @@
           <c:order val="6"/>
           <c:tx>
             <c:strRef>
-              <c:f>Race!$H$35</c:f>
+              <c:f>Race!$H$34</c:f>
               <c:strCache>
                 <c:ptCount val="1"/>
                 <c:pt idx="0">
-                  <c:v>American Indian/Alaska Native</c:v>
+                  <c:v>Missing</c:v>
                 </c:pt>
               </c:strCache>
             </c:strRef>
           </c:tx>
           <c:spPr>
-            <a:ln w="28575" cap="rnd">
+            <a:ln w="44450" cap="rnd">
               <a:solidFill>
                 <a:schemeClr val="accent1">
                   <a:lumMod val="60000"/>
@@ -6162,7 +6165,7 @@
           </c:marker>
           <c:cat>
             <c:numRef>
-              <c:f>Race!$A$36:$A$50</c:f>
+              <c:f>Race!$A$35:$A$49</c:f>
               <c:numCache>
                 <c:formatCode>General</c:formatCode>
                 <c:ptCount val="15"/>
@@ -6216,54 +6219,54 @@
           </c:cat>
           <c:val>
             <c:numRef>
-              <c:f>Race!$H$36:$H$50</c:f>
+              <c:f>Race!$H$35:$H$49</c:f>
               <c:numCache>
                 <c:formatCode>0.00</c:formatCode>
                 <c:ptCount val="15"/>
                 <c:pt idx="0">
-                  <c:v>25.759799999999998</c:v>
+                  <c:v>7.6837999999999997</c:v>
                 </c:pt>
                 <c:pt idx="1">
-                  <c:v>33.8202</c:v>
+                  <c:v>7.4047999999999998</c:v>
                 </c:pt>
                 <c:pt idx="2">
-                  <c:v>33.373800000000003</c:v>
+                  <c:v>6.8075000000000001</c:v>
                 </c:pt>
                 <c:pt idx="3">
-                  <c:v>38.287799999999997</c:v>
+                  <c:v>6.8959999999999999</c:v>
                 </c:pt>
                 <c:pt idx="4">
-                  <c:v>40.346200000000003</c:v>
+                  <c:v>6.4771999999999998</c:v>
                 </c:pt>
                 <c:pt idx="5">
-                  <c:v>48.598599999999998</c:v>
+                  <c:v>6.3354999999999997</c:v>
                 </c:pt>
                 <c:pt idx="6">
-                  <c:v>41.542400000000001</c:v>
+                  <c:v>6.093</c:v>
                 </c:pt>
                 <c:pt idx="7">
-                  <c:v>23.25</c:v>
+                  <c:v>6.2904</c:v>
                 </c:pt>
                 <c:pt idx="8">
-                  <c:v>36.68</c:v>
+                  <c:v>6.4851999999999999</c:v>
                 </c:pt>
                 <c:pt idx="9">
-                  <c:v>30.59</c:v>
+                  <c:v>6.3296999999999999</c:v>
                 </c:pt>
                 <c:pt idx="10">
-                  <c:v>34.619999999999997</c:v>
+                  <c:v>6.3521000000000001</c:v>
                 </c:pt>
                 <c:pt idx="11">
-                  <c:v>27.5</c:v>
+                  <c:v>6.4013999999999998</c:v>
                 </c:pt>
                 <c:pt idx="12">
-                  <c:v>25.92</c:v>
+                  <c:v>5.7504999999999997</c:v>
                 </c:pt>
                 <c:pt idx="13">
-                  <c:v>32.71</c:v>
+                  <c:v>5.3978000000000002</c:v>
                 </c:pt>
                 <c:pt idx="14">
-                  <c:v>23.83</c:v>
+                  <c:v>4.8428199999999997</c:v>
                 </c:pt>
               </c:numCache>
             </c:numRef>
@@ -6271,7 +6274,7 @@
           <c:smooth val="0"/>
           <c:extLst>
             <c:ext xmlns:c16="http://schemas.microsoft.com/office/drawing/2014/chart" uri="{C3380CC4-5D6E-409C-BE32-E72D297353CC}">
-              <c16:uniqueId val="{00000006-DEBC-4B67-8C28-CFDBB98A1C05}"/>
+              <c16:uniqueId val="{00000006-FB3C-49B2-B659-F358465DF407}"/>
             </c:ext>
           </c:extLst>
         </c:ser>
@@ -6280,22 +6283,21 @@
           <c:order val="7"/>
           <c:tx>
             <c:strRef>
-              <c:f>Race!$I$35</c:f>
+              <c:f>Race!$I$34</c:f>
               <c:strCache>
                 <c:ptCount val="1"/>
                 <c:pt idx="0">
-                  <c:v>Other</c:v>
+                  <c:v>Overall</c:v>
                 </c:pt>
               </c:strCache>
             </c:strRef>
           </c:tx>
           <c:spPr>
-            <a:ln w="28575" cap="rnd">
+            <a:ln w="44450" cap="rnd">
               <a:solidFill>
-                <a:schemeClr val="accent2">
-                  <a:lumMod val="60000"/>
-                </a:schemeClr>
+                <a:schemeClr val="tx1"/>
               </a:solidFill>
+              <a:prstDash val="sysDash"/>
               <a:round/>
             </a:ln>
             <a:effectLst/>
@@ -6305,15 +6307,11 @@
             <c:size val="5"/>
             <c:spPr>
               <a:solidFill>
-                <a:schemeClr val="accent2">
-                  <a:lumMod val="60000"/>
-                </a:schemeClr>
+                <a:schemeClr val="tx1"/>
               </a:solidFill>
               <a:ln w="9525">
                 <a:solidFill>
-                  <a:schemeClr val="accent2">
-                    <a:lumMod val="60000"/>
-                  </a:schemeClr>
+                  <a:schemeClr val="tx1"/>
                 </a:solidFill>
               </a:ln>
               <a:effectLst/>
@@ -6321,7 +6319,7 @@
           </c:marker>
           <c:cat>
             <c:numRef>
-              <c:f>Race!$A$36:$A$50</c:f>
+              <c:f>Race!$A$35:$A$49</c:f>
               <c:numCache>
                 <c:formatCode>General</c:formatCode>
                 <c:ptCount val="15"/>
@@ -6375,54 +6373,54 @@
           </c:cat>
           <c:val>
             <c:numRef>
-              <c:f>Race!$I$36:$I$50</c:f>
+              <c:f>Race!$I$35:$I$49</c:f>
               <c:numCache>
                 <c:formatCode>0.00</c:formatCode>
                 <c:ptCount val="15"/>
                 <c:pt idx="0">
-                  <c:v>28.9878</c:v>
+                  <c:v>7.97</c:v>
                 </c:pt>
                 <c:pt idx="1">
-                  <c:v>31.5717</c:v>
+                  <c:v>7.62</c:v>
                 </c:pt>
                 <c:pt idx="2">
-                  <c:v>30.532599999999999</c:v>
+                  <c:v>7</c:v>
                 </c:pt>
                 <c:pt idx="3">
-                  <c:v>34.578699999999998</c:v>
+                  <c:v>7.02</c:v>
                 </c:pt>
                 <c:pt idx="4">
-                  <c:v>41.2209</c:v>
+                  <c:v>6.56</c:v>
                 </c:pt>
                 <c:pt idx="5">
-                  <c:v>40.494300000000003</c:v>
+                  <c:v>6.36</c:v>
                 </c:pt>
                 <c:pt idx="6">
-                  <c:v>39.721299999999999</c:v>
+                  <c:v>6.09</c:v>
                 </c:pt>
                 <c:pt idx="7">
-                  <c:v>31.88</c:v>
+                  <c:v>6.19</c:v>
                 </c:pt>
                 <c:pt idx="8">
-                  <c:v>28</c:v>
+                  <c:v>6.45</c:v>
                 </c:pt>
                 <c:pt idx="9">
-                  <c:v>31.69</c:v>
+                  <c:v>6.39</c:v>
                 </c:pt>
                 <c:pt idx="10">
-                  <c:v>31.75</c:v>
+                  <c:v>6.46</c:v>
                 </c:pt>
                 <c:pt idx="11">
-                  <c:v>23.85</c:v>
+                  <c:v>6.63</c:v>
                 </c:pt>
                 <c:pt idx="12">
-                  <c:v>34.840000000000003</c:v>
+                  <c:v>6.16</c:v>
                 </c:pt>
                 <c:pt idx="13">
-                  <c:v>33.11</c:v>
+                  <c:v>5.91</c:v>
                 </c:pt>
                 <c:pt idx="14">
-                  <c:v>32</c:v>
+                  <c:v>5.58</c:v>
                 </c:pt>
               </c:numCache>
             </c:numRef>
@@ -6430,7 +6428,7 @@
           <c:smooth val="0"/>
           <c:extLst>
             <c:ext xmlns:c16="http://schemas.microsoft.com/office/drawing/2014/chart" uri="{C3380CC4-5D6E-409C-BE32-E72D297353CC}">
-              <c16:uniqueId val="{00000007-DEBC-4B67-8C28-CFDBB98A1C05}"/>
+              <c16:uniqueId val="{00000007-FB3C-49B2-B659-F358465DF407}"/>
             </c:ext>
           </c:extLst>
         </c:ser>
@@ -6444,11 +6442,11 @@
         </c:dLbls>
         <c:marker val="1"/>
         <c:smooth val="0"/>
-        <c:axId val="287927855"/>
-        <c:axId val="287928271"/>
+        <c:axId val="626186720"/>
+        <c:axId val="626185056"/>
       </c:lineChart>
       <c:catAx>
-        <c:axId val="287927855"/>
+        <c:axId val="626186720"/>
         <c:scaling>
           <c:orientation val="minMax"/>
         </c:scaling>
@@ -6488,17 +6486,19 @@
             <a:endParaRPr lang="en-US"/>
           </a:p>
         </c:txPr>
-        <c:crossAx val="287928271"/>
+        <c:crossAx val="626185056"/>
         <c:crosses val="autoZero"/>
         <c:auto val="1"/>
         <c:lblAlgn val="ctr"/>
         <c:lblOffset val="100"/>
+        <c:tickLblSkip val="2"/>
         <c:noMultiLvlLbl val="0"/>
       </c:catAx>
       <c:valAx>
-        <c:axId val="287928271"/>
+        <c:axId val="626185056"/>
         <c:scaling>
           <c:orientation val="minMax"/>
+          <c:max val="20"/>
         </c:scaling>
         <c:delete val="0"/>
         <c:axPos val="l"/>
@@ -6534,7 +6534,7 @@
                 </a:pPr>
                 <a:r>
                   <a:rPr lang="en-US"/>
-                  <a:t>Adults with CKD Stages 3-5 and ICD-9 or 10 code (%)</a:t>
+                  <a:t>CKD (%)</a:t>
                 </a:r>
               </a:p>
             </c:rich>
@@ -6593,7 +6593,7 @@
             <a:endParaRPr lang="en-US"/>
           </a:p>
         </c:txPr>
-        <c:crossAx val="287927855"/>
+        <c:crossAx val="626186720"/>
         <c:crosses val="autoZero"/>
         <c:crossBetween val="between"/>
       </c:valAx>
@@ -6607,6 +6607,16 @@
     </c:plotArea>
     <c:legend>
       <c:legendPos val="b"/>
+      <c:layout>
+        <c:manualLayout>
+          <c:xMode val="edge"/>
+          <c:yMode val="edge"/>
+          <c:x val="3.0438670166229226E-2"/>
+          <c:y val="0.73004680664916877"/>
+          <c:w val="0.9424559930008749"/>
+          <c:h val="0.25328652668416446"/>
+        </c:manualLayout>
+      </c:layout>
       <c:overlay val="0"/>
       <c:spPr>
         <a:noFill/>
@@ -10648,7 +10658,7 @@
           <a:bodyPr/>
           <a:lstStyle/>
           <a:p>
-            <a:fld id="{79C30FE0-8EFC-4094-A756-3613B74EBB15}" type="slidenum">
+            <a:fld id="{63DD1445-FE16-4B3E-957E-1E23368435AF}" type="slidenum">
               <a:rPr lang="en-US" smtClean="0"/>
               <a:t>‹#›</a:t>
             </a:fld>
@@ -10695,7 +10705,7 @@
     </p:spTree>
     <p:extLst>
       <p:ext uri="{BB962C8B-B14F-4D97-AF65-F5344CB8AC3E}">
-        <p14:creationId xmlns:p14="http://schemas.microsoft.com/office/powerpoint/2010/main" val="4259893834"/>
+        <p14:creationId xmlns:p14="http://schemas.microsoft.com/office/powerpoint/2010/main" val="1559330080"/>
       </p:ext>
     </p:extLst>
   </p:cSld>
@@ -10828,7 +10838,7 @@
           <a:bodyPr/>
           <a:lstStyle/>
           <a:p>
-            <a:fld id="{81638023-F60A-4B21-BA4E-BD9AA67C04CD}" type="datetimeFigureOut">
+            <a:fld id="{5BA7D939-328E-4FDC-8520-F2EE74C8E8C4}" type="datetimeFigureOut">
               <a:rPr lang="en-US" smtClean="0"/>
               <a:t>10/6/2025</a:t>
             </a:fld>
@@ -10882,7 +10892,7 @@
           <a:bodyPr/>
           <a:lstStyle/>
           <a:p>
-            <a:fld id="{79C30FE0-8EFC-4094-A756-3613B74EBB15}" type="slidenum">
+            <a:fld id="{63DD1445-FE16-4B3E-957E-1E23368435AF}" type="slidenum">
               <a:rPr lang="en-US" smtClean="0"/>
               <a:t>‹#›</a:t>
             </a:fld>
@@ -10893,7 +10903,7 @@
     </p:spTree>
     <p:extLst>
       <p:ext uri="{BB962C8B-B14F-4D97-AF65-F5344CB8AC3E}">
-        <p14:creationId xmlns:p14="http://schemas.microsoft.com/office/powerpoint/2010/main" val="3149607699"/>
+        <p14:creationId xmlns:p14="http://schemas.microsoft.com/office/powerpoint/2010/main" val="3621967431"/>
       </p:ext>
     </p:extLst>
   </p:cSld>
@@ -11036,7 +11046,7 @@
           <a:bodyPr/>
           <a:lstStyle/>
           <a:p>
-            <a:fld id="{81638023-F60A-4B21-BA4E-BD9AA67C04CD}" type="datetimeFigureOut">
+            <a:fld id="{5BA7D939-328E-4FDC-8520-F2EE74C8E8C4}" type="datetimeFigureOut">
               <a:rPr lang="en-US" smtClean="0"/>
               <a:t>10/6/2025</a:t>
             </a:fld>
@@ -11090,7 +11100,7 @@
           <a:bodyPr/>
           <a:lstStyle/>
           <a:p>
-            <a:fld id="{79C30FE0-8EFC-4094-A756-3613B74EBB15}" type="slidenum">
+            <a:fld id="{63DD1445-FE16-4B3E-957E-1E23368435AF}" type="slidenum">
               <a:rPr lang="en-US" smtClean="0"/>
               <a:t>‹#›</a:t>
             </a:fld>
@@ -11101,7 +11111,7 @@
     </p:spTree>
     <p:extLst>
       <p:ext uri="{BB962C8B-B14F-4D97-AF65-F5344CB8AC3E}">
-        <p14:creationId xmlns:p14="http://schemas.microsoft.com/office/powerpoint/2010/main" val="591726175"/>
+        <p14:creationId xmlns:p14="http://schemas.microsoft.com/office/powerpoint/2010/main" val="4107514906"/>
       </p:ext>
     </p:extLst>
   </p:cSld>
@@ -11245,7 +11255,7 @@
           <a:bodyPr/>
           <a:lstStyle/>
           <a:p>
-            <a:fld id="{81638023-F60A-4B21-BA4E-BD9AA67C04CD}" type="datetimeFigureOut">
+            <a:fld id="{5BA7D939-328E-4FDC-8520-F2EE74C8E8C4}" type="datetimeFigureOut">
               <a:rPr lang="en-US" smtClean="0"/>
               <a:t>10/6/2025</a:t>
             </a:fld>
@@ -11299,7 +11309,7 @@
           <a:bodyPr/>
           <a:lstStyle/>
           <a:p>
-            <a:fld id="{79C30FE0-8EFC-4094-A756-3613B74EBB15}" type="slidenum">
+            <a:fld id="{63DD1445-FE16-4B3E-957E-1E23368435AF}" type="slidenum">
               <a:rPr lang="en-US" smtClean="0"/>
               <a:t>‹#›</a:t>
             </a:fld>
@@ -11346,7 +11356,7 @@
     </p:spTree>
     <p:extLst>
       <p:ext uri="{BB962C8B-B14F-4D97-AF65-F5344CB8AC3E}">
-        <p14:creationId xmlns:p14="http://schemas.microsoft.com/office/powerpoint/2010/main" val="3878810970"/>
+        <p14:creationId xmlns:p14="http://schemas.microsoft.com/office/powerpoint/2010/main" val="4085317518"/>
       </p:ext>
     </p:extLst>
   </p:cSld>
@@ -11560,7 +11570,7 @@
           <a:bodyPr/>
           <a:lstStyle/>
           <a:p>
-            <a:fld id="{81638023-F60A-4B21-BA4E-BD9AA67C04CD}" type="datetimeFigureOut">
+            <a:fld id="{5BA7D939-328E-4FDC-8520-F2EE74C8E8C4}" type="datetimeFigureOut">
               <a:rPr lang="en-US" smtClean="0"/>
               <a:t>10/6/2025</a:t>
             </a:fld>
@@ -11614,7 +11624,7 @@
           <a:bodyPr/>
           <a:lstStyle/>
           <a:p>
-            <a:fld id="{79C30FE0-8EFC-4094-A756-3613B74EBB15}" type="slidenum">
+            <a:fld id="{63DD1445-FE16-4B3E-957E-1E23368435AF}" type="slidenum">
               <a:rPr lang="en-US" smtClean="0"/>
               <a:t>‹#›</a:t>
             </a:fld>
@@ -11661,7 +11671,7 @@
     </p:spTree>
     <p:extLst>
       <p:ext uri="{BB962C8B-B14F-4D97-AF65-F5344CB8AC3E}">
-        <p14:creationId xmlns:p14="http://schemas.microsoft.com/office/powerpoint/2010/main" val="1212809838"/>
+        <p14:creationId xmlns:p14="http://schemas.microsoft.com/office/powerpoint/2010/main" val="2884381239"/>
       </p:ext>
     </p:extLst>
   </p:cSld>
@@ -11866,7 +11876,7 @@
           <a:bodyPr/>
           <a:lstStyle/>
           <a:p>
-            <a:fld id="{81638023-F60A-4B21-BA4E-BD9AA67C04CD}" type="datetimeFigureOut">
+            <a:fld id="{5BA7D939-328E-4FDC-8520-F2EE74C8E8C4}" type="datetimeFigureOut">
               <a:rPr lang="en-US" smtClean="0"/>
               <a:t>10/6/2025</a:t>
             </a:fld>
@@ -11920,7 +11930,7 @@
           <a:bodyPr/>
           <a:lstStyle/>
           <a:p>
-            <a:fld id="{79C30FE0-8EFC-4094-A756-3613B74EBB15}" type="slidenum">
+            <a:fld id="{63DD1445-FE16-4B3E-957E-1E23368435AF}" type="slidenum">
               <a:rPr lang="en-US" smtClean="0"/>
               <a:t>‹#›</a:t>
             </a:fld>
@@ -11967,7 +11977,7 @@
     </p:spTree>
     <p:extLst>
       <p:ext uri="{BB962C8B-B14F-4D97-AF65-F5344CB8AC3E}">
-        <p14:creationId xmlns:p14="http://schemas.microsoft.com/office/powerpoint/2010/main" val="432268204"/>
+        <p14:creationId xmlns:p14="http://schemas.microsoft.com/office/powerpoint/2010/main" val="2022948706"/>
       </p:ext>
     </p:extLst>
   </p:cSld>
@@ -12314,7 +12324,7 @@
           <a:bodyPr/>
           <a:lstStyle/>
           <a:p>
-            <a:fld id="{81638023-F60A-4B21-BA4E-BD9AA67C04CD}" type="datetimeFigureOut">
+            <a:fld id="{5BA7D939-328E-4FDC-8520-F2EE74C8E8C4}" type="datetimeFigureOut">
               <a:rPr lang="en-US" smtClean="0"/>
               <a:t>10/6/2025</a:t>
             </a:fld>
@@ -12368,7 +12378,7 @@
           <a:bodyPr/>
           <a:lstStyle/>
           <a:p>
-            <a:fld id="{79C30FE0-8EFC-4094-A756-3613B74EBB15}" type="slidenum">
+            <a:fld id="{63DD1445-FE16-4B3E-957E-1E23368435AF}" type="slidenum">
               <a:rPr lang="en-US" smtClean="0"/>
               <a:t>‹#›</a:t>
             </a:fld>
@@ -12415,7 +12425,7 @@
     </p:spTree>
     <p:extLst>
       <p:ext uri="{BB962C8B-B14F-4D97-AF65-F5344CB8AC3E}">
-        <p14:creationId xmlns:p14="http://schemas.microsoft.com/office/powerpoint/2010/main" val="1973795107"/>
+        <p14:creationId xmlns:p14="http://schemas.microsoft.com/office/powerpoint/2010/main" val="1373978173"/>
       </p:ext>
     </p:extLst>
   </p:cSld>
@@ -12496,7 +12506,7 @@
           <a:bodyPr/>
           <a:lstStyle/>
           <a:p>
-            <a:fld id="{81638023-F60A-4B21-BA4E-BD9AA67C04CD}" type="datetimeFigureOut">
+            <a:fld id="{5BA7D939-328E-4FDC-8520-F2EE74C8E8C4}" type="datetimeFigureOut">
               <a:rPr lang="en-US" smtClean="0"/>
               <a:t>10/6/2025</a:t>
             </a:fld>
@@ -12550,7 +12560,7 @@
           <a:bodyPr/>
           <a:lstStyle/>
           <a:p>
-            <a:fld id="{79C30FE0-8EFC-4094-A756-3613B74EBB15}" type="slidenum">
+            <a:fld id="{63DD1445-FE16-4B3E-957E-1E23368435AF}" type="slidenum">
               <a:rPr lang="en-US" smtClean="0"/>
               <a:t>‹#›</a:t>
             </a:fld>
@@ -12597,7 +12607,7 @@
     </p:spTree>
     <p:extLst>
       <p:ext uri="{BB962C8B-B14F-4D97-AF65-F5344CB8AC3E}">
-        <p14:creationId xmlns:p14="http://schemas.microsoft.com/office/powerpoint/2010/main" val="1269986399"/>
+        <p14:creationId xmlns:p14="http://schemas.microsoft.com/office/powerpoint/2010/main" val="913683325"/>
       </p:ext>
     </p:extLst>
   </p:cSld>
@@ -12645,7 +12655,7 @@
           <a:bodyPr/>
           <a:lstStyle/>
           <a:p>
-            <a:fld id="{81638023-F60A-4B21-BA4E-BD9AA67C04CD}" type="datetimeFigureOut">
+            <a:fld id="{5BA7D939-328E-4FDC-8520-F2EE74C8E8C4}" type="datetimeFigureOut">
               <a:rPr lang="en-US" smtClean="0"/>
               <a:t>10/6/2025</a:t>
             </a:fld>
@@ -12699,7 +12709,7 @@
           <a:bodyPr/>
           <a:lstStyle/>
           <a:p>
-            <a:fld id="{79C30FE0-8EFC-4094-A756-3613B74EBB15}" type="slidenum">
+            <a:fld id="{63DD1445-FE16-4B3E-957E-1E23368435AF}" type="slidenum">
               <a:rPr lang="en-US" smtClean="0"/>
               <a:t>‹#›</a:t>
             </a:fld>
@@ -12746,7 +12756,7 @@
     </p:spTree>
     <p:extLst>
       <p:ext uri="{BB962C8B-B14F-4D97-AF65-F5344CB8AC3E}">
-        <p14:creationId xmlns:p14="http://schemas.microsoft.com/office/powerpoint/2010/main" val="3570495877"/>
+        <p14:creationId xmlns:p14="http://schemas.microsoft.com/office/powerpoint/2010/main" val="1105512632"/>
       </p:ext>
     </p:extLst>
   </p:cSld>
@@ -12993,7 +13003,7 @@
           <a:bodyPr/>
           <a:lstStyle/>
           <a:p>
-            <a:fld id="{81638023-F60A-4B21-BA4E-BD9AA67C04CD}" type="datetimeFigureOut">
+            <a:fld id="{5BA7D939-328E-4FDC-8520-F2EE74C8E8C4}" type="datetimeFigureOut">
               <a:rPr lang="en-US" smtClean="0"/>
               <a:t>10/6/2025</a:t>
             </a:fld>
@@ -13047,7 +13057,7 @@
           <a:bodyPr/>
           <a:lstStyle/>
           <a:p>
-            <a:fld id="{79C30FE0-8EFC-4094-A756-3613B74EBB15}" type="slidenum">
+            <a:fld id="{63DD1445-FE16-4B3E-957E-1E23368435AF}" type="slidenum">
               <a:rPr lang="en-US" smtClean="0"/>
               <a:t>‹#›</a:t>
             </a:fld>
@@ -13094,7 +13104,7 @@
     </p:spTree>
     <p:extLst>
       <p:ext uri="{BB962C8B-B14F-4D97-AF65-F5344CB8AC3E}">
-        <p14:creationId xmlns:p14="http://schemas.microsoft.com/office/powerpoint/2010/main" val="531299040"/>
+        <p14:creationId xmlns:p14="http://schemas.microsoft.com/office/powerpoint/2010/main" val="66195929"/>
       </p:ext>
     </p:extLst>
   </p:cSld>
@@ -13321,7 +13331,7 @@
           <a:bodyPr/>
           <a:lstStyle/>
           <a:p>
-            <a:fld id="{81638023-F60A-4B21-BA4E-BD9AA67C04CD}" type="datetimeFigureOut">
+            <a:fld id="{5BA7D939-328E-4FDC-8520-F2EE74C8E8C4}" type="datetimeFigureOut">
               <a:rPr lang="en-US" smtClean="0"/>
               <a:t>10/6/2025</a:t>
             </a:fld>
@@ -13375,7 +13385,7 @@
           <a:bodyPr/>
           <a:lstStyle/>
           <a:p>
-            <a:fld id="{79C30FE0-8EFC-4094-A756-3613B74EBB15}" type="slidenum">
+            <a:fld id="{63DD1445-FE16-4B3E-957E-1E23368435AF}" type="slidenum">
               <a:rPr lang="en-US" smtClean="0"/>
               <a:t>‹#›</a:t>
             </a:fld>
@@ -13422,7 +13432,7 @@
     </p:spTree>
     <p:extLst>
       <p:ext uri="{BB962C8B-B14F-4D97-AF65-F5344CB8AC3E}">
-        <p14:creationId xmlns:p14="http://schemas.microsoft.com/office/powerpoint/2010/main" val="3207927331"/>
+        <p14:creationId xmlns:p14="http://schemas.microsoft.com/office/powerpoint/2010/main" val="814440078"/>
       </p:ext>
     </p:extLst>
   </p:cSld>
@@ -13599,7 +13609,7 @@
             </a:lvl1pPr>
           </a:lstStyle>
           <a:p>
-            <a:fld id="{81638023-F60A-4B21-BA4E-BD9AA67C04CD}" type="datetimeFigureOut">
+            <a:fld id="{5BA7D939-328E-4FDC-8520-F2EE74C8E8C4}" type="datetimeFigureOut">
               <a:rPr lang="en-US" smtClean="0"/>
               <a:t>10/6/2025</a:t>
             </a:fld>
@@ -13689,7 +13699,7 @@
             </a:lvl1pPr>
           </a:lstStyle>
           <a:p>
-            <a:fld id="{79C30FE0-8EFC-4094-A756-3613B74EBB15}" type="slidenum">
+            <a:fld id="{63DD1445-FE16-4B3E-957E-1E23368435AF}" type="slidenum">
               <a:rPr lang="en-US" smtClean="0"/>
               <a:t>‹#›</a:t>
             </a:fld>
@@ -13700,7 +13710,7 @@
     </p:spTree>
     <p:extLst>
       <p:ext uri="{BB962C8B-B14F-4D97-AF65-F5344CB8AC3E}">
-        <p14:creationId xmlns:p14="http://schemas.microsoft.com/office/powerpoint/2010/main" val="871263937"/>
+        <p14:creationId xmlns:p14="http://schemas.microsoft.com/office/powerpoint/2010/main" val="3567085188"/>
       </p:ext>
     </p:extLst>
   </p:cSld>
@@ -14020,7 +14030,13 @@
       </p:grpSpPr>
       <p:sp>
         <p:nvSpPr>
-          <p:cNvPr id="2" name="Title 1"/>
+          <p:cNvPr id="2" name="Title 1">
+            <a:extLst>
+              <a:ext uri="{FF2B5EF4-FFF2-40B4-BE49-F238E27FC236}">
+                <a16:creationId xmlns:a16="http://schemas.microsoft.com/office/drawing/2014/main" id="{FDB2A1A5-5901-4D11-B662-CE7944B91E2F}"/>
+              </a:ext>
+            </a:extLst>
+          </p:cNvPr>
           <p:cNvSpPr>
             <a:spLocks noGrp="1"/>
           </p:cNvSpPr>
@@ -14028,50 +14044,43 @@
             <p:ph type="ctrTitle"/>
           </p:nvPr>
         </p:nvSpPr>
-        <p:spPr>
-          <a:xfrm>
-            <a:off x="324666" y="2158700"/>
-            <a:ext cx="11542644" cy="1640266"/>
-          </a:xfrm>
-        </p:spPr>
+        <p:spPr/>
         <p:txBody>
-          <a:bodyPr anchor="ctr">
-            <a:noAutofit/>
-          </a:bodyPr>
+          <a:bodyPr/>
           <a:lstStyle/>
           <a:p>
             <a:r>
-              <a:rPr lang="en-US" sz="4000" b="1" dirty="0"/>
-              <a:t>Service Members and Their Dependents With eGFR-based CKD Stages 3–5 Who Also have a Diagnosis Code for CKD in the Military Health System </a:t>
+              <a:rPr lang="en-US" dirty="0"/>
+              <a:t>Trends in Prevalence of CKD Stages 3–5 in the Military Health System</a:t>
             </a:r>
           </a:p>
         </p:txBody>
       </p:sp>
       <p:sp>
         <p:nvSpPr>
-          <p:cNvPr id="5" name="TextBox 4">
+          <p:cNvPr id="3" name="Subtitle 2">
             <a:extLst>
               <a:ext uri="{FF2B5EF4-FFF2-40B4-BE49-F238E27FC236}">
-                <a16:creationId xmlns:a16="http://schemas.microsoft.com/office/drawing/2014/main" id="{8BCFA14B-AC93-4C17-8646-80240875DD4C}"/>
+                <a16:creationId xmlns:a16="http://schemas.microsoft.com/office/drawing/2014/main" id="{7D6C52F4-F03A-4F43-9343-FB6677EEF338}"/>
               </a:ext>
             </a:extLst>
           </p:cNvPr>
-          <p:cNvSpPr txBox="1"/>
-          <p:nvPr/>
+          <p:cNvSpPr>
+            <a:spLocks noGrp="1"/>
+          </p:cNvSpPr>
+          <p:nvPr>
+            <p:ph type="subTitle" idx="1"/>
+          </p:nvPr>
         </p:nvSpPr>
         <p:spPr>
           <a:xfrm>
-            <a:off x="324666" y="3879167"/>
-            <a:ext cx="11542644" cy="2308324"/>
+            <a:off x="335280" y="3888827"/>
+            <a:ext cx="11521440" cy="2212427"/>
           </a:xfrm>
-          <a:prstGeom prst="rect">
-            <a:avLst/>
-          </a:prstGeom>
-          <a:noFill/>
         </p:spPr>
         <p:txBody>
-          <a:bodyPr wrap="square" rtlCol="0">
-            <a:spAutoFit/>
+          <a:bodyPr>
+            <a:normAutofit/>
           </a:bodyPr>
           <a:lstStyle/>
           <a:p>
@@ -14082,7 +14091,23 @@
                 <a:latin typeface="Calibri" panose="020F0502020204030204" pitchFamily="34" charset="0"/>
                 <a:ea typeface="Times New Roman" panose="02020603050405020304" pitchFamily="18" charset="0"/>
               </a:rPr>
-              <a:t>For MHS beneficiaries with CKD stages 3–5 based on eGFR, the </a:t>
+              <a:t>The crude prevalence of Military Health System (MHS) beneficiaries with CKD stages 3–5 (estimated glomerular filtration rate [eGFR] &lt;60 ml/min/1.73</a:t>
+            </a:r>
+            <a:r>
+              <a:rPr lang="en-US" sz="1800" baseline="30000" dirty="0">
+                <a:effectLst/>
+                <a:latin typeface="Calibri" panose="020F0502020204030204" pitchFamily="34" charset="0"/>
+                <a:ea typeface="Times New Roman" panose="02020603050405020304" pitchFamily="18" charset="0"/>
+              </a:rPr>
+              <a:t>2</a:t>
+            </a:r>
+            <a:r>
+              <a:rPr lang="en-US" sz="1800" dirty="0">
+                <a:effectLst/>
+                <a:latin typeface="Calibri" panose="020F0502020204030204" pitchFamily="34" charset="0"/>
+                <a:ea typeface="Times New Roman" panose="02020603050405020304" pitchFamily="18" charset="0"/>
+              </a:rPr>
+              <a:t>) ranged from 5.9% to 4.</a:t>
             </a:r>
             <a:r>
               <a:rPr lang="en-US" sz="1800" dirty="0">
@@ -14090,7 +14115,7 @@
                 <a:latin typeface="Calibri" panose="020F0502020204030204" pitchFamily="34" charset="0"/>
                 <a:ea typeface="Malgun Gothic" panose="020B0503020000020004" pitchFamily="34" charset="-127"/>
               </a:rPr>
-              <a:t>crude </a:t>
+              <a:t>8</a:t>
             </a:r>
             <a:r>
               <a:rPr lang="en-US" sz="1800" dirty="0">
@@ -14098,7 +14123,7 @@
                 <a:latin typeface="Calibri" panose="020F0502020204030204" pitchFamily="34" charset="0"/>
                 <a:ea typeface="Times New Roman" panose="02020603050405020304" pitchFamily="18" charset="0"/>
               </a:rPr>
-              <a:t>prevalence of those who also had an ICD-9 diagnosis code for CKD was 25.0%–36.5% in 2009–2015. After conversion to ICD-10 in 2016, the prevalence was around 30.0%–36.0% in 2016–2023. The crude percentage of adults with a diagnosis code was higher in adults aged ≥50 years, those with CKD stages 4−5</a:t>
+              <a:t>% during 2009–202</a:t>
             </a:r>
             <a:r>
               <a:rPr lang="en-US" sz="1800" dirty="0">
@@ -14106,7 +14131,7 @@
                 <a:latin typeface="Calibri" panose="020F0502020204030204" pitchFamily="34" charset="0"/>
                 <a:ea typeface="Malgun Gothic" panose="020B0503020000020004" pitchFamily="34" charset="-127"/>
               </a:rPr>
-              <a:t>, and men</a:t>
+              <a:t>3</a:t>
             </a:r>
             <a:r>
               <a:rPr lang="en-US" sz="1800" dirty="0">
@@ -14114,7 +14139,7 @@
                 <a:latin typeface="Calibri" panose="020F0502020204030204" pitchFamily="34" charset="0"/>
                 <a:ea typeface="Times New Roman" panose="02020603050405020304" pitchFamily="18" charset="0"/>
               </a:rPr>
-              <a:t> compared with the corresponding counterparts. </a:t>
+              <a:t>. The age-standardized prevalence decreased from </a:t>
             </a:r>
             <a:r>
               <a:rPr lang="en-US" sz="1800" dirty="0">
@@ -14122,7 +14147,7 @@
                 <a:latin typeface="Calibri" panose="020F0502020204030204" pitchFamily="34" charset="0"/>
                 <a:ea typeface="Malgun Gothic" panose="020B0503020000020004" pitchFamily="34" charset="-127"/>
               </a:rPr>
-              <a:t>During 2009</a:t>
+              <a:t>7.7</a:t>
             </a:r>
             <a:r>
               <a:rPr lang="en-US" sz="1800" dirty="0">
@@ -14130,7 +14155,7 @@
                 <a:latin typeface="Calibri" panose="020F0502020204030204" pitchFamily="34" charset="0"/>
                 <a:ea typeface="Times New Roman" panose="02020603050405020304" pitchFamily="18" charset="0"/>
               </a:rPr>
-              <a:t>–</a:t>
+              <a:t>% to 5.6%. The crude prevalence of CKD stages 3–5 was highest in adults aged ≥70 years and Black adults</a:t>
             </a:r>
             <a:r>
               <a:rPr lang="en-US" sz="1800" dirty="0">
@@ -14138,7 +14163,7 @@
                 <a:latin typeface="Calibri" panose="020F0502020204030204" pitchFamily="34" charset="0"/>
                 <a:ea typeface="Malgun Gothic" panose="020B0503020000020004" pitchFamily="34" charset="-127"/>
               </a:rPr>
-              <a:t>2023, no distinct patterns </a:t>
+              <a:t> (among those with known race and ethnicity)</a:t>
             </a:r>
             <a:r>
               <a:rPr lang="en-US" sz="1800" dirty="0">
@@ -14146,82 +14171,32 @@
                 <a:latin typeface="Calibri" panose="020F0502020204030204" pitchFamily="34" charset="0"/>
                 <a:ea typeface="Times New Roman" panose="02020603050405020304" pitchFamily="18" charset="0"/>
               </a:rPr>
-              <a:t>were observed </a:t>
+              <a:t>. The age-standardized prevalence was highest in Black adults compared with their counterparts. </a:t>
             </a:r>
-            <a:r>
-              <a:rPr lang="en-US" sz="1800" dirty="0">
-                <a:effectLst/>
-                <a:latin typeface="Calibri" panose="020F0502020204030204" pitchFamily="34" charset="0"/>
-                <a:ea typeface="Malgun Gothic" panose="020B0503020000020004" pitchFamily="34" charset="-127"/>
-              </a:rPr>
-              <a:t>within</a:t>
-            </a:r>
-            <a:r>
-              <a:rPr lang="en-US" sz="1800" dirty="0">
-                <a:effectLst/>
-                <a:latin typeface="Calibri" panose="020F0502020204030204" pitchFamily="34" charset="0"/>
-                <a:ea typeface="Times New Roman" panose="02020603050405020304" pitchFamily="18" charset="0"/>
-              </a:rPr>
-              <a:t> specific race and ethnicity groups.</a:t>
-            </a:r>
-          </a:p>
-          <a:p>
-            <a:pPr algn="l"/>
-            <a:endParaRPr lang="en-US" b="1" dirty="0">
-              <a:solidFill>
-                <a:srgbClr val="000000"/>
-              </a:solidFill>
-              <a:effectLst/>
-              <a:latin typeface="Open Sans" panose="020B0606030504020204" pitchFamily="34" charset="0"/>
+            <a:endParaRPr lang="en-US" dirty="0">
+              <a:latin typeface="Calibri" panose="020F0502020204030204" pitchFamily="34" charset="0"/>
             </a:endParaRPr>
           </a:p>
           <a:p>
             <a:pPr algn="l"/>
             <a:r>
-              <a:rPr lang="en-US" b="1" dirty="0">
-                <a:solidFill>
-                  <a:srgbClr val="000000"/>
-                </a:solidFill>
-                <a:effectLst/>
-                <a:latin typeface="Open Sans" panose="020B0606030504020204" pitchFamily="34" charset="0"/>
-              </a:rPr>
-              <a:t>Data Source: </a:t>
+              <a:rPr lang="en-US" b="1" dirty="0"/>
+              <a:t>Data Source: </a:t>
             </a:r>
             <a:r>
-              <a:rPr lang="en-US" dirty="0">
-                <a:solidFill>
-                  <a:srgbClr val="000000"/>
-                </a:solidFill>
-                <a:latin typeface="Open Sans" panose="020B0606030504020204" pitchFamily="34" charset="0"/>
-              </a:rPr>
+              <a:rPr lang="en-US" dirty="0"/>
               <a:t>DoD-MHS</a:t>
             </a:r>
-            <a:endParaRPr lang="en-US" b="0" dirty="0">
-              <a:solidFill>
-                <a:srgbClr val="000000"/>
-              </a:solidFill>
-              <a:effectLst/>
-              <a:latin typeface="Open Sans" panose="020B0606030504020204" pitchFamily="34" charset="0"/>
-            </a:endParaRPr>
-          </a:p>
-          <a:p>
-            <a:pPr algn="l"/>
-            <a:endParaRPr lang="en-US" b="0" dirty="0">
-              <a:solidFill>
-                <a:srgbClr val="000000"/>
-              </a:solidFill>
-              <a:effectLst/>
-              <a:latin typeface="Open Sans" panose="020B0606030504020204" pitchFamily="34" charset="0"/>
-            </a:endParaRPr>
+            <a:endParaRPr lang="en-US" b="1" dirty="0"/>
           </a:p>
         </p:txBody>
       </p:sp>
       <p:sp>
         <p:nvSpPr>
-          <p:cNvPr id="6" name="TextBox 5">
+          <p:cNvPr id="4" name="TextBox 3">
             <a:extLst>
               <a:ext uri="{FF2B5EF4-FFF2-40B4-BE49-F238E27FC236}">
-                <a16:creationId xmlns:a16="http://schemas.microsoft.com/office/drawing/2014/main" id="{C02692DE-70E6-4DF4-B463-70286F232123}"/>
+                <a16:creationId xmlns:a16="http://schemas.microsoft.com/office/drawing/2014/main" id="{ABB66615-BC02-4DD4-8022-7F24754CAA39}"/>
               </a:ext>
             </a:extLst>
           </p:cNvPr>
@@ -14262,7 +14237,7 @@
     </p:spTree>
     <p:extLst>
       <p:ext uri="{BB962C8B-B14F-4D97-AF65-F5344CB8AC3E}">
-        <p14:creationId xmlns:p14="http://schemas.microsoft.com/office/powerpoint/2010/main" val="1019068132"/>
+        <p14:creationId xmlns:p14="http://schemas.microsoft.com/office/powerpoint/2010/main" val="323948775"/>
       </p:ext>
     </p:extLst>
   </p:cSld>
@@ -14291,10 +14266,10 @@
       </p:grpSpPr>
       <p:sp>
         <p:nvSpPr>
-          <p:cNvPr id="4" name="Title 1">
+          <p:cNvPr id="2" name="Title 1">
             <a:extLst>
               <a:ext uri="{FF2B5EF4-FFF2-40B4-BE49-F238E27FC236}">
-                <a16:creationId xmlns:a16="http://schemas.microsoft.com/office/drawing/2014/main" id="{805C12A9-AF8E-4EE1-ADBE-9EA501E3C35F}"/>
+                <a16:creationId xmlns:a16="http://schemas.microsoft.com/office/drawing/2014/main" id="{7F016C50-B4E6-454B-9087-E804E2D112B0}"/>
               </a:ext>
             </a:extLst>
           </p:cNvPr>
@@ -14313,23 +14288,23 @@
         </p:spPr>
         <p:txBody>
           <a:bodyPr anchor="ctr">
-            <a:noAutofit/>
+            <a:normAutofit/>
           </a:bodyPr>
           <a:lstStyle/>
           <a:p>
             <a:r>
-              <a:rPr lang="en-US" sz="3600" b="1" dirty="0"/>
-              <a:t>Service Members and Their Dependents With eGFR-based CKD Stages 3–5 Who Also have a Diagnosis Code for CKD in the Military Health System, Crude</a:t>
+              <a:rPr lang="en-US" dirty="0"/>
+              <a:t>Trends in Prevalence of CKD Stages 3–5 in the Military Health System, Crude</a:t>
             </a:r>
           </a:p>
         </p:txBody>
       </p:sp>
       <p:graphicFrame>
         <p:nvGraphicFramePr>
-          <p:cNvPr id="6" name="Chart 5">
+          <p:cNvPr id="7" name="Chart 6">
             <a:extLst>
               <a:ext uri="{FF2B5EF4-FFF2-40B4-BE49-F238E27FC236}">
-                <a16:creationId xmlns:a16="http://schemas.microsoft.com/office/drawing/2014/main" id="{A3740842-1BDB-47AB-BA52-9F3AB1190A42}"/>
+                <a16:creationId xmlns:a16="http://schemas.microsoft.com/office/drawing/2014/main" id="{4FC3E75F-0767-423E-840B-295016064A45}"/>
               </a:ext>
             </a:extLst>
           </p:cNvPr>
@@ -14339,7 +14314,7 @@
           <p:nvPr>
             <p:extLst>
               <p:ext uri="{D42A27DB-BD31-4B8C-83A1-F6EECF244321}">
-                <p14:modId xmlns:p14="http://schemas.microsoft.com/office/powerpoint/2010/main" val="1853850403"/>
+                <p14:modId xmlns:p14="http://schemas.microsoft.com/office/powerpoint/2010/main" val="3946918982"/>
               </p:ext>
             </p:extLst>
           </p:nvPr>
@@ -14357,7 +14332,7 @@
     </p:spTree>
     <p:extLst>
       <p:ext uri="{BB962C8B-B14F-4D97-AF65-F5344CB8AC3E}">
-        <p14:creationId xmlns:p14="http://schemas.microsoft.com/office/powerpoint/2010/main" val="547595342"/>
+        <p14:creationId xmlns:p14="http://schemas.microsoft.com/office/powerpoint/2010/main" val="3178853898"/>
       </p:ext>
     </p:extLst>
   </p:cSld>
@@ -14386,10 +14361,10 @@
       </p:grpSpPr>
       <p:sp>
         <p:nvSpPr>
-          <p:cNvPr id="4" name="Title 1">
+          <p:cNvPr id="2" name="Title 1">
             <a:extLst>
               <a:ext uri="{FF2B5EF4-FFF2-40B4-BE49-F238E27FC236}">
-                <a16:creationId xmlns:a16="http://schemas.microsoft.com/office/drawing/2014/main" id="{805C12A9-AF8E-4EE1-ADBE-9EA501E3C35F}"/>
+                <a16:creationId xmlns:a16="http://schemas.microsoft.com/office/drawing/2014/main" id="{7F016C50-B4E6-454B-9087-E804E2D112B0}"/>
               </a:ext>
             </a:extLst>
           </p:cNvPr>
@@ -14408,23 +14383,23 @@
         </p:spPr>
         <p:txBody>
           <a:bodyPr anchor="ctr">
-            <a:noAutofit/>
+            <a:normAutofit/>
           </a:bodyPr>
           <a:lstStyle/>
           <a:p>
             <a:r>
-              <a:rPr lang="en-US" sz="3200" b="1" dirty="0"/>
-              <a:t>Service Members and Their Dependents With eGFR-based CKD Stages 3–5 Who Also have a Diagnosis Code for CKD in the Military Health System, Age Standardized</a:t>
+              <a:rPr lang="en-US" dirty="0"/>
+              <a:t>Trends in Prevalence of CKD Stages 3–5 in the Military Health System, Age Standardized</a:t>
             </a:r>
           </a:p>
         </p:txBody>
       </p:sp>
       <p:graphicFrame>
         <p:nvGraphicFramePr>
-          <p:cNvPr id="5" name="Chart 4">
+          <p:cNvPr id="7" name="Chart 6">
             <a:extLst>
               <a:ext uri="{FF2B5EF4-FFF2-40B4-BE49-F238E27FC236}">
-                <a16:creationId xmlns:a16="http://schemas.microsoft.com/office/drawing/2014/main" id="{40EB531B-4D55-4BDF-A760-4556B18D4905}"/>
+                <a16:creationId xmlns:a16="http://schemas.microsoft.com/office/drawing/2014/main" id="{38F00509-39FA-4CC4-8AFB-00F057F94135}"/>
               </a:ext>
             </a:extLst>
           </p:cNvPr>
@@ -14434,7 +14409,7 @@
           <p:nvPr>
             <p:extLst>
               <p:ext uri="{D42A27DB-BD31-4B8C-83A1-F6EECF244321}">
-                <p14:modId xmlns:p14="http://schemas.microsoft.com/office/powerpoint/2010/main" val="1801902550"/>
+                <p14:modId xmlns:p14="http://schemas.microsoft.com/office/powerpoint/2010/main" val="1268856954"/>
               </p:ext>
             </p:extLst>
           </p:nvPr>
@@ -14452,7 +14427,7 @@
     </p:spTree>
     <p:extLst>
       <p:ext uri="{BB962C8B-B14F-4D97-AF65-F5344CB8AC3E}">
-        <p14:creationId xmlns:p14="http://schemas.microsoft.com/office/powerpoint/2010/main" val="3846168844"/>
+        <p14:creationId xmlns:p14="http://schemas.microsoft.com/office/powerpoint/2010/main" val="2122233394"/>
       </p:ext>
     </p:extLst>
   </p:cSld>
@@ -14481,10 +14456,10 @@
       </p:grpSpPr>
       <p:sp>
         <p:nvSpPr>
-          <p:cNvPr id="4" name="Title 1">
+          <p:cNvPr id="2" name="Title 1">
             <a:extLst>
               <a:ext uri="{FF2B5EF4-FFF2-40B4-BE49-F238E27FC236}">
-                <a16:creationId xmlns:a16="http://schemas.microsoft.com/office/drawing/2014/main" id="{805C12A9-AF8E-4EE1-ADBE-9EA501E3C35F}"/>
+                <a16:creationId xmlns:a16="http://schemas.microsoft.com/office/drawing/2014/main" id="{7F016C50-B4E6-454B-9087-E804E2D112B0}"/>
               </a:ext>
             </a:extLst>
           </p:cNvPr>
@@ -14503,23 +14478,23 @@
         </p:spPr>
         <p:txBody>
           <a:bodyPr anchor="ctr">
-            <a:noAutofit/>
+            <a:normAutofit/>
           </a:bodyPr>
           <a:lstStyle/>
           <a:p>
             <a:r>
-              <a:rPr lang="en-US" sz="3600" b="1" dirty="0"/>
-              <a:t>Service Members and Their Dependents With eGFR-based CKD Stages 3–5 Who Also have a Diagnosis Code for CKD in the Military Health System, by Age</a:t>
+              <a:rPr lang="en-US" dirty="0"/>
+              <a:t>Trends in Prevalence of CKD Stages 3–5 in the Military Health System by Age</a:t>
             </a:r>
           </a:p>
         </p:txBody>
       </p:sp>
       <p:graphicFrame>
         <p:nvGraphicFramePr>
-          <p:cNvPr id="5" name="Chart 4">
+          <p:cNvPr id="8" name="Chart 7">
             <a:extLst>
               <a:ext uri="{FF2B5EF4-FFF2-40B4-BE49-F238E27FC236}">
-                <a16:creationId xmlns:a16="http://schemas.microsoft.com/office/drawing/2014/main" id="{D3421481-F9BB-4224-A2EA-C72FE0FE656B}"/>
+                <a16:creationId xmlns:a16="http://schemas.microsoft.com/office/drawing/2014/main" id="{D43D977C-6A16-4F62-BBCD-8C77136611BF}"/>
               </a:ext>
             </a:extLst>
           </p:cNvPr>
@@ -14529,7 +14504,7 @@
           <p:nvPr>
             <p:extLst>
               <p:ext uri="{D42A27DB-BD31-4B8C-83A1-F6EECF244321}">
-                <p14:modId xmlns:p14="http://schemas.microsoft.com/office/powerpoint/2010/main" val="2012200017"/>
+                <p14:modId xmlns:p14="http://schemas.microsoft.com/office/powerpoint/2010/main" val="735932558"/>
               </p:ext>
             </p:extLst>
           </p:nvPr>
@@ -14547,7 +14522,7 @@
     </p:spTree>
     <p:extLst>
       <p:ext uri="{BB962C8B-B14F-4D97-AF65-F5344CB8AC3E}">
-        <p14:creationId xmlns:p14="http://schemas.microsoft.com/office/powerpoint/2010/main" val="747202167"/>
+        <p14:creationId xmlns:p14="http://schemas.microsoft.com/office/powerpoint/2010/main" val="675898939"/>
       </p:ext>
     </p:extLst>
   </p:cSld>
@@ -14576,10 +14551,10 @@
       </p:grpSpPr>
       <p:sp>
         <p:nvSpPr>
-          <p:cNvPr id="4" name="Title 1">
+          <p:cNvPr id="2" name="Title 1">
             <a:extLst>
               <a:ext uri="{FF2B5EF4-FFF2-40B4-BE49-F238E27FC236}">
-                <a16:creationId xmlns:a16="http://schemas.microsoft.com/office/drawing/2014/main" id="{805C12A9-AF8E-4EE1-ADBE-9EA501E3C35F}"/>
+                <a16:creationId xmlns:a16="http://schemas.microsoft.com/office/drawing/2014/main" id="{7F016C50-B4E6-454B-9087-E804E2D112B0}"/>
               </a:ext>
             </a:extLst>
           </p:cNvPr>
@@ -14598,23 +14573,23 @@
         </p:spPr>
         <p:txBody>
           <a:bodyPr anchor="ctr">
-            <a:noAutofit/>
+            <a:normAutofit/>
           </a:bodyPr>
           <a:lstStyle/>
           <a:p>
             <a:r>
-              <a:rPr lang="en-US" sz="3600" b="1" dirty="0"/>
-              <a:t>Service Members and Their Dependents With eGFR-based CKD Stages 3–5 Who Also have a Diagnosis Code for CKD in the Military Health System by Sex, Crude</a:t>
+              <a:rPr lang="en-US"/>
+              <a:t>Trends in Prevalence of CKD Stages 3–5 in the Military Health System by Sex, Crude</a:t>
             </a:r>
           </a:p>
         </p:txBody>
       </p:sp>
       <p:graphicFrame>
         <p:nvGraphicFramePr>
-          <p:cNvPr id="6" name="Chart 5">
+          <p:cNvPr id="7" name="Chart 6">
             <a:extLst>
               <a:ext uri="{FF2B5EF4-FFF2-40B4-BE49-F238E27FC236}">
-                <a16:creationId xmlns:a16="http://schemas.microsoft.com/office/drawing/2014/main" id="{1B07D7E7-391A-47EB-828A-9B22DF93A248}"/>
+                <a16:creationId xmlns:a16="http://schemas.microsoft.com/office/drawing/2014/main" id="{11B6EB87-F0C1-4004-8F25-CD4C56EB3CCE}"/>
               </a:ext>
             </a:extLst>
           </p:cNvPr>
@@ -14624,7 +14599,7 @@
           <p:nvPr>
             <p:extLst>
               <p:ext uri="{D42A27DB-BD31-4B8C-83A1-F6EECF244321}">
-                <p14:modId xmlns:p14="http://schemas.microsoft.com/office/powerpoint/2010/main" val="1264557441"/>
+                <p14:modId xmlns:p14="http://schemas.microsoft.com/office/powerpoint/2010/main" val="402537396"/>
               </p:ext>
             </p:extLst>
           </p:nvPr>
@@ -14642,7 +14617,7 @@
     </p:spTree>
     <p:extLst>
       <p:ext uri="{BB962C8B-B14F-4D97-AF65-F5344CB8AC3E}">
-        <p14:creationId xmlns:p14="http://schemas.microsoft.com/office/powerpoint/2010/main" val="3700748127"/>
+        <p14:creationId xmlns:p14="http://schemas.microsoft.com/office/powerpoint/2010/main" val="1013013170"/>
       </p:ext>
     </p:extLst>
   </p:cSld>
@@ -14671,10 +14646,10 @@
       </p:grpSpPr>
       <p:sp>
         <p:nvSpPr>
-          <p:cNvPr id="4" name="Title 1">
+          <p:cNvPr id="2" name="Title 1">
             <a:extLst>
               <a:ext uri="{FF2B5EF4-FFF2-40B4-BE49-F238E27FC236}">
-                <a16:creationId xmlns:a16="http://schemas.microsoft.com/office/drawing/2014/main" id="{805C12A9-AF8E-4EE1-ADBE-9EA501E3C35F}"/>
+                <a16:creationId xmlns:a16="http://schemas.microsoft.com/office/drawing/2014/main" id="{7F016C50-B4E6-454B-9087-E804E2D112B0}"/>
               </a:ext>
             </a:extLst>
           </p:cNvPr>
@@ -14688,28 +14663,28 @@
         <p:spPr>
           <a:xfrm>
             <a:off x="838200" y="365125"/>
-            <a:ext cx="11182564" cy="1325563"/>
+            <a:ext cx="10515600" cy="1325563"/>
           </a:xfrm>
         </p:spPr>
         <p:txBody>
           <a:bodyPr anchor="ctr">
-            <a:noAutofit/>
+            <a:normAutofit/>
           </a:bodyPr>
           <a:lstStyle/>
           <a:p>
             <a:r>
-              <a:rPr lang="en-US" sz="3600" b="1" dirty="0"/>
-              <a:t>Service Members and Their Dependents With eGFR-based CKD Stages 3–5 Who Also have a Diagnosis Code for CKD in the Military Health System by Sex, Age Standardized</a:t>
+              <a:rPr lang="en-US" sz="4100"/>
+              <a:t>Trends in Prevalence of CKD Stages 3–5 in the Military Health System by Sex, Age standardized</a:t>
             </a:r>
           </a:p>
         </p:txBody>
       </p:sp>
       <p:graphicFrame>
         <p:nvGraphicFramePr>
-          <p:cNvPr id="7" name="Chart 6">
+          <p:cNvPr id="4" name="Chart 3">
             <a:extLst>
               <a:ext uri="{FF2B5EF4-FFF2-40B4-BE49-F238E27FC236}">
-                <a16:creationId xmlns:a16="http://schemas.microsoft.com/office/drawing/2014/main" id="{34955569-2562-498E-8B1B-52B5B354BF79}"/>
+                <a16:creationId xmlns:a16="http://schemas.microsoft.com/office/drawing/2014/main" id="{BB79CF89-E759-4922-9ECC-ACF5C7CAE9C8}"/>
               </a:ext>
             </a:extLst>
           </p:cNvPr>
@@ -14719,7 +14694,7 @@
           <p:nvPr>
             <p:extLst>
               <p:ext uri="{D42A27DB-BD31-4B8C-83A1-F6EECF244321}">
-                <p14:modId xmlns:p14="http://schemas.microsoft.com/office/powerpoint/2010/main" val="149251939"/>
+                <p14:modId xmlns:p14="http://schemas.microsoft.com/office/powerpoint/2010/main" val="821372754"/>
               </p:ext>
             </p:extLst>
           </p:nvPr>
@@ -14737,7 +14712,7 @@
     </p:spTree>
     <p:extLst>
       <p:ext uri="{BB962C8B-B14F-4D97-AF65-F5344CB8AC3E}">
-        <p14:creationId xmlns:p14="http://schemas.microsoft.com/office/powerpoint/2010/main" val="2394827317"/>
+        <p14:creationId xmlns:p14="http://schemas.microsoft.com/office/powerpoint/2010/main" val="2863339774"/>
       </p:ext>
     </p:extLst>
   </p:cSld>
@@ -14766,10 +14741,10 @@
       </p:grpSpPr>
       <p:sp>
         <p:nvSpPr>
-          <p:cNvPr id="4" name="Title 1">
+          <p:cNvPr id="2" name="Title 1">
             <a:extLst>
               <a:ext uri="{FF2B5EF4-FFF2-40B4-BE49-F238E27FC236}">
-                <a16:creationId xmlns:a16="http://schemas.microsoft.com/office/drawing/2014/main" id="{805C12A9-AF8E-4EE1-ADBE-9EA501E3C35F}"/>
+                <a16:creationId xmlns:a16="http://schemas.microsoft.com/office/drawing/2014/main" id="{7F016C50-B4E6-454B-9087-E804E2D112B0}"/>
               </a:ext>
             </a:extLst>
           </p:cNvPr>
@@ -14783,28 +14758,28 @@
         <p:spPr>
           <a:xfrm>
             <a:off x="838200" y="365125"/>
-            <a:ext cx="11192838" cy="1325563"/>
+            <a:ext cx="10515600" cy="1325563"/>
           </a:xfrm>
         </p:spPr>
         <p:txBody>
           <a:bodyPr anchor="ctr">
-            <a:noAutofit/>
+            <a:normAutofit/>
           </a:bodyPr>
           <a:lstStyle/>
           <a:p>
             <a:r>
-              <a:rPr lang="en-US" sz="3600" b="1" dirty="0"/>
-              <a:t>Service Members and Their Dependents With eGFR-based CKD Stages 3–5 Who Also have a Diagnosis Code for CKD in the Military Health System by Race/Ethnicity, Crude</a:t>
+              <a:rPr lang="en-US" sz="4100" dirty="0"/>
+              <a:t>Trends in Prevalence of CKD Stages 3–5 in the Military Health System by Race/Ethnicity, Crude</a:t>
             </a:r>
           </a:p>
         </p:txBody>
       </p:sp>
       <p:graphicFrame>
         <p:nvGraphicFramePr>
-          <p:cNvPr id="8" name="Chart 7">
+          <p:cNvPr id="6" name="Chart 5">
             <a:extLst>
               <a:ext uri="{FF2B5EF4-FFF2-40B4-BE49-F238E27FC236}">
-                <a16:creationId xmlns:a16="http://schemas.microsoft.com/office/drawing/2014/main" id="{BE2762C2-B849-40CC-80E8-B7F7A07025FC}"/>
+                <a16:creationId xmlns:a16="http://schemas.microsoft.com/office/drawing/2014/main" id="{B1D8F915-D845-43B8-A9ED-994BED830F15}"/>
               </a:ext>
             </a:extLst>
           </p:cNvPr>
@@ -14814,13 +14789,13 @@
           <p:nvPr>
             <p:extLst>
               <p:ext uri="{D42A27DB-BD31-4B8C-83A1-F6EECF244321}">
-                <p14:modId xmlns:p14="http://schemas.microsoft.com/office/powerpoint/2010/main" val="3408052043"/>
+                <p14:modId xmlns:p14="http://schemas.microsoft.com/office/powerpoint/2010/main" val="1104006705"/>
               </p:ext>
             </p:extLst>
           </p:nvPr>
         </p:nvGraphicFramePr>
         <p:xfrm>
-          <a:off x="381000" y="1576553"/>
+          <a:off x="381000" y="1692937"/>
           <a:ext cx="11430000" cy="4572000"/>
         </p:xfrm>
         <a:graphic>
@@ -14832,7 +14807,7 @@
     </p:spTree>
     <p:extLst>
       <p:ext uri="{BB962C8B-B14F-4D97-AF65-F5344CB8AC3E}">
-        <p14:creationId xmlns:p14="http://schemas.microsoft.com/office/powerpoint/2010/main" val="2796677766"/>
+        <p14:creationId xmlns:p14="http://schemas.microsoft.com/office/powerpoint/2010/main" val="80261331"/>
       </p:ext>
     </p:extLst>
   </p:cSld>
@@ -14861,10 +14836,10 @@
       </p:grpSpPr>
       <p:sp>
         <p:nvSpPr>
-          <p:cNvPr id="4" name="Title 1">
+          <p:cNvPr id="2" name="Title 1">
             <a:extLst>
               <a:ext uri="{FF2B5EF4-FFF2-40B4-BE49-F238E27FC236}">
-                <a16:creationId xmlns:a16="http://schemas.microsoft.com/office/drawing/2014/main" id="{805C12A9-AF8E-4EE1-ADBE-9EA501E3C35F}"/>
+                <a16:creationId xmlns:a16="http://schemas.microsoft.com/office/drawing/2014/main" id="{7F016C50-B4E6-454B-9087-E804E2D112B0}"/>
               </a:ext>
             </a:extLst>
           </p:cNvPr>
@@ -14877,34 +14852,29 @@
         </p:nvSpPr>
         <p:spPr>
           <a:xfrm>
-            <a:off x="381000" y="367374"/>
-            <a:ext cx="11811000" cy="1325563"/>
+            <a:off x="838200" y="365125"/>
+            <a:ext cx="10515600" cy="1325563"/>
           </a:xfrm>
         </p:spPr>
         <p:txBody>
           <a:bodyPr anchor="ctr">
-            <a:noAutofit/>
+            <a:normAutofit fontScale="90000"/>
           </a:bodyPr>
           <a:lstStyle/>
           <a:p>
-            <a:pPr>
-              <a:tabLst>
-                <a:tab pos="3544888" algn="l"/>
-              </a:tabLst>
-            </a:pPr>
             <a:r>
-              <a:rPr lang="en-US" sz="3600" b="1" dirty="0"/>
-              <a:t>Service Members and Their Dependents With eGFR-based CKD Stages 3–5 Who Also have a Diagnosis Code for CKD in the Military Health System by Race/Ethnicity, Age Standardized</a:t>
+              <a:rPr lang="en-US" sz="4100" dirty="0"/>
+              <a:t>Trends in Prevalence of CKD Stages 3–5 in the Military Health System by Race/Ethnicity, Age Standardized</a:t>
             </a:r>
           </a:p>
         </p:txBody>
       </p:sp>
       <p:graphicFrame>
         <p:nvGraphicFramePr>
-          <p:cNvPr id="6" name="Chart 5">
+          <p:cNvPr id="7" name="Chart 6">
             <a:extLst>
               <a:ext uri="{FF2B5EF4-FFF2-40B4-BE49-F238E27FC236}">
-                <a16:creationId xmlns:a16="http://schemas.microsoft.com/office/drawing/2014/main" id="{153093BE-C8C3-4CC7-B813-32C6A101014D}"/>
+                <a16:creationId xmlns:a16="http://schemas.microsoft.com/office/drawing/2014/main" id="{943E5C6D-0846-4D38-BE5A-7285D8D93552}"/>
               </a:ext>
             </a:extLst>
           </p:cNvPr>
@@ -14914,13 +14884,13 @@
           <p:nvPr>
             <p:extLst>
               <p:ext uri="{D42A27DB-BD31-4B8C-83A1-F6EECF244321}">
-                <p14:modId xmlns:p14="http://schemas.microsoft.com/office/powerpoint/2010/main" val="2458755005"/>
+                <p14:modId xmlns:p14="http://schemas.microsoft.com/office/powerpoint/2010/main" val="2410769846"/>
               </p:ext>
             </p:extLst>
           </p:nvPr>
         </p:nvGraphicFramePr>
         <p:xfrm>
-          <a:off x="381000" y="1692937"/>
+          <a:off x="381000" y="1690688"/>
           <a:ext cx="11430000" cy="4572000"/>
         </p:xfrm>
         <a:graphic>
@@ -14932,7 +14902,7 @@
     </p:spTree>
     <p:extLst>
       <p:ext uri="{BB962C8B-B14F-4D97-AF65-F5344CB8AC3E}">
-        <p14:creationId xmlns:p14="http://schemas.microsoft.com/office/powerpoint/2010/main" val="3650895920"/>
+        <p14:creationId xmlns:p14="http://schemas.microsoft.com/office/powerpoint/2010/main" val="2673443158"/>
       </p:ext>
     </p:extLst>
   </p:cSld>
